--- a/kubernetes/03_labels_and_deployments.pptx
+++ b/kubernetes/03_labels_and_deployments.pptx
@@ -5,19 +5,21 @@
     <p:sldMasterId id="2147483733" r:id="rId1"/>
   </p:sldMasterIdLst>
   <p:notesMasterIdLst>
-    <p:notesMasterId r:id="rId9"/>
+    <p:notesMasterId r:id="rId11"/>
   </p:notesMasterIdLst>
   <p:handoutMasterIdLst>
-    <p:handoutMasterId r:id="rId10"/>
+    <p:handoutMasterId r:id="rId12"/>
   </p:handoutMasterIdLst>
   <p:sldIdLst>
     <p:sldId id="433" r:id="rId2"/>
     <p:sldId id="442" r:id="rId3"/>
     <p:sldId id="443" r:id="rId4"/>
-    <p:sldId id="364" r:id="rId5"/>
-    <p:sldId id="440" r:id="rId6"/>
-    <p:sldId id="436" r:id="rId7"/>
-    <p:sldId id="265" r:id="rId8"/>
+    <p:sldId id="444" r:id="rId5"/>
+    <p:sldId id="445" r:id="rId6"/>
+    <p:sldId id="364" r:id="rId7"/>
+    <p:sldId id="440" r:id="rId8"/>
+    <p:sldId id="436" r:id="rId9"/>
+    <p:sldId id="265" r:id="rId10"/>
   </p:sldIdLst>
   <p:sldSz cx="12195175" cy="6858000"/>
   <p:notesSz cx="6858000" cy="9144000"/>
@@ -556,7 +558,7 @@
             <a:fld id="{7D8C2C35-2B8A-446E-BEC0-FD36716C29AC}" type="slidenum">
               <a:rPr lang="de-DE" smtClean="0"/>
               <a:pPr/>
-              <a:t>6</a:t>
+              <a:t>8</a:t>
             </a:fld>
             <a:endParaRPr lang="de-DE" dirty="0"/>
           </a:p>
@@ -648,7 +650,7 @@
             <a:fld id="{7D8C2C35-2B8A-446E-BEC0-FD36716C29AC}" type="slidenum">
               <a:rPr lang="de-DE" smtClean="0"/>
               <a:pPr/>
-              <a:t>7</a:t>
+              <a:t>9</a:t>
             </a:fld>
             <a:endParaRPr lang="de-DE" dirty="0"/>
           </a:p>
@@ -9151,6 +9153,156 @@
       </p:grpSpPr>
       <p:sp>
         <p:nvSpPr>
+          <p:cNvPr id="3" name="Title 2"/>
+          <p:cNvSpPr>
+            <a:spLocks noGrp="1"/>
+          </p:cNvSpPr>
+          <p:nvPr>
+            <p:ph type="ctrTitle"/>
+          </p:nvPr>
+        </p:nvSpPr>
+        <p:spPr/>
+        <p:txBody>
+          <a:bodyPr/>
+          <a:lstStyle/>
+          <a:p>
+            <a:r>
+              <a:rPr lang="en-US" dirty="0"/>
+              <a:t>Demo</a:t>
+            </a:r>
+          </a:p>
+        </p:txBody>
+      </p:sp>
+    </p:spTree>
+    <p:extLst>
+      <p:ext uri="{BB962C8B-B14F-4D97-AF65-F5344CB8AC3E}">
+        <p14:creationId xmlns:p14="http://schemas.microsoft.com/office/powerpoint/2010/main" val="1080792618"/>
+      </p:ext>
+    </p:extLst>
+  </p:cSld>
+  <p:clrMapOvr>
+    <a:masterClrMapping/>
+  </p:clrMapOvr>
+</p:sld>
+</file>
+
+<file path=ppt/slides/slide5.xml><?xml version="1.0" encoding="utf-8"?>
+<p:sld xmlns:a="http://schemas.openxmlformats.org/drawingml/2006/main" xmlns:r="http://schemas.openxmlformats.org/officeDocument/2006/relationships" xmlns:p="http://schemas.openxmlformats.org/presentationml/2006/main" show="0">
+  <p:cSld>
+    <p:spTree>
+      <p:nvGrpSpPr>
+        <p:cNvPr id="1" name=""/>
+        <p:cNvGrpSpPr/>
+        <p:nvPr/>
+      </p:nvGrpSpPr>
+      <p:grpSpPr>
+        <a:xfrm>
+          <a:off x="0" y="0"/>
+          <a:ext cx="0" cy="0"/>
+          <a:chOff x="0" y="0"/>
+          <a:chExt cx="0" cy="0"/>
+        </a:xfrm>
+      </p:grpSpPr>
+      <p:sp>
+        <p:nvSpPr>
+          <p:cNvPr id="4" name="Text Placeholder 3"/>
+          <p:cNvSpPr>
+            <a:spLocks noGrp="1"/>
+          </p:cNvSpPr>
+          <p:nvPr>
+            <p:ph type="body" sz="quarter" idx="10"/>
+          </p:nvPr>
+        </p:nvSpPr>
+        <p:spPr/>
+        <p:txBody>
+          <a:bodyPr/>
+          <a:lstStyle/>
+          <a:p>
+            <a:pPr marL="342900" indent="-342900">
+              <a:buFontTx/>
+              <a:buChar char="-"/>
+            </a:pPr>
+            <a:r>
+              <a:rPr lang="en-US" dirty="0"/>
+              <a:t>Show labels of node pools</a:t>
+            </a:r>
+          </a:p>
+          <a:p>
+            <a:pPr marL="342900" indent="-342900">
+              <a:buFontTx/>
+              <a:buChar char="-"/>
+            </a:pPr>
+            <a:r>
+              <a:rPr lang="en-US" dirty="0"/>
+              <a:t>Label a pod that was created before</a:t>
+            </a:r>
+          </a:p>
+          <a:p>
+            <a:pPr marL="342900" indent="-342900">
+              <a:buFontTx/>
+              <a:buChar char="-"/>
+            </a:pPr>
+            <a:r>
+              <a:rPr lang="en-US" dirty="0"/>
+              <a:t>Query with labels</a:t>
+            </a:r>
+          </a:p>
+        </p:txBody>
+      </p:sp>
+      <p:sp>
+        <p:nvSpPr>
+          <p:cNvPr id="3" name="Title 2"/>
+          <p:cNvSpPr>
+            <a:spLocks noGrp="1"/>
+          </p:cNvSpPr>
+          <p:nvPr>
+            <p:ph type="title"/>
+          </p:nvPr>
+        </p:nvSpPr>
+        <p:spPr/>
+        <p:txBody>
+          <a:bodyPr/>
+          <a:lstStyle/>
+          <a:p>
+            <a:r>
+              <a:rPr lang="en-US" dirty="0"/>
+              <a:t>Demo</a:t>
+            </a:r>
+          </a:p>
+        </p:txBody>
+      </p:sp>
+    </p:spTree>
+    <p:extLst>
+      <p:ext uri="{BB962C8B-B14F-4D97-AF65-F5344CB8AC3E}">
+        <p14:creationId xmlns:p14="http://schemas.microsoft.com/office/powerpoint/2010/main" val="2107498412"/>
+      </p:ext>
+    </p:extLst>
+  </p:cSld>
+  <p:clrMapOvr>
+    <a:masterClrMapping/>
+  </p:clrMapOvr>
+</p:sld>
+</file>
+
+<file path=ppt/slides/slide6.xml><?xml version="1.0" encoding="utf-8"?>
+<p:sld xmlns:a="http://schemas.openxmlformats.org/drawingml/2006/main" xmlns:r="http://schemas.openxmlformats.org/officeDocument/2006/relationships" xmlns:p="http://schemas.openxmlformats.org/presentationml/2006/main">
+  <p:cSld>
+    <p:spTree>
+      <p:nvGrpSpPr>
+        <p:cNvPr id="1" name=""/>
+        <p:cNvGrpSpPr/>
+        <p:nvPr/>
+      </p:nvGrpSpPr>
+      <p:grpSpPr>
+        <a:xfrm>
+          <a:off x="0" y="0"/>
+          <a:ext cx="0" cy="0"/>
+          <a:chOff x="0" y="0"/>
+          <a:chExt cx="0" cy="0"/>
+        </a:xfrm>
+      </p:grpSpPr>
+      <p:sp>
+        <p:nvSpPr>
           <p:cNvPr id="30" name="Rectangle 29"/>
           <p:cNvSpPr/>
           <p:nvPr/>
@@ -10890,7 +11042,7 @@
 </p:sld>
 </file>
 
-<file path=ppt/slides/slide5.xml><?xml version="1.0" encoding="utf-8"?>
+<file path=ppt/slides/slide7.xml><?xml version="1.0" encoding="utf-8"?>
 <p:sld xmlns:a="http://schemas.openxmlformats.org/drawingml/2006/main" xmlns:r="http://schemas.openxmlformats.org/officeDocument/2006/relationships" xmlns:p="http://schemas.openxmlformats.org/presentationml/2006/main">
   <p:cSld>
     <p:spTree>
@@ -12052,7 +12204,7 @@
 </p:sld>
 </file>
 
-<file path=ppt/slides/slide6.xml><?xml version="1.0" encoding="utf-8"?>
+<file path=ppt/slides/slide8.xml><?xml version="1.0" encoding="utf-8"?>
 <p:sld xmlns:a="http://schemas.openxmlformats.org/drawingml/2006/main" xmlns:r="http://schemas.openxmlformats.org/officeDocument/2006/relationships" xmlns:p="http://schemas.openxmlformats.org/presentationml/2006/main">
   <p:cSld>
     <p:spTree>
@@ -12208,7 +12360,7 @@
 </p:sld>
 </file>
 
-<file path=ppt/slides/slide7.xml><?xml version="1.0" encoding="utf-8"?>
+<file path=ppt/slides/slide9.xml><?xml version="1.0" encoding="utf-8"?>
 <p:sld xmlns:a="http://schemas.openxmlformats.org/drawingml/2006/main" xmlns:r="http://schemas.openxmlformats.org/officeDocument/2006/relationships" xmlns:p="http://schemas.openxmlformats.org/presentationml/2006/main" show="0">
   <p:cSld>
     <p:spTree>

--- a/kubernetes/03_labels_and_deployments.pptx
+++ b/kubernetes/03_labels_and_deployments.pptx
@@ -5,21 +5,22 @@
     <p:sldMasterId id="2147483733" r:id="rId1"/>
   </p:sldMasterIdLst>
   <p:notesMasterIdLst>
-    <p:notesMasterId r:id="rId11"/>
+    <p:notesMasterId r:id="rId12"/>
   </p:notesMasterIdLst>
   <p:handoutMasterIdLst>
-    <p:handoutMasterId r:id="rId12"/>
+    <p:handoutMasterId r:id="rId13"/>
   </p:handoutMasterIdLst>
   <p:sldIdLst>
     <p:sldId id="433" r:id="rId2"/>
     <p:sldId id="442" r:id="rId3"/>
-    <p:sldId id="443" r:id="rId4"/>
-    <p:sldId id="444" r:id="rId5"/>
-    <p:sldId id="445" r:id="rId6"/>
-    <p:sldId id="364" r:id="rId7"/>
-    <p:sldId id="440" r:id="rId8"/>
-    <p:sldId id="436" r:id="rId9"/>
-    <p:sldId id="265" r:id="rId10"/>
+    <p:sldId id="446" r:id="rId4"/>
+    <p:sldId id="443" r:id="rId5"/>
+    <p:sldId id="444" r:id="rId6"/>
+    <p:sldId id="445" r:id="rId7"/>
+    <p:sldId id="364" r:id="rId8"/>
+    <p:sldId id="440" r:id="rId9"/>
+    <p:sldId id="436" r:id="rId10"/>
+    <p:sldId id="265" r:id="rId11"/>
   </p:sldIdLst>
   <p:sldSz cx="12195175" cy="6858000"/>
   <p:notesSz cx="6858000" cy="9144000"/>
@@ -542,6 +543,83 @@
       </p:grpSpPr>
       <p:sp>
         <p:nvSpPr>
+          <p:cNvPr id="2" name="Slide Image Placeholder 1"/>
+          <p:cNvSpPr>
+            <a:spLocks noGrp="1" noRot="1" noChangeAspect="1"/>
+          </p:cNvSpPr>
+          <p:nvPr>
+            <p:ph type="sldImg"/>
+          </p:nvPr>
+        </p:nvSpPr>
+        <p:spPr/>
+      </p:sp>
+      <p:sp>
+        <p:nvSpPr>
+          <p:cNvPr id="3" name="Notes Placeholder 2"/>
+          <p:cNvSpPr>
+            <a:spLocks noGrp="1"/>
+          </p:cNvSpPr>
+          <p:nvPr>
+            <p:ph type="body" idx="1"/>
+          </p:nvPr>
+        </p:nvSpPr>
+        <p:spPr/>
+        <p:txBody>
+          <a:bodyPr/>
+          <a:lstStyle/>
+          <a:p>
+            <a:r>
+              <a:rPr lang="en-US" dirty="0"/>
+              <a:t>How labels &amp; selectors work here:</a:t>
+            </a:r>
+          </a:p>
+          <a:p>
+            <a:pPr marL="285750" indent="-285750">
+              <a:buFontTx/>
+              <a:buChar char="-"/>
+            </a:pPr>
+            <a:r>
+              <a:rPr lang="en-US" dirty="0"/>
+              <a:t>Names of pods can change</a:t>
+            </a:r>
+          </a:p>
+          <a:p>
+            <a:pPr marL="285750" indent="-285750">
+              <a:buFontTx/>
+              <a:buChar char="-"/>
+            </a:pPr>
+            <a:r>
+              <a:rPr lang="en-US" dirty="0"/>
+              <a:t>Labels stay</a:t>
+            </a:r>
+            <a:r>
+              <a:rPr lang="en-US" baseline="0" dirty="0"/>
+              <a:t> the same</a:t>
+            </a:r>
+          </a:p>
+          <a:p>
+            <a:pPr marL="285750" indent="-285750">
+              <a:buFontTx/>
+              <a:buChar char="-"/>
+            </a:pPr>
+            <a:r>
+              <a:rPr lang="en-US" baseline="0" dirty="0"/>
+              <a:t>Only with labels pods related to </a:t>
+            </a:r>
+            <a:r>
+              <a:rPr lang="en-US" baseline="0" dirty="0" err="1"/>
+              <a:t>rs</a:t>
+            </a:r>
+            <a:r>
+              <a:rPr lang="en-US" baseline="0" dirty="0"/>
+              <a:t>/deployment can be determined reliably</a:t>
+            </a:r>
+            <a:endParaRPr lang="en-US" dirty="0"/>
+          </a:p>
+        </p:txBody>
+      </p:sp>
+      <p:sp>
+        <p:nvSpPr>
           <p:cNvPr id="4" name="Slide Number Placeholder 3"/>
           <p:cNvSpPr>
             <a:spLocks noGrp="1"/>
@@ -564,48 +642,10 @@
           </a:p>
         </p:txBody>
       </p:sp>
-      <p:sp>
-        <p:nvSpPr>
-          <p:cNvPr id="9" name="Slide Image Placeholder 8"/>
-          <p:cNvSpPr>
-            <a:spLocks noGrp="1" noRot="1" noChangeAspect="1"/>
-          </p:cNvSpPr>
-          <p:nvPr>
-            <p:ph type="sldImg"/>
-          </p:nvPr>
-        </p:nvSpPr>
-        <p:spPr>
-          <a:xfrm>
-            <a:off x="547688" y="612775"/>
-            <a:ext cx="5762625" cy="3241675"/>
-          </a:xfrm>
-        </p:spPr>
-      </p:sp>
-      <p:sp>
-        <p:nvSpPr>
-          <p:cNvPr id="10" name="Notes Placeholder 9"/>
-          <p:cNvSpPr>
-            <a:spLocks noGrp="1"/>
-          </p:cNvSpPr>
-          <p:nvPr>
-            <p:ph type="body" idx="1"/>
-          </p:nvPr>
-        </p:nvSpPr>
-        <p:spPr/>
-        <p:txBody>
-          <a:bodyPr>
-            <a:normAutofit/>
-          </a:bodyPr>
-          <a:lstStyle/>
-          <a:p>
-            <a:endParaRPr lang="en-US"/>
-          </a:p>
-        </p:txBody>
-      </p:sp>
     </p:spTree>
     <p:extLst>
       <p:ext uri="{BB962C8B-B14F-4D97-AF65-F5344CB8AC3E}">
-        <p14:creationId xmlns:p14="http://schemas.microsoft.com/office/powerpoint/2010/main" val="3094605481"/>
+        <p14:creationId xmlns:p14="http://schemas.microsoft.com/office/powerpoint/2010/main" val="2647646029"/>
       </p:ext>
     </p:extLst>
   </p:cSld>
@@ -651,6 +691,98 @@
               <a:rPr lang="de-DE" smtClean="0"/>
               <a:pPr/>
               <a:t>9</a:t>
+            </a:fld>
+            <a:endParaRPr lang="de-DE" dirty="0"/>
+          </a:p>
+        </p:txBody>
+      </p:sp>
+      <p:sp>
+        <p:nvSpPr>
+          <p:cNvPr id="9" name="Slide Image Placeholder 8"/>
+          <p:cNvSpPr>
+            <a:spLocks noGrp="1" noRot="1" noChangeAspect="1"/>
+          </p:cNvSpPr>
+          <p:nvPr>
+            <p:ph type="sldImg"/>
+          </p:nvPr>
+        </p:nvSpPr>
+        <p:spPr>
+          <a:xfrm>
+            <a:off x="547688" y="612775"/>
+            <a:ext cx="5762625" cy="3241675"/>
+          </a:xfrm>
+        </p:spPr>
+      </p:sp>
+      <p:sp>
+        <p:nvSpPr>
+          <p:cNvPr id="10" name="Notes Placeholder 9"/>
+          <p:cNvSpPr>
+            <a:spLocks noGrp="1"/>
+          </p:cNvSpPr>
+          <p:nvPr>
+            <p:ph type="body" idx="1"/>
+          </p:nvPr>
+        </p:nvSpPr>
+        <p:spPr/>
+        <p:txBody>
+          <a:bodyPr>
+            <a:normAutofit/>
+          </a:bodyPr>
+          <a:lstStyle/>
+          <a:p>
+            <a:endParaRPr lang="en-US"/>
+          </a:p>
+        </p:txBody>
+      </p:sp>
+    </p:spTree>
+    <p:extLst>
+      <p:ext uri="{BB962C8B-B14F-4D97-AF65-F5344CB8AC3E}">
+        <p14:creationId xmlns:p14="http://schemas.microsoft.com/office/powerpoint/2010/main" val="3094605481"/>
+      </p:ext>
+    </p:extLst>
+  </p:cSld>
+  <p:clrMapOvr>
+    <a:masterClrMapping/>
+  </p:clrMapOvr>
+</p:notes>
+</file>
+
+<file path=ppt/notesSlides/notesSlide3.xml><?xml version="1.0" encoding="utf-8"?>
+<p:notes xmlns:a="http://schemas.openxmlformats.org/drawingml/2006/main" xmlns:r="http://schemas.openxmlformats.org/officeDocument/2006/relationships" xmlns:p="http://schemas.openxmlformats.org/presentationml/2006/main">
+  <p:cSld>
+    <p:spTree>
+      <p:nvGrpSpPr>
+        <p:cNvPr id="1" name=""/>
+        <p:cNvGrpSpPr/>
+        <p:nvPr/>
+      </p:nvGrpSpPr>
+      <p:grpSpPr>
+        <a:xfrm>
+          <a:off x="0" y="0"/>
+          <a:ext cx="0" cy="0"/>
+          <a:chOff x="0" y="0"/>
+          <a:chExt cx="0" cy="0"/>
+        </a:xfrm>
+      </p:grpSpPr>
+      <p:sp>
+        <p:nvSpPr>
+          <p:cNvPr id="4" name="Slide Number Placeholder 3"/>
+          <p:cNvSpPr>
+            <a:spLocks noGrp="1"/>
+          </p:cNvSpPr>
+          <p:nvPr>
+            <p:ph type="sldNum" sz="quarter" idx="10"/>
+          </p:nvPr>
+        </p:nvSpPr>
+        <p:spPr/>
+        <p:txBody>
+          <a:bodyPr/>
+          <a:lstStyle/>
+          <a:p>
+            <a:fld id="{7D8C2C35-2B8A-446E-BEC0-FD36716C29AC}" type="slidenum">
+              <a:rPr lang="de-DE" smtClean="0"/>
+              <a:pPr/>
+              <a:t>10</a:t>
             </a:fld>
             <a:endParaRPr lang="de-DE" dirty="0"/>
           </a:p>
@@ -8281,6 +8413,32 @@
 </p:sld>
 </file>
 
+<file path=ppt/slides/slide10.xml><?xml version="1.0" encoding="utf-8"?>
+<p:sld xmlns:a="http://schemas.openxmlformats.org/drawingml/2006/main" xmlns:r="http://schemas.openxmlformats.org/officeDocument/2006/relationships" xmlns:p="http://schemas.openxmlformats.org/presentationml/2006/main" show="0">
+  <p:cSld>
+    <p:spTree>
+      <p:nvGrpSpPr>
+        <p:cNvPr id="1" name=""/>
+        <p:cNvGrpSpPr/>
+        <p:nvPr/>
+      </p:nvGrpSpPr>
+      <p:grpSpPr>
+        <a:xfrm>
+          <a:off x="0" y="0"/>
+          <a:ext cx="0" cy="0"/>
+          <a:chOff x="0" y="0"/>
+          <a:chExt cx="0" cy="0"/>
+        </a:xfrm>
+      </p:grpSpPr>
+    </p:spTree>
+  </p:cSld>
+  <p:clrMapOvr>
+    <a:masterClrMapping/>
+  </p:clrMapOvr>
+  <p:transition spd="med"/>
+</p:sld>
+</file>
+
 <file path=ppt/slides/slide2.xml><?xml version="1.0" encoding="utf-8"?>
 <p:sld xmlns:a="http://schemas.openxmlformats.org/drawingml/2006/main" xmlns:r="http://schemas.openxmlformats.org/officeDocument/2006/relationships" xmlns:p="http://schemas.openxmlformats.org/presentationml/2006/main">
   <p:cSld>
@@ -8754,6 +8912,72 @@
       </p:grpSpPr>
       <p:sp>
         <p:nvSpPr>
+          <p:cNvPr id="11" name="Rectangle: Rounded Corners 10"/>
+          <p:cNvSpPr/>
+          <p:nvPr/>
+        </p:nvSpPr>
+        <p:spPr bwMode="gray">
+          <a:xfrm>
+            <a:off x="1313895" y="3231470"/>
+            <a:ext cx="8904303" cy="2476870"/>
+          </a:xfrm>
+          <a:prstGeom prst="roundRect">
+            <a:avLst/>
+          </a:prstGeom>
+          <a:ln>
+            <a:headEnd/>
+            <a:tailEnd/>
+          </a:ln>
+        </p:spPr>
+        <p:style>
+          <a:lnRef idx="2">
+            <a:schemeClr val="accent2"/>
+          </a:lnRef>
+          <a:fillRef idx="1">
+            <a:schemeClr val="lt1"/>
+          </a:fillRef>
+          <a:effectRef idx="0">
+            <a:schemeClr val="accent2"/>
+          </a:effectRef>
+          <a:fontRef idx="minor">
+            <a:schemeClr val="dk1"/>
+          </a:fontRef>
+        </p:style>
+        <p:txBody>
+          <a:bodyPr lIns="90000" tIns="72000" rIns="90000" bIns="72000" rtlCol="0" anchor="ctr"/>
+          <a:lstStyle/>
+          <a:p>
+            <a:pPr marR="0" algn="ctr" defTabSz="914400" eaLnBrk="1" fontAlgn="base" latinLnBrk="0" hangingPunct="1">
+              <a:lnSpc>
+                <a:spcPct val="100000"/>
+              </a:lnSpc>
+              <a:spcBef>
+                <a:spcPct val="50000"/>
+              </a:spcBef>
+              <a:spcAft>
+                <a:spcPct val="0"/>
+              </a:spcAft>
+              <a:buClr>
+                <a:srgbClr val="F0AB00"/>
+              </a:buClr>
+              <a:buSzPct val="80000"/>
+              <a:tabLst/>
+            </a:pPr>
+            <a:endParaRPr kumimoji="0" lang="en-US" sz="1800" b="0" i="0" u="none" strike="noStrike" kern="0" cap="none" spc="0" normalizeH="0" baseline="0" noProof="0" dirty="0" err="1">
+              <a:ln>
+                <a:noFill/>
+              </a:ln>
+              <a:effectLst/>
+              <a:uLnTx/>
+              <a:uFillTx/>
+              <a:ea typeface="Arial Unicode MS" pitchFamily="34" charset="-128"/>
+              <a:cs typeface="Arial Unicode MS" pitchFamily="34" charset="-128"/>
+            </a:endParaRPr>
+          </a:p>
+        </p:txBody>
+      </p:sp>
+      <p:sp>
+        <p:nvSpPr>
           <p:cNvPr id="2" name="Title 1"/>
           <p:cNvSpPr>
             <a:spLocks noGrp="1"/>
@@ -8768,26 +8992,9 @@
           <a:lstStyle/>
           <a:p>
             <a:r>
-              <a:rPr lang="de-DE" dirty="0" err="1"/>
-              <a:t>Using</a:t>
-            </a:r>
-            <a:r>
-              <a:rPr lang="de-DE" dirty="0"/>
-              <a:t> </a:t>
-            </a:r>
-            <a:r>
-              <a:rPr lang="de-DE" dirty="0" err="1"/>
-              <a:t>labels</a:t>
-            </a:r>
-            <a:r>
-              <a:rPr lang="de-DE" dirty="0"/>
-              <a:t> &amp; </a:t>
-            </a:r>
-            <a:r>
-              <a:rPr lang="de-DE" dirty="0" err="1"/>
-              <a:t>selectors</a:t>
-            </a:r>
-            <a:endParaRPr lang="de-DE" dirty="0"/>
+              <a:rPr lang="en-US" dirty="0"/>
+              <a:t>Why do we need labels &amp; selectors?</a:t>
+            </a:r>
           </a:p>
         </p:txBody>
       </p:sp>
@@ -8801,8 +9008,8 @@
         </p:nvSpPr>
         <p:spPr>
           <a:xfrm>
-            <a:off x="504000" y="1124700"/>
-            <a:ext cx="8159939" cy="4727460"/>
+            <a:off x="1640342" y="1497562"/>
+            <a:ext cx="8728777" cy="997063"/>
           </a:xfrm>
           <a:prstGeom prst="rect">
             <a:avLst/>
@@ -8968,114 +9175,1139 @@
             </a:lvl9pPr>
           </a:lstStyle>
           <a:p>
-            <a:pPr lvl="1"/>
-            <a:r>
-              <a:rPr lang="en-US" dirty="0"/>
-              <a:t>With </a:t>
-            </a:r>
-            <a:r>
-              <a:rPr lang="en-US" dirty="0" err="1"/>
-              <a:t>kubectl</a:t>
-            </a:r>
-            <a:r>
-              <a:rPr lang="en-US" dirty="0"/>
-              <a:t>:</a:t>
-            </a:r>
-          </a:p>
-          <a:p>
-            <a:pPr lvl="2"/>
-            <a:r>
-              <a:rPr lang="en-US" dirty="0"/>
-              <a:t>Attach a label to a resource: “</a:t>
-            </a:r>
-            <a:r>
-              <a:rPr lang="en-US" dirty="0" err="1"/>
-              <a:t>kubectl</a:t>
-            </a:r>
-            <a:r>
-              <a:rPr lang="en-US" dirty="0"/>
-              <a:t> label pod </a:t>
-            </a:r>
-            <a:r>
-              <a:rPr lang="en-US" dirty="0" err="1"/>
-              <a:t>mypod</a:t>
-            </a:r>
-            <a:r>
-              <a:rPr lang="en-US" dirty="0"/>
-              <a:t> status=awesome”</a:t>
-            </a:r>
-          </a:p>
-          <a:p>
-            <a:pPr lvl="2"/>
-            <a:r>
-              <a:rPr lang="en-US" dirty="0"/>
-              <a:t>Filter for labels: “</a:t>
-            </a:r>
-            <a:r>
-              <a:rPr lang="en-US" dirty="0" err="1"/>
-              <a:t>kubectl</a:t>
-            </a:r>
-            <a:r>
-              <a:rPr lang="en-US" dirty="0"/>
-              <a:t> get pods –l status=awesome”</a:t>
-            </a:r>
-          </a:p>
-          <a:p>
-            <a:pPr lvl="1"/>
-            <a:endParaRPr lang="en-US" dirty="0"/>
-          </a:p>
-          <a:p>
-            <a:pPr lvl="1"/>
-            <a:r>
-              <a:rPr lang="en-US" dirty="0"/>
-              <a:t>Labels &amp; selectors in resources</a:t>
-            </a:r>
-          </a:p>
-          <a:p>
-            <a:pPr lvl="2"/>
-            <a:r>
-              <a:rPr lang="en-US" dirty="0" err="1"/>
-              <a:t>metadata.labels</a:t>
-            </a:r>
-            <a:r>
-              <a:rPr lang="en-US" dirty="0"/>
+            <a:pPr marL="0" lvl="1" indent="0">
+              <a:buNone/>
+            </a:pPr>
+            <a:r>
+              <a:rPr lang="en-US" b="1" dirty="0"/>
+              <a:t>“In an environment, where names can change and most thing are ephemeral, we need a mechanism to identify a single or a set of objects reliably”</a:t>
+            </a:r>
+          </a:p>
+        </p:txBody>
+      </p:sp>
+      <p:sp>
+        <p:nvSpPr>
+          <p:cNvPr id="4" name="Rectangle 3"/>
+          <p:cNvSpPr/>
+          <p:nvPr/>
+        </p:nvSpPr>
+        <p:spPr bwMode="gray">
+          <a:xfrm>
+            <a:off x="2595087" y="4195241"/>
+            <a:ext cx="1208595" cy="773906"/>
+          </a:xfrm>
+          <a:prstGeom prst="rect">
+            <a:avLst/>
+          </a:prstGeom>
+          <a:ln>
+            <a:headEnd/>
+            <a:tailEnd/>
+          </a:ln>
+        </p:spPr>
+        <p:style>
+          <a:lnRef idx="2">
+            <a:schemeClr val="accent2">
+              <a:shade val="50000"/>
+            </a:schemeClr>
+          </a:lnRef>
+          <a:fillRef idx="1">
+            <a:schemeClr val="accent2"/>
+          </a:fillRef>
+          <a:effectRef idx="0">
+            <a:schemeClr val="accent2"/>
+          </a:effectRef>
+          <a:fontRef idx="minor">
+            <a:schemeClr val="lt1"/>
+          </a:fontRef>
+        </p:style>
+        <p:txBody>
+          <a:bodyPr lIns="90000" tIns="72000" rIns="90000" bIns="72000" rtlCol="0" anchor="ctr"/>
+          <a:lstStyle/>
+          <a:p>
+            <a:pPr marR="0" algn="ctr" defTabSz="914400" eaLnBrk="1" fontAlgn="base" latinLnBrk="0" hangingPunct="1">
+              <a:lnSpc>
+                <a:spcPct val="100000"/>
+              </a:lnSpc>
+              <a:spcBef>
+                <a:spcPct val="50000"/>
+              </a:spcBef>
+              <a:spcAft>
+                <a:spcPct val="0"/>
+              </a:spcAft>
+              <a:buClr>
+                <a:srgbClr val="F0AB00"/>
+              </a:buClr>
+              <a:buSzPct val="80000"/>
+              <a:tabLst/>
+            </a:pPr>
+            <a:r>
+              <a:rPr lang="de-DE" sz="1600" b="1" kern="0" noProof="0" dirty="0" err="1">
+                <a:ea typeface="Arial Unicode MS" pitchFamily="34" charset="-128"/>
+                <a:cs typeface="Arial Unicode MS" pitchFamily="34" charset="-128"/>
+              </a:rPr>
+              <a:t>Pod</a:t>
+            </a:r>
+            <a:r>
+              <a:rPr lang="de-DE" sz="1600" b="1" kern="0" noProof="0" dirty="0">
+                <a:ea typeface="Arial Unicode MS" pitchFamily="34" charset="-128"/>
+                <a:cs typeface="Arial Unicode MS" pitchFamily="34" charset="-128"/>
+              </a:rPr>
+              <a:t>-A</a:t>
+            </a:r>
+            <a:endParaRPr kumimoji="0" lang="de-DE" sz="1600" b="1" i="0" u="none" strike="noStrike" kern="0" cap="none" spc="0" normalizeH="0" baseline="0" noProof="0" dirty="0">
+              <a:ln>
+                <a:noFill/>
+              </a:ln>
+              <a:effectLst/>
+              <a:uLnTx/>
+              <a:uFillTx/>
+              <a:ea typeface="Arial Unicode MS" pitchFamily="34" charset="-128"/>
+              <a:cs typeface="Arial Unicode MS" pitchFamily="34" charset="-128"/>
+            </a:endParaRPr>
+          </a:p>
+        </p:txBody>
+      </p:sp>
+      <p:sp>
+        <p:nvSpPr>
+          <p:cNvPr id="5" name="Rectangle 4"/>
+          <p:cNvSpPr/>
+          <p:nvPr/>
+        </p:nvSpPr>
+        <p:spPr bwMode="gray">
+          <a:xfrm>
+            <a:off x="1576038" y="4012361"/>
+            <a:ext cx="1645920" cy="365760"/>
+          </a:xfrm>
+          <a:prstGeom prst="rect">
+            <a:avLst/>
+          </a:prstGeom>
+          <a:ln>
+            <a:headEnd/>
+            <a:tailEnd/>
+          </a:ln>
+        </p:spPr>
+        <p:style>
+          <a:lnRef idx="2">
+            <a:schemeClr val="accent2"/>
+          </a:lnRef>
+          <a:fillRef idx="1">
+            <a:schemeClr val="lt1"/>
+          </a:fillRef>
+          <a:effectRef idx="0">
+            <a:schemeClr val="accent2"/>
+          </a:effectRef>
+          <a:fontRef idx="minor">
+            <a:schemeClr val="dk1"/>
+          </a:fontRef>
+        </p:style>
+        <p:txBody>
+          <a:bodyPr lIns="90000" tIns="72000" rIns="90000" bIns="72000" rtlCol="0" anchor="ctr"/>
+          <a:lstStyle/>
+          <a:p>
+            <a:pPr marR="0" algn="ctr" defTabSz="914400" eaLnBrk="1" fontAlgn="base" latinLnBrk="0" hangingPunct="1">
+              <a:lnSpc>
+                <a:spcPct val="100000"/>
+              </a:lnSpc>
+              <a:spcBef>
+                <a:spcPct val="50000"/>
+              </a:spcBef>
+              <a:spcAft>
+                <a:spcPct val="0"/>
+              </a:spcAft>
+              <a:buClr>
+                <a:srgbClr val="F0AB00"/>
+              </a:buClr>
+              <a:buSzPct val="80000"/>
+              <a:tabLst/>
+            </a:pPr>
+            <a:r>
+              <a:rPr lang="de-DE" sz="1800" kern="0" dirty="0" err="1">
+                <a:ea typeface="Arial Unicode MS" pitchFamily="34" charset="-128"/>
+                <a:cs typeface="Arial Unicode MS" pitchFamily="34" charset="-128"/>
+              </a:rPr>
+              <a:t>app</a:t>
+            </a:r>
+            <a:r>
+              <a:rPr lang="de-DE" sz="1800" kern="0" dirty="0">
+                <a:ea typeface="Arial Unicode MS" pitchFamily="34" charset="-128"/>
+                <a:cs typeface="Arial Unicode MS" pitchFamily="34" charset="-128"/>
+              </a:rPr>
+              <a:t>: </a:t>
+            </a:r>
+            <a:r>
+              <a:rPr lang="de-DE" sz="1800" kern="0" dirty="0" err="1">
+                <a:ea typeface="Arial Unicode MS" pitchFamily="34" charset="-128"/>
+                <a:cs typeface="Arial Unicode MS" pitchFamily="34" charset="-128"/>
+              </a:rPr>
+              <a:t>nginx</a:t>
+            </a:r>
+            <a:endParaRPr kumimoji="0" lang="de-DE" sz="1800" b="0" i="0" u="none" strike="noStrike" kern="0" cap="none" spc="0" normalizeH="0" baseline="0" noProof="0" dirty="0">
+              <a:ln>
+                <a:noFill/>
+              </a:ln>
+              <a:effectLst/>
+              <a:uLnTx/>
+              <a:uFillTx/>
+              <a:ea typeface="Arial Unicode MS" pitchFamily="34" charset="-128"/>
+              <a:cs typeface="Arial Unicode MS" pitchFamily="34" charset="-128"/>
+            </a:endParaRPr>
+          </a:p>
+        </p:txBody>
+      </p:sp>
+      <p:sp>
+        <p:nvSpPr>
+          <p:cNvPr id="6" name="Rectangle 5"/>
+          <p:cNvSpPr/>
+          <p:nvPr/>
+        </p:nvSpPr>
+        <p:spPr bwMode="gray">
+          <a:xfrm>
+            <a:off x="5400432" y="4195241"/>
+            <a:ext cx="1208595" cy="773906"/>
+          </a:xfrm>
+          <a:prstGeom prst="rect">
+            <a:avLst/>
+          </a:prstGeom>
+          <a:ln>
+            <a:headEnd/>
+            <a:tailEnd/>
+          </a:ln>
+        </p:spPr>
+        <p:style>
+          <a:lnRef idx="2">
+            <a:schemeClr val="accent2">
+              <a:shade val="50000"/>
+            </a:schemeClr>
+          </a:lnRef>
+          <a:fillRef idx="1">
+            <a:schemeClr val="accent2"/>
+          </a:fillRef>
+          <a:effectRef idx="0">
+            <a:schemeClr val="accent2"/>
+          </a:effectRef>
+          <a:fontRef idx="minor">
+            <a:schemeClr val="lt1"/>
+          </a:fontRef>
+        </p:style>
+        <p:txBody>
+          <a:bodyPr lIns="90000" tIns="72000" rIns="90000" bIns="72000" rtlCol="0" anchor="ctr"/>
+          <a:lstStyle/>
+          <a:p>
+            <a:pPr marR="0" algn="ctr" defTabSz="914400" eaLnBrk="1" fontAlgn="base" latinLnBrk="0" hangingPunct="1">
+              <a:lnSpc>
+                <a:spcPct val="100000"/>
+              </a:lnSpc>
+              <a:spcBef>
+                <a:spcPct val="50000"/>
+              </a:spcBef>
+              <a:spcAft>
+                <a:spcPct val="0"/>
+              </a:spcAft>
+              <a:buClr>
+                <a:srgbClr val="F0AB00"/>
+              </a:buClr>
+              <a:buSzPct val="80000"/>
+              <a:tabLst/>
+            </a:pPr>
+            <a:r>
+              <a:rPr lang="de-DE" sz="1600" b="1" kern="0" noProof="0" dirty="0" err="1">
+                <a:ea typeface="Arial Unicode MS" pitchFamily="34" charset="-128"/>
+                <a:cs typeface="Arial Unicode MS" pitchFamily="34" charset="-128"/>
+              </a:rPr>
+              <a:t>Pod</a:t>
+            </a:r>
+            <a:r>
+              <a:rPr lang="de-DE" sz="1600" b="1" kern="0" noProof="0" dirty="0">
+                <a:ea typeface="Arial Unicode MS" pitchFamily="34" charset="-128"/>
+                <a:cs typeface="Arial Unicode MS" pitchFamily="34" charset="-128"/>
+              </a:rPr>
+              <a:t>-B</a:t>
+            </a:r>
+            <a:endParaRPr kumimoji="0" lang="de-DE" sz="1600" b="1" i="0" u="none" strike="noStrike" kern="0" cap="none" spc="0" normalizeH="0" baseline="0" noProof="0" dirty="0">
+              <a:ln>
+                <a:noFill/>
+              </a:ln>
+              <a:effectLst/>
+              <a:uLnTx/>
+              <a:uFillTx/>
+              <a:ea typeface="Arial Unicode MS" pitchFamily="34" charset="-128"/>
+              <a:cs typeface="Arial Unicode MS" pitchFamily="34" charset="-128"/>
+            </a:endParaRPr>
+          </a:p>
+        </p:txBody>
+      </p:sp>
+      <p:sp>
+        <p:nvSpPr>
+          <p:cNvPr id="7" name="Rectangle 6"/>
+          <p:cNvSpPr/>
+          <p:nvPr/>
+        </p:nvSpPr>
+        <p:spPr bwMode="gray">
+          <a:xfrm>
+            <a:off x="4381383" y="4012361"/>
+            <a:ext cx="1645920" cy="365760"/>
+          </a:xfrm>
+          <a:prstGeom prst="rect">
+            <a:avLst/>
+          </a:prstGeom>
+          <a:ln>
+            <a:headEnd/>
+            <a:tailEnd/>
+          </a:ln>
+        </p:spPr>
+        <p:style>
+          <a:lnRef idx="2">
+            <a:schemeClr val="accent2"/>
+          </a:lnRef>
+          <a:fillRef idx="1">
+            <a:schemeClr val="lt1"/>
+          </a:fillRef>
+          <a:effectRef idx="0">
+            <a:schemeClr val="accent2"/>
+          </a:effectRef>
+          <a:fontRef idx="minor">
+            <a:schemeClr val="dk1"/>
+          </a:fontRef>
+        </p:style>
+        <p:txBody>
+          <a:bodyPr lIns="90000" tIns="72000" rIns="90000" bIns="72000" rtlCol="0" anchor="ctr"/>
+          <a:lstStyle/>
+          <a:p>
+            <a:pPr marR="0" algn="ctr" defTabSz="914400" eaLnBrk="1" fontAlgn="base" latinLnBrk="0" hangingPunct="1">
+              <a:lnSpc>
+                <a:spcPct val="100000"/>
+              </a:lnSpc>
+              <a:spcBef>
+                <a:spcPct val="50000"/>
+              </a:spcBef>
+              <a:spcAft>
+                <a:spcPct val="0"/>
+              </a:spcAft>
+              <a:buClr>
+                <a:srgbClr val="F0AB00"/>
+              </a:buClr>
+              <a:buSzPct val="80000"/>
+              <a:tabLst/>
+            </a:pPr>
+            <a:r>
+              <a:rPr lang="de-DE" sz="1800" kern="0" dirty="0" err="1">
+                <a:ea typeface="Arial Unicode MS" pitchFamily="34" charset="-128"/>
+                <a:cs typeface="Arial Unicode MS" pitchFamily="34" charset="-128"/>
+              </a:rPr>
+              <a:t>app</a:t>
+            </a:r>
+            <a:r>
+              <a:rPr lang="de-DE" sz="1800" kern="0" dirty="0">
+                <a:ea typeface="Arial Unicode MS" pitchFamily="34" charset="-128"/>
+                <a:cs typeface="Arial Unicode MS" pitchFamily="34" charset="-128"/>
+              </a:rPr>
+              <a:t>: </a:t>
+            </a:r>
+            <a:r>
+              <a:rPr lang="de-DE" sz="1800" kern="0" dirty="0" err="1">
+                <a:ea typeface="Arial Unicode MS" pitchFamily="34" charset="-128"/>
+                <a:cs typeface="Arial Unicode MS" pitchFamily="34" charset="-128"/>
+              </a:rPr>
+              <a:t>nginx</a:t>
+            </a:r>
+            <a:endParaRPr kumimoji="0" lang="de-DE" sz="1800" b="0" i="0" u="none" strike="noStrike" kern="0" cap="none" spc="0" normalizeH="0" baseline="0" noProof="0" dirty="0">
+              <a:ln>
+                <a:noFill/>
+              </a:ln>
+              <a:effectLst/>
+              <a:uLnTx/>
+              <a:uFillTx/>
+              <a:ea typeface="Arial Unicode MS" pitchFamily="34" charset="-128"/>
+              <a:cs typeface="Arial Unicode MS" pitchFamily="34" charset="-128"/>
+            </a:endParaRPr>
+          </a:p>
+        </p:txBody>
+      </p:sp>
+      <p:sp>
+        <p:nvSpPr>
+          <p:cNvPr id="8" name="Rectangle 7"/>
+          <p:cNvSpPr/>
+          <p:nvPr/>
+        </p:nvSpPr>
+        <p:spPr bwMode="gray">
+          <a:xfrm>
+            <a:off x="8205777" y="4195241"/>
+            <a:ext cx="1208595" cy="773906"/>
+          </a:xfrm>
+          <a:prstGeom prst="rect">
+            <a:avLst/>
+          </a:prstGeom>
+          <a:ln>
+            <a:headEnd/>
+            <a:tailEnd/>
+          </a:ln>
+        </p:spPr>
+        <p:style>
+          <a:lnRef idx="2">
+            <a:schemeClr val="accent2">
+              <a:shade val="50000"/>
+            </a:schemeClr>
+          </a:lnRef>
+          <a:fillRef idx="1">
+            <a:schemeClr val="accent2"/>
+          </a:fillRef>
+          <a:effectRef idx="0">
+            <a:schemeClr val="accent2"/>
+          </a:effectRef>
+          <a:fontRef idx="minor">
+            <a:schemeClr val="lt1"/>
+          </a:fontRef>
+        </p:style>
+        <p:txBody>
+          <a:bodyPr lIns="90000" tIns="72000" rIns="90000" bIns="72000" rtlCol="0" anchor="ctr"/>
+          <a:lstStyle/>
+          <a:p>
+            <a:pPr marR="0" algn="ctr" defTabSz="914400" eaLnBrk="1" fontAlgn="base" latinLnBrk="0" hangingPunct="1">
+              <a:lnSpc>
+                <a:spcPct val="100000"/>
+              </a:lnSpc>
+              <a:spcBef>
+                <a:spcPct val="50000"/>
+              </a:spcBef>
+              <a:spcAft>
+                <a:spcPct val="0"/>
+              </a:spcAft>
+              <a:buClr>
+                <a:srgbClr val="F0AB00"/>
+              </a:buClr>
+              <a:buSzPct val="80000"/>
+              <a:tabLst/>
+            </a:pPr>
+            <a:r>
+              <a:rPr lang="de-DE" sz="1600" b="1" kern="0" noProof="0" dirty="0" err="1">
+                <a:ea typeface="Arial Unicode MS" pitchFamily="34" charset="-128"/>
+                <a:cs typeface="Arial Unicode MS" pitchFamily="34" charset="-128"/>
+              </a:rPr>
+              <a:t>Pod</a:t>
+            </a:r>
+            <a:r>
+              <a:rPr lang="de-DE" sz="1600" b="1" kern="0" noProof="0" dirty="0">
+                <a:ea typeface="Arial Unicode MS" pitchFamily="34" charset="-128"/>
+                <a:cs typeface="Arial Unicode MS" pitchFamily="34" charset="-128"/>
+              </a:rPr>
+              <a:t>-C</a:t>
+            </a:r>
+            <a:endParaRPr kumimoji="0" lang="de-DE" sz="1600" b="1" i="0" u="none" strike="noStrike" kern="0" cap="none" spc="0" normalizeH="0" baseline="0" noProof="0" dirty="0">
+              <a:ln>
+                <a:noFill/>
+              </a:ln>
+              <a:effectLst/>
+              <a:uLnTx/>
+              <a:uFillTx/>
+              <a:ea typeface="Arial Unicode MS" pitchFamily="34" charset="-128"/>
+              <a:cs typeface="Arial Unicode MS" pitchFamily="34" charset="-128"/>
+            </a:endParaRPr>
+          </a:p>
+        </p:txBody>
+      </p:sp>
+      <p:sp>
+        <p:nvSpPr>
+          <p:cNvPr id="9" name="Rectangle 8"/>
+          <p:cNvSpPr/>
+          <p:nvPr/>
+        </p:nvSpPr>
+        <p:spPr bwMode="gray">
+          <a:xfrm>
+            <a:off x="7186728" y="4012361"/>
+            <a:ext cx="1645920" cy="365760"/>
+          </a:xfrm>
+          <a:prstGeom prst="rect">
+            <a:avLst/>
+          </a:prstGeom>
+          <a:ln>
+            <a:headEnd/>
+            <a:tailEnd/>
+          </a:ln>
+        </p:spPr>
+        <p:style>
+          <a:lnRef idx="2">
+            <a:schemeClr val="accent2"/>
+          </a:lnRef>
+          <a:fillRef idx="1">
+            <a:schemeClr val="lt1"/>
+          </a:fillRef>
+          <a:effectRef idx="0">
+            <a:schemeClr val="accent2"/>
+          </a:effectRef>
+          <a:fontRef idx="minor">
+            <a:schemeClr val="dk1"/>
+          </a:fontRef>
+        </p:style>
+        <p:txBody>
+          <a:bodyPr lIns="90000" tIns="72000" rIns="90000" bIns="72000" rtlCol="0" anchor="ctr"/>
+          <a:lstStyle/>
+          <a:p>
+            <a:pPr marR="0" algn="ctr" defTabSz="914400" eaLnBrk="1" fontAlgn="base" latinLnBrk="0" hangingPunct="1">
+              <a:lnSpc>
+                <a:spcPct val="100000"/>
+              </a:lnSpc>
+              <a:spcBef>
+                <a:spcPct val="50000"/>
+              </a:spcBef>
+              <a:spcAft>
+                <a:spcPct val="0"/>
+              </a:spcAft>
+              <a:buClr>
+                <a:srgbClr val="F0AB00"/>
+              </a:buClr>
+              <a:buSzPct val="80000"/>
+              <a:tabLst/>
+            </a:pPr>
+            <a:r>
+              <a:rPr lang="de-DE" sz="1800" kern="0" dirty="0" err="1">
+                <a:ea typeface="Arial Unicode MS" pitchFamily="34" charset="-128"/>
+                <a:cs typeface="Arial Unicode MS" pitchFamily="34" charset="-128"/>
+              </a:rPr>
+              <a:t>app</a:t>
+            </a:r>
+            <a:r>
+              <a:rPr lang="de-DE" sz="1800" kern="0" dirty="0">
+                <a:ea typeface="Arial Unicode MS" pitchFamily="34" charset="-128"/>
+                <a:cs typeface="Arial Unicode MS" pitchFamily="34" charset="-128"/>
+              </a:rPr>
+              <a:t>: </a:t>
+            </a:r>
+            <a:r>
+              <a:rPr lang="de-DE" sz="1800" kern="0" dirty="0" err="1">
+                <a:ea typeface="Arial Unicode MS" pitchFamily="34" charset="-128"/>
+                <a:cs typeface="Arial Unicode MS" pitchFamily="34" charset="-128"/>
+              </a:rPr>
+              <a:t>nginx</a:t>
+            </a:r>
+            <a:endParaRPr kumimoji="0" lang="de-DE" sz="1800" b="0" i="0" u="none" strike="noStrike" kern="0" cap="none" spc="0" normalizeH="0" baseline="0" noProof="0" dirty="0">
+              <a:ln>
+                <a:noFill/>
+              </a:ln>
+              <a:effectLst/>
+              <a:uLnTx/>
+              <a:uFillTx/>
+              <a:ea typeface="Arial Unicode MS" pitchFamily="34" charset="-128"/>
+              <a:cs typeface="Arial Unicode MS" pitchFamily="34" charset="-128"/>
+            </a:endParaRPr>
+          </a:p>
+        </p:txBody>
+      </p:sp>
+      <p:sp>
+        <p:nvSpPr>
+          <p:cNvPr id="10" name="Flowchart: Document 9"/>
+          <p:cNvSpPr/>
+          <p:nvPr/>
+        </p:nvSpPr>
+        <p:spPr bwMode="gray">
+          <a:xfrm>
+            <a:off x="892415" y="3000650"/>
+            <a:ext cx="1506583" cy="766354"/>
+          </a:xfrm>
+          <a:prstGeom prst="flowChartDocument">
+            <a:avLst/>
+          </a:prstGeom>
+          <a:ln>
+            <a:headEnd/>
+            <a:tailEnd/>
+          </a:ln>
+        </p:spPr>
+        <p:style>
+          <a:lnRef idx="2">
+            <a:schemeClr val="accent5"/>
+          </a:lnRef>
+          <a:fillRef idx="1">
+            <a:schemeClr val="lt1"/>
+          </a:fillRef>
+          <a:effectRef idx="0">
+            <a:schemeClr val="accent5"/>
+          </a:effectRef>
+          <a:fontRef idx="minor">
+            <a:schemeClr val="dk1"/>
+          </a:fontRef>
+        </p:style>
+        <p:txBody>
+          <a:bodyPr lIns="90000" tIns="72000" rIns="90000" bIns="72000" rtlCol="0" anchor="ctr"/>
+          <a:lstStyle/>
+          <a:p>
+            <a:pPr algn="ctr" defTabSz="914400" fontAlgn="base">
+              <a:spcBef>
+                <a:spcPct val="50000"/>
+              </a:spcBef>
+              <a:spcAft>
+                <a:spcPct val="0"/>
+              </a:spcAft>
+              <a:buClr>
+                <a:srgbClr val="F0AB00"/>
+              </a:buClr>
+              <a:buSzPct val="80000"/>
+            </a:pPr>
+            <a:r>
+              <a:rPr lang="en-US" sz="1800" kern="0" dirty="0">
+                <a:ea typeface="Arial Unicode MS" pitchFamily="34" charset="-128"/>
+                <a:cs typeface="Arial Unicode MS" pitchFamily="34" charset="-128"/>
+              </a:rPr>
+              <a:t>Selector: </a:t>
+            </a:r>
+            <a:r>
+              <a:rPr lang="en-US" sz="1800" kern="0" dirty="0" err="1">
+                <a:ea typeface="Arial Unicode MS" pitchFamily="34" charset="-128"/>
+                <a:cs typeface="Arial Unicode MS" pitchFamily="34" charset="-128"/>
+              </a:rPr>
+              <a:t>app:nginx</a:t>
+            </a:r>
+            <a:endParaRPr lang="en-US" sz="1800" kern="0" dirty="0">
+              <a:ea typeface="Arial Unicode MS" pitchFamily="34" charset="-128"/>
+              <a:cs typeface="Arial Unicode MS" pitchFamily="34" charset="-128"/>
+            </a:endParaRPr>
+          </a:p>
+        </p:txBody>
+      </p:sp>
+      <p:sp>
+        <p:nvSpPr>
+          <p:cNvPr id="12" name="Rectangle 11"/>
+          <p:cNvSpPr/>
+          <p:nvPr/>
+        </p:nvSpPr>
+        <p:spPr bwMode="gray">
+          <a:xfrm>
+            <a:off x="8201754" y="4195241"/>
+            <a:ext cx="1208595" cy="773906"/>
+          </a:xfrm>
+          <a:prstGeom prst="rect">
+            <a:avLst/>
+          </a:prstGeom>
+          <a:ln>
+            <a:headEnd/>
+            <a:tailEnd/>
+          </a:ln>
+        </p:spPr>
+        <p:style>
+          <a:lnRef idx="2">
+            <a:schemeClr val="accent2">
+              <a:shade val="50000"/>
+            </a:schemeClr>
+          </a:lnRef>
+          <a:fillRef idx="1">
+            <a:schemeClr val="accent2"/>
+          </a:fillRef>
+          <a:effectRef idx="0">
+            <a:schemeClr val="accent2"/>
+          </a:effectRef>
+          <a:fontRef idx="minor">
+            <a:schemeClr val="lt1"/>
+          </a:fontRef>
+        </p:style>
+        <p:txBody>
+          <a:bodyPr lIns="90000" tIns="72000" rIns="90000" bIns="72000" rtlCol="0" anchor="ctr"/>
+          <a:lstStyle/>
+          <a:p>
+            <a:pPr marR="0" algn="ctr" defTabSz="914400" eaLnBrk="1" fontAlgn="base" latinLnBrk="0" hangingPunct="1">
+              <a:lnSpc>
+                <a:spcPct val="100000"/>
+              </a:lnSpc>
+              <a:spcBef>
+                <a:spcPct val="50000"/>
+              </a:spcBef>
+              <a:spcAft>
+                <a:spcPct val="0"/>
+              </a:spcAft>
+              <a:buClr>
+                <a:srgbClr val="F0AB00"/>
+              </a:buClr>
+              <a:buSzPct val="80000"/>
+              <a:tabLst/>
+            </a:pPr>
+            <a:r>
+              <a:rPr lang="de-DE" sz="1600" b="1" kern="0" noProof="0" dirty="0">
+                <a:ea typeface="Arial Unicode MS" pitchFamily="34" charset="-128"/>
+                <a:cs typeface="Arial Unicode MS" pitchFamily="34" charset="-128"/>
+              </a:rPr>
+              <a:t>New-</a:t>
+            </a:r>
+            <a:r>
+              <a:rPr lang="de-DE" sz="1600" b="1" kern="0" noProof="0" dirty="0" err="1">
+                <a:ea typeface="Arial Unicode MS" pitchFamily="34" charset="-128"/>
+                <a:cs typeface="Arial Unicode MS" pitchFamily="34" charset="-128"/>
+              </a:rPr>
+              <a:t>Pod</a:t>
+            </a:r>
+            <a:endParaRPr kumimoji="0" lang="de-DE" sz="1600" b="1" i="0" u="none" strike="noStrike" kern="0" cap="none" spc="0" normalizeH="0" baseline="0" noProof="0" dirty="0">
+              <a:ln>
+                <a:noFill/>
+              </a:ln>
+              <a:effectLst/>
+              <a:uLnTx/>
+              <a:uFillTx/>
+              <a:ea typeface="Arial Unicode MS" pitchFamily="34" charset="-128"/>
+              <a:cs typeface="Arial Unicode MS" pitchFamily="34" charset="-128"/>
+            </a:endParaRPr>
+          </a:p>
+        </p:txBody>
+      </p:sp>
+    </p:spTree>
+    <p:extLst>
+      <p:ext uri="{BB962C8B-B14F-4D97-AF65-F5344CB8AC3E}">
+        <p14:creationId xmlns:p14="http://schemas.microsoft.com/office/powerpoint/2010/main" val="597418374"/>
+      </p:ext>
+    </p:extLst>
+  </p:cSld>
+  <p:clrMapOvr>
+    <a:masterClrMapping/>
+  </p:clrMapOvr>
+  <p:timing>
+    <p:tnLst>
+      <p:par>
+        <p:cTn id="1" dur="indefinite" restart="never" nodeType="tmRoot">
+          <p:childTnLst>
+            <p:seq concurrent="1" nextAc="seek">
+              <p:cTn id="2" dur="indefinite" nodeType="mainSeq">
+                <p:childTnLst>
+                  <p:par>
+                    <p:cTn id="3" fill="hold">
+                      <p:stCondLst>
+                        <p:cond delay="indefinite"/>
+                      </p:stCondLst>
+                      <p:childTnLst>
+                        <p:par>
+                          <p:cTn id="4" fill="hold">
+                            <p:stCondLst>
+                              <p:cond delay="0"/>
+                            </p:stCondLst>
+                            <p:childTnLst>
+                              <p:par>
+                                <p:cTn id="5" presetID="1" presetClass="entr" presetSubtype="0" fill="hold" grpId="0" nodeType="clickEffect">
+                                  <p:stCondLst>
+                                    <p:cond delay="0"/>
+                                  </p:stCondLst>
+                                  <p:childTnLst>
+                                    <p:set>
+                                      <p:cBhvr>
+                                        <p:cTn id="6" dur="1" fill="hold">
+                                          <p:stCondLst>
+                                            <p:cond delay="0"/>
+                                          </p:stCondLst>
+                                        </p:cTn>
+                                        <p:tgtEl>
+                                          <p:spTgt spid="12"/>
+                                        </p:tgtEl>
+                                        <p:attrNameLst>
+                                          <p:attrName>style.visibility</p:attrName>
+                                        </p:attrNameLst>
+                                      </p:cBhvr>
+                                      <p:to>
+                                        <p:strVal val="visible"/>
+                                      </p:to>
+                                    </p:set>
+                                  </p:childTnLst>
+                                </p:cTn>
+                              </p:par>
+                            </p:childTnLst>
+                          </p:cTn>
+                        </p:par>
+                      </p:childTnLst>
+                    </p:cTn>
+                  </p:par>
+                </p:childTnLst>
+              </p:cTn>
+              <p:prevCondLst>
+                <p:cond evt="onPrev" delay="0">
+                  <p:tgtEl>
+                    <p:sldTgt/>
+                  </p:tgtEl>
+                </p:cond>
+              </p:prevCondLst>
+              <p:nextCondLst>
+                <p:cond evt="onNext" delay="0">
+                  <p:tgtEl>
+                    <p:sldTgt/>
+                  </p:tgtEl>
+                </p:cond>
+              </p:nextCondLst>
+            </p:seq>
+          </p:childTnLst>
+        </p:cTn>
+      </p:par>
+    </p:tnLst>
+    <p:bldLst>
+      <p:bldP spid="12" grpId="0" animBg="1"/>
+    </p:bldLst>
+  </p:timing>
+</p:sld>
+</file>
+
+<file path=ppt/slides/slide4.xml><?xml version="1.0" encoding="utf-8"?>
+<p:sld xmlns:a="http://schemas.openxmlformats.org/drawingml/2006/main" xmlns:r="http://schemas.openxmlformats.org/officeDocument/2006/relationships" xmlns:p="http://schemas.openxmlformats.org/presentationml/2006/main">
+  <p:cSld>
+    <p:spTree>
+      <p:nvGrpSpPr>
+        <p:cNvPr id="1" name=""/>
+        <p:cNvGrpSpPr/>
+        <p:nvPr/>
+      </p:nvGrpSpPr>
+      <p:grpSpPr>
+        <a:xfrm>
+          <a:off x="0" y="0"/>
+          <a:ext cx="0" cy="0"/>
+          <a:chOff x="0" y="0"/>
+          <a:chExt cx="0" cy="0"/>
+        </a:xfrm>
+      </p:grpSpPr>
+      <p:sp>
+        <p:nvSpPr>
+          <p:cNvPr id="2" name="Title 1"/>
+          <p:cNvSpPr>
+            <a:spLocks noGrp="1"/>
+          </p:cNvSpPr>
+          <p:nvPr>
+            <p:ph type="title"/>
+          </p:nvPr>
+        </p:nvSpPr>
+        <p:spPr/>
+        <p:txBody>
+          <a:bodyPr/>
+          <a:lstStyle/>
+          <a:p>
+            <a:r>
+              <a:rPr lang="de-DE" dirty="0" err="1"/>
+              <a:t>Using</a:t>
+            </a:r>
+            <a:r>
+              <a:rPr lang="de-DE" dirty="0"/>
               <a:t> </a:t>
             </a:r>
-          </a:p>
-          <a:p>
-            <a:pPr lvl="2"/>
-            <a:r>
-              <a:rPr lang="en-US" dirty="0"/>
-              <a:t>selector</a:t>
-            </a:r>
-          </a:p>
-          <a:p>
-            <a:pPr lvl="2"/>
-            <a:r>
-              <a:rPr lang="en-US" dirty="0" err="1"/>
-              <a:t>selector.matchLabel</a:t>
-            </a:r>
-            <a:r>
-              <a:rPr lang="en-US" dirty="0"/>
-              <a:t> / </a:t>
-            </a:r>
-            <a:r>
-              <a:rPr lang="en-US" dirty="0" err="1"/>
-              <a:t>selector.matchExpression</a:t>
-            </a:r>
-            <a:endParaRPr lang="en-US" dirty="0"/>
-          </a:p>
+            <a:r>
+              <a:rPr lang="de-DE" dirty="0" err="1"/>
+              <a:t>labels</a:t>
+            </a:r>
+            <a:r>
+              <a:rPr lang="de-DE" dirty="0"/>
+              <a:t> &amp; </a:t>
+            </a:r>
+            <a:r>
+              <a:rPr lang="de-DE" dirty="0" err="1"/>
+              <a:t>selectors</a:t>
+            </a:r>
+            <a:endParaRPr lang="de-DE" dirty="0"/>
+          </a:p>
+        </p:txBody>
+      </p:sp>
+      <p:sp>
+        <p:nvSpPr>
+          <p:cNvPr id="3" name="Text Placeholder 2"/>
+          <p:cNvSpPr txBox="1">
+            <a:spLocks/>
+          </p:cNvSpPr>
+          <p:nvPr/>
+        </p:nvSpPr>
+        <p:spPr>
+          <a:xfrm>
+            <a:off x="504000" y="1124700"/>
+            <a:ext cx="8159939" cy="4727460"/>
+          </a:xfrm>
+          <a:prstGeom prst="rect">
+            <a:avLst/>
+          </a:prstGeom>
+        </p:spPr>
+        <p:txBody>
+          <a:bodyPr/>
+          <a:lstStyle>
+            <a:lvl1pPr marL="0" indent="0" algn="l" defTabSz="1088558" rtl="0" eaLnBrk="1" latinLnBrk="0" hangingPunct="1">
+              <a:spcBef>
+                <a:spcPts val="1800"/>
+              </a:spcBef>
+              <a:buClr>
+                <a:schemeClr val="accent1"/>
+              </a:buClr>
+              <a:buSzPct val="80000"/>
+              <a:buFontTx/>
+              <a:buNone/>
+              <a:defRPr sz="2000" b="0" kern="1200">
+                <a:solidFill>
+                  <a:schemeClr val="tx1"/>
+                </a:solidFill>
+                <a:latin typeface="+mn-lt"/>
+                <a:ea typeface="+mn-ea"/>
+                <a:cs typeface="+mn-cs"/>
+              </a:defRPr>
+            </a:lvl1pPr>
+            <a:lvl2pPr marL="179964" indent="-179964" algn="l" defTabSz="1088558" rtl="0" eaLnBrk="1" latinLnBrk="0" hangingPunct="1">
+              <a:spcBef>
+                <a:spcPts val="600"/>
+              </a:spcBef>
+              <a:buClr>
+                <a:schemeClr val="accent1"/>
+              </a:buClr>
+              <a:buSzPct val="100000"/>
+              <a:buFont typeface="Wingdings" pitchFamily="2" charset="2"/>
+              <a:buChar char="§"/>
+              <a:defRPr sz="1800" kern="1200">
+                <a:solidFill>
+                  <a:schemeClr val="tx1"/>
+                </a:solidFill>
+                <a:latin typeface="+mn-lt"/>
+                <a:ea typeface="+mn-ea"/>
+                <a:cs typeface="+mn-cs"/>
+              </a:defRPr>
+            </a:lvl2pPr>
+            <a:lvl3pPr marL="358775" indent="-179388" algn="l" defTabSz="1088558" rtl="0" eaLnBrk="1" latinLnBrk="0" hangingPunct="1">
+              <a:spcBef>
+                <a:spcPts val="300"/>
+              </a:spcBef>
+              <a:buClr>
+                <a:schemeClr val="tx1"/>
+              </a:buClr>
+              <a:buSzPct val="100000"/>
+              <a:buFont typeface="Arial" panose="020B0604020202020204" pitchFamily="34" charset="0"/>
+              <a:buChar char="–"/>
+              <a:defRPr lang="en-US" sz="1800" kern="1200" noProof="0" dirty="0" smtClean="0">
+                <a:solidFill>
+                  <a:schemeClr val="tx1"/>
+                </a:solidFill>
+                <a:latin typeface="+mn-lt"/>
+                <a:ea typeface="+mn-ea"/>
+                <a:cs typeface="+mn-cs"/>
+              </a:defRPr>
+            </a:lvl3pPr>
+            <a:lvl4pPr marL="539892" indent="-179964" algn="l" defTabSz="1088558" rtl="0" eaLnBrk="1" latinLnBrk="0" hangingPunct="1">
+              <a:spcBef>
+                <a:spcPts val="300"/>
+              </a:spcBef>
+              <a:buClr>
+                <a:schemeClr val="tx1"/>
+              </a:buClr>
+              <a:buSzPct val="120000"/>
+              <a:buFont typeface="Arial" pitchFamily="34" charset="0"/>
+              <a:buChar char="▫"/>
+              <a:defRPr sz="1600" kern="1200">
+                <a:solidFill>
+                  <a:schemeClr val="tx1"/>
+                </a:solidFill>
+                <a:latin typeface="+mn-lt"/>
+                <a:ea typeface="+mn-ea"/>
+                <a:cs typeface="+mn-cs"/>
+              </a:defRPr>
+            </a:lvl4pPr>
+            <a:lvl5pPr marL="719856" indent="-179964" algn="l" defTabSz="1088558" rtl="0" eaLnBrk="1" latinLnBrk="0" hangingPunct="1">
+              <a:spcBef>
+                <a:spcPts val="100"/>
+              </a:spcBef>
+              <a:buClr>
+                <a:schemeClr val="tx1"/>
+              </a:buClr>
+              <a:buSzPct val="100000"/>
+              <a:buFont typeface="Symbol" panose="05050102010706020507" pitchFamily="18" charset="2"/>
+              <a:buChar char="-"/>
+              <a:defRPr sz="1400" kern="1200" baseline="0">
+                <a:solidFill>
+                  <a:schemeClr val="tx1"/>
+                </a:solidFill>
+                <a:latin typeface="+mn-lt"/>
+                <a:ea typeface="+mn-ea"/>
+                <a:cs typeface="+mn-cs"/>
+              </a:defRPr>
+            </a:lvl5pPr>
+            <a:lvl6pPr marL="2993535" indent="-272140" algn="l" defTabSz="1088558" rtl="0" eaLnBrk="1" latinLnBrk="0" hangingPunct="1">
+              <a:spcBef>
+                <a:spcPct val="20000"/>
+              </a:spcBef>
+              <a:buFont typeface="Arial" pitchFamily="34" charset="0"/>
+              <a:buChar char="•"/>
+              <a:defRPr sz="2400" kern="1200">
+                <a:solidFill>
+                  <a:schemeClr val="tx1"/>
+                </a:solidFill>
+                <a:latin typeface="+mn-lt"/>
+                <a:ea typeface="+mn-ea"/>
+                <a:cs typeface="+mn-cs"/>
+              </a:defRPr>
+            </a:lvl6pPr>
+            <a:lvl7pPr marL="3537814" indent="-272140" algn="l" defTabSz="1088558" rtl="0" eaLnBrk="1" latinLnBrk="0" hangingPunct="1">
+              <a:spcBef>
+                <a:spcPct val="20000"/>
+              </a:spcBef>
+              <a:buFont typeface="Arial" pitchFamily="34" charset="0"/>
+              <a:buChar char="•"/>
+              <a:defRPr sz="2400" kern="1200">
+                <a:solidFill>
+                  <a:schemeClr val="tx1"/>
+                </a:solidFill>
+                <a:latin typeface="+mn-lt"/>
+                <a:ea typeface="+mn-ea"/>
+                <a:cs typeface="+mn-cs"/>
+              </a:defRPr>
+            </a:lvl7pPr>
+            <a:lvl8pPr marL="4082093" indent="-272140" algn="l" defTabSz="1088558" rtl="0" eaLnBrk="1" latinLnBrk="0" hangingPunct="1">
+              <a:spcBef>
+                <a:spcPct val="20000"/>
+              </a:spcBef>
+              <a:buFont typeface="Arial" pitchFamily="34" charset="0"/>
+              <a:buChar char="•"/>
+              <a:defRPr sz="2400" kern="1200">
+                <a:solidFill>
+                  <a:schemeClr val="tx1"/>
+                </a:solidFill>
+                <a:latin typeface="+mn-lt"/>
+                <a:ea typeface="+mn-ea"/>
+                <a:cs typeface="+mn-cs"/>
+              </a:defRPr>
+            </a:lvl8pPr>
+            <a:lvl9pPr marL="4626373" indent="-272140" algn="l" defTabSz="1088558" rtl="0" eaLnBrk="1" latinLnBrk="0" hangingPunct="1">
+              <a:spcBef>
+                <a:spcPct val="20000"/>
+              </a:spcBef>
+              <a:buFont typeface="Arial" pitchFamily="34" charset="0"/>
+              <a:buChar char="•"/>
+              <a:defRPr sz="2400" kern="1200">
+                <a:solidFill>
+                  <a:schemeClr val="tx1"/>
+                </a:solidFill>
+                <a:latin typeface="+mn-lt"/>
+                <a:ea typeface="+mn-ea"/>
+                <a:cs typeface="+mn-cs"/>
+              </a:defRPr>
+            </a:lvl9pPr>
+          </a:lstStyle>
           <a:p>
             <a:pPr marL="0" lvl="1" indent="0">
               <a:buNone/>
             </a:pPr>
             <a:endParaRPr lang="en-US" dirty="0"/>
           </a:p>
+          <a:p>
+            <a:pPr lvl="1"/>
+            <a:r>
+              <a:rPr lang="en-US" dirty="0"/>
+              <a:t>Labels &amp; selectors in resources</a:t>
+            </a:r>
+          </a:p>
+          <a:p>
+            <a:pPr lvl="2"/>
+            <a:r>
+              <a:rPr lang="en-US" dirty="0" err="1"/>
+              <a:t>metadata.labels</a:t>
+            </a:r>
+            <a:r>
+              <a:rPr lang="en-US" dirty="0"/>
+              <a:t> </a:t>
+            </a:r>
+          </a:p>
+          <a:p>
+            <a:pPr lvl="2"/>
+            <a:r>
+              <a:rPr lang="en-US" dirty="0"/>
+              <a:t>selector</a:t>
+            </a:r>
+          </a:p>
+          <a:p>
+            <a:pPr lvl="2"/>
+            <a:r>
+              <a:rPr lang="en-US" dirty="0" err="1"/>
+              <a:t>selector.matchLabel</a:t>
+            </a:r>
+            <a:r>
+              <a:rPr lang="en-US" dirty="0"/>
+              <a:t> / </a:t>
+            </a:r>
+            <a:r>
+              <a:rPr lang="en-US" dirty="0" err="1"/>
+              <a:t>selector.matchExpression</a:t>
+            </a:r>
+            <a:endParaRPr lang="en-US" dirty="0"/>
+          </a:p>
+          <a:p>
+            <a:pPr lvl="2"/>
+            <a:endParaRPr lang="en-US" dirty="0"/>
+          </a:p>
+          <a:p>
+            <a:pPr lvl="2"/>
+            <a:endParaRPr lang="en-US" dirty="0"/>
+          </a:p>
+          <a:p>
+            <a:pPr lvl="2"/>
+            <a:endParaRPr lang="en-US" dirty="0"/>
+          </a:p>
+          <a:p>
+            <a:pPr lvl="2"/>
+            <a:endParaRPr lang="en-US" dirty="0"/>
+          </a:p>
+          <a:p>
+            <a:pPr lvl="2"/>
+            <a:endParaRPr lang="en-US" dirty="0"/>
+          </a:p>
+          <a:p>
+            <a:pPr marL="179387" lvl="2" indent="0">
+              <a:buNone/>
+            </a:pPr>
+            <a:endParaRPr lang="en-US" dirty="0"/>
+          </a:p>
+          <a:p>
+            <a:pPr lvl="1"/>
+            <a:r>
+              <a:rPr lang="en-US" dirty="0"/>
+              <a:t>With </a:t>
+            </a:r>
+            <a:r>
+              <a:rPr lang="en-US" dirty="0" err="1"/>
+              <a:t>kubectl</a:t>
+            </a:r>
+            <a:r>
+              <a:rPr lang="en-US" dirty="0"/>
+              <a:t>:</a:t>
+            </a:r>
+          </a:p>
+          <a:p>
+            <a:pPr lvl="2"/>
+            <a:r>
+              <a:rPr lang="en-US" dirty="0"/>
+              <a:t>Attach a label to a resource: “</a:t>
+            </a:r>
+            <a:r>
+              <a:rPr lang="en-US" dirty="0" err="1"/>
+              <a:t>kubectl</a:t>
+            </a:r>
+            <a:r>
+              <a:rPr lang="en-US" dirty="0"/>
+              <a:t> label pod </a:t>
+            </a:r>
+            <a:r>
+              <a:rPr lang="en-US" dirty="0" err="1"/>
+              <a:t>mypod</a:t>
+            </a:r>
+            <a:r>
+              <a:rPr lang="en-US" dirty="0"/>
+              <a:t> status=awesome”</a:t>
+            </a:r>
+          </a:p>
+          <a:p>
+            <a:pPr lvl="2"/>
+            <a:r>
+              <a:rPr lang="en-US" dirty="0"/>
+              <a:t>Filter for labels: “</a:t>
+            </a:r>
+            <a:r>
+              <a:rPr lang="en-US" dirty="0" err="1"/>
+              <a:t>kubectl</a:t>
+            </a:r>
+            <a:r>
+              <a:rPr lang="en-US" dirty="0"/>
+              <a:t> get pods –l status=awesome”</a:t>
+            </a:r>
+          </a:p>
+          <a:p>
+            <a:pPr lvl="2"/>
+            <a:endParaRPr lang="en-US" dirty="0"/>
+          </a:p>
+          <a:p>
+            <a:pPr marL="0" lvl="1" indent="0">
+              <a:buNone/>
+            </a:pPr>
+            <a:endParaRPr lang="en-US" dirty="0"/>
+          </a:p>
         </p:txBody>
       </p:sp>
       <p:pic>
         <p:nvPicPr>
-          <p:cNvPr id="4" name="Picture 3"/>
+          <p:cNvPr id="6" name="Picture 5"/>
           <p:cNvPicPr>
             <a:picLocks noChangeAspect="1"/>
           </p:cNvPicPr>
@@ -9089,31 +10321,7 @@
         </p:blipFill>
         <p:spPr>
           <a:xfrm>
-            <a:off x="897869" y="4240819"/>
-            <a:ext cx="1847619" cy="571429"/>
-          </a:xfrm>
-          <a:prstGeom prst="rect">
-            <a:avLst/>
-          </a:prstGeom>
-        </p:spPr>
-      </p:pic>
-      <p:pic>
-        <p:nvPicPr>
-          <p:cNvPr id="6" name="Picture 5"/>
-          <p:cNvPicPr>
-            <a:picLocks noChangeAspect="1"/>
-          </p:cNvPicPr>
-          <p:nvPr/>
-        </p:nvPicPr>
-        <p:blipFill>
-          <a:blip r:embed="rId3"/>
-          <a:stretch>
-            <a:fillRect/>
-          </a:stretch>
-        </p:blipFill>
-        <p:spPr>
-          <a:xfrm>
-            <a:off x="3342809" y="3874152"/>
+            <a:off x="747276" y="3136512"/>
             <a:ext cx="4723809" cy="1304762"/>
           </a:xfrm>
           <a:prstGeom prst="rect">
@@ -9134,7 +10342,7 @@
 </p:sld>
 </file>
 
-<file path=ppt/slides/slide4.xml><?xml version="1.0" encoding="utf-8"?>
+<file path=ppt/slides/slide5.xml><?xml version="1.0" encoding="utf-8"?>
 <p:sld xmlns:a="http://schemas.openxmlformats.org/drawingml/2006/main" xmlns:r="http://schemas.openxmlformats.org/officeDocument/2006/relationships" xmlns:p="http://schemas.openxmlformats.org/presentationml/2006/main">
   <p:cSld>
     <p:spTree>
@@ -9186,7 +10394,7 @@
 </p:sld>
 </file>
 
-<file path=ppt/slides/slide5.xml><?xml version="1.0" encoding="utf-8"?>
+<file path=ppt/slides/slide6.xml><?xml version="1.0" encoding="utf-8"?>
 <p:sld xmlns:a="http://schemas.openxmlformats.org/drawingml/2006/main" xmlns:r="http://schemas.openxmlformats.org/officeDocument/2006/relationships" xmlns:p="http://schemas.openxmlformats.org/presentationml/2006/main" show="0">
   <p:cSld>
     <p:spTree>
@@ -9284,7 +10492,7 @@
 </p:sld>
 </file>
 
-<file path=ppt/slides/slide6.xml><?xml version="1.0" encoding="utf-8"?>
+<file path=ppt/slides/slide7.xml><?xml version="1.0" encoding="utf-8"?>
 <p:sld xmlns:a="http://schemas.openxmlformats.org/drawingml/2006/main" xmlns:r="http://schemas.openxmlformats.org/officeDocument/2006/relationships" xmlns:p="http://schemas.openxmlformats.org/presentationml/2006/main">
   <p:cSld>
     <p:spTree>
@@ -11042,7 +12250,7 @@
 </p:sld>
 </file>
 
-<file path=ppt/slides/slide7.xml><?xml version="1.0" encoding="utf-8"?>
+<file path=ppt/slides/slide8.xml><?xml version="1.0" encoding="utf-8"?>
 <p:sld xmlns:a="http://schemas.openxmlformats.org/drawingml/2006/main" xmlns:r="http://schemas.openxmlformats.org/officeDocument/2006/relationships" xmlns:p="http://schemas.openxmlformats.org/presentationml/2006/main">
   <p:cSld>
     <p:spTree>
@@ -12204,7 +13412,7 @@
 </p:sld>
 </file>
 
-<file path=ppt/slides/slide8.xml><?xml version="1.0" encoding="utf-8"?>
+<file path=ppt/slides/slide9.xml><?xml version="1.0" encoding="utf-8"?>
 <p:sld xmlns:a="http://schemas.openxmlformats.org/drawingml/2006/main" xmlns:r="http://schemas.openxmlformats.org/officeDocument/2006/relationships" xmlns:p="http://schemas.openxmlformats.org/presentationml/2006/main">
   <p:cSld>
     <p:spTree>
@@ -12233,8 +13441,8 @@
         </p:nvSpPr>
         <p:spPr>
           <a:xfrm>
-            <a:off x="504000" y="1124700"/>
-            <a:ext cx="8159939" cy="4727460"/>
+            <a:off x="504001" y="1124700"/>
+            <a:ext cx="6506400" cy="4727460"/>
           </a:xfrm>
         </p:spPr>
         <p:txBody>
@@ -12347,6 +13555,141 @@
           </a:p>
         </p:txBody>
       </p:sp>
+      <p:pic>
+        <p:nvPicPr>
+          <p:cNvPr id="4" name="Picture 3"/>
+          <p:cNvPicPr>
+            <a:picLocks noChangeAspect="1"/>
+          </p:cNvPicPr>
+          <p:nvPr/>
+        </p:nvPicPr>
+        <p:blipFill>
+          <a:blip r:embed="rId3"/>
+          <a:stretch>
+            <a:fillRect/>
+          </a:stretch>
+        </p:blipFill>
+        <p:spPr>
+          <a:xfrm>
+            <a:off x="7986841" y="842636"/>
+            <a:ext cx="2961905" cy="5009524"/>
+          </a:xfrm>
+          <a:prstGeom prst="rect">
+            <a:avLst/>
+          </a:prstGeom>
+        </p:spPr>
+      </p:pic>
+      <p:cxnSp>
+        <p:nvCxnSpPr>
+          <p:cNvPr id="5" name="Straight Arrow Connector 4"/>
+          <p:cNvCxnSpPr/>
+          <p:nvPr/>
+        </p:nvCxnSpPr>
+        <p:spPr>
+          <a:xfrm flipH="1">
+            <a:off x="9662160" y="1937698"/>
+            <a:ext cx="1059180" cy="7620"/>
+          </a:xfrm>
+          <a:prstGeom prst="straightConnector1">
+            <a:avLst/>
+          </a:prstGeom>
+          <a:ln w="57150">
+            <a:solidFill>
+              <a:schemeClr val="accent5"/>
+            </a:solidFill>
+            <a:headEnd type="none" w="med" len="med"/>
+            <a:tailEnd type="triangle"/>
+          </a:ln>
+        </p:spPr>
+        <p:style>
+          <a:lnRef idx="1">
+            <a:schemeClr val="accent2"/>
+          </a:lnRef>
+          <a:fillRef idx="0">
+            <a:schemeClr val="accent2"/>
+          </a:fillRef>
+          <a:effectRef idx="0">
+            <a:schemeClr val="accent2"/>
+          </a:effectRef>
+          <a:fontRef idx="minor">
+            <a:schemeClr val="tx1"/>
+          </a:fontRef>
+        </p:style>
+      </p:cxnSp>
+      <p:cxnSp>
+        <p:nvCxnSpPr>
+          <p:cNvPr id="6" name="Straight Arrow Connector 5"/>
+          <p:cNvCxnSpPr/>
+          <p:nvPr/>
+        </p:nvCxnSpPr>
+        <p:spPr>
+          <a:xfrm flipH="1">
+            <a:off x="9889566" y="3248338"/>
+            <a:ext cx="1059180" cy="7620"/>
+          </a:xfrm>
+          <a:prstGeom prst="straightConnector1">
+            <a:avLst/>
+          </a:prstGeom>
+          <a:ln w="57150">
+            <a:solidFill>
+              <a:schemeClr val="accent5"/>
+            </a:solidFill>
+            <a:headEnd type="none" w="med" len="med"/>
+            <a:tailEnd type="triangle"/>
+          </a:ln>
+        </p:spPr>
+        <p:style>
+          <a:lnRef idx="1">
+            <a:schemeClr val="accent2"/>
+          </a:lnRef>
+          <a:fillRef idx="0">
+            <a:schemeClr val="accent2"/>
+          </a:fillRef>
+          <a:effectRef idx="0">
+            <a:schemeClr val="accent2"/>
+          </a:effectRef>
+          <a:fontRef idx="minor">
+            <a:schemeClr val="tx1"/>
+          </a:fontRef>
+        </p:style>
+      </p:cxnSp>
+      <p:cxnSp>
+        <p:nvCxnSpPr>
+          <p:cNvPr id="7" name="Straight Arrow Connector 6"/>
+          <p:cNvCxnSpPr/>
+          <p:nvPr/>
+        </p:nvCxnSpPr>
+        <p:spPr>
+          <a:xfrm flipH="1">
+            <a:off x="9889566" y="4109398"/>
+            <a:ext cx="1059180" cy="7620"/>
+          </a:xfrm>
+          <a:prstGeom prst="straightConnector1">
+            <a:avLst/>
+          </a:prstGeom>
+          <a:ln w="57150">
+            <a:solidFill>
+              <a:schemeClr val="accent5"/>
+            </a:solidFill>
+            <a:headEnd type="none" w="med" len="med"/>
+            <a:tailEnd type="triangle"/>
+          </a:ln>
+        </p:spPr>
+        <p:style>
+          <a:lnRef idx="1">
+            <a:schemeClr val="accent2"/>
+          </a:lnRef>
+          <a:fillRef idx="0">
+            <a:schemeClr val="accent2"/>
+          </a:fillRef>
+          <a:effectRef idx="0">
+            <a:schemeClr val="accent2"/>
+          </a:effectRef>
+          <a:fontRef idx="minor">
+            <a:schemeClr val="tx1"/>
+          </a:fontRef>
+        </p:style>
+      </p:cxnSp>
     </p:spTree>
     <p:extLst>
       <p:ext uri="{BB962C8B-B14F-4D97-AF65-F5344CB8AC3E}">
@@ -12357,32 +13700,6 @@
   <p:clrMapOvr>
     <a:masterClrMapping/>
   </p:clrMapOvr>
-</p:sld>
-</file>
-
-<file path=ppt/slides/slide9.xml><?xml version="1.0" encoding="utf-8"?>
-<p:sld xmlns:a="http://schemas.openxmlformats.org/drawingml/2006/main" xmlns:r="http://schemas.openxmlformats.org/officeDocument/2006/relationships" xmlns:p="http://schemas.openxmlformats.org/presentationml/2006/main" show="0">
-  <p:cSld>
-    <p:spTree>
-      <p:nvGrpSpPr>
-        <p:cNvPr id="1" name=""/>
-        <p:cNvGrpSpPr/>
-        <p:nvPr/>
-      </p:nvGrpSpPr>
-      <p:grpSpPr>
-        <a:xfrm>
-          <a:off x="0" y="0"/>
-          <a:ext cx="0" cy="0"/>
-          <a:chOff x="0" y="0"/>
-          <a:chExt cx="0" cy="0"/>
-        </a:xfrm>
-      </p:grpSpPr>
-    </p:spTree>
-  </p:cSld>
-  <p:clrMapOvr>
-    <a:masterClrMapping/>
-  </p:clrMapOvr>
-  <p:transition spd="med"/>
 </p:sld>
 </file>
 

--- a/kubernetes/03_labels_and_deployments.pptx
+++ b/kubernetes/03_labels_and_deployments.pptx
@@ -5,10 +5,10 @@
     <p:sldMasterId id="2147483733" r:id="rId1"/>
   </p:sldMasterIdLst>
   <p:notesMasterIdLst>
-    <p:notesMasterId r:id="rId12"/>
+    <p:notesMasterId r:id="rId13"/>
   </p:notesMasterIdLst>
   <p:handoutMasterIdLst>
-    <p:handoutMasterId r:id="rId13"/>
+    <p:handoutMasterId r:id="rId14"/>
   </p:handoutMasterIdLst>
   <p:sldIdLst>
     <p:sldId id="433" r:id="rId2"/>
@@ -20,7 +20,8 @@
     <p:sldId id="364" r:id="rId8"/>
     <p:sldId id="440" r:id="rId9"/>
     <p:sldId id="436" r:id="rId10"/>
-    <p:sldId id="265" r:id="rId11"/>
+    <p:sldId id="447" r:id="rId11"/>
+    <p:sldId id="265" r:id="rId12"/>
   </p:sldIdLst>
   <p:sldSz cx="12195175" cy="6858000"/>
   <p:notesSz cx="6858000" cy="9144000"/>
@@ -782,7 +783,7 @@
             <a:fld id="{7D8C2C35-2B8A-446E-BEC0-FD36716C29AC}" type="slidenum">
               <a:rPr lang="de-DE" smtClean="0"/>
               <a:pPr/>
-              <a:t>10</a:t>
+              <a:t>11</a:t>
             </a:fld>
             <a:endParaRPr lang="de-DE" dirty="0"/>
           </a:p>
@@ -8414,6 +8415,838 @@
 </file>
 
 <file path=ppt/slides/slide10.xml><?xml version="1.0" encoding="utf-8"?>
+<p:sld xmlns:a="http://schemas.openxmlformats.org/drawingml/2006/main" xmlns:r="http://schemas.openxmlformats.org/officeDocument/2006/relationships" xmlns:p="http://schemas.openxmlformats.org/presentationml/2006/main">
+  <p:cSld>
+    <p:spTree>
+      <p:nvGrpSpPr>
+        <p:cNvPr id="1" name=""/>
+        <p:cNvGrpSpPr/>
+        <p:nvPr/>
+      </p:nvGrpSpPr>
+      <p:grpSpPr>
+        <a:xfrm>
+          <a:off x="0" y="0"/>
+          <a:ext cx="0" cy="0"/>
+          <a:chOff x="0" y="0"/>
+          <a:chExt cx="0" cy="0"/>
+        </a:xfrm>
+      </p:grpSpPr>
+      <p:sp>
+        <p:nvSpPr>
+          <p:cNvPr id="3" name="Title 2"/>
+          <p:cNvSpPr>
+            <a:spLocks noGrp="1"/>
+          </p:cNvSpPr>
+          <p:nvPr>
+            <p:ph type="title"/>
+          </p:nvPr>
+        </p:nvSpPr>
+        <p:spPr/>
+        <p:txBody>
+          <a:bodyPr/>
+          <a:lstStyle/>
+          <a:p>
+            <a:r>
+              <a:rPr lang="en-US" dirty="0"/>
+              <a:t>What YOU will do during the next exercise…</a:t>
+            </a:r>
+          </a:p>
+        </p:txBody>
+      </p:sp>
+      <p:grpSp>
+        <p:nvGrpSpPr>
+          <p:cNvPr id="13" name="Group 12"/>
+          <p:cNvGrpSpPr/>
+          <p:nvPr/>
+        </p:nvGrpSpPr>
+        <p:grpSpPr>
+          <a:xfrm>
+            <a:off x="2674620" y="2948940"/>
+            <a:ext cx="6187440" cy="1752600"/>
+            <a:chOff x="2697480" y="2743200"/>
+            <a:chExt cx="6187440" cy="2034540"/>
+          </a:xfrm>
+        </p:grpSpPr>
+        <p:sp>
+          <p:nvSpPr>
+            <p:cNvPr id="12" name="Rectangle: Rounded Corners 11"/>
+            <p:cNvSpPr/>
+            <p:nvPr/>
+          </p:nvSpPr>
+          <p:spPr bwMode="gray">
+            <a:xfrm>
+              <a:off x="2697480" y="2743200"/>
+              <a:ext cx="6187440" cy="2034540"/>
+            </a:xfrm>
+            <a:prstGeom prst="roundRect">
+              <a:avLst/>
+            </a:prstGeom>
+            <a:solidFill>
+              <a:schemeClr val="accent4"/>
+            </a:solidFill>
+            <a:ln>
+              <a:headEnd/>
+              <a:tailEnd/>
+            </a:ln>
+          </p:spPr>
+          <p:style>
+            <a:lnRef idx="2">
+              <a:schemeClr val="accent4"/>
+            </a:lnRef>
+            <a:fillRef idx="1">
+              <a:schemeClr val="lt1"/>
+            </a:fillRef>
+            <a:effectRef idx="0">
+              <a:schemeClr val="accent4"/>
+            </a:effectRef>
+            <a:fontRef idx="minor">
+              <a:schemeClr val="dk1"/>
+            </a:fontRef>
+          </p:style>
+          <p:txBody>
+            <a:bodyPr lIns="90000" tIns="72000" rIns="90000" bIns="72000" rtlCol="0" anchor="ctr"/>
+            <a:lstStyle/>
+            <a:p>
+              <a:pPr marR="0" algn="ctr" defTabSz="914400" eaLnBrk="1" fontAlgn="base" latinLnBrk="0" hangingPunct="1">
+                <a:lnSpc>
+                  <a:spcPct val="100000"/>
+                </a:lnSpc>
+                <a:spcBef>
+                  <a:spcPct val="50000"/>
+                </a:spcBef>
+                <a:spcAft>
+                  <a:spcPct val="0"/>
+                </a:spcAft>
+                <a:buClr>
+                  <a:srgbClr val="F0AB00"/>
+                </a:buClr>
+                <a:buSzPct val="80000"/>
+                <a:tabLst/>
+              </a:pPr>
+              <a:endParaRPr kumimoji="0" lang="en-US" sz="1800" b="0" i="0" u="none" strike="noStrike" kern="0" cap="none" spc="0" normalizeH="0" baseline="0" noProof="0" dirty="0" err="1">
+                <a:ln>
+                  <a:noFill/>
+                </a:ln>
+                <a:effectLst/>
+                <a:uLnTx/>
+                <a:uFillTx/>
+                <a:ea typeface="Arial Unicode MS" pitchFamily="34" charset="-128"/>
+                <a:cs typeface="Arial Unicode MS" pitchFamily="34" charset="-128"/>
+              </a:endParaRPr>
+            </a:p>
+          </p:txBody>
+        </p:sp>
+        <p:sp>
+          <p:nvSpPr>
+            <p:cNvPr id="4" name="Rectangle 3"/>
+            <p:cNvSpPr/>
+            <p:nvPr/>
+          </p:nvSpPr>
+          <p:spPr bwMode="gray">
+            <a:xfrm>
+              <a:off x="2989653" y="3164976"/>
+              <a:ext cx="1627931" cy="1156258"/>
+            </a:xfrm>
+            <a:prstGeom prst="rect">
+              <a:avLst/>
+            </a:prstGeom>
+            <a:ln>
+              <a:headEnd/>
+              <a:tailEnd/>
+            </a:ln>
+          </p:spPr>
+          <p:style>
+            <a:lnRef idx="2">
+              <a:schemeClr val="accent4"/>
+            </a:lnRef>
+            <a:fillRef idx="1">
+              <a:schemeClr val="lt1"/>
+            </a:fillRef>
+            <a:effectRef idx="0">
+              <a:schemeClr val="accent4"/>
+            </a:effectRef>
+            <a:fontRef idx="minor">
+              <a:schemeClr val="dk1"/>
+            </a:fontRef>
+          </p:style>
+          <p:txBody>
+            <a:bodyPr lIns="90000" tIns="72000" rIns="90000" bIns="72000" rtlCol="0" anchor="ctr"/>
+            <a:lstStyle/>
+            <a:p>
+              <a:pPr marR="0" algn="ctr" defTabSz="914400" eaLnBrk="1" fontAlgn="base" latinLnBrk="0" hangingPunct="1">
+                <a:lnSpc>
+                  <a:spcPct val="100000"/>
+                </a:lnSpc>
+                <a:spcBef>
+                  <a:spcPct val="50000"/>
+                </a:spcBef>
+                <a:spcAft>
+                  <a:spcPct val="0"/>
+                </a:spcAft>
+                <a:buClr>
+                  <a:srgbClr val="F0AB00"/>
+                </a:buClr>
+                <a:buSzPct val="80000"/>
+                <a:tabLst/>
+              </a:pPr>
+              <a:r>
+                <a:rPr lang="de-DE" sz="1800" kern="0" dirty="0" err="1">
+                  <a:ea typeface="Arial Unicode MS" pitchFamily="34" charset="-128"/>
+                  <a:cs typeface="Arial Unicode MS" pitchFamily="34" charset="-128"/>
+                </a:rPr>
+                <a:t>nginx</a:t>
+              </a:r>
+              <a:endParaRPr kumimoji="0" lang="de-DE" sz="1800" b="0" i="0" u="none" strike="noStrike" kern="0" cap="none" spc="0" normalizeH="0" baseline="0" noProof="0" dirty="0">
+                <a:ln>
+                  <a:noFill/>
+                </a:ln>
+                <a:effectLst/>
+                <a:uLnTx/>
+                <a:uFillTx/>
+                <a:ea typeface="Arial Unicode MS" pitchFamily="34" charset="-128"/>
+                <a:cs typeface="Arial Unicode MS" pitchFamily="34" charset="-128"/>
+              </a:endParaRPr>
+            </a:p>
+          </p:txBody>
+        </p:sp>
+        <p:sp>
+          <p:nvSpPr>
+            <p:cNvPr id="6" name="Rectangle 5"/>
+            <p:cNvSpPr/>
+            <p:nvPr/>
+          </p:nvSpPr>
+          <p:spPr bwMode="gray">
+            <a:xfrm>
+              <a:off x="6855115" y="3164976"/>
+              <a:ext cx="1627931" cy="1156258"/>
+            </a:xfrm>
+            <a:prstGeom prst="rect">
+              <a:avLst/>
+            </a:prstGeom>
+            <a:ln>
+              <a:headEnd/>
+              <a:tailEnd/>
+            </a:ln>
+          </p:spPr>
+          <p:style>
+            <a:lnRef idx="2">
+              <a:schemeClr val="accent4"/>
+            </a:lnRef>
+            <a:fillRef idx="1">
+              <a:schemeClr val="lt1"/>
+            </a:fillRef>
+            <a:effectRef idx="0">
+              <a:schemeClr val="accent4"/>
+            </a:effectRef>
+            <a:fontRef idx="minor">
+              <a:schemeClr val="dk1"/>
+            </a:fontRef>
+          </p:style>
+          <p:txBody>
+            <a:bodyPr lIns="90000" tIns="72000" rIns="90000" bIns="72000" rtlCol="0" anchor="ctr"/>
+            <a:lstStyle/>
+            <a:p>
+              <a:pPr algn="ctr" defTabSz="914400" fontAlgn="base">
+                <a:spcBef>
+                  <a:spcPct val="50000"/>
+                </a:spcBef>
+                <a:spcAft>
+                  <a:spcPct val="0"/>
+                </a:spcAft>
+                <a:buClr>
+                  <a:srgbClr val="F0AB00"/>
+                </a:buClr>
+                <a:buSzPct val="80000"/>
+              </a:pPr>
+              <a:r>
+                <a:rPr lang="de-DE" sz="1800" kern="0" dirty="0" err="1">
+                  <a:ea typeface="Arial Unicode MS" pitchFamily="34" charset="-128"/>
+                  <a:cs typeface="Arial Unicode MS" pitchFamily="34" charset="-128"/>
+                </a:rPr>
+                <a:t>nginx</a:t>
+              </a:r>
+              <a:endParaRPr lang="de-DE" sz="1800" kern="0" dirty="0">
+                <a:ea typeface="Arial Unicode MS" pitchFamily="34" charset="-128"/>
+                <a:cs typeface="Arial Unicode MS" pitchFamily="34" charset="-128"/>
+              </a:endParaRPr>
+            </a:p>
+          </p:txBody>
+        </p:sp>
+        <p:sp>
+          <p:nvSpPr>
+            <p:cNvPr id="7" name="Rectangle 6"/>
+            <p:cNvSpPr/>
+            <p:nvPr/>
+          </p:nvSpPr>
+          <p:spPr bwMode="gray">
+            <a:xfrm>
+              <a:off x="4922384" y="3164976"/>
+              <a:ext cx="1627931" cy="1156258"/>
+            </a:xfrm>
+            <a:prstGeom prst="rect">
+              <a:avLst/>
+            </a:prstGeom>
+            <a:ln>
+              <a:headEnd/>
+              <a:tailEnd/>
+            </a:ln>
+          </p:spPr>
+          <p:style>
+            <a:lnRef idx="2">
+              <a:schemeClr val="accent4"/>
+            </a:lnRef>
+            <a:fillRef idx="1">
+              <a:schemeClr val="lt1"/>
+            </a:fillRef>
+            <a:effectRef idx="0">
+              <a:schemeClr val="accent4"/>
+            </a:effectRef>
+            <a:fontRef idx="minor">
+              <a:schemeClr val="dk1"/>
+            </a:fontRef>
+          </p:style>
+          <p:txBody>
+            <a:bodyPr lIns="90000" tIns="72000" rIns="90000" bIns="72000" rtlCol="0" anchor="ctr"/>
+            <a:lstStyle/>
+            <a:p>
+              <a:pPr algn="ctr" defTabSz="914400" fontAlgn="base">
+                <a:spcBef>
+                  <a:spcPct val="50000"/>
+                </a:spcBef>
+                <a:spcAft>
+                  <a:spcPct val="0"/>
+                </a:spcAft>
+                <a:buClr>
+                  <a:srgbClr val="F0AB00"/>
+                </a:buClr>
+                <a:buSzPct val="80000"/>
+              </a:pPr>
+              <a:r>
+                <a:rPr lang="de-DE" sz="1800" kern="0" dirty="0" err="1">
+                  <a:ea typeface="Arial Unicode MS" pitchFamily="34" charset="-128"/>
+                  <a:cs typeface="Arial Unicode MS" pitchFamily="34" charset="-128"/>
+                </a:rPr>
+                <a:t>nginx</a:t>
+              </a:r>
+              <a:endParaRPr lang="de-DE" sz="1800" kern="0" dirty="0">
+                <a:ea typeface="Arial Unicode MS" pitchFamily="34" charset="-128"/>
+                <a:cs typeface="Arial Unicode MS" pitchFamily="34" charset="-128"/>
+              </a:endParaRPr>
+            </a:p>
+          </p:txBody>
+        </p:sp>
+      </p:grpSp>
+      <p:grpSp>
+        <p:nvGrpSpPr>
+          <p:cNvPr id="15" name="Group 14"/>
+          <p:cNvGrpSpPr/>
+          <p:nvPr/>
+        </p:nvGrpSpPr>
+        <p:grpSpPr>
+          <a:xfrm>
+            <a:off x="3482340" y="5176656"/>
+            <a:ext cx="4572000" cy="1363980"/>
+            <a:chOff x="3421380" y="5067300"/>
+            <a:chExt cx="4572000" cy="1363980"/>
+          </a:xfrm>
+        </p:grpSpPr>
+        <p:sp>
+          <p:nvSpPr>
+            <p:cNvPr id="14" name="Rectangle: Rounded Corners 13"/>
+            <p:cNvSpPr/>
+            <p:nvPr/>
+          </p:nvSpPr>
+          <p:spPr bwMode="gray">
+            <a:xfrm>
+              <a:off x="3421380" y="5067300"/>
+              <a:ext cx="4572000" cy="1363980"/>
+            </a:xfrm>
+            <a:prstGeom prst="roundRect">
+              <a:avLst/>
+            </a:prstGeom>
+            <a:ln>
+              <a:headEnd/>
+              <a:tailEnd/>
+            </a:ln>
+          </p:spPr>
+          <p:style>
+            <a:lnRef idx="2">
+              <a:schemeClr val="accent1"/>
+            </a:lnRef>
+            <a:fillRef idx="1">
+              <a:schemeClr val="lt1"/>
+            </a:fillRef>
+            <a:effectRef idx="0">
+              <a:schemeClr val="accent1"/>
+            </a:effectRef>
+            <a:fontRef idx="minor">
+              <a:schemeClr val="dk1"/>
+            </a:fontRef>
+          </p:style>
+          <p:txBody>
+            <a:bodyPr lIns="90000" tIns="72000" rIns="90000" bIns="72000" rtlCol="0" anchor="ctr"/>
+            <a:lstStyle/>
+            <a:p>
+              <a:pPr marR="0" algn="ctr" defTabSz="914400" eaLnBrk="1" fontAlgn="base" latinLnBrk="0" hangingPunct="1">
+                <a:lnSpc>
+                  <a:spcPct val="100000"/>
+                </a:lnSpc>
+                <a:spcBef>
+                  <a:spcPct val="50000"/>
+                </a:spcBef>
+                <a:spcAft>
+                  <a:spcPct val="0"/>
+                </a:spcAft>
+                <a:buClr>
+                  <a:srgbClr val="F0AB00"/>
+                </a:buClr>
+                <a:buSzPct val="80000"/>
+                <a:tabLst/>
+              </a:pPr>
+              <a:endParaRPr kumimoji="0" lang="en-US" sz="1800" b="0" i="0" u="none" strike="noStrike" kern="0" cap="none" spc="0" normalizeH="0" baseline="0" noProof="0" dirty="0" err="1">
+                <a:ln>
+                  <a:noFill/>
+                </a:ln>
+                <a:effectLst/>
+                <a:uLnTx/>
+                <a:uFillTx/>
+                <a:ea typeface="Arial Unicode MS" pitchFamily="34" charset="-128"/>
+                <a:cs typeface="Arial Unicode MS" pitchFamily="34" charset="-128"/>
+              </a:endParaRPr>
+            </a:p>
+          </p:txBody>
+        </p:sp>
+        <p:sp>
+          <p:nvSpPr>
+            <p:cNvPr id="8" name="Cylinder 7"/>
+            <p:cNvSpPr/>
+            <p:nvPr/>
+          </p:nvSpPr>
+          <p:spPr bwMode="gray">
+            <a:xfrm>
+              <a:off x="3946888" y="5248563"/>
+              <a:ext cx="998220" cy="1004248"/>
+            </a:xfrm>
+            <a:prstGeom prst="can">
+              <a:avLst/>
+            </a:prstGeom>
+            <a:ln>
+              <a:headEnd/>
+              <a:tailEnd/>
+            </a:ln>
+          </p:spPr>
+          <p:style>
+            <a:lnRef idx="2">
+              <a:schemeClr val="accent2"/>
+            </a:lnRef>
+            <a:fillRef idx="1">
+              <a:schemeClr val="lt1"/>
+            </a:fillRef>
+            <a:effectRef idx="0">
+              <a:schemeClr val="accent2"/>
+            </a:effectRef>
+            <a:fontRef idx="minor">
+              <a:schemeClr val="dk1"/>
+            </a:fontRef>
+          </p:style>
+          <p:txBody>
+            <a:bodyPr lIns="90000" tIns="72000" rIns="90000" bIns="72000" rtlCol="0" anchor="ctr"/>
+            <a:lstStyle/>
+            <a:p>
+              <a:pPr marR="0" algn="ctr" defTabSz="914400" eaLnBrk="1" fontAlgn="base" latinLnBrk="0" hangingPunct="1">
+                <a:lnSpc>
+                  <a:spcPct val="100000"/>
+                </a:lnSpc>
+                <a:spcBef>
+                  <a:spcPct val="50000"/>
+                </a:spcBef>
+                <a:spcAft>
+                  <a:spcPct val="0"/>
+                </a:spcAft>
+                <a:buClr>
+                  <a:srgbClr val="F0AB00"/>
+                </a:buClr>
+                <a:buSzPct val="80000"/>
+                <a:tabLst/>
+              </a:pPr>
+              <a:r>
+                <a:rPr kumimoji="0" lang="de-DE" sz="1800" b="0" i="0" u="none" strike="noStrike" kern="0" cap="none" spc="0" normalizeH="0" baseline="0" noProof="0" dirty="0" err="1">
+                  <a:ln>
+                    <a:noFill/>
+                  </a:ln>
+                  <a:effectLst/>
+                  <a:uLnTx/>
+                  <a:uFillTx/>
+                  <a:ea typeface="Arial Unicode MS" pitchFamily="34" charset="-128"/>
+                  <a:cs typeface="Arial Unicode MS" pitchFamily="34" charset="-128"/>
+                </a:rPr>
+                <a:t>content</a:t>
+              </a:r>
+              <a:endParaRPr kumimoji="0" lang="de-DE" sz="1800" b="0" i="0" u="none" strike="noStrike" kern="0" cap="none" spc="0" normalizeH="0" baseline="0" noProof="0" dirty="0">
+                <a:ln>
+                  <a:noFill/>
+                </a:ln>
+                <a:effectLst/>
+                <a:uLnTx/>
+                <a:uFillTx/>
+                <a:ea typeface="Arial Unicode MS" pitchFamily="34" charset="-128"/>
+                <a:cs typeface="Arial Unicode MS" pitchFamily="34" charset="-128"/>
+              </a:endParaRPr>
+            </a:p>
+          </p:txBody>
+        </p:sp>
+        <p:sp>
+          <p:nvSpPr>
+            <p:cNvPr id="9" name="Cylinder 8"/>
+            <p:cNvSpPr/>
+            <p:nvPr/>
+          </p:nvSpPr>
+          <p:spPr bwMode="gray">
+            <a:xfrm>
+              <a:off x="5214379" y="5248563"/>
+              <a:ext cx="998220" cy="1004248"/>
+            </a:xfrm>
+            <a:prstGeom prst="can">
+              <a:avLst/>
+            </a:prstGeom>
+            <a:ln>
+              <a:headEnd/>
+              <a:tailEnd/>
+            </a:ln>
+          </p:spPr>
+          <p:style>
+            <a:lnRef idx="2">
+              <a:schemeClr val="accent2"/>
+            </a:lnRef>
+            <a:fillRef idx="1">
+              <a:schemeClr val="lt1"/>
+            </a:fillRef>
+            <a:effectRef idx="0">
+              <a:schemeClr val="accent2"/>
+            </a:effectRef>
+            <a:fontRef idx="minor">
+              <a:schemeClr val="dk1"/>
+            </a:fontRef>
+          </p:style>
+          <p:txBody>
+            <a:bodyPr lIns="90000" tIns="72000" rIns="90000" bIns="72000" rtlCol="0" anchor="ctr"/>
+            <a:lstStyle/>
+            <a:p>
+              <a:pPr marR="0" algn="ctr" defTabSz="914400" eaLnBrk="1" fontAlgn="base" latinLnBrk="0" hangingPunct="1">
+                <a:lnSpc>
+                  <a:spcPct val="100000"/>
+                </a:lnSpc>
+                <a:spcBef>
+                  <a:spcPct val="50000"/>
+                </a:spcBef>
+                <a:spcAft>
+                  <a:spcPct val="0"/>
+                </a:spcAft>
+                <a:buClr>
+                  <a:srgbClr val="F0AB00"/>
+                </a:buClr>
+                <a:buSzPct val="80000"/>
+                <a:tabLst/>
+              </a:pPr>
+              <a:r>
+                <a:rPr kumimoji="0" lang="de-DE" sz="1800" b="0" i="0" u="none" strike="noStrike" kern="0" cap="none" spc="0" normalizeH="0" baseline="0" noProof="0" dirty="0" err="1">
+                  <a:ln>
+                    <a:noFill/>
+                  </a:ln>
+                  <a:effectLst/>
+                  <a:uLnTx/>
+                  <a:uFillTx/>
+                  <a:ea typeface="Arial Unicode MS" pitchFamily="34" charset="-128"/>
+                  <a:cs typeface="Arial Unicode MS" pitchFamily="34" charset="-128"/>
+                </a:rPr>
+                <a:t>config</a:t>
+              </a:r>
+              <a:endParaRPr kumimoji="0" lang="de-DE" sz="1800" b="0" i="0" u="none" strike="noStrike" kern="0" cap="none" spc="0" normalizeH="0" baseline="0" noProof="0" dirty="0">
+                <a:ln>
+                  <a:noFill/>
+                </a:ln>
+                <a:effectLst/>
+                <a:uLnTx/>
+                <a:uFillTx/>
+                <a:ea typeface="Arial Unicode MS" pitchFamily="34" charset="-128"/>
+                <a:cs typeface="Arial Unicode MS" pitchFamily="34" charset="-128"/>
+              </a:endParaRPr>
+            </a:p>
+          </p:txBody>
+        </p:sp>
+        <p:sp>
+          <p:nvSpPr>
+            <p:cNvPr id="10" name="Cylinder 9"/>
+            <p:cNvSpPr/>
+            <p:nvPr/>
+          </p:nvSpPr>
+          <p:spPr bwMode="gray">
+            <a:xfrm>
+              <a:off x="6481870" y="5248563"/>
+              <a:ext cx="998220" cy="1004248"/>
+            </a:xfrm>
+            <a:prstGeom prst="can">
+              <a:avLst/>
+            </a:prstGeom>
+            <a:ln>
+              <a:headEnd/>
+              <a:tailEnd/>
+            </a:ln>
+          </p:spPr>
+          <p:style>
+            <a:lnRef idx="2">
+              <a:schemeClr val="accent2"/>
+            </a:lnRef>
+            <a:fillRef idx="1">
+              <a:schemeClr val="lt1"/>
+            </a:fillRef>
+            <a:effectRef idx="0">
+              <a:schemeClr val="accent2"/>
+            </a:effectRef>
+            <a:fontRef idx="minor">
+              <a:schemeClr val="dk1"/>
+            </a:fontRef>
+          </p:style>
+          <p:txBody>
+            <a:bodyPr lIns="90000" tIns="72000" rIns="90000" bIns="72000" rtlCol="0" anchor="ctr"/>
+            <a:lstStyle/>
+            <a:p>
+              <a:pPr marR="0" algn="ctr" defTabSz="914400" eaLnBrk="1" fontAlgn="base" latinLnBrk="0" hangingPunct="1">
+                <a:lnSpc>
+                  <a:spcPct val="100000"/>
+                </a:lnSpc>
+                <a:spcBef>
+                  <a:spcPct val="50000"/>
+                </a:spcBef>
+                <a:spcAft>
+                  <a:spcPct val="0"/>
+                </a:spcAft>
+                <a:buClr>
+                  <a:srgbClr val="F0AB00"/>
+                </a:buClr>
+                <a:buSzPct val="80000"/>
+                <a:tabLst/>
+              </a:pPr>
+              <a:r>
+                <a:rPr lang="de-DE" sz="1800" kern="0" dirty="0" err="1">
+                  <a:ea typeface="Arial Unicode MS" pitchFamily="34" charset="-128"/>
+                  <a:cs typeface="Arial Unicode MS" pitchFamily="34" charset="-128"/>
+                </a:rPr>
+                <a:t>tls</a:t>
+              </a:r>
+              <a:r>
+                <a:rPr lang="de-DE" sz="1800" kern="0" dirty="0">
+                  <a:ea typeface="Arial Unicode MS" pitchFamily="34" charset="-128"/>
+                  <a:cs typeface="Arial Unicode MS" pitchFamily="34" charset="-128"/>
+                </a:rPr>
+                <a:t> </a:t>
+              </a:r>
+              <a:r>
+                <a:rPr lang="de-DE" sz="1800" kern="0" dirty="0" err="1">
+                  <a:ea typeface="Arial Unicode MS" pitchFamily="34" charset="-128"/>
+                  <a:cs typeface="Arial Unicode MS" pitchFamily="34" charset="-128"/>
+                </a:rPr>
+                <a:t>certs</a:t>
+              </a:r>
+              <a:endParaRPr kumimoji="0" lang="de-DE" sz="1800" b="0" i="0" u="none" strike="noStrike" kern="0" cap="none" spc="0" normalizeH="0" baseline="0" noProof="0" dirty="0">
+                <a:ln>
+                  <a:noFill/>
+                </a:ln>
+                <a:effectLst/>
+                <a:uLnTx/>
+                <a:uFillTx/>
+                <a:ea typeface="Arial Unicode MS" pitchFamily="34" charset="-128"/>
+                <a:cs typeface="Arial Unicode MS" pitchFamily="34" charset="-128"/>
+              </a:endParaRPr>
+            </a:p>
+          </p:txBody>
+        </p:sp>
+      </p:grpSp>
+      <p:sp>
+        <p:nvSpPr>
+          <p:cNvPr id="16" name="Arrow: Up-Down 15"/>
+          <p:cNvSpPr/>
+          <p:nvPr/>
+        </p:nvSpPr>
+        <p:spPr bwMode="gray">
+          <a:xfrm>
+            <a:off x="5657231" y="4400550"/>
+            <a:ext cx="222219" cy="845820"/>
+          </a:xfrm>
+          <a:prstGeom prst="upDownArrow">
+            <a:avLst/>
+          </a:prstGeom>
+          <a:solidFill>
+            <a:schemeClr val="accent1"/>
+          </a:solidFill>
+          <a:ln w="6350" algn="ctr">
+            <a:noFill/>
+            <a:miter lim="800000"/>
+            <a:headEnd/>
+            <a:tailEnd/>
+          </a:ln>
+        </p:spPr>
+        <p:txBody>
+          <a:bodyPr lIns="90000" tIns="72000" rIns="90000" bIns="72000" rtlCol="0" anchor="ctr"/>
+          <a:lstStyle/>
+          <a:p>
+            <a:pPr marR="0" algn="ctr" defTabSz="914400" eaLnBrk="1" fontAlgn="base" latinLnBrk="0" hangingPunct="1">
+              <a:lnSpc>
+                <a:spcPct val="100000"/>
+              </a:lnSpc>
+              <a:spcBef>
+                <a:spcPct val="50000"/>
+              </a:spcBef>
+              <a:spcAft>
+                <a:spcPct val="0"/>
+              </a:spcAft>
+              <a:buClr>
+                <a:srgbClr val="F0AB00"/>
+              </a:buClr>
+              <a:buSzPct val="80000"/>
+              <a:tabLst/>
+            </a:pPr>
+            <a:endParaRPr kumimoji="0" lang="en-US" sz="1800" b="0" i="0" u="none" strike="noStrike" kern="0" cap="none" spc="0" normalizeH="0" baseline="0" noProof="0" dirty="0" err="1">
+              <a:ln>
+                <a:noFill/>
+              </a:ln>
+              <a:effectLst/>
+              <a:uLnTx/>
+              <a:uFillTx/>
+              <a:ea typeface="Arial Unicode MS" pitchFamily="34" charset="-128"/>
+              <a:cs typeface="Arial Unicode MS" pitchFamily="34" charset="-128"/>
+            </a:endParaRPr>
+          </a:p>
+        </p:txBody>
+      </p:sp>
+      <p:sp>
+        <p:nvSpPr>
+          <p:cNvPr id="17" name="Cloud 16"/>
+          <p:cNvSpPr/>
+          <p:nvPr/>
+        </p:nvSpPr>
+        <p:spPr bwMode="gray">
+          <a:xfrm>
+            <a:off x="4077319" y="1126276"/>
+            <a:ext cx="3382042" cy="914400"/>
+          </a:xfrm>
+          <a:prstGeom prst="cloud">
+            <a:avLst/>
+          </a:prstGeom>
+          <a:solidFill>
+            <a:schemeClr val="accent1"/>
+          </a:solidFill>
+          <a:ln w="6350" algn="ctr">
+            <a:noFill/>
+            <a:miter lim="800000"/>
+            <a:headEnd/>
+            <a:tailEnd/>
+          </a:ln>
+        </p:spPr>
+        <p:txBody>
+          <a:bodyPr lIns="90000" tIns="72000" rIns="90000" bIns="72000" rtlCol="0" anchor="ctr"/>
+          <a:lstStyle/>
+          <a:p>
+            <a:pPr marR="0" algn="ctr" defTabSz="914400" eaLnBrk="1" fontAlgn="base" latinLnBrk="0" hangingPunct="1">
+              <a:lnSpc>
+                <a:spcPct val="100000"/>
+              </a:lnSpc>
+              <a:spcBef>
+                <a:spcPct val="50000"/>
+              </a:spcBef>
+              <a:spcAft>
+                <a:spcPct val="0"/>
+              </a:spcAft>
+              <a:buClr>
+                <a:srgbClr val="F0AB00"/>
+              </a:buClr>
+              <a:buSzPct val="80000"/>
+              <a:tabLst/>
+            </a:pPr>
+            <a:endParaRPr kumimoji="0" lang="en-US" sz="1800" b="0" i="0" u="none" strike="noStrike" kern="0" cap="none" spc="0" normalizeH="0" baseline="0" noProof="0" dirty="0" err="1">
+              <a:ln>
+                <a:noFill/>
+              </a:ln>
+              <a:effectLst/>
+              <a:uLnTx/>
+              <a:uFillTx/>
+              <a:ea typeface="Arial Unicode MS" pitchFamily="34" charset="-128"/>
+              <a:cs typeface="Arial Unicode MS" pitchFamily="34" charset="-128"/>
+            </a:endParaRPr>
+          </a:p>
+        </p:txBody>
+      </p:sp>
+      <p:sp>
+        <p:nvSpPr>
+          <p:cNvPr id="18" name="Arrow: Up-Down 17"/>
+          <p:cNvSpPr/>
+          <p:nvPr/>
+        </p:nvSpPr>
+        <p:spPr bwMode="gray">
+          <a:xfrm>
+            <a:off x="5657231" y="2071898"/>
+            <a:ext cx="222219" cy="845820"/>
+          </a:xfrm>
+          <a:prstGeom prst="upDownArrow">
+            <a:avLst/>
+          </a:prstGeom>
+          <a:solidFill>
+            <a:schemeClr val="accent1"/>
+          </a:solidFill>
+          <a:ln w="6350" algn="ctr">
+            <a:noFill/>
+            <a:miter lim="800000"/>
+            <a:headEnd/>
+            <a:tailEnd/>
+          </a:ln>
+        </p:spPr>
+        <p:txBody>
+          <a:bodyPr lIns="90000" tIns="72000" rIns="90000" bIns="72000" rtlCol="0" anchor="ctr"/>
+          <a:lstStyle/>
+          <a:p>
+            <a:pPr marR="0" algn="ctr" defTabSz="914400" eaLnBrk="1" fontAlgn="base" latinLnBrk="0" hangingPunct="1">
+              <a:lnSpc>
+                <a:spcPct val="100000"/>
+              </a:lnSpc>
+              <a:spcBef>
+                <a:spcPct val="50000"/>
+              </a:spcBef>
+              <a:spcAft>
+                <a:spcPct val="0"/>
+              </a:spcAft>
+              <a:buClr>
+                <a:srgbClr val="F0AB00"/>
+              </a:buClr>
+              <a:buSzPct val="80000"/>
+              <a:tabLst/>
+            </a:pPr>
+            <a:endParaRPr kumimoji="0" lang="en-US" sz="1800" b="0" i="0" u="none" strike="noStrike" kern="0" cap="none" spc="0" normalizeH="0" baseline="0" noProof="0" dirty="0" err="1">
+              <a:ln>
+                <a:noFill/>
+              </a:ln>
+              <a:effectLst/>
+              <a:uLnTx/>
+              <a:uFillTx/>
+              <a:ea typeface="Arial Unicode MS" pitchFamily="34" charset="-128"/>
+              <a:cs typeface="Arial Unicode MS" pitchFamily="34" charset="-128"/>
+            </a:endParaRPr>
+          </a:p>
+        </p:txBody>
+      </p:sp>
+    </p:spTree>
+    <p:extLst>
+      <p:ext uri="{BB962C8B-B14F-4D97-AF65-F5344CB8AC3E}">
+        <p14:creationId xmlns:p14="http://schemas.microsoft.com/office/powerpoint/2010/main" val="4085581448"/>
+      </p:ext>
+    </p:extLst>
+  </p:cSld>
+  <p:clrMapOvr>
+    <a:masterClrMapping/>
+  </p:clrMapOvr>
+</p:sld>
+</file>
+
+<file path=ppt/slides/slide11.xml><?xml version="1.0" encoding="utf-8"?>
 <p:sld xmlns:a="http://schemas.openxmlformats.org/drawingml/2006/main" xmlns:r="http://schemas.openxmlformats.org/officeDocument/2006/relationships" xmlns:p="http://schemas.openxmlformats.org/presentationml/2006/main" show="0">
   <p:cSld>
     <p:spTree>

--- a/kubernetes/03_labels_and_deployments.pptx
+++ b/kubernetes/03_labels_and_deployments.pptx
@@ -5,10 +5,10 @@
     <p:sldMasterId id="2147483733" r:id="rId1"/>
   </p:sldMasterIdLst>
   <p:notesMasterIdLst>
-    <p:notesMasterId r:id="rId13"/>
+    <p:notesMasterId r:id="rId12"/>
   </p:notesMasterIdLst>
   <p:handoutMasterIdLst>
-    <p:handoutMasterId r:id="rId14"/>
+    <p:handoutMasterId r:id="rId13"/>
   </p:handoutMasterIdLst>
   <p:sldIdLst>
     <p:sldId id="433" r:id="rId2"/>
@@ -17,11 +17,10 @@
     <p:sldId id="443" r:id="rId5"/>
     <p:sldId id="444" r:id="rId6"/>
     <p:sldId id="445" r:id="rId7"/>
-    <p:sldId id="364" r:id="rId8"/>
-    <p:sldId id="440" r:id="rId9"/>
-    <p:sldId id="436" r:id="rId10"/>
-    <p:sldId id="447" r:id="rId11"/>
-    <p:sldId id="265" r:id="rId12"/>
+    <p:sldId id="440" r:id="rId8"/>
+    <p:sldId id="436" r:id="rId9"/>
+    <p:sldId id="447" r:id="rId10"/>
+    <p:sldId id="265" r:id="rId11"/>
   </p:sldIdLst>
   <p:sldSz cx="12195175" cy="6858000"/>
   <p:notesSz cx="6858000" cy="9144000"/>
@@ -637,7 +636,7 @@
             <a:fld id="{7D8C2C35-2B8A-446E-BEC0-FD36716C29AC}" type="slidenum">
               <a:rPr lang="de-DE" smtClean="0"/>
               <a:pPr/>
-              <a:t>8</a:t>
+              <a:t>7</a:t>
             </a:fld>
             <a:endParaRPr lang="de-DE" dirty="0"/>
           </a:p>
@@ -691,7 +690,7 @@
             <a:fld id="{7D8C2C35-2B8A-446E-BEC0-FD36716C29AC}" type="slidenum">
               <a:rPr lang="de-DE" smtClean="0"/>
               <a:pPr/>
-              <a:t>9</a:t>
+              <a:t>8</a:t>
             </a:fld>
             <a:endParaRPr lang="de-DE" dirty="0"/>
           </a:p>
@@ -783,7 +782,7 @@
             <a:fld id="{7D8C2C35-2B8A-446E-BEC0-FD36716C29AC}" type="slidenum">
               <a:rPr lang="de-DE" smtClean="0"/>
               <a:pPr/>
-              <a:t>11</a:t>
+              <a:t>10</a:t>
             </a:fld>
             <a:endParaRPr lang="de-DE" dirty="0"/>
           </a:p>
@@ -8415,838 +8414,6 @@
 </file>
 
 <file path=ppt/slides/slide10.xml><?xml version="1.0" encoding="utf-8"?>
-<p:sld xmlns:a="http://schemas.openxmlformats.org/drawingml/2006/main" xmlns:r="http://schemas.openxmlformats.org/officeDocument/2006/relationships" xmlns:p="http://schemas.openxmlformats.org/presentationml/2006/main">
-  <p:cSld>
-    <p:spTree>
-      <p:nvGrpSpPr>
-        <p:cNvPr id="1" name=""/>
-        <p:cNvGrpSpPr/>
-        <p:nvPr/>
-      </p:nvGrpSpPr>
-      <p:grpSpPr>
-        <a:xfrm>
-          <a:off x="0" y="0"/>
-          <a:ext cx="0" cy="0"/>
-          <a:chOff x="0" y="0"/>
-          <a:chExt cx="0" cy="0"/>
-        </a:xfrm>
-      </p:grpSpPr>
-      <p:sp>
-        <p:nvSpPr>
-          <p:cNvPr id="3" name="Title 2"/>
-          <p:cNvSpPr>
-            <a:spLocks noGrp="1"/>
-          </p:cNvSpPr>
-          <p:nvPr>
-            <p:ph type="title"/>
-          </p:nvPr>
-        </p:nvSpPr>
-        <p:spPr/>
-        <p:txBody>
-          <a:bodyPr/>
-          <a:lstStyle/>
-          <a:p>
-            <a:r>
-              <a:rPr lang="en-US" dirty="0"/>
-              <a:t>What YOU will do during the next exercise…</a:t>
-            </a:r>
-          </a:p>
-        </p:txBody>
-      </p:sp>
-      <p:grpSp>
-        <p:nvGrpSpPr>
-          <p:cNvPr id="13" name="Group 12"/>
-          <p:cNvGrpSpPr/>
-          <p:nvPr/>
-        </p:nvGrpSpPr>
-        <p:grpSpPr>
-          <a:xfrm>
-            <a:off x="2674620" y="2948940"/>
-            <a:ext cx="6187440" cy="1752600"/>
-            <a:chOff x="2697480" y="2743200"/>
-            <a:chExt cx="6187440" cy="2034540"/>
-          </a:xfrm>
-        </p:grpSpPr>
-        <p:sp>
-          <p:nvSpPr>
-            <p:cNvPr id="12" name="Rectangle: Rounded Corners 11"/>
-            <p:cNvSpPr/>
-            <p:nvPr/>
-          </p:nvSpPr>
-          <p:spPr bwMode="gray">
-            <a:xfrm>
-              <a:off x="2697480" y="2743200"/>
-              <a:ext cx="6187440" cy="2034540"/>
-            </a:xfrm>
-            <a:prstGeom prst="roundRect">
-              <a:avLst/>
-            </a:prstGeom>
-            <a:solidFill>
-              <a:schemeClr val="accent4"/>
-            </a:solidFill>
-            <a:ln>
-              <a:headEnd/>
-              <a:tailEnd/>
-            </a:ln>
-          </p:spPr>
-          <p:style>
-            <a:lnRef idx="2">
-              <a:schemeClr val="accent4"/>
-            </a:lnRef>
-            <a:fillRef idx="1">
-              <a:schemeClr val="lt1"/>
-            </a:fillRef>
-            <a:effectRef idx="0">
-              <a:schemeClr val="accent4"/>
-            </a:effectRef>
-            <a:fontRef idx="minor">
-              <a:schemeClr val="dk1"/>
-            </a:fontRef>
-          </p:style>
-          <p:txBody>
-            <a:bodyPr lIns="90000" tIns="72000" rIns="90000" bIns="72000" rtlCol="0" anchor="ctr"/>
-            <a:lstStyle/>
-            <a:p>
-              <a:pPr marR="0" algn="ctr" defTabSz="914400" eaLnBrk="1" fontAlgn="base" latinLnBrk="0" hangingPunct="1">
-                <a:lnSpc>
-                  <a:spcPct val="100000"/>
-                </a:lnSpc>
-                <a:spcBef>
-                  <a:spcPct val="50000"/>
-                </a:spcBef>
-                <a:spcAft>
-                  <a:spcPct val="0"/>
-                </a:spcAft>
-                <a:buClr>
-                  <a:srgbClr val="F0AB00"/>
-                </a:buClr>
-                <a:buSzPct val="80000"/>
-                <a:tabLst/>
-              </a:pPr>
-              <a:endParaRPr kumimoji="0" lang="en-US" sz="1800" b="0" i="0" u="none" strike="noStrike" kern="0" cap="none" spc="0" normalizeH="0" baseline="0" noProof="0" dirty="0" err="1">
-                <a:ln>
-                  <a:noFill/>
-                </a:ln>
-                <a:effectLst/>
-                <a:uLnTx/>
-                <a:uFillTx/>
-                <a:ea typeface="Arial Unicode MS" pitchFamily="34" charset="-128"/>
-                <a:cs typeface="Arial Unicode MS" pitchFamily="34" charset="-128"/>
-              </a:endParaRPr>
-            </a:p>
-          </p:txBody>
-        </p:sp>
-        <p:sp>
-          <p:nvSpPr>
-            <p:cNvPr id="4" name="Rectangle 3"/>
-            <p:cNvSpPr/>
-            <p:nvPr/>
-          </p:nvSpPr>
-          <p:spPr bwMode="gray">
-            <a:xfrm>
-              <a:off x="2989653" y="3164976"/>
-              <a:ext cx="1627931" cy="1156258"/>
-            </a:xfrm>
-            <a:prstGeom prst="rect">
-              <a:avLst/>
-            </a:prstGeom>
-            <a:ln>
-              <a:headEnd/>
-              <a:tailEnd/>
-            </a:ln>
-          </p:spPr>
-          <p:style>
-            <a:lnRef idx="2">
-              <a:schemeClr val="accent4"/>
-            </a:lnRef>
-            <a:fillRef idx="1">
-              <a:schemeClr val="lt1"/>
-            </a:fillRef>
-            <a:effectRef idx="0">
-              <a:schemeClr val="accent4"/>
-            </a:effectRef>
-            <a:fontRef idx="minor">
-              <a:schemeClr val="dk1"/>
-            </a:fontRef>
-          </p:style>
-          <p:txBody>
-            <a:bodyPr lIns="90000" tIns="72000" rIns="90000" bIns="72000" rtlCol="0" anchor="ctr"/>
-            <a:lstStyle/>
-            <a:p>
-              <a:pPr marR="0" algn="ctr" defTabSz="914400" eaLnBrk="1" fontAlgn="base" latinLnBrk="0" hangingPunct="1">
-                <a:lnSpc>
-                  <a:spcPct val="100000"/>
-                </a:lnSpc>
-                <a:spcBef>
-                  <a:spcPct val="50000"/>
-                </a:spcBef>
-                <a:spcAft>
-                  <a:spcPct val="0"/>
-                </a:spcAft>
-                <a:buClr>
-                  <a:srgbClr val="F0AB00"/>
-                </a:buClr>
-                <a:buSzPct val="80000"/>
-                <a:tabLst/>
-              </a:pPr>
-              <a:r>
-                <a:rPr lang="de-DE" sz="1800" kern="0" dirty="0" err="1">
-                  <a:ea typeface="Arial Unicode MS" pitchFamily="34" charset="-128"/>
-                  <a:cs typeface="Arial Unicode MS" pitchFamily="34" charset="-128"/>
-                </a:rPr>
-                <a:t>nginx</a:t>
-              </a:r>
-              <a:endParaRPr kumimoji="0" lang="de-DE" sz="1800" b="0" i="0" u="none" strike="noStrike" kern="0" cap="none" spc="0" normalizeH="0" baseline="0" noProof="0" dirty="0">
-                <a:ln>
-                  <a:noFill/>
-                </a:ln>
-                <a:effectLst/>
-                <a:uLnTx/>
-                <a:uFillTx/>
-                <a:ea typeface="Arial Unicode MS" pitchFamily="34" charset="-128"/>
-                <a:cs typeface="Arial Unicode MS" pitchFamily="34" charset="-128"/>
-              </a:endParaRPr>
-            </a:p>
-          </p:txBody>
-        </p:sp>
-        <p:sp>
-          <p:nvSpPr>
-            <p:cNvPr id="6" name="Rectangle 5"/>
-            <p:cNvSpPr/>
-            <p:nvPr/>
-          </p:nvSpPr>
-          <p:spPr bwMode="gray">
-            <a:xfrm>
-              <a:off x="6855115" y="3164976"/>
-              <a:ext cx="1627931" cy="1156258"/>
-            </a:xfrm>
-            <a:prstGeom prst="rect">
-              <a:avLst/>
-            </a:prstGeom>
-            <a:ln>
-              <a:headEnd/>
-              <a:tailEnd/>
-            </a:ln>
-          </p:spPr>
-          <p:style>
-            <a:lnRef idx="2">
-              <a:schemeClr val="accent4"/>
-            </a:lnRef>
-            <a:fillRef idx="1">
-              <a:schemeClr val="lt1"/>
-            </a:fillRef>
-            <a:effectRef idx="0">
-              <a:schemeClr val="accent4"/>
-            </a:effectRef>
-            <a:fontRef idx="minor">
-              <a:schemeClr val="dk1"/>
-            </a:fontRef>
-          </p:style>
-          <p:txBody>
-            <a:bodyPr lIns="90000" tIns="72000" rIns="90000" bIns="72000" rtlCol="0" anchor="ctr"/>
-            <a:lstStyle/>
-            <a:p>
-              <a:pPr algn="ctr" defTabSz="914400" fontAlgn="base">
-                <a:spcBef>
-                  <a:spcPct val="50000"/>
-                </a:spcBef>
-                <a:spcAft>
-                  <a:spcPct val="0"/>
-                </a:spcAft>
-                <a:buClr>
-                  <a:srgbClr val="F0AB00"/>
-                </a:buClr>
-                <a:buSzPct val="80000"/>
-              </a:pPr>
-              <a:r>
-                <a:rPr lang="de-DE" sz="1800" kern="0" dirty="0" err="1">
-                  <a:ea typeface="Arial Unicode MS" pitchFamily="34" charset="-128"/>
-                  <a:cs typeface="Arial Unicode MS" pitchFamily="34" charset="-128"/>
-                </a:rPr>
-                <a:t>nginx</a:t>
-              </a:r>
-              <a:endParaRPr lang="de-DE" sz="1800" kern="0" dirty="0">
-                <a:ea typeface="Arial Unicode MS" pitchFamily="34" charset="-128"/>
-                <a:cs typeface="Arial Unicode MS" pitchFamily="34" charset="-128"/>
-              </a:endParaRPr>
-            </a:p>
-          </p:txBody>
-        </p:sp>
-        <p:sp>
-          <p:nvSpPr>
-            <p:cNvPr id="7" name="Rectangle 6"/>
-            <p:cNvSpPr/>
-            <p:nvPr/>
-          </p:nvSpPr>
-          <p:spPr bwMode="gray">
-            <a:xfrm>
-              <a:off x="4922384" y="3164976"/>
-              <a:ext cx="1627931" cy="1156258"/>
-            </a:xfrm>
-            <a:prstGeom prst="rect">
-              <a:avLst/>
-            </a:prstGeom>
-            <a:ln>
-              <a:headEnd/>
-              <a:tailEnd/>
-            </a:ln>
-          </p:spPr>
-          <p:style>
-            <a:lnRef idx="2">
-              <a:schemeClr val="accent4"/>
-            </a:lnRef>
-            <a:fillRef idx="1">
-              <a:schemeClr val="lt1"/>
-            </a:fillRef>
-            <a:effectRef idx="0">
-              <a:schemeClr val="accent4"/>
-            </a:effectRef>
-            <a:fontRef idx="minor">
-              <a:schemeClr val="dk1"/>
-            </a:fontRef>
-          </p:style>
-          <p:txBody>
-            <a:bodyPr lIns="90000" tIns="72000" rIns="90000" bIns="72000" rtlCol="0" anchor="ctr"/>
-            <a:lstStyle/>
-            <a:p>
-              <a:pPr algn="ctr" defTabSz="914400" fontAlgn="base">
-                <a:spcBef>
-                  <a:spcPct val="50000"/>
-                </a:spcBef>
-                <a:spcAft>
-                  <a:spcPct val="0"/>
-                </a:spcAft>
-                <a:buClr>
-                  <a:srgbClr val="F0AB00"/>
-                </a:buClr>
-                <a:buSzPct val="80000"/>
-              </a:pPr>
-              <a:r>
-                <a:rPr lang="de-DE" sz="1800" kern="0" dirty="0" err="1">
-                  <a:ea typeface="Arial Unicode MS" pitchFamily="34" charset="-128"/>
-                  <a:cs typeface="Arial Unicode MS" pitchFamily="34" charset="-128"/>
-                </a:rPr>
-                <a:t>nginx</a:t>
-              </a:r>
-              <a:endParaRPr lang="de-DE" sz="1800" kern="0" dirty="0">
-                <a:ea typeface="Arial Unicode MS" pitchFamily="34" charset="-128"/>
-                <a:cs typeface="Arial Unicode MS" pitchFamily="34" charset="-128"/>
-              </a:endParaRPr>
-            </a:p>
-          </p:txBody>
-        </p:sp>
-      </p:grpSp>
-      <p:grpSp>
-        <p:nvGrpSpPr>
-          <p:cNvPr id="15" name="Group 14"/>
-          <p:cNvGrpSpPr/>
-          <p:nvPr/>
-        </p:nvGrpSpPr>
-        <p:grpSpPr>
-          <a:xfrm>
-            <a:off x="3482340" y="5176656"/>
-            <a:ext cx="4572000" cy="1363980"/>
-            <a:chOff x="3421380" y="5067300"/>
-            <a:chExt cx="4572000" cy="1363980"/>
-          </a:xfrm>
-        </p:grpSpPr>
-        <p:sp>
-          <p:nvSpPr>
-            <p:cNvPr id="14" name="Rectangle: Rounded Corners 13"/>
-            <p:cNvSpPr/>
-            <p:nvPr/>
-          </p:nvSpPr>
-          <p:spPr bwMode="gray">
-            <a:xfrm>
-              <a:off x="3421380" y="5067300"/>
-              <a:ext cx="4572000" cy="1363980"/>
-            </a:xfrm>
-            <a:prstGeom prst="roundRect">
-              <a:avLst/>
-            </a:prstGeom>
-            <a:ln>
-              <a:headEnd/>
-              <a:tailEnd/>
-            </a:ln>
-          </p:spPr>
-          <p:style>
-            <a:lnRef idx="2">
-              <a:schemeClr val="accent1"/>
-            </a:lnRef>
-            <a:fillRef idx="1">
-              <a:schemeClr val="lt1"/>
-            </a:fillRef>
-            <a:effectRef idx="0">
-              <a:schemeClr val="accent1"/>
-            </a:effectRef>
-            <a:fontRef idx="minor">
-              <a:schemeClr val="dk1"/>
-            </a:fontRef>
-          </p:style>
-          <p:txBody>
-            <a:bodyPr lIns="90000" tIns="72000" rIns="90000" bIns="72000" rtlCol="0" anchor="ctr"/>
-            <a:lstStyle/>
-            <a:p>
-              <a:pPr marR="0" algn="ctr" defTabSz="914400" eaLnBrk="1" fontAlgn="base" latinLnBrk="0" hangingPunct="1">
-                <a:lnSpc>
-                  <a:spcPct val="100000"/>
-                </a:lnSpc>
-                <a:spcBef>
-                  <a:spcPct val="50000"/>
-                </a:spcBef>
-                <a:spcAft>
-                  <a:spcPct val="0"/>
-                </a:spcAft>
-                <a:buClr>
-                  <a:srgbClr val="F0AB00"/>
-                </a:buClr>
-                <a:buSzPct val="80000"/>
-                <a:tabLst/>
-              </a:pPr>
-              <a:endParaRPr kumimoji="0" lang="en-US" sz="1800" b="0" i="0" u="none" strike="noStrike" kern="0" cap="none" spc="0" normalizeH="0" baseline="0" noProof="0" dirty="0" err="1">
-                <a:ln>
-                  <a:noFill/>
-                </a:ln>
-                <a:effectLst/>
-                <a:uLnTx/>
-                <a:uFillTx/>
-                <a:ea typeface="Arial Unicode MS" pitchFamily="34" charset="-128"/>
-                <a:cs typeface="Arial Unicode MS" pitchFamily="34" charset="-128"/>
-              </a:endParaRPr>
-            </a:p>
-          </p:txBody>
-        </p:sp>
-        <p:sp>
-          <p:nvSpPr>
-            <p:cNvPr id="8" name="Cylinder 7"/>
-            <p:cNvSpPr/>
-            <p:nvPr/>
-          </p:nvSpPr>
-          <p:spPr bwMode="gray">
-            <a:xfrm>
-              <a:off x="3946888" y="5248563"/>
-              <a:ext cx="998220" cy="1004248"/>
-            </a:xfrm>
-            <a:prstGeom prst="can">
-              <a:avLst/>
-            </a:prstGeom>
-            <a:ln>
-              <a:headEnd/>
-              <a:tailEnd/>
-            </a:ln>
-          </p:spPr>
-          <p:style>
-            <a:lnRef idx="2">
-              <a:schemeClr val="accent2"/>
-            </a:lnRef>
-            <a:fillRef idx="1">
-              <a:schemeClr val="lt1"/>
-            </a:fillRef>
-            <a:effectRef idx="0">
-              <a:schemeClr val="accent2"/>
-            </a:effectRef>
-            <a:fontRef idx="minor">
-              <a:schemeClr val="dk1"/>
-            </a:fontRef>
-          </p:style>
-          <p:txBody>
-            <a:bodyPr lIns="90000" tIns="72000" rIns="90000" bIns="72000" rtlCol="0" anchor="ctr"/>
-            <a:lstStyle/>
-            <a:p>
-              <a:pPr marR="0" algn="ctr" defTabSz="914400" eaLnBrk="1" fontAlgn="base" latinLnBrk="0" hangingPunct="1">
-                <a:lnSpc>
-                  <a:spcPct val="100000"/>
-                </a:lnSpc>
-                <a:spcBef>
-                  <a:spcPct val="50000"/>
-                </a:spcBef>
-                <a:spcAft>
-                  <a:spcPct val="0"/>
-                </a:spcAft>
-                <a:buClr>
-                  <a:srgbClr val="F0AB00"/>
-                </a:buClr>
-                <a:buSzPct val="80000"/>
-                <a:tabLst/>
-              </a:pPr>
-              <a:r>
-                <a:rPr kumimoji="0" lang="de-DE" sz="1800" b="0" i="0" u="none" strike="noStrike" kern="0" cap="none" spc="0" normalizeH="0" baseline="0" noProof="0" dirty="0" err="1">
-                  <a:ln>
-                    <a:noFill/>
-                  </a:ln>
-                  <a:effectLst/>
-                  <a:uLnTx/>
-                  <a:uFillTx/>
-                  <a:ea typeface="Arial Unicode MS" pitchFamily="34" charset="-128"/>
-                  <a:cs typeface="Arial Unicode MS" pitchFamily="34" charset="-128"/>
-                </a:rPr>
-                <a:t>content</a:t>
-              </a:r>
-              <a:endParaRPr kumimoji="0" lang="de-DE" sz="1800" b="0" i="0" u="none" strike="noStrike" kern="0" cap="none" spc="0" normalizeH="0" baseline="0" noProof="0" dirty="0">
-                <a:ln>
-                  <a:noFill/>
-                </a:ln>
-                <a:effectLst/>
-                <a:uLnTx/>
-                <a:uFillTx/>
-                <a:ea typeface="Arial Unicode MS" pitchFamily="34" charset="-128"/>
-                <a:cs typeface="Arial Unicode MS" pitchFamily="34" charset="-128"/>
-              </a:endParaRPr>
-            </a:p>
-          </p:txBody>
-        </p:sp>
-        <p:sp>
-          <p:nvSpPr>
-            <p:cNvPr id="9" name="Cylinder 8"/>
-            <p:cNvSpPr/>
-            <p:nvPr/>
-          </p:nvSpPr>
-          <p:spPr bwMode="gray">
-            <a:xfrm>
-              <a:off x="5214379" y="5248563"/>
-              <a:ext cx="998220" cy="1004248"/>
-            </a:xfrm>
-            <a:prstGeom prst="can">
-              <a:avLst/>
-            </a:prstGeom>
-            <a:ln>
-              <a:headEnd/>
-              <a:tailEnd/>
-            </a:ln>
-          </p:spPr>
-          <p:style>
-            <a:lnRef idx="2">
-              <a:schemeClr val="accent2"/>
-            </a:lnRef>
-            <a:fillRef idx="1">
-              <a:schemeClr val="lt1"/>
-            </a:fillRef>
-            <a:effectRef idx="0">
-              <a:schemeClr val="accent2"/>
-            </a:effectRef>
-            <a:fontRef idx="minor">
-              <a:schemeClr val="dk1"/>
-            </a:fontRef>
-          </p:style>
-          <p:txBody>
-            <a:bodyPr lIns="90000" tIns="72000" rIns="90000" bIns="72000" rtlCol="0" anchor="ctr"/>
-            <a:lstStyle/>
-            <a:p>
-              <a:pPr marR="0" algn="ctr" defTabSz="914400" eaLnBrk="1" fontAlgn="base" latinLnBrk="0" hangingPunct="1">
-                <a:lnSpc>
-                  <a:spcPct val="100000"/>
-                </a:lnSpc>
-                <a:spcBef>
-                  <a:spcPct val="50000"/>
-                </a:spcBef>
-                <a:spcAft>
-                  <a:spcPct val="0"/>
-                </a:spcAft>
-                <a:buClr>
-                  <a:srgbClr val="F0AB00"/>
-                </a:buClr>
-                <a:buSzPct val="80000"/>
-                <a:tabLst/>
-              </a:pPr>
-              <a:r>
-                <a:rPr kumimoji="0" lang="de-DE" sz="1800" b="0" i="0" u="none" strike="noStrike" kern="0" cap="none" spc="0" normalizeH="0" baseline="0" noProof="0" dirty="0" err="1">
-                  <a:ln>
-                    <a:noFill/>
-                  </a:ln>
-                  <a:effectLst/>
-                  <a:uLnTx/>
-                  <a:uFillTx/>
-                  <a:ea typeface="Arial Unicode MS" pitchFamily="34" charset="-128"/>
-                  <a:cs typeface="Arial Unicode MS" pitchFamily="34" charset="-128"/>
-                </a:rPr>
-                <a:t>config</a:t>
-              </a:r>
-              <a:endParaRPr kumimoji="0" lang="de-DE" sz="1800" b="0" i="0" u="none" strike="noStrike" kern="0" cap="none" spc="0" normalizeH="0" baseline="0" noProof="0" dirty="0">
-                <a:ln>
-                  <a:noFill/>
-                </a:ln>
-                <a:effectLst/>
-                <a:uLnTx/>
-                <a:uFillTx/>
-                <a:ea typeface="Arial Unicode MS" pitchFamily="34" charset="-128"/>
-                <a:cs typeface="Arial Unicode MS" pitchFamily="34" charset="-128"/>
-              </a:endParaRPr>
-            </a:p>
-          </p:txBody>
-        </p:sp>
-        <p:sp>
-          <p:nvSpPr>
-            <p:cNvPr id="10" name="Cylinder 9"/>
-            <p:cNvSpPr/>
-            <p:nvPr/>
-          </p:nvSpPr>
-          <p:spPr bwMode="gray">
-            <a:xfrm>
-              <a:off x="6481870" y="5248563"/>
-              <a:ext cx="998220" cy="1004248"/>
-            </a:xfrm>
-            <a:prstGeom prst="can">
-              <a:avLst/>
-            </a:prstGeom>
-            <a:ln>
-              <a:headEnd/>
-              <a:tailEnd/>
-            </a:ln>
-          </p:spPr>
-          <p:style>
-            <a:lnRef idx="2">
-              <a:schemeClr val="accent2"/>
-            </a:lnRef>
-            <a:fillRef idx="1">
-              <a:schemeClr val="lt1"/>
-            </a:fillRef>
-            <a:effectRef idx="0">
-              <a:schemeClr val="accent2"/>
-            </a:effectRef>
-            <a:fontRef idx="minor">
-              <a:schemeClr val="dk1"/>
-            </a:fontRef>
-          </p:style>
-          <p:txBody>
-            <a:bodyPr lIns="90000" tIns="72000" rIns="90000" bIns="72000" rtlCol="0" anchor="ctr"/>
-            <a:lstStyle/>
-            <a:p>
-              <a:pPr marR="0" algn="ctr" defTabSz="914400" eaLnBrk="1" fontAlgn="base" latinLnBrk="0" hangingPunct="1">
-                <a:lnSpc>
-                  <a:spcPct val="100000"/>
-                </a:lnSpc>
-                <a:spcBef>
-                  <a:spcPct val="50000"/>
-                </a:spcBef>
-                <a:spcAft>
-                  <a:spcPct val="0"/>
-                </a:spcAft>
-                <a:buClr>
-                  <a:srgbClr val="F0AB00"/>
-                </a:buClr>
-                <a:buSzPct val="80000"/>
-                <a:tabLst/>
-              </a:pPr>
-              <a:r>
-                <a:rPr lang="de-DE" sz="1800" kern="0" dirty="0" err="1">
-                  <a:ea typeface="Arial Unicode MS" pitchFamily="34" charset="-128"/>
-                  <a:cs typeface="Arial Unicode MS" pitchFamily="34" charset="-128"/>
-                </a:rPr>
-                <a:t>tls</a:t>
-              </a:r>
-              <a:r>
-                <a:rPr lang="de-DE" sz="1800" kern="0" dirty="0">
-                  <a:ea typeface="Arial Unicode MS" pitchFamily="34" charset="-128"/>
-                  <a:cs typeface="Arial Unicode MS" pitchFamily="34" charset="-128"/>
-                </a:rPr>
-                <a:t> </a:t>
-              </a:r>
-              <a:r>
-                <a:rPr lang="de-DE" sz="1800" kern="0" dirty="0" err="1">
-                  <a:ea typeface="Arial Unicode MS" pitchFamily="34" charset="-128"/>
-                  <a:cs typeface="Arial Unicode MS" pitchFamily="34" charset="-128"/>
-                </a:rPr>
-                <a:t>certs</a:t>
-              </a:r>
-              <a:endParaRPr kumimoji="0" lang="de-DE" sz="1800" b="0" i="0" u="none" strike="noStrike" kern="0" cap="none" spc="0" normalizeH="0" baseline="0" noProof="0" dirty="0">
-                <a:ln>
-                  <a:noFill/>
-                </a:ln>
-                <a:effectLst/>
-                <a:uLnTx/>
-                <a:uFillTx/>
-                <a:ea typeface="Arial Unicode MS" pitchFamily="34" charset="-128"/>
-                <a:cs typeface="Arial Unicode MS" pitchFamily="34" charset="-128"/>
-              </a:endParaRPr>
-            </a:p>
-          </p:txBody>
-        </p:sp>
-      </p:grpSp>
-      <p:sp>
-        <p:nvSpPr>
-          <p:cNvPr id="16" name="Arrow: Up-Down 15"/>
-          <p:cNvSpPr/>
-          <p:nvPr/>
-        </p:nvSpPr>
-        <p:spPr bwMode="gray">
-          <a:xfrm>
-            <a:off x="5657231" y="4400550"/>
-            <a:ext cx="222219" cy="845820"/>
-          </a:xfrm>
-          <a:prstGeom prst="upDownArrow">
-            <a:avLst/>
-          </a:prstGeom>
-          <a:solidFill>
-            <a:schemeClr val="accent1"/>
-          </a:solidFill>
-          <a:ln w="6350" algn="ctr">
-            <a:noFill/>
-            <a:miter lim="800000"/>
-            <a:headEnd/>
-            <a:tailEnd/>
-          </a:ln>
-        </p:spPr>
-        <p:txBody>
-          <a:bodyPr lIns="90000" tIns="72000" rIns="90000" bIns="72000" rtlCol="0" anchor="ctr"/>
-          <a:lstStyle/>
-          <a:p>
-            <a:pPr marR="0" algn="ctr" defTabSz="914400" eaLnBrk="1" fontAlgn="base" latinLnBrk="0" hangingPunct="1">
-              <a:lnSpc>
-                <a:spcPct val="100000"/>
-              </a:lnSpc>
-              <a:spcBef>
-                <a:spcPct val="50000"/>
-              </a:spcBef>
-              <a:spcAft>
-                <a:spcPct val="0"/>
-              </a:spcAft>
-              <a:buClr>
-                <a:srgbClr val="F0AB00"/>
-              </a:buClr>
-              <a:buSzPct val="80000"/>
-              <a:tabLst/>
-            </a:pPr>
-            <a:endParaRPr kumimoji="0" lang="en-US" sz="1800" b="0" i="0" u="none" strike="noStrike" kern="0" cap="none" spc="0" normalizeH="0" baseline="0" noProof="0" dirty="0" err="1">
-              <a:ln>
-                <a:noFill/>
-              </a:ln>
-              <a:effectLst/>
-              <a:uLnTx/>
-              <a:uFillTx/>
-              <a:ea typeface="Arial Unicode MS" pitchFamily="34" charset="-128"/>
-              <a:cs typeface="Arial Unicode MS" pitchFamily="34" charset="-128"/>
-            </a:endParaRPr>
-          </a:p>
-        </p:txBody>
-      </p:sp>
-      <p:sp>
-        <p:nvSpPr>
-          <p:cNvPr id="17" name="Cloud 16"/>
-          <p:cNvSpPr/>
-          <p:nvPr/>
-        </p:nvSpPr>
-        <p:spPr bwMode="gray">
-          <a:xfrm>
-            <a:off x="4077319" y="1126276"/>
-            <a:ext cx="3382042" cy="914400"/>
-          </a:xfrm>
-          <a:prstGeom prst="cloud">
-            <a:avLst/>
-          </a:prstGeom>
-          <a:solidFill>
-            <a:schemeClr val="accent1"/>
-          </a:solidFill>
-          <a:ln w="6350" algn="ctr">
-            <a:noFill/>
-            <a:miter lim="800000"/>
-            <a:headEnd/>
-            <a:tailEnd/>
-          </a:ln>
-        </p:spPr>
-        <p:txBody>
-          <a:bodyPr lIns="90000" tIns="72000" rIns="90000" bIns="72000" rtlCol="0" anchor="ctr"/>
-          <a:lstStyle/>
-          <a:p>
-            <a:pPr marR="0" algn="ctr" defTabSz="914400" eaLnBrk="1" fontAlgn="base" latinLnBrk="0" hangingPunct="1">
-              <a:lnSpc>
-                <a:spcPct val="100000"/>
-              </a:lnSpc>
-              <a:spcBef>
-                <a:spcPct val="50000"/>
-              </a:spcBef>
-              <a:spcAft>
-                <a:spcPct val="0"/>
-              </a:spcAft>
-              <a:buClr>
-                <a:srgbClr val="F0AB00"/>
-              </a:buClr>
-              <a:buSzPct val="80000"/>
-              <a:tabLst/>
-            </a:pPr>
-            <a:endParaRPr kumimoji="0" lang="en-US" sz="1800" b="0" i="0" u="none" strike="noStrike" kern="0" cap="none" spc="0" normalizeH="0" baseline="0" noProof="0" dirty="0" err="1">
-              <a:ln>
-                <a:noFill/>
-              </a:ln>
-              <a:effectLst/>
-              <a:uLnTx/>
-              <a:uFillTx/>
-              <a:ea typeface="Arial Unicode MS" pitchFamily="34" charset="-128"/>
-              <a:cs typeface="Arial Unicode MS" pitchFamily="34" charset="-128"/>
-            </a:endParaRPr>
-          </a:p>
-        </p:txBody>
-      </p:sp>
-      <p:sp>
-        <p:nvSpPr>
-          <p:cNvPr id="18" name="Arrow: Up-Down 17"/>
-          <p:cNvSpPr/>
-          <p:nvPr/>
-        </p:nvSpPr>
-        <p:spPr bwMode="gray">
-          <a:xfrm>
-            <a:off x="5657231" y="2071898"/>
-            <a:ext cx="222219" cy="845820"/>
-          </a:xfrm>
-          <a:prstGeom prst="upDownArrow">
-            <a:avLst/>
-          </a:prstGeom>
-          <a:solidFill>
-            <a:schemeClr val="accent1"/>
-          </a:solidFill>
-          <a:ln w="6350" algn="ctr">
-            <a:noFill/>
-            <a:miter lim="800000"/>
-            <a:headEnd/>
-            <a:tailEnd/>
-          </a:ln>
-        </p:spPr>
-        <p:txBody>
-          <a:bodyPr lIns="90000" tIns="72000" rIns="90000" bIns="72000" rtlCol="0" anchor="ctr"/>
-          <a:lstStyle/>
-          <a:p>
-            <a:pPr marR="0" algn="ctr" defTabSz="914400" eaLnBrk="1" fontAlgn="base" latinLnBrk="0" hangingPunct="1">
-              <a:lnSpc>
-                <a:spcPct val="100000"/>
-              </a:lnSpc>
-              <a:spcBef>
-                <a:spcPct val="50000"/>
-              </a:spcBef>
-              <a:spcAft>
-                <a:spcPct val="0"/>
-              </a:spcAft>
-              <a:buClr>
-                <a:srgbClr val="F0AB00"/>
-              </a:buClr>
-              <a:buSzPct val="80000"/>
-              <a:tabLst/>
-            </a:pPr>
-            <a:endParaRPr kumimoji="0" lang="en-US" sz="1800" b="0" i="0" u="none" strike="noStrike" kern="0" cap="none" spc="0" normalizeH="0" baseline="0" noProof="0" dirty="0" err="1">
-              <a:ln>
-                <a:noFill/>
-              </a:ln>
-              <a:effectLst/>
-              <a:uLnTx/>
-              <a:uFillTx/>
-              <a:ea typeface="Arial Unicode MS" pitchFamily="34" charset="-128"/>
-              <a:cs typeface="Arial Unicode MS" pitchFamily="34" charset="-128"/>
-            </a:endParaRPr>
-          </a:p>
-        </p:txBody>
-      </p:sp>
-    </p:spTree>
-    <p:extLst>
-      <p:ext uri="{BB962C8B-B14F-4D97-AF65-F5344CB8AC3E}">
-        <p14:creationId xmlns:p14="http://schemas.microsoft.com/office/powerpoint/2010/main" val="4085581448"/>
-      </p:ext>
-    </p:extLst>
-  </p:cSld>
-  <p:clrMapOvr>
-    <a:masterClrMapping/>
-  </p:clrMapOvr>
-</p:sld>
-</file>
-
-<file path=ppt/slides/slide11.xml><?xml version="1.0" encoding="utf-8"?>
 <p:sld xmlns:a="http://schemas.openxmlformats.org/drawingml/2006/main" xmlns:r="http://schemas.openxmlformats.org/officeDocument/2006/relationships" xmlns:p="http://schemas.openxmlformats.org/presentationml/2006/main" show="0">
   <p:cSld>
     <p:spTree>
@@ -11326,1764 +10493,6 @@
 </file>
 
 <file path=ppt/slides/slide7.xml><?xml version="1.0" encoding="utf-8"?>
-<p:sld xmlns:a="http://schemas.openxmlformats.org/drawingml/2006/main" xmlns:r="http://schemas.openxmlformats.org/officeDocument/2006/relationships" xmlns:p="http://schemas.openxmlformats.org/presentationml/2006/main">
-  <p:cSld>
-    <p:spTree>
-      <p:nvGrpSpPr>
-        <p:cNvPr id="1" name=""/>
-        <p:cNvGrpSpPr/>
-        <p:nvPr/>
-      </p:nvGrpSpPr>
-      <p:grpSpPr>
-        <a:xfrm>
-          <a:off x="0" y="0"/>
-          <a:ext cx="0" cy="0"/>
-          <a:chOff x="0" y="0"/>
-          <a:chExt cx="0" cy="0"/>
-        </a:xfrm>
-      </p:grpSpPr>
-      <p:sp>
-        <p:nvSpPr>
-          <p:cNvPr id="30" name="Rectangle 29"/>
-          <p:cNvSpPr/>
-          <p:nvPr/>
-        </p:nvSpPr>
-        <p:spPr bwMode="gray">
-          <a:xfrm>
-            <a:off x="7798503" y="1657349"/>
-            <a:ext cx="3703320" cy="3070860"/>
-          </a:xfrm>
-          <a:prstGeom prst="rect">
-            <a:avLst/>
-          </a:prstGeom>
-          <a:ln>
-            <a:headEnd/>
-            <a:tailEnd/>
-          </a:ln>
-        </p:spPr>
-        <p:style>
-          <a:lnRef idx="1">
-            <a:schemeClr val="accent2"/>
-          </a:lnRef>
-          <a:fillRef idx="2">
-            <a:schemeClr val="accent2"/>
-          </a:fillRef>
-          <a:effectRef idx="1">
-            <a:schemeClr val="accent2"/>
-          </a:effectRef>
-          <a:fontRef idx="minor">
-            <a:schemeClr val="dk1"/>
-          </a:fontRef>
-        </p:style>
-        <p:txBody>
-          <a:bodyPr lIns="90000" tIns="72000" rIns="90000" bIns="72000" rtlCol="0" anchor="t"/>
-          <a:lstStyle/>
-          <a:p>
-            <a:pPr algn="ctr" defTabSz="914400" fontAlgn="base">
-              <a:spcBef>
-                <a:spcPct val="50000"/>
-              </a:spcBef>
-              <a:spcAft>
-                <a:spcPct val="0"/>
-              </a:spcAft>
-              <a:buClr>
-                <a:srgbClr val="F0AB00"/>
-              </a:buClr>
-              <a:buSzPct val="80000"/>
-            </a:pPr>
-            <a:endParaRPr lang="de-DE" sz="2400" b="1" kern="0" dirty="0">
-              <a:ea typeface="Arial Unicode MS" pitchFamily="34" charset="-128"/>
-              <a:cs typeface="Arial Unicode MS" pitchFamily="34" charset="-128"/>
-            </a:endParaRPr>
-          </a:p>
-        </p:txBody>
-      </p:sp>
-      <p:sp>
-        <p:nvSpPr>
-          <p:cNvPr id="29" name="Rectangle 28"/>
-          <p:cNvSpPr/>
-          <p:nvPr/>
-        </p:nvSpPr>
-        <p:spPr bwMode="gray">
-          <a:xfrm>
-            <a:off x="7557392" y="2053590"/>
-            <a:ext cx="3703320" cy="3070860"/>
-          </a:xfrm>
-          <a:prstGeom prst="rect">
-            <a:avLst/>
-          </a:prstGeom>
-          <a:ln>
-            <a:headEnd/>
-            <a:tailEnd/>
-          </a:ln>
-        </p:spPr>
-        <p:style>
-          <a:lnRef idx="1">
-            <a:schemeClr val="accent2"/>
-          </a:lnRef>
-          <a:fillRef idx="2">
-            <a:schemeClr val="accent2"/>
-          </a:fillRef>
-          <a:effectRef idx="1">
-            <a:schemeClr val="accent2"/>
-          </a:effectRef>
-          <a:fontRef idx="minor">
-            <a:schemeClr val="dk1"/>
-          </a:fontRef>
-        </p:style>
-        <p:txBody>
-          <a:bodyPr lIns="90000" tIns="72000" rIns="90000" bIns="72000" rtlCol="0" anchor="t"/>
-          <a:lstStyle/>
-          <a:p>
-            <a:pPr algn="ctr" defTabSz="914400" fontAlgn="base">
-              <a:spcBef>
-                <a:spcPct val="50000"/>
-              </a:spcBef>
-              <a:spcAft>
-                <a:spcPct val="0"/>
-              </a:spcAft>
-              <a:buClr>
-                <a:srgbClr val="F0AB00"/>
-              </a:buClr>
-              <a:buSzPct val="80000"/>
-            </a:pPr>
-            <a:endParaRPr lang="de-DE" sz="2400" b="1" kern="0" dirty="0">
-              <a:ea typeface="Arial Unicode MS" pitchFamily="34" charset="-128"/>
-              <a:cs typeface="Arial Unicode MS" pitchFamily="34" charset="-128"/>
-            </a:endParaRPr>
-          </a:p>
-        </p:txBody>
-      </p:sp>
-      <p:sp>
-        <p:nvSpPr>
-          <p:cNvPr id="24" name="Title 23"/>
-          <p:cNvSpPr>
-            <a:spLocks noGrp="1"/>
-          </p:cNvSpPr>
-          <p:nvPr>
-            <p:ph type="title"/>
-          </p:nvPr>
-        </p:nvSpPr>
-        <p:spPr>
-          <a:xfrm>
-            <a:off x="504001" y="504000"/>
-            <a:ext cx="11186476" cy="369332"/>
-          </a:xfrm>
-        </p:spPr>
-        <p:txBody>
-          <a:bodyPr/>
-          <a:lstStyle/>
-          <a:p>
-            <a:r>
-              <a:rPr lang="en-US" dirty="0"/>
-              <a:t>Architecture overview – components</a:t>
-            </a:r>
-          </a:p>
-        </p:txBody>
-      </p:sp>
-      <p:sp>
-        <p:nvSpPr>
-          <p:cNvPr id="3" name="Rectangle 2"/>
-          <p:cNvSpPr/>
-          <p:nvPr/>
-        </p:nvSpPr>
-        <p:spPr bwMode="gray">
-          <a:xfrm>
-            <a:off x="504001" y="2377440"/>
-            <a:ext cx="3703320" cy="3070860"/>
-          </a:xfrm>
-          <a:prstGeom prst="rect">
-            <a:avLst/>
-          </a:prstGeom>
-          <a:ln>
-            <a:headEnd/>
-            <a:tailEnd/>
-          </a:ln>
-        </p:spPr>
-        <p:style>
-          <a:lnRef idx="1">
-            <a:schemeClr val="accent2"/>
-          </a:lnRef>
-          <a:fillRef idx="2">
-            <a:schemeClr val="accent2"/>
-          </a:fillRef>
-          <a:effectRef idx="1">
-            <a:schemeClr val="accent2"/>
-          </a:effectRef>
-          <a:fontRef idx="minor">
-            <a:schemeClr val="dk1"/>
-          </a:fontRef>
-        </p:style>
-        <p:txBody>
-          <a:bodyPr lIns="90000" tIns="72000" rIns="90000" bIns="72000" rtlCol="0" anchor="t"/>
-          <a:lstStyle/>
-          <a:p>
-            <a:pPr marR="0" algn="ctr" defTabSz="914400" eaLnBrk="1" fontAlgn="base" latinLnBrk="0" hangingPunct="1">
-              <a:lnSpc>
-                <a:spcPct val="100000"/>
-              </a:lnSpc>
-              <a:spcBef>
-                <a:spcPct val="50000"/>
-              </a:spcBef>
-              <a:spcAft>
-                <a:spcPct val="0"/>
-              </a:spcAft>
-              <a:buClr>
-                <a:srgbClr val="F0AB00"/>
-              </a:buClr>
-              <a:buSzPct val="80000"/>
-              <a:tabLst/>
-            </a:pPr>
-            <a:r>
-              <a:rPr kumimoji="0" lang="de-DE" sz="2400" b="1" i="0" strike="noStrike" kern="0" cap="none" spc="0" normalizeH="0" baseline="0" noProof="0" dirty="0">
-                <a:ln>
-                  <a:noFill/>
-                </a:ln>
-                <a:effectLst/>
-                <a:uLnTx/>
-                <a:uFillTx/>
-                <a:ea typeface="Arial Unicode MS" pitchFamily="34" charset="-128"/>
-                <a:cs typeface="Arial Unicode MS" pitchFamily="34" charset="-128"/>
-              </a:rPr>
-              <a:t>Master</a:t>
-            </a:r>
-          </a:p>
-        </p:txBody>
-      </p:sp>
-      <p:sp>
-        <p:nvSpPr>
-          <p:cNvPr id="4" name="Rectangle 3"/>
-          <p:cNvSpPr/>
-          <p:nvPr/>
-        </p:nvSpPr>
-        <p:spPr bwMode="gray">
-          <a:xfrm>
-            <a:off x="1147891" y="3002280"/>
-            <a:ext cx="2415540" cy="845820"/>
-          </a:xfrm>
-          <a:prstGeom prst="rect">
-            <a:avLst/>
-          </a:prstGeom>
-          <a:ln>
-            <a:headEnd/>
-            <a:tailEnd/>
-          </a:ln>
-        </p:spPr>
-        <p:style>
-          <a:lnRef idx="2">
-            <a:schemeClr val="accent2">
-              <a:shade val="50000"/>
-            </a:schemeClr>
-          </a:lnRef>
-          <a:fillRef idx="1">
-            <a:schemeClr val="accent2"/>
-          </a:fillRef>
-          <a:effectRef idx="0">
-            <a:schemeClr val="accent2"/>
-          </a:effectRef>
-          <a:fontRef idx="minor">
-            <a:schemeClr val="lt1"/>
-          </a:fontRef>
-        </p:style>
-        <p:txBody>
-          <a:bodyPr lIns="90000" tIns="72000" rIns="90000" bIns="72000" rtlCol="0" anchor="ctr"/>
-          <a:lstStyle/>
-          <a:p>
-            <a:pPr marR="0" algn="ctr" defTabSz="914400" eaLnBrk="1" fontAlgn="base" latinLnBrk="0" hangingPunct="1">
-              <a:lnSpc>
-                <a:spcPct val="100000"/>
-              </a:lnSpc>
-              <a:spcBef>
-                <a:spcPct val="50000"/>
-              </a:spcBef>
-              <a:spcAft>
-                <a:spcPct val="0"/>
-              </a:spcAft>
-              <a:buClr>
-                <a:srgbClr val="F0AB00"/>
-              </a:buClr>
-              <a:buSzPct val="80000"/>
-              <a:tabLst/>
-            </a:pPr>
-            <a:r>
-              <a:rPr kumimoji="0" lang="de-DE" sz="1800" b="1" i="0" u="none" strike="noStrike" kern="0" cap="none" spc="0" normalizeH="0" baseline="0" noProof="0" dirty="0">
-                <a:ln>
-                  <a:noFill/>
-                </a:ln>
-                <a:effectLst/>
-                <a:uLnTx/>
-                <a:uFillTx/>
-                <a:ea typeface="Arial Unicode MS" pitchFamily="34" charset="-128"/>
-                <a:cs typeface="Arial Unicode MS" pitchFamily="34" charset="-128"/>
-              </a:rPr>
-              <a:t>API</a:t>
-            </a:r>
-            <a:r>
-              <a:rPr kumimoji="0" lang="de-DE" sz="1800" b="1" i="0" u="none" strike="noStrike" kern="0" cap="none" spc="0" normalizeH="0" noProof="0" dirty="0">
-                <a:ln>
-                  <a:noFill/>
-                </a:ln>
-                <a:effectLst/>
-                <a:uLnTx/>
-                <a:uFillTx/>
-                <a:ea typeface="Arial Unicode MS" pitchFamily="34" charset="-128"/>
-                <a:cs typeface="Arial Unicode MS" pitchFamily="34" charset="-128"/>
-              </a:rPr>
-              <a:t> Server</a:t>
-            </a:r>
-            <a:endParaRPr kumimoji="0" lang="de-DE" sz="1800" b="1" i="0" u="none" strike="noStrike" kern="0" cap="none" spc="0" normalizeH="0" baseline="0" noProof="0" dirty="0">
-              <a:ln>
-                <a:noFill/>
-              </a:ln>
-              <a:effectLst/>
-              <a:uLnTx/>
-              <a:uFillTx/>
-              <a:ea typeface="Arial Unicode MS" pitchFamily="34" charset="-128"/>
-              <a:cs typeface="Arial Unicode MS" pitchFamily="34" charset="-128"/>
-            </a:endParaRPr>
-          </a:p>
-        </p:txBody>
-      </p:sp>
-      <p:sp>
-        <p:nvSpPr>
-          <p:cNvPr id="6" name="Rectangle 5"/>
-          <p:cNvSpPr/>
-          <p:nvPr/>
-        </p:nvSpPr>
-        <p:spPr bwMode="gray">
-          <a:xfrm>
-            <a:off x="736411" y="4255770"/>
-            <a:ext cx="2037269" cy="434340"/>
-          </a:xfrm>
-          <a:prstGeom prst="rect">
-            <a:avLst/>
-          </a:prstGeom>
-          <a:ln>
-            <a:headEnd/>
-            <a:tailEnd/>
-          </a:ln>
-        </p:spPr>
-        <p:style>
-          <a:lnRef idx="2">
-            <a:schemeClr val="accent2">
-              <a:shade val="50000"/>
-            </a:schemeClr>
-          </a:lnRef>
-          <a:fillRef idx="1">
-            <a:schemeClr val="accent2"/>
-          </a:fillRef>
-          <a:effectRef idx="0">
-            <a:schemeClr val="accent2"/>
-          </a:effectRef>
-          <a:fontRef idx="minor">
-            <a:schemeClr val="lt1"/>
-          </a:fontRef>
-        </p:style>
-        <p:txBody>
-          <a:bodyPr lIns="90000" tIns="72000" rIns="90000" bIns="72000" rtlCol="0" anchor="ctr"/>
-          <a:lstStyle/>
-          <a:p>
-            <a:pPr marR="0" algn="ctr" defTabSz="914400" eaLnBrk="1" fontAlgn="base" latinLnBrk="0" hangingPunct="1">
-              <a:lnSpc>
-                <a:spcPct val="100000"/>
-              </a:lnSpc>
-              <a:spcBef>
-                <a:spcPct val="50000"/>
-              </a:spcBef>
-              <a:spcAft>
-                <a:spcPct val="0"/>
-              </a:spcAft>
-              <a:buClr>
-                <a:srgbClr val="F0AB00"/>
-              </a:buClr>
-              <a:buSzPct val="80000"/>
-              <a:tabLst/>
-            </a:pPr>
-            <a:r>
-              <a:rPr lang="de-DE" sz="1600" kern="0" dirty="0">
-                <a:ea typeface="Arial Unicode MS" pitchFamily="34" charset="-128"/>
-                <a:cs typeface="Arial Unicode MS" pitchFamily="34" charset="-128"/>
-              </a:rPr>
-              <a:t>Scheduler</a:t>
-            </a:r>
-            <a:endParaRPr kumimoji="0" lang="de-DE" sz="1600" i="0" u="none" strike="noStrike" kern="0" cap="none" spc="0" normalizeH="0" baseline="0" noProof="0" dirty="0">
-              <a:ln>
-                <a:noFill/>
-              </a:ln>
-              <a:effectLst/>
-              <a:uLnTx/>
-              <a:uFillTx/>
-              <a:ea typeface="Arial Unicode MS" pitchFamily="34" charset="-128"/>
-              <a:cs typeface="Arial Unicode MS" pitchFamily="34" charset="-128"/>
-            </a:endParaRPr>
-          </a:p>
-        </p:txBody>
-      </p:sp>
-      <p:sp>
-        <p:nvSpPr>
-          <p:cNvPr id="7" name="Rectangle 6"/>
-          <p:cNvSpPr/>
-          <p:nvPr/>
-        </p:nvSpPr>
-        <p:spPr bwMode="gray">
-          <a:xfrm>
-            <a:off x="1696531" y="4852035"/>
-            <a:ext cx="2037269" cy="434340"/>
-          </a:xfrm>
-          <a:prstGeom prst="rect">
-            <a:avLst/>
-          </a:prstGeom>
-          <a:ln>
-            <a:headEnd/>
-            <a:tailEnd/>
-          </a:ln>
-        </p:spPr>
-        <p:style>
-          <a:lnRef idx="2">
-            <a:schemeClr val="accent2">
-              <a:shade val="50000"/>
-            </a:schemeClr>
-          </a:lnRef>
-          <a:fillRef idx="1">
-            <a:schemeClr val="accent2"/>
-          </a:fillRef>
-          <a:effectRef idx="0">
-            <a:schemeClr val="accent2"/>
-          </a:effectRef>
-          <a:fontRef idx="minor">
-            <a:schemeClr val="lt1"/>
-          </a:fontRef>
-        </p:style>
-        <p:txBody>
-          <a:bodyPr lIns="90000" tIns="72000" rIns="90000" bIns="72000" rtlCol="0" anchor="ctr"/>
-          <a:lstStyle/>
-          <a:p>
-            <a:pPr marR="0" algn="ctr" defTabSz="914400" eaLnBrk="1" fontAlgn="base" latinLnBrk="0" hangingPunct="1">
-              <a:lnSpc>
-                <a:spcPct val="100000"/>
-              </a:lnSpc>
-              <a:spcBef>
-                <a:spcPct val="50000"/>
-              </a:spcBef>
-              <a:spcAft>
-                <a:spcPct val="0"/>
-              </a:spcAft>
-              <a:buClr>
-                <a:srgbClr val="F0AB00"/>
-              </a:buClr>
-              <a:buSzPct val="80000"/>
-              <a:tabLst/>
-            </a:pPr>
-            <a:r>
-              <a:rPr lang="de-DE" sz="1600" kern="0" dirty="0">
-                <a:ea typeface="Arial Unicode MS" pitchFamily="34" charset="-128"/>
-                <a:cs typeface="Arial Unicode MS" pitchFamily="34" charset="-128"/>
-              </a:rPr>
-              <a:t>Controller Manager</a:t>
-            </a:r>
-            <a:endParaRPr kumimoji="0" lang="de-DE" sz="1600" i="0" u="none" strike="noStrike" kern="0" cap="none" spc="0" normalizeH="0" baseline="0" noProof="0" dirty="0">
-              <a:ln>
-                <a:noFill/>
-              </a:ln>
-              <a:effectLst/>
-              <a:uLnTx/>
-              <a:uFillTx/>
-              <a:ea typeface="Arial Unicode MS" pitchFamily="34" charset="-128"/>
-              <a:cs typeface="Arial Unicode MS" pitchFamily="34" charset="-128"/>
-            </a:endParaRPr>
-          </a:p>
-        </p:txBody>
-      </p:sp>
-      <p:sp>
-        <p:nvSpPr>
-          <p:cNvPr id="8" name="Rectangle 7"/>
-          <p:cNvSpPr/>
-          <p:nvPr/>
-        </p:nvSpPr>
-        <p:spPr bwMode="gray">
-          <a:xfrm>
-            <a:off x="2170052" y="1411605"/>
-            <a:ext cx="2037269" cy="434340"/>
-          </a:xfrm>
-          <a:prstGeom prst="rect">
-            <a:avLst/>
-          </a:prstGeom>
-          <a:ln>
-            <a:headEnd/>
-            <a:tailEnd/>
-          </a:ln>
-        </p:spPr>
-        <p:style>
-          <a:lnRef idx="2">
-            <a:schemeClr val="accent2">
-              <a:shade val="50000"/>
-            </a:schemeClr>
-          </a:lnRef>
-          <a:fillRef idx="1">
-            <a:schemeClr val="accent2"/>
-          </a:fillRef>
-          <a:effectRef idx="0">
-            <a:schemeClr val="accent2"/>
-          </a:effectRef>
-          <a:fontRef idx="minor">
-            <a:schemeClr val="lt1"/>
-          </a:fontRef>
-        </p:style>
-        <p:txBody>
-          <a:bodyPr lIns="90000" tIns="72000" rIns="90000" bIns="72000" rtlCol="0" anchor="ctr"/>
-          <a:lstStyle/>
-          <a:p>
-            <a:pPr marR="0" algn="ctr" defTabSz="914400" eaLnBrk="1" fontAlgn="base" latinLnBrk="0" hangingPunct="1">
-              <a:lnSpc>
-                <a:spcPct val="100000"/>
-              </a:lnSpc>
-              <a:spcBef>
-                <a:spcPct val="50000"/>
-              </a:spcBef>
-              <a:spcAft>
-                <a:spcPct val="0"/>
-              </a:spcAft>
-              <a:buClr>
-                <a:srgbClr val="F0AB00"/>
-              </a:buClr>
-              <a:buSzPct val="80000"/>
-              <a:tabLst/>
-            </a:pPr>
-            <a:r>
-              <a:rPr lang="de-DE" sz="1800" b="1" kern="0" noProof="0" dirty="0" err="1">
-                <a:ea typeface="Arial Unicode MS" pitchFamily="34" charset="-128"/>
-                <a:cs typeface="Arial Unicode MS" pitchFamily="34" charset="-128"/>
-              </a:rPr>
-              <a:t>kubectl</a:t>
-            </a:r>
-            <a:endParaRPr kumimoji="0" lang="de-DE" sz="1800" b="1" i="0" u="none" strike="noStrike" kern="0" cap="none" spc="0" normalizeH="0" baseline="0" noProof="0" dirty="0">
-              <a:ln>
-                <a:noFill/>
-              </a:ln>
-              <a:effectLst/>
-              <a:uLnTx/>
-              <a:uFillTx/>
-              <a:ea typeface="Arial Unicode MS" pitchFamily="34" charset="-128"/>
-              <a:cs typeface="Arial Unicode MS" pitchFamily="34" charset="-128"/>
-            </a:endParaRPr>
-          </a:p>
-        </p:txBody>
-      </p:sp>
-      <p:sp>
-        <p:nvSpPr>
-          <p:cNvPr id="5" name="Oval 4"/>
-          <p:cNvSpPr/>
-          <p:nvPr/>
-        </p:nvSpPr>
-        <p:spPr bwMode="gray">
-          <a:xfrm>
-            <a:off x="2103120" y="1181100"/>
-            <a:ext cx="302071" cy="312420"/>
-          </a:xfrm>
-          <a:prstGeom prst="ellipse">
-            <a:avLst/>
-          </a:prstGeom>
-          <a:solidFill>
-            <a:schemeClr val="accent1"/>
-          </a:solidFill>
-          <a:ln w="6350" algn="ctr">
-            <a:noFill/>
-            <a:miter lim="800000"/>
-            <a:headEnd/>
-            <a:tailEnd/>
-          </a:ln>
-        </p:spPr>
-        <p:txBody>
-          <a:bodyPr lIns="90000" tIns="72000" rIns="90000" bIns="72000" rtlCol="0" anchor="ctr"/>
-          <a:lstStyle/>
-          <a:p>
-            <a:pPr marR="0" algn="ctr" defTabSz="914400" eaLnBrk="1" fontAlgn="base" latinLnBrk="0" hangingPunct="1">
-              <a:lnSpc>
-                <a:spcPct val="100000"/>
-              </a:lnSpc>
-              <a:spcBef>
-                <a:spcPct val="50000"/>
-              </a:spcBef>
-              <a:spcAft>
-                <a:spcPct val="0"/>
-              </a:spcAft>
-              <a:buClr>
-                <a:srgbClr val="F0AB00"/>
-              </a:buClr>
-              <a:buSzPct val="80000"/>
-              <a:tabLst/>
-            </a:pPr>
-            <a:endParaRPr kumimoji="0" lang="de-DE" sz="1800" b="0" i="0" u="none" strike="noStrike" kern="0" cap="none" spc="0" normalizeH="0" baseline="0" noProof="0" dirty="0" err="1">
-              <a:ln>
-                <a:noFill/>
-              </a:ln>
-              <a:effectLst/>
-              <a:uLnTx/>
-              <a:uFillTx/>
-              <a:ea typeface="Arial Unicode MS" pitchFamily="34" charset="-128"/>
-              <a:cs typeface="Arial Unicode MS" pitchFamily="34" charset="-128"/>
-            </a:endParaRPr>
-          </a:p>
-        </p:txBody>
-      </p:sp>
-      <p:sp>
-        <p:nvSpPr>
-          <p:cNvPr id="9" name="Flowchart: Delay 8"/>
-          <p:cNvSpPr/>
-          <p:nvPr/>
-        </p:nvSpPr>
-        <p:spPr bwMode="gray">
-          <a:xfrm rot="16200000">
-            <a:off x="1981741" y="1589619"/>
-            <a:ext cx="544828" cy="459313"/>
-          </a:xfrm>
-          <a:prstGeom prst="flowChartDelay">
-            <a:avLst/>
-          </a:prstGeom>
-          <a:solidFill>
-            <a:schemeClr val="accent1"/>
-          </a:solidFill>
-          <a:ln w="6350" algn="ctr">
-            <a:noFill/>
-            <a:miter lim="800000"/>
-            <a:headEnd/>
-            <a:tailEnd/>
-          </a:ln>
-        </p:spPr>
-        <p:txBody>
-          <a:bodyPr lIns="90000" tIns="72000" rIns="90000" bIns="72000" rtlCol="0" anchor="ctr"/>
-          <a:lstStyle/>
-          <a:p>
-            <a:pPr marR="0" algn="ctr" defTabSz="914400" eaLnBrk="1" fontAlgn="base" latinLnBrk="0" hangingPunct="1">
-              <a:lnSpc>
-                <a:spcPct val="100000"/>
-              </a:lnSpc>
-              <a:spcBef>
-                <a:spcPct val="50000"/>
-              </a:spcBef>
-              <a:spcAft>
-                <a:spcPct val="0"/>
-              </a:spcAft>
-              <a:buClr>
-                <a:srgbClr val="F0AB00"/>
-              </a:buClr>
-              <a:buSzPct val="80000"/>
-              <a:tabLst/>
-            </a:pPr>
-            <a:endParaRPr kumimoji="0" lang="de-DE" sz="1800" b="0" i="0" u="none" strike="noStrike" kern="0" cap="none" spc="0" normalizeH="0" baseline="0" noProof="0" dirty="0" err="1">
-              <a:ln>
-                <a:noFill/>
-              </a:ln>
-              <a:effectLst/>
-              <a:uLnTx/>
-              <a:uFillTx/>
-              <a:ea typeface="Arial Unicode MS" pitchFamily="34" charset="-128"/>
-              <a:cs typeface="Arial Unicode MS" pitchFamily="34" charset="-128"/>
-            </a:endParaRPr>
-          </a:p>
-        </p:txBody>
-      </p:sp>
-      <p:cxnSp>
-        <p:nvCxnSpPr>
-          <p:cNvPr id="11" name="Straight Arrow Connector 10"/>
-          <p:cNvCxnSpPr/>
-          <p:nvPr/>
-        </p:nvCxnSpPr>
-        <p:spPr>
-          <a:xfrm>
-            <a:off x="3314700" y="1845945"/>
-            <a:ext cx="7620" cy="1156335"/>
-          </a:xfrm>
-          <a:prstGeom prst="straightConnector1">
-            <a:avLst/>
-          </a:prstGeom>
-          <a:ln w="57150">
-            <a:solidFill>
-              <a:schemeClr val="accent2"/>
-            </a:solidFill>
-            <a:headEnd type="none" w="med" len="med"/>
-            <a:tailEnd type="triangle"/>
-          </a:ln>
-        </p:spPr>
-        <p:style>
-          <a:lnRef idx="1">
-            <a:schemeClr val="accent2"/>
-          </a:lnRef>
-          <a:fillRef idx="0">
-            <a:schemeClr val="accent2"/>
-          </a:fillRef>
-          <a:effectRef idx="0">
-            <a:schemeClr val="accent2"/>
-          </a:effectRef>
-          <a:fontRef idx="minor">
-            <a:schemeClr val="tx1"/>
-          </a:fontRef>
-        </p:style>
-      </p:cxnSp>
-      <p:cxnSp>
-        <p:nvCxnSpPr>
-          <p:cNvPr id="14" name="Straight Arrow Connector 13"/>
-          <p:cNvCxnSpPr/>
-          <p:nvPr/>
-        </p:nvCxnSpPr>
-        <p:spPr>
-          <a:xfrm flipV="1">
-            <a:off x="3253740" y="3848100"/>
-            <a:ext cx="0" cy="1003935"/>
-          </a:xfrm>
-          <a:prstGeom prst="straightConnector1">
-            <a:avLst/>
-          </a:prstGeom>
-          <a:ln w="57150">
-            <a:solidFill>
-              <a:schemeClr val="accent2"/>
-            </a:solidFill>
-            <a:headEnd type="none" w="med" len="med"/>
-            <a:tailEnd type="triangle"/>
-          </a:ln>
-        </p:spPr>
-        <p:style>
-          <a:lnRef idx="1">
-            <a:schemeClr val="accent2"/>
-          </a:lnRef>
-          <a:fillRef idx="0">
-            <a:schemeClr val="accent2"/>
-          </a:fillRef>
-          <a:effectRef idx="0">
-            <a:schemeClr val="accent2"/>
-          </a:effectRef>
-          <a:fontRef idx="minor">
-            <a:schemeClr val="tx1"/>
-          </a:fontRef>
-        </p:style>
-      </p:cxnSp>
-      <p:cxnSp>
-        <p:nvCxnSpPr>
-          <p:cNvPr id="20" name="Straight Arrow Connector 19"/>
-          <p:cNvCxnSpPr/>
-          <p:nvPr/>
-        </p:nvCxnSpPr>
-        <p:spPr>
-          <a:xfrm flipV="1">
-            <a:off x="2355661" y="3848100"/>
-            <a:ext cx="0" cy="407671"/>
-          </a:xfrm>
-          <a:prstGeom prst="straightConnector1">
-            <a:avLst/>
-          </a:prstGeom>
-          <a:ln w="57150">
-            <a:solidFill>
-              <a:schemeClr val="accent2"/>
-            </a:solidFill>
-            <a:headEnd type="none" w="med" len="med"/>
-            <a:tailEnd type="triangle"/>
-          </a:ln>
-        </p:spPr>
-        <p:style>
-          <a:lnRef idx="1">
-            <a:schemeClr val="accent2"/>
-          </a:lnRef>
-          <a:fillRef idx="0">
-            <a:schemeClr val="accent2"/>
-          </a:fillRef>
-          <a:effectRef idx="0">
-            <a:schemeClr val="accent2"/>
-          </a:effectRef>
-          <a:fontRef idx="minor">
-            <a:schemeClr val="tx1"/>
-          </a:fontRef>
-        </p:style>
-      </p:cxnSp>
-      <p:sp>
-        <p:nvSpPr>
-          <p:cNvPr id="23" name="Rectangle 22"/>
-          <p:cNvSpPr/>
-          <p:nvPr/>
-        </p:nvSpPr>
-        <p:spPr bwMode="gray">
-          <a:xfrm>
-            <a:off x="4975035" y="3997642"/>
-            <a:ext cx="1703071" cy="1461135"/>
-          </a:xfrm>
-          <a:prstGeom prst="rect">
-            <a:avLst/>
-          </a:prstGeom>
-          <a:ln>
-            <a:headEnd/>
-            <a:tailEnd/>
-          </a:ln>
-        </p:spPr>
-        <p:style>
-          <a:lnRef idx="1">
-            <a:schemeClr val="accent2"/>
-          </a:lnRef>
-          <a:fillRef idx="2">
-            <a:schemeClr val="accent2"/>
-          </a:fillRef>
-          <a:effectRef idx="1">
-            <a:schemeClr val="accent2"/>
-          </a:effectRef>
-          <a:fontRef idx="minor">
-            <a:schemeClr val="dk1"/>
-          </a:fontRef>
-        </p:style>
-        <p:txBody>
-          <a:bodyPr lIns="90000" tIns="72000" rIns="90000" bIns="72000" rtlCol="0" anchor="ctr"/>
-          <a:lstStyle/>
-          <a:p>
-            <a:pPr marR="0" algn="ctr" defTabSz="914400" eaLnBrk="1" fontAlgn="base" latinLnBrk="0" hangingPunct="1">
-              <a:lnSpc>
-                <a:spcPct val="100000"/>
-              </a:lnSpc>
-              <a:spcBef>
-                <a:spcPct val="50000"/>
-              </a:spcBef>
-              <a:spcAft>
-                <a:spcPct val="0"/>
-              </a:spcAft>
-              <a:buClr>
-                <a:srgbClr val="F0AB00"/>
-              </a:buClr>
-              <a:buSzPct val="80000"/>
-              <a:tabLst/>
-            </a:pPr>
-            <a:r>
-              <a:rPr kumimoji="0" lang="de-DE" sz="2400" b="1" i="0" strike="noStrike" kern="0" cap="none" spc="0" normalizeH="0" baseline="0" noProof="0" dirty="0" err="1">
-                <a:ln>
-                  <a:noFill/>
-                </a:ln>
-                <a:effectLst/>
-                <a:uLnTx/>
-                <a:uFillTx/>
-                <a:ea typeface="Arial Unicode MS" pitchFamily="34" charset="-128"/>
-                <a:cs typeface="Arial Unicode MS" pitchFamily="34" charset="-128"/>
-              </a:rPr>
-              <a:t>etcd</a:t>
-            </a:r>
-            <a:endParaRPr kumimoji="0" lang="de-DE" sz="2400" b="1" i="0" strike="noStrike" kern="0" cap="none" spc="0" normalizeH="0" baseline="0" noProof="0" dirty="0">
-              <a:ln>
-                <a:noFill/>
-              </a:ln>
-              <a:effectLst/>
-              <a:uLnTx/>
-              <a:uFillTx/>
-              <a:ea typeface="Arial Unicode MS" pitchFamily="34" charset="-128"/>
-              <a:cs typeface="Arial Unicode MS" pitchFamily="34" charset="-128"/>
-            </a:endParaRPr>
-          </a:p>
-          <a:p>
-            <a:pPr marR="0" algn="ctr" defTabSz="914400" eaLnBrk="1" fontAlgn="base" latinLnBrk="0" hangingPunct="1">
-              <a:lnSpc>
-                <a:spcPct val="100000"/>
-              </a:lnSpc>
-              <a:spcBef>
-                <a:spcPct val="50000"/>
-              </a:spcBef>
-              <a:spcAft>
-                <a:spcPct val="0"/>
-              </a:spcAft>
-              <a:buClr>
-                <a:srgbClr val="F0AB00"/>
-              </a:buClr>
-              <a:buSzPct val="80000"/>
-              <a:tabLst/>
-            </a:pPr>
-            <a:r>
-              <a:rPr lang="de-DE" sz="1400" b="1" kern="0" dirty="0">
-                <a:ea typeface="Arial Unicode MS" pitchFamily="34" charset="-128"/>
-                <a:cs typeface="Arial Unicode MS" pitchFamily="34" charset="-128"/>
-              </a:rPr>
-              <a:t>(</a:t>
-            </a:r>
-            <a:r>
-              <a:rPr lang="de-DE" sz="1400" b="1" kern="0" dirty="0" err="1">
-                <a:ea typeface="Arial Unicode MS" pitchFamily="34" charset="-128"/>
-                <a:cs typeface="Arial Unicode MS" pitchFamily="34" charset="-128"/>
-              </a:rPr>
-              <a:t>distributed</a:t>
-            </a:r>
-            <a:r>
-              <a:rPr lang="de-DE" sz="1400" b="1" kern="0" dirty="0">
-                <a:ea typeface="Arial Unicode MS" pitchFamily="34" charset="-128"/>
-                <a:cs typeface="Arial Unicode MS" pitchFamily="34" charset="-128"/>
-              </a:rPr>
-              <a:t>) </a:t>
-            </a:r>
-            <a:r>
-              <a:rPr lang="de-DE" sz="1400" b="1" kern="0" dirty="0" err="1">
-                <a:ea typeface="Arial Unicode MS" pitchFamily="34" charset="-128"/>
-                <a:cs typeface="Arial Unicode MS" pitchFamily="34" charset="-128"/>
-              </a:rPr>
-              <a:t>key-value</a:t>
-            </a:r>
-            <a:r>
-              <a:rPr lang="de-DE" sz="1400" b="1" kern="0" dirty="0">
-                <a:ea typeface="Arial Unicode MS" pitchFamily="34" charset="-128"/>
-                <a:cs typeface="Arial Unicode MS" pitchFamily="34" charset="-128"/>
-              </a:rPr>
-              <a:t> </a:t>
-            </a:r>
-            <a:r>
-              <a:rPr lang="de-DE" sz="1400" b="1" kern="0" dirty="0" err="1">
-                <a:ea typeface="Arial Unicode MS" pitchFamily="34" charset="-128"/>
-                <a:cs typeface="Arial Unicode MS" pitchFamily="34" charset="-128"/>
-              </a:rPr>
-              <a:t>store</a:t>
-            </a:r>
-            <a:endParaRPr kumimoji="0" lang="de-DE" sz="2400" b="1" i="0" strike="noStrike" kern="0" cap="none" spc="0" normalizeH="0" baseline="0" noProof="0" dirty="0">
-              <a:ln>
-                <a:noFill/>
-              </a:ln>
-              <a:effectLst/>
-              <a:uLnTx/>
-              <a:uFillTx/>
-              <a:ea typeface="Arial Unicode MS" pitchFamily="34" charset="-128"/>
-              <a:cs typeface="Arial Unicode MS" pitchFamily="34" charset="-128"/>
-            </a:endParaRPr>
-          </a:p>
-        </p:txBody>
-      </p:sp>
-      <p:cxnSp>
-        <p:nvCxnSpPr>
-          <p:cNvPr id="25" name="Straight Arrow Connector 24"/>
-          <p:cNvCxnSpPr>
-            <a:stCxn id="4" idx="3"/>
-            <a:endCxn id="23" idx="1"/>
-          </p:cNvCxnSpPr>
-          <p:nvPr/>
-        </p:nvCxnSpPr>
-        <p:spPr>
-          <a:xfrm>
-            <a:off x="3563431" y="3425190"/>
-            <a:ext cx="1411604" cy="1303020"/>
-          </a:xfrm>
-          <a:prstGeom prst="straightConnector1">
-            <a:avLst/>
-          </a:prstGeom>
-          <a:ln w="57150">
-            <a:solidFill>
-              <a:schemeClr val="accent2"/>
-            </a:solidFill>
-            <a:headEnd type="triangle"/>
-            <a:tailEnd type="triangle"/>
-          </a:ln>
-        </p:spPr>
-        <p:style>
-          <a:lnRef idx="1">
-            <a:schemeClr val="accent1"/>
-          </a:lnRef>
-          <a:fillRef idx="0">
-            <a:schemeClr val="accent1"/>
-          </a:fillRef>
-          <a:effectRef idx="0">
-            <a:schemeClr val="accent1"/>
-          </a:effectRef>
-          <a:fontRef idx="minor">
-            <a:schemeClr val="tx1"/>
-          </a:fontRef>
-        </p:style>
-      </p:cxnSp>
-      <p:sp>
-        <p:nvSpPr>
-          <p:cNvPr id="28" name="Rectangle 27"/>
-          <p:cNvSpPr/>
-          <p:nvPr/>
-        </p:nvSpPr>
-        <p:spPr bwMode="gray">
-          <a:xfrm>
-            <a:off x="7316281" y="2560320"/>
-            <a:ext cx="3703320" cy="3070860"/>
-          </a:xfrm>
-          <a:prstGeom prst="rect">
-            <a:avLst/>
-          </a:prstGeom>
-          <a:ln>
-            <a:headEnd/>
-            <a:tailEnd/>
-          </a:ln>
-        </p:spPr>
-        <p:style>
-          <a:lnRef idx="1">
-            <a:schemeClr val="accent2"/>
-          </a:lnRef>
-          <a:fillRef idx="2">
-            <a:schemeClr val="accent2"/>
-          </a:fillRef>
-          <a:effectRef idx="1">
-            <a:schemeClr val="accent2"/>
-          </a:effectRef>
-          <a:fontRef idx="minor">
-            <a:schemeClr val="dk1"/>
-          </a:fontRef>
-        </p:style>
-        <p:txBody>
-          <a:bodyPr lIns="90000" tIns="72000" rIns="90000" bIns="72000" rtlCol="0" anchor="t"/>
-          <a:lstStyle/>
-          <a:p>
-            <a:pPr algn="ctr" defTabSz="914400" fontAlgn="base">
-              <a:spcBef>
-                <a:spcPct val="50000"/>
-              </a:spcBef>
-              <a:spcAft>
-                <a:spcPct val="0"/>
-              </a:spcAft>
-              <a:buClr>
-                <a:srgbClr val="F0AB00"/>
-              </a:buClr>
-              <a:buSzPct val="80000"/>
-            </a:pPr>
-            <a:r>
-              <a:rPr lang="de-DE" sz="2400" b="1" kern="0" dirty="0">
-                <a:ea typeface="Arial Unicode MS" pitchFamily="34" charset="-128"/>
-                <a:cs typeface="Arial Unicode MS" pitchFamily="34" charset="-128"/>
-              </a:rPr>
-              <a:t>Worker</a:t>
-            </a:r>
-          </a:p>
-        </p:txBody>
-      </p:sp>
-      <p:sp>
-        <p:nvSpPr>
-          <p:cNvPr id="31" name="Rectangle 30"/>
-          <p:cNvSpPr/>
-          <p:nvPr/>
-        </p:nvSpPr>
-        <p:spPr bwMode="gray">
-          <a:xfrm>
-            <a:off x="7445821" y="3805346"/>
-            <a:ext cx="3467358" cy="1653431"/>
-          </a:xfrm>
-          <a:prstGeom prst="rect">
-            <a:avLst/>
-          </a:prstGeom>
-          <a:solidFill>
-            <a:schemeClr val="accent1">
-              <a:lumMod val="60000"/>
-              <a:lumOff val="40000"/>
-            </a:schemeClr>
-          </a:solidFill>
-          <a:ln>
-            <a:headEnd/>
-            <a:tailEnd/>
-          </a:ln>
-        </p:spPr>
-        <p:style>
-          <a:lnRef idx="1">
-            <a:schemeClr val="accent1"/>
-          </a:lnRef>
-          <a:fillRef idx="2">
-            <a:schemeClr val="accent1"/>
-          </a:fillRef>
-          <a:effectRef idx="1">
-            <a:schemeClr val="accent1"/>
-          </a:effectRef>
-          <a:fontRef idx="minor">
-            <a:schemeClr val="dk1"/>
-          </a:fontRef>
-        </p:style>
-        <p:txBody>
-          <a:bodyPr lIns="90000" tIns="72000" rIns="90000" bIns="72000" rtlCol="0" anchor="b"/>
-          <a:lstStyle/>
-          <a:p>
-            <a:pPr marR="0" defTabSz="914400" eaLnBrk="1" fontAlgn="base" latinLnBrk="0" hangingPunct="1">
-              <a:lnSpc>
-                <a:spcPct val="100000"/>
-              </a:lnSpc>
-              <a:spcBef>
-                <a:spcPct val="50000"/>
-              </a:spcBef>
-              <a:spcAft>
-                <a:spcPct val="0"/>
-              </a:spcAft>
-              <a:buClr>
-                <a:srgbClr val="F0AB00"/>
-              </a:buClr>
-              <a:buSzPct val="80000"/>
-              <a:tabLst/>
-            </a:pPr>
-            <a:r>
-              <a:rPr lang="de-DE" sz="2000" b="1" kern="0" noProof="0" dirty="0">
-                <a:ea typeface="Arial Unicode MS" pitchFamily="34" charset="-128"/>
-                <a:cs typeface="Arial Unicode MS" pitchFamily="34" charset="-128"/>
-              </a:rPr>
-              <a:t>D</a:t>
-            </a:r>
-            <a:r>
-              <a:rPr kumimoji="0" lang="de-DE" sz="2000" b="1" i="0" strike="noStrike" kern="0" cap="none" spc="0" normalizeH="0" baseline="0" noProof="0" dirty="0">
-                <a:ln>
-                  <a:noFill/>
-                </a:ln>
-                <a:effectLst/>
-                <a:uLnTx/>
-                <a:uFillTx/>
-                <a:ea typeface="Arial Unicode MS" pitchFamily="34" charset="-128"/>
-                <a:cs typeface="Arial Unicode MS" pitchFamily="34" charset="-128"/>
-              </a:rPr>
-              <a:t>ocker</a:t>
-            </a:r>
-            <a:endParaRPr kumimoji="0" lang="de-DE" sz="2400" b="1" i="0" strike="noStrike" kern="0" cap="none" spc="0" normalizeH="0" baseline="0" noProof="0" dirty="0">
-              <a:ln>
-                <a:noFill/>
-              </a:ln>
-              <a:effectLst/>
-              <a:uLnTx/>
-              <a:uFillTx/>
-              <a:ea typeface="Arial Unicode MS" pitchFamily="34" charset="-128"/>
-              <a:cs typeface="Arial Unicode MS" pitchFamily="34" charset="-128"/>
-            </a:endParaRPr>
-          </a:p>
-        </p:txBody>
-      </p:sp>
-      <p:sp>
-        <p:nvSpPr>
-          <p:cNvPr id="32" name="Rectangle 31"/>
-          <p:cNvSpPr/>
-          <p:nvPr/>
-        </p:nvSpPr>
-        <p:spPr bwMode="gray">
-          <a:xfrm>
-            <a:off x="7823552" y="3172886"/>
-            <a:ext cx="1237682" cy="434340"/>
-          </a:xfrm>
-          <a:prstGeom prst="rect">
-            <a:avLst/>
-          </a:prstGeom>
-          <a:ln>
-            <a:headEnd/>
-            <a:tailEnd/>
-          </a:ln>
-        </p:spPr>
-        <p:style>
-          <a:lnRef idx="2">
-            <a:schemeClr val="accent2">
-              <a:shade val="50000"/>
-            </a:schemeClr>
-          </a:lnRef>
-          <a:fillRef idx="1">
-            <a:schemeClr val="accent2"/>
-          </a:fillRef>
-          <a:effectRef idx="0">
-            <a:schemeClr val="accent2"/>
-          </a:effectRef>
-          <a:fontRef idx="minor">
-            <a:schemeClr val="lt1"/>
-          </a:fontRef>
-        </p:style>
-        <p:txBody>
-          <a:bodyPr lIns="90000" tIns="72000" rIns="90000" bIns="72000" rtlCol="0" anchor="ctr"/>
-          <a:lstStyle/>
-          <a:p>
-            <a:pPr marR="0" algn="ctr" defTabSz="914400" eaLnBrk="1" fontAlgn="base" latinLnBrk="0" hangingPunct="1">
-              <a:lnSpc>
-                <a:spcPct val="100000"/>
-              </a:lnSpc>
-              <a:spcBef>
-                <a:spcPct val="50000"/>
-              </a:spcBef>
-              <a:spcAft>
-                <a:spcPct val="0"/>
-              </a:spcAft>
-              <a:buClr>
-                <a:srgbClr val="F0AB00"/>
-              </a:buClr>
-              <a:buSzPct val="80000"/>
-              <a:tabLst/>
-            </a:pPr>
-            <a:r>
-              <a:rPr lang="de-DE" sz="1600" kern="0" dirty="0" err="1">
-                <a:ea typeface="Arial Unicode MS" pitchFamily="34" charset="-128"/>
-                <a:cs typeface="Arial Unicode MS" pitchFamily="34" charset="-128"/>
-              </a:rPr>
-              <a:t>kubelet</a:t>
-            </a:r>
-            <a:endParaRPr kumimoji="0" lang="de-DE" sz="1600" i="0" u="none" strike="noStrike" kern="0" cap="none" spc="0" normalizeH="0" baseline="0" noProof="0" dirty="0">
-              <a:ln>
-                <a:noFill/>
-              </a:ln>
-              <a:effectLst/>
-              <a:uLnTx/>
-              <a:uFillTx/>
-              <a:ea typeface="Arial Unicode MS" pitchFamily="34" charset="-128"/>
-              <a:cs typeface="Arial Unicode MS" pitchFamily="34" charset="-128"/>
-            </a:endParaRPr>
-          </a:p>
-        </p:txBody>
-      </p:sp>
-      <p:sp>
-        <p:nvSpPr>
-          <p:cNvPr id="34" name="Rectangle 33"/>
-          <p:cNvSpPr/>
-          <p:nvPr/>
-        </p:nvSpPr>
-        <p:spPr bwMode="gray">
-          <a:xfrm>
-            <a:off x="7857403" y="4251482"/>
-            <a:ext cx="1208595" cy="773906"/>
-          </a:xfrm>
-          <a:prstGeom prst="rect">
-            <a:avLst/>
-          </a:prstGeom>
-          <a:ln>
-            <a:headEnd/>
-            <a:tailEnd/>
-          </a:ln>
-        </p:spPr>
-        <p:style>
-          <a:lnRef idx="2">
-            <a:schemeClr val="accent2">
-              <a:shade val="50000"/>
-            </a:schemeClr>
-          </a:lnRef>
-          <a:fillRef idx="1">
-            <a:schemeClr val="accent2"/>
-          </a:fillRef>
-          <a:effectRef idx="0">
-            <a:schemeClr val="accent2"/>
-          </a:effectRef>
-          <a:fontRef idx="minor">
-            <a:schemeClr val="lt1"/>
-          </a:fontRef>
-        </p:style>
-        <p:txBody>
-          <a:bodyPr lIns="90000" tIns="72000" rIns="90000" bIns="72000" rtlCol="0" anchor="ctr"/>
-          <a:lstStyle/>
-          <a:p>
-            <a:pPr marR="0" algn="ctr" defTabSz="914400" eaLnBrk="1" fontAlgn="base" latinLnBrk="0" hangingPunct="1">
-              <a:lnSpc>
-                <a:spcPct val="100000"/>
-              </a:lnSpc>
-              <a:spcBef>
-                <a:spcPct val="50000"/>
-              </a:spcBef>
-              <a:spcAft>
-                <a:spcPct val="0"/>
-              </a:spcAft>
-              <a:buClr>
-                <a:srgbClr val="F0AB00"/>
-              </a:buClr>
-              <a:buSzPct val="80000"/>
-              <a:tabLst/>
-            </a:pPr>
-            <a:r>
-              <a:rPr lang="de-DE" sz="1600" b="1" kern="0" noProof="0" dirty="0" err="1">
-                <a:ea typeface="Arial Unicode MS" pitchFamily="34" charset="-128"/>
-                <a:cs typeface="Arial Unicode MS" pitchFamily="34" charset="-128"/>
-              </a:rPr>
-              <a:t>Pod</a:t>
-            </a:r>
-            <a:endParaRPr kumimoji="0" lang="de-DE" sz="1600" b="1" i="0" u="none" strike="noStrike" kern="0" cap="none" spc="0" normalizeH="0" baseline="0" noProof="0" dirty="0">
-              <a:ln>
-                <a:noFill/>
-              </a:ln>
-              <a:effectLst/>
-              <a:uLnTx/>
-              <a:uFillTx/>
-              <a:ea typeface="Arial Unicode MS" pitchFamily="34" charset="-128"/>
-              <a:cs typeface="Arial Unicode MS" pitchFamily="34" charset="-128"/>
-            </a:endParaRPr>
-          </a:p>
-        </p:txBody>
-      </p:sp>
-      <p:sp>
-        <p:nvSpPr>
-          <p:cNvPr id="35" name="Rectangle 34"/>
-          <p:cNvSpPr/>
-          <p:nvPr/>
-        </p:nvSpPr>
-        <p:spPr bwMode="gray">
-          <a:xfrm>
-            <a:off x="9375019" y="4251482"/>
-            <a:ext cx="1208595" cy="773906"/>
-          </a:xfrm>
-          <a:prstGeom prst="rect">
-            <a:avLst/>
-          </a:prstGeom>
-          <a:ln>
-            <a:headEnd/>
-            <a:tailEnd/>
-          </a:ln>
-        </p:spPr>
-        <p:style>
-          <a:lnRef idx="2">
-            <a:schemeClr val="accent2">
-              <a:shade val="50000"/>
-            </a:schemeClr>
-          </a:lnRef>
-          <a:fillRef idx="1">
-            <a:schemeClr val="accent2"/>
-          </a:fillRef>
-          <a:effectRef idx="0">
-            <a:schemeClr val="accent2"/>
-          </a:effectRef>
-          <a:fontRef idx="minor">
-            <a:schemeClr val="lt1"/>
-          </a:fontRef>
-        </p:style>
-        <p:txBody>
-          <a:bodyPr lIns="90000" tIns="72000" rIns="90000" bIns="72000" rtlCol="0" anchor="ctr"/>
-          <a:lstStyle/>
-          <a:p>
-            <a:pPr marR="0" algn="ctr" defTabSz="914400" eaLnBrk="1" fontAlgn="base" latinLnBrk="0" hangingPunct="1">
-              <a:lnSpc>
-                <a:spcPct val="100000"/>
-              </a:lnSpc>
-              <a:spcBef>
-                <a:spcPct val="50000"/>
-              </a:spcBef>
-              <a:spcAft>
-                <a:spcPct val="0"/>
-              </a:spcAft>
-              <a:buClr>
-                <a:srgbClr val="F0AB00"/>
-              </a:buClr>
-              <a:buSzPct val="80000"/>
-              <a:tabLst/>
-            </a:pPr>
-            <a:r>
-              <a:rPr lang="de-DE" sz="1600" b="1" kern="0" noProof="0" dirty="0" err="1">
-                <a:ea typeface="Arial Unicode MS" pitchFamily="34" charset="-128"/>
-                <a:cs typeface="Arial Unicode MS" pitchFamily="34" charset="-128"/>
-              </a:rPr>
-              <a:t>Pod</a:t>
-            </a:r>
-            <a:endParaRPr kumimoji="0" lang="de-DE" sz="1600" b="1" i="0" u="none" strike="noStrike" kern="0" cap="none" spc="0" normalizeH="0" baseline="0" noProof="0" dirty="0">
-              <a:ln>
-                <a:noFill/>
-              </a:ln>
-              <a:effectLst/>
-              <a:uLnTx/>
-              <a:uFillTx/>
-              <a:ea typeface="Arial Unicode MS" pitchFamily="34" charset="-128"/>
-              <a:cs typeface="Arial Unicode MS" pitchFamily="34" charset="-128"/>
-            </a:endParaRPr>
-          </a:p>
-        </p:txBody>
-      </p:sp>
-      <p:sp>
-        <p:nvSpPr>
-          <p:cNvPr id="36" name="Rectangle 35"/>
-          <p:cNvSpPr/>
-          <p:nvPr/>
-        </p:nvSpPr>
-        <p:spPr bwMode="gray">
-          <a:xfrm>
-            <a:off x="9375019" y="3189077"/>
-            <a:ext cx="1237682" cy="434340"/>
-          </a:xfrm>
-          <a:prstGeom prst="rect">
-            <a:avLst/>
-          </a:prstGeom>
-          <a:ln>
-            <a:headEnd/>
-            <a:tailEnd/>
-          </a:ln>
-        </p:spPr>
-        <p:style>
-          <a:lnRef idx="2">
-            <a:schemeClr val="accent2">
-              <a:shade val="50000"/>
-            </a:schemeClr>
-          </a:lnRef>
-          <a:fillRef idx="1">
-            <a:schemeClr val="accent2"/>
-          </a:fillRef>
-          <a:effectRef idx="0">
-            <a:schemeClr val="accent2"/>
-          </a:effectRef>
-          <a:fontRef idx="minor">
-            <a:schemeClr val="lt1"/>
-          </a:fontRef>
-        </p:style>
-        <p:txBody>
-          <a:bodyPr lIns="90000" tIns="72000" rIns="90000" bIns="72000" rtlCol="0" anchor="ctr"/>
-          <a:lstStyle/>
-          <a:p>
-            <a:pPr marR="0" algn="ctr" defTabSz="914400" eaLnBrk="1" fontAlgn="base" latinLnBrk="0" hangingPunct="1">
-              <a:lnSpc>
-                <a:spcPct val="100000"/>
-              </a:lnSpc>
-              <a:spcBef>
-                <a:spcPct val="50000"/>
-              </a:spcBef>
-              <a:spcAft>
-                <a:spcPct val="0"/>
-              </a:spcAft>
-              <a:buClr>
-                <a:srgbClr val="F0AB00"/>
-              </a:buClr>
-              <a:buSzPct val="80000"/>
-              <a:tabLst/>
-            </a:pPr>
-            <a:r>
-              <a:rPr lang="de-DE" sz="1600" kern="0" dirty="0" err="1">
-                <a:ea typeface="Arial Unicode MS" pitchFamily="34" charset="-128"/>
-                <a:cs typeface="Arial Unicode MS" pitchFamily="34" charset="-128"/>
-              </a:rPr>
-              <a:t>proxy</a:t>
-            </a:r>
-            <a:endParaRPr kumimoji="0" lang="de-DE" sz="1600" i="0" u="none" strike="noStrike" kern="0" cap="none" spc="0" normalizeH="0" baseline="0" noProof="0" dirty="0">
-              <a:ln>
-                <a:noFill/>
-              </a:ln>
-              <a:effectLst/>
-              <a:uLnTx/>
-              <a:uFillTx/>
-              <a:ea typeface="Arial Unicode MS" pitchFamily="34" charset="-128"/>
-              <a:cs typeface="Arial Unicode MS" pitchFamily="34" charset="-128"/>
-            </a:endParaRPr>
-          </a:p>
-        </p:txBody>
-      </p:sp>
-      <p:sp>
-        <p:nvSpPr>
-          <p:cNvPr id="37" name="Cloud 36"/>
-          <p:cNvSpPr/>
-          <p:nvPr/>
-        </p:nvSpPr>
-        <p:spPr bwMode="gray">
-          <a:xfrm>
-            <a:off x="8563179" y="590715"/>
-            <a:ext cx="1929198" cy="830177"/>
-          </a:xfrm>
-          <a:prstGeom prst="cloud">
-            <a:avLst/>
-          </a:prstGeom>
-          <a:solidFill>
-            <a:schemeClr val="accent1"/>
-          </a:solidFill>
-          <a:ln w="6350" algn="ctr">
-            <a:noFill/>
-            <a:miter lim="800000"/>
-            <a:headEnd/>
-            <a:tailEnd/>
-          </a:ln>
-        </p:spPr>
-        <p:txBody>
-          <a:bodyPr lIns="90000" tIns="72000" rIns="90000" bIns="72000" rtlCol="0" anchor="ctr"/>
-          <a:lstStyle/>
-          <a:p>
-            <a:pPr marR="0" algn="ctr" defTabSz="914400" eaLnBrk="1" fontAlgn="base" latinLnBrk="0" hangingPunct="1">
-              <a:lnSpc>
-                <a:spcPct val="100000"/>
-              </a:lnSpc>
-              <a:spcBef>
-                <a:spcPct val="50000"/>
-              </a:spcBef>
-              <a:spcAft>
-                <a:spcPct val="0"/>
-              </a:spcAft>
-              <a:buClr>
-                <a:srgbClr val="F0AB00"/>
-              </a:buClr>
-              <a:buSzPct val="80000"/>
-              <a:tabLst/>
-            </a:pPr>
-            <a:endParaRPr kumimoji="0" lang="de-DE" sz="1800" b="0" i="0" u="none" strike="noStrike" kern="0" cap="none" spc="0" normalizeH="0" baseline="0" noProof="0" dirty="0" err="1">
-              <a:ln>
-                <a:noFill/>
-              </a:ln>
-              <a:effectLst/>
-              <a:uLnTx/>
-              <a:uFillTx/>
-              <a:ea typeface="Arial Unicode MS" pitchFamily="34" charset="-128"/>
-              <a:cs typeface="Arial Unicode MS" pitchFamily="34" charset="-128"/>
-            </a:endParaRPr>
-          </a:p>
-        </p:txBody>
-      </p:sp>
-      <p:cxnSp>
-        <p:nvCxnSpPr>
-          <p:cNvPr id="38" name="Straight Arrow Connector 37"/>
-          <p:cNvCxnSpPr>
-            <a:endCxn id="36" idx="0"/>
-          </p:cNvCxnSpPr>
-          <p:nvPr/>
-        </p:nvCxnSpPr>
-        <p:spPr>
-          <a:xfrm>
-            <a:off x="9993860" y="1308551"/>
-            <a:ext cx="0" cy="1880526"/>
-          </a:xfrm>
-          <a:prstGeom prst="straightConnector1">
-            <a:avLst/>
-          </a:prstGeom>
-          <a:ln w="57150">
-            <a:solidFill>
-              <a:schemeClr val="accent2"/>
-            </a:solidFill>
-            <a:headEnd type="none" w="med" len="med"/>
-            <a:tailEnd type="triangle"/>
-          </a:ln>
-        </p:spPr>
-        <p:style>
-          <a:lnRef idx="1">
-            <a:schemeClr val="accent2"/>
-          </a:lnRef>
-          <a:fillRef idx="0">
-            <a:schemeClr val="accent2"/>
-          </a:fillRef>
-          <a:effectRef idx="0">
-            <a:schemeClr val="accent2"/>
-          </a:effectRef>
-          <a:fontRef idx="minor">
-            <a:schemeClr val="tx1"/>
-          </a:fontRef>
-        </p:style>
-      </p:cxnSp>
-      <p:cxnSp>
-        <p:nvCxnSpPr>
-          <p:cNvPr id="43" name="Straight Arrow Connector 42"/>
-          <p:cNvCxnSpPr>
-            <a:stCxn id="36" idx="2"/>
-            <a:endCxn id="35" idx="0"/>
-          </p:cNvCxnSpPr>
-          <p:nvPr/>
-        </p:nvCxnSpPr>
-        <p:spPr>
-          <a:xfrm flipH="1">
-            <a:off x="9979317" y="3623417"/>
-            <a:ext cx="14543" cy="628065"/>
-          </a:xfrm>
-          <a:prstGeom prst="straightConnector1">
-            <a:avLst/>
-          </a:prstGeom>
-          <a:ln w="28575">
-            <a:solidFill>
-              <a:schemeClr val="accent2"/>
-            </a:solidFill>
-            <a:headEnd type="none" w="med" len="med"/>
-            <a:tailEnd type="triangle"/>
-          </a:ln>
-        </p:spPr>
-        <p:style>
-          <a:lnRef idx="1">
-            <a:schemeClr val="accent2"/>
-          </a:lnRef>
-          <a:fillRef idx="0">
-            <a:schemeClr val="accent2"/>
-          </a:fillRef>
-          <a:effectRef idx="0">
-            <a:schemeClr val="accent2"/>
-          </a:effectRef>
-          <a:fontRef idx="minor">
-            <a:schemeClr val="tx1"/>
-          </a:fontRef>
-        </p:style>
-      </p:cxnSp>
-      <p:cxnSp>
-        <p:nvCxnSpPr>
-          <p:cNvPr id="46" name="Straight Arrow Connector 45"/>
-          <p:cNvCxnSpPr>
-            <a:stCxn id="36" idx="2"/>
-            <a:endCxn id="34" idx="0"/>
-          </p:cNvCxnSpPr>
-          <p:nvPr/>
-        </p:nvCxnSpPr>
-        <p:spPr>
-          <a:xfrm flipH="1">
-            <a:off x="8461701" y="3623417"/>
-            <a:ext cx="1532159" cy="628065"/>
-          </a:xfrm>
-          <a:prstGeom prst="straightConnector1">
-            <a:avLst/>
-          </a:prstGeom>
-          <a:ln w="28575">
-            <a:solidFill>
-              <a:schemeClr val="accent2"/>
-            </a:solidFill>
-            <a:headEnd type="none" w="med" len="med"/>
-            <a:tailEnd type="triangle"/>
-          </a:ln>
-        </p:spPr>
-        <p:style>
-          <a:lnRef idx="1">
-            <a:schemeClr val="accent2"/>
-          </a:lnRef>
-          <a:fillRef idx="0">
-            <a:schemeClr val="accent2"/>
-          </a:fillRef>
-          <a:effectRef idx="0">
-            <a:schemeClr val="accent2"/>
-          </a:effectRef>
-          <a:fontRef idx="minor">
-            <a:schemeClr val="tx1"/>
-          </a:fontRef>
-        </p:style>
-      </p:cxnSp>
-      <p:cxnSp>
-        <p:nvCxnSpPr>
-          <p:cNvPr id="49" name="Straight Arrow Connector 48"/>
-          <p:cNvCxnSpPr>
-            <a:stCxn id="23" idx="3"/>
-            <a:endCxn id="28" idx="1"/>
-          </p:cNvCxnSpPr>
-          <p:nvPr/>
-        </p:nvCxnSpPr>
-        <p:spPr>
-          <a:xfrm flipV="1">
-            <a:off x="6678106" y="4095750"/>
-            <a:ext cx="638175" cy="632460"/>
-          </a:xfrm>
-          <a:prstGeom prst="straightConnector1">
-            <a:avLst/>
-          </a:prstGeom>
-          <a:ln w="57150">
-            <a:solidFill>
-              <a:schemeClr val="accent2"/>
-            </a:solidFill>
-            <a:headEnd type="triangle"/>
-            <a:tailEnd type="triangle"/>
-          </a:ln>
-        </p:spPr>
-        <p:style>
-          <a:lnRef idx="1">
-            <a:schemeClr val="accent1"/>
-          </a:lnRef>
-          <a:fillRef idx="0">
-            <a:schemeClr val="accent1"/>
-          </a:fillRef>
-          <a:effectRef idx="0">
-            <a:schemeClr val="accent1"/>
-          </a:effectRef>
-          <a:fontRef idx="minor">
-            <a:schemeClr val="tx1"/>
-          </a:fontRef>
-        </p:style>
-      </p:cxnSp>
-      <p:cxnSp>
-        <p:nvCxnSpPr>
-          <p:cNvPr id="53" name="Straight Arrow Connector 52"/>
-          <p:cNvCxnSpPr>
-            <a:stCxn id="32" idx="2"/>
-            <a:endCxn id="34" idx="0"/>
-          </p:cNvCxnSpPr>
-          <p:nvPr/>
-        </p:nvCxnSpPr>
-        <p:spPr>
-          <a:xfrm>
-            <a:off x="8442393" y="3607226"/>
-            <a:ext cx="19308" cy="644256"/>
-          </a:xfrm>
-          <a:prstGeom prst="straightConnector1">
-            <a:avLst/>
-          </a:prstGeom>
-          <a:ln w="28575">
-            <a:solidFill>
-              <a:schemeClr val="accent2"/>
-            </a:solidFill>
-            <a:headEnd type="none" w="med" len="med"/>
-            <a:tailEnd type="triangle"/>
-          </a:ln>
-        </p:spPr>
-        <p:style>
-          <a:lnRef idx="1">
-            <a:schemeClr val="accent2"/>
-          </a:lnRef>
-          <a:fillRef idx="0">
-            <a:schemeClr val="accent2"/>
-          </a:fillRef>
-          <a:effectRef idx="0">
-            <a:schemeClr val="accent2"/>
-          </a:effectRef>
-          <a:fontRef idx="minor">
-            <a:schemeClr val="tx1"/>
-          </a:fontRef>
-        </p:style>
-      </p:cxnSp>
-      <p:cxnSp>
-        <p:nvCxnSpPr>
-          <p:cNvPr id="57" name="Straight Arrow Connector 56"/>
-          <p:cNvCxnSpPr>
-            <a:stCxn id="32" idx="2"/>
-            <a:endCxn id="35" idx="0"/>
-          </p:cNvCxnSpPr>
-          <p:nvPr/>
-        </p:nvCxnSpPr>
-        <p:spPr>
-          <a:xfrm>
-            <a:off x="8442393" y="3607226"/>
-            <a:ext cx="1536924" cy="644256"/>
-          </a:xfrm>
-          <a:prstGeom prst="straightConnector1">
-            <a:avLst/>
-          </a:prstGeom>
-          <a:ln w="28575">
-            <a:solidFill>
-              <a:schemeClr val="accent2"/>
-            </a:solidFill>
-            <a:headEnd type="none" w="med" len="med"/>
-            <a:tailEnd type="triangle"/>
-          </a:ln>
-        </p:spPr>
-        <p:style>
-          <a:lnRef idx="1">
-            <a:schemeClr val="accent2"/>
-          </a:lnRef>
-          <a:fillRef idx="0">
-            <a:schemeClr val="accent2"/>
-          </a:fillRef>
-          <a:effectRef idx="0">
-            <a:schemeClr val="accent2"/>
-          </a:effectRef>
-          <a:fontRef idx="minor">
-            <a:schemeClr val="tx1"/>
-          </a:fontRef>
-        </p:style>
-      </p:cxnSp>
-      <p:cxnSp>
-        <p:nvCxnSpPr>
-          <p:cNvPr id="60" name="Straight Arrow Connector 59"/>
-          <p:cNvCxnSpPr>
-            <a:stCxn id="4" idx="3"/>
-            <a:endCxn id="32" idx="1"/>
-          </p:cNvCxnSpPr>
-          <p:nvPr/>
-        </p:nvCxnSpPr>
-        <p:spPr>
-          <a:xfrm flipV="1">
-            <a:off x="3563431" y="3390056"/>
-            <a:ext cx="4260121" cy="35134"/>
-          </a:xfrm>
-          <a:prstGeom prst="straightConnector1">
-            <a:avLst/>
-          </a:prstGeom>
-          <a:ln w="57150">
-            <a:solidFill>
-              <a:schemeClr val="accent2"/>
-            </a:solidFill>
-            <a:headEnd type="none" w="med" len="med"/>
-            <a:tailEnd type="triangle"/>
-          </a:ln>
-        </p:spPr>
-        <p:style>
-          <a:lnRef idx="1">
-            <a:schemeClr val="accent2"/>
-          </a:lnRef>
-          <a:fillRef idx="0">
-            <a:schemeClr val="accent2"/>
-          </a:fillRef>
-          <a:effectRef idx="0">
-            <a:schemeClr val="accent2"/>
-          </a:effectRef>
-          <a:fontRef idx="minor">
-            <a:schemeClr val="tx1"/>
-          </a:fontRef>
-        </p:style>
-      </p:cxnSp>
-    </p:spTree>
-    <p:extLst>
-      <p:ext uri="{BB962C8B-B14F-4D97-AF65-F5344CB8AC3E}">
-        <p14:creationId xmlns:p14="http://schemas.microsoft.com/office/powerpoint/2010/main" val="3602749482"/>
-      </p:ext>
-    </p:extLst>
-  </p:cSld>
-  <p:clrMapOvr>
-    <a:masterClrMapping/>
-  </p:clrMapOvr>
-</p:sld>
-</file>
-
-<file path=ppt/slides/slide8.xml><?xml version="1.0" encoding="utf-8"?>
 <p:sld xmlns:a="http://schemas.openxmlformats.org/drawingml/2006/main" xmlns:r="http://schemas.openxmlformats.org/officeDocument/2006/relationships" xmlns:p="http://schemas.openxmlformats.org/presentationml/2006/main">
   <p:cSld>
     <p:spTree>
@@ -14245,7 +11654,7 @@
 </p:sld>
 </file>
 
-<file path=ppt/slides/slide9.xml><?xml version="1.0" encoding="utf-8"?>
+<file path=ppt/slides/slide8.xml><?xml version="1.0" encoding="utf-8"?>
 <p:sld xmlns:a="http://schemas.openxmlformats.org/drawingml/2006/main" xmlns:r="http://schemas.openxmlformats.org/officeDocument/2006/relationships" xmlns:p="http://schemas.openxmlformats.org/presentationml/2006/main">
   <p:cSld>
     <p:spTree>
@@ -14527,6 +11936,838 @@
     <p:extLst>
       <p:ext uri="{BB962C8B-B14F-4D97-AF65-F5344CB8AC3E}">
         <p14:creationId xmlns:p14="http://schemas.microsoft.com/office/powerpoint/2010/main" val="3249990004"/>
+      </p:ext>
+    </p:extLst>
+  </p:cSld>
+  <p:clrMapOvr>
+    <a:masterClrMapping/>
+  </p:clrMapOvr>
+</p:sld>
+</file>
+
+<file path=ppt/slides/slide9.xml><?xml version="1.0" encoding="utf-8"?>
+<p:sld xmlns:a="http://schemas.openxmlformats.org/drawingml/2006/main" xmlns:r="http://schemas.openxmlformats.org/officeDocument/2006/relationships" xmlns:p="http://schemas.openxmlformats.org/presentationml/2006/main">
+  <p:cSld>
+    <p:spTree>
+      <p:nvGrpSpPr>
+        <p:cNvPr id="1" name=""/>
+        <p:cNvGrpSpPr/>
+        <p:nvPr/>
+      </p:nvGrpSpPr>
+      <p:grpSpPr>
+        <a:xfrm>
+          <a:off x="0" y="0"/>
+          <a:ext cx="0" cy="0"/>
+          <a:chOff x="0" y="0"/>
+          <a:chExt cx="0" cy="0"/>
+        </a:xfrm>
+      </p:grpSpPr>
+      <p:sp>
+        <p:nvSpPr>
+          <p:cNvPr id="3" name="Title 2"/>
+          <p:cNvSpPr>
+            <a:spLocks noGrp="1"/>
+          </p:cNvSpPr>
+          <p:nvPr>
+            <p:ph type="title"/>
+          </p:nvPr>
+        </p:nvSpPr>
+        <p:spPr/>
+        <p:txBody>
+          <a:bodyPr/>
+          <a:lstStyle/>
+          <a:p>
+            <a:r>
+              <a:rPr lang="en-US" dirty="0"/>
+              <a:t>What YOU will do during the next exercise…</a:t>
+            </a:r>
+          </a:p>
+        </p:txBody>
+      </p:sp>
+      <p:grpSp>
+        <p:nvGrpSpPr>
+          <p:cNvPr id="13" name="Group 12"/>
+          <p:cNvGrpSpPr/>
+          <p:nvPr/>
+        </p:nvGrpSpPr>
+        <p:grpSpPr>
+          <a:xfrm>
+            <a:off x="2674620" y="2948940"/>
+            <a:ext cx="6187440" cy="1752600"/>
+            <a:chOff x="2697480" y="2743200"/>
+            <a:chExt cx="6187440" cy="2034540"/>
+          </a:xfrm>
+        </p:grpSpPr>
+        <p:sp>
+          <p:nvSpPr>
+            <p:cNvPr id="12" name="Rectangle: Rounded Corners 11"/>
+            <p:cNvSpPr/>
+            <p:nvPr/>
+          </p:nvSpPr>
+          <p:spPr bwMode="gray">
+            <a:xfrm>
+              <a:off x="2697480" y="2743200"/>
+              <a:ext cx="6187440" cy="2034540"/>
+            </a:xfrm>
+            <a:prstGeom prst="roundRect">
+              <a:avLst/>
+            </a:prstGeom>
+            <a:solidFill>
+              <a:schemeClr val="accent4"/>
+            </a:solidFill>
+            <a:ln>
+              <a:headEnd/>
+              <a:tailEnd/>
+            </a:ln>
+          </p:spPr>
+          <p:style>
+            <a:lnRef idx="2">
+              <a:schemeClr val="accent4"/>
+            </a:lnRef>
+            <a:fillRef idx="1">
+              <a:schemeClr val="lt1"/>
+            </a:fillRef>
+            <a:effectRef idx="0">
+              <a:schemeClr val="accent4"/>
+            </a:effectRef>
+            <a:fontRef idx="minor">
+              <a:schemeClr val="dk1"/>
+            </a:fontRef>
+          </p:style>
+          <p:txBody>
+            <a:bodyPr lIns="90000" tIns="72000" rIns="90000" bIns="72000" rtlCol="0" anchor="ctr"/>
+            <a:lstStyle/>
+            <a:p>
+              <a:pPr marR="0" algn="ctr" defTabSz="914400" eaLnBrk="1" fontAlgn="base" latinLnBrk="0" hangingPunct="1">
+                <a:lnSpc>
+                  <a:spcPct val="100000"/>
+                </a:lnSpc>
+                <a:spcBef>
+                  <a:spcPct val="50000"/>
+                </a:spcBef>
+                <a:spcAft>
+                  <a:spcPct val="0"/>
+                </a:spcAft>
+                <a:buClr>
+                  <a:srgbClr val="F0AB00"/>
+                </a:buClr>
+                <a:buSzPct val="80000"/>
+                <a:tabLst/>
+              </a:pPr>
+              <a:endParaRPr kumimoji="0" lang="en-US" sz="1800" b="0" i="0" u="none" strike="noStrike" kern="0" cap="none" spc="0" normalizeH="0" baseline="0" noProof="0" dirty="0" err="1">
+                <a:ln>
+                  <a:noFill/>
+                </a:ln>
+                <a:effectLst/>
+                <a:uLnTx/>
+                <a:uFillTx/>
+                <a:ea typeface="Arial Unicode MS" pitchFamily="34" charset="-128"/>
+                <a:cs typeface="Arial Unicode MS" pitchFamily="34" charset="-128"/>
+              </a:endParaRPr>
+            </a:p>
+          </p:txBody>
+        </p:sp>
+        <p:sp>
+          <p:nvSpPr>
+            <p:cNvPr id="4" name="Rectangle 3"/>
+            <p:cNvSpPr/>
+            <p:nvPr/>
+          </p:nvSpPr>
+          <p:spPr bwMode="gray">
+            <a:xfrm>
+              <a:off x="2989653" y="3164976"/>
+              <a:ext cx="1627931" cy="1156258"/>
+            </a:xfrm>
+            <a:prstGeom prst="rect">
+              <a:avLst/>
+            </a:prstGeom>
+            <a:ln>
+              <a:headEnd/>
+              <a:tailEnd/>
+            </a:ln>
+          </p:spPr>
+          <p:style>
+            <a:lnRef idx="2">
+              <a:schemeClr val="accent4"/>
+            </a:lnRef>
+            <a:fillRef idx="1">
+              <a:schemeClr val="lt1"/>
+            </a:fillRef>
+            <a:effectRef idx="0">
+              <a:schemeClr val="accent4"/>
+            </a:effectRef>
+            <a:fontRef idx="minor">
+              <a:schemeClr val="dk1"/>
+            </a:fontRef>
+          </p:style>
+          <p:txBody>
+            <a:bodyPr lIns="90000" tIns="72000" rIns="90000" bIns="72000" rtlCol="0" anchor="ctr"/>
+            <a:lstStyle/>
+            <a:p>
+              <a:pPr marR="0" algn="ctr" defTabSz="914400" eaLnBrk="1" fontAlgn="base" latinLnBrk="0" hangingPunct="1">
+                <a:lnSpc>
+                  <a:spcPct val="100000"/>
+                </a:lnSpc>
+                <a:spcBef>
+                  <a:spcPct val="50000"/>
+                </a:spcBef>
+                <a:spcAft>
+                  <a:spcPct val="0"/>
+                </a:spcAft>
+                <a:buClr>
+                  <a:srgbClr val="F0AB00"/>
+                </a:buClr>
+                <a:buSzPct val="80000"/>
+                <a:tabLst/>
+              </a:pPr>
+              <a:r>
+                <a:rPr lang="de-DE" sz="1800" kern="0" dirty="0" err="1">
+                  <a:ea typeface="Arial Unicode MS" pitchFamily="34" charset="-128"/>
+                  <a:cs typeface="Arial Unicode MS" pitchFamily="34" charset="-128"/>
+                </a:rPr>
+                <a:t>nginx</a:t>
+              </a:r>
+              <a:endParaRPr kumimoji="0" lang="de-DE" sz="1800" b="0" i="0" u="none" strike="noStrike" kern="0" cap="none" spc="0" normalizeH="0" baseline="0" noProof="0" dirty="0">
+                <a:ln>
+                  <a:noFill/>
+                </a:ln>
+                <a:effectLst/>
+                <a:uLnTx/>
+                <a:uFillTx/>
+                <a:ea typeface="Arial Unicode MS" pitchFamily="34" charset="-128"/>
+                <a:cs typeface="Arial Unicode MS" pitchFamily="34" charset="-128"/>
+              </a:endParaRPr>
+            </a:p>
+          </p:txBody>
+        </p:sp>
+        <p:sp>
+          <p:nvSpPr>
+            <p:cNvPr id="6" name="Rectangle 5"/>
+            <p:cNvSpPr/>
+            <p:nvPr/>
+          </p:nvSpPr>
+          <p:spPr bwMode="gray">
+            <a:xfrm>
+              <a:off x="6855115" y="3164976"/>
+              <a:ext cx="1627931" cy="1156258"/>
+            </a:xfrm>
+            <a:prstGeom prst="rect">
+              <a:avLst/>
+            </a:prstGeom>
+            <a:ln>
+              <a:headEnd/>
+              <a:tailEnd/>
+            </a:ln>
+          </p:spPr>
+          <p:style>
+            <a:lnRef idx="2">
+              <a:schemeClr val="accent4"/>
+            </a:lnRef>
+            <a:fillRef idx="1">
+              <a:schemeClr val="lt1"/>
+            </a:fillRef>
+            <a:effectRef idx="0">
+              <a:schemeClr val="accent4"/>
+            </a:effectRef>
+            <a:fontRef idx="minor">
+              <a:schemeClr val="dk1"/>
+            </a:fontRef>
+          </p:style>
+          <p:txBody>
+            <a:bodyPr lIns="90000" tIns="72000" rIns="90000" bIns="72000" rtlCol="0" anchor="ctr"/>
+            <a:lstStyle/>
+            <a:p>
+              <a:pPr algn="ctr" defTabSz="914400" fontAlgn="base">
+                <a:spcBef>
+                  <a:spcPct val="50000"/>
+                </a:spcBef>
+                <a:spcAft>
+                  <a:spcPct val="0"/>
+                </a:spcAft>
+                <a:buClr>
+                  <a:srgbClr val="F0AB00"/>
+                </a:buClr>
+                <a:buSzPct val="80000"/>
+              </a:pPr>
+              <a:r>
+                <a:rPr lang="de-DE" sz="1800" kern="0" dirty="0" err="1">
+                  <a:ea typeface="Arial Unicode MS" pitchFamily="34" charset="-128"/>
+                  <a:cs typeface="Arial Unicode MS" pitchFamily="34" charset="-128"/>
+                </a:rPr>
+                <a:t>nginx</a:t>
+              </a:r>
+              <a:endParaRPr lang="de-DE" sz="1800" kern="0" dirty="0">
+                <a:ea typeface="Arial Unicode MS" pitchFamily="34" charset="-128"/>
+                <a:cs typeface="Arial Unicode MS" pitchFamily="34" charset="-128"/>
+              </a:endParaRPr>
+            </a:p>
+          </p:txBody>
+        </p:sp>
+        <p:sp>
+          <p:nvSpPr>
+            <p:cNvPr id="7" name="Rectangle 6"/>
+            <p:cNvSpPr/>
+            <p:nvPr/>
+          </p:nvSpPr>
+          <p:spPr bwMode="gray">
+            <a:xfrm>
+              <a:off x="4922384" y="3164976"/>
+              <a:ext cx="1627931" cy="1156258"/>
+            </a:xfrm>
+            <a:prstGeom prst="rect">
+              <a:avLst/>
+            </a:prstGeom>
+            <a:ln>
+              <a:headEnd/>
+              <a:tailEnd/>
+            </a:ln>
+          </p:spPr>
+          <p:style>
+            <a:lnRef idx="2">
+              <a:schemeClr val="accent4"/>
+            </a:lnRef>
+            <a:fillRef idx="1">
+              <a:schemeClr val="lt1"/>
+            </a:fillRef>
+            <a:effectRef idx="0">
+              <a:schemeClr val="accent4"/>
+            </a:effectRef>
+            <a:fontRef idx="minor">
+              <a:schemeClr val="dk1"/>
+            </a:fontRef>
+          </p:style>
+          <p:txBody>
+            <a:bodyPr lIns="90000" tIns="72000" rIns="90000" bIns="72000" rtlCol="0" anchor="ctr"/>
+            <a:lstStyle/>
+            <a:p>
+              <a:pPr algn="ctr" defTabSz="914400" fontAlgn="base">
+                <a:spcBef>
+                  <a:spcPct val="50000"/>
+                </a:spcBef>
+                <a:spcAft>
+                  <a:spcPct val="0"/>
+                </a:spcAft>
+                <a:buClr>
+                  <a:srgbClr val="F0AB00"/>
+                </a:buClr>
+                <a:buSzPct val="80000"/>
+              </a:pPr>
+              <a:r>
+                <a:rPr lang="de-DE" sz="1800" kern="0" dirty="0" err="1">
+                  <a:ea typeface="Arial Unicode MS" pitchFamily="34" charset="-128"/>
+                  <a:cs typeface="Arial Unicode MS" pitchFamily="34" charset="-128"/>
+                </a:rPr>
+                <a:t>nginx</a:t>
+              </a:r>
+              <a:endParaRPr lang="de-DE" sz="1800" kern="0" dirty="0">
+                <a:ea typeface="Arial Unicode MS" pitchFamily="34" charset="-128"/>
+                <a:cs typeface="Arial Unicode MS" pitchFamily="34" charset="-128"/>
+              </a:endParaRPr>
+            </a:p>
+          </p:txBody>
+        </p:sp>
+      </p:grpSp>
+      <p:grpSp>
+        <p:nvGrpSpPr>
+          <p:cNvPr id="15" name="Group 14"/>
+          <p:cNvGrpSpPr/>
+          <p:nvPr/>
+        </p:nvGrpSpPr>
+        <p:grpSpPr>
+          <a:xfrm>
+            <a:off x="3482340" y="5176656"/>
+            <a:ext cx="4572000" cy="1363980"/>
+            <a:chOff x="3421380" y="5067300"/>
+            <a:chExt cx="4572000" cy="1363980"/>
+          </a:xfrm>
+        </p:grpSpPr>
+        <p:sp>
+          <p:nvSpPr>
+            <p:cNvPr id="14" name="Rectangle: Rounded Corners 13"/>
+            <p:cNvSpPr/>
+            <p:nvPr/>
+          </p:nvSpPr>
+          <p:spPr bwMode="gray">
+            <a:xfrm>
+              <a:off x="3421380" y="5067300"/>
+              <a:ext cx="4572000" cy="1363980"/>
+            </a:xfrm>
+            <a:prstGeom prst="roundRect">
+              <a:avLst/>
+            </a:prstGeom>
+            <a:ln>
+              <a:headEnd/>
+              <a:tailEnd/>
+            </a:ln>
+          </p:spPr>
+          <p:style>
+            <a:lnRef idx="2">
+              <a:schemeClr val="accent1"/>
+            </a:lnRef>
+            <a:fillRef idx="1">
+              <a:schemeClr val="lt1"/>
+            </a:fillRef>
+            <a:effectRef idx="0">
+              <a:schemeClr val="accent1"/>
+            </a:effectRef>
+            <a:fontRef idx="minor">
+              <a:schemeClr val="dk1"/>
+            </a:fontRef>
+          </p:style>
+          <p:txBody>
+            <a:bodyPr lIns="90000" tIns="72000" rIns="90000" bIns="72000" rtlCol="0" anchor="ctr"/>
+            <a:lstStyle/>
+            <a:p>
+              <a:pPr marR="0" algn="ctr" defTabSz="914400" eaLnBrk="1" fontAlgn="base" latinLnBrk="0" hangingPunct="1">
+                <a:lnSpc>
+                  <a:spcPct val="100000"/>
+                </a:lnSpc>
+                <a:spcBef>
+                  <a:spcPct val="50000"/>
+                </a:spcBef>
+                <a:spcAft>
+                  <a:spcPct val="0"/>
+                </a:spcAft>
+                <a:buClr>
+                  <a:srgbClr val="F0AB00"/>
+                </a:buClr>
+                <a:buSzPct val="80000"/>
+                <a:tabLst/>
+              </a:pPr>
+              <a:endParaRPr kumimoji="0" lang="en-US" sz="1800" b="0" i="0" u="none" strike="noStrike" kern="0" cap="none" spc="0" normalizeH="0" baseline="0" noProof="0" dirty="0" err="1">
+                <a:ln>
+                  <a:noFill/>
+                </a:ln>
+                <a:effectLst/>
+                <a:uLnTx/>
+                <a:uFillTx/>
+                <a:ea typeface="Arial Unicode MS" pitchFamily="34" charset="-128"/>
+                <a:cs typeface="Arial Unicode MS" pitchFamily="34" charset="-128"/>
+              </a:endParaRPr>
+            </a:p>
+          </p:txBody>
+        </p:sp>
+        <p:sp>
+          <p:nvSpPr>
+            <p:cNvPr id="8" name="Cylinder 7"/>
+            <p:cNvSpPr/>
+            <p:nvPr/>
+          </p:nvSpPr>
+          <p:spPr bwMode="gray">
+            <a:xfrm>
+              <a:off x="3946888" y="5248563"/>
+              <a:ext cx="998220" cy="1004248"/>
+            </a:xfrm>
+            <a:prstGeom prst="can">
+              <a:avLst/>
+            </a:prstGeom>
+            <a:ln>
+              <a:headEnd/>
+              <a:tailEnd/>
+            </a:ln>
+          </p:spPr>
+          <p:style>
+            <a:lnRef idx="2">
+              <a:schemeClr val="accent2"/>
+            </a:lnRef>
+            <a:fillRef idx="1">
+              <a:schemeClr val="lt1"/>
+            </a:fillRef>
+            <a:effectRef idx="0">
+              <a:schemeClr val="accent2"/>
+            </a:effectRef>
+            <a:fontRef idx="minor">
+              <a:schemeClr val="dk1"/>
+            </a:fontRef>
+          </p:style>
+          <p:txBody>
+            <a:bodyPr lIns="90000" tIns="72000" rIns="90000" bIns="72000" rtlCol="0" anchor="ctr"/>
+            <a:lstStyle/>
+            <a:p>
+              <a:pPr marR="0" algn="ctr" defTabSz="914400" eaLnBrk="1" fontAlgn="base" latinLnBrk="0" hangingPunct="1">
+                <a:lnSpc>
+                  <a:spcPct val="100000"/>
+                </a:lnSpc>
+                <a:spcBef>
+                  <a:spcPct val="50000"/>
+                </a:spcBef>
+                <a:spcAft>
+                  <a:spcPct val="0"/>
+                </a:spcAft>
+                <a:buClr>
+                  <a:srgbClr val="F0AB00"/>
+                </a:buClr>
+                <a:buSzPct val="80000"/>
+                <a:tabLst/>
+              </a:pPr>
+              <a:r>
+                <a:rPr kumimoji="0" lang="de-DE" sz="1800" b="0" i="0" u="none" strike="noStrike" kern="0" cap="none" spc="0" normalizeH="0" baseline="0" noProof="0" dirty="0" err="1">
+                  <a:ln>
+                    <a:noFill/>
+                  </a:ln>
+                  <a:effectLst/>
+                  <a:uLnTx/>
+                  <a:uFillTx/>
+                  <a:ea typeface="Arial Unicode MS" pitchFamily="34" charset="-128"/>
+                  <a:cs typeface="Arial Unicode MS" pitchFamily="34" charset="-128"/>
+                </a:rPr>
+                <a:t>content</a:t>
+              </a:r>
+              <a:endParaRPr kumimoji="0" lang="de-DE" sz="1800" b="0" i="0" u="none" strike="noStrike" kern="0" cap="none" spc="0" normalizeH="0" baseline="0" noProof="0" dirty="0">
+                <a:ln>
+                  <a:noFill/>
+                </a:ln>
+                <a:effectLst/>
+                <a:uLnTx/>
+                <a:uFillTx/>
+                <a:ea typeface="Arial Unicode MS" pitchFamily="34" charset="-128"/>
+                <a:cs typeface="Arial Unicode MS" pitchFamily="34" charset="-128"/>
+              </a:endParaRPr>
+            </a:p>
+          </p:txBody>
+        </p:sp>
+        <p:sp>
+          <p:nvSpPr>
+            <p:cNvPr id="9" name="Cylinder 8"/>
+            <p:cNvSpPr/>
+            <p:nvPr/>
+          </p:nvSpPr>
+          <p:spPr bwMode="gray">
+            <a:xfrm>
+              <a:off x="5214379" y="5248563"/>
+              <a:ext cx="998220" cy="1004248"/>
+            </a:xfrm>
+            <a:prstGeom prst="can">
+              <a:avLst/>
+            </a:prstGeom>
+            <a:ln>
+              <a:headEnd/>
+              <a:tailEnd/>
+            </a:ln>
+          </p:spPr>
+          <p:style>
+            <a:lnRef idx="2">
+              <a:schemeClr val="accent2"/>
+            </a:lnRef>
+            <a:fillRef idx="1">
+              <a:schemeClr val="lt1"/>
+            </a:fillRef>
+            <a:effectRef idx="0">
+              <a:schemeClr val="accent2"/>
+            </a:effectRef>
+            <a:fontRef idx="minor">
+              <a:schemeClr val="dk1"/>
+            </a:fontRef>
+          </p:style>
+          <p:txBody>
+            <a:bodyPr lIns="90000" tIns="72000" rIns="90000" bIns="72000" rtlCol="0" anchor="ctr"/>
+            <a:lstStyle/>
+            <a:p>
+              <a:pPr marR="0" algn="ctr" defTabSz="914400" eaLnBrk="1" fontAlgn="base" latinLnBrk="0" hangingPunct="1">
+                <a:lnSpc>
+                  <a:spcPct val="100000"/>
+                </a:lnSpc>
+                <a:spcBef>
+                  <a:spcPct val="50000"/>
+                </a:spcBef>
+                <a:spcAft>
+                  <a:spcPct val="0"/>
+                </a:spcAft>
+                <a:buClr>
+                  <a:srgbClr val="F0AB00"/>
+                </a:buClr>
+                <a:buSzPct val="80000"/>
+                <a:tabLst/>
+              </a:pPr>
+              <a:r>
+                <a:rPr kumimoji="0" lang="de-DE" sz="1800" b="0" i="0" u="none" strike="noStrike" kern="0" cap="none" spc="0" normalizeH="0" baseline="0" noProof="0" dirty="0" err="1">
+                  <a:ln>
+                    <a:noFill/>
+                  </a:ln>
+                  <a:effectLst/>
+                  <a:uLnTx/>
+                  <a:uFillTx/>
+                  <a:ea typeface="Arial Unicode MS" pitchFamily="34" charset="-128"/>
+                  <a:cs typeface="Arial Unicode MS" pitchFamily="34" charset="-128"/>
+                </a:rPr>
+                <a:t>config</a:t>
+              </a:r>
+              <a:endParaRPr kumimoji="0" lang="de-DE" sz="1800" b="0" i="0" u="none" strike="noStrike" kern="0" cap="none" spc="0" normalizeH="0" baseline="0" noProof="0" dirty="0">
+                <a:ln>
+                  <a:noFill/>
+                </a:ln>
+                <a:effectLst/>
+                <a:uLnTx/>
+                <a:uFillTx/>
+                <a:ea typeface="Arial Unicode MS" pitchFamily="34" charset="-128"/>
+                <a:cs typeface="Arial Unicode MS" pitchFamily="34" charset="-128"/>
+              </a:endParaRPr>
+            </a:p>
+          </p:txBody>
+        </p:sp>
+        <p:sp>
+          <p:nvSpPr>
+            <p:cNvPr id="10" name="Cylinder 9"/>
+            <p:cNvSpPr/>
+            <p:nvPr/>
+          </p:nvSpPr>
+          <p:spPr bwMode="gray">
+            <a:xfrm>
+              <a:off x="6481870" y="5248563"/>
+              <a:ext cx="998220" cy="1004248"/>
+            </a:xfrm>
+            <a:prstGeom prst="can">
+              <a:avLst/>
+            </a:prstGeom>
+            <a:ln>
+              <a:headEnd/>
+              <a:tailEnd/>
+            </a:ln>
+          </p:spPr>
+          <p:style>
+            <a:lnRef idx="2">
+              <a:schemeClr val="accent2"/>
+            </a:lnRef>
+            <a:fillRef idx="1">
+              <a:schemeClr val="lt1"/>
+            </a:fillRef>
+            <a:effectRef idx="0">
+              <a:schemeClr val="accent2"/>
+            </a:effectRef>
+            <a:fontRef idx="minor">
+              <a:schemeClr val="dk1"/>
+            </a:fontRef>
+          </p:style>
+          <p:txBody>
+            <a:bodyPr lIns="90000" tIns="72000" rIns="90000" bIns="72000" rtlCol="0" anchor="ctr"/>
+            <a:lstStyle/>
+            <a:p>
+              <a:pPr marR="0" algn="ctr" defTabSz="914400" eaLnBrk="1" fontAlgn="base" latinLnBrk="0" hangingPunct="1">
+                <a:lnSpc>
+                  <a:spcPct val="100000"/>
+                </a:lnSpc>
+                <a:spcBef>
+                  <a:spcPct val="50000"/>
+                </a:spcBef>
+                <a:spcAft>
+                  <a:spcPct val="0"/>
+                </a:spcAft>
+                <a:buClr>
+                  <a:srgbClr val="F0AB00"/>
+                </a:buClr>
+                <a:buSzPct val="80000"/>
+                <a:tabLst/>
+              </a:pPr>
+              <a:r>
+                <a:rPr lang="de-DE" sz="1800" kern="0" dirty="0" err="1">
+                  <a:ea typeface="Arial Unicode MS" pitchFamily="34" charset="-128"/>
+                  <a:cs typeface="Arial Unicode MS" pitchFamily="34" charset="-128"/>
+                </a:rPr>
+                <a:t>tls</a:t>
+              </a:r>
+              <a:r>
+                <a:rPr lang="de-DE" sz="1800" kern="0" dirty="0">
+                  <a:ea typeface="Arial Unicode MS" pitchFamily="34" charset="-128"/>
+                  <a:cs typeface="Arial Unicode MS" pitchFamily="34" charset="-128"/>
+                </a:rPr>
+                <a:t> </a:t>
+              </a:r>
+              <a:r>
+                <a:rPr lang="de-DE" sz="1800" kern="0" dirty="0" err="1">
+                  <a:ea typeface="Arial Unicode MS" pitchFamily="34" charset="-128"/>
+                  <a:cs typeface="Arial Unicode MS" pitchFamily="34" charset="-128"/>
+                </a:rPr>
+                <a:t>certs</a:t>
+              </a:r>
+              <a:endParaRPr kumimoji="0" lang="de-DE" sz="1800" b="0" i="0" u="none" strike="noStrike" kern="0" cap="none" spc="0" normalizeH="0" baseline="0" noProof="0" dirty="0">
+                <a:ln>
+                  <a:noFill/>
+                </a:ln>
+                <a:effectLst/>
+                <a:uLnTx/>
+                <a:uFillTx/>
+                <a:ea typeface="Arial Unicode MS" pitchFamily="34" charset="-128"/>
+                <a:cs typeface="Arial Unicode MS" pitchFamily="34" charset="-128"/>
+              </a:endParaRPr>
+            </a:p>
+          </p:txBody>
+        </p:sp>
+      </p:grpSp>
+      <p:sp>
+        <p:nvSpPr>
+          <p:cNvPr id="16" name="Arrow: Up-Down 15"/>
+          <p:cNvSpPr/>
+          <p:nvPr/>
+        </p:nvSpPr>
+        <p:spPr bwMode="gray">
+          <a:xfrm>
+            <a:off x="5657231" y="4400550"/>
+            <a:ext cx="222219" cy="845820"/>
+          </a:xfrm>
+          <a:prstGeom prst="upDownArrow">
+            <a:avLst/>
+          </a:prstGeom>
+          <a:solidFill>
+            <a:schemeClr val="accent1"/>
+          </a:solidFill>
+          <a:ln w="6350" algn="ctr">
+            <a:noFill/>
+            <a:miter lim="800000"/>
+            <a:headEnd/>
+            <a:tailEnd/>
+          </a:ln>
+        </p:spPr>
+        <p:txBody>
+          <a:bodyPr lIns="90000" tIns="72000" rIns="90000" bIns="72000" rtlCol="0" anchor="ctr"/>
+          <a:lstStyle/>
+          <a:p>
+            <a:pPr marR="0" algn="ctr" defTabSz="914400" eaLnBrk="1" fontAlgn="base" latinLnBrk="0" hangingPunct="1">
+              <a:lnSpc>
+                <a:spcPct val="100000"/>
+              </a:lnSpc>
+              <a:spcBef>
+                <a:spcPct val="50000"/>
+              </a:spcBef>
+              <a:spcAft>
+                <a:spcPct val="0"/>
+              </a:spcAft>
+              <a:buClr>
+                <a:srgbClr val="F0AB00"/>
+              </a:buClr>
+              <a:buSzPct val="80000"/>
+              <a:tabLst/>
+            </a:pPr>
+            <a:endParaRPr kumimoji="0" lang="en-US" sz="1800" b="0" i="0" u="none" strike="noStrike" kern="0" cap="none" spc="0" normalizeH="0" baseline="0" noProof="0" dirty="0" err="1">
+              <a:ln>
+                <a:noFill/>
+              </a:ln>
+              <a:effectLst/>
+              <a:uLnTx/>
+              <a:uFillTx/>
+              <a:ea typeface="Arial Unicode MS" pitchFamily="34" charset="-128"/>
+              <a:cs typeface="Arial Unicode MS" pitchFamily="34" charset="-128"/>
+            </a:endParaRPr>
+          </a:p>
+        </p:txBody>
+      </p:sp>
+      <p:sp>
+        <p:nvSpPr>
+          <p:cNvPr id="17" name="Cloud 16"/>
+          <p:cNvSpPr/>
+          <p:nvPr/>
+        </p:nvSpPr>
+        <p:spPr bwMode="gray">
+          <a:xfrm>
+            <a:off x="4077319" y="1126276"/>
+            <a:ext cx="3382042" cy="914400"/>
+          </a:xfrm>
+          <a:prstGeom prst="cloud">
+            <a:avLst/>
+          </a:prstGeom>
+          <a:solidFill>
+            <a:schemeClr val="accent1"/>
+          </a:solidFill>
+          <a:ln w="6350" algn="ctr">
+            <a:noFill/>
+            <a:miter lim="800000"/>
+            <a:headEnd/>
+            <a:tailEnd/>
+          </a:ln>
+        </p:spPr>
+        <p:txBody>
+          <a:bodyPr lIns="90000" tIns="72000" rIns="90000" bIns="72000" rtlCol="0" anchor="ctr"/>
+          <a:lstStyle/>
+          <a:p>
+            <a:pPr marR="0" algn="ctr" defTabSz="914400" eaLnBrk="1" fontAlgn="base" latinLnBrk="0" hangingPunct="1">
+              <a:lnSpc>
+                <a:spcPct val="100000"/>
+              </a:lnSpc>
+              <a:spcBef>
+                <a:spcPct val="50000"/>
+              </a:spcBef>
+              <a:spcAft>
+                <a:spcPct val="0"/>
+              </a:spcAft>
+              <a:buClr>
+                <a:srgbClr val="F0AB00"/>
+              </a:buClr>
+              <a:buSzPct val="80000"/>
+              <a:tabLst/>
+            </a:pPr>
+            <a:endParaRPr kumimoji="0" lang="en-US" sz="1800" b="0" i="0" u="none" strike="noStrike" kern="0" cap="none" spc="0" normalizeH="0" baseline="0" noProof="0" dirty="0" err="1">
+              <a:ln>
+                <a:noFill/>
+              </a:ln>
+              <a:effectLst/>
+              <a:uLnTx/>
+              <a:uFillTx/>
+              <a:ea typeface="Arial Unicode MS" pitchFamily="34" charset="-128"/>
+              <a:cs typeface="Arial Unicode MS" pitchFamily="34" charset="-128"/>
+            </a:endParaRPr>
+          </a:p>
+        </p:txBody>
+      </p:sp>
+      <p:sp>
+        <p:nvSpPr>
+          <p:cNvPr id="18" name="Arrow: Up-Down 17"/>
+          <p:cNvSpPr/>
+          <p:nvPr/>
+        </p:nvSpPr>
+        <p:spPr bwMode="gray">
+          <a:xfrm>
+            <a:off x="5657231" y="2071898"/>
+            <a:ext cx="222219" cy="845820"/>
+          </a:xfrm>
+          <a:prstGeom prst="upDownArrow">
+            <a:avLst/>
+          </a:prstGeom>
+          <a:solidFill>
+            <a:schemeClr val="accent1"/>
+          </a:solidFill>
+          <a:ln w="6350" algn="ctr">
+            <a:noFill/>
+            <a:miter lim="800000"/>
+            <a:headEnd/>
+            <a:tailEnd/>
+          </a:ln>
+        </p:spPr>
+        <p:txBody>
+          <a:bodyPr lIns="90000" tIns="72000" rIns="90000" bIns="72000" rtlCol="0" anchor="ctr"/>
+          <a:lstStyle/>
+          <a:p>
+            <a:pPr marR="0" algn="ctr" defTabSz="914400" eaLnBrk="1" fontAlgn="base" latinLnBrk="0" hangingPunct="1">
+              <a:lnSpc>
+                <a:spcPct val="100000"/>
+              </a:lnSpc>
+              <a:spcBef>
+                <a:spcPct val="50000"/>
+              </a:spcBef>
+              <a:spcAft>
+                <a:spcPct val="0"/>
+              </a:spcAft>
+              <a:buClr>
+                <a:srgbClr val="F0AB00"/>
+              </a:buClr>
+              <a:buSzPct val="80000"/>
+              <a:tabLst/>
+            </a:pPr>
+            <a:endParaRPr kumimoji="0" lang="en-US" sz="1800" b="0" i="0" u="none" strike="noStrike" kern="0" cap="none" spc="0" normalizeH="0" baseline="0" noProof="0" dirty="0" err="1">
+              <a:ln>
+                <a:noFill/>
+              </a:ln>
+              <a:effectLst/>
+              <a:uLnTx/>
+              <a:uFillTx/>
+              <a:ea typeface="Arial Unicode MS" pitchFamily="34" charset="-128"/>
+              <a:cs typeface="Arial Unicode MS" pitchFamily="34" charset="-128"/>
+            </a:endParaRPr>
+          </a:p>
+        </p:txBody>
+      </p:sp>
+    </p:spTree>
+    <p:extLst>
+      <p:ext uri="{BB962C8B-B14F-4D97-AF65-F5344CB8AC3E}">
+        <p14:creationId xmlns:p14="http://schemas.microsoft.com/office/powerpoint/2010/main" val="4085581448"/>
       </p:ext>
     </p:extLst>
   </p:cSld>

--- a/kubernetes/03_labels_and_deployments.pptx
+++ b/kubernetes/03_labels_and_deployments.pptx
@@ -196,6 +196,10 @@
 </p:presentation>
 </file>
 
+<file path=ppt/revisionInfo.xml><?xml version="1.0" encoding="utf-8"?>
+<p1510:revInfo xmlns:a="http://schemas.openxmlformats.org/drawingml/2006/main" xmlns:r="http://schemas.openxmlformats.org/officeDocument/2006/relationships" xmlns:p1510="http://schemas.microsoft.com/office/powerpoint/2015/10/main"/>
+</file>
+
 <file path=ppt/handoutMasters/handoutMaster1.xml><?xml version="1.0" encoding="utf-8"?>
 <p:handoutMaster xmlns:a="http://schemas.openxmlformats.org/drawingml/2006/main" xmlns:r="http://schemas.openxmlformats.org/officeDocument/2006/relationships" xmlns:p="http://schemas.openxmlformats.org/presentationml/2006/main">
   <p:cSld>
@@ -570,51 +574,57 @@
           <a:p>
             <a:r>
               <a:rPr lang="en-US" dirty="0"/>
-              <a:t>How labels &amp; selectors work here:</a:t>
-            </a:r>
-          </a:p>
-          <a:p>
-            <a:pPr marL="285750" indent="-285750">
-              <a:buFontTx/>
-              <a:buChar char="-"/>
-            </a:pPr>
-            <a:r>
-              <a:rPr lang="en-US" dirty="0"/>
-              <a:t>Names of pods can change</a:t>
-            </a:r>
-          </a:p>
-          <a:p>
-            <a:pPr marL="285750" indent="-285750">
-              <a:buFontTx/>
-              <a:buChar char="-"/>
-            </a:pPr>
-            <a:r>
-              <a:rPr lang="en-US" dirty="0"/>
-              <a:t>Labels stay</a:t>
-            </a:r>
-            <a:r>
-              <a:rPr lang="en-US" baseline="0" dirty="0"/>
-              <a:t> the same</a:t>
-            </a:r>
-          </a:p>
-          <a:p>
-            <a:pPr marL="285750" indent="-285750">
-              <a:buFontTx/>
-              <a:buChar char="-"/>
-            </a:pPr>
-            <a:r>
-              <a:rPr lang="en-US" baseline="0" dirty="0"/>
-              <a:t>Only with labels pods related to </a:t>
-            </a:r>
-            <a:r>
-              <a:rPr lang="en-US" baseline="0" dirty="0" err="1"/>
-              <a:t>rs</a:t>
-            </a:r>
-            <a:r>
-              <a:rPr lang="en-US" baseline="0" dirty="0"/>
-              <a:t>/deployment can be determined reliably</a:t>
-            </a:r>
+              <a:t>Before actually talking about the deployment resource, we need to introduce one of the fundamental concepts of Kubernetes: labels &amp; selectors.</a:t>
+            </a:r>
+          </a:p>
+          <a:p>
             <a:endParaRPr lang="en-US" dirty="0"/>
+          </a:p>
+          <a:p>
+            <a:r>
+              <a:rPr lang="en-US" dirty="0"/>
+              <a:t>Basically, labels are (DNS compatible) free-text, </a:t>
+            </a:r>
+            <a:r>
+              <a:rPr lang="en-US" b="1" dirty="0"/>
+              <a:t>key-value pairs </a:t>
+            </a:r>
+            <a:r>
+              <a:rPr lang="en-US" dirty="0"/>
+              <a:t>and you can attach them to almost everything in Kubernetes. Labels are part of the metadata-section of a resource description and of course you can attach multiple labels to one resource.</a:t>
+            </a:r>
+          </a:p>
+          <a:p>
+            <a:endParaRPr lang="en-US" dirty="0"/>
+          </a:p>
+          <a:p>
+            <a:r>
+              <a:rPr lang="en-US" dirty="0"/>
+              <a:t>But what are labels good for, if there is no selection mechanism to evaluate them? Kubernetes label selectors are the answer to this questions.</a:t>
+            </a:r>
+          </a:p>
+          <a:p>
+            <a:endParaRPr lang="en-US" dirty="0"/>
+          </a:p>
+          <a:p>
+            <a:r>
+              <a:rPr lang="en-US" dirty="0"/>
+              <a:t>Selectors can be used in </a:t>
+            </a:r>
+            <a:r>
+              <a:rPr lang="en-US" dirty="0" err="1"/>
+              <a:t>kubectl</a:t>
+            </a:r>
+            <a:r>
+              <a:rPr lang="en-US" dirty="0"/>
+              <a:t> queries but also as part of resource definitions to define dependencies or even hierarchies of managed objects.</a:t>
+            </a:r>
+          </a:p>
+          <a:p>
+            <a:r>
+              <a:rPr lang="en-US" dirty="0"/>
+              <a:t>Mostly the selectors are part of the resource’s spec sections.</a:t>
+            </a:r>
           </a:p>
         </p:txBody>
       </p:sp>
@@ -636,6 +646,604 @@
             <a:fld id="{7D8C2C35-2B8A-446E-BEC0-FD36716C29AC}" type="slidenum">
               <a:rPr lang="de-DE" smtClean="0"/>
               <a:pPr/>
+              <a:t>2</a:t>
+            </a:fld>
+            <a:endParaRPr lang="de-DE" dirty="0"/>
+          </a:p>
+        </p:txBody>
+      </p:sp>
+    </p:spTree>
+    <p:extLst>
+      <p:ext uri="{BB962C8B-B14F-4D97-AF65-F5344CB8AC3E}">
+        <p14:creationId xmlns:p14="http://schemas.microsoft.com/office/powerpoint/2010/main" val="2759097903"/>
+      </p:ext>
+    </p:extLst>
+  </p:cSld>
+  <p:clrMapOvr>
+    <a:masterClrMapping/>
+  </p:clrMapOvr>
+</p:notes>
+</file>
+
+<file path=ppt/notesSlides/notesSlide2.xml><?xml version="1.0" encoding="utf-8"?>
+<p:notes xmlns:a="http://schemas.openxmlformats.org/drawingml/2006/main" xmlns:r="http://schemas.openxmlformats.org/officeDocument/2006/relationships" xmlns:p="http://schemas.openxmlformats.org/presentationml/2006/main">
+  <p:cSld>
+    <p:spTree>
+      <p:nvGrpSpPr>
+        <p:cNvPr id="1" name=""/>
+        <p:cNvGrpSpPr/>
+        <p:nvPr/>
+      </p:nvGrpSpPr>
+      <p:grpSpPr>
+        <a:xfrm>
+          <a:off x="0" y="0"/>
+          <a:ext cx="0" cy="0"/>
+          <a:chOff x="0" y="0"/>
+          <a:chExt cx="0" cy="0"/>
+        </a:xfrm>
+      </p:grpSpPr>
+      <p:sp>
+        <p:nvSpPr>
+          <p:cNvPr id="2" name="Slide Image Placeholder 1"/>
+          <p:cNvSpPr>
+            <a:spLocks noGrp="1" noRot="1" noChangeAspect="1"/>
+          </p:cNvSpPr>
+          <p:nvPr>
+            <p:ph type="sldImg"/>
+          </p:nvPr>
+        </p:nvSpPr>
+        <p:spPr/>
+      </p:sp>
+      <p:sp>
+        <p:nvSpPr>
+          <p:cNvPr id="3" name="Notes Placeholder 2"/>
+          <p:cNvSpPr>
+            <a:spLocks noGrp="1"/>
+          </p:cNvSpPr>
+          <p:nvPr>
+            <p:ph type="body" idx="1"/>
+          </p:nvPr>
+        </p:nvSpPr>
+        <p:spPr/>
+        <p:txBody>
+          <a:bodyPr/>
+          <a:lstStyle/>
+          <a:p>
+            <a:r>
+              <a:rPr lang="en-US" dirty="0"/>
+              <a:t>Labels are used to identify and bundle pods or nodes or any other resource, where it seem useful.</a:t>
+            </a:r>
+          </a:p>
+          <a:p>
+            <a:endParaRPr lang="en-US" dirty="0"/>
+          </a:p>
+          <a:p>
+            <a:r>
+              <a:rPr lang="en-US" dirty="0"/>
+              <a:t>Pod names are not reliable because they are usually generated. To identify a set of same pods, a label helps.</a:t>
+            </a:r>
+          </a:p>
+        </p:txBody>
+      </p:sp>
+      <p:sp>
+        <p:nvSpPr>
+          <p:cNvPr id="4" name="Slide Number Placeholder 3"/>
+          <p:cNvSpPr>
+            <a:spLocks noGrp="1"/>
+          </p:cNvSpPr>
+          <p:nvPr>
+            <p:ph type="sldNum" sz="quarter" idx="10"/>
+          </p:nvPr>
+        </p:nvSpPr>
+        <p:spPr/>
+        <p:txBody>
+          <a:bodyPr/>
+          <a:lstStyle/>
+          <a:p>
+            <a:fld id="{7D8C2C35-2B8A-446E-BEC0-FD36716C29AC}" type="slidenum">
+              <a:rPr lang="de-DE" smtClean="0"/>
+              <a:pPr/>
+              <a:t>3</a:t>
+            </a:fld>
+            <a:endParaRPr lang="de-DE" dirty="0"/>
+          </a:p>
+        </p:txBody>
+      </p:sp>
+    </p:spTree>
+    <p:extLst>
+      <p:ext uri="{BB962C8B-B14F-4D97-AF65-F5344CB8AC3E}">
+        <p14:creationId xmlns:p14="http://schemas.microsoft.com/office/powerpoint/2010/main" val="3055188332"/>
+      </p:ext>
+    </p:extLst>
+  </p:cSld>
+  <p:clrMapOvr>
+    <a:masterClrMapping/>
+  </p:clrMapOvr>
+</p:notes>
+</file>
+
+<file path=ppt/notesSlides/notesSlide3.xml><?xml version="1.0" encoding="utf-8"?>
+<p:notes xmlns:a="http://schemas.openxmlformats.org/drawingml/2006/main" xmlns:r="http://schemas.openxmlformats.org/officeDocument/2006/relationships" xmlns:p="http://schemas.openxmlformats.org/presentationml/2006/main">
+  <p:cSld>
+    <p:spTree>
+      <p:nvGrpSpPr>
+        <p:cNvPr id="1" name=""/>
+        <p:cNvGrpSpPr/>
+        <p:nvPr/>
+      </p:nvGrpSpPr>
+      <p:grpSpPr>
+        <a:xfrm>
+          <a:off x="0" y="0"/>
+          <a:ext cx="0" cy="0"/>
+          <a:chOff x="0" y="0"/>
+          <a:chExt cx="0" cy="0"/>
+        </a:xfrm>
+      </p:grpSpPr>
+      <p:sp>
+        <p:nvSpPr>
+          <p:cNvPr id="2" name="Slide Image Placeholder 1"/>
+          <p:cNvSpPr>
+            <a:spLocks noGrp="1" noRot="1" noChangeAspect="1"/>
+          </p:cNvSpPr>
+          <p:nvPr>
+            <p:ph type="sldImg"/>
+          </p:nvPr>
+        </p:nvSpPr>
+        <p:spPr/>
+      </p:sp>
+      <p:sp>
+        <p:nvSpPr>
+          <p:cNvPr id="3" name="Notes Placeholder 2"/>
+          <p:cNvSpPr>
+            <a:spLocks noGrp="1"/>
+          </p:cNvSpPr>
+          <p:nvPr>
+            <p:ph type="body" idx="1"/>
+          </p:nvPr>
+        </p:nvSpPr>
+        <p:spPr/>
+        <p:txBody>
+          <a:bodyPr/>
+          <a:lstStyle/>
+          <a:p>
+            <a:r>
+              <a:rPr lang="en-US" dirty="0"/>
+              <a:t>As already said, labels are part of the metadata section and selectors usually occur in the spec sections.</a:t>
+            </a:r>
+          </a:p>
+          <a:p>
+            <a:endParaRPr lang="en-US" dirty="0"/>
+          </a:p>
+          <a:p>
+            <a:r>
+              <a:rPr lang="en-US" dirty="0"/>
+              <a:t>Additionally manual labeling is possible via </a:t>
+            </a:r>
+            <a:r>
+              <a:rPr lang="en-US" dirty="0" err="1"/>
+              <a:t>kubectl</a:t>
+            </a:r>
+            <a:r>
+              <a:rPr lang="en-US" dirty="0"/>
+              <a:t> and label selectors can be added to </a:t>
+            </a:r>
+            <a:r>
+              <a:rPr lang="en-US" dirty="0" err="1"/>
+              <a:t>kubectl</a:t>
+            </a:r>
+            <a:r>
+              <a:rPr lang="en-US" dirty="0"/>
+              <a:t> queries.</a:t>
+            </a:r>
+          </a:p>
+        </p:txBody>
+      </p:sp>
+      <p:sp>
+        <p:nvSpPr>
+          <p:cNvPr id="4" name="Slide Number Placeholder 3"/>
+          <p:cNvSpPr>
+            <a:spLocks noGrp="1"/>
+          </p:cNvSpPr>
+          <p:nvPr>
+            <p:ph type="sldNum" sz="quarter" idx="10"/>
+          </p:nvPr>
+        </p:nvSpPr>
+        <p:spPr/>
+        <p:txBody>
+          <a:bodyPr/>
+          <a:lstStyle/>
+          <a:p>
+            <a:fld id="{7D8C2C35-2B8A-446E-BEC0-FD36716C29AC}" type="slidenum">
+              <a:rPr lang="de-DE" smtClean="0"/>
+              <a:pPr/>
+              <a:t>4</a:t>
+            </a:fld>
+            <a:endParaRPr lang="de-DE" dirty="0"/>
+          </a:p>
+        </p:txBody>
+      </p:sp>
+    </p:spTree>
+    <p:extLst>
+      <p:ext uri="{BB962C8B-B14F-4D97-AF65-F5344CB8AC3E}">
+        <p14:creationId xmlns:p14="http://schemas.microsoft.com/office/powerpoint/2010/main" val="2266578312"/>
+      </p:ext>
+    </p:extLst>
+  </p:cSld>
+  <p:clrMapOvr>
+    <a:masterClrMapping/>
+  </p:clrMapOvr>
+</p:notes>
+</file>
+
+<file path=ppt/notesSlides/notesSlide4.xml><?xml version="1.0" encoding="utf-8"?>
+<p:notes xmlns:a="http://schemas.openxmlformats.org/drawingml/2006/main" xmlns:r="http://schemas.openxmlformats.org/officeDocument/2006/relationships" xmlns:p="http://schemas.openxmlformats.org/presentationml/2006/main">
+  <p:cSld>
+    <p:spTree>
+      <p:nvGrpSpPr>
+        <p:cNvPr id="1" name=""/>
+        <p:cNvGrpSpPr/>
+        <p:nvPr/>
+      </p:nvGrpSpPr>
+      <p:grpSpPr>
+        <a:xfrm>
+          <a:off x="0" y="0"/>
+          <a:ext cx="0" cy="0"/>
+          <a:chOff x="0" y="0"/>
+          <a:chExt cx="0" cy="0"/>
+        </a:xfrm>
+      </p:grpSpPr>
+      <p:sp>
+        <p:nvSpPr>
+          <p:cNvPr id="2" name="Slide Image Placeholder 1"/>
+          <p:cNvSpPr>
+            <a:spLocks noGrp="1" noRot="1" noChangeAspect="1"/>
+          </p:cNvSpPr>
+          <p:nvPr>
+            <p:ph type="sldImg"/>
+          </p:nvPr>
+        </p:nvSpPr>
+        <p:spPr/>
+      </p:sp>
+      <p:sp>
+        <p:nvSpPr>
+          <p:cNvPr id="3" name="Notes Placeholder 2"/>
+          <p:cNvSpPr>
+            <a:spLocks noGrp="1"/>
+          </p:cNvSpPr>
+          <p:nvPr>
+            <p:ph type="body" idx="1"/>
+          </p:nvPr>
+        </p:nvSpPr>
+        <p:spPr/>
+        <p:txBody>
+          <a:bodyPr/>
+          <a:lstStyle/>
+          <a:p>
+            <a:endParaRPr lang="en-US"/>
+          </a:p>
+        </p:txBody>
+      </p:sp>
+      <p:sp>
+        <p:nvSpPr>
+          <p:cNvPr id="4" name="Slide Number Placeholder 3"/>
+          <p:cNvSpPr>
+            <a:spLocks noGrp="1"/>
+          </p:cNvSpPr>
+          <p:nvPr>
+            <p:ph type="sldNum" sz="quarter" idx="10"/>
+          </p:nvPr>
+        </p:nvSpPr>
+        <p:spPr/>
+        <p:txBody>
+          <a:bodyPr/>
+          <a:lstStyle/>
+          <a:p>
+            <a:fld id="{7D8C2C35-2B8A-446E-BEC0-FD36716C29AC}" type="slidenum">
+              <a:rPr lang="de-DE" smtClean="0"/>
+              <a:pPr/>
+              <a:t>5</a:t>
+            </a:fld>
+            <a:endParaRPr lang="de-DE" dirty="0"/>
+          </a:p>
+        </p:txBody>
+      </p:sp>
+    </p:spTree>
+    <p:extLst>
+      <p:ext uri="{BB962C8B-B14F-4D97-AF65-F5344CB8AC3E}">
+        <p14:creationId xmlns:p14="http://schemas.microsoft.com/office/powerpoint/2010/main" val="679551827"/>
+      </p:ext>
+    </p:extLst>
+  </p:cSld>
+  <p:clrMapOvr>
+    <a:masterClrMapping/>
+  </p:clrMapOvr>
+</p:notes>
+</file>
+
+<file path=ppt/notesSlides/notesSlide5.xml><?xml version="1.0" encoding="utf-8"?>
+<p:notes xmlns:a="http://schemas.openxmlformats.org/drawingml/2006/main" xmlns:r="http://schemas.openxmlformats.org/officeDocument/2006/relationships" xmlns:p="http://schemas.openxmlformats.org/presentationml/2006/main">
+  <p:cSld>
+    <p:spTree>
+      <p:nvGrpSpPr>
+        <p:cNvPr id="1" name=""/>
+        <p:cNvGrpSpPr/>
+        <p:nvPr/>
+      </p:nvGrpSpPr>
+      <p:grpSpPr>
+        <a:xfrm>
+          <a:off x="0" y="0"/>
+          <a:ext cx="0" cy="0"/>
+          <a:chOff x="0" y="0"/>
+          <a:chExt cx="0" cy="0"/>
+        </a:xfrm>
+      </p:grpSpPr>
+      <p:sp>
+        <p:nvSpPr>
+          <p:cNvPr id="2" name="Slide Image Placeholder 1"/>
+          <p:cNvSpPr>
+            <a:spLocks noGrp="1" noRot="1" noChangeAspect="1"/>
+          </p:cNvSpPr>
+          <p:nvPr>
+            <p:ph type="sldImg"/>
+          </p:nvPr>
+        </p:nvSpPr>
+        <p:spPr/>
+      </p:sp>
+      <p:sp>
+        <p:nvSpPr>
+          <p:cNvPr id="3" name="Notes Placeholder 2"/>
+          <p:cNvSpPr>
+            <a:spLocks noGrp="1"/>
+          </p:cNvSpPr>
+          <p:nvPr>
+            <p:ph type="body" idx="1"/>
+          </p:nvPr>
+        </p:nvSpPr>
+        <p:spPr/>
+        <p:txBody>
+          <a:bodyPr/>
+          <a:lstStyle/>
+          <a:p>
+            <a:endParaRPr lang="en-US"/>
+          </a:p>
+        </p:txBody>
+      </p:sp>
+      <p:sp>
+        <p:nvSpPr>
+          <p:cNvPr id="4" name="Slide Number Placeholder 3"/>
+          <p:cNvSpPr>
+            <a:spLocks noGrp="1"/>
+          </p:cNvSpPr>
+          <p:nvPr>
+            <p:ph type="sldNum" sz="quarter" idx="10"/>
+          </p:nvPr>
+        </p:nvSpPr>
+        <p:spPr/>
+        <p:txBody>
+          <a:bodyPr/>
+          <a:lstStyle/>
+          <a:p>
+            <a:fld id="{7D8C2C35-2B8A-446E-BEC0-FD36716C29AC}" type="slidenum">
+              <a:rPr lang="de-DE" smtClean="0"/>
+              <a:pPr/>
+              <a:t>6</a:t>
+            </a:fld>
+            <a:endParaRPr lang="de-DE" dirty="0"/>
+          </a:p>
+        </p:txBody>
+      </p:sp>
+    </p:spTree>
+    <p:extLst>
+      <p:ext uri="{BB962C8B-B14F-4D97-AF65-F5344CB8AC3E}">
+        <p14:creationId xmlns:p14="http://schemas.microsoft.com/office/powerpoint/2010/main" val="220259158"/>
+      </p:ext>
+    </p:extLst>
+  </p:cSld>
+  <p:clrMapOvr>
+    <a:masterClrMapping/>
+  </p:clrMapOvr>
+</p:notes>
+</file>
+
+<file path=ppt/notesSlides/notesSlide6.xml><?xml version="1.0" encoding="utf-8"?>
+<p:notes xmlns:a="http://schemas.openxmlformats.org/drawingml/2006/main" xmlns:r="http://schemas.openxmlformats.org/officeDocument/2006/relationships" xmlns:p="http://schemas.openxmlformats.org/presentationml/2006/main">
+  <p:cSld>
+    <p:spTree>
+      <p:nvGrpSpPr>
+        <p:cNvPr id="1" name=""/>
+        <p:cNvGrpSpPr/>
+        <p:nvPr/>
+      </p:nvGrpSpPr>
+      <p:grpSpPr>
+        <a:xfrm>
+          <a:off x="0" y="0"/>
+          <a:ext cx="0" cy="0"/>
+          <a:chOff x="0" y="0"/>
+          <a:chExt cx="0" cy="0"/>
+        </a:xfrm>
+      </p:grpSpPr>
+      <p:sp>
+        <p:nvSpPr>
+          <p:cNvPr id="2" name="Slide Image Placeholder 1"/>
+          <p:cNvSpPr>
+            <a:spLocks noGrp="1" noRot="1" noChangeAspect="1"/>
+          </p:cNvSpPr>
+          <p:nvPr>
+            <p:ph type="sldImg"/>
+          </p:nvPr>
+        </p:nvSpPr>
+        <p:spPr/>
+      </p:sp>
+      <p:sp>
+        <p:nvSpPr>
+          <p:cNvPr id="3" name="Notes Placeholder 2"/>
+          <p:cNvSpPr>
+            <a:spLocks noGrp="1"/>
+          </p:cNvSpPr>
+          <p:nvPr>
+            <p:ph type="body" idx="1"/>
+          </p:nvPr>
+        </p:nvSpPr>
+        <p:spPr/>
+        <p:txBody>
+          <a:bodyPr>
+            <a:normAutofit lnSpcReduction="10000"/>
+          </a:bodyPr>
+          <a:lstStyle/>
+          <a:p>
+            <a:r>
+              <a:rPr lang="en-US" dirty="0"/>
+              <a:t>How labels &amp; selectors work here:</a:t>
+            </a:r>
+          </a:p>
+          <a:p>
+            <a:pPr marL="285750" indent="-285750">
+              <a:buFontTx/>
+              <a:buChar char="-"/>
+            </a:pPr>
+            <a:r>
+              <a:rPr lang="en-US" dirty="0"/>
+              <a:t>Names of pods can change</a:t>
+            </a:r>
+          </a:p>
+          <a:p>
+            <a:pPr marL="285750" indent="-285750">
+              <a:buFontTx/>
+              <a:buChar char="-"/>
+            </a:pPr>
+            <a:r>
+              <a:rPr lang="en-US" dirty="0"/>
+              <a:t>Labels stay</a:t>
+            </a:r>
+            <a:r>
+              <a:rPr lang="en-US" baseline="0" dirty="0"/>
+              <a:t> the same</a:t>
+            </a:r>
+          </a:p>
+          <a:p>
+            <a:pPr marL="285750" indent="-285750">
+              <a:buFontTx/>
+              <a:buChar char="-"/>
+            </a:pPr>
+            <a:r>
+              <a:rPr lang="en-US" baseline="0" dirty="0"/>
+              <a:t>Only with labels pods related to </a:t>
+            </a:r>
+            <a:r>
+              <a:rPr lang="en-US" baseline="0" dirty="0" err="1"/>
+              <a:t>rs</a:t>
+            </a:r>
+            <a:r>
+              <a:rPr lang="en-US" baseline="0" dirty="0"/>
+              <a:t>/deployment can be determined reliably</a:t>
+            </a:r>
+          </a:p>
+          <a:p>
+            <a:pPr marL="285750" indent="-285750">
+              <a:buFontTx/>
+              <a:buChar char="-"/>
+            </a:pPr>
+            <a:endParaRPr lang="en-US" dirty="0"/>
+          </a:p>
+          <a:p>
+            <a:r>
+              <a:rPr lang="en-US" dirty="0"/>
+              <a:t>Why deployments?</a:t>
+            </a:r>
+          </a:p>
+          <a:p>
+            <a:r>
+              <a:rPr lang="en-US" dirty="0"/>
+              <a:t>You don’t want to know and manage individual pods. You would like to specify a template and instantiate it as often as you wish. Also you want to manage the group of pods e.g. in terms of docker image used.</a:t>
+            </a:r>
+          </a:p>
+          <a:p>
+            <a:endParaRPr lang="en-US" dirty="0"/>
+          </a:p>
+          <a:p>
+            <a:r>
+              <a:rPr lang="en-US" dirty="0"/>
+              <a:t>The deployment gives you these management capabilities. In it’s resource description (</a:t>
+            </a:r>
+            <a:r>
+              <a:rPr lang="en-US" dirty="0" err="1"/>
+              <a:t>yaml</a:t>
+            </a:r>
+            <a:r>
+              <a:rPr lang="en-US" dirty="0"/>
+              <a:t> file) you specify a pod template, how pods should be labeled and of course a corresponding selector to identify your pods.</a:t>
+            </a:r>
+          </a:p>
+          <a:p>
+            <a:r>
+              <a:rPr lang="en-US" dirty="0"/>
+              <a:t>On cluster level the deployment creates &amp; manages a replica set which then manages the pods. </a:t>
+            </a:r>
+          </a:p>
+          <a:p>
+            <a:r>
+              <a:rPr lang="en-US" dirty="0"/>
+              <a:t>If you update the number of replicas, this will be sent to the </a:t>
+            </a:r>
+            <a:r>
+              <a:rPr lang="en-US" dirty="0" err="1"/>
+              <a:t>replicaSet</a:t>
+            </a:r>
+            <a:r>
+              <a:rPr lang="en-US" dirty="0"/>
+              <a:t> and the desired state is enforced via the </a:t>
+            </a:r>
+            <a:r>
+              <a:rPr lang="en-US" dirty="0" err="1"/>
+              <a:t>replicaSet</a:t>
+            </a:r>
+            <a:r>
+              <a:rPr lang="en-US" dirty="0"/>
+              <a:t>. </a:t>
+            </a:r>
+          </a:p>
+          <a:p>
+            <a:r>
+              <a:rPr lang="en-US" dirty="0"/>
+              <a:t>Upon update of the image, a new </a:t>
+            </a:r>
+            <a:r>
+              <a:rPr lang="en-US" dirty="0" err="1"/>
+              <a:t>replicaSet</a:t>
+            </a:r>
+            <a:r>
+              <a:rPr lang="en-US" dirty="0"/>
+              <a:t> will be created and the old one will be set to replica=0. This way you can roll-back to your old </a:t>
+            </a:r>
+            <a:r>
+              <a:rPr lang="en-US" dirty="0" err="1"/>
+              <a:t>replicaSet</a:t>
+            </a:r>
+            <a:r>
+              <a:rPr lang="en-US" dirty="0"/>
+              <a:t> (by scaling it up again). </a:t>
+            </a:r>
+          </a:p>
+        </p:txBody>
+      </p:sp>
+      <p:sp>
+        <p:nvSpPr>
+          <p:cNvPr id="4" name="Slide Number Placeholder 3"/>
+          <p:cNvSpPr>
+            <a:spLocks noGrp="1"/>
+          </p:cNvSpPr>
+          <p:nvPr>
+            <p:ph type="sldNum" sz="quarter" idx="10"/>
+          </p:nvPr>
+        </p:nvSpPr>
+        <p:spPr/>
+        <p:txBody>
+          <a:bodyPr/>
+          <a:lstStyle/>
+          <a:p>
+            <a:fld id="{7D8C2C35-2B8A-446E-BEC0-FD36716C29AC}" type="slidenum">
+              <a:rPr lang="de-DE" smtClean="0"/>
+              <a:pPr/>
               <a:t>7</a:t>
             </a:fld>
             <a:endParaRPr lang="de-DE" dirty="0"/>
@@ -655,7 +1263,7 @@
 </p:notes>
 </file>
 
-<file path=ppt/notesSlides/notesSlide2.xml><?xml version="1.0" encoding="utf-8"?>
+<file path=ppt/notesSlides/notesSlide7.xml><?xml version="1.0" encoding="utf-8"?>
 <p:notes xmlns:a="http://schemas.openxmlformats.org/drawingml/2006/main" xmlns:r="http://schemas.openxmlformats.org/officeDocument/2006/relationships" xmlns:p="http://schemas.openxmlformats.org/presentationml/2006/main">
   <p:cSld>
     <p:spTree>
@@ -747,7 +1355,7 @@
 </p:notes>
 </file>
 
-<file path=ppt/notesSlides/notesSlide3.xml><?xml version="1.0" encoding="utf-8"?>
+<file path=ppt/notesSlides/notesSlide8.xml><?xml version="1.0" encoding="utf-8"?>
 <p:notes xmlns:a="http://schemas.openxmlformats.org/drawingml/2006/main" xmlns:r="http://schemas.openxmlformats.org/officeDocument/2006/relationships" xmlns:p="http://schemas.openxmlformats.org/presentationml/2006/main">
   <p:cSld>
     <p:spTree>
@@ -8519,7 +9127,7 @@
             <a:pPr algn="ctr"/>
             <a:r>
               <a:rPr lang="de-DE" dirty="0">
-                <a:hlinkClick r:id="rId2"/>
+                <a:hlinkClick r:id="rId3"/>
               </a:rPr>
               <a:t>https://kubernetes.io/docs/concepts/overview/working-with-objects/labels/</a:t>
             </a:r>
@@ -8539,7 +9147,7 @@
           <p:nvPr/>
         </p:nvPicPr>
         <p:blipFill>
-          <a:blip r:embed="rId3"/>
+          <a:blip r:embed="rId4"/>
           <a:stretch>
             <a:fillRect/>
           </a:stretch>
@@ -8841,7 +9449,7 @@
           <p:nvPr/>
         </p:nvPicPr>
         <p:blipFill>
-          <a:blip r:embed="rId4"/>
+          <a:blip r:embed="rId5"/>
           <a:stretch>
             <a:fillRect/>
           </a:stretch>
@@ -8865,7 +9473,7 @@
           <p:nvPr/>
         </p:nvPicPr>
         <p:blipFill>
-          <a:blip r:embed="rId5"/>
+          <a:blip r:embed="rId6"/>
           <a:stretch>
             <a:fillRect/>
           </a:stretch>
@@ -10314,7 +10922,7 @@
           <p:nvPr/>
         </p:nvPicPr>
         <p:blipFill>
-          <a:blip r:embed="rId2"/>
+          <a:blip r:embed="rId3"/>
           <a:stretch>
             <a:fillRect/>
           </a:stretch>

--- a/kubernetes/03_labels_and_deployments.pptx
+++ b/kubernetes/03_labels_and_deployments.pptx
@@ -572,59 +572,7 @@
           <a:bodyPr/>
           <a:lstStyle/>
           <a:p>
-            <a:r>
-              <a:rPr lang="en-US" dirty="0"/>
-              <a:t>Before actually talking about the deployment resource, we need to introduce one of the fundamental concepts of Kubernetes: labels &amp; selectors.</a:t>
-            </a:r>
-          </a:p>
-          <a:p>
-            <a:endParaRPr lang="en-US" dirty="0"/>
-          </a:p>
-          <a:p>
-            <a:r>
-              <a:rPr lang="en-US" dirty="0"/>
-              <a:t>Basically, labels are (DNS compatible) free-text, </a:t>
-            </a:r>
-            <a:r>
-              <a:rPr lang="en-US" b="1" dirty="0"/>
-              <a:t>key-value pairs </a:t>
-            </a:r>
-            <a:r>
-              <a:rPr lang="en-US" dirty="0"/>
-              <a:t>and you can attach them to almost everything in Kubernetes. Labels are part of the metadata-section of a resource description and of course you can attach multiple labels to one resource.</a:t>
-            </a:r>
-          </a:p>
-          <a:p>
-            <a:endParaRPr lang="en-US" dirty="0"/>
-          </a:p>
-          <a:p>
-            <a:r>
-              <a:rPr lang="en-US" dirty="0"/>
-              <a:t>But what are labels good for, if there is no selection mechanism to evaluate them? Kubernetes label selectors are the answer to this questions.</a:t>
-            </a:r>
-          </a:p>
-          <a:p>
-            <a:endParaRPr lang="en-US" dirty="0"/>
-          </a:p>
-          <a:p>
-            <a:r>
-              <a:rPr lang="en-US" dirty="0"/>
-              <a:t>Selectors can be used in </a:t>
-            </a:r>
-            <a:r>
-              <a:rPr lang="en-US" dirty="0" err="1"/>
-              <a:t>kubectl</a:t>
-            </a:r>
-            <a:r>
-              <a:rPr lang="en-US" dirty="0"/>
-              <a:t> queries but also as part of resource definitions to define dependencies or even hierarchies of managed objects.</a:t>
-            </a:r>
-          </a:p>
-          <a:p>
-            <a:r>
-              <a:rPr lang="en-US" dirty="0"/>
-              <a:t>Mostly the selectors are part of the resource’s spec sections.</a:t>
-            </a:r>
+            <a:endParaRPr lang="en-US"/>
           </a:p>
         </p:txBody>
       </p:sp>
@@ -646,7 +594,7 @@
             <a:fld id="{7D8C2C35-2B8A-446E-BEC0-FD36716C29AC}" type="slidenum">
               <a:rPr lang="de-DE" smtClean="0"/>
               <a:pPr/>
-              <a:t>2</a:t>
+              <a:t>1</a:t>
             </a:fld>
             <a:endParaRPr lang="de-DE" dirty="0"/>
           </a:p>
@@ -655,7 +603,7 @@
     </p:spTree>
     <p:extLst>
       <p:ext uri="{BB962C8B-B14F-4D97-AF65-F5344CB8AC3E}">
-        <p14:creationId xmlns:p14="http://schemas.microsoft.com/office/powerpoint/2010/main" val="2759097903"/>
+        <p14:creationId xmlns:p14="http://schemas.microsoft.com/office/powerpoint/2010/main" val="3842008007"/>
       </p:ext>
     </p:extLst>
   </p:cSld>
@@ -711,7 +659,7 @@
           <a:p>
             <a:r>
               <a:rPr lang="en-US" dirty="0"/>
-              <a:t>Labels are used to identify and bundle pods or nodes or any other resource, where it seem useful.</a:t>
+              <a:t>Before actually talking about the deployment resource, we need to introduce one of the fundamental concepts of Kubernetes: labels &amp; selectors.</a:t>
             </a:r>
           </a:p>
           <a:p>
@@ -720,7 +668,47 @@
           <a:p>
             <a:r>
               <a:rPr lang="en-US" dirty="0"/>
-              <a:t>Pod names are not reliable because they are usually generated. To identify a set of same pods, a label helps.</a:t>
+              <a:t>Basically, labels are (DNS compatible) free-text, </a:t>
+            </a:r>
+            <a:r>
+              <a:rPr lang="en-US" b="1" dirty="0"/>
+              <a:t>key-value pairs </a:t>
+            </a:r>
+            <a:r>
+              <a:rPr lang="en-US" dirty="0"/>
+              <a:t>and you can attach them to almost everything in Kubernetes. Labels are part of the metadata-section of a resource description and of course you can attach multiple labels to one resource.</a:t>
+            </a:r>
+          </a:p>
+          <a:p>
+            <a:endParaRPr lang="en-US" dirty="0"/>
+          </a:p>
+          <a:p>
+            <a:r>
+              <a:rPr lang="en-US" dirty="0"/>
+              <a:t>But what are labels good for, if there is no selection mechanism to evaluate them? Kubernetes label selectors are the answer to this questions.</a:t>
+            </a:r>
+          </a:p>
+          <a:p>
+            <a:endParaRPr lang="en-US" dirty="0"/>
+          </a:p>
+          <a:p>
+            <a:r>
+              <a:rPr lang="en-US" dirty="0"/>
+              <a:t>Selectors can be used in </a:t>
+            </a:r>
+            <a:r>
+              <a:rPr lang="en-US" dirty="0" err="1"/>
+              <a:t>kubectl</a:t>
+            </a:r>
+            <a:r>
+              <a:rPr lang="en-US" dirty="0"/>
+              <a:t> queries but also as part of resource definitions to define dependencies or even hierarchies of managed objects.</a:t>
+            </a:r>
+          </a:p>
+          <a:p>
+            <a:r>
+              <a:rPr lang="en-US" dirty="0"/>
+              <a:t>Mostly the selectors are part of the resource’s spec sections.</a:t>
             </a:r>
           </a:p>
         </p:txBody>
@@ -743,7 +731,7 @@
             <a:fld id="{7D8C2C35-2B8A-446E-BEC0-FD36716C29AC}" type="slidenum">
               <a:rPr lang="de-DE" smtClean="0"/>
               <a:pPr/>
-              <a:t>3</a:t>
+              <a:t>2</a:t>
             </a:fld>
             <a:endParaRPr lang="de-DE" dirty="0"/>
           </a:p>
@@ -752,7 +740,7 @@
     </p:spTree>
     <p:extLst>
       <p:ext uri="{BB962C8B-B14F-4D97-AF65-F5344CB8AC3E}">
-        <p14:creationId xmlns:p14="http://schemas.microsoft.com/office/powerpoint/2010/main" val="3055188332"/>
+        <p14:creationId xmlns:p14="http://schemas.microsoft.com/office/powerpoint/2010/main" val="2759097903"/>
       </p:ext>
     </p:extLst>
   </p:cSld>
@@ -808,7 +796,7 @@
           <a:p>
             <a:r>
               <a:rPr lang="en-US" dirty="0"/>
-              <a:t>As already said, labels are part of the metadata section and selectors usually occur in the spec sections.</a:t>
+              <a:t>Labels are used to identify and bundle pods or nodes or any other resource, where it seem useful.</a:t>
             </a:r>
           </a:p>
           <a:p>
@@ -817,23 +805,7 @@
           <a:p>
             <a:r>
               <a:rPr lang="en-US" dirty="0"/>
-              <a:t>Additionally manual labeling is possible via </a:t>
-            </a:r>
-            <a:r>
-              <a:rPr lang="en-US" dirty="0" err="1"/>
-              <a:t>kubectl</a:t>
-            </a:r>
-            <a:r>
-              <a:rPr lang="en-US" dirty="0"/>
-              <a:t> and label selectors can be added to </a:t>
-            </a:r>
-            <a:r>
-              <a:rPr lang="en-US" dirty="0" err="1"/>
-              <a:t>kubectl</a:t>
-            </a:r>
-            <a:r>
-              <a:rPr lang="en-US" dirty="0"/>
-              <a:t> queries.</a:t>
+              <a:t>Pod names are not reliable because they are usually generated. To identify a set of same pods, a label helps.</a:t>
             </a:r>
           </a:p>
         </p:txBody>
@@ -856,7 +828,7 @@
             <a:fld id="{7D8C2C35-2B8A-446E-BEC0-FD36716C29AC}" type="slidenum">
               <a:rPr lang="de-DE" smtClean="0"/>
               <a:pPr/>
-              <a:t>4</a:t>
+              <a:t>3</a:t>
             </a:fld>
             <a:endParaRPr lang="de-DE" dirty="0"/>
           </a:p>
@@ -865,7 +837,7 @@
     </p:spTree>
     <p:extLst>
       <p:ext uri="{BB962C8B-B14F-4D97-AF65-F5344CB8AC3E}">
-        <p14:creationId xmlns:p14="http://schemas.microsoft.com/office/powerpoint/2010/main" val="2266578312"/>
+        <p14:creationId xmlns:p14="http://schemas.microsoft.com/office/powerpoint/2010/main" val="3055188332"/>
       </p:ext>
     </p:extLst>
   </p:cSld>
@@ -919,7 +891,35 @@
           <a:bodyPr/>
           <a:lstStyle/>
           <a:p>
-            <a:endParaRPr lang="en-US"/>
+            <a:r>
+              <a:rPr lang="en-US" dirty="0"/>
+              <a:t>As already said, labels are part of the metadata section and selectors usually occur in the spec sections.</a:t>
+            </a:r>
+          </a:p>
+          <a:p>
+            <a:endParaRPr lang="en-US" dirty="0"/>
+          </a:p>
+          <a:p>
+            <a:r>
+              <a:rPr lang="en-US" dirty="0"/>
+              <a:t>Additionally manual labeling is possible via </a:t>
+            </a:r>
+            <a:r>
+              <a:rPr lang="en-US" dirty="0" err="1"/>
+              <a:t>kubectl</a:t>
+            </a:r>
+            <a:r>
+              <a:rPr lang="en-US" dirty="0"/>
+              <a:t> and label selectors can be added to </a:t>
+            </a:r>
+            <a:r>
+              <a:rPr lang="en-US" dirty="0" err="1"/>
+              <a:t>kubectl</a:t>
+            </a:r>
+            <a:r>
+              <a:rPr lang="en-US" dirty="0"/>
+              <a:t> queries.</a:t>
+            </a:r>
           </a:p>
         </p:txBody>
       </p:sp>
@@ -941,7 +941,7 @@
             <a:fld id="{7D8C2C35-2B8A-446E-BEC0-FD36716C29AC}" type="slidenum">
               <a:rPr lang="de-DE" smtClean="0"/>
               <a:pPr/>
-              <a:t>5</a:t>
+              <a:t>4</a:t>
             </a:fld>
             <a:endParaRPr lang="de-DE" dirty="0"/>
           </a:p>
@@ -950,7 +950,7 @@
     </p:spTree>
     <p:extLst>
       <p:ext uri="{BB962C8B-B14F-4D97-AF65-F5344CB8AC3E}">
-        <p14:creationId xmlns:p14="http://schemas.microsoft.com/office/powerpoint/2010/main" val="679551827"/>
+        <p14:creationId xmlns:p14="http://schemas.microsoft.com/office/powerpoint/2010/main" val="2266578312"/>
       </p:ext>
     </p:extLst>
   </p:cSld>
@@ -1026,7 +1026,7 @@
             <a:fld id="{7D8C2C35-2B8A-446E-BEC0-FD36716C29AC}" type="slidenum">
               <a:rPr lang="de-DE" smtClean="0"/>
               <a:pPr/>
-              <a:t>6</a:t>
+              <a:t>5</a:t>
             </a:fld>
             <a:endParaRPr lang="de-DE" dirty="0"/>
           </a:p>
@@ -1035,7 +1035,7 @@
     </p:spTree>
     <p:extLst>
       <p:ext uri="{BB962C8B-B14F-4D97-AF65-F5344CB8AC3E}">
-        <p14:creationId xmlns:p14="http://schemas.microsoft.com/office/powerpoint/2010/main" val="220259158"/>
+        <p14:creationId xmlns:p14="http://schemas.microsoft.com/office/powerpoint/2010/main" val="679551827"/>
       </p:ext>
     </p:extLst>
   </p:cSld>
@@ -1086,143 +1086,10 @@
         </p:nvSpPr>
         <p:spPr/>
         <p:txBody>
-          <a:bodyPr>
-            <a:normAutofit lnSpcReduction="10000"/>
-          </a:bodyPr>
+          <a:bodyPr/>
           <a:lstStyle/>
           <a:p>
-            <a:r>
-              <a:rPr lang="en-US" dirty="0"/>
-              <a:t>How labels &amp; selectors work here:</a:t>
-            </a:r>
-          </a:p>
-          <a:p>
-            <a:pPr marL="285750" indent="-285750">
-              <a:buFontTx/>
-              <a:buChar char="-"/>
-            </a:pPr>
-            <a:r>
-              <a:rPr lang="en-US" dirty="0"/>
-              <a:t>Names of pods can change</a:t>
-            </a:r>
-          </a:p>
-          <a:p>
-            <a:pPr marL="285750" indent="-285750">
-              <a:buFontTx/>
-              <a:buChar char="-"/>
-            </a:pPr>
-            <a:r>
-              <a:rPr lang="en-US" dirty="0"/>
-              <a:t>Labels stay</a:t>
-            </a:r>
-            <a:r>
-              <a:rPr lang="en-US" baseline="0" dirty="0"/>
-              <a:t> the same</a:t>
-            </a:r>
-          </a:p>
-          <a:p>
-            <a:pPr marL="285750" indent="-285750">
-              <a:buFontTx/>
-              <a:buChar char="-"/>
-            </a:pPr>
-            <a:r>
-              <a:rPr lang="en-US" baseline="0" dirty="0"/>
-              <a:t>Only with labels pods related to </a:t>
-            </a:r>
-            <a:r>
-              <a:rPr lang="en-US" baseline="0" dirty="0" err="1"/>
-              <a:t>rs</a:t>
-            </a:r>
-            <a:r>
-              <a:rPr lang="en-US" baseline="0" dirty="0"/>
-              <a:t>/deployment can be determined reliably</a:t>
-            </a:r>
-          </a:p>
-          <a:p>
-            <a:pPr marL="285750" indent="-285750">
-              <a:buFontTx/>
-              <a:buChar char="-"/>
-            </a:pPr>
-            <a:endParaRPr lang="en-US" dirty="0"/>
-          </a:p>
-          <a:p>
-            <a:r>
-              <a:rPr lang="en-US" dirty="0"/>
-              <a:t>Why deployments?</a:t>
-            </a:r>
-          </a:p>
-          <a:p>
-            <a:r>
-              <a:rPr lang="en-US" dirty="0"/>
-              <a:t>You don’t want to know and manage individual pods. You would like to specify a template and instantiate it as often as you wish. Also you want to manage the group of pods e.g. in terms of docker image used.</a:t>
-            </a:r>
-          </a:p>
-          <a:p>
-            <a:endParaRPr lang="en-US" dirty="0"/>
-          </a:p>
-          <a:p>
-            <a:r>
-              <a:rPr lang="en-US" dirty="0"/>
-              <a:t>The deployment gives you these management capabilities. In it’s resource description (</a:t>
-            </a:r>
-            <a:r>
-              <a:rPr lang="en-US" dirty="0" err="1"/>
-              <a:t>yaml</a:t>
-            </a:r>
-            <a:r>
-              <a:rPr lang="en-US" dirty="0"/>
-              <a:t> file) you specify a pod template, how pods should be labeled and of course a corresponding selector to identify your pods.</a:t>
-            </a:r>
-          </a:p>
-          <a:p>
-            <a:r>
-              <a:rPr lang="en-US" dirty="0"/>
-              <a:t>On cluster level the deployment creates &amp; manages a replica set which then manages the pods. </a:t>
-            </a:r>
-          </a:p>
-          <a:p>
-            <a:r>
-              <a:rPr lang="en-US" dirty="0"/>
-              <a:t>If you update the number of replicas, this will be sent to the </a:t>
-            </a:r>
-            <a:r>
-              <a:rPr lang="en-US" dirty="0" err="1"/>
-              <a:t>replicaSet</a:t>
-            </a:r>
-            <a:r>
-              <a:rPr lang="en-US" dirty="0"/>
-              <a:t> and the desired state is enforced via the </a:t>
-            </a:r>
-            <a:r>
-              <a:rPr lang="en-US" dirty="0" err="1"/>
-              <a:t>replicaSet</a:t>
-            </a:r>
-            <a:r>
-              <a:rPr lang="en-US" dirty="0"/>
-              <a:t>. </a:t>
-            </a:r>
-          </a:p>
-          <a:p>
-            <a:r>
-              <a:rPr lang="en-US" dirty="0"/>
-              <a:t>Upon update of the image, a new </a:t>
-            </a:r>
-            <a:r>
-              <a:rPr lang="en-US" dirty="0" err="1"/>
-              <a:t>replicaSet</a:t>
-            </a:r>
-            <a:r>
-              <a:rPr lang="en-US" dirty="0"/>
-              <a:t> will be created and the old one will be set to replica=0. This way you can roll-back to your old </a:t>
-            </a:r>
-            <a:r>
-              <a:rPr lang="en-US" dirty="0" err="1"/>
-              <a:t>replicaSet</a:t>
-            </a:r>
-            <a:r>
-              <a:rPr lang="en-US" dirty="0"/>
-              <a:t> (by scaling it up again). </a:t>
-            </a:r>
+            <a:endParaRPr lang="en-US"/>
           </a:p>
         </p:txBody>
       </p:sp>
@@ -1244,6 +1111,224 @@
             <a:fld id="{7D8C2C35-2B8A-446E-BEC0-FD36716C29AC}" type="slidenum">
               <a:rPr lang="de-DE" smtClean="0"/>
               <a:pPr/>
+              <a:t>6</a:t>
+            </a:fld>
+            <a:endParaRPr lang="de-DE" dirty="0"/>
+          </a:p>
+        </p:txBody>
+      </p:sp>
+    </p:spTree>
+    <p:extLst>
+      <p:ext uri="{BB962C8B-B14F-4D97-AF65-F5344CB8AC3E}">
+        <p14:creationId xmlns:p14="http://schemas.microsoft.com/office/powerpoint/2010/main" val="220259158"/>
+      </p:ext>
+    </p:extLst>
+  </p:cSld>
+  <p:clrMapOvr>
+    <a:masterClrMapping/>
+  </p:clrMapOvr>
+</p:notes>
+</file>
+
+<file path=ppt/notesSlides/notesSlide7.xml><?xml version="1.0" encoding="utf-8"?>
+<p:notes xmlns:a="http://schemas.openxmlformats.org/drawingml/2006/main" xmlns:r="http://schemas.openxmlformats.org/officeDocument/2006/relationships" xmlns:p="http://schemas.openxmlformats.org/presentationml/2006/main">
+  <p:cSld>
+    <p:spTree>
+      <p:nvGrpSpPr>
+        <p:cNvPr id="1" name=""/>
+        <p:cNvGrpSpPr/>
+        <p:nvPr/>
+      </p:nvGrpSpPr>
+      <p:grpSpPr>
+        <a:xfrm>
+          <a:off x="0" y="0"/>
+          <a:ext cx="0" cy="0"/>
+          <a:chOff x="0" y="0"/>
+          <a:chExt cx="0" cy="0"/>
+        </a:xfrm>
+      </p:grpSpPr>
+      <p:sp>
+        <p:nvSpPr>
+          <p:cNvPr id="2" name="Slide Image Placeholder 1"/>
+          <p:cNvSpPr>
+            <a:spLocks noGrp="1" noRot="1" noChangeAspect="1"/>
+          </p:cNvSpPr>
+          <p:nvPr>
+            <p:ph type="sldImg"/>
+          </p:nvPr>
+        </p:nvSpPr>
+        <p:spPr/>
+      </p:sp>
+      <p:sp>
+        <p:nvSpPr>
+          <p:cNvPr id="3" name="Notes Placeholder 2"/>
+          <p:cNvSpPr>
+            <a:spLocks noGrp="1"/>
+          </p:cNvSpPr>
+          <p:nvPr>
+            <p:ph type="body" idx="1"/>
+          </p:nvPr>
+        </p:nvSpPr>
+        <p:spPr/>
+        <p:txBody>
+          <a:bodyPr>
+            <a:normAutofit lnSpcReduction="10000"/>
+          </a:bodyPr>
+          <a:lstStyle/>
+          <a:p>
+            <a:r>
+              <a:rPr lang="en-US" dirty="0"/>
+              <a:t>How labels &amp; selectors work here:</a:t>
+            </a:r>
+          </a:p>
+          <a:p>
+            <a:pPr marL="285750" indent="-285750">
+              <a:buFontTx/>
+              <a:buChar char="-"/>
+            </a:pPr>
+            <a:r>
+              <a:rPr lang="en-US" dirty="0"/>
+              <a:t>Names of pods can change</a:t>
+            </a:r>
+          </a:p>
+          <a:p>
+            <a:pPr marL="285750" indent="-285750">
+              <a:buFontTx/>
+              <a:buChar char="-"/>
+            </a:pPr>
+            <a:r>
+              <a:rPr lang="en-US" dirty="0"/>
+              <a:t>Labels stay</a:t>
+            </a:r>
+            <a:r>
+              <a:rPr lang="en-US" baseline="0" dirty="0"/>
+              <a:t> the same</a:t>
+            </a:r>
+          </a:p>
+          <a:p>
+            <a:pPr marL="285750" indent="-285750">
+              <a:buFontTx/>
+              <a:buChar char="-"/>
+            </a:pPr>
+            <a:r>
+              <a:rPr lang="en-US" baseline="0" dirty="0"/>
+              <a:t>Only with labels pods related to </a:t>
+            </a:r>
+            <a:r>
+              <a:rPr lang="en-US" baseline="0" dirty="0" err="1"/>
+              <a:t>rs</a:t>
+            </a:r>
+            <a:r>
+              <a:rPr lang="en-US" baseline="0" dirty="0"/>
+              <a:t>/deployment can be determined reliably</a:t>
+            </a:r>
+          </a:p>
+          <a:p>
+            <a:pPr marL="285750" indent="-285750">
+              <a:buFontTx/>
+              <a:buChar char="-"/>
+            </a:pPr>
+            <a:endParaRPr lang="en-US" dirty="0"/>
+          </a:p>
+          <a:p>
+            <a:r>
+              <a:rPr lang="en-US" dirty="0"/>
+              <a:t>Why deployments?</a:t>
+            </a:r>
+          </a:p>
+          <a:p>
+            <a:r>
+              <a:rPr lang="en-US" dirty="0"/>
+              <a:t>You don’t want to know and manage individual pods. You would like to specify a template and instantiate it as often as you wish. Also you want to manage the group of pods e.g. in terms of docker image used.</a:t>
+            </a:r>
+          </a:p>
+          <a:p>
+            <a:endParaRPr lang="en-US" dirty="0"/>
+          </a:p>
+          <a:p>
+            <a:r>
+              <a:rPr lang="en-US" dirty="0"/>
+              <a:t>The deployment gives you these management capabilities. In it’s resource description (</a:t>
+            </a:r>
+            <a:r>
+              <a:rPr lang="en-US" dirty="0" err="1"/>
+              <a:t>yaml</a:t>
+            </a:r>
+            <a:r>
+              <a:rPr lang="en-US" dirty="0"/>
+              <a:t> file) you specify a pod template, how pods should be labeled and of course a corresponding selector to identify your pods.</a:t>
+            </a:r>
+          </a:p>
+          <a:p>
+            <a:r>
+              <a:rPr lang="en-US" dirty="0"/>
+              <a:t>On cluster level the deployment creates &amp; manages a replica set which then manages the pods. </a:t>
+            </a:r>
+          </a:p>
+          <a:p>
+            <a:r>
+              <a:rPr lang="en-US" dirty="0"/>
+              <a:t>If you update the number of replicas, this will be sent to the </a:t>
+            </a:r>
+            <a:r>
+              <a:rPr lang="en-US" dirty="0" err="1"/>
+              <a:t>replicaSet</a:t>
+            </a:r>
+            <a:r>
+              <a:rPr lang="en-US" dirty="0"/>
+              <a:t> and the desired state is enforced via the </a:t>
+            </a:r>
+            <a:r>
+              <a:rPr lang="en-US" dirty="0" err="1"/>
+              <a:t>replicaSet</a:t>
+            </a:r>
+            <a:r>
+              <a:rPr lang="en-US" dirty="0"/>
+              <a:t>. </a:t>
+            </a:r>
+          </a:p>
+          <a:p>
+            <a:r>
+              <a:rPr lang="en-US" dirty="0"/>
+              <a:t>Upon update of the image, a new </a:t>
+            </a:r>
+            <a:r>
+              <a:rPr lang="en-US" dirty="0" err="1"/>
+              <a:t>replicaSet</a:t>
+            </a:r>
+            <a:r>
+              <a:rPr lang="en-US" dirty="0"/>
+              <a:t> will be created and the old one will be set to replica=0. This way you can roll-back to your old </a:t>
+            </a:r>
+            <a:r>
+              <a:rPr lang="en-US" dirty="0" err="1"/>
+              <a:t>replicaSet</a:t>
+            </a:r>
+            <a:r>
+              <a:rPr lang="en-US" dirty="0"/>
+              <a:t> (by scaling it up again). </a:t>
+            </a:r>
+          </a:p>
+        </p:txBody>
+      </p:sp>
+      <p:sp>
+        <p:nvSpPr>
+          <p:cNvPr id="4" name="Slide Number Placeholder 3"/>
+          <p:cNvSpPr>
+            <a:spLocks noGrp="1"/>
+          </p:cNvSpPr>
+          <p:nvPr>
+            <p:ph type="sldNum" sz="quarter" idx="10"/>
+          </p:nvPr>
+        </p:nvSpPr>
+        <p:spPr/>
+        <p:txBody>
+          <a:bodyPr/>
+          <a:lstStyle/>
+          <a:p>
+            <a:fld id="{7D8C2C35-2B8A-446E-BEC0-FD36716C29AC}" type="slidenum">
+              <a:rPr lang="de-DE" smtClean="0"/>
+              <a:pPr/>
               <a:t>7</a:t>
             </a:fld>
             <a:endParaRPr lang="de-DE" dirty="0"/>
@@ -1263,7 +1348,7 @@
 </p:notes>
 </file>
 
-<file path=ppt/notesSlides/notesSlide7.xml><?xml version="1.0" encoding="utf-8"?>
+<file path=ppt/notesSlides/notesSlide8.xml><?xml version="1.0" encoding="utf-8"?>
 <p:notes xmlns:a="http://schemas.openxmlformats.org/drawingml/2006/main" xmlns:r="http://schemas.openxmlformats.org/officeDocument/2006/relationships" xmlns:p="http://schemas.openxmlformats.org/presentationml/2006/main">
   <p:cSld>
     <p:spTree>
@@ -1338,7 +1423,7 @@
           </a:bodyPr>
           <a:lstStyle/>
           <a:p>
-            <a:endParaRPr lang="en-US"/>
+            <a:endParaRPr lang="en-US" dirty="0"/>
           </a:p>
         </p:txBody>
       </p:sp>
@@ -1355,7 +1440,7 @@
 </p:notes>
 </file>
 
-<file path=ppt/notesSlides/notesSlide8.xml><?xml version="1.0" encoding="utf-8"?>
+<file path=ppt/notesSlides/notesSlide9.xml><?xml version="1.0" encoding="utf-8"?>
 <p:notes xmlns:a="http://schemas.openxmlformats.org/drawingml/2006/main" xmlns:r="http://schemas.openxmlformats.org/officeDocument/2006/relationships" xmlns:p="http://schemas.openxmlformats.org/presentationml/2006/main">
   <p:cSld>
     <p:spTree>
@@ -9000,7 +9085,7 @@
           </p:nvPr>
         </p:nvPicPr>
         <p:blipFill>
-          <a:blip r:embed="rId2"/>
+          <a:blip r:embed="rId3"/>
           <a:srcRect t="3112" b="3112"/>
           <a:stretch>
             <a:fillRect/>
@@ -12279,6 +12364,36 @@
           <a:chExt cx="0" cy="0"/>
         </a:xfrm>
       </p:grpSpPr>
+      <p:pic>
+        <p:nvPicPr>
+          <p:cNvPr id="8" name="Picture 7">
+            <a:extLst>
+              <a:ext uri="{FF2B5EF4-FFF2-40B4-BE49-F238E27FC236}">
+                <a16:creationId xmlns:a16="http://schemas.microsoft.com/office/drawing/2014/main" id="{F20884E9-1461-437F-B055-12796ED6B692}"/>
+              </a:ext>
+            </a:extLst>
+          </p:cNvPr>
+          <p:cNvPicPr>
+            <a:picLocks noChangeAspect="1"/>
+          </p:cNvPicPr>
+          <p:nvPr/>
+        </p:nvPicPr>
+        <p:blipFill>
+          <a:blip r:embed="rId3"/>
+          <a:stretch>
+            <a:fillRect/>
+          </a:stretch>
+        </p:blipFill>
+        <p:spPr>
+          <a:xfrm>
+            <a:off x="7986841" y="842636"/>
+            <a:ext cx="2734499" cy="5407318"/>
+          </a:xfrm>
+          <a:prstGeom prst="rect">
+            <a:avLst/>
+          </a:prstGeom>
+        </p:spPr>
+      </p:pic>
       <p:sp>
         <p:nvSpPr>
           <p:cNvPr id="3" name="Text Placeholder 2"/>
@@ -12405,30 +12520,6 @@
           </a:p>
         </p:txBody>
       </p:sp>
-      <p:pic>
-        <p:nvPicPr>
-          <p:cNvPr id="4" name="Picture 3"/>
-          <p:cNvPicPr>
-            <a:picLocks noChangeAspect="1"/>
-          </p:cNvPicPr>
-          <p:nvPr/>
-        </p:nvPicPr>
-        <p:blipFill>
-          <a:blip r:embed="rId3"/>
-          <a:stretch>
-            <a:fillRect/>
-          </a:stretch>
-        </p:blipFill>
-        <p:spPr>
-          <a:xfrm>
-            <a:off x="7986841" y="842636"/>
-            <a:ext cx="2961905" cy="5009524"/>
-          </a:xfrm>
-          <a:prstGeom prst="rect">
-            <a:avLst/>
-          </a:prstGeom>
-        </p:spPr>
-      </p:pic>
       <p:cxnSp>
         <p:nvCxnSpPr>
           <p:cNvPr id="5" name="Straight Arrow Connector 4"/>
@@ -12437,7 +12528,7 @@
         </p:nvCxnSpPr>
         <p:spPr>
           <a:xfrm flipH="1">
-            <a:off x="9662160" y="1937698"/>
+            <a:off x="9889566" y="2111548"/>
             <a:ext cx="1059180" cy="7620"/>
           </a:xfrm>
           <a:prstGeom prst="straightConnector1">
@@ -12474,7 +12565,7 @@
         </p:nvCxnSpPr>
         <p:spPr>
           <a:xfrm flipH="1">
-            <a:off x="9889566" y="3248338"/>
+            <a:off x="9889566" y="3372625"/>
             <a:ext cx="1059180" cy="7620"/>
           </a:xfrm>
           <a:prstGeom prst="straightConnector1">
@@ -12511,7 +12602,7 @@
         </p:nvCxnSpPr>
         <p:spPr>
           <a:xfrm flipH="1">
-            <a:off x="9889566" y="4109398"/>
+            <a:off x="9889566" y="4322462"/>
             <a:ext cx="1059180" cy="7620"/>
           </a:xfrm>
           <a:prstGeom prst="straightConnector1">

--- a/kubernetes/03_labels_and_deployments.pptx
+++ b/kubernetes/03_labels_and_deployments.pptx
@@ -9092,6 +9092,66 @@
           </a:stretch>
         </p:blipFill>
         <p:spPr/>
+      </p:pic>
+      <p:pic>
+        <p:nvPicPr>
+          <p:cNvPr id="4" name="Picture 3" descr="cid:image003.png@01D31CC6.A08B1C50">
+            <a:extLst>
+              <a:ext uri="{FF2B5EF4-FFF2-40B4-BE49-F238E27FC236}">
+                <a16:creationId xmlns:a16="http://schemas.microsoft.com/office/drawing/2014/main" id="{CE860390-F50F-48A8-AA1A-AE0217946FC1}"/>
+              </a:ext>
+            </a:extLst>
+          </p:cNvPr>
+          <p:cNvPicPr>
+            <a:picLocks noChangeAspect="1" noChangeArrowheads="1"/>
+          </p:cNvPicPr>
+          <p:nvPr/>
+        </p:nvPicPr>
+        <p:blipFill>
+          <a:blip r:embed="rId4">
+            <a:extLst>
+              <a:ext uri="{28A0092B-C50C-407E-A947-70E740481C1C}">
+                <a14:useLocalDpi xmlns:a14="http://schemas.microsoft.com/office/drawing/2010/main" val="0"/>
+              </a:ext>
+            </a:extLst>
+          </a:blip>
+          <a:srcRect/>
+          <a:stretch>
+            <a:fillRect/>
+          </a:stretch>
+        </p:blipFill>
+        <p:spPr bwMode="auto">
+          <a:xfrm>
+            <a:off x="10780712" y="5721975"/>
+            <a:ext cx="1414463" cy="1136025"/>
+          </a:xfrm>
+          <a:prstGeom prst="rect">
+            <a:avLst/>
+          </a:prstGeom>
+          <a:noFill/>
+          <a:ln>
+            <a:noFill/>
+          </a:ln>
+          <a:extLst>
+            <a:ext uri="{909E8E84-426E-40DD-AFC4-6F175D3DCCD1}">
+              <a14:hiddenFill xmlns:a14="http://schemas.microsoft.com/office/drawing/2010/main">
+                <a:solidFill>
+                  <a:srgbClr val="FFFFFF"/>
+                </a:solidFill>
+              </a14:hiddenFill>
+            </a:ext>
+            <a:ext uri="{91240B29-F687-4F45-9708-019B960494DF}">
+              <a14:hiddenLine xmlns:a14="http://schemas.microsoft.com/office/drawing/2010/main" w="9525">
+                <a:solidFill>
+                  <a:srgbClr val="000000"/>
+                </a:solidFill>
+                <a:miter lim="800000"/>
+                <a:headEnd/>
+                <a:tailEnd/>
+              </a14:hiddenLine>
+            </a:ext>
+          </a:extLst>
+        </p:spPr>
       </p:pic>
     </p:spTree>
     <p:extLst>

--- a/kubernetes/03_labels_and_deployments.pptx
+++ b/kubernetes/03_labels_and_deployments.pptx
@@ -15,10 +15,10 @@
     <p:sldId id="442" r:id="rId3"/>
     <p:sldId id="446" r:id="rId4"/>
     <p:sldId id="443" r:id="rId5"/>
-    <p:sldId id="444" r:id="rId6"/>
-    <p:sldId id="445" r:id="rId7"/>
-    <p:sldId id="440" r:id="rId8"/>
-    <p:sldId id="436" r:id="rId9"/>
+    <p:sldId id="448" r:id="rId6"/>
+    <p:sldId id="440" r:id="rId7"/>
+    <p:sldId id="436" r:id="rId8"/>
+    <p:sldId id="449" r:id="rId9"/>
     <p:sldId id="447" r:id="rId10"/>
     <p:sldId id="265" r:id="rId11"/>
   </p:sldIdLst>
@@ -196,10 +196,6 @@
 </p:presentation>
 </file>
 
-<file path=ppt/revisionInfo.xml><?xml version="1.0" encoding="utf-8"?>
-<p1510:revInfo xmlns:a="http://schemas.openxmlformats.org/drawingml/2006/main" xmlns:r="http://schemas.openxmlformats.org/officeDocument/2006/relationships" xmlns:p1510="http://schemas.microsoft.com/office/powerpoint/2015/10/main"/>
-</file>
-
 <file path=ppt/handoutMasters/handoutMaster1.xml><?xml version="1.0" encoding="utf-8"?>
 <p:handoutMaster xmlns:a="http://schemas.openxmlformats.org/drawingml/2006/main" xmlns:r="http://schemas.openxmlformats.org/officeDocument/2006/relationships" xmlns:p="http://schemas.openxmlformats.org/presentationml/2006/main">
   <p:cSld>
@@ -1004,7 +1000,188 @@
           <a:bodyPr/>
           <a:lstStyle/>
           <a:p>
-            <a:endParaRPr lang="en-US"/>
+            <a:pPr marL="0" indent="0">
+              <a:buFontTx/>
+              <a:buNone/>
+            </a:pPr>
+            <a:r>
+              <a:rPr lang="en-US" dirty="0"/>
+              <a:t>This demo should familiarize participants with the labeling system.</a:t>
+            </a:r>
+          </a:p>
+          <a:p>
+            <a:pPr marL="285750" indent="-285750">
+              <a:buFontTx/>
+              <a:buChar char="-"/>
+            </a:pPr>
+            <a:r>
+              <a:rPr lang="en-US" dirty="0"/>
+              <a:t>Show labels</a:t>
+            </a:r>
+          </a:p>
+          <a:p>
+            <a:pPr marL="465750" lvl="1" indent="-285750">
+              <a:buFontTx/>
+              <a:buChar char="-"/>
+            </a:pPr>
+            <a:r>
+              <a:rPr lang="en-US" dirty="0"/>
+              <a:t>of nodes: </a:t>
+            </a:r>
+            <a:r>
+              <a:rPr lang="en-US" dirty="0" err="1"/>
+              <a:t>kubectl</a:t>
+            </a:r>
+            <a:r>
+              <a:rPr lang="en-US" dirty="0"/>
+              <a:t> get nodes --show-labels</a:t>
+            </a:r>
+          </a:p>
+          <a:p>
+            <a:pPr marL="465750" lvl="1" indent="-285750">
+              <a:buFontTx/>
+              <a:buChar char="-"/>
+            </a:pPr>
+            <a:r>
+              <a:rPr lang="en-US" dirty="0"/>
+              <a:t>of pods in </a:t>
+            </a:r>
+            <a:r>
+              <a:rPr lang="en-US" dirty="0" err="1"/>
+              <a:t>kube</a:t>
+            </a:r>
+            <a:r>
+              <a:rPr lang="en-US" dirty="0"/>
+              <a:t>-system namespace: </a:t>
+            </a:r>
+            <a:r>
+              <a:rPr lang="en-US" dirty="0" err="1"/>
+              <a:t>kubectl</a:t>
+            </a:r>
+            <a:r>
+              <a:rPr lang="en-US" dirty="0"/>
+              <a:t> get pods -n </a:t>
+            </a:r>
+            <a:r>
+              <a:rPr lang="en-US" dirty="0" err="1"/>
+              <a:t>kube</a:t>
+            </a:r>
+            <a:r>
+              <a:rPr lang="en-US" dirty="0"/>
+              <a:t>-system --</a:t>
+            </a:r>
+            <a:r>
+              <a:rPr lang="en-US" dirty="0" err="1"/>
+              <a:t>showl</a:t>
+            </a:r>
+            <a:r>
+              <a:rPr lang="en-US" dirty="0"/>
+              <a:t>-labels</a:t>
+            </a:r>
+          </a:p>
+          <a:p>
+            <a:pPr marL="285750" indent="-285750">
+              <a:buFontTx/>
+              <a:buChar char="-"/>
+            </a:pPr>
+            <a:r>
+              <a:rPr lang="en-US" dirty="0"/>
+              <a:t>Show selection based on labels:</a:t>
+            </a:r>
+          </a:p>
+          <a:p>
+            <a:pPr marL="465750" lvl="1" indent="-285750">
+              <a:buFontTx/>
+              <a:buChar char="-"/>
+            </a:pPr>
+            <a:r>
+              <a:rPr lang="en-US" dirty="0"/>
+              <a:t>Select a group of pods from </a:t>
+            </a:r>
+            <a:r>
+              <a:rPr lang="en-US" dirty="0" err="1"/>
+              <a:t>kube</a:t>
+            </a:r>
+            <a:r>
+              <a:rPr lang="en-US" dirty="0"/>
+              <a:t>-system namespace by their labels (e.g. </a:t>
+            </a:r>
+            <a:r>
+              <a:rPr lang="en-US" dirty="0" err="1"/>
+              <a:t>kubect</a:t>
+            </a:r>
+            <a:r>
+              <a:rPr lang="en-US" dirty="0"/>
+              <a:t> get pods -n </a:t>
+            </a:r>
+            <a:r>
+              <a:rPr lang="en-US" dirty="0" err="1"/>
+              <a:t>kube</a:t>
+            </a:r>
+            <a:r>
+              <a:rPr lang="en-US" dirty="0"/>
+              <a:t>-system -l component=node-exporter)</a:t>
+            </a:r>
+          </a:p>
+          <a:p>
+            <a:pPr marL="465750" lvl="1" indent="-285750">
+              <a:buFontTx/>
+              <a:buChar char="-"/>
+            </a:pPr>
+            <a:r>
+              <a:rPr lang="en-US" dirty="0"/>
+              <a:t>Select a group based only based on key existence: </a:t>
+            </a:r>
+            <a:r>
+              <a:rPr lang="en-US" dirty="0" err="1"/>
+              <a:t>kubectl</a:t>
+            </a:r>
+            <a:r>
+              <a:rPr lang="en-US" dirty="0"/>
+              <a:t> get pods –n </a:t>
+            </a:r>
+            <a:r>
+              <a:rPr lang="en-US" dirty="0" err="1"/>
+              <a:t>kube</a:t>
+            </a:r>
+            <a:r>
+              <a:rPr lang="en-US" dirty="0"/>
+              <a:t>-system –l component</a:t>
+            </a:r>
+          </a:p>
+          <a:p>
+            <a:pPr marL="285750" indent="-285750">
+              <a:buFontTx/>
+              <a:buChar char="-"/>
+            </a:pPr>
+            <a:r>
+              <a:rPr lang="en-US" dirty="0"/>
+              <a:t>Label a pod from previous demo (re-create if necessary)</a:t>
+            </a:r>
+          </a:p>
+          <a:p>
+            <a:pPr marL="465750" lvl="1" indent="-285750">
+              <a:buFontTx/>
+              <a:buChar char="-"/>
+            </a:pPr>
+            <a:r>
+              <a:rPr lang="en-US" dirty="0" err="1"/>
+              <a:t>kubectl</a:t>
+            </a:r>
+            <a:r>
+              <a:rPr lang="en-US" dirty="0"/>
+              <a:t> label pod &lt;name&gt; awesome=hair</a:t>
+            </a:r>
+          </a:p>
+          <a:p>
+            <a:pPr marL="465750" lvl="1" indent="-285750">
+              <a:buFontTx/>
+              <a:buChar char="-"/>
+            </a:pPr>
+            <a:r>
+              <a:rPr lang="en-US" dirty="0"/>
+              <a:t>Query labeled pod</a:t>
+            </a:r>
           </a:p>
         </p:txBody>
       </p:sp>
@@ -1035,7 +1212,7 @@
     </p:spTree>
     <p:extLst>
       <p:ext uri="{BB962C8B-B14F-4D97-AF65-F5344CB8AC3E}">
-        <p14:creationId xmlns:p14="http://schemas.microsoft.com/office/powerpoint/2010/main" val="679551827"/>
+        <p14:creationId xmlns:p14="http://schemas.microsoft.com/office/powerpoint/2010/main" val="3017083131"/>
       </p:ext>
     </p:extLst>
   </p:cSld>
@@ -1086,10 +1263,143 @@
         </p:nvSpPr>
         <p:spPr/>
         <p:txBody>
-          <a:bodyPr/>
+          <a:bodyPr>
+            <a:normAutofit lnSpcReduction="10000"/>
+          </a:bodyPr>
           <a:lstStyle/>
           <a:p>
-            <a:endParaRPr lang="en-US"/>
+            <a:r>
+              <a:rPr lang="en-US" dirty="0"/>
+              <a:t>How labels &amp; selectors work here:</a:t>
+            </a:r>
+          </a:p>
+          <a:p>
+            <a:pPr marL="285750" indent="-285750">
+              <a:buFontTx/>
+              <a:buChar char="-"/>
+            </a:pPr>
+            <a:r>
+              <a:rPr lang="en-US" dirty="0"/>
+              <a:t>Names of pods can change</a:t>
+            </a:r>
+          </a:p>
+          <a:p>
+            <a:pPr marL="285750" indent="-285750">
+              <a:buFontTx/>
+              <a:buChar char="-"/>
+            </a:pPr>
+            <a:r>
+              <a:rPr lang="en-US" dirty="0"/>
+              <a:t>Labels stay</a:t>
+            </a:r>
+            <a:r>
+              <a:rPr lang="en-US" baseline="0" dirty="0"/>
+              <a:t> the same</a:t>
+            </a:r>
+          </a:p>
+          <a:p>
+            <a:pPr marL="285750" indent="-285750">
+              <a:buFontTx/>
+              <a:buChar char="-"/>
+            </a:pPr>
+            <a:r>
+              <a:rPr lang="en-US" baseline="0" dirty="0"/>
+              <a:t>Only with labels pods related to </a:t>
+            </a:r>
+            <a:r>
+              <a:rPr lang="en-US" baseline="0" dirty="0" err="1"/>
+              <a:t>rs</a:t>
+            </a:r>
+            <a:r>
+              <a:rPr lang="en-US" baseline="0" dirty="0"/>
+              <a:t>/deployment can be determined reliably</a:t>
+            </a:r>
+          </a:p>
+          <a:p>
+            <a:pPr marL="285750" indent="-285750">
+              <a:buFontTx/>
+              <a:buChar char="-"/>
+            </a:pPr>
+            <a:endParaRPr lang="en-US" dirty="0"/>
+          </a:p>
+          <a:p>
+            <a:r>
+              <a:rPr lang="en-US" dirty="0"/>
+              <a:t>Why deployments?</a:t>
+            </a:r>
+          </a:p>
+          <a:p>
+            <a:r>
+              <a:rPr lang="en-US" dirty="0"/>
+              <a:t>You don’t want to know and manage individual pods. You would like to specify a template and instantiate it as often as you wish. Also you want to manage the group of pods e.g. in terms of docker image used.</a:t>
+            </a:r>
+          </a:p>
+          <a:p>
+            <a:endParaRPr lang="en-US" dirty="0"/>
+          </a:p>
+          <a:p>
+            <a:r>
+              <a:rPr lang="en-US" dirty="0"/>
+              <a:t>The deployment gives you these management capabilities. In it’s resource description (</a:t>
+            </a:r>
+            <a:r>
+              <a:rPr lang="en-US" dirty="0" err="1"/>
+              <a:t>yaml</a:t>
+            </a:r>
+            <a:r>
+              <a:rPr lang="en-US" dirty="0"/>
+              <a:t> file) you specify a pod template, how pods should be labeled and of course a corresponding selector to identify your pods.</a:t>
+            </a:r>
+          </a:p>
+          <a:p>
+            <a:r>
+              <a:rPr lang="en-US" dirty="0"/>
+              <a:t>On cluster level the deployment creates &amp; manages a replica set which then manages the pods. </a:t>
+            </a:r>
+          </a:p>
+          <a:p>
+            <a:r>
+              <a:rPr lang="en-US" dirty="0"/>
+              <a:t>If you update the number of replicas, this will be sent to the </a:t>
+            </a:r>
+            <a:r>
+              <a:rPr lang="en-US" dirty="0" err="1"/>
+              <a:t>replicaSet</a:t>
+            </a:r>
+            <a:r>
+              <a:rPr lang="en-US" dirty="0"/>
+              <a:t> and the desired state is enforced via the </a:t>
+            </a:r>
+            <a:r>
+              <a:rPr lang="en-US" dirty="0" err="1"/>
+              <a:t>replicaSet</a:t>
+            </a:r>
+            <a:r>
+              <a:rPr lang="en-US" dirty="0"/>
+              <a:t>. </a:t>
+            </a:r>
+          </a:p>
+          <a:p>
+            <a:r>
+              <a:rPr lang="en-US" dirty="0"/>
+              <a:t>Upon update of the image, a new </a:t>
+            </a:r>
+            <a:r>
+              <a:rPr lang="en-US" dirty="0" err="1"/>
+              <a:t>replicaSet</a:t>
+            </a:r>
+            <a:r>
+              <a:rPr lang="en-US" dirty="0"/>
+              <a:t> will be created and the old one will be set to replica=0. This way you can roll-back to your old </a:t>
+            </a:r>
+            <a:r>
+              <a:rPr lang="en-US" dirty="0" err="1"/>
+              <a:t>replicaSet</a:t>
+            </a:r>
+            <a:r>
+              <a:rPr lang="en-US" dirty="0"/>
+              <a:t> (by scaling it up again). </a:t>
+            </a:r>
           </a:p>
         </p:txBody>
       </p:sp>
@@ -1120,7 +1430,7 @@
     </p:spTree>
     <p:extLst>
       <p:ext uri="{BB962C8B-B14F-4D97-AF65-F5344CB8AC3E}">
-        <p14:creationId xmlns:p14="http://schemas.microsoft.com/office/powerpoint/2010/main" val="220259158"/>
+        <p14:creationId xmlns:p14="http://schemas.microsoft.com/office/powerpoint/2010/main" val="2647646029"/>
       </p:ext>
     </p:extLst>
   </p:cSld>
@@ -1131,6 +1441,98 @@
 </file>
 
 <file path=ppt/notesSlides/notesSlide7.xml><?xml version="1.0" encoding="utf-8"?>
+<p:notes xmlns:a="http://schemas.openxmlformats.org/drawingml/2006/main" xmlns:r="http://schemas.openxmlformats.org/officeDocument/2006/relationships" xmlns:p="http://schemas.openxmlformats.org/presentationml/2006/main">
+  <p:cSld>
+    <p:spTree>
+      <p:nvGrpSpPr>
+        <p:cNvPr id="1" name=""/>
+        <p:cNvGrpSpPr/>
+        <p:nvPr/>
+      </p:nvGrpSpPr>
+      <p:grpSpPr>
+        <a:xfrm>
+          <a:off x="0" y="0"/>
+          <a:ext cx="0" cy="0"/>
+          <a:chOff x="0" y="0"/>
+          <a:chExt cx="0" cy="0"/>
+        </a:xfrm>
+      </p:grpSpPr>
+      <p:sp>
+        <p:nvSpPr>
+          <p:cNvPr id="4" name="Slide Number Placeholder 3"/>
+          <p:cNvSpPr>
+            <a:spLocks noGrp="1"/>
+          </p:cNvSpPr>
+          <p:nvPr>
+            <p:ph type="sldNum" sz="quarter" idx="10"/>
+          </p:nvPr>
+        </p:nvSpPr>
+        <p:spPr/>
+        <p:txBody>
+          <a:bodyPr/>
+          <a:lstStyle/>
+          <a:p>
+            <a:fld id="{7D8C2C35-2B8A-446E-BEC0-FD36716C29AC}" type="slidenum">
+              <a:rPr lang="de-DE" smtClean="0"/>
+              <a:pPr/>
+              <a:t>7</a:t>
+            </a:fld>
+            <a:endParaRPr lang="de-DE" dirty="0"/>
+          </a:p>
+        </p:txBody>
+      </p:sp>
+      <p:sp>
+        <p:nvSpPr>
+          <p:cNvPr id="9" name="Slide Image Placeholder 8"/>
+          <p:cNvSpPr>
+            <a:spLocks noGrp="1" noRot="1" noChangeAspect="1"/>
+          </p:cNvSpPr>
+          <p:nvPr>
+            <p:ph type="sldImg"/>
+          </p:nvPr>
+        </p:nvSpPr>
+        <p:spPr>
+          <a:xfrm>
+            <a:off x="547688" y="612775"/>
+            <a:ext cx="5762625" cy="3241675"/>
+          </a:xfrm>
+        </p:spPr>
+      </p:sp>
+      <p:sp>
+        <p:nvSpPr>
+          <p:cNvPr id="10" name="Notes Placeholder 9"/>
+          <p:cNvSpPr>
+            <a:spLocks noGrp="1"/>
+          </p:cNvSpPr>
+          <p:nvPr>
+            <p:ph type="body" idx="1"/>
+          </p:nvPr>
+        </p:nvSpPr>
+        <p:spPr/>
+        <p:txBody>
+          <a:bodyPr>
+            <a:normAutofit/>
+          </a:bodyPr>
+          <a:lstStyle/>
+          <a:p>
+            <a:endParaRPr lang="en-US" dirty="0"/>
+          </a:p>
+        </p:txBody>
+      </p:sp>
+    </p:spTree>
+    <p:extLst>
+      <p:ext uri="{BB962C8B-B14F-4D97-AF65-F5344CB8AC3E}">
+        <p14:creationId xmlns:p14="http://schemas.microsoft.com/office/powerpoint/2010/main" val="3094605481"/>
+      </p:ext>
+    </p:extLst>
+  </p:cSld>
+  <p:clrMapOvr>
+    <a:masterClrMapping/>
+  </p:clrMapOvr>
+</p:notes>
+</file>
+
+<file path=ppt/notesSlides/notesSlide8.xml><?xml version="1.0" encoding="utf-8"?>
 <p:notes xmlns:a="http://schemas.openxmlformats.org/drawingml/2006/main" xmlns:r="http://schemas.openxmlformats.org/officeDocument/2006/relationships" xmlns:p="http://schemas.openxmlformats.org/presentationml/2006/main">
   <p:cSld>
     <p:spTree>
@@ -1171,14 +1573,16 @@
         </p:nvSpPr>
         <p:spPr/>
         <p:txBody>
-          <a:bodyPr>
-            <a:normAutofit lnSpcReduction="10000"/>
-          </a:bodyPr>
+          <a:bodyPr/>
           <a:lstStyle/>
           <a:p>
-            <a:r>
-              <a:rPr lang="en-US" dirty="0"/>
-              <a:t>How labels &amp; selectors work here:</a:t>
+            <a:pPr marL="0" indent="0">
+              <a:buFontTx/>
+              <a:buNone/>
+            </a:pPr>
+            <a:r>
+              <a:rPr lang="en-US" dirty="0"/>
+              <a:t>Explain deployments in a demo</a:t>
             </a:r>
           </a:p>
           <a:p>
@@ -1188,7 +1592,15 @@
             </a:pPr>
             <a:r>
               <a:rPr lang="en-US" dirty="0"/>
-              <a:t>Names of pods can change</a:t>
+              <a:t>Use the “</a:t>
+            </a:r>
+            <a:r>
+              <a:rPr lang="en-US" dirty="0" err="1"/>
+              <a:t>kubectl</a:t>
+            </a:r>
+            <a:r>
+              <a:rPr lang="en-US" dirty="0"/>
+              <a:t> run” command to create a deployment</a:t>
             </a:r>
           </a:p>
           <a:p>
@@ -1198,11 +1610,7 @@
             </a:pPr>
             <a:r>
               <a:rPr lang="en-US" dirty="0"/>
-              <a:t>Labels stay</a:t>
-            </a:r>
-            <a:r>
-              <a:rPr lang="en-US" baseline="0" dirty="0"/>
-              <a:t> the same</a:t>
+              <a:t>Show the replica set with labels</a:t>
             </a:r>
           </a:p>
           <a:p>
@@ -1211,16 +1619,82 @@
               <a:buChar char="-"/>
             </a:pPr>
             <a:r>
-              <a:rPr lang="en-US" baseline="0" dirty="0"/>
-              <a:t>Only with labels pods related to </a:t>
-            </a:r>
-            <a:r>
-              <a:rPr lang="en-US" baseline="0" dirty="0" err="1"/>
-              <a:t>rs</a:t>
-            </a:r>
-            <a:r>
-              <a:rPr lang="en-US" baseline="0" dirty="0"/>
-              <a:t>/deployment can be determined reliably</a:t>
+              <a:rPr lang="en-US" dirty="0"/>
+              <a:t>Point out that the replica set is a “hidden” component used to manage pods &amp; generations. A user should not interact directly with a replica set</a:t>
+            </a:r>
+          </a:p>
+          <a:p>
+            <a:pPr marL="285750" indent="-285750">
+              <a:buFontTx/>
+              <a:buChar char="-"/>
+            </a:pPr>
+            <a:r>
+              <a:rPr lang="en-US" dirty="0"/>
+              <a:t>Scale up (</a:t>
+            </a:r>
+            <a:r>
+              <a:rPr lang="en-US" dirty="0" err="1"/>
+              <a:t>kubectl</a:t>
+            </a:r>
+            <a:r>
+              <a:rPr lang="en-US" dirty="0"/>
+              <a:t> scale </a:t>
+            </a:r>
+            <a:r>
+              <a:rPr lang="en-US" dirty="0" err="1"/>
+              <a:t>deployment|replicaset</a:t>
+            </a:r>
+            <a:r>
+              <a:rPr lang="en-US" dirty="0"/>
+              <a:t> &lt;name&gt; --replicas=5)</a:t>
+            </a:r>
+          </a:p>
+          <a:p>
+            <a:pPr marL="465750" lvl="1" indent="-285750">
+              <a:buFontTx/>
+              <a:buChar char="-"/>
+            </a:pPr>
+            <a:r>
+              <a:rPr lang="en-US" dirty="0"/>
+              <a:t>Scale up the replica set &amp; show pods -&gt; replica set is managed by deployment and thus overruled. </a:t>
+            </a:r>
+          </a:p>
+          <a:p>
+            <a:pPr marL="465750" lvl="1" indent="-285750">
+              <a:buFontTx/>
+              <a:buChar char="-"/>
+            </a:pPr>
+            <a:r>
+              <a:rPr lang="en-US" dirty="0"/>
+              <a:t>Scale up the deployment</a:t>
+            </a:r>
+          </a:p>
+          <a:p>
+            <a:pPr marL="285750" indent="-285750">
+              <a:buFontTx/>
+              <a:buChar char="-"/>
+            </a:pPr>
+            <a:r>
+              <a:rPr lang="en-US" dirty="0"/>
+              <a:t>Show the pods with labels</a:t>
+            </a:r>
+          </a:p>
+          <a:p>
+            <a:pPr marL="285750" indent="-285750">
+              <a:buFontTx/>
+              <a:buChar char="-"/>
+            </a:pPr>
+            <a:r>
+              <a:rPr lang="en-US" dirty="0"/>
+              <a:t>Delete a pod &amp; in parallel “watch </a:t>
+            </a:r>
+            <a:r>
+              <a:rPr lang="en-US" dirty="0" err="1"/>
+              <a:t>kubectl</a:t>
+            </a:r>
+            <a:r>
+              <a:rPr lang="en-US" dirty="0"/>
+              <a:t> get pods” to monitor the creation/deletion of pods</a:t>
             </a:r>
           </a:p>
           <a:p>
@@ -1231,24 +1705,13 @@
             <a:endParaRPr lang="en-US" dirty="0"/>
           </a:p>
           <a:p>
-            <a:r>
-              <a:rPr lang="en-US" dirty="0"/>
-              <a:t>Why deployments?</a:t>
-            </a:r>
-          </a:p>
-          <a:p>
-            <a:r>
-              <a:rPr lang="en-US" dirty="0"/>
-              <a:t>You don’t want to know and manage individual pods. You would like to specify a template and instantiate it as often as you wish. Also you want to manage the group of pods e.g. in terms of docker image used.</a:t>
-            </a:r>
-          </a:p>
-          <a:p>
-            <a:endParaRPr lang="en-US" dirty="0"/>
-          </a:p>
-          <a:p>
-            <a:r>
-              <a:rPr lang="en-US" dirty="0"/>
-              <a:t>The deployment gives you these management capabilities. In it’s resource description (</a:t>
+            <a:pPr marL="0" indent="0">
+              <a:buFontTx/>
+              <a:buNone/>
+            </a:pPr>
+            <a:r>
+              <a:rPr lang="en-US" dirty="0"/>
+              <a:t>Don’t forget to mention that a deployment can be created also from </a:t>
             </a:r>
             <a:r>
               <a:rPr lang="en-US" dirty="0" err="1"/>
@@ -1256,58 +1719,20 @@
             </a:r>
             <a:r>
               <a:rPr lang="en-US" dirty="0"/>
-              <a:t> file) you specify a pod template, how pods should be labeled and of course a corresponding selector to identify your pods.</a:t>
-            </a:r>
-          </a:p>
-          <a:p>
-            <a:r>
-              <a:rPr lang="en-US" dirty="0"/>
-              <a:t>On cluster level the deployment creates &amp; manages a replica set which then manages the pods. </a:t>
-            </a:r>
-          </a:p>
-          <a:p>
-            <a:r>
-              <a:rPr lang="en-US" dirty="0"/>
-              <a:t>If you update the number of replicas, this will be sent to the </a:t>
-            </a:r>
-            <a:r>
-              <a:rPr lang="en-US" dirty="0" err="1"/>
-              <a:t>replicaSet</a:t>
-            </a:r>
-            <a:r>
-              <a:rPr lang="en-US" dirty="0"/>
-              <a:t> and the desired state is enforced via the </a:t>
-            </a:r>
-            <a:r>
-              <a:rPr lang="en-US" dirty="0" err="1"/>
-              <a:t>replicaSet</a:t>
-            </a:r>
-            <a:r>
-              <a:rPr lang="en-US" dirty="0"/>
-              <a:t>. </a:t>
-            </a:r>
-          </a:p>
-          <a:p>
-            <a:r>
-              <a:rPr lang="en-US" dirty="0"/>
-              <a:t>Upon update of the image, a new </a:t>
-            </a:r>
-            <a:r>
-              <a:rPr lang="en-US" dirty="0" err="1"/>
-              <a:t>replicaSet</a:t>
-            </a:r>
-            <a:r>
-              <a:rPr lang="en-US" dirty="0"/>
-              <a:t> will be created and the old one will be set to replica=0. This way you can roll-back to your old </a:t>
-            </a:r>
-            <a:r>
-              <a:rPr lang="en-US" dirty="0" err="1"/>
-              <a:t>replicaSet</a:t>
-            </a:r>
-            <a:r>
-              <a:rPr lang="en-US" dirty="0"/>
-              <a:t> (by scaling it up again). </a:t>
-            </a:r>
+              <a:t> file (with way more options to customize -&gt; </a:t>
+            </a:r>
+            <a:r>
+              <a:rPr lang="en-US"/>
+              <a:t>like the labels).</a:t>
+            </a:r>
+            <a:endParaRPr lang="en-US" dirty="0"/>
+          </a:p>
+          <a:p>
+            <a:pPr marL="285750" indent="-285750">
+              <a:buFontTx/>
+              <a:buChar char="-"/>
+            </a:pPr>
+            <a:endParaRPr lang="en-US" dirty="0"/>
           </a:p>
         </p:txBody>
       </p:sp>
@@ -1329,7 +1754,7 @@
             <a:fld id="{7D8C2C35-2B8A-446E-BEC0-FD36716C29AC}" type="slidenum">
               <a:rPr lang="de-DE" smtClean="0"/>
               <a:pPr/>
-              <a:t>7</a:t>
+              <a:t>8</a:t>
             </a:fld>
             <a:endParaRPr lang="de-DE" dirty="0"/>
           </a:p>
@@ -1338,99 +1763,7 @@
     </p:spTree>
     <p:extLst>
       <p:ext uri="{BB962C8B-B14F-4D97-AF65-F5344CB8AC3E}">
-        <p14:creationId xmlns:p14="http://schemas.microsoft.com/office/powerpoint/2010/main" val="2647646029"/>
-      </p:ext>
-    </p:extLst>
-  </p:cSld>
-  <p:clrMapOvr>
-    <a:masterClrMapping/>
-  </p:clrMapOvr>
-</p:notes>
-</file>
-
-<file path=ppt/notesSlides/notesSlide8.xml><?xml version="1.0" encoding="utf-8"?>
-<p:notes xmlns:a="http://schemas.openxmlformats.org/drawingml/2006/main" xmlns:r="http://schemas.openxmlformats.org/officeDocument/2006/relationships" xmlns:p="http://schemas.openxmlformats.org/presentationml/2006/main">
-  <p:cSld>
-    <p:spTree>
-      <p:nvGrpSpPr>
-        <p:cNvPr id="1" name=""/>
-        <p:cNvGrpSpPr/>
-        <p:nvPr/>
-      </p:nvGrpSpPr>
-      <p:grpSpPr>
-        <a:xfrm>
-          <a:off x="0" y="0"/>
-          <a:ext cx="0" cy="0"/>
-          <a:chOff x="0" y="0"/>
-          <a:chExt cx="0" cy="0"/>
-        </a:xfrm>
-      </p:grpSpPr>
-      <p:sp>
-        <p:nvSpPr>
-          <p:cNvPr id="4" name="Slide Number Placeholder 3"/>
-          <p:cNvSpPr>
-            <a:spLocks noGrp="1"/>
-          </p:cNvSpPr>
-          <p:nvPr>
-            <p:ph type="sldNum" sz="quarter" idx="10"/>
-          </p:nvPr>
-        </p:nvSpPr>
-        <p:spPr/>
-        <p:txBody>
-          <a:bodyPr/>
-          <a:lstStyle/>
-          <a:p>
-            <a:fld id="{7D8C2C35-2B8A-446E-BEC0-FD36716C29AC}" type="slidenum">
-              <a:rPr lang="de-DE" smtClean="0"/>
-              <a:pPr/>
-              <a:t>8</a:t>
-            </a:fld>
-            <a:endParaRPr lang="de-DE" dirty="0"/>
-          </a:p>
-        </p:txBody>
-      </p:sp>
-      <p:sp>
-        <p:nvSpPr>
-          <p:cNvPr id="9" name="Slide Image Placeholder 8"/>
-          <p:cNvSpPr>
-            <a:spLocks noGrp="1" noRot="1" noChangeAspect="1"/>
-          </p:cNvSpPr>
-          <p:nvPr>
-            <p:ph type="sldImg"/>
-          </p:nvPr>
-        </p:nvSpPr>
-        <p:spPr>
-          <a:xfrm>
-            <a:off x="547688" y="612775"/>
-            <a:ext cx="5762625" cy="3241675"/>
-          </a:xfrm>
-        </p:spPr>
-      </p:sp>
-      <p:sp>
-        <p:nvSpPr>
-          <p:cNvPr id="10" name="Notes Placeholder 9"/>
-          <p:cNvSpPr>
-            <a:spLocks noGrp="1"/>
-          </p:cNvSpPr>
-          <p:nvPr>
-            <p:ph type="body" idx="1"/>
-          </p:nvPr>
-        </p:nvSpPr>
-        <p:spPr/>
-        <p:txBody>
-          <a:bodyPr>
-            <a:normAutofit/>
-          </a:bodyPr>
-          <a:lstStyle/>
-          <a:p>
-            <a:endParaRPr lang="en-US" dirty="0"/>
-          </a:p>
-        </p:txBody>
-      </p:sp>
-    </p:spTree>
-    <p:extLst>
-      <p:ext uri="{BB962C8B-B14F-4D97-AF65-F5344CB8AC3E}">
-        <p14:creationId xmlns:p14="http://schemas.microsoft.com/office/powerpoint/2010/main" val="3094605481"/>
+        <p14:creationId xmlns:p14="http://schemas.microsoft.com/office/powerpoint/2010/main" val="3805946316"/>
       </p:ext>
     </p:extLst>
   </p:cSld>
@@ -11119,7 +11452,7 @@
             <a:spLocks noGrp="1"/>
           </p:cNvSpPr>
           <p:nvPr>
-            <p:ph type="ctrTitle"/>
+            <p:ph type="title"/>
           </p:nvPr>
         </p:nvSpPr>
         <p:spPr/>
@@ -11134,10 +11467,40 @@
           </a:p>
         </p:txBody>
       </p:sp>
+      <p:pic>
+        <p:nvPicPr>
+          <p:cNvPr id="4" name="Picture 3">
+            <a:extLst>
+              <a:ext uri="{FF2B5EF4-FFF2-40B4-BE49-F238E27FC236}">
+                <a16:creationId xmlns:a16="http://schemas.microsoft.com/office/drawing/2014/main" id="{667C7630-D1BA-44ED-BD0C-E0F24DE56B91}"/>
+              </a:ext>
+            </a:extLst>
+          </p:cNvPr>
+          <p:cNvPicPr>
+            <a:picLocks noChangeAspect="1"/>
+          </p:cNvPicPr>
+          <p:nvPr/>
+        </p:nvPicPr>
+        <p:blipFill>
+          <a:blip r:embed="rId3"/>
+          <a:stretch>
+            <a:fillRect/>
+          </a:stretch>
+        </p:blipFill>
+        <p:spPr>
+          <a:xfrm>
+            <a:off x="3849419" y="1181180"/>
+            <a:ext cx="4495640" cy="4495640"/>
+          </a:xfrm>
+          <a:prstGeom prst="rect">
+            <a:avLst/>
+          </a:prstGeom>
+        </p:spPr>
+      </p:pic>
     </p:spTree>
     <p:extLst>
       <p:ext uri="{BB962C8B-B14F-4D97-AF65-F5344CB8AC3E}">
-        <p14:creationId xmlns:p14="http://schemas.microsoft.com/office/powerpoint/2010/main" val="1080792618"/>
+        <p14:creationId xmlns:p14="http://schemas.microsoft.com/office/powerpoint/2010/main" val="1961122541"/>
       </p:ext>
     </p:extLst>
   </p:cSld>
@@ -11148,104 +11511,6 @@
 </file>
 
 <file path=ppt/slides/slide6.xml><?xml version="1.0" encoding="utf-8"?>
-<p:sld xmlns:a="http://schemas.openxmlformats.org/drawingml/2006/main" xmlns:r="http://schemas.openxmlformats.org/officeDocument/2006/relationships" xmlns:p="http://schemas.openxmlformats.org/presentationml/2006/main" show="0">
-  <p:cSld>
-    <p:spTree>
-      <p:nvGrpSpPr>
-        <p:cNvPr id="1" name=""/>
-        <p:cNvGrpSpPr/>
-        <p:nvPr/>
-      </p:nvGrpSpPr>
-      <p:grpSpPr>
-        <a:xfrm>
-          <a:off x="0" y="0"/>
-          <a:ext cx="0" cy="0"/>
-          <a:chOff x="0" y="0"/>
-          <a:chExt cx="0" cy="0"/>
-        </a:xfrm>
-      </p:grpSpPr>
-      <p:sp>
-        <p:nvSpPr>
-          <p:cNvPr id="4" name="Text Placeholder 3"/>
-          <p:cNvSpPr>
-            <a:spLocks noGrp="1"/>
-          </p:cNvSpPr>
-          <p:nvPr>
-            <p:ph type="body" sz="quarter" idx="10"/>
-          </p:nvPr>
-        </p:nvSpPr>
-        <p:spPr/>
-        <p:txBody>
-          <a:bodyPr/>
-          <a:lstStyle/>
-          <a:p>
-            <a:pPr marL="342900" indent="-342900">
-              <a:buFontTx/>
-              <a:buChar char="-"/>
-            </a:pPr>
-            <a:r>
-              <a:rPr lang="en-US" dirty="0"/>
-              <a:t>Show labels of node pools</a:t>
-            </a:r>
-          </a:p>
-          <a:p>
-            <a:pPr marL="342900" indent="-342900">
-              <a:buFontTx/>
-              <a:buChar char="-"/>
-            </a:pPr>
-            <a:r>
-              <a:rPr lang="en-US" dirty="0"/>
-              <a:t>Label a pod that was created before</a:t>
-            </a:r>
-          </a:p>
-          <a:p>
-            <a:pPr marL="342900" indent="-342900">
-              <a:buFontTx/>
-              <a:buChar char="-"/>
-            </a:pPr>
-            <a:r>
-              <a:rPr lang="en-US" dirty="0"/>
-              <a:t>Query with labels</a:t>
-            </a:r>
-          </a:p>
-        </p:txBody>
-      </p:sp>
-      <p:sp>
-        <p:nvSpPr>
-          <p:cNvPr id="3" name="Title 2"/>
-          <p:cNvSpPr>
-            <a:spLocks noGrp="1"/>
-          </p:cNvSpPr>
-          <p:nvPr>
-            <p:ph type="title"/>
-          </p:nvPr>
-        </p:nvSpPr>
-        <p:spPr/>
-        <p:txBody>
-          <a:bodyPr/>
-          <a:lstStyle/>
-          <a:p>
-            <a:r>
-              <a:rPr lang="en-US" dirty="0"/>
-              <a:t>Demo</a:t>
-            </a:r>
-          </a:p>
-        </p:txBody>
-      </p:sp>
-    </p:spTree>
-    <p:extLst>
-      <p:ext uri="{BB962C8B-B14F-4D97-AF65-F5344CB8AC3E}">
-        <p14:creationId xmlns:p14="http://schemas.microsoft.com/office/powerpoint/2010/main" val="2107498412"/>
-      </p:ext>
-    </p:extLst>
-  </p:cSld>
-  <p:clrMapOvr>
-    <a:masterClrMapping/>
-  </p:clrMapOvr>
-</p:sld>
-</file>
-
-<file path=ppt/slides/slide7.xml><?xml version="1.0" encoding="utf-8"?>
 <p:sld xmlns:a="http://schemas.openxmlformats.org/drawingml/2006/main" xmlns:r="http://schemas.openxmlformats.org/officeDocument/2006/relationships" xmlns:p="http://schemas.openxmlformats.org/presentationml/2006/main">
   <p:cSld>
     <p:spTree>
@@ -12407,7 +12672,7 @@
 </p:sld>
 </file>
 
-<file path=ppt/slides/slide8.xml><?xml version="1.0" encoding="utf-8"?>
+<file path=ppt/slides/slide7.xml><?xml version="1.0" encoding="utf-8"?>
 <p:sld xmlns:a="http://schemas.openxmlformats.org/drawingml/2006/main" xmlns:r="http://schemas.openxmlformats.org/officeDocument/2006/relationships" xmlns:p="http://schemas.openxmlformats.org/presentationml/2006/main">
   <p:cSld>
     <p:spTree>
@@ -12704,6 +12969,88 @@
 </p:sld>
 </file>
 
+<file path=ppt/slides/slide8.xml><?xml version="1.0" encoding="utf-8"?>
+<p:sld xmlns:a="http://schemas.openxmlformats.org/drawingml/2006/main" xmlns:r="http://schemas.openxmlformats.org/officeDocument/2006/relationships" xmlns:p="http://schemas.openxmlformats.org/presentationml/2006/main">
+  <p:cSld>
+    <p:spTree>
+      <p:nvGrpSpPr>
+        <p:cNvPr id="1" name=""/>
+        <p:cNvGrpSpPr/>
+        <p:nvPr/>
+      </p:nvGrpSpPr>
+      <p:grpSpPr>
+        <a:xfrm>
+          <a:off x="0" y="0"/>
+          <a:ext cx="0" cy="0"/>
+          <a:chOff x="0" y="0"/>
+          <a:chExt cx="0" cy="0"/>
+        </a:xfrm>
+      </p:grpSpPr>
+      <p:sp>
+        <p:nvSpPr>
+          <p:cNvPr id="3" name="Title 2"/>
+          <p:cNvSpPr>
+            <a:spLocks noGrp="1"/>
+          </p:cNvSpPr>
+          <p:nvPr>
+            <p:ph type="title"/>
+          </p:nvPr>
+        </p:nvSpPr>
+        <p:spPr/>
+        <p:txBody>
+          <a:bodyPr/>
+          <a:lstStyle/>
+          <a:p>
+            <a:r>
+              <a:rPr lang="en-US" dirty="0"/>
+              <a:t>Demo</a:t>
+            </a:r>
+          </a:p>
+        </p:txBody>
+      </p:sp>
+      <p:pic>
+        <p:nvPicPr>
+          <p:cNvPr id="4" name="Picture 3">
+            <a:extLst>
+              <a:ext uri="{FF2B5EF4-FFF2-40B4-BE49-F238E27FC236}">
+                <a16:creationId xmlns:a16="http://schemas.microsoft.com/office/drawing/2014/main" id="{667C7630-D1BA-44ED-BD0C-E0F24DE56B91}"/>
+              </a:ext>
+            </a:extLst>
+          </p:cNvPr>
+          <p:cNvPicPr>
+            <a:picLocks noChangeAspect="1"/>
+          </p:cNvPicPr>
+          <p:nvPr/>
+        </p:nvPicPr>
+        <p:blipFill>
+          <a:blip r:embed="rId3"/>
+          <a:stretch>
+            <a:fillRect/>
+          </a:stretch>
+        </p:blipFill>
+        <p:spPr>
+          <a:xfrm>
+            <a:off x="3849419" y="1181180"/>
+            <a:ext cx="4495640" cy="4495640"/>
+          </a:xfrm>
+          <a:prstGeom prst="rect">
+            <a:avLst/>
+          </a:prstGeom>
+        </p:spPr>
+      </p:pic>
+    </p:spTree>
+    <p:extLst>
+      <p:ext uri="{BB962C8B-B14F-4D97-AF65-F5344CB8AC3E}">
+        <p14:creationId xmlns:p14="http://schemas.microsoft.com/office/powerpoint/2010/main" val="1236872799"/>
+      </p:ext>
+    </p:extLst>
+  </p:cSld>
+  <p:clrMapOvr>
+    <a:masterClrMapping/>
+  </p:clrMapOvr>
+</p:sld>
+</file>
+
 <file path=ppt/slides/slide9.xml><?xml version="1.0" encoding="utf-8"?>
 <p:sld xmlns:a="http://schemas.openxmlformats.org/drawingml/2006/main" xmlns:r="http://schemas.openxmlformats.org/officeDocument/2006/relationships" xmlns:p="http://schemas.openxmlformats.org/presentationml/2006/main">
   <p:cSld>
@@ -12738,7 +13085,7 @@
           <a:p>
             <a:r>
               <a:rPr lang="en-US" dirty="0"/>
-              <a:t>What YOU will do during the next exercise…</a:t>
+              <a:t>What YOU will do in exercise #03</a:t>
             </a:r>
           </a:p>
         </p:txBody>

--- a/kubernetes/03_labels_and_deployments.pptx
+++ b/kubernetes/03_labels_and_deployments.pptx
@@ -664,7 +664,7 @@
           <a:p>
             <a:r>
               <a:rPr lang="en-US" dirty="0"/>
-              <a:t>Basically, labels are (DNS compatible) free-text, </a:t>
+              <a:t>Basically, labels are </a:t>
             </a:r>
             <a:r>
               <a:rPr lang="en-US" b="1" dirty="0"/>
@@ -672,7 +672,7 @@
             </a:r>
             <a:r>
               <a:rPr lang="en-US" dirty="0"/>
-              <a:t>and you can attach them to almost everything in Kubernetes. Labels are part of the metadata-section of a resource description and of course you can attach multiple labels to one resource.</a:t>
+              <a:t>and you can attach them to almost everything in Kubernetes. Keys can have a prefix separated by “/”. The parts of the key must be DNS compatible names. Labels are part of the metadata-section of a resource description and of course you can attach multiple labels to one resource.</a:t>
             </a:r>
           </a:p>
           <a:p>
@@ -1719,13 +1719,8 @@
             </a:r>
             <a:r>
               <a:rPr lang="en-US" dirty="0"/>
-              <a:t> file (with way more options to customize -&gt; </a:t>
-            </a:r>
-            <a:r>
-              <a:rPr lang="en-US"/>
-              <a:t>like the labels).</a:t>
-            </a:r>
-            <a:endParaRPr lang="en-US" dirty="0"/>
+              <a:t> file (with way more options to customize -&gt; like the labels).</a:t>
+            </a:r>
           </a:p>
           <a:p>
             <a:pPr marL="285750" indent="-285750">
@@ -9870,6 +9865,29 @@
             </a:r>
             <a:r>
               <a:rPr lang="en-US" dirty="0"/>
+              <a:t>”, </a:t>
+            </a:r>
+            <a:br>
+              <a:rPr lang="en-US" dirty="0"/>
+            </a:br>
+            <a:r>
+              <a:rPr lang="en-US" dirty="0"/>
+              <a:t>“</a:t>
+            </a:r>
+            <a:r>
+              <a:rPr lang="en-US" dirty="0" err="1"/>
+              <a:t>com.sap</a:t>
+            </a:r>
+            <a:r>
+              <a:rPr lang="en-US" dirty="0"/>
+              <a:t>/product-name”:”</a:t>
+            </a:r>
+            <a:r>
+              <a:rPr lang="en-US" dirty="0" err="1"/>
+              <a:t>hana</a:t>
+            </a:r>
+            <a:r>
+              <a:rPr lang="en-US" dirty="0"/>
               <a:t>”</a:t>
             </a:r>
           </a:p>
@@ -10693,93 +10711,6 @@
       </p:sp>
       <p:sp>
         <p:nvSpPr>
-          <p:cNvPr id="9" name="Rectangle 8"/>
-          <p:cNvSpPr/>
-          <p:nvPr/>
-        </p:nvSpPr>
-        <p:spPr bwMode="gray">
-          <a:xfrm>
-            <a:off x="7186728" y="4012361"/>
-            <a:ext cx="1645920" cy="365760"/>
-          </a:xfrm>
-          <a:prstGeom prst="rect">
-            <a:avLst/>
-          </a:prstGeom>
-          <a:ln>
-            <a:headEnd/>
-            <a:tailEnd/>
-          </a:ln>
-        </p:spPr>
-        <p:style>
-          <a:lnRef idx="2">
-            <a:schemeClr val="accent2"/>
-          </a:lnRef>
-          <a:fillRef idx="1">
-            <a:schemeClr val="lt1"/>
-          </a:fillRef>
-          <a:effectRef idx="0">
-            <a:schemeClr val="accent2"/>
-          </a:effectRef>
-          <a:fontRef idx="minor">
-            <a:schemeClr val="dk1"/>
-          </a:fontRef>
-        </p:style>
-        <p:txBody>
-          <a:bodyPr lIns="90000" tIns="72000" rIns="90000" bIns="72000" rtlCol="0" anchor="ctr"/>
-          <a:lstStyle/>
-          <a:p>
-            <a:pPr marR="0" algn="ctr" defTabSz="914400" eaLnBrk="1" fontAlgn="base" latinLnBrk="0" hangingPunct="1">
-              <a:lnSpc>
-                <a:spcPct val="100000"/>
-              </a:lnSpc>
-              <a:spcBef>
-                <a:spcPct val="50000"/>
-              </a:spcBef>
-              <a:spcAft>
-                <a:spcPct val="0"/>
-              </a:spcAft>
-              <a:buClr>
-                <a:srgbClr val="F0AB00"/>
-              </a:buClr>
-              <a:buSzPct val="80000"/>
-              <a:tabLst/>
-            </a:pPr>
-            <a:r>
-              <a:rPr lang="de-DE" sz="1800" kern="0" dirty="0" err="1">
-                <a:ea typeface="Arial Unicode MS" pitchFamily="34" charset="-128"/>
-                <a:cs typeface="Arial Unicode MS" pitchFamily="34" charset="-128"/>
-              </a:rPr>
-              <a:t>app</a:t>
-            </a:r>
-            <a:r>
-              <a:rPr lang="de-DE" sz="1800" kern="0" dirty="0">
-                <a:ea typeface="Arial Unicode MS" pitchFamily="34" charset="-128"/>
-                <a:cs typeface="Arial Unicode MS" pitchFamily="34" charset="-128"/>
-              </a:rPr>
-              <a:t>: </a:t>
-            </a:r>
-            <a:r>
-              <a:rPr lang="de-DE" sz="1800" kern="0" dirty="0" err="1">
-                <a:ea typeface="Arial Unicode MS" pitchFamily="34" charset="-128"/>
-                <a:cs typeface="Arial Unicode MS" pitchFamily="34" charset="-128"/>
-              </a:rPr>
-              <a:t>nginx</a:t>
-            </a:r>
-            <a:endParaRPr kumimoji="0" lang="de-DE" sz="1800" b="0" i="0" u="none" strike="noStrike" kern="0" cap="none" spc="0" normalizeH="0" baseline="0" noProof="0" dirty="0">
-              <a:ln>
-                <a:noFill/>
-              </a:ln>
-              <a:effectLst/>
-              <a:uLnTx/>
-              <a:uFillTx/>
-              <a:ea typeface="Arial Unicode MS" pitchFamily="34" charset="-128"/>
-              <a:cs typeface="Arial Unicode MS" pitchFamily="34" charset="-128"/>
-            </a:endParaRPr>
-          </a:p>
-        </p:txBody>
-      </p:sp>
-      <p:sp>
-        <p:nvSpPr>
           <p:cNvPr id="10" name="Flowchart: Document 9"/>
           <p:cNvSpPr/>
           <p:nvPr/>
@@ -10918,6 +10849,93 @@
               <a:t>Pod</a:t>
             </a:r>
             <a:endParaRPr kumimoji="0" lang="de-DE" sz="1600" b="1" i="0" u="none" strike="noStrike" kern="0" cap="none" spc="0" normalizeH="0" baseline="0" noProof="0" dirty="0">
+              <a:ln>
+                <a:noFill/>
+              </a:ln>
+              <a:effectLst/>
+              <a:uLnTx/>
+              <a:uFillTx/>
+              <a:ea typeface="Arial Unicode MS" pitchFamily="34" charset="-128"/>
+              <a:cs typeface="Arial Unicode MS" pitchFamily="34" charset="-128"/>
+            </a:endParaRPr>
+          </a:p>
+        </p:txBody>
+      </p:sp>
+      <p:sp>
+        <p:nvSpPr>
+          <p:cNvPr id="9" name="Rectangle 8"/>
+          <p:cNvSpPr/>
+          <p:nvPr/>
+        </p:nvSpPr>
+        <p:spPr bwMode="gray">
+          <a:xfrm>
+            <a:off x="7186728" y="4012361"/>
+            <a:ext cx="1645920" cy="365760"/>
+          </a:xfrm>
+          <a:prstGeom prst="rect">
+            <a:avLst/>
+          </a:prstGeom>
+          <a:ln>
+            <a:headEnd/>
+            <a:tailEnd/>
+          </a:ln>
+        </p:spPr>
+        <p:style>
+          <a:lnRef idx="2">
+            <a:schemeClr val="accent2"/>
+          </a:lnRef>
+          <a:fillRef idx="1">
+            <a:schemeClr val="lt1"/>
+          </a:fillRef>
+          <a:effectRef idx="0">
+            <a:schemeClr val="accent2"/>
+          </a:effectRef>
+          <a:fontRef idx="minor">
+            <a:schemeClr val="dk1"/>
+          </a:fontRef>
+        </p:style>
+        <p:txBody>
+          <a:bodyPr lIns="90000" tIns="72000" rIns="90000" bIns="72000" rtlCol="0" anchor="ctr"/>
+          <a:lstStyle/>
+          <a:p>
+            <a:pPr marR="0" algn="ctr" defTabSz="914400" eaLnBrk="1" fontAlgn="base" latinLnBrk="0" hangingPunct="1">
+              <a:lnSpc>
+                <a:spcPct val="100000"/>
+              </a:lnSpc>
+              <a:spcBef>
+                <a:spcPct val="50000"/>
+              </a:spcBef>
+              <a:spcAft>
+                <a:spcPct val="0"/>
+              </a:spcAft>
+              <a:buClr>
+                <a:srgbClr val="F0AB00"/>
+              </a:buClr>
+              <a:buSzPct val="80000"/>
+              <a:tabLst/>
+            </a:pPr>
+            <a:r>
+              <a:rPr lang="de-DE" sz="1800" kern="0" dirty="0" err="1">
+                <a:ea typeface="Arial Unicode MS" pitchFamily="34" charset="-128"/>
+                <a:cs typeface="Arial Unicode MS" pitchFamily="34" charset="-128"/>
+              </a:rPr>
+              <a:t>app</a:t>
+            </a:r>
+            <a:r>
+              <a:rPr lang="de-DE" sz="1800" kern="0" dirty="0">
+                <a:ea typeface="Arial Unicode MS" pitchFamily="34" charset="-128"/>
+                <a:cs typeface="Arial Unicode MS" pitchFamily="34" charset="-128"/>
+              </a:rPr>
+              <a:t>: </a:t>
+            </a:r>
+            <a:r>
+              <a:rPr lang="de-DE" sz="1800" kern="0" dirty="0" err="1">
+                <a:ea typeface="Arial Unicode MS" pitchFamily="34" charset="-128"/>
+                <a:cs typeface="Arial Unicode MS" pitchFamily="34" charset="-128"/>
+              </a:rPr>
+              <a:t>nginx</a:t>
+            </a:r>
+            <a:endParaRPr kumimoji="0" lang="de-DE" sz="1800" b="0" i="0" u="none" strike="noStrike" kern="0" cap="none" spc="0" normalizeH="0" baseline="0" noProof="0" dirty="0">
               <a:ln>
                 <a:noFill/>
               </a:ln>

--- a/kubernetes/03_labels_and_deployments.pptx
+++ b/kubernetes/03_labels_and_deployments.pptx
@@ -5,10 +5,10 @@
     <p:sldMasterId id="2147483733" r:id="rId1"/>
   </p:sldMasterIdLst>
   <p:notesMasterIdLst>
-    <p:notesMasterId r:id="rId12"/>
+    <p:notesMasterId r:id="rId14"/>
   </p:notesMasterIdLst>
   <p:handoutMasterIdLst>
-    <p:handoutMasterId r:id="rId13"/>
+    <p:handoutMasterId r:id="rId15"/>
   </p:handoutMasterIdLst>
   <p:sldIdLst>
     <p:sldId id="433" r:id="rId2"/>
@@ -20,7 +20,9 @@
     <p:sldId id="436" r:id="rId8"/>
     <p:sldId id="449" r:id="rId9"/>
     <p:sldId id="447" r:id="rId10"/>
-    <p:sldId id="265" r:id="rId11"/>
+    <p:sldId id="451" r:id="rId11"/>
+    <p:sldId id="450" r:id="rId12"/>
+    <p:sldId id="265" r:id="rId13"/>
   </p:sldIdLst>
   <p:sldSz cx="12195175" cy="6858000"/>
   <p:notesSz cx="6858000" cy="9144000"/>
@@ -609,6 +611,235 @@
 </p:notes>
 </file>
 
+<file path=ppt/notesSlides/notesSlide10.xml><?xml version="1.0" encoding="utf-8"?>
+<p:notes xmlns:a="http://schemas.openxmlformats.org/drawingml/2006/main" xmlns:r="http://schemas.openxmlformats.org/officeDocument/2006/relationships" xmlns:p="http://schemas.openxmlformats.org/presentationml/2006/main">
+  <p:cSld>
+    <p:spTree>
+      <p:nvGrpSpPr>
+        <p:cNvPr id="1" name=""/>
+        <p:cNvGrpSpPr/>
+        <p:nvPr/>
+      </p:nvGrpSpPr>
+      <p:grpSpPr>
+        <a:xfrm>
+          <a:off x="0" y="0"/>
+          <a:ext cx="0" cy="0"/>
+          <a:chOff x="0" y="0"/>
+          <a:chExt cx="0" cy="0"/>
+        </a:xfrm>
+      </p:grpSpPr>
+      <p:sp>
+        <p:nvSpPr>
+          <p:cNvPr id="2" name="Slide Image Placeholder 1"/>
+          <p:cNvSpPr>
+            <a:spLocks noGrp="1" noRot="1" noChangeAspect="1"/>
+          </p:cNvSpPr>
+          <p:nvPr>
+            <p:ph type="sldImg"/>
+          </p:nvPr>
+        </p:nvSpPr>
+        <p:spPr/>
+      </p:sp>
+      <p:sp>
+        <p:nvSpPr>
+          <p:cNvPr id="3" name="Notes Placeholder 2"/>
+          <p:cNvSpPr>
+            <a:spLocks noGrp="1"/>
+          </p:cNvSpPr>
+          <p:nvPr>
+            <p:ph type="body" idx="1"/>
+          </p:nvPr>
+        </p:nvSpPr>
+        <p:spPr/>
+        <p:txBody>
+          <a:bodyPr/>
+          <a:lstStyle/>
+          <a:p>
+            <a:r>
+              <a:rPr lang="en-US" dirty="0"/>
+              <a:t>Before actually talking about the deployment resource, we need to introduce one of the fundamental concepts of Kubernetes: labels &amp; selectors.</a:t>
+            </a:r>
+          </a:p>
+          <a:p>
+            <a:endParaRPr lang="en-US" dirty="0"/>
+          </a:p>
+          <a:p>
+            <a:r>
+              <a:rPr lang="en-US" dirty="0"/>
+              <a:t>Basically, labels are </a:t>
+            </a:r>
+            <a:r>
+              <a:rPr lang="en-US" b="1" dirty="0"/>
+              <a:t>key-value pairs </a:t>
+            </a:r>
+            <a:r>
+              <a:rPr lang="en-US" dirty="0"/>
+              <a:t>and you can attach them to almost everything in Kubernetes. Keys can have a prefix separated by “/”. The parts of the key must be DNS compatible names. Labels are part of the metadata-section of a resource description and of course you can attach multiple labels to one resource.</a:t>
+            </a:r>
+          </a:p>
+          <a:p>
+            <a:endParaRPr lang="en-US" dirty="0"/>
+          </a:p>
+          <a:p>
+            <a:r>
+              <a:rPr lang="en-US" dirty="0"/>
+              <a:t>But what are labels good for, if there is no selection mechanism to evaluate them? Kubernetes label selectors are the answer to this questions.</a:t>
+            </a:r>
+          </a:p>
+          <a:p>
+            <a:endParaRPr lang="en-US" dirty="0"/>
+          </a:p>
+          <a:p>
+            <a:r>
+              <a:rPr lang="en-US" dirty="0"/>
+              <a:t>Selectors can be used in </a:t>
+            </a:r>
+            <a:r>
+              <a:rPr lang="en-US" dirty="0" err="1"/>
+              <a:t>kubectl</a:t>
+            </a:r>
+            <a:r>
+              <a:rPr lang="en-US" dirty="0"/>
+              <a:t> queries but also as part of resource definitions to define dependencies or even hierarchies of managed objects.</a:t>
+            </a:r>
+          </a:p>
+          <a:p>
+            <a:r>
+              <a:rPr lang="en-US" dirty="0"/>
+              <a:t>Mostly the selectors are part of the resource’s spec sections.</a:t>
+            </a:r>
+          </a:p>
+        </p:txBody>
+      </p:sp>
+      <p:sp>
+        <p:nvSpPr>
+          <p:cNvPr id="4" name="Slide Number Placeholder 3"/>
+          <p:cNvSpPr>
+            <a:spLocks noGrp="1"/>
+          </p:cNvSpPr>
+          <p:nvPr>
+            <p:ph type="sldNum" sz="quarter" idx="10"/>
+          </p:nvPr>
+        </p:nvSpPr>
+        <p:spPr/>
+        <p:txBody>
+          <a:bodyPr/>
+          <a:lstStyle/>
+          <a:p>
+            <a:fld id="{7D8C2C35-2B8A-446E-BEC0-FD36716C29AC}" type="slidenum">
+              <a:rPr lang="de-DE" smtClean="0"/>
+              <a:pPr/>
+              <a:t>11</a:t>
+            </a:fld>
+            <a:endParaRPr lang="de-DE" dirty="0"/>
+          </a:p>
+        </p:txBody>
+      </p:sp>
+    </p:spTree>
+    <p:extLst>
+      <p:ext uri="{BB962C8B-B14F-4D97-AF65-F5344CB8AC3E}">
+        <p14:creationId xmlns:p14="http://schemas.microsoft.com/office/powerpoint/2010/main" val="3157898280"/>
+      </p:ext>
+    </p:extLst>
+  </p:cSld>
+  <p:clrMapOvr>
+    <a:masterClrMapping/>
+  </p:clrMapOvr>
+</p:notes>
+</file>
+
+<file path=ppt/notesSlides/notesSlide11.xml><?xml version="1.0" encoding="utf-8"?>
+<p:notes xmlns:a="http://schemas.openxmlformats.org/drawingml/2006/main" xmlns:r="http://schemas.openxmlformats.org/officeDocument/2006/relationships" xmlns:p="http://schemas.openxmlformats.org/presentationml/2006/main">
+  <p:cSld>
+    <p:spTree>
+      <p:nvGrpSpPr>
+        <p:cNvPr id="1" name=""/>
+        <p:cNvGrpSpPr/>
+        <p:nvPr/>
+      </p:nvGrpSpPr>
+      <p:grpSpPr>
+        <a:xfrm>
+          <a:off x="0" y="0"/>
+          <a:ext cx="0" cy="0"/>
+          <a:chOff x="0" y="0"/>
+          <a:chExt cx="0" cy="0"/>
+        </a:xfrm>
+      </p:grpSpPr>
+      <p:sp>
+        <p:nvSpPr>
+          <p:cNvPr id="4" name="Slide Number Placeholder 3"/>
+          <p:cNvSpPr>
+            <a:spLocks noGrp="1"/>
+          </p:cNvSpPr>
+          <p:nvPr>
+            <p:ph type="sldNum" sz="quarter" idx="10"/>
+          </p:nvPr>
+        </p:nvSpPr>
+        <p:spPr/>
+        <p:txBody>
+          <a:bodyPr/>
+          <a:lstStyle/>
+          <a:p>
+            <a:fld id="{7D8C2C35-2B8A-446E-BEC0-FD36716C29AC}" type="slidenum">
+              <a:rPr lang="de-DE" smtClean="0"/>
+              <a:pPr/>
+              <a:t>12</a:t>
+            </a:fld>
+            <a:endParaRPr lang="de-DE" dirty="0"/>
+          </a:p>
+        </p:txBody>
+      </p:sp>
+      <p:sp>
+        <p:nvSpPr>
+          <p:cNvPr id="6" name="Slide Image Placeholder 5"/>
+          <p:cNvSpPr>
+            <a:spLocks noGrp="1" noRot="1" noChangeAspect="1"/>
+          </p:cNvSpPr>
+          <p:nvPr>
+            <p:ph type="sldImg"/>
+          </p:nvPr>
+        </p:nvSpPr>
+        <p:spPr>
+          <a:xfrm>
+            <a:off x="547688" y="612775"/>
+            <a:ext cx="5762625" cy="3241675"/>
+          </a:xfrm>
+        </p:spPr>
+      </p:sp>
+      <p:sp>
+        <p:nvSpPr>
+          <p:cNvPr id="7" name="Notes Placeholder 6"/>
+          <p:cNvSpPr>
+            <a:spLocks noGrp="1"/>
+          </p:cNvSpPr>
+          <p:nvPr>
+            <p:ph type="body" idx="1"/>
+          </p:nvPr>
+        </p:nvSpPr>
+        <p:spPr/>
+        <p:txBody>
+          <a:bodyPr>
+            <a:normAutofit/>
+          </a:bodyPr>
+          <a:lstStyle/>
+          <a:p>
+            <a:endParaRPr lang="en-US"/>
+          </a:p>
+        </p:txBody>
+      </p:sp>
+    </p:spTree>
+    <p:extLst>
+      <p:ext uri="{BB962C8B-B14F-4D97-AF65-F5344CB8AC3E}">
+        <p14:creationId xmlns:p14="http://schemas.microsoft.com/office/powerpoint/2010/main" val="2544264309"/>
+      </p:ext>
+    </p:extLst>
+  </p:cSld>
+  <p:clrMapOvr>
+    <a:masterClrMapping/>
+  </p:clrMapOvr>
+</p:notes>
+</file>
+
 <file path=ppt/notesSlides/notesSlide2.xml><?xml version="1.0" encoding="utf-8"?>
 <p:notes xmlns:a="http://schemas.openxmlformats.org/drawingml/2006/main" xmlns:r="http://schemas.openxmlformats.org/officeDocument/2006/relationships" xmlns:p="http://schemas.openxmlformats.org/presentationml/2006/main">
   <p:cSld>
@@ -792,7 +1023,15 @@
           <a:p>
             <a:r>
               <a:rPr lang="en-US" dirty="0"/>
-              <a:t>Labels are used to identify and bundle pods or nodes or any other resource, where it seem useful.</a:t>
+              <a:t>Labels are used to </a:t>
+            </a:r>
+            <a:r>
+              <a:rPr lang="en-US" b="1" dirty="0"/>
+              <a:t>identify and bundle</a:t>
+            </a:r>
+            <a:r>
+              <a:rPr lang="en-US" dirty="0"/>
+              <a:t> pods or nodes or any other resource, where it seem useful.</a:t>
             </a:r>
           </a:p>
           <a:p>
@@ -800,8 +1039,12 @@
           </a:p>
           <a:p>
             <a:r>
-              <a:rPr lang="en-US" dirty="0"/>
-              <a:t>Pod names are not reliable because they are usually generated. To identify a set of same pods, a label helps.</a:t>
+              <a:rPr lang="en-US" b="1" dirty="0"/>
+              <a:t>Pod names are not reliable</a:t>
+            </a:r>
+            <a:r>
+              <a:rPr lang="en-US" dirty="0"/>
+              <a:t> because they are usually generated. To identify a set of same pods, a label helps.</a:t>
             </a:r>
           </a:p>
         </p:txBody>
@@ -889,7 +1132,39 @@
           <a:p>
             <a:r>
               <a:rPr lang="en-US" dirty="0"/>
-              <a:t>As already said, labels are part of the metadata section and selectors usually occur in the spec sections.</a:t>
+              <a:t>As already said, </a:t>
+            </a:r>
+            <a:r>
+              <a:rPr lang="en-US" b="1" dirty="0"/>
+              <a:t>labels</a:t>
+            </a:r>
+            <a:r>
+              <a:rPr lang="en-US" dirty="0"/>
+              <a:t> are part of the </a:t>
+            </a:r>
+            <a:r>
+              <a:rPr lang="en-US" b="1" dirty="0"/>
+              <a:t>metadata section</a:t>
+            </a:r>
+            <a:r>
+              <a:rPr lang="en-US" dirty="0"/>
+              <a:t> and </a:t>
+            </a:r>
+            <a:r>
+              <a:rPr lang="en-US" b="1" dirty="0"/>
+              <a:t>selectors</a:t>
+            </a:r>
+            <a:r>
+              <a:rPr lang="en-US" dirty="0"/>
+              <a:t> usually occur in the </a:t>
+            </a:r>
+            <a:r>
+              <a:rPr lang="en-US" b="1" dirty="0"/>
+              <a:t>spec sections</a:t>
+            </a:r>
+            <a:r>
+              <a:rPr lang="en-US" dirty="0"/>
+              <a:t>.</a:t>
             </a:r>
           </a:p>
           <a:p>
@@ -1138,7 +1413,7 @@
             </a:r>
             <a:r>
               <a:rPr lang="en-US" dirty="0"/>
-              <a:t> get pods –n </a:t>
+              <a:t> get pods -n </a:t>
             </a:r>
             <a:r>
               <a:rPr lang="en-US" dirty="0" err="1"/>
@@ -1146,7 +1421,7 @@
             </a:r>
             <a:r>
               <a:rPr lang="en-US" dirty="0"/>
-              <a:t>-system –l component</a:t>
+              <a:t>-system -l component</a:t>
             </a:r>
           </a:p>
           <a:p>
@@ -1787,6 +2062,37 @@
       </p:grpSpPr>
       <p:sp>
         <p:nvSpPr>
+          <p:cNvPr id="2" name="Slide Image Placeholder 1"/>
+          <p:cNvSpPr>
+            <a:spLocks noGrp="1" noRot="1" noChangeAspect="1"/>
+          </p:cNvSpPr>
+          <p:nvPr>
+            <p:ph type="sldImg"/>
+          </p:nvPr>
+        </p:nvSpPr>
+        <p:spPr/>
+      </p:sp>
+      <p:sp>
+        <p:nvSpPr>
+          <p:cNvPr id="3" name="Notes Placeholder 2"/>
+          <p:cNvSpPr>
+            <a:spLocks noGrp="1"/>
+          </p:cNvSpPr>
+          <p:nvPr>
+            <p:ph type="body" idx="1"/>
+          </p:nvPr>
+        </p:nvSpPr>
+        <p:spPr/>
+        <p:txBody>
+          <a:bodyPr/>
+          <a:lstStyle/>
+          <a:p>
+            <a:endParaRPr lang="de-DE" dirty="0"/>
+          </a:p>
+        </p:txBody>
+      </p:sp>
+      <p:sp>
+        <p:nvSpPr>
           <p:cNvPr id="4" name="Slide Number Placeholder 3"/>
           <p:cNvSpPr>
             <a:spLocks noGrp="1"/>
@@ -1809,48 +2115,10 @@
           </a:p>
         </p:txBody>
       </p:sp>
-      <p:sp>
-        <p:nvSpPr>
-          <p:cNvPr id="6" name="Slide Image Placeholder 5"/>
-          <p:cNvSpPr>
-            <a:spLocks noGrp="1" noRot="1" noChangeAspect="1"/>
-          </p:cNvSpPr>
-          <p:nvPr>
-            <p:ph type="sldImg"/>
-          </p:nvPr>
-        </p:nvSpPr>
-        <p:spPr>
-          <a:xfrm>
-            <a:off x="547688" y="612775"/>
-            <a:ext cx="5762625" cy="3241675"/>
-          </a:xfrm>
-        </p:spPr>
-      </p:sp>
-      <p:sp>
-        <p:nvSpPr>
-          <p:cNvPr id="7" name="Notes Placeholder 6"/>
-          <p:cNvSpPr>
-            <a:spLocks noGrp="1"/>
-          </p:cNvSpPr>
-          <p:nvPr>
-            <p:ph type="body" idx="1"/>
-          </p:nvPr>
-        </p:nvSpPr>
-        <p:spPr/>
-        <p:txBody>
-          <a:bodyPr>
-            <a:normAutofit/>
-          </a:bodyPr>
-          <a:lstStyle/>
-          <a:p>
-            <a:endParaRPr lang="en-US"/>
-          </a:p>
-        </p:txBody>
-      </p:sp>
     </p:spTree>
     <p:extLst>
       <p:ext uri="{BB962C8B-B14F-4D97-AF65-F5344CB8AC3E}">
-        <p14:creationId xmlns:p14="http://schemas.microsoft.com/office/powerpoint/2010/main" val="2544264309"/>
+        <p14:creationId xmlns:p14="http://schemas.microsoft.com/office/powerpoint/2010/main" val="3523349476"/>
       </p:ext>
     </p:extLst>
   </p:cSld>
@@ -9389,15 +9657,23 @@
               <a:t>Kubernetes</a:t>
             </a:r>
             <a:br>
-              <a:rPr lang="en-US" dirty="0"/>
+              <a:rPr lang="en-US"/>
             </a:br>
+            <a:r>
+              <a:rPr lang="en-US">
+                <a:solidFill>
+                  <a:schemeClr val="accent1"/>
+                </a:solidFill>
+              </a:rPr>
+              <a:t>Labels </a:t>
+            </a:r>
             <a:r>
               <a:rPr lang="en-US" dirty="0">
                 <a:solidFill>
                   <a:schemeClr val="accent1"/>
                 </a:solidFill>
               </a:rPr>
-              <a:t>Deployments</a:t>
+              <a:t>&amp; Deployments</a:t>
             </a:r>
           </a:p>
         </p:txBody>
@@ -9495,6 +9771,692 @@
 </file>
 
 <file path=ppt/slides/slide10.xml><?xml version="1.0" encoding="utf-8"?>
+<p:sld xmlns:a="http://schemas.openxmlformats.org/drawingml/2006/main" xmlns:r="http://schemas.openxmlformats.org/officeDocument/2006/relationships" xmlns:p="http://schemas.openxmlformats.org/presentationml/2006/main">
+  <p:cSld>
+    <p:spTree>
+      <p:nvGrpSpPr>
+        <p:cNvPr id="1" name=""/>
+        <p:cNvGrpSpPr/>
+        <p:nvPr/>
+      </p:nvGrpSpPr>
+      <p:grpSpPr>
+        <a:xfrm>
+          <a:off x="0" y="0"/>
+          <a:ext cx="0" cy="0"/>
+          <a:chOff x="0" y="0"/>
+          <a:chExt cx="0" cy="0"/>
+        </a:xfrm>
+      </p:grpSpPr>
+      <p:sp>
+        <p:nvSpPr>
+          <p:cNvPr id="4" name="Title 3">
+            <a:extLst>
+              <a:ext uri="{FF2B5EF4-FFF2-40B4-BE49-F238E27FC236}">
+                <a16:creationId xmlns:a16="http://schemas.microsoft.com/office/drawing/2014/main" id="{8CDC0710-079C-43DD-A644-3F0DB6C91085}"/>
+              </a:ext>
+            </a:extLst>
+          </p:cNvPr>
+          <p:cNvSpPr>
+            <a:spLocks noGrp="1"/>
+          </p:cNvSpPr>
+          <p:nvPr>
+            <p:ph type="ctrTitle"/>
+          </p:nvPr>
+        </p:nvSpPr>
+        <p:spPr/>
+        <p:txBody>
+          <a:bodyPr/>
+          <a:lstStyle/>
+          <a:p>
+            <a:r>
+              <a:rPr lang="de-DE" dirty="0"/>
+              <a:t>Appendix</a:t>
+            </a:r>
+          </a:p>
+        </p:txBody>
+      </p:sp>
+    </p:spTree>
+    <p:extLst>
+      <p:ext uri="{BB962C8B-B14F-4D97-AF65-F5344CB8AC3E}">
+        <p14:creationId xmlns:p14="http://schemas.microsoft.com/office/powerpoint/2010/main" val="2934549505"/>
+      </p:ext>
+    </p:extLst>
+  </p:cSld>
+  <p:clrMapOvr>
+    <a:masterClrMapping/>
+  </p:clrMapOvr>
+</p:sld>
+</file>
+
+<file path=ppt/slides/slide11.xml><?xml version="1.0" encoding="utf-8"?>
+<p:sld xmlns:a="http://schemas.openxmlformats.org/drawingml/2006/main" xmlns:r="http://schemas.openxmlformats.org/officeDocument/2006/relationships" xmlns:p="http://schemas.openxmlformats.org/presentationml/2006/main" show="0">
+  <p:cSld>
+    <p:spTree>
+      <p:nvGrpSpPr>
+        <p:cNvPr id="1" name=""/>
+        <p:cNvGrpSpPr/>
+        <p:nvPr/>
+      </p:nvGrpSpPr>
+      <p:grpSpPr>
+        <a:xfrm>
+          <a:off x="0" y="0"/>
+          <a:ext cx="0" cy="0"/>
+          <a:chOff x="0" y="0"/>
+          <a:chExt cx="0" cy="0"/>
+        </a:xfrm>
+      </p:grpSpPr>
+      <p:sp>
+        <p:nvSpPr>
+          <p:cNvPr id="2" name="Title 1"/>
+          <p:cNvSpPr>
+            <a:spLocks noGrp="1"/>
+          </p:cNvSpPr>
+          <p:nvPr>
+            <p:ph type="title"/>
+          </p:nvPr>
+        </p:nvSpPr>
+        <p:spPr/>
+        <p:txBody>
+          <a:bodyPr/>
+          <a:lstStyle/>
+          <a:p>
+            <a:r>
+              <a:rPr lang="de-DE" dirty="0" err="1"/>
+              <a:t>Introducing</a:t>
+            </a:r>
+            <a:r>
+              <a:rPr lang="de-DE" dirty="0"/>
+              <a:t> </a:t>
+            </a:r>
+            <a:r>
+              <a:rPr lang="de-DE" dirty="0" err="1"/>
+              <a:t>labels</a:t>
+            </a:r>
+            <a:r>
+              <a:rPr lang="de-DE" dirty="0"/>
+              <a:t> &amp; </a:t>
+            </a:r>
+            <a:r>
+              <a:rPr lang="de-DE" dirty="0" err="1"/>
+              <a:t>selectors</a:t>
+            </a:r>
+            <a:endParaRPr lang="de-DE" dirty="0"/>
+          </a:p>
+        </p:txBody>
+      </p:sp>
+      <p:sp>
+        <p:nvSpPr>
+          <p:cNvPr id="3" name="Rectangle 2"/>
+          <p:cNvSpPr/>
+          <p:nvPr/>
+        </p:nvSpPr>
+        <p:spPr>
+          <a:xfrm>
+            <a:off x="1647953" y="5794159"/>
+            <a:ext cx="8898572" cy="415498"/>
+          </a:xfrm>
+          <a:prstGeom prst="rect">
+            <a:avLst/>
+          </a:prstGeom>
+        </p:spPr>
+        <p:txBody>
+          <a:bodyPr wrap="square">
+            <a:spAutoFit/>
+          </a:bodyPr>
+          <a:lstStyle/>
+          <a:p>
+            <a:pPr algn="ctr"/>
+            <a:r>
+              <a:rPr lang="de-DE" dirty="0">
+                <a:hlinkClick r:id="rId3"/>
+              </a:rPr>
+              <a:t>https://kubernetes.io/docs/concepts/overview/working-with-objects/labels/</a:t>
+            </a:r>
+            <a:r>
+              <a:rPr lang="de-DE" dirty="0"/>
+              <a:t> </a:t>
+            </a:r>
+          </a:p>
+        </p:txBody>
+      </p:sp>
+      <p:pic>
+        <p:nvPicPr>
+          <p:cNvPr id="4" name="Picture 3"/>
+          <p:cNvPicPr>
+            <a:picLocks noChangeAspect="1"/>
+          </p:cNvPicPr>
+          <p:nvPr/>
+        </p:nvPicPr>
+        <p:blipFill>
+          <a:blip r:embed="rId4"/>
+          <a:stretch>
+            <a:fillRect/>
+          </a:stretch>
+        </p:blipFill>
+        <p:spPr>
+          <a:xfrm>
+            <a:off x="7862751" y="1200733"/>
+            <a:ext cx="2638095" cy="1342857"/>
+          </a:xfrm>
+          <a:prstGeom prst="rect">
+            <a:avLst/>
+          </a:prstGeom>
+        </p:spPr>
+      </p:pic>
+      <p:sp>
+        <p:nvSpPr>
+          <p:cNvPr id="5" name="Text Placeholder 2"/>
+          <p:cNvSpPr txBox="1">
+            <a:spLocks/>
+          </p:cNvSpPr>
+          <p:nvPr/>
+        </p:nvSpPr>
+        <p:spPr>
+          <a:xfrm>
+            <a:off x="504000" y="1124700"/>
+            <a:ext cx="8159939" cy="4727460"/>
+          </a:xfrm>
+          <a:prstGeom prst="rect">
+            <a:avLst/>
+          </a:prstGeom>
+        </p:spPr>
+        <p:txBody>
+          <a:bodyPr/>
+          <a:lstStyle>
+            <a:lvl1pPr marL="0" indent="0" algn="l" defTabSz="1088558" rtl="0" eaLnBrk="1" latinLnBrk="0" hangingPunct="1">
+              <a:spcBef>
+                <a:spcPts val="1800"/>
+              </a:spcBef>
+              <a:buClr>
+                <a:schemeClr val="accent1"/>
+              </a:buClr>
+              <a:buSzPct val="80000"/>
+              <a:buFontTx/>
+              <a:buNone/>
+              <a:defRPr sz="2000" b="0" kern="1200">
+                <a:solidFill>
+                  <a:schemeClr val="tx1"/>
+                </a:solidFill>
+                <a:latin typeface="+mn-lt"/>
+                <a:ea typeface="+mn-ea"/>
+                <a:cs typeface="+mn-cs"/>
+              </a:defRPr>
+            </a:lvl1pPr>
+            <a:lvl2pPr marL="179964" indent="-179964" algn="l" defTabSz="1088558" rtl="0" eaLnBrk="1" latinLnBrk="0" hangingPunct="1">
+              <a:spcBef>
+                <a:spcPts val="600"/>
+              </a:spcBef>
+              <a:buClr>
+                <a:schemeClr val="accent1"/>
+              </a:buClr>
+              <a:buSzPct val="100000"/>
+              <a:buFont typeface="Wingdings" pitchFamily="2" charset="2"/>
+              <a:buChar char="§"/>
+              <a:defRPr sz="1800" kern="1200">
+                <a:solidFill>
+                  <a:schemeClr val="tx1"/>
+                </a:solidFill>
+                <a:latin typeface="+mn-lt"/>
+                <a:ea typeface="+mn-ea"/>
+                <a:cs typeface="+mn-cs"/>
+              </a:defRPr>
+            </a:lvl2pPr>
+            <a:lvl3pPr marL="358775" indent="-179388" algn="l" defTabSz="1088558" rtl="0" eaLnBrk="1" latinLnBrk="0" hangingPunct="1">
+              <a:spcBef>
+                <a:spcPts val="300"/>
+              </a:spcBef>
+              <a:buClr>
+                <a:schemeClr val="tx1"/>
+              </a:buClr>
+              <a:buSzPct val="100000"/>
+              <a:buFont typeface="Arial" panose="020B0604020202020204" pitchFamily="34" charset="0"/>
+              <a:buChar char="–"/>
+              <a:defRPr lang="en-US" sz="1800" kern="1200" noProof="0" dirty="0" smtClean="0">
+                <a:solidFill>
+                  <a:schemeClr val="tx1"/>
+                </a:solidFill>
+                <a:latin typeface="+mn-lt"/>
+                <a:ea typeface="+mn-ea"/>
+                <a:cs typeface="+mn-cs"/>
+              </a:defRPr>
+            </a:lvl3pPr>
+            <a:lvl4pPr marL="539892" indent="-179964" algn="l" defTabSz="1088558" rtl="0" eaLnBrk="1" latinLnBrk="0" hangingPunct="1">
+              <a:spcBef>
+                <a:spcPts val="300"/>
+              </a:spcBef>
+              <a:buClr>
+                <a:schemeClr val="tx1"/>
+              </a:buClr>
+              <a:buSzPct val="120000"/>
+              <a:buFont typeface="Arial" pitchFamily="34" charset="0"/>
+              <a:buChar char="▫"/>
+              <a:defRPr sz="1600" kern="1200">
+                <a:solidFill>
+                  <a:schemeClr val="tx1"/>
+                </a:solidFill>
+                <a:latin typeface="+mn-lt"/>
+                <a:ea typeface="+mn-ea"/>
+                <a:cs typeface="+mn-cs"/>
+              </a:defRPr>
+            </a:lvl4pPr>
+            <a:lvl5pPr marL="719856" indent="-179964" algn="l" defTabSz="1088558" rtl="0" eaLnBrk="1" latinLnBrk="0" hangingPunct="1">
+              <a:spcBef>
+                <a:spcPts val="100"/>
+              </a:spcBef>
+              <a:buClr>
+                <a:schemeClr val="tx1"/>
+              </a:buClr>
+              <a:buSzPct val="100000"/>
+              <a:buFont typeface="Symbol" panose="05050102010706020507" pitchFamily="18" charset="2"/>
+              <a:buChar char="-"/>
+              <a:defRPr sz="1400" kern="1200" baseline="0">
+                <a:solidFill>
+                  <a:schemeClr val="tx1"/>
+                </a:solidFill>
+                <a:latin typeface="+mn-lt"/>
+                <a:ea typeface="+mn-ea"/>
+                <a:cs typeface="+mn-cs"/>
+              </a:defRPr>
+            </a:lvl5pPr>
+            <a:lvl6pPr marL="2993535" indent="-272140" algn="l" defTabSz="1088558" rtl="0" eaLnBrk="1" latinLnBrk="0" hangingPunct="1">
+              <a:spcBef>
+                <a:spcPct val="20000"/>
+              </a:spcBef>
+              <a:buFont typeface="Arial" pitchFamily="34" charset="0"/>
+              <a:buChar char="•"/>
+              <a:defRPr sz="2400" kern="1200">
+                <a:solidFill>
+                  <a:schemeClr val="tx1"/>
+                </a:solidFill>
+                <a:latin typeface="+mn-lt"/>
+                <a:ea typeface="+mn-ea"/>
+                <a:cs typeface="+mn-cs"/>
+              </a:defRPr>
+            </a:lvl6pPr>
+            <a:lvl7pPr marL="3537814" indent="-272140" algn="l" defTabSz="1088558" rtl="0" eaLnBrk="1" latinLnBrk="0" hangingPunct="1">
+              <a:spcBef>
+                <a:spcPct val="20000"/>
+              </a:spcBef>
+              <a:buFont typeface="Arial" pitchFamily="34" charset="0"/>
+              <a:buChar char="•"/>
+              <a:defRPr sz="2400" kern="1200">
+                <a:solidFill>
+                  <a:schemeClr val="tx1"/>
+                </a:solidFill>
+                <a:latin typeface="+mn-lt"/>
+                <a:ea typeface="+mn-ea"/>
+                <a:cs typeface="+mn-cs"/>
+              </a:defRPr>
+            </a:lvl7pPr>
+            <a:lvl8pPr marL="4082093" indent="-272140" algn="l" defTabSz="1088558" rtl="0" eaLnBrk="1" latinLnBrk="0" hangingPunct="1">
+              <a:spcBef>
+                <a:spcPct val="20000"/>
+              </a:spcBef>
+              <a:buFont typeface="Arial" pitchFamily="34" charset="0"/>
+              <a:buChar char="•"/>
+              <a:defRPr sz="2400" kern="1200">
+                <a:solidFill>
+                  <a:schemeClr val="tx1"/>
+                </a:solidFill>
+                <a:latin typeface="+mn-lt"/>
+                <a:ea typeface="+mn-ea"/>
+                <a:cs typeface="+mn-cs"/>
+              </a:defRPr>
+            </a:lvl8pPr>
+            <a:lvl9pPr marL="4626373" indent="-272140" algn="l" defTabSz="1088558" rtl="0" eaLnBrk="1" latinLnBrk="0" hangingPunct="1">
+              <a:spcBef>
+                <a:spcPct val="20000"/>
+              </a:spcBef>
+              <a:buFont typeface="Arial" pitchFamily="34" charset="0"/>
+              <a:buChar char="•"/>
+              <a:defRPr sz="2400" kern="1200">
+                <a:solidFill>
+                  <a:schemeClr val="tx1"/>
+                </a:solidFill>
+                <a:latin typeface="+mn-lt"/>
+                <a:ea typeface="+mn-ea"/>
+                <a:cs typeface="+mn-cs"/>
+              </a:defRPr>
+            </a:lvl9pPr>
+          </a:lstStyle>
+          <a:p>
+            <a:pPr lvl="1"/>
+            <a:r>
+              <a:rPr lang="en-US" dirty="0"/>
+              <a:t>Labels are </a:t>
+            </a:r>
+            <a:r>
+              <a:rPr lang="en-US" dirty="0" err="1"/>
+              <a:t>key:value</a:t>
+            </a:r>
+            <a:r>
+              <a:rPr lang="en-US" dirty="0"/>
+              <a:t> pairs in </a:t>
+            </a:r>
+            <a:r>
+              <a:rPr lang="en-US" dirty="0" err="1"/>
+              <a:t>kubernetes</a:t>
+            </a:r>
+            <a:endParaRPr lang="en-US" dirty="0"/>
+          </a:p>
+          <a:p>
+            <a:pPr lvl="1"/>
+            <a:r>
+              <a:rPr lang="en-US" dirty="0"/>
+              <a:t>Labels are part of the “metadata” section of a resource</a:t>
+            </a:r>
+          </a:p>
+          <a:p>
+            <a:pPr lvl="1"/>
+            <a:r>
+              <a:rPr lang="en-US" dirty="0"/>
+              <a:t>Basically everything can be labeled (pods, nodes, …)</a:t>
+            </a:r>
+          </a:p>
+          <a:p>
+            <a:pPr lvl="1"/>
+            <a:r>
+              <a:rPr lang="en-US" dirty="0"/>
+              <a:t>Example: “</a:t>
+            </a:r>
+            <a:r>
+              <a:rPr lang="en-US" dirty="0" err="1"/>
+              <a:t>release”:”stable</a:t>
+            </a:r>
+            <a:r>
+              <a:rPr lang="en-US" dirty="0"/>
+              <a:t>”, “</a:t>
+            </a:r>
+            <a:r>
+              <a:rPr lang="en-US" dirty="0" err="1"/>
+              <a:t>release”:”canary</a:t>
+            </a:r>
+            <a:r>
+              <a:rPr lang="en-US" dirty="0"/>
+              <a:t>”, </a:t>
+            </a:r>
+            <a:br>
+              <a:rPr lang="en-US" dirty="0"/>
+            </a:br>
+            <a:r>
+              <a:rPr lang="en-US" dirty="0"/>
+              <a:t>“</a:t>
+            </a:r>
+            <a:r>
+              <a:rPr lang="en-US" dirty="0" err="1"/>
+              <a:t>com.sap</a:t>
+            </a:r>
+            <a:r>
+              <a:rPr lang="en-US" dirty="0"/>
+              <a:t>/product-name”:”</a:t>
+            </a:r>
+            <a:r>
+              <a:rPr lang="en-US" dirty="0" err="1"/>
+              <a:t>hana</a:t>
+            </a:r>
+            <a:r>
+              <a:rPr lang="en-US" dirty="0"/>
+              <a:t>”</a:t>
+            </a:r>
+          </a:p>
+          <a:p>
+            <a:pPr lvl="1"/>
+            <a:endParaRPr lang="en-US" dirty="0"/>
+          </a:p>
+          <a:p>
+            <a:pPr lvl="1"/>
+            <a:endParaRPr lang="en-US" dirty="0"/>
+          </a:p>
+          <a:p>
+            <a:pPr lvl="1"/>
+            <a:r>
+              <a:rPr lang="en-US" dirty="0"/>
+              <a:t>Based on labels Kubernetes offers selection / filtering / assignments</a:t>
+            </a:r>
+          </a:p>
+          <a:p>
+            <a:pPr lvl="1"/>
+            <a:r>
+              <a:rPr lang="en-US" dirty="0"/>
+              <a:t>Equality-based selectors (true / false)</a:t>
+            </a:r>
+          </a:p>
+          <a:p>
+            <a:pPr lvl="1"/>
+            <a:r>
+              <a:rPr lang="en-US" dirty="0"/>
+              <a:t>Set-based selectors (in, </a:t>
+            </a:r>
+            <a:r>
+              <a:rPr lang="en-US" dirty="0" err="1"/>
+              <a:t>notin</a:t>
+            </a:r>
+            <a:r>
+              <a:rPr lang="en-US" dirty="0"/>
+              <a:t>, exists)</a:t>
+            </a:r>
+          </a:p>
+          <a:p>
+            <a:pPr marL="0" lvl="1" indent="0">
+              <a:buNone/>
+            </a:pPr>
+            <a:endParaRPr lang="en-US" dirty="0"/>
+          </a:p>
+        </p:txBody>
+      </p:sp>
+      <p:pic>
+        <p:nvPicPr>
+          <p:cNvPr id="6" name="Picture 5"/>
+          <p:cNvPicPr>
+            <a:picLocks noChangeAspect="1"/>
+          </p:cNvPicPr>
+          <p:nvPr/>
+        </p:nvPicPr>
+        <p:blipFill>
+          <a:blip r:embed="rId5"/>
+          <a:stretch>
+            <a:fillRect/>
+          </a:stretch>
+        </p:blipFill>
+        <p:spPr>
+          <a:xfrm>
+            <a:off x="7862751" y="3213685"/>
+            <a:ext cx="3076190" cy="742857"/>
+          </a:xfrm>
+          <a:prstGeom prst="rect">
+            <a:avLst/>
+          </a:prstGeom>
+        </p:spPr>
+      </p:pic>
+      <p:pic>
+        <p:nvPicPr>
+          <p:cNvPr id="7" name="Picture 6"/>
+          <p:cNvPicPr>
+            <a:picLocks noChangeAspect="1"/>
+          </p:cNvPicPr>
+          <p:nvPr/>
+        </p:nvPicPr>
+        <p:blipFill>
+          <a:blip r:embed="rId6"/>
+          <a:stretch>
+            <a:fillRect/>
+          </a:stretch>
+        </p:blipFill>
+        <p:spPr>
+          <a:xfrm>
+            <a:off x="7862751" y="4082226"/>
+            <a:ext cx="3971429" cy="1266667"/>
+          </a:xfrm>
+          <a:prstGeom prst="rect">
+            <a:avLst/>
+          </a:prstGeom>
+        </p:spPr>
+      </p:pic>
+      <p:pic>
+        <p:nvPicPr>
+          <p:cNvPr id="8" name="Picture 7">
+            <a:extLst>
+              <a:ext uri="{FF2B5EF4-FFF2-40B4-BE49-F238E27FC236}">
+                <a16:creationId xmlns:a16="http://schemas.microsoft.com/office/drawing/2014/main" id="{9E0A5F9B-3AEC-4598-A134-09D4835E4ABA}"/>
+              </a:ext>
+            </a:extLst>
+          </p:cNvPr>
+          <p:cNvPicPr>
+            <a:picLocks noChangeAspect="1"/>
+          </p:cNvPicPr>
+          <p:nvPr/>
+        </p:nvPicPr>
+        <p:blipFill>
+          <a:blip r:embed="rId7"/>
+          <a:stretch>
+            <a:fillRect/>
+          </a:stretch>
+        </p:blipFill>
+        <p:spPr>
+          <a:xfrm>
+            <a:off x="7862751" y="473337"/>
+            <a:ext cx="2778572" cy="5528571"/>
+          </a:xfrm>
+          <a:prstGeom prst="rect">
+            <a:avLst/>
+          </a:prstGeom>
+        </p:spPr>
+      </p:pic>
+    </p:spTree>
+    <p:extLst>
+      <p:ext uri="{BB962C8B-B14F-4D97-AF65-F5344CB8AC3E}">
+        <p14:creationId xmlns:p14="http://schemas.microsoft.com/office/powerpoint/2010/main" val="3954323756"/>
+      </p:ext>
+    </p:extLst>
+  </p:cSld>
+  <p:clrMapOvr>
+    <a:masterClrMapping/>
+  </p:clrMapOvr>
+  <p:timing>
+    <p:tnLst>
+      <p:par>
+        <p:cTn id="1" dur="indefinite" restart="never" nodeType="tmRoot">
+          <p:childTnLst>
+            <p:seq concurrent="1" nextAc="seek">
+              <p:cTn id="2" dur="indefinite" nodeType="mainSeq">
+                <p:childTnLst>
+                  <p:par>
+                    <p:cTn id="3" fill="hold">
+                      <p:stCondLst>
+                        <p:cond delay="indefinite"/>
+                      </p:stCondLst>
+                      <p:childTnLst>
+                        <p:par>
+                          <p:cTn id="4" fill="hold">
+                            <p:stCondLst>
+                              <p:cond delay="0"/>
+                            </p:stCondLst>
+                            <p:childTnLst>
+                              <p:par>
+                                <p:cTn id="5" presetID="2" presetClass="entr" presetSubtype="4" fill="hold" nodeType="clickEffect">
+                                  <p:stCondLst>
+                                    <p:cond delay="0"/>
+                                  </p:stCondLst>
+                                  <p:childTnLst>
+                                    <p:set>
+                                      <p:cBhvr>
+                                        <p:cTn id="6" dur="1" fill="hold">
+                                          <p:stCondLst>
+                                            <p:cond delay="0"/>
+                                          </p:stCondLst>
+                                        </p:cTn>
+                                        <p:tgtEl>
+                                          <p:spTgt spid="8"/>
+                                        </p:tgtEl>
+                                        <p:attrNameLst>
+                                          <p:attrName>style.visibility</p:attrName>
+                                        </p:attrNameLst>
+                                      </p:cBhvr>
+                                      <p:to>
+                                        <p:strVal val="visible"/>
+                                      </p:to>
+                                    </p:set>
+                                    <p:anim calcmode="lin" valueType="num">
+                                      <p:cBhvr additive="base">
+                                        <p:cTn id="7" dur="500" fill="hold"/>
+                                        <p:tgtEl>
+                                          <p:spTgt spid="8"/>
+                                        </p:tgtEl>
+                                        <p:attrNameLst>
+                                          <p:attrName>ppt_x</p:attrName>
+                                        </p:attrNameLst>
+                                      </p:cBhvr>
+                                      <p:tavLst>
+                                        <p:tav tm="0">
+                                          <p:val>
+                                            <p:strVal val="#ppt_x"/>
+                                          </p:val>
+                                        </p:tav>
+                                        <p:tav tm="100000">
+                                          <p:val>
+                                            <p:strVal val="#ppt_x"/>
+                                          </p:val>
+                                        </p:tav>
+                                      </p:tavLst>
+                                    </p:anim>
+                                    <p:anim calcmode="lin" valueType="num">
+                                      <p:cBhvr additive="base">
+                                        <p:cTn id="8" dur="500" fill="hold"/>
+                                        <p:tgtEl>
+                                          <p:spTgt spid="8"/>
+                                        </p:tgtEl>
+                                        <p:attrNameLst>
+                                          <p:attrName>ppt_y</p:attrName>
+                                        </p:attrNameLst>
+                                      </p:cBhvr>
+                                      <p:tavLst>
+                                        <p:tav tm="0">
+                                          <p:val>
+                                            <p:strVal val="1+#ppt_h/2"/>
+                                          </p:val>
+                                        </p:tav>
+                                        <p:tav tm="100000">
+                                          <p:val>
+                                            <p:strVal val="#ppt_y"/>
+                                          </p:val>
+                                        </p:tav>
+                                      </p:tavLst>
+                                    </p:anim>
+                                  </p:childTnLst>
+                                </p:cTn>
+                              </p:par>
+                            </p:childTnLst>
+                          </p:cTn>
+                        </p:par>
+                      </p:childTnLst>
+                    </p:cTn>
+                  </p:par>
+                </p:childTnLst>
+              </p:cTn>
+              <p:prevCondLst>
+                <p:cond evt="onPrev" delay="0">
+                  <p:tgtEl>
+                    <p:sldTgt/>
+                  </p:tgtEl>
+                </p:cond>
+              </p:prevCondLst>
+              <p:nextCondLst>
+                <p:cond evt="onNext" delay="0">
+                  <p:tgtEl>
+                    <p:sldTgt/>
+                  </p:tgtEl>
+                </p:cond>
+              </p:nextCondLst>
+            </p:seq>
+          </p:childTnLst>
+        </p:cTn>
+      </p:par>
+    </p:tnLst>
+  </p:timing>
+</p:sld>
+</file>
+
+<file path=ppt/slides/slide12.xml><?xml version="1.0" encoding="utf-8"?>
 <p:sld xmlns:a="http://schemas.openxmlformats.org/drawingml/2006/main" xmlns:r="http://schemas.openxmlformats.org/officeDocument/2006/relationships" xmlns:p="http://schemas.openxmlformats.org/presentationml/2006/main" show="0">
   <p:cSld>
     <p:spTree>
@@ -12827,13 +13789,8 @@
             <a:pPr lvl="1"/>
             <a:r>
               <a:rPr lang="en-US" dirty="0"/>
-              <a:t>All parts belonging to a deployment are identified by labels and corresponding </a:t>
-            </a:r>
-            <a:r>
-              <a:rPr lang="en-US" dirty="0" err="1"/>
-              <a:t>selctors</a:t>
-            </a:r>
-            <a:endParaRPr lang="en-US" dirty="0"/>
+              <a:t>All parts belonging to a deployment are identified by labels and corresponding selectors</a:t>
+            </a:r>
           </a:p>
           <a:p>
             <a:pPr lvl="1"/>

--- a/kubernetes/03_labels_and_deployments.pptx
+++ b/kubernetes/03_labels_and_deployments.pptx
@@ -5,10 +5,10 @@
     <p:sldMasterId id="2147483733" r:id="rId1"/>
   </p:sldMasterIdLst>
   <p:notesMasterIdLst>
-    <p:notesMasterId r:id="rId12"/>
+    <p:notesMasterId r:id="rId14"/>
   </p:notesMasterIdLst>
   <p:handoutMasterIdLst>
-    <p:handoutMasterId r:id="rId13"/>
+    <p:handoutMasterId r:id="rId15"/>
   </p:handoutMasterIdLst>
   <p:sldIdLst>
     <p:sldId id="433" r:id="rId2"/>
@@ -16,11 +16,13 @@
     <p:sldId id="446" r:id="rId4"/>
     <p:sldId id="443" r:id="rId5"/>
     <p:sldId id="448" r:id="rId6"/>
-    <p:sldId id="440" r:id="rId7"/>
-    <p:sldId id="436" r:id="rId8"/>
-    <p:sldId id="449" r:id="rId9"/>
-    <p:sldId id="447" r:id="rId10"/>
-    <p:sldId id="265" r:id="rId11"/>
+    <p:sldId id="451" r:id="rId7"/>
+    <p:sldId id="450" r:id="rId8"/>
+    <p:sldId id="440" r:id="rId9"/>
+    <p:sldId id="436" r:id="rId10"/>
+    <p:sldId id="449" r:id="rId11"/>
+    <p:sldId id="447" r:id="rId12"/>
+    <p:sldId id="265" r:id="rId13"/>
   </p:sldIdLst>
   <p:sldSz cx="12195175" cy="6858000"/>
   <p:notesSz cx="6858000" cy="9144000"/>
@@ -1421,7 +1423,7 @@
             <a:fld id="{7D8C2C35-2B8A-446E-BEC0-FD36716C29AC}" type="slidenum">
               <a:rPr lang="de-DE" smtClean="0"/>
               <a:pPr/>
-              <a:t>6</a:t>
+              <a:t>8</a:t>
             </a:fld>
             <a:endParaRPr lang="de-DE" dirty="0"/>
           </a:p>
@@ -1475,7 +1477,7 @@
             <a:fld id="{7D8C2C35-2B8A-446E-BEC0-FD36716C29AC}" type="slidenum">
               <a:rPr lang="de-DE" smtClean="0"/>
               <a:pPr/>
-              <a:t>7</a:t>
+              <a:t>9</a:t>
             </a:fld>
             <a:endParaRPr lang="de-DE" dirty="0"/>
           </a:p>
@@ -1515,7 +1517,10 @@
           </a:bodyPr>
           <a:lstStyle/>
           <a:p>
-            <a:endParaRPr lang="en-US" dirty="0"/>
+            <a:r>
+              <a:rPr lang="en-US" dirty="0"/>
+              <a:t>Labels with red arrows pointing to have to match</a:t>
+            </a:r>
           </a:p>
         </p:txBody>
       </p:sp>
@@ -1749,7 +1754,7 @@
             <a:fld id="{7D8C2C35-2B8A-446E-BEC0-FD36716C29AC}" type="slidenum">
               <a:rPr lang="de-DE" smtClean="0"/>
               <a:pPr/>
-              <a:t>8</a:t>
+              <a:t>10</a:t>
             </a:fld>
             <a:endParaRPr lang="de-DE" dirty="0"/>
           </a:p>
@@ -1803,7 +1808,7 @@
             <a:fld id="{7D8C2C35-2B8A-446E-BEC0-FD36716C29AC}" type="slidenum">
               <a:rPr lang="de-DE" smtClean="0"/>
               <a:pPr/>
-              <a:t>10</a:t>
+              <a:t>12</a:t>
             </a:fld>
             <a:endParaRPr lang="de-DE" dirty="0"/>
           </a:p>
@@ -9495,6 +9500,920 @@
 </file>
 
 <file path=ppt/slides/slide10.xml><?xml version="1.0" encoding="utf-8"?>
+<p:sld xmlns:a="http://schemas.openxmlformats.org/drawingml/2006/main" xmlns:r="http://schemas.openxmlformats.org/officeDocument/2006/relationships" xmlns:p="http://schemas.openxmlformats.org/presentationml/2006/main">
+  <p:cSld>
+    <p:spTree>
+      <p:nvGrpSpPr>
+        <p:cNvPr id="1" name=""/>
+        <p:cNvGrpSpPr/>
+        <p:nvPr/>
+      </p:nvGrpSpPr>
+      <p:grpSpPr>
+        <a:xfrm>
+          <a:off x="0" y="0"/>
+          <a:ext cx="0" cy="0"/>
+          <a:chOff x="0" y="0"/>
+          <a:chExt cx="0" cy="0"/>
+        </a:xfrm>
+      </p:grpSpPr>
+      <p:sp>
+        <p:nvSpPr>
+          <p:cNvPr id="3" name="Title 2"/>
+          <p:cNvSpPr>
+            <a:spLocks noGrp="1"/>
+          </p:cNvSpPr>
+          <p:nvPr>
+            <p:ph type="title"/>
+          </p:nvPr>
+        </p:nvSpPr>
+        <p:spPr/>
+        <p:txBody>
+          <a:bodyPr/>
+          <a:lstStyle/>
+          <a:p>
+            <a:r>
+              <a:rPr lang="en-US" dirty="0"/>
+              <a:t>Demo</a:t>
+            </a:r>
+          </a:p>
+        </p:txBody>
+      </p:sp>
+      <p:pic>
+        <p:nvPicPr>
+          <p:cNvPr id="4" name="Picture 3">
+            <a:extLst>
+              <a:ext uri="{FF2B5EF4-FFF2-40B4-BE49-F238E27FC236}">
+                <a16:creationId xmlns:a16="http://schemas.microsoft.com/office/drawing/2014/main" id="{667C7630-D1BA-44ED-BD0C-E0F24DE56B91}"/>
+              </a:ext>
+            </a:extLst>
+          </p:cNvPr>
+          <p:cNvPicPr>
+            <a:picLocks noChangeAspect="1"/>
+          </p:cNvPicPr>
+          <p:nvPr/>
+        </p:nvPicPr>
+        <p:blipFill>
+          <a:blip r:embed="rId3"/>
+          <a:stretch>
+            <a:fillRect/>
+          </a:stretch>
+        </p:blipFill>
+        <p:spPr>
+          <a:xfrm>
+            <a:off x="3849419" y="1181180"/>
+            <a:ext cx="4495640" cy="4495640"/>
+          </a:xfrm>
+          <a:prstGeom prst="rect">
+            <a:avLst/>
+          </a:prstGeom>
+        </p:spPr>
+      </p:pic>
+    </p:spTree>
+    <p:extLst>
+      <p:ext uri="{BB962C8B-B14F-4D97-AF65-F5344CB8AC3E}">
+        <p14:creationId xmlns:p14="http://schemas.microsoft.com/office/powerpoint/2010/main" val="1236872799"/>
+      </p:ext>
+    </p:extLst>
+  </p:cSld>
+  <p:clrMapOvr>
+    <a:masterClrMapping/>
+  </p:clrMapOvr>
+</p:sld>
+</file>
+
+<file path=ppt/slides/slide11.xml><?xml version="1.0" encoding="utf-8"?>
+<p:sld xmlns:a="http://schemas.openxmlformats.org/drawingml/2006/main" xmlns:r="http://schemas.openxmlformats.org/officeDocument/2006/relationships" xmlns:p="http://schemas.openxmlformats.org/presentationml/2006/main">
+  <p:cSld>
+    <p:spTree>
+      <p:nvGrpSpPr>
+        <p:cNvPr id="1" name=""/>
+        <p:cNvGrpSpPr/>
+        <p:nvPr/>
+      </p:nvGrpSpPr>
+      <p:grpSpPr>
+        <a:xfrm>
+          <a:off x="0" y="0"/>
+          <a:ext cx="0" cy="0"/>
+          <a:chOff x="0" y="0"/>
+          <a:chExt cx="0" cy="0"/>
+        </a:xfrm>
+      </p:grpSpPr>
+      <p:sp>
+        <p:nvSpPr>
+          <p:cNvPr id="3" name="Title 2"/>
+          <p:cNvSpPr>
+            <a:spLocks noGrp="1"/>
+          </p:cNvSpPr>
+          <p:nvPr>
+            <p:ph type="title"/>
+          </p:nvPr>
+        </p:nvSpPr>
+        <p:spPr/>
+        <p:txBody>
+          <a:bodyPr/>
+          <a:lstStyle/>
+          <a:p>
+            <a:r>
+              <a:rPr lang="en-US" dirty="0"/>
+              <a:t>What YOU will do in exercise #03</a:t>
+            </a:r>
+          </a:p>
+        </p:txBody>
+      </p:sp>
+      <p:grpSp>
+        <p:nvGrpSpPr>
+          <p:cNvPr id="13" name="Group 12"/>
+          <p:cNvGrpSpPr/>
+          <p:nvPr/>
+        </p:nvGrpSpPr>
+        <p:grpSpPr>
+          <a:xfrm>
+            <a:off x="2674620" y="2948940"/>
+            <a:ext cx="6187440" cy="1752600"/>
+            <a:chOff x="2697480" y="2743200"/>
+            <a:chExt cx="6187440" cy="2034540"/>
+          </a:xfrm>
+        </p:grpSpPr>
+        <p:sp>
+          <p:nvSpPr>
+            <p:cNvPr id="12" name="Rectangle: Rounded Corners 11"/>
+            <p:cNvSpPr/>
+            <p:nvPr/>
+          </p:nvSpPr>
+          <p:spPr bwMode="gray">
+            <a:xfrm>
+              <a:off x="2697480" y="2743200"/>
+              <a:ext cx="6187440" cy="2034540"/>
+            </a:xfrm>
+            <a:prstGeom prst="roundRect">
+              <a:avLst/>
+            </a:prstGeom>
+            <a:solidFill>
+              <a:schemeClr val="accent4"/>
+            </a:solidFill>
+            <a:ln>
+              <a:headEnd/>
+              <a:tailEnd/>
+            </a:ln>
+          </p:spPr>
+          <p:style>
+            <a:lnRef idx="2">
+              <a:schemeClr val="accent4"/>
+            </a:lnRef>
+            <a:fillRef idx="1">
+              <a:schemeClr val="lt1"/>
+            </a:fillRef>
+            <a:effectRef idx="0">
+              <a:schemeClr val="accent4"/>
+            </a:effectRef>
+            <a:fontRef idx="minor">
+              <a:schemeClr val="dk1"/>
+            </a:fontRef>
+          </p:style>
+          <p:txBody>
+            <a:bodyPr lIns="90000" tIns="72000" rIns="90000" bIns="72000" rtlCol="0" anchor="ctr"/>
+            <a:lstStyle/>
+            <a:p>
+              <a:pPr marR="0" algn="ctr" defTabSz="914400" eaLnBrk="1" fontAlgn="base" latinLnBrk="0" hangingPunct="1">
+                <a:lnSpc>
+                  <a:spcPct val="100000"/>
+                </a:lnSpc>
+                <a:spcBef>
+                  <a:spcPct val="50000"/>
+                </a:spcBef>
+                <a:spcAft>
+                  <a:spcPct val="0"/>
+                </a:spcAft>
+                <a:buClr>
+                  <a:srgbClr val="F0AB00"/>
+                </a:buClr>
+                <a:buSzPct val="80000"/>
+                <a:tabLst/>
+              </a:pPr>
+              <a:endParaRPr kumimoji="0" lang="en-US" sz="1800" b="0" i="0" u="none" strike="noStrike" kern="0" cap="none" spc="0" normalizeH="0" baseline="0" noProof="0" dirty="0" err="1">
+                <a:ln>
+                  <a:noFill/>
+                </a:ln>
+                <a:effectLst/>
+                <a:uLnTx/>
+                <a:uFillTx/>
+                <a:ea typeface="Arial Unicode MS" pitchFamily="34" charset="-128"/>
+                <a:cs typeface="Arial Unicode MS" pitchFamily="34" charset="-128"/>
+              </a:endParaRPr>
+            </a:p>
+          </p:txBody>
+        </p:sp>
+        <p:sp>
+          <p:nvSpPr>
+            <p:cNvPr id="4" name="Rectangle 3"/>
+            <p:cNvSpPr/>
+            <p:nvPr/>
+          </p:nvSpPr>
+          <p:spPr bwMode="gray">
+            <a:xfrm>
+              <a:off x="2989653" y="3164976"/>
+              <a:ext cx="1627931" cy="1156258"/>
+            </a:xfrm>
+            <a:prstGeom prst="rect">
+              <a:avLst/>
+            </a:prstGeom>
+            <a:ln>
+              <a:headEnd/>
+              <a:tailEnd/>
+            </a:ln>
+          </p:spPr>
+          <p:style>
+            <a:lnRef idx="2">
+              <a:schemeClr val="accent4"/>
+            </a:lnRef>
+            <a:fillRef idx="1">
+              <a:schemeClr val="lt1"/>
+            </a:fillRef>
+            <a:effectRef idx="0">
+              <a:schemeClr val="accent4"/>
+            </a:effectRef>
+            <a:fontRef idx="minor">
+              <a:schemeClr val="dk1"/>
+            </a:fontRef>
+          </p:style>
+          <p:txBody>
+            <a:bodyPr lIns="90000" tIns="72000" rIns="90000" bIns="72000" rtlCol="0" anchor="ctr"/>
+            <a:lstStyle/>
+            <a:p>
+              <a:pPr marR="0" algn="ctr" defTabSz="914400" eaLnBrk="1" fontAlgn="base" latinLnBrk="0" hangingPunct="1">
+                <a:lnSpc>
+                  <a:spcPct val="100000"/>
+                </a:lnSpc>
+                <a:spcBef>
+                  <a:spcPct val="50000"/>
+                </a:spcBef>
+                <a:spcAft>
+                  <a:spcPct val="0"/>
+                </a:spcAft>
+                <a:buClr>
+                  <a:srgbClr val="F0AB00"/>
+                </a:buClr>
+                <a:buSzPct val="80000"/>
+                <a:tabLst/>
+              </a:pPr>
+              <a:r>
+                <a:rPr lang="de-DE" sz="1800" kern="0" dirty="0" err="1">
+                  <a:ea typeface="Arial Unicode MS" pitchFamily="34" charset="-128"/>
+                  <a:cs typeface="Arial Unicode MS" pitchFamily="34" charset="-128"/>
+                </a:rPr>
+                <a:t>nginx</a:t>
+              </a:r>
+              <a:endParaRPr kumimoji="0" lang="de-DE" sz="1800" b="0" i="0" u="none" strike="noStrike" kern="0" cap="none" spc="0" normalizeH="0" baseline="0" noProof="0" dirty="0">
+                <a:ln>
+                  <a:noFill/>
+                </a:ln>
+                <a:effectLst/>
+                <a:uLnTx/>
+                <a:uFillTx/>
+                <a:ea typeface="Arial Unicode MS" pitchFamily="34" charset="-128"/>
+                <a:cs typeface="Arial Unicode MS" pitchFamily="34" charset="-128"/>
+              </a:endParaRPr>
+            </a:p>
+          </p:txBody>
+        </p:sp>
+        <p:sp>
+          <p:nvSpPr>
+            <p:cNvPr id="6" name="Rectangle 5"/>
+            <p:cNvSpPr/>
+            <p:nvPr/>
+          </p:nvSpPr>
+          <p:spPr bwMode="gray">
+            <a:xfrm>
+              <a:off x="6855115" y="3164976"/>
+              <a:ext cx="1627931" cy="1156258"/>
+            </a:xfrm>
+            <a:prstGeom prst="rect">
+              <a:avLst/>
+            </a:prstGeom>
+            <a:ln>
+              <a:headEnd/>
+              <a:tailEnd/>
+            </a:ln>
+          </p:spPr>
+          <p:style>
+            <a:lnRef idx="2">
+              <a:schemeClr val="accent4"/>
+            </a:lnRef>
+            <a:fillRef idx="1">
+              <a:schemeClr val="lt1"/>
+            </a:fillRef>
+            <a:effectRef idx="0">
+              <a:schemeClr val="accent4"/>
+            </a:effectRef>
+            <a:fontRef idx="minor">
+              <a:schemeClr val="dk1"/>
+            </a:fontRef>
+          </p:style>
+          <p:txBody>
+            <a:bodyPr lIns="90000" tIns="72000" rIns="90000" bIns="72000" rtlCol="0" anchor="ctr"/>
+            <a:lstStyle/>
+            <a:p>
+              <a:pPr algn="ctr" defTabSz="914400" fontAlgn="base">
+                <a:spcBef>
+                  <a:spcPct val="50000"/>
+                </a:spcBef>
+                <a:spcAft>
+                  <a:spcPct val="0"/>
+                </a:spcAft>
+                <a:buClr>
+                  <a:srgbClr val="F0AB00"/>
+                </a:buClr>
+                <a:buSzPct val="80000"/>
+              </a:pPr>
+              <a:r>
+                <a:rPr lang="de-DE" sz="1800" kern="0" dirty="0" err="1">
+                  <a:ea typeface="Arial Unicode MS" pitchFamily="34" charset="-128"/>
+                  <a:cs typeface="Arial Unicode MS" pitchFamily="34" charset="-128"/>
+                </a:rPr>
+                <a:t>nginx</a:t>
+              </a:r>
+              <a:endParaRPr lang="de-DE" sz="1800" kern="0" dirty="0">
+                <a:ea typeface="Arial Unicode MS" pitchFamily="34" charset="-128"/>
+                <a:cs typeface="Arial Unicode MS" pitchFamily="34" charset="-128"/>
+              </a:endParaRPr>
+            </a:p>
+          </p:txBody>
+        </p:sp>
+        <p:sp>
+          <p:nvSpPr>
+            <p:cNvPr id="7" name="Rectangle 6"/>
+            <p:cNvSpPr/>
+            <p:nvPr/>
+          </p:nvSpPr>
+          <p:spPr bwMode="gray">
+            <a:xfrm>
+              <a:off x="4922384" y="3164976"/>
+              <a:ext cx="1627931" cy="1156258"/>
+            </a:xfrm>
+            <a:prstGeom prst="rect">
+              <a:avLst/>
+            </a:prstGeom>
+            <a:ln>
+              <a:headEnd/>
+              <a:tailEnd/>
+            </a:ln>
+          </p:spPr>
+          <p:style>
+            <a:lnRef idx="2">
+              <a:schemeClr val="accent4"/>
+            </a:lnRef>
+            <a:fillRef idx="1">
+              <a:schemeClr val="lt1"/>
+            </a:fillRef>
+            <a:effectRef idx="0">
+              <a:schemeClr val="accent4"/>
+            </a:effectRef>
+            <a:fontRef idx="minor">
+              <a:schemeClr val="dk1"/>
+            </a:fontRef>
+          </p:style>
+          <p:txBody>
+            <a:bodyPr lIns="90000" tIns="72000" rIns="90000" bIns="72000" rtlCol="0" anchor="ctr"/>
+            <a:lstStyle/>
+            <a:p>
+              <a:pPr algn="ctr" defTabSz="914400" fontAlgn="base">
+                <a:spcBef>
+                  <a:spcPct val="50000"/>
+                </a:spcBef>
+                <a:spcAft>
+                  <a:spcPct val="0"/>
+                </a:spcAft>
+                <a:buClr>
+                  <a:srgbClr val="F0AB00"/>
+                </a:buClr>
+                <a:buSzPct val="80000"/>
+              </a:pPr>
+              <a:r>
+                <a:rPr lang="de-DE" sz="1800" kern="0" dirty="0" err="1">
+                  <a:ea typeface="Arial Unicode MS" pitchFamily="34" charset="-128"/>
+                  <a:cs typeface="Arial Unicode MS" pitchFamily="34" charset="-128"/>
+                </a:rPr>
+                <a:t>nginx</a:t>
+              </a:r>
+              <a:endParaRPr lang="de-DE" sz="1800" kern="0" dirty="0">
+                <a:ea typeface="Arial Unicode MS" pitchFamily="34" charset="-128"/>
+                <a:cs typeface="Arial Unicode MS" pitchFamily="34" charset="-128"/>
+              </a:endParaRPr>
+            </a:p>
+          </p:txBody>
+        </p:sp>
+      </p:grpSp>
+      <p:grpSp>
+        <p:nvGrpSpPr>
+          <p:cNvPr id="15" name="Group 14"/>
+          <p:cNvGrpSpPr/>
+          <p:nvPr/>
+        </p:nvGrpSpPr>
+        <p:grpSpPr>
+          <a:xfrm>
+            <a:off x="3482340" y="5176656"/>
+            <a:ext cx="4572000" cy="1363980"/>
+            <a:chOff x="3421380" y="5067300"/>
+            <a:chExt cx="4572000" cy="1363980"/>
+          </a:xfrm>
+        </p:grpSpPr>
+        <p:sp>
+          <p:nvSpPr>
+            <p:cNvPr id="14" name="Rectangle: Rounded Corners 13"/>
+            <p:cNvSpPr/>
+            <p:nvPr/>
+          </p:nvSpPr>
+          <p:spPr bwMode="gray">
+            <a:xfrm>
+              <a:off x="3421380" y="5067300"/>
+              <a:ext cx="4572000" cy="1363980"/>
+            </a:xfrm>
+            <a:prstGeom prst="roundRect">
+              <a:avLst/>
+            </a:prstGeom>
+            <a:ln>
+              <a:headEnd/>
+              <a:tailEnd/>
+            </a:ln>
+          </p:spPr>
+          <p:style>
+            <a:lnRef idx="2">
+              <a:schemeClr val="accent1"/>
+            </a:lnRef>
+            <a:fillRef idx="1">
+              <a:schemeClr val="lt1"/>
+            </a:fillRef>
+            <a:effectRef idx="0">
+              <a:schemeClr val="accent1"/>
+            </a:effectRef>
+            <a:fontRef idx="minor">
+              <a:schemeClr val="dk1"/>
+            </a:fontRef>
+          </p:style>
+          <p:txBody>
+            <a:bodyPr lIns="90000" tIns="72000" rIns="90000" bIns="72000" rtlCol="0" anchor="ctr"/>
+            <a:lstStyle/>
+            <a:p>
+              <a:pPr marR="0" algn="ctr" defTabSz="914400" eaLnBrk="1" fontAlgn="base" latinLnBrk="0" hangingPunct="1">
+                <a:lnSpc>
+                  <a:spcPct val="100000"/>
+                </a:lnSpc>
+                <a:spcBef>
+                  <a:spcPct val="50000"/>
+                </a:spcBef>
+                <a:spcAft>
+                  <a:spcPct val="0"/>
+                </a:spcAft>
+                <a:buClr>
+                  <a:srgbClr val="F0AB00"/>
+                </a:buClr>
+                <a:buSzPct val="80000"/>
+                <a:tabLst/>
+              </a:pPr>
+              <a:endParaRPr kumimoji="0" lang="en-US" sz="1800" b="0" i="0" u="none" strike="noStrike" kern="0" cap="none" spc="0" normalizeH="0" baseline="0" noProof="0" dirty="0" err="1">
+                <a:ln>
+                  <a:noFill/>
+                </a:ln>
+                <a:effectLst/>
+                <a:uLnTx/>
+                <a:uFillTx/>
+                <a:ea typeface="Arial Unicode MS" pitchFamily="34" charset="-128"/>
+                <a:cs typeface="Arial Unicode MS" pitchFamily="34" charset="-128"/>
+              </a:endParaRPr>
+            </a:p>
+          </p:txBody>
+        </p:sp>
+        <p:sp>
+          <p:nvSpPr>
+            <p:cNvPr id="8" name="Cylinder 7"/>
+            <p:cNvSpPr/>
+            <p:nvPr/>
+          </p:nvSpPr>
+          <p:spPr bwMode="gray">
+            <a:xfrm>
+              <a:off x="3946888" y="5248563"/>
+              <a:ext cx="998220" cy="1004248"/>
+            </a:xfrm>
+            <a:prstGeom prst="can">
+              <a:avLst/>
+            </a:prstGeom>
+            <a:ln>
+              <a:headEnd/>
+              <a:tailEnd/>
+            </a:ln>
+          </p:spPr>
+          <p:style>
+            <a:lnRef idx="2">
+              <a:schemeClr val="accent2"/>
+            </a:lnRef>
+            <a:fillRef idx="1">
+              <a:schemeClr val="lt1"/>
+            </a:fillRef>
+            <a:effectRef idx="0">
+              <a:schemeClr val="accent2"/>
+            </a:effectRef>
+            <a:fontRef idx="minor">
+              <a:schemeClr val="dk1"/>
+            </a:fontRef>
+          </p:style>
+          <p:txBody>
+            <a:bodyPr lIns="90000" tIns="72000" rIns="90000" bIns="72000" rtlCol="0" anchor="ctr"/>
+            <a:lstStyle/>
+            <a:p>
+              <a:pPr marR="0" algn="ctr" defTabSz="914400" eaLnBrk="1" fontAlgn="base" latinLnBrk="0" hangingPunct="1">
+                <a:lnSpc>
+                  <a:spcPct val="100000"/>
+                </a:lnSpc>
+                <a:spcBef>
+                  <a:spcPct val="50000"/>
+                </a:spcBef>
+                <a:spcAft>
+                  <a:spcPct val="0"/>
+                </a:spcAft>
+                <a:buClr>
+                  <a:srgbClr val="F0AB00"/>
+                </a:buClr>
+                <a:buSzPct val="80000"/>
+                <a:tabLst/>
+              </a:pPr>
+              <a:r>
+                <a:rPr kumimoji="0" lang="de-DE" sz="1800" b="0" i="0" u="none" strike="noStrike" kern="0" cap="none" spc="0" normalizeH="0" baseline="0" noProof="0" dirty="0" err="1">
+                  <a:ln>
+                    <a:noFill/>
+                  </a:ln>
+                  <a:effectLst/>
+                  <a:uLnTx/>
+                  <a:uFillTx/>
+                  <a:ea typeface="Arial Unicode MS" pitchFamily="34" charset="-128"/>
+                  <a:cs typeface="Arial Unicode MS" pitchFamily="34" charset="-128"/>
+                </a:rPr>
+                <a:t>content</a:t>
+              </a:r>
+              <a:endParaRPr kumimoji="0" lang="de-DE" sz="1800" b="0" i="0" u="none" strike="noStrike" kern="0" cap="none" spc="0" normalizeH="0" baseline="0" noProof="0" dirty="0">
+                <a:ln>
+                  <a:noFill/>
+                </a:ln>
+                <a:effectLst/>
+                <a:uLnTx/>
+                <a:uFillTx/>
+                <a:ea typeface="Arial Unicode MS" pitchFamily="34" charset="-128"/>
+                <a:cs typeface="Arial Unicode MS" pitchFamily="34" charset="-128"/>
+              </a:endParaRPr>
+            </a:p>
+          </p:txBody>
+        </p:sp>
+        <p:sp>
+          <p:nvSpPr>
+            <p:cNvPr id="9" name="Cylinder 8"/>
+            <p:cNvSpPr/>
+            <p:nvPr/>
+          </p:nvSpPr>
+          <p:spPr bwMode="gray">
+            <a:xfrm>
+              <a:off x="5214379" y="5248563"/>
+              <a:ext cx="998220" cy="1004248"/>
+            </a:xfrm>
+            <a:prstGeom prst="can">
+              <a:avLst/>
+            </a:prstGeom>
+            <a:ln>
+              <a:headEnd/>
+              <a:tailEnd/>
+            </a:ln>
+          </p:spPr>
+          <p:style>
+            <a:lnRef idx="2">
+              <a:schemeClr val="accent2"/>
+            </a:lnRef>
+            <a:fillRef idx="1">
+              <a:schemeClr val="lt1"/>
+            </a:fillRef>
+            <a:effectRef idx="0">
+              <a:schemeClr val="accent2"/>
+            </a:effectRef>
+            <a:fontRef idx="minor">
+              <a:schemeClr val="dk1"/>
+            </a:fontRef>
+          </p:style>
+          <p:txBody>
+            <a:bodyPr lIns="90000" tIns="72000" rIns="90000" bIns="72000" rtlCol="0" anchor="ctr"/>
+            <a:lstStyle/>
+            <a:p>
+              <a:pPr marR="0" algn="ctr" defTabSz="914400" eaLnBrk="1" fontAlgn="base" latinLnBrk="0" hangingPunct="1">
+                <a:lnSpc>
+                  <a:spcPct val="100000"/>
+                </a:lnSpc>
+                <a:spcBef>
+                  <a:spcPct val="50000"/>
+                </a:spcBef>
+                <a:spcAft>
+                  <a:spcPct val="0"/>
+                </a:spcAft>
+                <a:buClr>
+                  <a:srgbClr val="F0AB00"/>
+                </a:buClr>
+                <a:buSzPct val="80000"/>
+                <a:tabLst/>
+              </a:pPr>
+              <a:r>
+                <a:rPr kumimoji="0" lang="de-DE" sz="1800" b="0" i="0" u="none" strike="noStrike" kern="0" cap="none" spc="0" normalizeH="0" baseline="0" noProof="0" dirty="0" err="1">
+                  <a:ln>
+                    <a:noFill/>
+                  </a:ln>
+                  <a:effectLst/>
+                  <a:uLnTx/>
+                  <a:uFillTx/>
+                  <a:ea typeface="Arial Unicode MS" pitchFamily="34" charset="-128"/>
+                  <a:cs typeface="Arial Unicode MS" pitchFamily="34" charset="-128"/>
+                </a:rPr>
+                <a:t>config</a:t>
+              </a:r>
+              <a:endParaRPr kumimoji="0" lang="de-DE" sz="1800" b="0" i="0" u="none" strike="noStrike" kern="0" cap="none" spc="0" normalizeH="0" baseline="0" noProof="0" dirty="0">
+                <a:ln>
+                  <a:noFill/>
+                </a:ln>
+                <a:effectLst/>
+                <a:uLnTx/>
+                <a:uFillTx/>
+                <a:ea typeface="Arial Unicode MS" pitchFamily="34" charset="-128"/>
+                <a:cs typeface="Arial Unicode MS" pitchFamily="34" charset="-128"/>
+              </a:endParaRPr>
+            </a:p>
+          </p:txBody>
+        </p:sp>
+        <p:sp>
+          <p:nvSpPr>
+            <p:cNvPr id="10" name="Cylinder 9"/>
+            <p:cNvSpPr/>
+            <p:nvPr/>
+          </p:nvSpPr>
+          <p:spPr bwMode="gray">
+            <a:xfrm>
+              <a:off x="6481870" y="5248563"/>
+              <a:ext cx="998220" cy="1004248"/>
+            </a:xfrm>
+            <a:prstGeom prst="can">
+              <a:avLst/>
+            </a:prstGeom>
+            <a:ln>
+              <a:headEnd/>
+              <a:tailEnd/>
+            </a:ln>
+          </p:spPr>
+          <p:style>
+            <a:lnRef idx="2">
+              <a:schemeClr val="accent2"/>
+            </a:lnRef>
+            <a:fillRef idx="1">
+              <a:schemeClr val="lt1"/>
+            </a:fillRef>
+            <a:effectRef idx="0">
+              <a:schemeClr val="accent2"/>
+            </a:effectRef>
+            <a:fontRef idx="minor">
+              <a:schemeClr val="dk1"/>
+            </a:fontRef>
+          </p:style>
+          <p:txBody>
+            <a:bodyPr lIns="90000" tIns="72000" rIns="90000" bIns="72000" rtlCol="0" anchor="ctr"/>
+            <a:lstStyle/>
+            <a:p>
+              <a:pPr marR="0" algn="ctr" defTabSz="914400" eaLnBrk="1" fontAlgn="base" latinLnBrk="0" hangingPunct="1">
+                <a:lnSpc>
+                  <a:spcPct val="100000"/>
+                </a:lnSpc>
+                <a:spcBef>
+                  <a:spcPct val="50000"/>
+                </a:spcBef>
+                <a:spcAft>
+                  <a:spcPct val="0"/>
+                </a:spcAft>
+                <a:buClr>
+                  <a:srgbClr val="F0AB00"/>
+                </a:buClr>
+                <a:buSzPct val="80000"/>
+                <a:tabLst/>
+              </a:pPr>
+              <a:r>
+                <a:rPr lang="de-DE" sz="1800" kern="0" dirty="0" err="1">
+                  <a:ea typeface="Arial Unicode MS" pitchFamily="34" charset="-128"/>
+                  <a:cs typeface="Arial Unicode MS" pitchFamily="34" charset="-128"/>
+                </a:rPr>
+                <a:t>tls</a:t>
+              </a:r>
+              <a:r>
+                <a:rPr lang="de-DE" sz="1800" kern="0" dirty="0">
+                  <a:ea typeface="Arial Unicode MS" pitchFamily="34" charset="-128"/>
+                  <a:cs typeface="Arial Unicode MS" pitchFamily="34" charset="-128"/>
+                </a:rPr>
+                <a:t> </a:t>
+              </a:r>
+              <a:r>
+                <a:rPr lang="de-DE" sz="1800" kern="0" dirty="0" err="1">
+                  <a:ea typeface="Arial Unicode MS" pitchFamily="34" charset="-128"/>
+                  <a:cs typeface="Arial Unicode MS" pitchFamily="34" charset="-128"/>
+                </a:rPr>
+                <a:t>certs</a:t>
+              </a:r>
+              <a:endParaRPr kumimoji="0" lang="de-DE" sz="1800" b="0" i="0" u="none" strike="noStrike" kern="0" cap="none" spc="0" normalizeH="0" baseline="0" noProof="0" dirty="0">
+                <a:ln>
+                  <a:noFill/>
+                </a:ln>
+                <a:effectLst/>
+                <a:uLnTx/>
+                <a:uFillTx/>
+                <a:ea typeface="Arial Unicode MS" pitchFamily="34" charset="-128"/>
+                <a:cs typeface="Arial Unicode MS" pitchFamily="34" charset="-128"/>
+              </a:endParaRPr>
+            </a:p>
+          </p:txBody>
+        </p:sp>
+      </p:grpSp>
+      <p:sp>
+        <p:nvSpPr>
+          <p:cNvPr id="16" name="Arrow: Up-Down 15"/>
+          <p:cNvSpPr/>
+          <p:nvPr/>
+        </p:nvSpPr>
+        <p:spPr bwMode="gray">
+          <a:xfrm>
+            <a:off x="5657231" y="4400550"/>
+            <a:ext cx="222219" cy="845820"/>
+          </a:xfrm>
+          <a:prstGeom prst="upDownArrow">
+            <a:avLst/>
+          </a:prstGeom>
+          <a:solidFill>
+            <a:schemeClr val="accent1"/>
+          </a:solidFill>
+          <a:ln w="6350" algn="ctr">
+            <a:noFill/>
+            <a:miter lim="800000"/>
+            <a:headEnd/>
+            <a:tailEnd/>
+          </a:ln>
+        </p:spPr>
+        <p:txBody>
+          <a:bodyPr lIns="90000" tIns="72000" rIns="90000" bIns="72000" rtlCol="0" anchor="ctr"/>
+          <a:lstStyle/>
+          <a:p>
+            <a:pPr marR="0" algn="ctr" defTabSz="914400" eaLnBrk="1" fontAlgn="base" latinLnBrk="0" hangingPunct="1">
+              <a:lnSpc>
+                <a:spcPct val="100000"/>
+              </a:lnSpc>
+              <a:spcBef>
+                <a:spcPct val="50000"/>
+              </a:spcBef>
+              <a:spcAft>
+                <a:spcPct val="0"/>
+              </a:spcAft>
+              <a:buClr>
+                <a:srgbClr val="F0AB00"/>
+              </a:buClr>
+              <a:buSzPct val="80000"/>
+              <a:tabLst/>
+            </a:pPr>
+            <a:endParaRPr kumimoji="0" lang="en-US" sz="1800" b="0" i="0" u="none" strike="noStrike" kern="0" cap="none" spc="0" normalizeH="0" baseline="0" noProof="0" dirty="0" err="1">
+              <a:ln>
+                <a:noFill/>
+              </a:ln>
+              <a:effectLst/>
+              <a:uLnTx/>
+              <a:uFillTx/>
+              <a:ea typeface="Arial Unicode MS" pitchFamily="34" charset="-128"/>
+              <a:cs typeface="Arial Unicode MS" pitchFamily="34" charset="-128"/>
+            </a:endParaRPr>
+          </a:p>
+        </p:txBody>
+      </p:sp>
+      <p:sp>
+        <p:nvSpPr>
+          <p:cNvPr id="17" name="Cloud 16"/>
+          <p:cNvSpPr/>
+          <p:nvPr/>
+        </p:nvSpPr>
+        <p:spPr bwMode="gray">
+          <a:xfrm>
+            <a:off x="4077319" y="1126276"/>
+            <a:ext cx="3382042" cy="914400"/>
+          </a:xfrm>
+          <a:prstGeom prst="cloud">
+            <a:avLst/>
+          </a:prstGeom>
+          <a:solidFill>
+            <a:schemeClr val="accent1"/>
+          </a:solidFill>
+          <a:ln w="6350" algn="ctr">
+            <a:noFill/>
+            <a:miter lim="800000"/>
+            <a:headEnd/>
+            <a:tailEnd/>
+          </a:ln>
+        </p:spPr>
+        <p:txBody>
+          <a:bodyPr lIns="90000" tIns="72000" rIns="90000" bIns="72000" rtlCol="0" anchor="ctr"/>
+          <a:lstStyle/>
+          <a:p>
+            <a:pPr marR="0" algn="ctr" defTabSz="914400" eaLnBrk="1" fontAlgn="base" latinLnBrk="0" hangingPunct="1">
+              <a:lnSpc>
+                <a:spcPct val="100000"/>
+              </a:lnSpc>
+              <a:spcBef>
+                <a:spcPct val="50000"/>
+              </a:spcBef>
+              <a:spcAft>
+                <a:spcPct val="0"/>
+              </a:spcAft>
+              <a:buClr>
+                <a:srgbClr val="F0AB00"/>
+              </a:buClr>
+              <a:buSzPct val="80000"/>
+              <a:tabLst/>
+            </a:pPr>
+            <a:endParaRPr kumimoji="0" lang="en-US" sz="1800" b="0" i="0" u="none" strike="noStrike" kern="0" cap="none" spc="0" normalizeH="0" baseline="0" noProof="0" dirty="0" err="1">
+              <a:ln>
+                <a:noFill/>
+              </a:ln>
+              <a:effectLst/>
+              <a:uLnTx/>
+              <a:uFillTx/>
+              <a:ea typeface="Arial Unicode MS" pitchFamily="34" charset="-128"/>
+              <a:cs typeface="Arial Unicode MS" pitchFamily="34" charset="-128"/>
+            </a:endParaRPr>
+          </a:p>
+        </p:txBody>
+      </p:sp>
+      <p:sp>
+        <p:nvSpPr>
+          <p:cNvPr id="18" name="Arrow: Up-Down 17"/>
+          <p:cNvSpPr/>
+          <p:nvPr/>
+        </p:nvSpPr>
+        <p:spPr bwMode="gray">
+          <a:xfrm>
+            <a:off x="5657231" y="2071898"/>
+            <a:ext cx="222219" cy="845820"/>
+          </a:xfrm>
+          <a:prstGeom prst="upDownArrow">
+            <a:avLst/>
+          </a:prstGeom>
+          <a:solidFill>
+            <a:schemeClr val="accent1"/>
+          </a:solidFill>
+          <a:ln w="6350" algn="ctr">
+            <a:noFill/>
+            <a:miter lim="800000"/>
+            <a:headEnd/>
+            <a:tailEnd/>
+          </a:ln>
+        </p:spPr>
+        <p:txBody>
+          <a:bodyPr lIns="90000" tIns="72000" rIns="90000" bIns="72000" rtlCol="0" anchor="ctr"/>
+          <a:lstStyle/>
+          <a:p>
+            <a:pPr marR="0" algn="ctr" defTabSz="914400" eaLnBrk="1" fontAlgn="base" latinLnBrk="0" hangingPunct="1">
+              <a:lnSpc>
+                <a:spcPct val="100000"/>
+              </a:lnSpc>
+              <a:spcBef>
+                <a:spcPct val="50000"/>
+              </a:spcBef>
+              <a:spcAft>
+                <a:spcPct val="0"/>
+              </a:spcAft>
+              <a:buClr>
+                <a:srgbClr val="F0AB00"/>
+              </a:buClr>
+              <a:buSzPct val="80000"/>
+              <a:tabLst/>
+            </a:pPr>
+            <a:endParaRPr kumimoji="0" lang="en-US" sz="1800" b="0" i="0" u="none" strike="noStrike" kern="0" cap="none" spc="0" normalizeH="0" baseline="0" noProof="0" dirty="0" err="1">
+              <a:ln>
+                <a:noFill/>
+              </a:ln>
+              <a:effectLst/>
+              <a:uLnTx/>
+              <a:uFillTx/>
+              <a:ea typeface="Arial Unicode MS" pitchFamily="34" charset="-128"/>
+              <a:cs typeface="Arial Unicode MS" pitchFamily="34" charset="-128"/>
+            </a:endParaRPr>
+          </a:p>
+        </p:txBody>
+      </p:sp>
+    </p:spTree>
+    <p:extLst>
+      <p:ext uri="{BB962C8B-B14F-4D97-AF65-F5344CB8AC3E}">
+        <p14:creationId xmlns:p14="http://schemas.microsoft.com/office/powerpoint/2010/main" val="4085581448"/>
+      </p:ext>
+    </p:extLst>
+  </p:cSld>
+  <p:clrMapOvr>
+    <a:masterClrMapping/>
+  </p:clrMapOvr>
+</p:sld>
+</file>
+
+<file path=ppt/slides/slide12.xml><?xml version="1.0" encoding="utf-8"?>
 <p:sld xmlns:a="http://schemas.openxmlformats.org/drawingml/2006/main" xmlns:r="http://schemas.openxmlformats.org/officeDocument/2006/relationships" xmlns:p="http://schemas.openxmlformats.org/presentationml/2006/main" show="0">
   <p:cSld>
     <p:spTree>
@@ -10022,7 +10941,7 @@
         </p:nvSpPr>
         <p:spPr bwMode="gray">
           <a:xfrm>
-            <a:off x="1313895" y="3231470"/>
+            <a:off x="1313895" y="2669495"/>
             <a:ext cx="8904303" cy="2476870"/>
           </a:xfrm>
           <a:prstGeom prst="roundRect">
@@ -10297,7 +11216,7 @@
         </p:nvSpPr>
         <p:spPr bwMode="gray">
           <a:xfrm>
-            <a:off x="2595087" y="4195241"/>
+            <a:off x="2595087" y="3633266"/>
             <a:ext cx="1208595" cy="773906"/>
           </a:xfrm>
           <a:prstGeom prst="rect">
@@ -10349,7 +11268,7 @@
                 <a:ea typeface="Arial Unicode MS" pitchFamily="34" charset="-128"/>
                 <a:cs typeface="Arial Unicode MS" pitchFamily="34" charset="-128"/>
               </a:rPr>
-              <a:t>Pod</a:t>
+              <a:t>koopa</a:t>
             </a:r>
             <a:r>
               <a:rPr lang="de-DE" sz="1600" b="1" kern="0" noProof="0" dirty="0">
@@ -10379,8 +11298,8 @@
         </p:nvSpPr>
         <p:spPr bwMode="gray">
           <a:xfrm>
-            <a:off x="1576038" y="4012361"/>
-            <a:ext cx="1645920" cy="365760"/>
+            <a:off x="1465871" y="3450386"/>
+            <a:ext cx="1729137" cy="365760"/>
           </a:xfrm>
           <a:prstGeom prst="rect">
             <a:avLst/>
@@ -10408,10 +11327,7 @@
           <a:bodyPr lIns="90000" tIns="72000" rIns="90000" bIns="72000" rtlCol="0" anchor="ctr"/>
           <a:lstStyle/>
           <a:p>
-            <a:pPr marR="0" algn="ctr" defTabSz="914400" eaLnBrk="1" fontAlgn="base" latinLnBrk="0" hangingPunct="1">
-              <a:lnSpc>
-                <a:spcPct val="100000"/>
-              </a:lnSpc>
+            <a:pPr algn="ctr" defTabSz="914400" fontAlgn="base">
               <a:spcBef>
                 <a:spcPct val="50000"/>
               </a:spcBef>
@@ -10422,28 +11338,20 @@
                 <a:srgbClr val="F0AB00"/>
               </a:buClr>
               <a:buSzPct val="80000"/>
-              <a:tabLst/>
             </a:pPr>
             <a:r>
-              <a:rPr lang="de-DE" sz="1800" kern="0" dirty="0" err="1">
+              <a:rPr lang="en-US" sz="1800" kern="0" dirty="0">
                 <a:ea typeface="Arial Unicode MS" pitchFamily="34" charset="-128"/>
                 <a:cs typeface="Arial Unicode MS" pitchFamily="34" charset="-128"/>
               </a:rPr>
-              <a:t>app</a:t>
-            </a:r>
-            <a:r>
-              <a:rPr lang="de-DE" sz="1800" kern="0" dirty="0">
+              <a:t>species: </a:t>
+            </a:r>
+            <a:r>
+              <a:rPr lang="en-US" sz="1800" kern="0" dirty="0" err="1">
                 <a:ea typeface="Arial Unicode MS" pitchFamily="34" charset="-128"/>
                 <a:cs typeface="Arial Unicode MS" pitchFamily="34" charset="-128"/>
               </a:rPr>
-              <a:t>: </a:t>
-            </a:r>
-            <a:r>
-              <a:rPr lang="de-DE" sz="1800" kern="0" dirty="0" err="1">
-                <a:ea typeface="Arial Unicode MS" pitchFamily="34" charset="-128"/>
-                <a:cs typeface="Arial Unicode MS" pitchFamily="34" charset="-128"/>
-              </a:rPr>
-              <a:t>nginx</a:t>
+              <a:t>koopa</a:t>
             </a:r>
             <a:endParaRPr kumimoji="0" lang="de-DE" sz="1800" b="0" i="0" u="none" strike="noStrike" kern="0" cap="none" spc="0" normalizeH="0" baseline="0" noProof="0" dirty="0">
               <a:ln>
@@ -10466,7 +11374,7 @@
         </p:nvSpPr>
         <p:spPr bwMode="gray">
           <a:xfrm>
-            <a:off x="5400432" y="4195241"/>
+            <a:off x="5400432" y="3633266"/>
             <a:ext cx="1208595" cy="773906"/>
           </a:xfrm>
           <a:prstGeom prst="rect">
@@ -10518,7 +11426,7 @@
                 <a:ea typeface="Arial Unicode MS" pitchFamily="34" charset="-128"/>
                 <a:cs typeface="Arial Unicode MS" pitchFamily="34" charset="-128"/>
               </a:rPr>
-              <a:t>Pod</a:t>
+              <a:t>koopa</a:t>
             </a:r>
             <a:r>
               <a:rPr lang="de-DE" sz="1600" b="1" kern="0" noProof="0" dirty="0">
@@ -10542,100 +11450,13 @@
       </p:sp>
       <p:sp>
         <p:nvSpPr>
-          <p:cNvPr id="7" name="Rectangle 6"/>
-          <p:cNvSpPr/>
-          <p:nvPr/>
-        </p:nvSpPr>
-        <p:spPr bwMode="gray">
-          <a:xfrm>
-            <a:off x="4381383" y="4012361"/>
-            <a:ext cx="1645920" cy="365760"/>
-          </a:xfrm>
-          <a:prstGeom prst="rect">
-            <a:avLst/>
-          </a:prstGeom>
-          <a:ln>
-            <a:headEnd/>
-            <a:tailEnd/>
-          </a:ln>
-        </p:spPr>
-        <p:style>
-          <a:lnRef idx="2">
-            <a:schemeClr val="accent2"/>
-          </a:lnRef>
-          <a:fillRef idx="1">
-            <a:schemeClr val="lt1"/>
-          </a:fillRef>
-          <a:effectRef idx="0">
-            <a:schemeClr val="accent2"/>
-          </a:effectRef>
-          <a:fontRef idx="minor">
-            <a:schemeClr val="dk1"/>
-          </a:fontRef>
-        </p:style>
-        <p:txBody>
-          <a:bodyPr lIns="90000" tIns="72000" rIns="90000" bIns="72000" rtlCol="0" anchor="ctr"/>
-          <a:lstStyle/>
-          <a:p>
-            <a:pPr marR="0" algn="ctr" defTabSz="914400" eaLnBrk="1" fontAlgn="base" latinLnBrk="0" hangingPunct="1">
-              <a:lnSpc>
-                <a:spcPct val="100000"/>
-              </a:lnSpc>
-              <a:spcBef>
-                <a:spcPct val="50000"/>
-              </a:spcBef>
-              <a:spcAft>
-                <a:spcPct val="0"/>
-              </a:spcAft>
-              <a:buClr>
-                <a:srgbClr val="F0AB00"/>
-              </a:buClr>
-              <a:buSzPct val="80000"/>
-              <a:tabLst/>
-            </a:pPr>
-            <a:r>
-              <a:rPr lang="de-DE" sz="1800" kern="0" dirty="0" err="1">
-                <a:ea typeface="Arial Unicode MS" pitchFamily="34" charset="-128"/>
-                <a:cs typeface="Arial Unicode MS" pitchFamily="34" charset="-128"/>
-              </a:rPr>
-              <a:t>app</a:t>
-            </a:r>
-            <a:r>
-              <a:rPr lang="de-DE" sz="1800" kern="0" dirty="0">
-                <a:ea typeface="Arial Unicode MS" pitchFamily="34" charset="-128"/>
-                <a:cs typeface="Arial Unicode MS" pitchFamily="34" charset="-128"/>
-              </a:rPr>
-              <a:t>: </a:t>
-            </a:r>
-            <a:r>
-              <a:rPr lang="de-DE" sz="1800" kern="0" dirty="0" err="1">
-                <a:ea typeface="Arial Unicode MS" pitchFamily="34" charset="-128"/>
-                <a:cs typeface="Arial Unicode MS" pitchFamily="34" charset="-128"/>
-              </a:rPr>
-              <a:t>nginx</a:t>
-            </a:r>
-            <a:endParaRPr kumimoji="0" lang="de-DE" sz="1800" b="0" i="0" u="none" strike="noStrike" kern="0" cap="none" spc="0" normalizeH="0" baseline="0" noProof="0" dirty="0">
-              <a:ln>
-                <a:noFill/>
-              </a:ln>
-              <a:effectLst/>
-              <a:uLnTx/>
-              <a:uFillTx/>
-              <a:ea typeface="Arial Unicode MS" pitchFamily="34" charset="-128"/>
-              <a:cs typeface="Arial Unicode MS" pitchFamily="34" charset="-128"/>
-            </a:endParaRPr>
-          </a:p>
-        </p:txBody>
-      </p:sp>
-      <p:sp>
-        <p:nvSpPr>
           <p:cNvPr id="8" name="Rectangle 7"/>
           <p:cNvSpPr/>
           <p:nvPr/>
         </p:nvSpPr>
         <p:spPr bwMode="gray">
           <a:xfrm>
-            <a:off x="8205777" y="4195241"/>
+            <a:off x="8205777" y="3633266"/>
             <a:ext cx="1208595" cy="773906"/>
           </a:xfrm>
           <a:prstGeom prst="rect">
@@ -10717,8 +11538,8 @@
         </p:nvSpPr>
         <p:spPr bwMode="gray">
           <a:xfrm>
-            <a:off x="892415" y="3000650"/>
-            <a:ext cx="1506583" cy="766354"/>
+            <a:off x="892415" y="2438675"/>
+            <a:ext cx="1926985" cy="766354"/>
           </a:xfrm>
           <a:prstGeom prst="flowChartDocument">
             <a:avLst/>
@@ -10763,14 +11584,14 @@
                 <a:ea typeface="Arial Unicode MS" pitchFamily="34" charset="-128"/>
                 <a:cs typeface="Arial Unicode MS" pitchFamily="34" charset="-128"/>
               </a:rPr>
-              <a:t>Selector: </a:t>
+              <a:t>Selector: species: </a:t>
             </a:r>
             <a:r>
               <a:rPr lang="en-US" sz="1800" kern="0" dirty="0" err="1">
                 <a:ea typeface="Arial Unicode MS" pitchFamily="34" charset="-128"/>
                 <a:cs typeface="Arial Unicode MS" pitchFamily="34" charset="-128"/>
               </a:rPr>
-              <a:t>app:nginx</a:t>
+              <a:t>koopa</a:t>
             </a:r>
             <a:endParaRPr lang="en-US" sz="1800" kern="0" dirty="0">
               <a:ea typeface="Arial Unicode MS" pitchFamily="34" charset="-128"/>
@@ -10787,7 +11608,7 @@
         </p:nvSpPr>
         <p:spPr bwMode="gray">
           <a:xfrm>
-            <a:off x="8201754" y="4195241"/>
+            <a:off x="8201754" y="3633266"/>
             <a:ext cx="1208595" cy="773906"/>
           </a:xfrm>
           <a:prstGeom prst="rect">
@@ -10835,18 +11656,18 @@
               <a:tabLst/>
             </a:pPr>
             <a:r>
+              <a:rPr lang="de-DE" sz="1600" b="1" kern="0" dirty="0" err="1">
+                <a:ea typeface="Arial Unicode MS" pitchFamily="34" charset="-128"/>
+                <a:cs typeface="Arial Unicode MS" pitchFamily="34" charset="-128"/>
+              </a:rPr>
+              <a:t>koopa</a:t>
+            </a:r>
+            <a:r>
               <a:rPr lang="de-DE" sz="1600" b="1" kern="0" noProof="0" dirty="0">
                 <a:ea typeface="Arial Unicode MS" pitchFamily="34" charset="-128"/>
                 <a:cs typeface="Arial Unicode MS" pitchFamily="34" charset="-128"/>
               </a:rPr>
-              <a:t>New-</a:t>
-            </a:r>
-            <a:r>
-              <a:rPr lang="de-DE" sz="1600" b="1" kern="0" noProof="0" dirty="0" err="1">
-                <a:ea typeface="Arial Unicode MS" pitchFamily="34" charset="-128"/>
-                <a:cs typeface="Arial Unicode MS" pitchFamily="34" charset="-128"/>
-              </a:rPr>
-              <a:t>Pod</a:t>
+              <a:t>-C</a:t>
             </a:r>
             <a:endParaRPr kumimoji="0" lang="de-DE" sz="1600" b="1" i="0" u="none" strike="noStrike" kern="0" cap="none" spc="0" normalizeH="0" baseline="0" noProof="0" dirty="0">
               <a:ln>
@@ -10861,16 +11682,163 @@
           </a:p>
         </p:txBody>
       </p:sp>
+      <p:pic>
+        <p:nvPicPr>
+          <p:cNvPr id="13" name="Picture 2" descr="https://vignette.wikia.nocookie.net/nintendo/images/8/83/KoopaNSMB.png/revision/latest?cb=20110724132501&amp;path-prefix=en">
+            <a:extLst>
+              <a:ext uri="{FF2B5EF4-FFF2-40B4-BE49-F238E27FC236}">
+                <a16:creationId xmlns:a16="http://schemas.microsoft.com/office/drawing/2014/main" id="{A1C5E14C-377A-407D-893E-54B7B1EB9728}"/>
+              </a:ext>
+            </a:extLst>
+          </p:cNvPr>
+          <p:cNvPicPr>
+            <a:picLocks noChangeAspect="1" noChangeArrowheads="1"/>
+          </p:cNvPicPr>
+          <p:nvPr/>
+        </p:nvPicPr>
+        <p:blipFill>
+          <a:blip r:embed="rId3">
+            <a:extLst>
+              <a:ext uri="{28A0092B-C50C-407E-A947-70E740481C1C}">
+                <a14:useLocalDpi xmlns:a14="http://schemas.microsoft.com/office/drawing/2010/main" val="0"/>
+              </a:ext>
+            </a:extLst>
+          </a:blip>
+          <a:srcRect/>
+          <a:stretch>
+            <a:fillRect/>
+          </a:stretch>
+        </p:blipFill>
+        <p:spPr bwMode="auto">
+          <a:xfrm>
+            <a:off x="5584729" y="4479164"/>
+            <a:ext cx="1025020" cy="1630972"/>
+          </a:xfrm>
+          <a:prstGeom prst="rect">
+            <a:avLst/>
+          </a:prstGeom>
+          <a:noFill/>
+          <a:extLst>
+            <a:ext uri="{909E8E84-426E-40DD-AFC4-6F175D3DCCD1}">
+              <a14:hiddenFill xmlns:a14="http://schemas.microsoft.com/office/drawing/2010/main">
+                <a:solidFill>
+                  <a:srgbClr val="FFFFFF"/>
+                </a:solidFill>
+              </a14:hiddenFill>
+            </a:ext>
+          </a:extLst>
+        </p:spPr>
+      </p:pic>
+      <p:pic>
+        <p:nvPicPr>
+          <p:cNvPr id="14" name="Picture 2" descr="https://vignette.wikia.nocookie.net/nintendo/images/8/83/KoopaNSMB.png/revision/latest?cb=20110724132501&amp;path-prefix=en">
+            <a:extLst>
+              <a:ext uri="{FF2B5EF4-FFF2-40B4-BE49-F238E27FC236}">
+                <a16:creationId xmlns:a16="http://schemas.microsoft.com/office/drawing/2014/main" id="{BAD9B6BE-86E1-420B-83D4-C7B0CBC69E82}"/>
+              </a:ext>
+            </a:extLst>
+          </p:cNvPr>
+          <p:cNvPicPr>
+            <a:picLocks noChangeAspect="1" noChangeArrowheads="1"/>
+          </p:cNvPicPr>
+          <p:nvPr/>
+        </p:nvPicPr>
+        <p:blipFill>
+          <a:blip r:embed="rId3">
+            <a:extLst>
+              <a:ext uri="{28A0092B-C50C-407E-A947-70E740481C1C}">
+                <a14:useLocalDpi xmlns:a14="http://schemas.microsoft.com/office/drawing/2010/main" val="0"/>
+              </a:ext>
+            </a:extLst>
+          </a:blip>
+          <a:srcRect/>
+          <a:stretch>
+            <a:fillRect/>
+          </a:stretch>
+        </p:blipFill>
+        <p:spPr bwMode="auto">
+          <a:xfrm>
+            <a:off x="8293541" y="4479164"/>
+            <a:ext cx="1025020" cy="1630972"/>
+          </a:xfrm>
+          <a:prstGeom prst="rect">
+            <a:avLst/>
+          </a:prstGeom>
+          <a:noFill/>
+          <a:extLst>
+            <a:ext uri="{909E8E84-426E-40DD-AFC4-6F175D3DCCD1}">
+              <a14:hiddenFill xmlns:a14="http://schemas.microsoft.com/office/drawing/2010/main">
+                <a:solidFill>
+                  <a:srgbClr val="FFFFFF"/>
+                </a:solidFill>
+              </a14:hiddenFill>
+            </a:ext>
+          </a:extLst>
+        </p:spPr>
+      </p:pic>
+      <p:pic>
+        <p:nvPicPr>
+          <p:cNvPr id="15" name="Picture 2" descr="https://vignette.wikia.nocookie.net/nintendo/images/8/83/KoopaNSMB.png/revision/latest?cb=20110724132501&amp;path-prefix=en">
+            <a:extLst>
+              <a:ext uri="{FF2B5EF4-FFF2-40B4-BE49-F238E27FC236}">
+                <a16:creationId xmlns:a16="http://schemas.microsoft.com/office/drawing/2014/main" id="{A3E03BF7-047D-41A3-AEF2-AFD5868AA2A6}"/>
+              </a:ext>
+            </a:extLst>
+          </p:cNvPr>
+          <p:cNvPicPr>
+            <a:picLocks noChangeAspect="1" noChangeArrowheads="1"/>
+          </p:cNvPicPr>
+          <p:nvPr/>
+        </p:nvPicPr>
+        <p:blipFill>
+          <a:blip r:embed="rId3">
+            <a:extLst>
+              <a:ext uri="{28A0092B-C50C-407E-A947-70E740481C1C}">
+                <a14:useLocalDpi xmlns:a14="http://schemas.microsoft.com/office/drawing/2010/main" val="0"/>
+              </a:ext>
+            </a:extLst>
+          </a:blip>
+          <a:srcRect/>
+          <a:stretch>
+            <a:fillRect/>
+          </a:stretch>
+        </p:blipFill>
+        <p:spPr bwMode="auto">
+          <a:xfrm>
+            <a:off x="2682498" y="4474528"/>
+            <a:ext cx="1025020" cy="1630972"/>
+          </a:xfrm>
+          <a:prstGeom prst="rect">
+            <a:avLst/>
+          </a:prstGeom>
+          <a:noFill/>
+          <a:extLst>
+            <a:ext uri="{909E8E84-426E-40DD-AFC4-6F175D3DCCD1}">
+              <a14:hiddenFill xmlns:a14="http://schemas.microsoft.com/office/drawing/2010/main">
+                <a:solidFill>
+                  <a:srgbClr val="FFFFFF"/>
+                </a:solidFill>
+              </a14:hiddenFill>
+            </a:ext>
+          </a:extLst>
+        </p:spPr>
+      </p:pic>
       <p:sp>
         <p:nvSpPr>
-          <p:cNvPr id="9" name="Rectangle 8"/>
+          <p:cNvPr id="16" name="Rectangle 15">
+            <a:extLst>
+              <a:ext uri="{FF2B5EF4-FFF2-40B4-BE49-F238E27FC236}">
+                <a16:creationId xmlns:a16="http://schemas.microsoft.com/office/drawing/2014/main" id="{1C98A382-EE16-485C-AE0F-67161D302C1C}"/>
+              </a:ext>
+            </a:extLst>
+          </p:cNvPr>
           <p:cNvSpPr/>
           <p:nvPr/>
         </p:nvSpPr>
         <p:spPr bwMode="gray">
           <a:xfrm>
-            <a:off x="7186728" y="4012361"/>
-            <a:ext cx="1645920" cy="365760"/>
+            <a:off x="4368102" y="3450386"/>
+            <a:ext cx="1729137" cy="365760"/>
           </a:xfrm>
           <a:prstGeom prst="rect">
             <a:avLst/>
@@ -10898,10 +11866,7 @@
           <a:bodyPr lIns="90000" tIns="72000" rIns="90000" bIns="72000" rtlCol="0" anchor="ctr"/>
           <a:lstStyle/>
           <a:p>
-            <a:pPr marR="0" algn="ctr" defTabSz="914400" eaLnBrk="1" fontAlgn="base" latinLnBrk="0" hangingPunct="1">
-              <a:lnSpc>
-                <a:spcPct val="100000"/>
-              </a:lnSpc>
+            <a:pPr algn="ctr" defTabSz="914400" fontAlgn="base">
               <a:spcBef>
                 <a:spcPct val="50000"/>
               </a:spcBef>
@@ -10912,28 +11877,102 @@
                 <a:srgbClr val="F0AB00"/>
               </a:buClr>
               <a:buSzPct val="80000"/>
-              <a:tabLst/>
             </a:pPr>
             <a:r>
-              <a:rPr lang="de-DE" sz="1800" kern="0" dirty="0" err="1">
+              <a:rPr lang="en-US" sz="1800" kern="0" dirty="0">
                 <a:ea typeface="Arial Unicode MS" pitchFamily="34" charset="-128"/>
                 <a:cs typeface="Arial Unicode MS" pitchFamily="34" charset="-128"/>
               </a:rPr>
-              <a:t>app</a:t>
-            </a:r>
-            <a:r>
-              <a:rPr lang="de-DE" sz="1800" kern="0" dirty="0">
+              <a:t>species: </a:t>
+            </a:r>
+            <a:r>
+              <a:rPr lang="en-US" sz="1800" kern="0" dirty="0" err="1">
                 <a:ea typeface="Arial Unicode MS" pitchFamily="34" charset="-128"/>
                 <a:cs typeface="Arial Unicode MS" pitchFamily="34" charset="-128"/>
               </a:rPr>
-              <a:t>: </a:t>
-            </a:r>
-            <a:r>
-              <a:rPr lang="de-DE" sz="1800" kern="0" dirty="0" err="1">
+              <a:t>koopa</a:t>
+            </a:r>
+            <a:endParaRPr kumimoji="0" lang="de-DE" sz="1800" b="0" i="0" u="none" strike="noStrike" kern="0" cap="none" spc="0" normalizeH="0" baseline="0" noProof="0" dirty="0">
+              <a:ln>
+                <a:noFill/>
+              </a:ln>
+              <a:effectLst/>
+              <a:uLnTx/>
+              <a:uFillTx/>
+              <a:ea typeface="Arial Unicode MS" pitchFamily="34" charset="-128"/>
+              <a:cs typeface="Arial Unicode MS" pitchFamily="34" charset="-128"/>
+            </a:endParaRPr>
+          </a:p>
+        </p:txBody>
+      </p:sp>
+      <p:sp>
+        <p:nvSpPr>
+          <p:cNvPr id="17" name="Rectangle 16">
+            <a:extLst>
+              <a:ext uri="{FF2B5EF4-FFF2-40B4-BE49-F238E27FC236}">
+                <a16:creationId xmlns:a16="http://schemas.microsoft.com/office/drawing/2014/main" id="{1EF57EA0-4CFA-4579-AFE2-7158841999DC}"/>
+              </a:ext>
+            </a:extLst>
+          </p:cNvPr>
+          <p:cNvSpPr/>
+          <p:nvPr/>
+        </p:nvSpPr>
+        <p:spPr bwMode="gray">
+          <a:xfrm>
+            <a:off x="7076914" y="3450386"/>
+            <a:ext cx="1729137" cy="365760"/>
+          </a:xfrm>
+          <a:prstGeom prst="rect">
+            <a:avLst/>
+          </a:prstGeom>
+          <a:ln>
+            <a:headEnd/>
+            <a:tailEnd/>
+          </a:ln>
+        </p:spPr>
+        <p:style>
+          <a:lnRef idx="2">
+            <a:schemeClr val="accent2"/>
+          </a:lnRef>
+          <a:fillRef idx="1">
+            <a:schemeClr val="lt1"/>
+          </a:fillRef>
+          <a:effectRef idx="0">
+            <a:schemeClr val="accent2"/>
+          </a:effectRef>
+          <a:fontRef idx="minor">
+            <a:schemeClr val="dk1"/>
+          </a:fontRef>
+        </p:style>
+        <p:txBody>
+          <a:bodyPr lIns="90000" tIns="72000" rIns="90000" bIns="72000" rtlCol="0" anchor="ctr"/>
+          <a:lstStyle/>
+          <a:p>
+            <a:pPr algn="ctr" defTabSz="914400" fontAlgn="base">
+              <a:spcBef>
+                <a:spcPct val="50000"/>
+              </a:spcBef>
+              <a:spcAft>
+                <a:spcPct val="0"/>
+              </a:spcAft>
+              <a:buClr>
+                <a:srgbClr val="F0AB00"/>
+              </a:buClr>
+              <a:buSzPct val="80000"/>
+            </a:pPr>
+            <a:r>
+              <a:rPr lang="en-US" sz="1800" kern="0" dirty="0">
                 <a:ea typeface="Arial Unicode MS" pitchFamily="34" charset="-128"/>
                 <a:cs typeface="Arial Unicode MS" pitchFamily="34" charset="-128"/>
               </a:rPr>
-              <a:t>nginx</a:t>
+              <a:t>species: </a:t>
+            </a:r>
+            <a:r>
+              <a:rPr lang="en-US" sz="1800" kern="0" dirty="0" err="1">
+                <a:ea typeface="Arial Unicode MS" pitchFamily="34" charset="-128"/>
+                <a:cs typeface="Arial Unicode MS" pitchFamily="34" charset="-128"/>
+              </a:rPr>
+              <a:t>koopa</a:t>
             </a:r>
             <a:endParaRPr kumimoji="0" lang="de-DE" sz="1800" b="0" i="0" u="none" strike="noStrike" kern="0" cap="none" spc="0" normalizeH="0" baseline="0" noProof="0" dirty="0">
               <a:ln>
@@ -11000,6 +12039,276 @@
                                       </p:cBhvr>
                                       <p:to>
                                         <p:strVal val="visible"/>
+                                      </p:to>
+                                    </p:set>
+                                  </p:childTnLst>
+                                </p:cTn>
+                              </p:par>
+                            </p:childTnLst>
+                          </p:cTn>
+                        </p:par>
+                        <p:par>
+                          <p:cTn id="7" fill="hold">
+                            <p:stCondLst>
+                              <p:cond delay="0"/>
+                            </p:stCondLst>
+                            <p:childTnLst>
+                              <p:par>
+                                <p:cTn id="8" presetID="42" presetClass="exit" presetSubtype="0" fill="hold" nodeType="afterEffect">
+                                  <p:stCondLst>
+                                    <p:cond delay="0"/>
+                                  </p:stCondLst>
+                                  <p:childTnLst>
+                                    <p:animEffect transition="out" filter="fade">
+                                      <p:cBhvr>
+                                        <p:cTn id="9" dur="1000"/>
+                                        <p:tgtEl>
+                                          <p:spTgt spid="15"/>
+                                        </p:tgtEl>
+                                      </p:cBhvr>
+                                    </p:animEffect>
+                                    <p:anim calcmode="lin" valueType="num">
+                                      <p:cBhvr>
+                                        <p:cTn id="10" dur="1000"/>
+                                        <p:tgtEl>
+                                          <p:spTgt spid="15"/>
+                                        </p:tgtEl>
+                                        <p:attrNameLst>
+                                          <p:attrName>ppt_x</p:attrName>
+                                        </p:attrNameLst>
+                                      </p:cBhvr>
+                                      <p:tavLst>
+                                        <p:tav tm="0">
+                                          <p:val>
+                                            <p:strVal val="ppt_x"/>
+                                          </p:val>
+                                        </p:tav>
+                                        <p:tav tm="100000">
+                                          <p:val>
+                                            <p:strVal val="ppt_x"/>
+                                          </p:val>
+                                        </p:tav>
+                                      </p:tavLst>
+                                    </p:anim>
+                                    <p:anim calcmode="lin" valueType="num">
+                                      <p:cBhvr>
+                                        <p:cTn id="11" dur="1000"/>
+                                        <p:tgtEl>
+                                          <p:spTgt spid="15"/>
+                                        </p:tgtEl>
+                                        <p:attrNameLst>
+                                          <p:attrName>ppt_y</p:attrName>
+                                        </p:attrNameLst>
+                                      </p:cBhvr>
+                                      <p:tavLst>
+                                        <p:tav tm="0">
+                                          <p:val>
+                                            <p:strVal val="ppt_y"/>
+                                          </p:val>
+                                        </p:tav>
+                                        <p:tav tm="100000">
+                                          <p:val>
+                                            <p:strVal val="ppt_y+.1"/>
+                                          </p:val>
+                                        </p:tav>
+                                      </p:tavLst>
+                                    </p:anim>
+                                    <p:set>
+                                      <p:cBhvr>
+                                        <p:cTn id="12" dur="1" fill="hold">
+                                          <p:stCondLst>
+                                            <p:cond delay="999"/>
+                                          </p:stCondLst>
+                                        </p:cTn>
+                                        <p:tgtEl>
+                                          <p:spTgt spid="15"/>
+                                        </p:tgtEl>
+                                        <p:attrNameLst>
+                                          <p:attrName>style.visibility</p:attrName>
+                                        </p:attrNameLst>
+                                      </p:cBhvr>
+                                      <p:to>
+                                        <p:strVal val="hidden"/>
+                                      </p:to>
+                                    </p:set>
+                                  </p:childTnLst>
+                                </p:cTn>
+                              </p:par>
+                            </p:childTnLst>
+                          </p:cTn>
+                        </p:par>
+                        <p:par>
+                          <p:cTn id="13" fill="hold">
+                            <p:stCondLst>
+                              <p:cond delay="1000"/>
+                            </p:stCondLst>
+                            <p:childTnLst>
+                              <p:par>
+                                <p:cTn id="14" presetID="42" presetClass="exit" presetSubtype="0" fill="hold" nodeType="afterEffect">
+                                  <p:stCondLst>
+                                    <p:cond delay="0"/>
+                                  </p:stCondLst>
+                                  <p:childTnLst>
+                                    <p:animEffect transition="out" filter="fade">
+                                      <p:cBhvr>
+                                        <p:cTn id="15" dur="1000"/>
+                                        <p:tgtEl>
+                                          <p:spTgt spid="13"/>
+                                        </p:tgtEl>
+                                      </p:cBhvr>
+                                    </p:animEffect>
+                                    <p:anim calcmode="lin" valueType="num">
+                                      <p:cBhvr>
+                                        <p:cTn id="16" dur="1000"/>
+                                        <p:tgtEl>
+                                          <p:spTgt spid="13"/>
+                                        </p:tgtEl>
+                                        <p:attrNameLst>
+                                          <p:attrName>ppt_x</p:attrName>
+                                        </p:attrNameLst>
+                                      </p:cBhvr>
+                                      <p:tavLst>
+                                        <p:tav tm="0">
+                                          <p:val>
+                                            <p:strVal val="ppt_x"/>
+                                          </p:val>
+                                        </p:tav>
+                                        <p:tav tm="100000">
+                                          <p:val>
+                                            <p:strVal val="ppt_x"/>
+                                          </p:val>
+                                        </p:tav>
+                                      </p:tavLst>
+                                    </p:anim>
+                                    <p:anim calcmode="lin" valueType="num">
+                                      <p:cBhvr>
+                                        <p:cTn id="17" dur="1000"/>
+                                        <p:tgtEl>
+                                          <p:spTgt spid="13"/>
+                                        </p:tgtEl>
+                                        <p:attrNameLst>
+                                          <p:attrName>ppt_y</p:attrName>
+                                        </p:attrNameLst>
+                                      </p:cBhvr>
+                                      <p:tavLst>
+                                        <p:tav tm="0">
+                                          <p:val>
+                                            <p:strVal val="ppt_y"/>
+                                          </p:val>
+                                        </p:tav>
+                                        <p:tav tm="100000">
+                                          <p:val>
+                                            <p:strVal val="ppt_y+.1"/>
+                                          </p:val>
+                                        </p:tav>
+                                      </p:tavLst>
+                                    </p:anim>
+                                    <p:set>
+                                      <p:cBhvr>
+                                        <p:cTn id="18" dur="1" fill="hold">
+                                          <p:stCondLst>
+                                            <p:cond delay="999"/>
+                                          </p:stCondLst>
+                                        </p:cTn>
+                                        <p:tgtEl>
+                                          <p:spTgt spid="13"/>
+                                        </p:tgtEl>
+                                        <p:attrNameLst>
+                                          <p:attrName>style.visibility</p:attrName>
+                                        </p:attrNameLst>
+                                      </p:cBhvr>
+                                      <p:to>
+                                        <p:strVal val="hidden"/>
+                                      </p:to>
+                                    </p:set>
+                                  </p:childTnLst>
+                                </p:cTn>
+                              </p:par>
+                            </p:childTnLst>
+                          </p:cTn>
+                        </p:par>
+                        <p:par>
+                          <p:cTn id="19" fill="hold">
+                            <p:stCondLst>
+                              <p:cond delay="2000"/>
+                            </p:stCondLst>
+                            <p:childTnLst>
+                              <p:par>
+                                <p:cTn id="20" presetID="42" presetClass="exit" presetSubtype="0" fill="hold" nodeType="afterEffect">
+                                  <p:stCondLst>
+                                    <p:cond delay="0"/>
+                                  </p:stCondLst>
+                                  <p:childTnLst>
+                                    <p:animEffect transition="out" filter="fade">
+                                      <p:cBhvr>
+                                        <p:cTn id="21" dur="1000"/>
+                                        <p:tgtEl>
+                                          <p:spTgt spid="14"/>
+                                        </p:tgtEl>
+                                      </p:cBhvr>
+                                    </p:animEffect>
+                                    <p:anim calcmode="lin" valueType="num">
+                                      <p:cBhvr>
+                                        <p:cTn id="22" dur="1000"/>
+                                        <p:tgtEl>
+                                          <p:spTgt spid="14"/>
+                                        </p:tgtEl>
+                                        <p:attrNameLst>
+                                          <p:attrName>ppt_x</p:attrName>
+                                        </p:attrNameLst>
+                                      </p:cBhvr>
+                                      <p:tavLst>
+                                        <p:tav tm="0">
+                                          <p:val>
+                                            <p:strVal val="ppt_x"/>
+                                          </p:val>
+                                        </p:tav>
+                                        <p:tav tm="100000">
+                                          <p:val>
+                                            <p:strVal val="ppt_x"/>
+                                          </p:val>
+                                        </p:tav>
+                                      </p:tavLst>
+                                    </p:anim>
+                                    <p:anim calcmode="lin" valueType="num">
+                                      <p:cBhvr>
+                                        <p:cTn id="23" dur="1000"/>
+                                        <p:tgtEl>
+                                          <p:spTgt spid="14"/>
+                                        </p:tgtEl>
+                                        <p:attrNameLst>
+                                          <p:attrName>ppt_y</p:attrName>
+                                        </p:attrNameLst>
+                                      </p:cBhvr>
+                                      <p:tavLst>
+                                        <p:tav tm="0">
+                                          <p:val>
+                                            <p:strVal val="ppt_y"/>
+                                          </p:val>
+                                        </p:tav>
+                                        <p:tav tm="100000">
+                                          <p:val>
+                                            <p:strVal val="ppt_y+.1"/>
+                                          </p:val>
+                                        </p:tav>
+                                      </p:tavLst>
+                                    </p:anim>
+                                    <p:set>
+                                      <p:cBhvr>
+                                        <p:cTn id="24" dur="1" fill="hold">
+                                          <p:stCondLst>
+                                            <p:cond delay="999"/>
+                                          </p:stCondLst>
+                                        </p:cTn>
+                                        <p:tgtEl>
+                                          <p:spTgt spid="14"/>
+                                        </p:tgtEl>
+                                        <p:attrNameLst>
+                                          <p:attrName>style.visibility</p:attrName>
+                                        </p:attrNameLst>
+                                      </p:cBhvr>
+                                      <p:to>
+                                        <p:strVal val="hidden"/>
                                       </p:to>
                                     </p:set>
                                   </p:childTnLst>
@@ -11529,6 +12838,2870 @@
 </file>
 
 <file path=ppt/slides/slide6.xml><?xml version="1.0" encoding="utf-8"?>
+<p:sld xmlns:a="http://schemas.openxmlformats.org/drawingml/2006/main" xmlns:r="http://schemas.openxmlformats.org/officeDocument/2006/relationships" xmlns:p="http://schemas.openxmlformats.org/presentationml/2006/main">
+  <p:cSld>
+    <p:spTree>
+      <p:nvGrpSpPr>
+        <p:cNvPr id="1" name=""/>
+        <p:cNvGrpSpPr/>
+        <p:nvPr/>
+      </p:nvGrpSpPr>
+      <p:grpSpPr>
+        <a:xfrm>
+          <a:off x="0" y="0"/>
+          <a:ext cx="0" cy="0"/>
+          <a:chOff x="0" y="0"/>
+          <a:chExt cx="0" cy="0"/>
+        </a:xfrm>
+      </p:grpSpPr>
+      <p:sp>
+        <p:nvSpPr>
+          <p:cNvPr id="3" name="Title 2">
+            <a:extLst>
+              <a:ext uri="{FF2B5EF4-FFF2-40B4-BE49-F238E27FC236}">
+                <a16:creationId xmlns:a16="http://schemas.microsoft.com/office/drawing/2014/main" id="{759B34B4-C129-4847-964B-4D41E2982158}"/>
+              </a:ext>
+            </a:extLst>
+          </p:cNvPr>
+          <p:cNvSpPr>
+            <a:spLocks noGrp="1"/>
+          </p:cNvSpPr>
+          <p:nvPr>
+            <p:ph type="title"/>
+          </p:nvPr>
+        </p:nvSpPr>
+        <p:spPr/>
+        <p:txBody>
+          <a:bodyPr/>
+          <a:lstStyle/>
+          <a:p>
+            <a:r>
+              <a:rPr lang="en-US" dirty="0"/>
+              <a:t>Deployments</a:t>
+            </a:r>
+          </a:p>
+        </p:txBody>
+      </p:sp>
+      <p:pic>
+        <p:nvPicPr>
+          <p:cNvPr id="1026" name="Picture 2" descr="https://vignette.wikia.nocookie.net/nintendo/images/8/83/KoopaNSMB.png/revision/latest?cb=20110724132501&amp;path-prefix=en">
+            <a:extLst>
+              <a:ext uri="{FF2B5EF4-FFF2-40B4-BE49-F238E27FC236}">
+                <a16:creationId xmlns:a16="http://schemas.microsoft.com/office/drawing/2014/main" id="{DD6E3BCC-6AF7-43FC-8693-FDBFC61D5D1A}"/>
+              </a:ext>
+            </a:extLst>
+          </p:cNvPr>
+          <p:cNvPicPr>
+            <a:picLocks noChangeAspect="1" noChangeArrowheads="1"/>
+          </p:cNvPicPr>
+          <p:nvPr/>
+        </p:nvPicPr>
+        <p:blipFill>
+          <a:blip r:embed="rId2">
+            <a:extLst>
+              <a:ext uri="{28A0092B-C50C-407E-A947-70E740481C1C}">
+                <a14:useLocalDpi xmlns:a14="http://schemas.microsoft.com/office/drawing/2010/main" val="0"/>
+              </a:ext>
+            </a:extLst>
+          </a:blip>
+          <a:srcRect/>
+          <a:stretch>
+            <a:fillRect/>
+          </a:stretch>
+        </p:blipFill>
+        <p:spPr bwMode="auto">
+          <a:xfrm>
+            <a:off x="4972156" y="4558083"/>
+            <a:ext cx="1025020" cy="1630972"/>
+          </a:xfrm>
+          <a:prstGeom prst="rect">
+            <a:avLst/>
+          </a:prstGeom>
+          <a:noFill/>
+          <a:extLst>
+            <a:ext uri="{909E8E84-426E-40DD-AFC4-6F175D3DCCD1}">
+              <a14:hiddenFill xmlns:a14="http://schemas.microsoft.com/office/drawing/2010/main">
+                <a:solidFill>
+                  <a:srgbClr val="FFFFFF"/>
+                </a:solidFill>
+              </a14:hiddenFill>
+            </a:ext>
+          </a:extLst>
+        </p:spPr>
+      </p:pic>
+      <p:pic>
+        <p:nvPicPr>
+          <p:cNvPr id="6" name="Picture 2" descr="https://vignette.wikia.nocookie.net/nintendo/images/8/83/KoopaNSMB.png/revision/latest?cb=20110724132501&amp;path-prefix=en">
+            <a:extLst>
+              <a:ext uri="{FF2B5EF4-FFF2-40B4-BE49-F238E27FC236}">
+                <a16:creationId xmlns:a16="http://schemas.microsoft.com/office/drawing/2014/main" id="{44DF2202-C15C-4F6D-A36C-C7723B0C1E9F}"/>
+              </a:ext>
+            </a:extLst>
+          </p:cNvPr>
+          <p:cNvPicPr>
+            <a:picLocks noChangeAspect="1" noChangeArrowheads="1"/>
+          </p:cNvPicPr>
+          <p:nvPr/>
+        </p:nvPicPr>
+        <p:blipFill>
+          <a:blip r:embed="rId2">
+            <a:extLst>
+              <a:ext uri="{28A0092B-C50C-407E-A947-70E740481C1C}">
+                <a14:useLocalDpi xmlns:a14="http://schemas.microsoft.com/office/drawing/2010/main" val="0"/>
+              </a:ext>
+            </a:extLst>
+          </a:blip>
+          <a:srcRect/>
+          <a:stretch>
+            <a:fillRect/>
+          </a:stretch>
+        </p:blipFill>
+        <p:spPr bwMode="auto">
+          <a:xfrm>
+            <a:off x="3823294" y="4539768"/>
+            <a:ext cx="1025020" cy="1630972"/>
+          </a:xfrm>
+          <a:prstGeom prst="rect">
+            <a:avLst/>
+          </a:prstGeom>
+          <a:noFill/>
+          <a:extLst>
+            <a:ext uri="{909E8E84-426E-40DD-AFC4-6F175D3DCCD1}">
+              <a14:hiddenFill xmlns:a14="http://schemas.microsoft.com/office/drawing/2010/main">
+                <a:solidFill>
+                  <a:srgbClr val="FFFFFF"/>
+                </a:solidFill>
+              </a14:hiddenFill>
+            </a:ext>
+          </a:extLst>
+        </p:spPr>
+      </p:pic>
+      <p:pic>
+        <p:nvPicPr>
+          <p:cNvPr id="7" name="Picture 2" descr="https://vignette.wikia.nocookie.net/nintendo/images/8/83/KoopaNSMB.png/revision/latest?cb=20110724132501&amp;path-prefix=en">
+            <a:extLst>
+              <a:ext uri="{FF2B5EF4-FFF2-40B4-BE49-F238E27FC236}">
+                <a16:creationId xmlns:a16="http://schemas.microsoft.com/office/drawing/2014/main" id="{DBA2E3A6-4169-47A9-ABDE-8180C82525E4}"/>
+              </a:ext>
+            </a:extLst>
+          </p:cNvPr>
+          <p:cNvPicPr>
+            <a:picLocks noChangeAspect="1" noChangeArrowheads="1"/>
+          </p:cNvPicPr>
+          <p:nvPr/>
+        </p:nvPicPr>
+        <p:blipFill>
+          <a:blip r:embed="rId2">
+            <a:extLst>
+              <a:ext uri="{28A0092B-C50C-407E-A947-70E740481C1C}">
+                <a14:useLocalDpi xmlns:a14="http://schemas.microsoft.com/office/drawing/2010/main" val="0"/>
+              </a:ext>
+            </a:extLst>
+          </a:blip>
+          <a:srcRect/>
+          <a:stretch>
+            <a:fillRect/>
+          </a:stretch>
+        </p:blipFill>
+        <p:spPr bwMode="auto">
+          <a:xfrm>
+            <a:off x="6121018" y="4558083"/>
+            <a:ext cx="1025020" cy="1630972"/>
+          </a:xfrm>
+          <a:prstGeom prst="rect">
+            <a:avLst/>
+          </a:prstGeom>
+          <a:noFill/>
+          <a:extLst>
+            <a:ext uri="{909E8E84-426E-40DD-AFC4-6F175D3DCCD1}">
+              <a14:hiddenFill xmlns:a14="http://schemas.microsoft.com/office/drawing/2010/main">
+                <a:solidFill>
+                  <a:srgbClr val="FFFFFF"/>
+                </a:solidFill>
+              </a14:hiddenFill>
+            </a:ext>
+          </a:extLst>
+        </p:spPr>
+      </p:pic>
+      <p:sp>
+        <p:nvSpPr>
+          <p:cNvPr id="8" name="Speech Bubble: Rectangle 7">
+            <a:extLst>
+              <a:ext uri="{FF2B5EF4-FFF2-40B4-BE49-F238E27FC236}">
+                <a16:creationId xmlns:a16="http://schemas.microsoft.com/office/drawing/2014/main" id="{CA8F3B21-6614-422C-82D9-FAB987B9BE1E}"/>
+              </a:ext>
+            </a:extLst>
+          </p:cNvPr>
+          <p:cNvSpPr/>
+          <p:nvPr/>
+        </p:nvSpPr>
+        <p:spPr bwMode="gray">
+          <a:xfrm>
+            <a:off x="8347032" y="1551890"/>
+            <a:ext cx="3326171" cy="1072511"/>
+          </a:xfrm>
+          <a:prstGeom prst="wedgeRectCallout">
+            <a:avLst>
+              <a:gd name="adj1" fmla="val -88824"/>
+              <a:gd name="adj2" fmla="val -8534"/>
+            </a:avLst>
+          </a:prstGeom>
+          <a:ln>
+            <a:headEnd/>
+            <a:tailEnd/>
+          </a:ln>
+        </p:spPr>
+        <p:style>
+          <a:lnRef idx="2">
+            <a:schemeClr val="accent5"/>
+          </a:lnRef>
+          <a:fillRef idx="1">
+            <a:schemeClr val="lt1"/>
+          </a:fillRef>
+          <a:effectRef idx="0">
+            <a:schemeClr val="accent5"/>
+          </a:effectRef>
+          <a:fontRef idx="minor">
+            <a:schemeClr val="dk1"/>
+          </a:fontRef>
+        </p:style>
+        <p:txBody>
+          <a:bodyPr lIns="90000" tIns="72000" rIns="90000" bIns="72000" rtlCol="0" anchor="ctr"/>
+          <a:lstStyle/>
+          <a:p>
+            <a:pPr marR="0" algn="ctr" defTabSz="914400" eaLnBrk="1" fontAlgn="base" latinLnBrk="0" hangingPunct="1">
+              <a:lnSpc>
+                <a:spcPct val="100000"/>
+              </a:lnSpc>
+              <a:spcBef>
+                <a:spcPct val="50000"/>
+              </a:spcBef>
+              <a:spcAft>
+                <a:spcPct val="0"/>
+              </a:spcAft>
+              <a:buClr>
+                <a:srgbClr val="F0AB00"/>
+              </a:buClr>
+              <a:buSzPct val="80000"/>
+              <a:tabLst/>
+            </a:pPr>
+            <a:r>
+              <a:rPr kumimoji="0" lang="en-US" sz="1800" b="0" i="0" u="none" strike="noStrike" kern="0" cap="none" spc="0" normalizeH="0" baseline="0" noProof="0" dirty="0">
+                <a:ln>
+                  <a:noFill/>
+                </a:ln>
+                <a:effectLst/>
+                <a:uLnTx/>
+                <a:uFillTx/>
+                <a:ea typeface="Arial Unicode MS" pitchFamily="34" charset="-128"/>
+                <a:cs typeface="Arial Unicode MS" pitchFamily="34" charset="-128"/>
+              </a:rPr>
+              <a:t>Deployment defines replica count, used image and more</a:t>
+            </a:r>
+          </a:p>
+        </p:txBody>
+      </p:sp>
+      <p:pic>
+        <p:nvPicPr>
+          <p:cNvPr id="1030" name="Picture 6" descr="Related image">
+            <a:extLst>
+              <a:ext uri="{FF2B5EF4-FFF2-40B4-BE49-F238E27FC236}">
+                <a16:creationId xmlns:a16="http://schemas.microsoft.com/office/drawing/2014/main" id="{762912E1-B568-437B-B0EB-D0D416999E23}"/>
+              </a:ext>
+            </a:extLst>
+          </p:cNvPr>
+          <p:cNvPicPr>
+            <a:picLocks noChangeAspect="1" noChangeArrowheads="1"/>
+          </p:cNvPicPr>
+          <p:nvPr/>
+        </p:nvPicPr>
+        <p:blipFill>
+          <a:blip r:embed="rId3">
+            <a:extLst>
+              <a:ext uri="{28A0092B-C50C-407E-A947-70E740481C1C}">
+                <a14:useLocalDpi xmlns:a14="http://schemas.microsoft.com/office/drawing/2010/main" val="0"/>
+              </a:ext>
+            </a:extLst>
+          </a:blip>
+          <a:srcRect/>
+          <a:stretch>
+            <a:fillRect/>
+          </a:stretch>
+        </p:blipFill>
+        <p:spPr bwMode="auto">
+          <a:xfrm rot="10800000">
+            <a:off x="4881849" y="3047691"/>
+            <a:ext cx="1365951" cy="1451323"/>
+          </a:xfrm>
+          <a:prstGeom prst="rect">
+            <a:avLst/>
+          </a:prstGeom>
+          <a:noFill/>
+          <a:extLst>
+            <a:ext uri="{909E8E84-426E-40DD-AFC4-6F175D3DCCD1}">
+              <a14:hiddenFill xmlns:a14="http://schemas.microsoft.com/office/drawing/2010/main">
+                <a:solidFill>
+                  <a:srgbClr val="FFFFFF"/>
+                </a:solidFill>
+              </a14:hiddenFill>
+            </a:ext>
+          </a:extLst>
+        </p:spPr>
+      </p:pic>
+      <p:pic>
+        <p:nvPicPr>
+          <p:cNvPr id="1032" name="Picture 8" descr="Related image">
+            <a:extLst>
+              <a:ext uri="{FF2B5EF4-FFF2-40B4-BE49-F238E27FC236}">
+                <a16:creationId xmlns:a16="http://schemas.microsoft.com/office/drawing/2014/main" id="{0274FF14-135E-47F9-872A-76CDB252063E}"/>
+              </a:ext>
+            </a:extLst>
+          </p:cNvPr>
+          <p:cNvPicPr>
+            <a:picLocks noChangeAspect="1" noChangeArrowheads="1"/>
+          </p:cNvPicPr>
+          <p:nvPr/>
+        </p:nvPicPr>
+        <p:blipFill>
+          <a:blip r:embed="rId4">
+            <a:extLst>
+              <a:ext uri="{28A0092B-C50C-407E-A947-70E740481C1C}">
+                <a14:useLocalDpi xmlns:a14="http://schemas.microsoft.com/office/drawing/2010/main" val="0"/>
+              </a:ext>
+            </a:extLst>
+          </a:blip>
+          <a:srcRect/>
+          <a:stretch>
+            <a:fillRect/>
+          </a:stretch>
+        </p:blipFill>
+        <p:spPr bwMode="auto">
+          <a:xfrm>
+            <a:off x="4240850" y="845498"/>
+            <a:ext cx="2647950" cy="2143125"/>
+          </a:xfrm>
+          <a:prstGeom prst="rect">
+            <a:avLst/>
+          </a:prstGeom>
+          <a:noFill/>
+          <a:extLst>
+            <a:ext uri="{909E8E84-426E-40DD-AFC4-6F175D3DCCD1}">
+              <a14:hiddenFill xmlns:a14="http://schemas.microsoft.com/office/drawing/2010/main">
+                <a:solidFill>
+                  <a:srgbClr val="FFFFFF"/>
+                </a:solidFill>
+              </a14:hiddenFill>
+            </a:ext>
+          </a:extLst>
+        </p:spPr>
+      </p:pic>
+      <p:sp>
+        <p:nvSpPr>
+          <p:cNvPr id="21" name="Speech Bubble: Rectangle 20">
+            <a:extLst>
+              <a:ext uri="{FF2B5EF4-FFF2-40B4-BE49-F238E27FC236}">
+                <a16:creationId xmlns:a16="http://schemas.microsoft.com/office/drawing/2014/main" id="{8D950947-1484-4F2C-9273-94DF5C9FABD7}"/>
+              </a:ext>
+            </a:extLst>
+          </p:cNvPr>
+          <p:cNvSpPr/>
+          <p:nvPr/>
+        </p:nvSpPr>
+        <p:spPr bwMode="gray">
+          <a:xfrm>
+            <a:off x="8347029" y="3054348"/>
+            <a:ext cx="3326171" cy="1060037"/>
+          </a:xfrm>
+          <a:prstGeom prst="wedgeRectCallout">
+            <a:avLst>
+              <a:gd name="adj1" fmla="val -88305"/>
+              <a:gd name="adj2" fmla="val -3855"/>
+            </a:avLst>
+          </a:prstGeom>
+          <a:ln>
+            <a:headEnd/>
+            <a:tailEnd/>
+          </a:ln>
+        </p:spPr>
+        <p:style>
+          <a:lnRef idx="2">
+            <a:schemeClr val="accent5"/>
+          </a:lnRef>
+          <a:fillRef idx="1">
+            <a:schemeClr val="lt1"/>
+          </a:fillRef>
+          <a:effectRef idx="0">
+            <a:schemeClr val="accent5"/>
+          </a:effectRef>
+          <a:fontRef idx="minor">
+            <a:schemeClr val="dk1"/>
+          </a:fontRef>
+        </p:style>
+        <p:txBody>
+          <a:bodyPr lIns="90000" tIns="72000" rIns="90000" bIns="72000" rtlCol="0" anchor="ctr"/>
+          <a:lstStyle/>
+          <a:p>
+            <a:pPr marR="0" algn="ctr" defTabSz="914400" eaLnBrk="1" fontAlgn="base" latinLnBrk="0" hangingPunct="1">
+              <a:lnSpc>
+                <a:spcPct val="100000"/>
+              </a:lnSpc>
+              <a:spcBef>
+                <a:spcPct val="50000"/>
+              </a:spcBef>
+              <a:spcAft>
+                <a:spcPct val="0"/>
+              </a:spcAft>
+              <a:buClr>
+                <a:srgbClr val="F0AB00"/>
+              </a:buClr>
+              <a:buSzPct val="80000"/>
+              <a:tabLst/>
+            </a:pPr>
+            <a:r>
+              <a:rPr lang="en-US" sz="1800" kern="0" dirty="0" err="1">
+                <a:ea typeface="Arial Unicode MS" pitchFamily="34" charset="-128"/>
+                <a:cs typeface="Arial Unicode MS" pitchFamily="34" charset="-128"/>
+              </a:rPr>
+              <a:t>ReplicaSet</a:t>
+            </a:r>
+            <a:r>
+              <a:rPr lang="en-US" sz="1800" kern="0" dirty="0">
+                <a:ea typeface="Arial Unicode MS" pitchFamily="34" charset="-128"/>
+                <a:cs typeface="Arial Unicode MS" pitchFamily="34" charset="-128"/>
+              </a:rPr>
+              <a:t> spawns pods as defined in spec template &amp; adds a generation label</a:t>
+            </a:r>
+            <a:endParaRPr kumimoji="0" lang="en-US" sz="1800" b="0" i="0" u="none" strike="noStrike" kern="0" cap="none" spc="0" normalizeH="0" baseline="0" noProof="0" dirty="0">
+              <a:ln>
+                <a:noFill/>
+              </a:ln>
+              <a:effectLst/>
+              <a:uLnTx/>
+              <a:uFillTx/>
+              <a:ea typeface="Arial Unicode MS" pitchFamily="34" charset="-128"/>
+              <a:cs typeface="Arial Unicode MS" pitchFamily="34" charset="-128"/>
+            </a:endParaRPr>
+          </a:p>
+        </p:txBody>
+      </p:sp>
+      <p:sp>
+        <p:nvSpPr>
+          <p:cNvPr id="22" name="Speech Bubble: Rectangle 21">
+            <a:extLst>
+              <a:ext uri="{FF2B5EF4-FFF2-40B4-BE49-F238E27FC236}">
+                <a16:creationId xmlns:a16="http://schemas.microsoft.com/office/drawing/2014/main" id="{B378F0C9-0710-43E8-89C2-6CA44C5D12BF}"/>
+              </a:ext>
+            </a:extLst>
+          </p:cNvPr>
+          <p:cNvSpPr/>
+          <p:nvPr/>
+        </p:nvSpPr>
+        <p:spPr bwMode="gray">
+          <a:xfrm>
+            <a:off x="8347030" y="4539768"/>
+            <a:ext cx="3326171" cy="1239930"/>
+          </a:xfrm>
+          <a:prstGeom prst="wedgeRectCallout">
+            <a:avLst>
+              <a:gd name="adj1" fmla="val -78709"/>
+              <a:gd name="adj2" fmla="val -7178"/>
+            </a:avLst>
+          </a:prstGeom>
+          <a:ln>
+            <a:headEnd/>
+            <a:tailEnd/>
+          </a:ln>
+        </p:spPr>
+        <p:style>
+          <a:lnRef idx="2">
+            <a:schemeClr val="accent5"/>
+          </a:lnRef>
+          <a:fillRef idx="1">
+            <a:schemeClr val="lt1"/>
+          </a:fillRef>
+          <a:effectRef idx="0">
+            <a:schemeClr val="accent5"/>
+          </a:effectRef>
+          <a:fontRef idx="minor">
+            <a:schemeClr val="dk1"/>
+          </a:fontRef>
+        </p:style>
+        <p:txBody>
+          <a:bodyPr lIns="90000" tIns="72000" rIns="90000" bIns="72000" rtlCol="0" anchor="ctr"/>
+          <a:lstStyle/>
+          <a:p>
+            <a:pPr marR="0" algn="ctr" defTabSz="914400" eaLnBrk="1" fontAlgn="base" latinLnBrk="0" hangingPunct="1">
+              <a:lnSpc>
+                <a:spcPct val="100000"/>
+              </a:lnSpc>
+              <a:spcBef>
+                <a:spcPct val="50000"/>
+              </a:spcBef>
+              <a:spcAft>
+                <a:spcPct val="0"/>
+              </a:spcAft>
+              <a:buClr>
+                <a:srgbClr val="F0AB00"/>
+              </a:buClr>
+              <a:buSzPct val="80000"/>
+              <a:tabLst/>
+            </a:pPr>
+            <a:r>
+              <a:rPr lang="en-US" sz="1800" kern="0" dirty="0">
+                <a:ea typeface="Arial Unicode MS" pitchFamily="34" charset="-128"/>
+                <a:cs typeface="Arial Unicode MS" pitchFamily="34" charset="-128"/>
+              </a:rPr>
+              <a:t>Pods are identified by labels:</a:t>
+            </a:r>
+          </a:p>
+          <a:p>
+            <a:pPr marR="0" algn="ctr" defTabSz="914400" eaLnBrk="1" fontAlgn="base" latinLnBrk="0" hangingPunct="1">
+              <a:lnSpc>
+                <a:spcPct val="100000"/>
+              </a:lnSpc>
+              <a:spcBef>
+                <a:spcPct val="50000"/>
+              </a:spcBef>
+              <a:spcAft>
+                <a:spcPct val="0"/>
+              </a:spcAft>
+              <a:buClr>
+                <a:srgbClr val="F0AB00"/>
+              </a:buClr>
+              <a:buSzPct val="80000"/>
+              <a:tabLst/>
+            </a:pPr>
+            <a:r>
+              <a:rPr lang="en-US" sz="1800" kern="0" dirty="0">
+                <a:ea typeface="Arial Unicode MS" pitchFamily="34" charset="-128"/>
+                <a:cs typeface="Arial Unicode MS" pitchFamily="34" charset="-128"/>
+              </a:rPr>
+              <a:t>species=</a:t>
+            </a:r>
+            <a:r>
+              <a:rPr lang="en-US" sz="1800" kern="0" dirty="0" err="1">
+                <a:ea typeface="Arial Unicode MS" pitchFamily="34" charset="-128"/>
+                <a:cs typeface="Arial Unicode MS" pitchFamily="34" charset="-128"/>
+              </a:rPr>
+              <a:t>koopa</a:t>
+            </a:r>
+            <a:r>
+              <a:rPr lang="en-US" sz="1800" kern="0" dirty="0">
+                <a:ea typeface="Arial Unicode MS" pitchFamily="34" charset="-128"/>
+                <a:cs typeface="Arial Unicode MS" pitchFamily="34" charset="-128"/>
+              </a:rPr>
+              <a:t> generation=green-shell</a:t>
+            </a:r>
+          </a:p>
+        </p:txBody>
+      </p:sp>
+      <p:sp>
+        <p:nvSpPr>
+          <p:cNvPr id="20" name="Rectangle 19">
+            <a:extLst>
+              <a:ext uri="{FF2B5EF4-FFF2-40B4-BE49-F238E27FC236}">
+                <a16:creationId xmlns:a16="http://schemas.microsoft.com/office/drawing/2014/main" id="{DE598B18-824C-4BC2-B699-C449E02B418F}"/>
+              </a:ext>
+            </a:extLst>
+          </p:cNvPr>
+          <p:cNvSpPr/>
+          <p:nvPr/>
+        </p:nvSpPr>
+        <p:spPr bwMode="gray">
+          <a:xfrm>
+            <a:off x="1318615" y="2867183"/>
+            <a:ext cx="2015135" cy="527988"/>
+          </a:xfrm>
+          <a:prstGeom prst="rect">
+            <a:avLst/>
+          </a:prstGeom>
+          <a:ln>
+            <a:headEnd/>
+            <a:tailEnd/>
+          </a:ln>
+        </p:spPr>
+        <p:style>
+          <a:lnRef idx="2">
+            <a:schemeClr val="accent2"/>
+          </a:lnRef>
+          <a:fillRef idx="1">
+            <a:schemeClr val="lt1"/>
+          </a:fillRef>
+          <a:effectRef idx="0">
+            <a:schemeClr val="accent2"/>
+          </a:effectRef>
+          <a:fontRef idx="minor">
+            <a:schemeClr val="dk1"/>
+          </a:fontRef>
+        </p:style>
+        <p:txBody>
+          <a:bodyPr lIns="90000" tIns="72000" rIns="90000" bIns="72000" rtlCol="0" anchor="ctr"/>
+          <a:lstStyle/>
+          <a:p>
+            <a:pPr marR="0" algn="ctr" defTabSz="914400" eaLnBrk="1" fontAlgn="base" latinLnBrk="0" hangingPunct="1">
+              <a:lnSpc>
+                <a:spcPct val="100000"/>
+              </a:lnSpc>
+              <a:spcBef>
+                <a:spcPct val="50000"/>
+              </a:spcBef>
+              <a:spcAft>
+                <a:spcPct val="0"/>
+              </a:spcAft>
+              <a:buClr>
+                <a:srgbClr val="F0AB00"/>
+              </a:buClr>
+              <a:buSzPct val="80000"/>
+              <a:tabLst/>
+            </a:pPr>
+            <a:r>
+              <a:rPr lang="de-DE" sz="1800" kern="0" dirty="0" err="1">
+                <a:ea typeface="Arial Unicode MS" pitchFamily="34" charset="-128"/>
+                <a:cs typeface="Arial Unicode MS" pitchFamily="34" charset="-128"/>
+              </a:rPr>
+              <a:t>species</a:t>
+            </a:r>
+            <a:r>
+              <a:rPr lang="de-DE" sz="1800" kern="0" dirty="0">
+                <a:ea typeface="Arial Unicode MS" pitchFamily="34" charset="-128"/>
+                <a:cs typeface="Arial Unicode MS" pitchFamily="34" charset="-128"/>
+              </a:rPr>
+              <a:t> = </a:t>
+            </a:r>
+            <a:r>
+              <a:rPr lang="de-DE" sz="1800" kern="0" dirty="0" err="1">
+                <a:ea typeface="Arial Unicode MS" pitchFamily="34" charset="-128"/>
+                <a:cs typeface="Arial Unicode MS" pitchFamily="34" charset="-128"/>
+              </a:rPr>
+              <a:t>koopa</a:t>
+            </a:r>
+            <a:endParaRPr kumimoji="0" lang="de-DE" sz="1800" b="0" i="0" u="none" strike="noStrike" kern="0" cap="none" spc="0" normalizeH="0" baseline="0" noProof="0" dirty="0">
+              <a:ln>
+                <a:noFill/>
+              </a:ln>
+              <a:effectLst/>
+              <a:uLnTx/>
+              <a:uFillTx/>
+              <a:ea typeface="Arial Unicode MS" pitchFamily="34" charset="-128"/>
+              <a:cs typeface="Arial Unicode MS" pitchFamily="34" charset="-128"/>
+            </a:endParaRPr>
+          </a:p>
+        </p:txBody>
+      </p:sp>
+      <p:sp>
+        <p:nvSpPr>
+          <p:cNvPr id="23" name="Rectangle 22">
+            <a:extLst>
+              <a:ext uri="{FF2B5EF4-FFF2-40B4-BE49-F238E27FC236}">
+                <a16:creationId xmlns:a16="http://schemas.microsoft.com/office/drawing/2014/main" id="{94DCD3A2-04F9-4ED8-8D59-B92D55221180}"/>
+              </a:ext>
+            </a:extLst>
+          </p:cNvPr>
+          <p:cNvSpPr/>
+          <p:nvPr/>
+        </p:nvSpPr>
+        <p:spPr bwMode="gray">
+          <a:xfrm>
+            <a:off x="609933" y="4667123"/>
+            <a:ext cx="2723817" cy="985220"/>
+          </a:xfrm>
+          <a:prstGeom prst="rect">
+            <a:avLst/>
+          </a:prstGeom>
+          <a:ln>
+            <a:headEnd/>
+            <a:tailEnd/>
+          </a:ln>
+        </p:spPr>
+        <p:style>
+          <a:lnRef idx="2">
+            <a:schemeClr val="accent2"/>
+          </a:lnRef>
+          <a:fillRef idx="1">
+            <a:schemeClr val="lt1"/>
+          </a:fillRef>
+          <a:effectRef idx="0">
+            <a:schemeClr val="accent2"/>
+          </a:effectRef>
+          <a:fontRef idx="minor">
+            <a:schemeClr val="dk1"/>
+          </a:fontRef>
+        </p:style>
+        <p:txBody>
+          <a:bodyPr lIns="90000" tIns="72000" rIns="90000" bIns="72000" rtlCol="0" anchor="ctr"/>
+          <a:lstStyle/>
+          <a:p>
+            <a:pPr marR="0" algn="ctr" defTabSz="914400" eaLnBrk="1" fontAlgn="base" latinLnBrk="0" hangingPunct="1">
+              <a:lnSpc>
+                <a:spcPct val="100000"/>
+              </a:lnSpc>
+              <a:spcBef>
+                <a:spcPct val="50000"/>
+              </a:spcBef>
+              <a:spcAft>
+                <a:spcPct val="0"/>
+              </a:spcAft>
+              <a:buClr>
+                <a:srgbClr val="F0AB00"/>
+              </a:buClr>
+              <a:buSzPct val="80000"/>
+              <a:tabLst/>
+            </a:pPr>
+            <a:r>
+              <a:rPr lang="de-DE" sz="1800" kern="0" dirty="0" err="1">
+                <a:ea typeface="Arial Unicode MS" pitchFamily="34" charset="-128"/>
+                <a:cs typeface="Arial Unicode MS" pitchFamily="34" charset="-128"/>
+              </a:rPr>
+              <a:t>species</a:t>
+            </a:r>
+            <a:r>
+              <a:rPr lang="de-DE" sz="1800" kern="0" dirty="0">
+                <a:ea typeface="Arial Unicode MS" pitchFamily="34" charset="-128"/>
+                <a:cs typeface="Arial Unicode MS" pitchFamily="34" charset="-128"/>
+              </a:rPr>
+              <a:t>=</a:t>
+            </a:r>
+            <a:r>
+              <a:rPr lang="de-DE" sz="1800" kern="0" dirty="0" err="1">
+                <a:ea typeface="Arial Unicode MS" pitchFamily="34" charset="-128"/>
+                <a:cs typeface="Arial Unicode MS" pitchFamily="34" charset="-128"/>
+              </a:rPr>
+              <a:t>koopa</a:t>
+            </a:r>
+            <a:r>
+              <a:rPr lang="de-DE" sz="1800" kern="0" dirty="0">
+                <a:ea typeface="Arial Unicode MS" pitchFamily="34" charset="-128"/>
+                <a:cs typeface="Arial Unicode MS" pitchFamily="34" charset="-128"/>
+              </a:rPr>
+              <a:t> </a:t>
+            </a:r>
+            <a:r>
+              <a:rPr kumimoji="0" lang="de-DE" sz="1800" b="0" i="0" u="none" strike="noStrike" kern="0" cap="none" spc="0" normalizeH="0" baseline="0" noProof="0" dirty="0" err="1">
+                <a:ln>
+                  <a:noFill/>
+                </a:ln>
+                <a:effectLst/>
+                <a:uLnTx/>
+                <a:uFillTx/>
+                <a:ea typeface="Arial Unicode MS" pitchFamily="34" charset="-128"/>
+                <a:cs typeface="Arial Unicode MS" pitchFamily="34" charset="-128"/>
+              </a:rPr>
+              <a:t>generation</a:t>
+            </a:r>
+            <a:r>
+              <a:rPr kumimoji="0" lang="de-DE" sz="1800" b="0" i="0" u="none" strike="noStrike" kern="0" cap="none" spc="0" normalizeH="0" baseline="0" noProof="0" dirty="0">
+                <a:ln>
+                  <a:noFill/>
+                </a:ln>
+                <a:effectLst/>
+                <a:uLnTx/>
+                <a:uFillTx/>
+                <a:ea typeface="Arial Unicode MS" pitchFamily="34" charset="-128"/>
+                <a:cs typeface="Arial Unicode MS" pitchFamily="34" charset="-128"/>
+              </a:rPr>
+              <a:t>=</a:t>
+            </a:r>
+            <a:r>
+              <a:rPr kumimoji="0" lang="de-DE" sz="1800" b="0" i="0" u="none" strike="noStrike" kern="0" cap="none" spc="0" normalizeH="0" baseline="0" noProof="0" dirty="0" err="1">
+                <a:ln>
+                  <a:noFill/>
+                </a:ln>
+                <a:effectLst/>
+                <a:uLnTx/>
+                <a:uFillTx/>
+                <a:ea typeface="Arial Unicode MS" pitchFamily="34" charset="-128"/>
+                <a:cs typeface="Arial Unicode MS" pitchFamily="34" charset="-128"/>
+              </a:rPr>
+              <a:t>green-shell</a:t>
+            </a:r>
+            <a:endParaRPr kumimoji="0" lang="de-DE" sz="1800" b="0" i="0" u="none" strike="noStrike" kern="0" cap="none" spc="0" normalizeH="0" baseline="0" noProof="0" dirty="0">
+              <a:ln>
+                <a:noFill/>
+              </a:ln>
+              <a:effectLst/>
+              <a:uLnTx/>
+              <a:uFillTx/>
+              <a:ea typeface="Arial Unicode MS" pitchFamily="34" charset="-128"/>
+              <a:cs typeface="Arial Unicode MS" pitchFamily="34" charset="-128"/>
+            </a:endParaRPr>
+          </a:p>
+        </p:txBody>
+      </p:sp>
+      <p:sp>
+        <p:nvSpPr>
+          <p:cNvPr id="24" name="Flowchart: Document 23">
+            <a:extLst>
+              <a:ext uri="{FF2B5EF4-FFF2-40B4-BE49-F238E27FC236}">
+                <a16:creationId xmlns:a16="http://schemas.microsoft.com/office/drawing/2014/main" id="{A5CA1BF9-ED37-4339-B739-1271C0123AC5}"/>
+              </a:ext>
+            </a:extLst>
+          </p:cNvPr>
+          <p:cNvSpPr/>
+          <p:nvPr/>
+        </p:nvSpPr>
+        <p:spPr bwMode="gray">
+          <a:xfrm>
+            <a:off x="736575" y="2279442"/>
+            <a:ext cx="1506583" cy="766354"/>
+          </a:xfrm>
+          <a:prstGeom prst="flowChartDocument">
+            <a:avLst/>
+          </a:prstGeom>
+          <a:ln>
+            <a:headEnd/>
+            <a:tailEnd/>
+          </a:ln>
+        </p:spPr>
+        <p:style>
+          <a:lnRef idx="2">
+            <a:schemeClr val="accent5"/>
+          </a:lnRef>
+          <a:fillRef idx="1">
+            <a:schemeClr val="lt1"/>
+          </a:fillRef>
+          <a:effectRef idx="0">
+            <a:schemeClr val="accent5"/>
+          </a:effectRef>
+          <a:fontRef idx="minor">
+            <a:schemeClr val="dk1"/>
+          </a:fontRef>
+        </p:style>
+        <p:txBody>
+          <a:bodyPr lIns="90000" tIns="72000" rIns="90000" bIns="72000" rtlCol="0" anchor="ctr"/>
+          <a:lstStyle/>
+          <a:p>
+            <a:pPr algn="ctr" defTabSz="914400" fontAlgn="base">
+              <a:spcBef>
+                <a:spcPct val="50000"/>
+              </a:spcBef>
+              <a:spcAft>
+                <a:spcPct val="0"/>
+              </a:spcAft>
+              <a:buClr>
+                <a:srgbClr val="F0AB00"/>
+              </a:buClr>
+              <a:buSzPct val="80000"/>
+            </a:pPr>
+            <a:r>
+              <a:rPr lang="en-US" sz="1800" kern="0" dirty="0">
+                <a:ea typeface="Arial Unicode MS" pitchFamily="34" charset="-128"/>
+                <a:cs typeface="Arial Unicode MS" pitchFamily="34" charset="-128"/>
+              </a:rPr>
+              <a:t>Selector</a:t>
+            </a:r>
+          </a:p>
+        </p:txBody>
+      </p:sp>
+    </p:spTree>
+    <p:extLst>
+      <p:ext uri="{BB962C8B-B14F-4D97-AF65-F5344CB8AC3E}">
+        <p14:creationId xmlns:p14="http://schemas.microsoft.com/office/powerpoint/2010/main" val="3550958239"/>
+      </p:ext>
+    </p:extLst>
+  </p:cSld>
+  <p:clrMapOvr>
+    <a:masterClrMapping/>
+  </p:clrMapOvr>
+  <p:timing>
+    <p:tnLst>
+      <p:par>
+        <p:cTn id="1" dur="indefinite" restart="never" nodeType="tmRoot">
+          <p:childTnLst>
+            <p:seq concurrent="1" nextAc="seek">
+              <p:cTn id="2" dur="indefinite" nodeType="mainSeq">
+                <p:childTnLst>
+                  <p:par>
+                    <p:cTn id="3" fill="hold">
+                      <p:stCondLst>
+                        <p:cond delay="indefinite"/>
+                      </p:stCondLst>
+                      <p:childTnLst>
+                        <p:par>
+                          <p:cTn id="4" fill="hold">
+                            <p:stCondLst>
+                              <p:cond delay="0"/>
+                            </p:stCondLst>
+                            <p:childTnLst>
+                              <p:par>
+                                <p:cTn id="5" presetID="1" presetClass="entr" presetSubtype="0" fill="hold" grpId="0" nodeType="clickEffect">
+                                  <p:stCondLst>
+                                    <p:cond delay="0"/>
+                                  </p:stCondLst>
+                                  <p:childTnLst>
+                                    <p:set>
+                                      <p:cBhvr>
+                                        <p:cTn id="6" dur="1" fill="hold">
+                                          <p:stCondLst>
+                                            <p:cond delay="0"/>
+                                          </p:stCondLst>
+                                        </p:cTn>
+                                        <p:tgtEl>
+                                          <p:spTgt spid="8"/>
+                                        </p:tgtEl>
+                                        <p:attrNameLst>
+                                          <p:attrName>style.visibility</p:attrName>
+                                        </p:attrNameLst>
+                                      </p:cBhvr>
+                                      <p:to>
+                                        <p:strVal val="visible"/>
+                                      </p:to>
+                                    </p:set>
+                                  </p:childTnLst>
+                                </p:cTn>
+                              </p:par>
+                              <p:par>
+                                <p:cTn id="7" presetID="1" presetClass="entr" presetSubtype="0" fill="hold" grpId="0" nodeType="withEffect">
+                                  <p:stCondLst>
+                                    <p:cond delay="0"/>
+                                  </p:stCondLst>
+                                  <p:childTnLst>
+                                    <p:set>
+                                      <p:cBhvr>
+                                        <p:cTn id="8" dur="1" fill="hold">
+                                          <p:stCondLst>
+                                            <p:cond delay="0"/>
+                                          </p:stCondLst>
+                                        </p:cTn>
+                                        <p:tgtEl>
+                                          <p:spTgt spid="20"/>
+                                        </p:tgtEl>
+                                        <p:attrNameLst>
+                                          <p:attrName>style.visibility</p:attrName>
+                                        </p:attrNameLst>
+                                      </p:cBhvr>
+                                      <p:to>
+                                        <p:strVal val="visible"/>
+                                      </p:to>
+                                    </p:set>
+                                  </p:childTnLst>
+                                </p:cTn>
+                              </p:par>
+                              <p:par>
+                                <p:cTn id="9" presetID="1" presetClass="entr" presetSubtype="0" fill="hold" grpId="0" nodeType="withEffect">
+                                  <p:stCondLst>
+                                    <p:cond delay="0"/>
+                                  </p:stCondLst>
+                                  <p:childTnLst>
+                                    <p:set>
+                                      <p:cBhvr>
+                                        <p:cTn id="10" dur="1" fill="hold">
+                                          <p:stCondLst>
+                                            <p:cond delay="0"/>
+                                          </p:stCondLst>
+                                        </p:cTn>
+                                        <p:tgtEl>
+                                          <p:spTgt spid="24"/>
+                                        </p:tgtEl>
+                                        <p:attrNameLst>
+                                          <p:attrName>style.visibility</p:attrName>
+                                        </p:attrNameLst>
+                                      </p:cBhvr>
+                                      <p:to>
+                                        <p:strVal val="visible"/>
+                                      </p:to>
+                                    </p:set>
+                                  </p:childTnLst>
+                                </p:cTn>
+                              </p:par>
+                            </p:childTnLst>
+                          </p:cTn>
+                        </p:par>
+                      </p:childTnLst>
+                    </p:cTn>
+                  </p:par>
+                  <p:par>
+                    <p:cTn id="11" fill="hold">
+                      <p:stCondLst>
+                        <p:cond delay="indefinite"/>
+                      </p:stCondLst>
+                      <p:childTnLst>
+                        <p:par>
+                          <p:cTn id="12" fill="hold">
+                            <p:stCondLst>
+                              <p:cond delay="0"/>
+                            </p:stCondLst>
+                            <p:childTnLst>
+                              <p:par>
+                                <p:cTn id="13" presetID="1" presetClass="entr" presetSubtype="0" fill="hold" grpId="0" nodeType="clickEffect">
+                                  <p:stCondLst>
+                                    <p:cond delay="0"/>
+                                  </p:stCondLst>
+                                  <p:childTnLst>
+                                    <p:set>
+                                      <p:cBhvr>
+                                        <p:cTn id="14" dur="1" fill="hold">
+                                          <p:stCondLst>
+                                            <p:cond delay="0"/>
+                                          </p:stCondLst>
+                                        </p:cTn>
+                                        <p:tgtEl>
+                                          <p:spTgt spid="21"/>
+                                        </p:tgtEl>
+                                        <p:attrNameLst>
+                                          <p:attrName>style.visibility</p:attrName>
+                                        </p:attrNameLst>
+                                      </p:cBhvr>
+                                      <p:to>
+                                        <p:strVal val="visible"/>
+                                      </p:to>
+                                    </p:set>
+                                  </p:childTnLst>
+                                </p:cTn>
+                              </p:par>
+                              <p:par>
+                                <p:cTn id="15" presetID="1" presetClass="entr" presetSubtype="0" fill="hold" nodeType="withEffect">
+                                  <p:stCondLst>
+                                    <p:cond delay="0"/>
+                                  </p:stCondLst>
+                                  <p:childTnLst>
+                                    <p:set>
+                                      <p:cBhvr>
+                                        <p:cTn id="16" dur="1" fill="hold">
+                                          <p:stCondLst>
+                                            <p:cond delay="0"/>
+                                          </p:stCondLst>
+                                        </p:cTn>
+                                        <p:tgtEl>
+                                          <p:spTgt spid="1030"/>
+                                        </p:tgtEl>
+                                        <p:attrNameLst>
+                                          <p:attrName>style.visibility</p:attrName>
+                                        </p:attrNameLst>
+                                      </p:cBhvr>
+                                      <p:to>
+                                        <p:strVal val="visible"/>
+                                      </p:to>
+                                    </p:set>
+                                  </p:childTnLst>
+                                </p:cTn>
+                              </p:par>
+                            </p:childTnLst>
+                          </p:cTn>
+                        </p:par>
+                      </p:childTnLst>
+                    </p:cTn>
+                  </p:par>
+                  <p:par>
+                    <p:cTn id="17" fill="hold">
+                      <p:stCondLst>
+                        <p:cond delay="indefinite"/>
+                      </p:stCondLst>
+                      <p:childTnLst>
+                        <p:par>
+                          <p:cTn id="18" fill="hold">
+                            <p:stCondLst>
+                              <p:cond delay="0"/>
+                            </p:stCondLst>
+                            <p:childTnLst>
+                              <p:par>
+                                <p:cTn id="19" presetID="1" presetClass="entr" presetSubtype="0" fill="hold" grpId="0" nodeType="clickEffect">
+                                  <p:stCondLst>
+                                    <p:cond delay="0"/>
+                                  </p:stCondLst>
+                                  <p:childTnLst>
+                                    <p:set>
+                                      <p:cBhvr>
+                                        <p:cTn id="20" dur="1" fill="hold">
+                                          <p:stCondLst>
+                                            <p:cond delay="0"/>
+                                          </p:stCondLst>
+                                        </p:cTn>
+                                        <p:tgtEl>
+                                          <p:spTgt spid="23"/>
+                                        </p:tgtEl>
+                                        <p:attrNameLst>
+                                          <p:attrName>style.visibility</p:attrName>
+                                        </p:attrNameLst>
+                                      </p:cBhvr>
+                                      <p:to>
+                                        <p:strVal val="visible"/>
+                                      </p:to>
+                                    </p:set>
+                                  </p:childTnLst>
+                                </p:cTn>
+                              </p:par>
+                              <p:par>
+                                <p:cTn id="21" presetID="1" presetClass="entr" presetSubtype="0" fill="hold" nodeType="withEffect">
+                                  <p:stCondLst>
+                                    <p:cond delay="0"/>
+                                  </p:stCondLst>
+                                  <p:childTnLst>
+                                    <p:set>
+                                      <p:cBhvr>
+                                        <p:cTn id="22" dur="1" fill="hold">
+                                          <p:stCondLst>
+                                            <p:cond delay="0"/>
+                                          </p:stCondLst>
+                                        </p:cTn>
+                                        <p:tgtEl>
+                                          <p:spTgt spid="6"/>
+                                        </p:tgtEl>
+                                        <p:attrNameLst>
+                                          <p:attrName>style.visibility</p:attrName>
+                                        </p:attrNameLst>
+                                      </p:cBhvr>
+                                      <p:to>
+                                        <p:strVal val="visible"/>
+                                      </p:to>
+                                    </p:set>
+                                  </p:childTnLst>
+                                </p:cTn>
+                              </p:par>
+                              <p:par>
+                                <p:cTn id="23" presetID="1" presetClass="entr" presetSubtype="0" fill="hold" nodeType="withEffect">
+                                  <p:stCondLst>
+                                    <p:cond delay="0"/>
+                                  </p:stCondLst>
+                                  <p:childTnLst>
+                                    <p:set>
+                                      <p:cBhvr>
+                                        <p:cTn id="24" dur="1" fill="hold">
+                                          <p:stCondLst>
+                                            <p:cond delay="0"/>
+                                          </p:stCondLst>
+                                        </p:cTn>
+                                        <p:tgtEl>
+                                          <p:spTgt spid="1026"/>
+                                        </p:tgtEl>
+                                        <p:attrNameLst>
+                                          <p:attrName>style.visibility</p:attrName>
+                                        </p:attrNameLst>
+                                      </p:cBhvr>
+                                      <p:to>
+                                        <p:strVal val="visible"/>
+                                      </p:to>
+                                    </p:set>
+                                  </p:childTnLst>
+                                </p:cTn>
+                              </p:par>
+                              <p:par>
+                                <p:cTn id="25" presetID="1" presetClass="entr" presetSubtype="0" fill="hold" nodeType="withEffect">
+                                  <p:stCondLst>
+                                    <p:cond delay="0"/>
+                                  </p:stCondLst>
+                                  <p:childTnLst>
+                                    <p:set>
+                                      <p:cBhvr>
+                                        <p:cTn id="26" dur="1" fill="hold">
+                                          <p:stCondLst>
+                                            <p:cond delay="0"/>
+                                          </p:stCondLst>
+                                        </p:cTn>
+                                        <p:tgtEl>
+                                          <p:spTgt spid="7"/>
+                                        </p:tgtEl>
+                                        <p:attrNameLst>
+                                          <p:attrName>style.visibility</p:attrName>
+                                        </p:attrNameLst>
+                                      </p:cBhvr>
+                                      <p:to>
+                                        <p:strVal val="visible"/>
+                                      </p:to>
+                                    </p:set>
+                                  </p:childTnLst>
+                                </p:cTn>
+                              </p:par>
+                              <p:par>
+                                <p:cTn id="27" presetID="1" presetClass="entr" presetSubtype="0" fill="hold" grpId="0" nodeType="withEffect">
+                                  <p:stCondLst>
+                                    <p:cond delay="0"/>
+                                  </p:stCondLst>
+                                  <p:childTnLst>
+                                    <p:set>
+                                      <p:cBhvr>
+                                        <p:cTn id="28" dur="1" fill="hold">
+                                          <p:stCondLst>
+                                            <p:cond delay="0"/>
+                                          </p:stCondLst>
+                                        </p:cTn>
+                                        <p:tgtEl>
+                                          <p:spTgt spid="22"/>
+                                        </p:tgtEl>
+                                        <p:attrNameLst>
+                                          <p:attrName>style.visibility</p:attrName>
+                                        </p:attrNameLst>
+                                      </p:cBhvr>
+                                      <p:to>
+                                        <p:strVal val="visible"/>
+                                      </p:to>
+                                    </p:set>
+                                  </p:childTnLst>
+                                </p:cTn>
+                              </p:par>
+                            </p:childTnLst>
+                          </p:cTn>
+                        </p:par>
+                      </p:childTnLst>
+                    </p:cTn>
+                  </p:par>
+                </p:childTnLst>
+              </p:cTn>
+              <p:prevCondLst>
+                <p:cond evt="onPrev" delay="0">
+                  <p:tgtEl>
+                    <p:sldTgt/>
+                  </p:tgtEl>
+                </p:cond>
+              </p:prevCondLst>
+              <p:nextCondLst>
+                <p:cond evt="onNext" delay="0">
+                  <p:tgtEl>
+                    <p:sldTgt/>
+                  </p:tgtEl>
+                </p:cond>
+              </p:nextCondLst>
+            </p:seq>
+          </p:childTnLst>
+        </p:cTn>
+      </p:par>
+    </p:tnLst>
+    <p:bldLst>
+      <p:bldP spid="8" grpId="0" animBg="1"/>
+      <p:bldP spid="21" grpId="0" animBg="1"/>
+      <p:bldP spid="22" grpId="0" animBg="1"/>
+      <p:bldP spid="20" grpId="0" animBg="1"/>
+      <p:bldP spid="23" grpId="0" animBg="1"/>
+      <p:bldP spid="24" grpId="0" animBg="1"/>
+    </p:bldLst>
+  </p:timing>
+</p:sld>
+</file>
+
+<file path=ppt/slides/slide7.xml><?xml version="1.0" encoding="utf-8"?>
+<p:sld xmlns:a="http://schemas.openxmlformats.org/drawingml/2006/main" xmlns:r="http://schemas.openxmlformats.org/officeDocument/2006/relationships" xmlns:p="http://schemas.openxmlformats.org/presentationml/2006/main">
+  <p:cSld>
+    <p:spTree>
+      <p:nvGrpSpPr>
+        <p:cNvPr id="1" name=""/>
+        <p:cNvGrpSpPr/>
+        <p:nvPr/>
+      </p:nvGrpSpPr>
+      <p:grpSpPr>
+        <a:xfrm>
+          <a:off x="0" y="0"/>
+          <a:ext cx="0" cy="0"/>
+          <a:chOff x="0" y="0"/>
+          <a:chExt cx="0" cy="0"/>
+        </a:xfrm>
+      </p:grpSpPr>
+      <p:sp>
+        <p:nvSpPr>
+          <p:cNvPr id="3" name="Title 2">
+            <a:extLst>
+              <a:ext uri="{FF2B5EF4-FFF2-40B4-BE49-F238E27FC236}">
+                <a16:creationId xmlns:a16="http://schemas.microsoft.com/office/drawing/2014/main" id="{759B34B4-C129-4847-964B-4D41E2982158}"/>
+              </a:ext>
+            </a:extLst>
+          </p:cNvPr>
+          <p:cNvSpPr>
+            <a:spLocks noGrp="1"/>
+          </p:cNvSpPr>
+          <p:nvPr>
+            <p:ph type="title"/>
+          </p:nvPr>
+        </p:nvSpPr>
+        <p:spPr>
+          <a:xfrm>
+            <a:off x="504001" y="504000"/>
+            <a:ext cx="11186476" cy="369332"/>
+          </a:xfrm>
+        </p:spPr>
+        <p:txBody>
+          <a:bodyPr/>
+          <a:lstStyle/>
+          <a:p>
+            <a:r>
+              <a:rPr lang="en-US" dirty="0"/>
+              <a:t>Updating Deployments</a:t>
+            </a:r>
+          </a:p>
+        </p:txBody>
+      </p:sp>
+      <p:pic>
+        <p:nvPicPr>
+          <p:cNvPr id="1026" name="Picture 2" descr="https://vignette.wikia.nocookie.net/nintendo/images/8/83/KoopaNSMB.png/revision/latest?cb=20110724132501&amp;path-prefix=en">
+            <a:extLst>
+              <a:ext uri="{FF2B5EF4-FFF2-40B4-BE49-F238E27FC236}">
+                <a16:creationId xmlns:a16="http://schemas.microsoft.com/office/drawing/2014/main" id="{DD6E3BCC-6AF7-43FC-8693-FDBFC61D5D1A}"/>
+              </a:ext>
+            </a:extLst>
+          </p:cNvPr>
+          <p:cNvPicPr>
+            <a:picLocks noChangeAspect="1" noChangeArrowheads="1"/>
+          </p:cNvPicPr>
+          <p:nvPr/>
+        </p:nvPicPr>
+        <p:blipFill>
+          <a:blip r:embed="rId2">
+            <a:extLst>
+              <a:ext uri="{28A0092B-C50C-407E-A947-70E740481C1C}">
+                <a14:useLocalDpi xmlns:a14="http://schemas.microsoft.com/office/drawing/2010/main" val="0"/>
+              </a:ext>
+            </a:extLst>
+          </a:blip>
+          <a:srcRect/>
+          <a:stretch>
+            <a:fillRect/>
+          </a:stretch>
+        </p:blipFill>
+        <p:spPr bwMode="auto">
+          <a:xfrm>
+            <a:off x="2157870" y="4558083"/>
+            <a:ext cx="1025020" cy="1630972"/>
+          </a:xfrm>
+          <a:prstGeom prst="rect">
+            <a:avLst/>
+          </a:prstGeom>
+          <a:noFill/>
+          <a:extLst>
+            <a:ext uri="{909E8E84-426E-40DD-AFC4-6F175D3DCCD1}">
+              <a14:hiddenFill xmlns:a14="http://schemas.microsoft.com/office/drawing/2010/main">
+                <a:solidFill>
+                  <a:srgbClr val="FFFFFF"/>
+                </a:solidFill>
+              </a14:hiddenFill>
+            </a:ext>
+          </a:extLst>
+        </p:spPr>
+      </p:pic>
+      <p:pic>
+        <p:nvPicPr>
+          <p:cNvPr id="6" name="Picture 2" descr="https://vignette.wikia.nocookie.net/nintendo/images/8/83/KoopaNSMB.png/revision/latest?cb=20110724132501&amp;path-prefix=en">
+            <a:extLst>
+              <a:ext uri="{FF2B5EF4-FFF2-40B4-BE49-F238E27FC236}">
+                <a16:creationId xmlns:a16="http://schemas.microsoft.com/office/drawing/2014/main" id="{44DF2202-C15C-4F6D-A36C-C7723B0C1E9F}"/>
+              </a:ext>
+            </a:extLst>
+          </p:cNvPr>
+          <p:cNvPicPr>
+            <a:picLocks noChangeAspect="1" noChangeArrowheads="1"/>
+          </p:cNvPicPr>
+          <p:nvPr/>
+        </p:nvPicPr>
+        <p:blipFill>
+          <a:blip r:embed="rId2">
+            <a:extLst>
+              <a:ext uri="{28A0092B-C50C-407E-A947-70E740481C1C}">
+                <a14:useLocalDpi xmlns:a14="http://schemas.microsoft.com/office/drawing/2010/main" val="0"/>
+              </a:ext>
+            </a:extLst>
+          </a:blip>
+          <a:srcRect/>
+          <a:stretch>
+            <a:fillRect/>
+          </a:stretch>
+        </p:blipFill>
+        <p:spPr bwMode="auto">
+          <a:xfrm>
+            <a:off x="1009008" y="4539768"/>
+            <a:ext cx="1025020" cy="1630972"/>
+          </a:xfrm>
+          <a:prstGeom prst="rect">
+            <a:avLst/>
+          </a:prstGeom>
+          <a:noFill/>
+          <a:extLst>
+            <a:ext uri="{909E8E84-426E-40DD-AFC4-6F175D3DCCD1}">
+              <a14:hiddenFill xmlns:a14="http://schemas.microsoft.com/office/drawing/2010/main">
+                <a:solidFill>
+                  <a:srgbClr val="FFFFFF"/>
+                </a:solidFill>
+              </a14:hiddenFill>
+            </a:ext>
+          </a:extLst>
+        </p:spPr>
+      </p:pic>
+      <p:pic>
+        <p:nvPicPr>
+          <p:cNvPr id="7" name="Picture 2" descr="https://vignette.wikia.nocookie.net/nintendo/images/8/83/KoopaNSMB.png/revision/latest?cb=20110724132501&amp;path-prefix=en">
+            <a:extLst>
+              <a:ext uri="{FF2B5EF4-FFF2-40B4-BE49-F238E27FC236}">
+                <a16:creationId xmlns:a16="http://schemas.microsoft.com/office/drawing/2014/main" id="{DBA2E3A6-4169-47A9-ABDE-8180C82525E4}"/>
+              </a:ext>
+            </a:extLst>
+          </p:cNvPr>
+          <p:cNvPicPr>
+            <a:picLocks noChangeAspect="1" noChangeArrowheads="1"/>
+          </p:cNvPicPr>
+          <p:nvPr/>
+        </p:nvPicPr>
+        <p:blipFill>
+          <a:blip r:embed="rId2">
+            <a:extLst>
+              <a:ext uri="{28A0092B-C50C-407E-A947-70E740481C1C}">
+                <a14:useLocalDpi xmlns:a14="http://schemas.microsoft.com/office/drawing/2010/main" val="0"/>
+              </a:ext>
+            </a:extLst>
+          </a:blip>
+          <a:srcRect/>
+          <a:stretch>
+            <a:fillRect/>
+          </a:stretch>
+        </p:blipFill>
+        <p:spPr bwMode="auto">
+          <a:xfrm>
+            <a:off x="3306732" y="4558083"/>
+            <a:ext cx="1025020" cy="1630972"/>
+          </a:xfrm>
+          <a:prstGeom prst="rect">
+            <a:avLst/>
+          </a:prstGeom>
+          <a:noFill/>
+          <a:extLst>
+            <a:ext uri="{909E8E84-426E-40DD-AFC4-6F175D3DCCD1}">
+              <a14:hiddenFill xmlns:a14="http://schemas.microsoft.com/office/drawing/2010/main">
+                <a:solidFill>
+                  <a:srgbClr val="FFFFFF"/>
+                </a:solidFill>
+              </a14:hiddenFill>
+            </a:ext>
+          </a:extLst>
+        </p:spPr>
+      </p:pic>
+      <p:pic>
+        <p:nvPicPr>
+          <p:cNvPr id="1030" name="Picture 6" descr="Related image">
+            <a:extLst>
+              <a:ext uri="{FF2B5EF4-FFF2-40B4-BE49-F238E27FC236}">
+                <a16:creationId xmlns:a16="http://schemas.microsoft.com/office/drawing/2014/main" id="{762912E1-B568-437B-B0EB-D0D416999E23}"/>
+              </a:ext>
+            </a:extLst>
+          </p:cNvPr>
+          <p:cNvPicPr>
+            <a:picLocks noChangeAspect="1" noChangeArrowheads="1"/>
+          </p:cNvPicPr>
+          <p:nvPr/>
+        </p:nvPicPr>
+        <p:blipFill>
+          <a:blip r:embed="rId3">
+            <a:extLst>
+              <a:ext uri="{28A0092B-C50C-407E-A947-70E740481C1C}">
+                <a14:useLocalDpi xmlns:a14="http://schemas.microsoft.com/office/drawing/2010/main" val="0"/>
+              </a:ext>
+            </a:extLst>
+          </a:blip>
+          <a:srcRect/>
+          <a:stretch>
+            <a:fillRect/>
+          </a:stretch>
+        </p:blipFill>
+        <p:spPr bwMode="auto">
+          <a:xfrm rot="10800000">
+            <a:off x="2067563" y="3047691"/>
+            <a:ext cx="1365951" cy="1451323"/>
+          </a:xfrm>
+          <a:prstGeom prst="rect">
+            <a:avLst/>
+          </a:prstGeom>
+          <a:gradFill>
+            <a:gsLst>
+              <a:gs pos="0">
+                <a:schemeClr val="accent4"/>
+              </a:gs>
+              <a:gs pos="74000">
+                <a:schemeClr val="accent1">
+                  <a:lumMod val="45000"/>
+                  <a:lumOff val="55000"/>
+                </a:schemeClr>
+              </a:gs>
+              <a:gs pos="83000">
+                <a:schemeClr val="accent1">
+                  <a:lumMod val="45000"/>
+                  <a:lumOff val="55000"/>
+                </a:schemeClr>
+              </a:gs>
+              <a:gs pos="100000">
+                <a:schemeClr val="accent1">
+                  <a:lumMod val="30000"/>
+                  <a:lumOff val="70000"/>
+                </a:schemeClr>
+              </a:gs>
+            </a:gsLst>
+            <a:lin ang="4800000" scaled="0"/>
+          </a:gradFill>
+        </p:spPr>
+      </p:pic>
+      <p:pic>
+        <p:nvPicPr>
+          <p:cNvPr id="1032" name="Picture 8" descr="Related image">
+            <a:extLst>
+              <a:ext uri="{FF2B5EF4-FFF2-40B4-BE49-F238E27FC236}">
+                <a16:creationId xmlns:a16="http://schemas.microsoft.com/office/drawing/2014/main" id="{0274FF14-135E-47F9-872A-76CDB252063E}"/>
+              </a:ext>
+            </a:extLst>
+          </p:cNvPr>
+          <p:cNvPicPr>
+            <a:picLocks noChangeAspect="1" noChangeArrowheads="1"/>
+          </p:cNvPicPr>
+          <p:nvPr/>
+        </p:nvPicPr>
+        <p:blipFill>
+          <a:blip r:embed="rId4">
+            <a:extLst>
+              <a:ext uri="{28A0092B-C50C-407E-A947-70E740481C1C}">
+                <a14:useLocalDpi xmlns:a14="http://schemas.microsoft.com/office/drawing/2010/main" val="0"/>
+              </a:ext>
+            </a:extLst>
+          </a:blip>
+          <a:srcRect/>
+          <a:stretch>
+            <a:fillRect/>
+          </a:stretch>
+        </p:blipFill>
+        <p:spPr bwMode="auto">
+          <a:xfrm>
+            <a:off x="3981132" y="809653"/>
+            <a:ext cx="2647950" cy="2143125"/>
+          </a:xfrm>
+          <a:prstGeom prst="rect">
+            <a:avLst/>
+          </a:prstGeom>
+          <a:noFill/>
+          <a:extLst>
+            <a:ext uri="{909E8E84-426E-40DD-AFC4-6F175D3DCCD1}">
+              <a14:hiddenFill xmlns:a14="http://schemas.microsoft.com/office/drawing/2010/main">
+                <a:solidFill>
+                  <a:srgbClr val="FFFFFF"/>
+                </a:solidFill>
+              </a14:hiddenFill>
+            </a:ext>
+          </a:extLst>
+        </p:spPr>
+      </p:pic>
+      <p:pic>
+        <p:nvPicPr>
+          <p:cNvPr id="1034" name="Picture 10" descr="Image result for nintendo koopa troopa">
+            <a:extLst>
+              <a:ext uri="{FF2B5EF4-FFF2-40B4-BE49-F238E27FC236}">
+                <a16:creationId xmlns:a16="http://schemas.microsoft.com/office/drawing/2014/main" id="{C7A9084B-CD19-42E8-80F8-1AB06EB70208}"/>
+              </a:ext>
+            </a:extLst>
+          </p:cNvPr>
+          <p:cNvPicPr>
+            <a:picLocks noChangeAspect="1" noChangeArrowheads="1"/>
+          </p:cNvPicPr>
+          <p:nvPr/>
+        </p:nvPicPr>
+        <p:blipFill>
+          <a:blip r:embed="rId5">
+            <a:extLst>
+              <a:ext uri="{28A0092B-C50C-407E-A947-70E740481C1C}">
+                <a14:useLocalDpi xmlns:a14="http://schemas.microsoft.com/office/drawing/2010/main" val="0"/>
+              </a:ext>
+            </a:extLst>
+          </a:blip>
+          <a:srcRect/>
+          <a:stretch>
+            <a:fillRect/>
+          </a:stretch>
+        </p:blipFill>
+        <p:spPr bwMode="auto">
+          <a:xfrm>
+            <a:off x="6008339" y="4558083"/>
+            <a:ext cx="1275990" cy="1629787"/>
+          </a:xfrm>
+          <a:prstGeom prst="rect">
+            <a:avLst/>
+          </a:prstGeom>
+          <a:noFill/>
+          <a:extLst>
+            <a:ext uri="{909E8E84-426E-40DD-AFC4-6F175D3DCCD1}">
+              <a14:hiddenFill xmlns:a14="http://schemas.microsoft.com/office/drawing/2010/main">
+                <a:solidFill>
+                  <a:srgbClr val="FFFFFF"/>
+                </a:solidFill>
+              </a14:hiddenFill>
+            </a:ext>
+          </a:extLst>
+        </p:spPr>
+      </p:pic>
+      <p:sp>
+        <p:nvSpPr>
+          <p:cNvPr id="23" name="Speech Bubble: Rectangle 22">
+            <a:extLst>
+              <a:ext uri="{FF2B5EF4-FFF2-40B4-BE49-F238E27FC236}">
+                <a16:creationId xmlns:a16="http://schemas.microsoft.com/office/drawing/2014/main" id="{CCFF3E12-3E2C-4608-A8F2-7D4BB6305DFA}"/>
+              </a:ext>
+            </a:extLst>
+          </p:cNvPr>
+          <p:cNvSpPr/>
+          <p:nvPr/>
+        </p:nvSpPr>
+        <p:spPr bwMode="gray">
+          <a:xfrm>
+            <a:off x="6962606" y="1432563"/>
+            <a:ext cx="3164604" cy="715415"/>
+          </a:xfrm>
+          <a:prstGeom prst="wedgeRectCallout">
+            <a:avLst>
+              <a:gd name="adj1" fmla="val -70151"/>
+              <a:gd name="adj2" fmla="val -3711"/>
+            </a:avLst>
+          </a:prstGeom>
+          <a:ln>
+            <a:headEnd/>
+            <a:tailEnd/>
+          </a:ln>
+        </p:spPr>
+        <p:style>
+          <a:lnRef idx="2">
+            <a:schemeClr val="accent5"/>
+          </a:lnRef>
+          <a:fillRef idx="1">
+            <a:schemeClr val="lt1"/>
+          </a:fillRef>
+          <a:effectRef idx="0">
+            <a:schemeClr val="accent5"/>
+          </a:effectRef>
+          <a:fontRef idx="minor">
+            <a:schemeClr val="dk1"/>
+          </a:fontRef>
+        </p:style>
+        <p:txBody>
+          <a:bodyPr lIns="90000" tIns="72000" rIns="90000" bIns="72000" rtlCol="0" anchor="ctr"/>
+          <a:lstStyle/>
+          <a:p>
+            <a:pPr marR="0" algn="ctr" defTabSz="914400" eaLnBrk="1" fontAlgn="base" latinLnBrk="0" hangingPunct="1">
+              <a:lnSpc>
+                <a:spcPct val="100000"/>
+              </a:lnSpc>
+              <a:spcBef>
+                <a:spcPct val="50000"/>
+              </a:spcBef>
+              <a:spcAft>
+                <a:spcPct val="0"/>
+              </a:spcAft>
+              <a:buClr>
+                <a:srgbClr val="F0AB00"/>
+              </a:buClr>
+              <a:buSzPct val="80000"/>
+              <a:tabLst/>
+            </a:pPr>
+            <a:r>
+              <a:rPr kumimoji="0" lang="en-US" sz="1800" b="0" i="0" u="none" strike="noStrike" kern="0" cap="none" spc="0" normalizeH="0" baseline="0" noProof="0" dirty="0">
+                <a:ln>
+                  <a:noFill/>
+                </a:ln>
+                <a:effectLst/>
+                <a:uLnTx/>
+                <a:uFillTx/>
+                <a:ea typeface="Arial Unicode MS" pitchFamily="34" charset="-128"/>
+                <a:cs typeface="Arial Unicode MS" pitchFamily="34" charset="-128"/>
+              </a:rPr>
+              <a:t>Deployment initiates update</a:t>
+            </a:r>
+          </a:p>
+        </p:txBody>
+      </p:sp>
+      <p:pic>
+        <p:nvPicPr>
+          <p:cNvPr id="28" name="Picture 6" descr="Related image">
+            <a:extLst>
+              <a:ext uri="{FF2B5EF4-FFF2-40B4-BE49-F238E27FC236}">
+                <a16:creationId xmlns:a16="http://schemas.microsoft.com/office/drawing/2014/main" id="{2CEEA07E-6C06-458E-917A-3934914A9974}"/>
+              </a:ext>
+            </a:extLst>
+          </p:cNvPr>
+          <p:cNvPicPr>
+            <a:picLocks noChangeAspect="1" noChangeArrowheads="1"/>
+          </p:cNvPicPr>
+          <p:nvPr/>
+        </p:nvPicPr>
+        <p:blipFill>
+          <a:blip r:embed="rId3">
+            <a:extLst>
+              <a:ext uri="{28A0092B-C50C-407E-A947-70E740481C1C}">
+                <a14:useLocalDpi xmlns:a14="http://schemas.microsoft.com/office/drawing/2010/main" val="0"/>
+              </a:ext>
+            </a:extLst>
+          </a:blip>
+          <a:srcRect/>
+          <a:stretch>
+            <a:fillRect/>
+          </a:stretch>
+        </p:blipFill>
+        <p:spPr bwMode="auto">
+          <a:xfrm rot="10800000">
+            <a:off x="7178957" y="3047691"/>
+            <a:ext cx="1365951" cy="1451323"/>
+          </a:xfrm>
+          <a:prstGeom prst="rect">
+            <a:avLst/>
+          </a:prstGeom>
+          <a:gradFill>
+            <a:gsLst>
+              <a:gs pos="0">
+                <a:schemeClr val="accent5"/>
+              </a:gs>
+              <a:gs pos="74000">
+                <a:schemeClr val="accent1">
+                  <a:lumMod val="45000"/>
+                  <a:lumOff val="55000"/>
+                </a:schemeClr>
+              </a:gs>
+              <a:gs pos="83000">
+                <a:schemeClr val="accent1">
+                  <a:lumMod val="45000"/>
+                  <a:lumOff val="55000"/>
+                </a:schemeClr>
+              </a:gs>
+              <a:gs pos="100000">
+                <a:schemeClr val="accent1">
+                  <a:lumMod val="30000"/>
+                  <a:lumOff val="70000"/>
+                </a:schemeClr>
+              </a:gs>
+            </a:gsLst>
+            <a:lin ang="4800000" scaled="0"/>
+          </a:gradFill>
+        </p:spPr>
+      </p:pic>
+      <p:pic>
+        <p:nvPicPr>
+          <p:cNvPr id="29" name="Picture 10" descr="Image result for nintendo koopa troopa">
+            <a:extLst>
+              <a:ext uri="{FF2B5EF4-FFF2-40B4-BE49-F238E27FC236}">
+                <a16:creationId xmlns:a16="http://schemas.microsoft.com/office/drawing/2014/main" id="{14AB6E26-1E27-4397-AC7D-F683BD970F14}"/>
+              </a:ext>
+            </a:extLst>
+          </p:cNvPr>
+          <p:cNvPicPr>
+            <a:picLocks noChangeAspect="1" noChangeArrowheads="1"/>
+          </p:cNvPicPr>
+          <p:nvPr/>
+        </p:nvPicPr>
+        <p:blipFill>
+          <a:blip r:embed="rId5">
+            <a:extLst>
+              <a:ext uri="{28A0092B-C50C-407E-A947-70E740481C1C}">
+                <a14:useLocalDpi xmlns:a14="http://schemas.microsoft.com/office/drawing/2010/main" val="0"/>
+              </a:ext>
+            </a:extLst>
+          </a:blip>
+          <a:srcRect/>
+          <a:stretch>
+            <a:fillRect/>
+          </a:stretch>
+        </p:blipFill>
+        <p:spPr bwMode="auto">
+          <a:xfrm>
+            <a:off x="7268918" y="4539768"/>
+            <a:ext cx="1275990" cy="1629787"/>
+          </a:xfrm>
+          <a:prstGeom prst="rect">
+            <a:avLst/>
+          </a:prstGeom>
+          <a:noFill/>
+          <a:extLst>
+            <a:ext uri="{909E8E84-426E-40DD-AFC4-6F175D3DCCD1}">
+              <a14:hiddenFill xmlns:a14="http://schemas.microsoft.com/office/drawing/2010/main">
+                <a:solidFill>
+                  <a:srgbClr val="FFFFFF"/>
+                </a:solidFill>
+              </a14:hiddenFill>
+            </a:ext>
+          </a:extLst>
+        </p:spPr>
+      </p:pic>
+      <p:pic>
+        <p:nvPicPr>
+          <p:cNvPr id="30" name="Picture 10" descr="Image result for nintendo koopa troopa">
+            <a:extLst>
+              <a:ext uri="{FF2B5EF4-FFF2-40B4-BE49-F238E27FC236}">
+                <a16:creationId xmlns:a16="http://schemas.microsoft.com/office/drawing/2014/main" id="{8DABBEEF-1866-4329-8194-0A8140E36E1D}"/>
+              </a:ext>
+            </a:extLst>
+          </p:cNvPr>
+          <p:cNvPicPr>
+            <a:picLocks noChangeAspect="1" noChangeArrowheads="1"/>
+          </p:cNvPicPr>
+          <p:nvPr/>
+        </p:nvPicPr>
+        <p:blipFill>
+          <a:blip r:embed="rId5">
+            <a:extLst>
+              <a:ext uri="{28A0092B-C50C-407E-A947-70E740481C1C}">
+                <a14:useLocalDpi xmlns:a14="http://schemas.microsoft.com/office/drawing/2010/main" val="0"/>
+              </a:ext>
+            </a:extLst>
+          </a:blip>
+          <a:srcRect/>
+          <a:stretch>
+            <a:fillRect/>
+          </a:stretch>
+        </p:blipFill>
+        <p:spPr bwMode="auto">
+          <a:xfrm>
+            <a:off x="8529496" y="4521453"/>
+            <a:ext cx="1275990" cy="1629787"/>
+          </a:xfrm>
+          <a:prstGeom prst="rect">
+            <a:avLst/>
+          </a:prstGeom>
+          <a:noFill/>
+          <a:extLst>
+            <a:ext uri="{909E8E84-426E-40DD-AFC4-6F175D3DCCD1}">
+              <a14:hiddenFill xmlns:a14="http://schemas.microsoft.com/office/drawing/2010/main">
+                <a:solidFill>
+                  <a:srgbClr val="FFFFFF"/>
+                </a:solidFill>
+              </a14:hiddenFill>
+            </a:ext>
+          </a:extLst>
+        </p:spPr>
+      </p:pic>
+      <p:sp>
+        <p:nvSpPr>
+          <p:cNvPr id="31" name="Speech Bubble: Rectangle 30">
+            <a:extLst>
+              <a:ext uri="{FF2B5EF4-FFF2-40B4-BE49-F238E27FC236}">
+                <a16:creationId xmlns:a16="http://schemas.microsoft.com/office/drawing/2014/main" id="{59344EF8-5F99-4B90-9F98-B5B575A802E4}"/>
+              </a:ext>
+            </a:extLst>
+          </p:cNvPr>
+          <p:cNvSpPr/>
+          <p:nvPr/>
+        </p:nvSpPr>
+        <p:spPr bwMode="gray">
+          <a:xfrm>
+            <a:off x="9246990" y="2465483"/>
+            <a:ext cx="1718445" cy="715415"/>
+          </a:xfrm>
+          <a:prstGeom prst="wedgeRectCallout">
+            <a:avLst>
+              <a:gd name="adj1" fmla="val -70653"/>
+              <a:gd name="adj2" fmla="val 51755"/>
+            </a:avLst>
+          </a:prstGeom>
+          <a:ln>
+            <a:headEnd/>
+            <a:tailEnd/>
+          </a:ln>
+        </p:spPr>
+        <p:style>
+          <a:lnRef idx="2">
+            <a:schemeClr val="accent5"/>
+          </a:lnRef>
+          <a:fillRef idx="1">
+            <a:schemeClr val="lt1"/>
+          </a:fillRef>
+          <a:effectRef idx="0">
+            <a:schemeClr val="accent5"/>
+          </a:effectRef>
+          <a:fontRef idx="minor">
+            <a:schemeClr val="dk1"/>
+          </a:fontRef>
+        </p:style>
+        <p:txBody>
+          <a:bodyPr lIns="90000" tIns="72000" rIns="90000" bIns="72000" rtlCol="0" anchor="ctr"/>
+          <a:lstStyle/>
+          <a:p>
+            <a:pPr marR="0" algn="ctr" defTabSz="914400" eaLnBrk="1" fontAlgn="base" latinLnBrk="0" hangingPunct="1">
+              <a:lnSpc>
+                <a:spcPct val="100000"/>
+              </a:lnSpc>
+              <a:spcBef>
+                <a:spcPct val="50000"/>
+              </a:spcBef>
+              <a:spcAft>
+                <a:spcPct val="0"/>
+              </a:spcAft>
+              <a:buClr>
+                <a:srgbClr val="F0AB00"/>
+              </a:buClr>
+              <a:buSzPct val="80000"/>
+              <a:tabLst/>
+            </a:pPr>
+            <a:r>
+              <a:rPr kumimoji="0" lang="en-US" sz="1800" b="0" i="0" u="none" strike="noStrike" kern="0" cap="none" spc="0" normalizeH="0" baseline="0" noProof="0" dirty="0">
+                <a:ln>
+                  <a:noFill/>
+                </a:ln>
+                <a:effectLst/>
+                <a:uLnTx/>
+                <a:uFillTx/>
+                <a:ea typeface="Arial Unicode MS" pitchFamily="34" charset="-128"/>
+                <a:cs typeface="Arial Unicode MS" pitchFamily="34" charset="-128"/>
+              </a:rPr>
+              <a:t>New </a:t>
+            </a:r>
+            <a:r>
+              <a:rPr lang="en-US" sz="1800" kern="0" dirty="0">
+                <a:ea typeface="Arial Unicode MS" pitchFamily="34" charset="-128"/>
+                <a:cs typeface="Arial Unicode MS" pitchFamily="34" charset="-128"/>
+              </a:rPr>
+              <a:t>R</a:t>
+            </a:r>
+            <a:r>
+              <a:rPr kumimoji="0" lang="en-US" sz="1800" b="0" i="0" u="none" strike="noStrike" kern="0" cap="none" spc="0" normalizeH="0" baseline="0" noProof="0" dirty="0" err="1">
+                <a:ln>
+                  <a:noFill/>
+                </a:ln>
+                <a:effectLst/>
+                <a:uLnTx/>
+                <a:uFillTx/>
+                <a:ea typeface="Arial Unicode MS" pitchFamily="34" charset="-128"/>
+                <a:cs typeface="Arial Unicode MS" pitchFamily="34" charset="-128"/>
+              </a:rPr>
+              <a:t>eplicaSet</a:t>
+            </a:r>
+            <a:endParaRPr kumimoji="0" lang="en-US" sz="1800" b="0" i="0" u="none" strike="noStrike" kern="0" cap="none" spc="0" normalizeH="0" baseline="0" noProof="0" dirty="0">
+              <a:ln>
+                <a:noFill/>
+              </a:ln>
+              <a:effectLst/>
+              <a:uLnTx/>
+              <a:uFillTx/>
+              <a:ea typeface="Arial Unicode MS" pitchFamily="34" charset="-128"/>
+              <a:cs typeface="Arial Unicode MS" pitchFamily="34" charset="-128"/>
+            </a:endParaRPr>
+          </a:p>
+        </p:txBody>
+      </p:sp>
+      <p:sp>
+        <p:nvSpPr>
+          <p:cNvPr id="32" name="Speech Bubble: Rectangle 31">
+            <a:extLst>
+              <a:ext uri="{FF2B5EF4-FFF2-40B4-BE49-F238E27FC236}">
+                <a16:creationId xmlns:a16="http://schemas.microsoft.com/office/drawing/2014/main" id="{32E68E0E-C052-48B3-8A8D-C2DFFB8B4E6B}"/>
+              </a:ext>
+            </a:extLst>
+          </p:cNvPr>
+          <p:cNvSpPr/>
+          <p:nvPr/>
+        </p:nvSpPr>
+        <p:spPr bwMode="gray">
+          <a:xfrm>
+            <a:off x="301925" y="1777561"/>
+            <a:ext cx="2078815" cy="715415"/>
+          </a:xfrm>
+          <a:prstGeom prst="wedgeRectCallout">
+            <a:avLst>
+              <a:gd name="adj1" fmla="val 48318"/>
+              <a:gd name="adj2" fmla="val 101193"/>
+            </a:avLst>
+          </a:prstGeom>
+          <a:ln>
+            <a:headEnd/>
+            <a:tailEnd/>
+          </a:ln>
+        </p:spPr>
+        <p:style>
+          <a:lnRef idx="2">
+            <a:schemeClr val="accent5"/>
+          </a:lnRef>
+          <a:fillRef idx="1">
+            <a:schemeClr val="lt1"/>
+          </a:fillRef>
+          <a:effectRef idx="0">
+            <a:schemeClr val="accent5"/>
+          </a:effectRef>
+          <a:fontRef idx="minor">
+            <a:schemeClr val="dk1"/>
+          </a:fontRef>
+        </p:style>
+        <p:txBody>
+          <a:bodyPr lIns="90000" tIns="72000" rIns="90000" bIns="72000" rtlCol="0" anchor="ctr"/>
+          <a:lstStyle/>
+          <a:p>
+            <a:pPr marR="0" algn="ctr" defTabSz="914400" eaLnBrk="1" fontAlgn="base" latinLnBrk="0" hangingPunct="1">
+              <a:lnSpc>
+                <a:spcPct val="100000"/>
+              </a:lnSpc>
+              <a:spcBef>
+                <a:spcPct val="50000"/>
+              </a:spcBef>
+              <a:spcAft>
+                <a:spcPct val="0"/>
+              </a:spcAft>
+              <a:buClr>
+                <a:srgbClr val="F0AB00"/>
+              </a:buClr>
+              <a:buSzPct val="80000"/>
+              <a:tabLst/>
+            </a:pPr>
+            <a:r>
+              <a:rPr kumimoji="0" lang="en-US" sz="1800" b="0" i="0" u="none" strike="noStrike" kern="0" cap="none" spc="0" normalizeH="0" baseline="0" noProof="0" dirty="0">
+                <a:ln>
+                  <a:noFill/>
+                </a:ln>
+                <a:effectLst/>
+                <a:uLnTx/>
+                <a:uFillTx/>
+                <a:ea typeface="Arial Unicode MS" pitchFamily="34" charset="-128"/>
+                <a:cs typeface="Arial Unicode MS" pitchFamily="34" charset="-128"/>
+              </a:rPr>
+              <a:t>Scale down, but keep </a:t>
+            </a:r>
+            <a:r>
+              <a:rPr kumimoji="0" lang="en-US" sz="1800" b="0" i="0" u="none" strike="noStrike" kern="0" cap="none" spc="0" normalizeH="0" baseline="0" noProof="0" dirty="0" err="1">
+                <a:ln>
+                  <a:noFill/>
+                </a:ln>
+                <a:effectLst/>
+                <a:uLnTx/>
+                <a:uFillTx/>
+                <a:ea typeface="Arial Unicode MS" pitchFamily="34" charset="-128"/>
+                <a:cs typeface="Arial Unicode MS" pitchFamily="34" charset="-128"/>
+              </a:rPr>
+              <a:t>ReplicaSet</a:t>
+            </a:r>
+            <a:endParaRPr kumimoji="0" lang="en-US" sz="1800" b="0" i="0" u="none" strike="noStrike" kern="0" cap="none" spc="0" normalizeH="0" baseline="0" noProof="0" dirty="0">
+              <a:ln>
+                <a:noFill/>
+              </a:ln>
+              <a:effectLst/>
+              <a:uLnTx/>
+              <a:uFillTx/>
+              <a:ea typeface="Arial Unicode MS" pitchFamily="34" charset="-128"/>
+              <a:cs typeface="Arial Unicode MS" pitchFamily="34" charset="-128"/>
+            </a:endParaRPr>
+          </a:p>
+        </p:txBody>
+      </p:sp>
+      <p:sp>
+        <p:nvSpPr>
+          <p:cNvPr id="33" name="Speech Bubble: Rectangle 32">
+            <a:extLst>
+              <a:ext uri="{FF2B5EF4-FFF2-40B4-BE49-F238E27FC236}">
+                <a16:creationId xmlns:a16="http://schemas.microsoft.com/office/drawing/2014/main" id="{A2624BD2-1BD0-43B4-BC35-BA4EDC55D2D4}"/>
+              </a:ext>
+            </a:extLst>
+          </p:cNvPr>
+          <p:cNvSpPr/>
+          <p:nvPr/>
+        </p:nvSpPr>
+        <p:spPr bwMode="gray">
+          <a:xfrm>
+            <a:off x="9167491" y="3363783"/>
+            <a:ext cx="2743536" cy="974785"/>
+          </a:xfrm>
+          <a:prstGeom prst="wedgeRectCallout">
+            <a:avLst>
+              <a:gd name="adj1" fmla="val -39406"/>
+              <a:gd name="adj2" fmla="val 77778"/>
+            </a:avLst>
+          </a:prstGeom>
+          <a:ln>
+            <a:headEnd/>
+            <a:tailEnd/>
+          </a:ln>
+        </p:spPr>
+        <p:style>
+          <a:lnRef idx="2">
+            <a:schemeClr val="accent5"/>
+          </a:lnRef>
+          <a:fillRef idx="1">
+            <a:schemeClr val="lt1"/>
+          </a:fillRef>
+          <a:effectRef idx="0">
+            <a:schemeClr val="accent5"/>
+          </a:effectRef>
+          <a:fontRef idx="minor">
+            <a:schemeClr val="dk1"/>
+          </a:fontRef>
+        </p:style>
+        <p:txBody>
+          <a:bodyPr lIns="90000" tIns="72000" rIns="90000" bIns="72000" rtlCol="0" anchor="ctr"/>
+          <a:lstStyle/>
+          <a:p>
+            <a:pPr marR="0" algn="ctr" defTabSz="914400" eaLnBrk="1" fontAlgn="base" latinLnBrk="0" hangingPunct="1">
+              <a:lnSpc>
+                <a:spcPct val="100000"/>
+              </a:lnSpc>
+              <a:spcBef>
+                <a:spcPct val="50000"/>
+              </a:spcBef>
+              <a:spcAft>
+                <a:spcPct val="0"/>
+              </a:spcAft>
+              <a:buClr>
+                <a:srgbClr val="F0AB00"/>
+              </a:buClr>
+              <a:buSzPct val="80000"/>
+              <a:tabLst/>
+            </a:pPr>
+            <a:r>
+              <a:rPr lang="en-US" sz="1800" kern="0" dirty="0">
+                <a:ea typeface="Arial Unicode MS" pitchFamily="34" charset="-128"/>
+                <a:cs typeface="Arial Unicode MS" pitchFamily="34" charset="-128"/>
+              </a:rPr>
+              <a:t>New label set:</a:t>
+            </a:r>
+          </a:p>
+          <a:p>
+            <a:pPr marR="0" algn="ctr" defTabSz="914400" eaLnBrk="1" fontAlgn="base" latinLnBrk="0" hangingPunct="1">
+              <a:lnSpc>
+                <a:spcPct val="100000"/>
+              </a:lnSpc>
+              <a:spcBef>
+                <a:spcPct val="50000"/>
+              </a:spcBef>
+              <a:spcAft>
+                <a:spcPct val="0"/>
+              </a:spcAft>
+              <a:buClr>
+                <a:srgbClr val="F0AB00"/>
+              </a:buClr>
+              <a:buSzPct val="80000"/>
+              <a:tabLst/>
+            </a:pPr>
+            <a:r>
+              <a:rPr lang="en-US" sz="1800" kern="0" dirty="0">
+                <a:ea typeface="Arial Unicode MS" pitchFamily="34" charset="-128"/>
+                <a:cs typeface="Arial Unicode MS" pitchFamily="34" charset="-128"/>
+              </a:rPr>
+              <a:t>species=</a:t>
+            </a:r>
+            <a:r>
+              <a:rPr lang="en-US" sz="1800" kern="0" dirty="0" err="1">
+                <a:ea typeface="Arial Unicode MS" pitchFamily="34" charset="-128"/>
+                <a:cs typeface="Arial Unicode MS" pitchFamily="34" charset="-128"/>
+              </a:rPr>
+              <a:t>koopa</a:t>
+            </a:r>
+            <a:r>
+              <a:rPr lang="en-US" sz="1800" kern="0" dirty="0">
+                <a:ea typeface="Arial Unicode MS" pitchFamily="34" charset="-128"/>
+                <a:cs typeface="Arial Unicode MS" pitchFamily="34" charset="-128"/>
+              </a:rPr>
+              <a:t> generation=</a:t>
+            </a:r>
+            <a:r>
+              <a:rPr lang="en-US" sz="1800" b="1" kern="0" dirty="0">
+                <a:ea typeface="Arial Unicode MS" pitchFamily="34" charset="-128"/>
+                <a:cs typeface="Arial Unicode MS" pitchFamily="34" charset="-128"/>
+              </a:rPr>
+              <a:t>red-shell</a:t>
+            </a:r>
+          </a:p>
+        </p:txBody>
+      </p:sp>
+    </p:spTree>
+    <p:extLst>
+      <p:ext uri="{BB962C8B-B14F-4D97-AF65-F5344CB8AC3E}">
+        <p14:creationId xmlns:p14="http://schemas.microsoft.com/office/powerpoint/2010/main" val="501259959"/>
+      </p:ext>
+    </p:extLst>
+  </p:cSld>
+  <p:clrMapOvr>
+    <a:masterClrMapping/>
+  </p:clrMapOvr>
+  <p:timing>
+    <p:tnLst>
+      <p:par>
+        <p:cTn id="1" dur="indefinite" restart="never" nodeType="tmRoot">
+          <p:childTnLst>
+            <p:seq concurrent="1" nextAc="seek">
+              <p:cTn id="2" dur="indefinite" nodeType="mainSeq">
+                <p:childTnLst>
+                  <p:par>
+                    <p:cTn id="3" fill="hold">
+                      <p:stCondLst>
+                        <p:cond delay="indefinite"/>
+                      </p:stCondLst>
+                      <p:childTnLst>
+                        <p:par>
+                          <p:cTn id="4" fill="hold">
+                            <p:stCondLst>
+                              <p:cond delay="0"/>
+                            </p:stCondLst>
+                            <p:childTnLst>
+                              <p:par>
+                                <p:cTn id="5" presetID="1" presetClass="entr" presetSubtype="0" fill="hold" nodeType="clickEffect">
+                                  <p:stCondLst>
+                                    <p:cond delay="0"/>
+                                  </p:stCondLst>
+                                  <p:childTnLst>
+                                    <p:set>
+                                      <p:cBhvr>
+                                        <p:cTn id="6" dur="1" fill="hold">
+                                          <p:stCondLst>
+                                            <p:cond delay="0"/>
+                                          </p:stCondLst>
+                                        </p:cTn>
+                                        <p:tgtEl>
+                                          <p:spTgt spid="28"/>
+                                        </p:tgtEl>
+                                        <p:attrNameLst>
+                                          <p:attrName>style.visibility</p:attrName>
+                                        </p:attrNameLst>
+                                      </p:cBhvr>
+                                      <p:to>
+                                        <p:strVal val="visible"/>
+                                      </p:to>
+                                    </p:set>
+                                  </p:childTnLst>
+                                </p:cTn>
+                              </p:par>
+                              <p:par>
+                                <p:cTn id="7" presetID="1" presetClass="entr" presetSubtype="0" fill="hold" grpId="0" nodeType="withEffect">
+                                  <p:stCondLst>
+                                    <p:cond delay="0"/>
+                                  </p:stCondLst>
+                                  <p:childTnLst>
+                                    <p:set>
+                                      <p:cBhvr>
+                                        <p:cTn id="8" dur="1" fill="hold">
+                                          <p:stCondLst>
+                                            <p:cond delay="0"/>
+                                          </p:stCondLst>
+                                        </p:cTn>
+                                        <p:tgtEl>
+                                          <p:spTgt spid="31"/>
+                                        </p:tgtEl>
+                                        <p:attrNameLst>
+                                          <p:attrName>style.visibility</p:attrName>
+                                        </p:attrNameLst>
+                                      </p:cBhvr>
+                                      <p:to>
+                                        <p:strVal val="visible"/>
+                                      </p:to>
+                                    </p:set>
+                                  </p:childTnLst>
+                                </p:cTn>
+                              </p:par>
+                            </p:childTnLst>
+                          </p:cTn>
+                        </p:par>
+                      </p:childTnLst>
+                    </p:cTn>
+                  </p:par>
+                  <p:par>
+                    <p:cTn id="9" fill="hold">
+                      <p:stCondLst>
+                        <p:cond delay="indefinite"/>
+                      </p:stCondLst>
+                      <p:childTnLst>
+                        <p:par>
+                          <p:cTn id="10" fill="hold">
+                            <p:stCondLst>
+                              <p:cond delay="0"/>
+                            </p:stCondLst>
+                            <p:childTnLst>
+                              <p:par>
+                                <p:cTn id="11" presetID="1" presetClass="entr" presetSubtype="0" fill="hold" grpId="0" nodeType="clickEffect">
+                                  <p:stCondLst>
+                                    <p:cond delay="0"/>
+                                  </p:stCondLst>
+                                  <p:childTnLst>
+                                    <p:set>
+                                      <p:cBhvr>
+                                        <p:cTn id="12" dur="1" fill="hold">
+                                          <p:stCondLst>
+                                            <p:cond delay="0"/>
+                                          </p:stCondLst>
+                                        </p:cTn>
+                                        <p:tgtEl>
+                                          <p:spTgt spid="32"/>
+                                        </p:tgtEl>
+                                        <p:attrNameLst>
+                                          <p:attrName>style.visibility</p:attrName>
+                                        </p:attrNameLst>
+                                      </p:cBhvr>
+                                      <p:to>
+                                        <p:strVal val="visible"/>
+                                      </p:to>
+                                    </p:set>
+                                  </p:childTnLst>
+                                </p:cTn>
+                              </p:par>
+                            </p:childTnLst>
+                          </p:cTn>
+                        </p:par>
+                        <p:par>
+                          <p:cTn id="13" fill="hold">
+                            <p:stCondLst>
+                              <p:cond delay="0"/>
+                            </p:stCondLst>
+                            <p:childTnLst>
+                              <p:par>
+                                <p:cTn id="14" presetID="42" presetClass="exit" presetSubtype="0" fill="hold" nodeType="afterEffect">
+                                  <p:stCondLst>
+                                    <p:cond delay="0"/>
+                                  </p:stCondLst>
+                                  <p:childTnLst>
+                                    <p:animEffect transition="out" filter="fade">
+                                      <p:cBhvr>
+                                        <p:cTn id="15" dur="1000"/>
+                                        <p:tgtEl>
+                                          <p:spTgt spid="7"/>
+                                        </p:tgtEl>
+                                      </p:cBhvr>
+                                    </p:animEffect>
+                                    <p:anim calcmode="lin" valueType="num">
+                                      <p:cBhvr>
+                                        <p:cTn id="16" dur="1000"/>
+                                        <p:tgtEl>
+                                          <p:spTgt spid="7"/>
+                                        </p:tgtEl>
+                                        <p:attrNameLst>
+                                          <p:attrName>ppt_x</p:attrName>
+                                        </p:attrNameLst>
+                                      </p:cBhvr>
+                                      <p:tavLst>
+                                        <p:tav tm="0">
+                                          <p:val>
+                                            <p:strVal val="ppt_x"/>
+                                          </p:val>
+                                        </p:tav>
+                                        <p:tav tm="100000">
+                                          <p:val>
+                                            <p:strVal val="ppt_x"/>
+                                          </p:val>
+                                        </p:tav>
+                                      </p:tavLst>
+                                    </p:anim>
+                                    <p:anim calcmode="lin" valueType="num">
+                                      <p:cBhvr>
+                                        <p:cTn id="17" dur="1000"/>
+                                        <p:tgtEl>
+                                          <p:spTgt spid="7"/>
+                                        </p:tgtEl>
+                                        <p:attrNameLst>
+                                          <p:attrName>ppt_y</p:attrName>
+                                        </p:attrNameLst>
+                                      </p:cBhvr>
+                                      <p:tavLst>
+                                        <p:tav tm="0">
+                                          <p:val>
+                                            <p:strVal val="ppt_y"/>
+                                          </p:val>
+                                        </p:tav>
+                                        <p:tav tm="100000">
+                                          <p:val>
+                                            <p:strVal val="ppt_y+.1"/>
+                                          </p:val>
+                                        </p:tav>
+                                      </p:tavLst>
+                                    </p:anim>
+                                    <p:set>
+                                      <p:cBhvr>
+                                        <p:cTn id="18" dur="1" fill="hold">
+                                          <p:stCondLst>
+                                            <p:cond delay="999"/>
+                                          </p:stCondLst>
+                                        </p:cTn>
+                                        <p:tgtEl>
+                                          <p:spTgt spid="7"/>
+                                        </p:tgtEl>
+                                        <p:attrNameLst>
+                                          <p:attrName>style.visibility</p:attrName>
+                                        </p:attrNameLst>
+                                      </p:cBhvr>
+                                      <p:to>
+                                        <p:strVal val="hidden"/>
+                                      </p:to>
+                                    </p:set>
+                                  </p:childTnLst>
+                                </p:cTn>
+                              </p:par>
+                            </p:childTnLst>
+                          </p:cTn>
+                        </p:par>
+                        <p:par>
+                          <p:cTn id="19" fill="hold">
+                            <p:stCondLst>
+                              <p:cond delay="1000"/>
+                            </p:stCondLst>
+                            <p:childTnLst>
+                              <p:par>
+                                <p:cTn id="20" presetID="2" presetClass="entr" presetSubtype="4" fill="hold" nodeType="afterEffect">
+                                  <p:stCondLst>
+                                    <p:cond delay="0"/>
+                                  </p:stCondLst>
+                                  <p:childTnLst>
+                                    <p:set>
+                                      <p:cBhvr>
+                                        <p:cTn id="21" dur="1" fill="hold">
+                                          <p:stCondLst>
+                                            <p:cond delay="0"/>
+                                          </p:stCondLst>
+                                        </p:cTn>
+                                        <p:tgtEl>
+                                          <p:spTgt spid="1034"/>
+                                        </p:tgtEl>
+                                        <p:attrNameLst>
+                                          <p:attrName>style.visibility</p:attrName>
+                                        </p:attrNameLst>
+                                      </p:cBhvr>
+                                      <p:to>
+                                        <p:strVal val="visible"/>
+                                      </p:to>
+                                    </p:set>
+                                    <p:anim calcmode="lin" valueType="num">
+                                      <p:cBhvr additive="base">
+                                        <p:cTn id="22" dur="500" fill="hold"/>
+                                        <p:tgtEl>
+                                          <p:spTgt spid="1034"/>
+                                        </p:tgtEl>
+                                        <p:attrNameLst>
+                                          <p:attrName>ppt_x</p:attrName>
+                                        </p:attrNameLst>
+                                      </p:cBhvr>
+                                      <p:tavLst>
+                                        <p:tav tm="0">
+                                          <p:val>
+                                            <p:strVal val="#ppt_x"/>
+                                          </p:val>
+                                        </p:tav>
+                                        <p:tav tm="100000">
+                                          <p:val>
+                                            <p:strVal val="#ppt_x"/>
+                                          </p:val>
+                                        </p:tav>
+                                      </p:tavLst>
+                                    </p:anim>
+                                    <p:anim calcmode="lin" valueType="num">
+                                      <p:cBhvr additive="base">
+                                        <p:cTn id="23" dur="500" fill="hold"/>
+                                        <p:tgtEl>
+                                          <p:spTgt spid="1034"/>
+                                        </p:tgtEl>
+                                        <p:attrNameLst>
+                                          <p:attrName>ppt_y</p:attrName>
+                                        </p:attrNameLst>
+                                      </p:cBhvr>
+                                      <p:tavLst>
+                                        <p:tav tm="0">
+                                          <p:val>
+                                            <p:strVal val="1+#ppt_h/2"/>
+                                          </p:val>
+                                        </p:tav>
+                                        <p:tav tm="100000">
+                                          <p:val>
+                                            <p:strVal val="#ppt_y"/>
+                                          </p:val>
+                                        </p:tav>
+                                      </p:tavLst>
+                                    </p:anim>
+                                  </p:childTnLst>
+                                </p:cTn>
+                              </p:par>
+                            </p:childTnLst>
+                          </p:cTn>
+                        </p:par>
+                        <p:par>
+                          <p:cTn id="24" fill="hold">
+                            <p:stCondLst>
+                              <p:cond delay="1500"/>
+                            </p:stCondLst>
+                            <p:childTnLst>
+                              <p:par>
+                                <p:cTn id="25" presetID="42" presetClass="exit" presetSubtype="0" fill="hold" nodeType="afterEffect">
+                                  <p:stCondLst>
+                                    <p:cond delay="0"/>
+                                  </p:stCondLst>
+                                  <p:childTnLst>
+                                    <p:animEffect transition="out" filter="fade">
+                                      <p:cBhvr>
+                                        <p:cTn id="26" dur="1000"/>
+                                        <p:tgtEl>
+                                          <p:spTgt spid="1026"/>
+                                        </p:tgtEl>
+                                      </p:cBhvr>
+                                    </p:animEffect>
+                                    <p:anim calcmode="lin" valueType="num">
+                                      <p:cBhvr>
+                                        <p:cTn id="27" dur="1000"/>
+                                        <p:tgtEl>
+                                          <p:spTgt spid="1026"/>
+                                        </p:tgtEl>
+                                        <p:attrNameLst>
+                                          <p:attrName>ppt_x</p:attrName>
+                                        </p:attrNameLst>
+                                      </p:cBhvr>
+                                      <p:tavLst>
+                                        <p:tav tm="0">
+                                          <p:val>
+                                            <p:strVal val="ppt_x"/>
+                                          </p:val>
+                                        </p:tav>
+                                        <p:tav tm="100000">
+                                          <p:val>
+                                            <p:strVal val="ppt_x"/>
+                                          </p:val>
+                                        </p:tav>
+                                      </p:tavLst>
+                                    </p:anim>
+                                    <p:anim calcmode="lin" valueType="num">
+                                      <p:cBhvr>
+                                        <p:cTn id="28" dur="1000"/>
+                                        <p:tgtEl>
+                                          <p:spTgt spid="1026"/>
+                                        </p:tgtEl>
+                                        <p:attrNameLst>
+                                          <p:attrName>ppt_y</p:attrName>
+                                        </p:attrNameLst>
+                                      </p:cBhvr>
+                                      <p:tavLst>
+                                        <p:tav tm="0">
+                                          <p:val>
+                                            <p:strVal val="ppt_y"/>
+                                          </p:val>
+                                        </p:tav>
+                                        <p:tav tm="100000">
+                                          <p:val>
+                                            <p:strVal val="ppt_y+.1"/>
+                                          </p:val>
+                                        </p:tav>
+                                      </p:tavLst>
+                                    </p:anim>
+                                    <p:set>
+                                      <p:cBhvr>
+                                        <p:cTn id="29" dur="1" fill="hold">
+                                          <p:stCondLst>
+                                            <p:cond delay="999"/>
+                                          </p:stCondLst>
+                                        </p:cTn>
+                                        <p:tgtEl>
+                                          <p:spTgt spid="1026"/>
+                                        </p:tgtEl>
+                                        <p:attrNameLst>
+                                          <p:attrName>style.visibility</p:attrName>
+                                        </p:attrNameLst>
+                                      </p:cBhvr>
+                                      <p:to>
+                                        <p:strVal val="hidden"/>
+                                      </p:to>
+                                    </p:set>
+                                  </p:childTnLst>
+                                </p:cTn>
+                              </p:par>
+                            </p:childTnLst>
+                          </p:cTn>
+                        </p:par>
+                        <p:par>
+                          <p:cTn id="30" fill="hold">
+                            <p:stCondLst>
+                              <p:cond delay="2500"/>
+                            </p:stCondLst>
+                            <p:childTnLst>
+                              <p:par>
+                                <p:cTn id="31" presetID="42" presetClass="entr" presetSubtype="0" fill="hold" nodeType="afterEffect">
+                                  <p:stCondLst>
+                                    <p:cond delay="0"/>
+                                  </p:stCondLst>
+                                  <p:childTnLst>
+                                    <p:set>
+                                      <p:cBhvr>
+                                        <p:cTn id="32" dur="1" fill="hold">
+                                          <p:stCondLst>
+                                            <p:cond delay="0"/>
+                                          </p:stCondLst>
+                                        </p:cTn>
+                                        <p:tgtEl>
+                                          <p:spTgt spid="29"/>
+                                        </p:tgtEl>
+                                        <p:attrNameLst>
+                                          <p:attrName>style.visibility</p:attrName>
+                                        </p:attrNameLst>
+                                      </p:cBhvr>
+                                      <p:to>
+                                        <p:strVal val="visible"/>
+                                      </p:to>
+                                    </p:set>
+                                    <p:animEffect transition="in" filter="fade">
+                                      <p:cBhvr>
+                                        <p:cTn id="33" dur="1000"/>
+                                        <p:tgtEl>
+                                          <p:spTgt spid="29"/>
+                                        </p:tgtEl>
+                                      </p:cBhvr>
+                                    </p:animEffect>
+                                    <p:anim calcmode="lin" valueType="num">
+                                      <p:cBhvr>
+                                        <p:cTn id="34" dur="1000" fill="hold"/>
+                                        <p:tgtEl>
+                                          <p:spTgt spid="29"/>
+                                        </p:tgtEl>
+                                        <p:attrNameLst>
+                                          <p:attrName>ppt_x</p:attrName>
+                                        </p:attrNameLst>
+                                      </p:cBhvr>
+                                      <p:tavLst>
+                                        <p:tav tm="0">
+                                          <p:val>
+                                            <p:strVal val="#ppt_x"/>
+                                          </p:val>
+                                        </p:tav>
+                                        <p:tav tm="100000">
+                                          <p:val>
+                                            <p:strVal val="#ppt_x"/>
+                                          </p:val>
+                                        </p:tav>
+                                      </p:tavLst>
+                                    </p:anim>
+                                    <p:anim calcmode="lin" valueType="num">
+                                      <p:cBhvr>
+                                        <p:cTn id="35" dur="1000" fill="hold"/>
+                                        <p:tgtEl>
+                                          <p:spTgt spid="29"/>
+                                        </p:tgtEl>
+                                        <p:attrNameLst>
+                                          <p:attrName>ppt_y</p:attrName>
+                                        </p:attrNameLst>
+                                      </p:cBhvr>
+                                      <p:tavLst>
+                                        <p:tav tm="0">
+                                          <p:val>
+                                            <p:strVal val="#ppt_y+.1"/>
+                                          </p:val>
+                                        </p:tav>
+                                        <p:tav tm="100000">
+                                          <p:val>
+                                            <p:strVal val="#ppt_y"/>
+                                          </p:val>
+                                        </p:tav>
+                                      </p:tavLst>
+                                    </p:anim>
+                                  </p:childTnLst>
+                                </p:cTn>
+                              </p:par>
+                            </p:childTnLst>
+                          </p:cTn>
+                        </p:par>
+                        <p:par>
+                          <p:cTn id="36" fill="hold">
+                            <p:stCondLst>
+                              <p:cond delay="3500"/>
+                            </p:stCondLst>
+                            <p:childTnLst>
+                              <p:par>
+                                <p:cTn id="37" presetID="42" presetClass="exit" presetSubtype="0" fill="hold" nodeType="afterEffect">
+                                  <p:stCondLst>
+                                    <p:cond delay="0"/>
+                                  </p:stCondLst>
+                                  <p:childTnLst>
+                                    <p:animEffect transition="out" filter="fade">
+                                      <p:cBhvr>
+                                        <p:cTn id="38" dur="1000"/>
+                                        <p:tgtEl>
+                                          <p:spTgt spid="6"/>
+                                        </p:tgtEl>
+                                      </p:cBhvr>
+                                    </p:animEffect>
+                                    <p:anim calcmode="lin" valueType="num">
+                                      <p:cBhvr>
+                                        <p:cTn id="39" dur="1000"/>
+                                        <p:tgtEl>
+                                          <p:spTgt spid="6"/>
+                                        </p:tgtEl>
+                                        <p:attrNameLst>
+                                          <p:attrName>ppt_x</p:attrName>
+                                        </p:attrNameLst>
+                                      </p:cBhvr>
+                                      <p:tavLst>
+                                        <p:tav tm="0">
+                                          <p:val>
+                                            <p:strVal val="ppt_x"/>
+                                          </p:val>
+                                        </p:tav>
+                                        <p:tav tm="100000">
+                                          <p:val>
+                                            <p:strVal val="ppt_x"/>
+                                          </p:val>
+                                        </p:tav>
+                                      </p:tavLst>
+                                    </p:anim>
+                                    <p:anim calcmode="lin" valueType="num">
+                                      <p:cBhvr>
+                                        <p:cTn id="40" dur="1000"/>
+                                        <p:tgtEl>
+                                          <p:spTgt spid="6"/>
+                                        </p:tgtEl>
+                                        <p:attrNameLst>
+                                          <p:attrName>ppt_y</p:attrName>
+                                        </p:attrNameLst>
+                                      </p:cBhvr>
+                                      <p:tavLst>
+                                        <p:tav tm="0">
+                                          <p:val>
+                                            <p:strVal val="ppt_y"/>
+                                          </p:val>
+                                        </p:tav>
+                                        <p:tav tm="100000">
+                                          <p:val>
+                                            <p:strVal val="ppt_y+.1"/>
+                                          </p:val>
+                                        </p:tav>
+                                      </p:tavLst>
+                                    </p:anim>
+                                    <p:set>
+                                      <p:cBhvr>
+                                        <p:cTn id="41" dur="1" fill="hold">
+                                          <p:stCondLst>
+                                            <p:cond delay="999"/>
+                                          </p:stCondLst>
+                                        </p:cTn>
+                                        <p:tgtEl>
+                                          <p:spTgt spid="6"/>
+                                        </p:tgtEl>
+                                        <p:attrNameLst>
+                                          <p:attrName>style.visibility</p:attrName>
+                                        </p:attrNameLst>
+                                      </p:cBhvr>
+                                      <p:to>
+                                        <p:strVal val="hidden"/>
+                                      </p:to>
+                                    </p:set>
+                                  </p:childTnLst>
+                                </p:cTn>
+                              </p:par>
+                            </p:childTnLst>
+                          </p:cTn>
+                        </p:par>
+                        <p:par>
+                          <p:cTn id="42" fill="hold">
+                            <p:stCondLst>
+                              <p:cond delay="4500"/>
+                            </p:stCondLst>
+                            <p:childTnLst>
+                              <p:par>
+                                <p:cTn id="43" presetID="42" presetClass="entr" presetSubtype="0" fill="hold" nodeType="afterEffect">
+                                  <p:stCondLst>
+                                    <p:cond delay="0"/>
+                                  </p:stCondLst>
+                                  <p:childTnLst>
+                                    <p:set>
+                                      <p:cBhvr>
+                                        <p:cTn id="44" dur="1" fill="hold">
+                                          <p:stCondLst>
+                                            <p:cond delay="0"/>
+                                          </p:stCondLst>
+                                        </p:cTn>
+                                        <p:tgtEl>
+                                          <p:spTgt spid="30"/>
+                                        </p:tgtEl>
+                                        <p:attrNameLst>
+                                          <p:attrName>style.visibility</p:attrName>
+                                        </p:attrNameLst>
+                                      </p:cBhvr>
+                                      <p:to>
+                                        <p:strVal val="visible"/>
+                                      </p:to>
+                                    </p:set>
+                                    <p:animEffect transition="in" filter="fade">
+                                      <p:cBhvr>
+                                        <p:cTn id="45" dur="1000"/>
+                                        <p:tgtEl>
+                                          <p:spTgt spid="30"/>
+                                        </p:tgtEl>
+                                      </p:cBhvr>
+                                    </p:animEffect>
+                                    <p:anim calcmode="lin" valueType="num">
+                                      <p:cBhvr>
+                                        <p:cTn id="46" dur="1000" fill="hold"/>
+                                        <p:tgtEl>
+                                          <p:spTgt spid="30"/>
+                                        </p:tgtEl>
+                                        <p:attrNameLst>
+                                          <p:attrName>ppt_x</p:attrName>
+                                        </p:attrNameLst>
+                                      </p:cBhvr>
+                                      <p:tavLst>
+                                        <p:tav tm="0">
+                                          <p:val>
+                                            <p:strVal val="#ppt_x"/>
+                                          </p:val>
+                                        </p:tav>
+                                        <p:tav tm="100000">
+                                          <p:val>
+                                            <p:strVal val="#ppt_x"/>
+                                          </p:val>
+                                        </p:tav>
+                                      </p:tavLst>
+                                    </p:anim>
+                                    <p:anim calcmode="lin" valueType="num">
+                                      <p:cBhvr>
+                                        <p:cTn id="47" dur="1000" fill="hold"/>
+                                        <p:tgtEl>
+                                          <p:spTgt spid="30"/>
+                                        </p:tgtEl>
+                                        <p:attrNameLst>
+                                          <p:attrName>ppt_y</p:attrName>
+                                        </p:attrNameLst>
+                                      </p:cBhvr>
+                                      <p:tavLst>
+                                        <p:tav tm="0">
+                                          <p:val>
+                                            <p:strVal val="#ppt_y+.1"/>
+                                          </p:val>
+                                        </p:tav>
+                                        <p:tav tm="100000">
+                                          <p:val>
+                                            <p:strVal val="#ppt_y"/>
+                                          </p:val>
+                                        </p:tav>
+                                      </p:tavLst>
+                                    </p:anim>
+                                  </p:childTnLst>
+                                </p:cTn>
+                              </p:par>
+                              <p:par>
+                                <p:cTn id="48" presetID="1" presetClass="entr" presetSubtype="0" fill="hold" grpId="0" nodeType="withEffect">
+                                  <p:stCondLst>
+                                    <p:cond delay="0"/>
+                                  </p:stCondLst>
+                                  <p:childTnLst>
+                                    <p:set>
+                                      <p:cBhvr>
+                                        <p:cTn id="49" dur="1" fill="hold">
+                                          <p:stCondLst>
+                                            <p:cond delay="0"/>
+                                          </p:stCondLst>
+                                        </p:cTn>
+                                        <p:tgtEl>
+                                          <p:spTgt spid="33"/>
+                                        </p:tgtEl>
+                                        <p:attrNameLst>
+                                          <p:attrName>style.visibility</p:attrName>
+                                        </p:attrNameLst>
+                                      </p:cBhvr>
+                                      <p:to>
+                                        <p:strVal val="visible"/>
+                                      </p:to>
+                                    </p:set>
+                                  </p:childTnLst>
+                                </p:cTn>
+                              </p:par>
+                            </p:childTnLst>
+                          </p:cTn>
+                        </p:par>
+                      </p:childTnLst>
+                    </p:cTn>
+                  </p:par>
+                </p:childTnLst>
+              </p:cTn>
+              <p:prevCondLst>
+                <p:cond evt="onPrev" delay="0">
+                  <p:tgtEl>
+                    <p:sldTgt/>
+                  </p:tgtEl>
+                </p:cond>
+              </p:prevCondLst>
+              <p:nextCondLst>
+                <p:cond evt="onNext" delay="0">
+                  <p:tgtEl>
+                    <p:sldTgt/>
+                  </p:tgtEl>
+                </p:cond>
+              </p:nextCondLst>
+            </p:seq>
+          </p:childTnLst>
+        </p:cTn>
+      </p:par>
+    </p:tnLst>
+    <p:bldLst>
+      <p:bldP spid="31" grpId="0" animBg="1"/>
+      <p:bldP spid="32" grpId="0" animBg="1"/>
+      <p:bldP spid="33" grpId="0" animBg="1"/>
+    </p:bldLst>
+  </p:timing>
+</p:sld>
+</file>
+
+<file path=ppt/slides/slide8.xml><?xml version="1.0" encoding="utf-8"?>
 <p:sld xmlns:a="http://schemas.openxmlformats.org/drawingml/2006/main" xmlns:r="http://schemas.openxmlformats.org/officeDocument/2006/relationships" xmlns:p="http://schemas.openxmlformats.org/presentationml/2006/main">
   <p:cSld>
     <p:spTree>
@@ -12690,7 +16863,7 @@
 </p:sld>
 </file>
 
-<file path=ppt/slides/slide7.xml><?xml version="1.0" encoding="utf-8"?>
+<file path=ppt/slides/slide9.xml><?xml version="1.0" encoding="utf-8"?>
 <p:sld xmlns:a="http://schemas.openxmlformats.org/drawingml/2006/main" xmlns:r="http://schemas.openxmlformats.org/officeDocument/2006/relationships" xmlns:p="http://schemas.openxmlformats.org/presentationml/2006/main">
   <p:cSld>
     <p:spTree>
@@ -12709,10 +16882,10 @@
       </p:grpSpPr>
       <p:pic>
         <p:nvPicPr>
-          <p:cNvPr id="8" name="Picture 7">
+          <p:cNvPr id="4" name="Picture 3">
             <a:extLst>
               <a:ext uri="{FF2B5EF4-FFF2-40B4-BE49-F238E27FC236}">
-                <a16:creationId xmlns:a16="http://schemas.microsoft.com/office/drawing/2014/main" id="{F20884E9-1461-437F-B055-12796ED6B692}"/>
+                <a16:creationId xmlns:a16="http://schemas.microsoft.com/office/drawing/2014/main" id="{03E1B25A-9404-4A86-A5D7-6C994D7A727F}"/>
               </a:ext>
             </a:extLst>
           </p:cNvPr>
@@ -12729,8 +16902,8 @@
         </p:blipFill>
         <p:spPr>
           <a:xfrm>
-            <a:off x="7986841" y="842636"/>
-            <a:ext cx="2734499" cy="5407318"/>
+            <a:off x="7439081" y="539048"/>
+            <a:ext cx="3118638" cy="5898764"/>
           </a:xfrm>
           <a:prstGeom prst="rect">
             <a:avLst/>
@@ -12879,7 +17052,7 @@
           </a:prstGeom>
           <a:ln w="57150">
             <a:solidFill>
-              <a:schemeClr val="accent5"/>
+              <a:schemeClr val="accent4"/>
             </a:solidFill>
             <a:headEnd type="none" w="med" len="med"/>
             <a:tailEnd type="triangle"/>
@@ -12908,7 +17081,7 @@
         </p:nvCxnSpPr>
         <p:spPr>
           <a:xfrm flipH="1">
-            <a:off x="9889566" y="3372625"/>
+            <a:off x="9889566" y="3488430"/>
             <a:ext cx="1059180" cy="7620"/>
           </a:xfrm>
           <a:prstGeom prst="straightConnector1">
@@ -12945,7 +17118,7 @@
         </p:nvCxnSpPr>
         <p:spPr>
           <a:xfrm flipH="1">
-            <a:off x="9889566" y="4322462"/>
+            <a:off x="9889566" y="4626082"/>
             <a:ext cx="1059180" cy="7620"/>
           </a:xfrm>
           <a:prstGeom prst="straightConnector1">
@@ -12978,920 +17151,6 @@
     <p:extLst>
       <p:ext uri="{BB962C8B-B14F-4D97-AF65-F5344CB8AC3E}">
         <p14:creationId xmlns:p14="http://schemas.microsoft.com/office/powerpoint/2010/main" val="3249990004"/>
-      </p:ext>
-    </p:extLst>
-  </p:cSld>
-  <p:clrMapOvr>
-    <a:masterClrMapping/>
-  </p:clrMapOvr>
-</p:sld>
-</file>
-
-<file path=ppt/slides/slide8.xml><?xml version="1.0" encoding="utf-8"?>
-<p:sld xmlns:a="http://schemas.openxmlformats.org/drawingml/2006/main" xmlns:r="http://schemas.openxmlformats.org/officeDocument/2006/relationships" xmlns:p="http://schemas.openxmlformats.org/presentationml/2006/main">
-  <p:cSld>
-    <p:spTree>
-      <p:nvGrpSpPr>
-        <p:cNvPr id="1" name=""/>
-        <p:cNvGrpSpPr/>
-        <p:nvPr/>
-      </p:nvGrpSpPr>
-      <p:grpSpPr>
-        <a:xfrm>
-          <a:off x="0" y="0"/>
-          <a:ext cx="0" cy="0"/>
-          <a:chOff x="0" y="0"/>
-          <a:chExt cx="0" cy="0"/>
-        </a:xfrm>
-      </p:grpSpPr>
-      <p:sp>
-        <p:nvSpPr>
-          <p:cNvPr id="3" name="Title 2"/>
-          <p:cNvSpPr>
-            <a:spLocks noGrp="1"/>
-          </p:cNvSpPr>
-          <p:nvPr>
-            <p:ph type="title"/>
-          </p:nvPr>
-        </p:nvSpPr>
-        <p:spPr/>
-        <p:txBody>
-          <a:bodyPr/>
-          <a:lstStyle/>
-          <a:p>
-            <a:r>
-              <a:rPr lang="en-US" dirty="0"/>
-              <a:t>Demo</a:t>
-            </a:r>
-          </a:p>
-        </p:txBody>
-      </p:sp>
-      <p:pic>
-        <p:nvPicPr>
-          <p:cNvPr id="4" name="Picture 3">
-            <a:extLst>
-              <a:ext uri="{FF2B5EF4-FFF2-40B4-BE49-F238E27FC236}">
-                <a16:creationId xmlns:a16="http://schemas.microsoft.com/office/drawing/2014/main" id="{667C7630-D1BA-44ED-BD0C-E0F24DE56B91}"/>
-              </a:ext>
-            </a:extLst>
-          </p:cNvPr>
-          <p:cNvPicPr>
-            <a:picLocks noChangeAspect="1"/>
-          </p:cNvPicPr>
-          <p:nvPr/>
-        </p:nvPicPr>
-        <p:blipFill>
-          <a:blip r:embed="rId3"/>
-          <a:stretch>
-            <a:fillRect/>
-          </a:stretch>
-        </p:blipFill>
-        <p:spPr>
-          <a:xfrm>
-            <a:off x="3849419" y="1181180"/>
-            <a:ext cx="4495640" cy="4495640"/>
-          </a:xfrm>
-          <a:prstGeom prst="rect">
-            <a:avLst/>
-          </a:prstGeom>
-        </p:spPr>
-      </p:pic>
-    </p:spTree>
-    <p:extLst>
-      <p:ext uri="{BB962C8B-B14F-4D97-AF65-F5344CB8AC3E}">
-        <p14:creationId xmlns:p14="http://schemas.microsoft.com/office/powerpoint/2010/main" val="1236872799"/>
-      </p:ext>
-    </p:extLst>
-  </p:cSld>
-  <p:clrMapOvr>
-    <a:masterClrMapping/>
-  </p:clrMapOvr>
-</p:sld>
-</file>
-
-<file path=ppt/slides/slide9.xml><?xml version="1.0" encoding="utf-8"?>
-<p:sld xmlns:a="http://schemas.openxmlformats.org/drawingml/2006/main" xmlns:r="http://schemas.openxmlformats.org/officeDocument/2006/relationships" xmlns:p="http://schemas.openxmlformats.org/presentationml/2006/main">
-  <p:cSld>
-    <p:spTree>
-      <p:nvGrpSpPr>
-        <p:cNvPr id="1" name=""/>
-        <p:cNvGrpSpPr/>
-        <p:nvPr/>
-      </p:nvGrpSpPr>
-      <p:grpSpPr>
-        <a:xfrm>
-          <a:off x="0" y="0"/>
-          <a:ext cx="0" cy="0"/>
-          <a:chOff x="0" y="0"/>
-          <a:chExt cx="0" cy="0"/>
-        </a:xfrm>
-      </p:grpSpPr>
-      <p:sp>
-        <p:nvSpPr>
-          <p:cNvPr id="3" name="Title 2"/>
-          <p:cNvSpPr>
-            <a:spLocks noGrp="1"/>
-          </p:cNvSpPr>
-          <p:nvPr>
-            <p:ph type="title"/>
-          </p:nvPr>
-        </p:nvSpPr>
-        <p:spPr/>
-        <p:txBody>
-          <a:bodyPr/>
-          <a:lstStyle/>
-          <a:p>
-            <a:r>
-              <a:rPr lang="en-US" dirty="0"/>
-              <a:t>What YOU will do in exercise #03</a:t>
-            </a:r>
-          </a:p>
-        </p:txBody>
-      </p:sp>
-      <p:grpSp>
-        <p:nvGrpSpPr>
-          <p:cNvPr id="13" name="Group 12"/>
-          <p:cNvGrpSpPr/>
-          <p:nvPr/>
-        </p:nvGrpSpPr>
-        <p:grpSpPr>
-          <a:xfrm>
-            <a:off x="2674620" y="2948940"/>
-            <a:ext cx="6187440" cy="1752600"/>
-            <a:chOff x="2697480" y="2743200"/>
-            <a:chExt cx="6187440" cy="2034540"/>
-          </a:xfrm>
-        </p:grpSpPr>
-        <p:sp>
-          <p:nvSpPr>
-            <p:cNvPr id="12" name="Rectangle: Rounded Corners 11"/>
-            <p:cNvSpPr/>
-            <p:nvPr/>
-          </p:nvSpPr>
-          <p:spPr bwMode="gray">
-            <a:xfrm>
-              <a:off x="2697480" y="2743200"/>
-              <a:ext cx="6187440" cy="2034540"/>
-            </a:xfrm>
-            <a:prstGeom prst="roundRect">
-              <a:avLst/>
-            </a:prstGeom>
-            <a:solidFill>
-              <a:schemeClr val="accent4"/>
-            </a:solidFill>
-            <a:ln>
-              <a:headEnd/>
-              <a:tailEnd/>
-            </a:ln>
-          </p:spPr>
-          <p:style>
-            <a:lnRef idx="2">
-              <a:schemeClr val="accent4"/>
-            </a:lnRef>
-            <a:fillRef idx="1">
-              <a:schemeClr val="lt1"/>
-            </a:fillRef>
-            <a:effectRef idx="0">
-              <a:schemeClr val="accent4"/>
-            </a:effectRef>
-            <a:fontRef idx="minor">
-              <a:schemeClr val="dk1"/>
-            </a:fontRef>
-          </p:style>
-          <p:txBody>
-            <a:bodyPr lIns="90000" tIns="72000" rIns="90000" bIns="72000" rtlCol="0" anchor="ctr"/>
-            <a:lstStyle/>
-            <a:p>
-              <a:pPr marR="0" algn="ctr" defTabSz="914400" eaLnBrk="1" fontAlgn="base" latinLnBrk="0" hangingPunct="1">
-                <a:lnSpc>
-                  <a:spcPct val="100000"/>
-                </a:lnSpc>
-                <a:spcBef>
-                  <a:spcPct val="50000"/>
-                </a:spcBef>
-                <a:spcAft>
-                  <a:spcPct val="0"/>
-                </a:spcAft>
-                <a:buClr>
-                  <a:srgbClr val="F0AB00"/>
-                </a:buClr>
-                <a:buSzPct val="80000"/>
-                <a:tabLst/>
-              </a:pPr>
-              <a:endParaRPr kumimoji="0" lang="en-US" sz="1800" b="0" i="0" u="none" strike="noStrike" kern="0" cap="none" spc="0" normalizeH="0" baseline="0" noProof="0" dirty="0" err="1">
-                <a:ln>
-                  <a:noFill/>
-                </a:ln>
-                <a:effectLst/>
-                <a:uLnTx/>
-                <a:uFillTx/>
-                <a:ea typeface="Arial Unicode MS" pitchFamily="34" charset="-128"/>
-                <a:cs typeface="Arial Unicode MS" pitchFamily="34" charset="-128"/>
-              </a:endParaRPr>
-            </a:p>
-          </p:txBody>
-        </p:sp>
-        <p:sp>
-          <p:nvSpPr>
-            <p:cNvPr id="4" name="Rectangle 3"/>
-            <p:cNvSpPr/>
-            <p:nvPr/>
-          </p:nvSpPr>
-          <p:spPr bwMode="gray">
-            <a:xfrm>
-              <a:off x="2989653" y="3164976"/>
-              <a:ext cx="1627931" cy="1156258"/>
-            </a:xfrm>
-            <a:prstGeom prst="rect">
-              <a:avLst/>
-            </a:prstGeom>
-            <a:ln>
-              <a:headEnd/>
-              <a:tailEnd/>
-            </a:ln>
-          </p:spPr>
-          <p:style>
-            <a:lnRef idx="2">
-              <a:schemeClr val="accent4"/>
-            </a:lnRef>
-            <a:fillRef idx="1">
-              <a:schemeClr val="lt1"/>
-            </a:fillRef>
-            <a:effectRef idx="0">
-              <a:schemeClr val="accent4"/>
-            </a:effectRef>
-            <a:fontRef idx="minor">
-              <a:schemeClr val="dk1"/>
-            </a:fontRef>
-          </p:style>
-          <p:txBody>
-            <a:bodyPr lIns="90000" tIns="72000" rIns="90000" bIns="72000" rtlCol="0" anchor="ctr"/>
-            <a:lstStyle/>
-            <a:p>
-              <a:pPr marR="0" algn="ctr" defTabSz="914400" eaLnBrk="1" fontAlgn="base" latinLnBrk="0" hangingPunct="1">
-                <a:lnSpc>
-                  <a:spcPct val="100000"/>
-                </a:lnSpc>
-                <a:spcBef>
-                  <a:spcPct val="50000"/>
-                </a:spcBef>
-                <a:spcAft>
-                  <a:spcPct val="0"/>
-                </a:spcAft>
-                <a:buClr>
-                  <a:srgbClr val="F0AB00"/>
-                </a:buClr>
-                <a:buSzPct val="80000"/>
-                <a:tabLst/>
-              </a:pPr>
-              <a:r>
-                <a:rPr lang="de-DE" sz="1800" kern="0" dirty="0" err="1">
-                  <a:ea typeface="Arial Unicode MS" pitchFamily="34" charset="-128"/>
-                  <a:cs typeface="Arial Unicode MS" pitchFamily="34" charset="-128"/>
-                </a:rPr>
-                <a:t>nginx</a:t>
-              </a:r>
-              <a:endParaRPr kumimoji="0" lang="de-DE" sz="1800" b="0" i="0" u="none" strike="noStrike" kern="0" cap="none" spc="0" normalizeH="0" baseline="0" noProof="0" dirty="0">
-                <a:ln>
-                  <a:noFill/>
-                </a:ln>
-                <a:effectLst/>
-                <a:uLnTx/>
-                <a:uFillTx/>
-                <a:ea typeface="Arial Unicode MS" pitchFamily="34" charset="-128"/>
-                <a:cs typeface="Arial Unicode MS" pitchFamily="34" charset="-128"/>
-              </a:endParaRPr>
-            </a:p>
-          </p:txBody>
-        </p:sp>
-        <p:sp>
-          <p:nvSpPr>
-            <p:cNvPr id="6" name="Rectangle 5"/>
-            <p:cNvSpPr/>
-            <p:nvPr/>
-          </p:nvSpPr>
-          <p:spPr bwMode="gray">
-            <a:xfrm>
-              <a:off x="6855115" y="3164976"/>
-              <a:ext cx="1627931" cy="1156258"/>
-            </a:xfrm>
-            <a:prstGeom prst="rect">
-              <a:avLst/>
-            </a:prstGeom>
-            <a:ln>
-              <a:headEnd/>
-              <a:tailEnd/>
-            </a:ln>
-          </p:spPr>
-          <p:style>
-            <a:lnRef idx="2">
-              <a:schemeClr val="accent4"/>
-            </a:lnRef>
-            <a:fillRef idx="1">
-              <a:schemeClr val="lt1"/>
-            </a:fillRef>
-            <a:effectRef idx="0">
-              <a:schemeClr val="accent4"/>
-            </a:effectRef>
-            <a:fontRef idx="minor">
-              <a:schemeClr val="dk1"/>
-            </a:fontRef>
-          </p:style>
-          <p:txBody>
-            <a:bodyPr lIns="90000" tIns="72000" rIns="90000" bIns="72000" rtlCol="0" anchor="ctr"/>
-            <a:lstStyle/>
-            <a:p>
-              <a:pPr algn="ctr" defTabSz="914400" fontAlgn="base">
-                <a:spcBef>
-                  <a:spcPct val="50000"/>
-                </a:spcBef>
-                <a:spcAft>
-                  <a:spcPct val="0"/>
-                </a:spcAft>
-                <a:buClr>
-                  <a:srgbClr val="F0AB00"/>
-                </a:buClr>
-                <a:buSzPct val="80000"/>
-              </a:pPr>
-              <a:r>
-                <a:rPr lang="de-DE" sz="1800" kern="0" dirty="0" err="1">
-                  <a:ea typeface="Arial Unicode MS" pitchFamily="34" charset="-128"/>
-                  <a:cs typeface="Arial Unicode MS" pitchFamily="34" charset="-128"/>
-                </a:rPr>
-                <a:t>nginx</a:t>
-              </a:r>
-              <a:endParaRPr lang="de-DE" sz="1800" kern="0" dirty="0">
-                <a:ea typeface="Arial Unicode MS" pitchFamily="34" charset="-128"/>
-                <a:cs typeface="Arial Unicode MS" pitchFamily="34" charset="-128"/>
-              </a:endParaRPr>
-            </a:p>
-          </p:txBody>
-        </p:sp>
-        <p:sp>
-          <p:nvSpPr>
-            <p:cNvPr id="7" name="Rectangle 6"/>
-            <p:cNvSpPr/>
-            <p:nvPr/>
-          </p:nvSpPr>
-          <p:spPr bwMode="gray">
-            <a:xfrm>
-              <a:off x="4922384" y="3164976"/>
-              <a:ext cx="1627931" cy="1156258"/>
-            </a:xfrm>
-            <a:prstGeom prst="rect">
-              <a:avLst/>
-            </a:prstGeom>
-            <a:ln>
-              <a:headEnd/>
-              <a:tailEnd/>
-            </a:ln>
-          </p:spPr>
-          <p:style>
-            <a:lnRef idx="2">
-              <a:schemeClr val="accent4"/>
-            </a:lnRef>
-            <a:fillRef idx="1">
-              <a:schemeClr val="lt1"/>
-            </a:fillRef>
-            <a:effectRef idx="0">
-              <a:schemeClr val="accent4"/>
-            </a:effectRef>
-            <a:fontRef idx="minor">
-              <a:schemeClr val="dk1"/>
-            </a:fontRef>
-          </p:style>
-          <p:txBody>
-            <a:bodyPr lIns="90000" tIns="72000" rIns="90000" bIns="72000" rtlCol="0" anchor="ctr"/>
-            <a:lstStyle/>
-            <a:p>
-              <a:pPr algn="ctr" defTabSz="914400" fontAlgn="base">
-                <a:spcBef>
-                  <a:spcPct val="50000"/>
-                </a:spcBef>
-                <a:spcAft>
-                  <a:spcPct val="0"/>
-                </a:spcAft>
-                <a:buClr>
-                  <a:srgbClr val="F0AB00"/>
-                </a:buClr>
-                <a:buSzPct val="80000"/>
-              </a:pPr>
-              <a:r>
-                <a:rPr lang="de-DE" sz="1800" kern="0" dirty="0" err="1">
-                  <a:ea typeface="Arial Unicode MS" pitchFamily="34" charset="-128"/>
-                  <a:cs typeface="Arial Unicode MS" pitchFamily="34" charset="-128"/>
-                </a:rPr>
-                <a:t>nginx</a:t>
-              </a:r>
-              <a:endParaRPr lang="de-DE" sz="1800" kern="0" dirty="0">
-                <a:ea typeface="Arial Unicode MS" pitchFamily="34" charset="-128"/>
-                <a:cs typeface="Arial Unicode MS" pitchFamily="34" charset="-128"/>
-              </a:endParaRPr>
-            </a:p>
-          </p:txBody>
-        </p:sp>
-      </p:grpSp>
-      <p:grpSp>
-        <p:nvGrpSpPr>
-          <p:cNvPr id="15" name="Group 14"/>
-          <p:cNvGrpSpPr/>
-          <p:nvPr/>
-        </p:nvGrpSpPr>
-        <p:grpSpPr>
-          <a:xfrm>
-            <a:off x="3482340" y="5176656"/>
-            <a:ext cx="4572000" cy="1363980"/>
-            <a:chOff x="3421380" y="5067300"/>
-            <a:chExt cx="4572000" cy="1363980"/>
-          </a:xfrm>
-        </p:grpSpPr>
-        <p:sp>
-          <p:nvSpPr>
-            <p:cNvPr id="14" name="Rectangle: Rounded Corners 13"/>
-            <p:cNvSpPr/>
-            <p:nvPr/>
-          </p:nvSpPr>
-          <p:spPr bwMode="gray">
-            <a:xfrm>
-              <a:off x="3421380" y="5067300"/>
-              <a:ext cx="4572000" cy="1363980"/>
-            </a:xfrm>
-            <a:prstGeom prst="roundRect">
-              <a:avLst/>
-            </a:prstGeom>
-            <a:ln>
-              <a:headEnd/>
-              <a:tailEnd/>
-            </a:ln>
-          </p:spPr>
-          <p:style>
-            <a:lnRef idx="2">
-              <a:schemeClr val="accent1"/>
-            </a:lnRef>
-            <a:fillRef idx="1">
-              <a:schemeClr val="lt1"/>
-            </a:fillRef>
-            <a:effectRef idx="0">
-              <a:schemeClr val="accent1"/>
-            </a:effectRef>
-            <a:fontRef idx="minor">
-              <a:schemeClr val="dk1"/>
-            </a:fontRef>
-          </p:style>
-          <p:txBody>
-            <a:bodyPr lIns="90000" tIns="72000" rIns="90000" bIns="72000" rtlCol="0" anchor="ctr"/>
-            <a:lstStyle/>
-            <a:p>
-              <a:pPr marR="0" algn="ctr" defTabSz="914400" eaLnBrk="1" fontAlgn="base" latinLnBrk="0" hangingPunct="1">
-                <a:lnSpc>
-                  <a:spcPct val="100000"/>
-                </a:lnSpc>
-                <a:spcBef>
-                  <a:spcPct val="50000"/>
-                </a:spcBef>
-                <a:spcAft>
-                  <a:spcPct val="0"/>
-                </a:spcAft>
-                <a:buClr>
-                  <a:srgbClr val="F0AB00"/>
-                </a:buClr>
-                <a:buSzPct val="80000"/>
-                <a:tabLst/>
-              </a:pPr>
-              <a:endParaRPr kumimoji="0" lang="en-US" sz="1800" b="0" i="0" u="none" strike="noStrike" kern="0" cap="none" spc="0" normalizeH="0" baseline="0" noProof="0" dirty="0" err="1">
-                <a:ln>
-                  <a:noFill/>
-                </a:ln>
-                <a:effectLst/>
-                <a:uLnTx/>
-                <a:uFillTx/>
-                <a:ea typeface="Arial Unicode MS" pitchFamily="34" charset="-128"/>
-                <a:cs typeface="Arial Unicode MS" pitchFamily="34" charset="-128"/>
-              </a:endParaRPr>
-            </a:p>
-          </p:txBody>
-        </p:sp>
-        <p:sp>
-          <p:nvSpPr>
-            <p:cNvPr id="8" name="Cylinder 7"/>
-            <p:cNvSpPr/>
-            <p:nvPr/>
-          </p:nvSpPr>
-          <p:spPr bwMode="gray">
-            <a:xfrm>
-              <a:off x="3946888" y="5248563"/>
-              <a:ext cx="998220" cy="1004248"/>
-            </a:xfrm>
-            <a:prstGeom prst="can">
-              <a:avLst/>
-            </a:prstGeom>
-            <a:ln>
-              <a:headEnd/>
-              <a:tailEnd/>
-            </a:ln>
-          </p:spPr>
-          <p:style>
-            <a:lnRef idx="2">
-              <a:schemeClr val="accent2"/>
-            </a:lnRef>
-            <a:fillRef idx="1">
-              <a:schemeClr val="lt1"/>
-            </a:fillRef>
-            <a:effectRef idx="0">
-              <a:schemeClr val="accent2"/>
-            </a:effectRef>
-            <a:fontRef idx="minor">
-              <a:schemeClr val="dk1"/>
-            </a:fontRef>
-          </p:style>
-          <p:txBody>
-            <a:bodyPr lIns="90000" tIns="72000" rIns="90000" bIns="72000" rtlCol="0" anchor="ctr"/>
-            <a:lstStyle/>
-            <a:p>
-              <a:pPr marR="0" algn="ctr" defTabSz="914400" eaLnBrk="1" fontAlgn="base" latinLnBrk="0" hangingPunct="1">
-                <a:lnSpc>
-                  <a:spcPct val="100000"/>
-                </a:lnSpc>
-                <a:spcBef>
-                  <a:spcPct val="50000"/>
-                </a:spcBef>
-                <a:spcAft>
-                  <a:spcPct val="0"/>
-                </a:spcAft>
-                <a:buClr>
-                  <a:srgbClr val="F0AB00"/>
-                </a:buClr>
-                <a:buSzPct val="80000"/>
-                <a:tabLst/>
-              </a:pPr>
-              <a:r>
-                <a:rPr kumimoji="0" lang="de-DE" sz="1800" b="0" i="0" u="none" strike="noStrike" kern="0" cap="none" spc="0" normalizeH="0" baseline="0" noProof="0" dirty="0" err="1">
-                  <a:ln>
-                    <a:noFill/>
-                  </a:ln>
-                  <a:effectLst/>
-                  <a:uLnTx/>
-                  <a:uFillTx/>
-                  <a:ea typeface="Arial Unicode MS" pitchFamily="34" charset="-128"/>
-                  <a:cs typeface="Arial Unicode MS" pitchFamily="34" charset="-128"/>
-                </a:rPr>
-                <a:t>content</a:t>
-              </a:r>
-              <a:endParaRPr kumimoji="0" lang="de-DE" sz="1800" b="0" i="0" u="none" strike="noStrike" kern="0" cap="none" spc="0" normalizeH="0" baseline="0" noProof="0" dirty="0">
-                <a:ln>
-                  <a:noFill/>
-                </a:ln>
-                <a:effectLst/>
-                <a:uLnTx/>
-                <a:uFillTx/>
-                <a:ea typeface="Arial Unicode MS" pitchFamily="34" charset="-128"/>
-                <a:cs typeface="Arial Unicode MS" pitchFamily="34" charset="-128"/>
-              </a:endParaRPr>
-            </a:p>
-          </p:txBody>
-        </p:sp>
-        <p:sp>
-          <p:nvSpPr>
-            <p:cNvPr id="9" name="Cylinder 8"/>
-            <p:cNvSpPr/>
-            <p:nvPr/>
-          </p:nvSpPr>
-          <p:spPr bwMode="gray">
-            <a:xfrm>
-              <a:off x="5214379" y="5248563"/>
-              <a:ext cx="998220" cy="1004248"/>
-            </a:xfrm>
-            <a:prstGeom prst="can">
-              <a:avLst/>
-            </a:prstGeom>
-            <a:ln>
-              <a:headEnd/>
-              <a:tailEnd/>
-            </a:ln>
-          </p:spPr>
-          <p:style>
-            <a:lnRef idx="2">
-              <a:schemeClr val="accent2"/>
-            </a:lnRef>
-            <a:fillRef idx="1">
-              <a:schemeClr val="lt1"/>
-            </a:fillRef>
-            <a:effectRef idx="0">
-              <a:schemeClr val="accent2"/>
-            </a:effectRef>
-            <a:fontRef idx="minor">
-              <a:schemeClr val="dk1"/>
-            </a:fontRef>
-          </p:style>
-          <p:txBody>
-            <a:bodyPr lIns="90000" tIns="72000" rIns="90000" bIns="72000" rtlCol="0" anchor="ctr"/>
-            <a:lstStyle/>
-            <a:p>
-              <a:pPr marR="0" algn="ctr" defTabSz="914400" eaLnBrk="1" fontAlgn="base" latinLnBrk="0" hangingPunct="1">
-                <a:lnSpc>
-                  <a:spcPct val="100000"/>
-                </a:lnSpc>
-                <a:spcBef>
-                  <a:spcPct val="50000"/>
-                </a:spcBef>
-                <a:spcAft>
-                  <a:spcPct val="0"/>
-                </a:spcAft>
-                <a:buClr>
-                  <a:srgbClr val="F0AB00"/>
-                </a:buClr>
-                <a:buSzPct val="80000"/>
-                <a:tabLst/>
-              </a:pPr>
-              <a:r>
-                <a:rPr kumimoji="0" lang="de-DE" sz="1800" b="0" i="0" u="none" strike="noStrike" kern="0" cap="none" spc="0" normalizeH="0" baseline="0" noProof="0" dirty="0" err="1">
-                  <a:ln>
-                    <a:noFill/>
-                  </a:ln>
-                  <a:effectLst/>
-                  <a:uLnTx/>
-                  <a:uFillTx/>
-                  <a:ea typeface="Arial Unicode MS" pitchFamily="34" charset="-128"/>
-                  <a:cs typeface="Arial Unicode MS" pitchFamily="34" charset="-128"/>
-                </a:rPr>
-                <a:t>config</a:t>
-              </a:r>
-              <a:endParaRPr kumimoji="0" lang="de-DE" sz="1800" b="0" i="0" u="none" strike="noStrike" kern="0" cap="none" spc="0" normalizeH="0" baseline="0" noProof="0" dirty="0">
-                <a:ln>
-                  <a:noFill/>
-                </a:ln>
-                <a:effectLst/>
-                <a:uLnTx/>
-                <a:uFillTx/>
-                <a:ea typeface="Arial Unicode MS" pitchFamily="34" charset="-128"/>
-                <a:cs typeface="Arial Unicode MS" pitchFamily="34" charset="-128"/>
-              </a:endParaRPr>
-            </a:p>
-          </p:txBody>
-        </p:sp>
-        <p:sp>
-          <p:nvSpPr>
-            <p:cNvPr id="10" name="Cylinder 9"/>
-            <p:cNvSpPr/>
-            <p:nvPr/>
-          </p:nvSpPr>
-          <p:spPr bwMode="gray">
-            <a:xfrm>
-              <a:off x="6481870" y="5248563"/>
-              <a:ext cx="998220" cy="1004248"/>
-            </a:xfrm>
-            <a:prstGeom prst="can">
-              <a:avLst/>
-            </a:prstGeom>
-            <a:ln>
-              <a:headEnd/>
-              <a:tailEnd/>
-            </a:ln>
-          </p:spPr>
-          <p:style>
-            <a:lnRef idx="2">
-              <a:schemeClr val="accent2"/>
-            </a:lnRef>
-            <a:fillRef idx="1">
-              <a:schemeClr val="lt1"/>
-            </a:fillRef>
-            <a:effectRef idx="0">
-              <a:schemeClr val="accent2"/>
-            </a:effectRef>
-            <a:fontRef idx="minor">
-              <a:schemeClr val="dk1"/>
-            </a:fontRef>
-          </p:style>
-          <p:txBody>
-            <a:bodyPr lIns="90000" tIns="72000" rIns="90000" bIns="72000" rtlCol="0" anchor="ctr"/>
-            <a:lstStyle/>
-            <a:p>
-              <a:pPr marR="0" algn="ctr" defTabSz="914400" eaLnBrk="1" fontAlgn="base" latinLnBrk="0" hangingPunct="1">
-                <a:lnSpc>
-                  <a:spcPct val="100000"/>
-                </a:lnSpc>
-                <a:spcBef>
-                  <a:spcPct val="50000"/>
-                </a:spcBef>
-                <a:spcAft>
-                  <a:spcPct val="0"/>
-                </a:spcAft>
-                <a:buClr>
-                  <a:srgbClr val="F0AB00"/>
-                </a:buClr>
-                <a:buSzPct val="80000"/>
-                <a:tabLst/>
-              </a:pPr>
-              <a:r>
-                <a:rPr lang="de-DE" sz="1800" kern="0" dirty="0" err="1">
-                  <a:ea typeface="Arial Unicode MS" pitchFamily="34" charset="-128"/>
-                  <a:cs typeface="Arial Unicode MS" pitchFamily="34" charset="-128"/>
-                </a:rPr>
-                <a:t>tls</a:t>
-              </a:r>
-              <a:r>
-                <a:rPr lang="de-DE" sz="1800" kern="0" dirty="0">
-                  <a:ea typeface="Arial Unicode MS" pitchFamily="34" charset="-128"/>
-                  <a:cs typeface="Arial Unicode MS" pitchFamily="34" charset="-128"/>
-                </a:rPr>
-                <a:t> </a:t>
-              </a:r>
-              <a:r>
-                <a:rPr lang="de-DE" sz="1800" kern="0" dirty="0" err="1">
-                  <a:ea typeface="Arial Unicode MS" pitchFamily="34" charset="-128"/>
-                  <a:cs typeface="Arial Unicode MS" pitchFamily="34" charset="-128"/>
-                </a:rPr>
-                <a:t>certs</a:t>
-              </a:r>
-              <a:endParaRPr kumimoji="0" lang="de-DE" sz="1800" b="0" i="0" u="none" strike="noStrike" kern="0" cap="none" spc="0" normalizeH="0" baseline="0" noProof="0" dirty="0">
-                <a:ln>
-                  <a:noFill/>
-                </a:ln>
-                <a:effectLst/>
-                <a:uLnTx/>
-                <a:uFillTx/>
-                <a:ea typeface="Arial Unicode MS" pitchFamily="34" charset="-128"/>
-                <a:cs typeface="Arial Unicode MS" pitchFamily="34" charset="-128"/>
-              </a:endParaRPr>
-            </a:p>
-          </p:txBody>
-        </p:sp>
-      </p:grpSp>
-      <p:sp>
-        <p:nvSpPr>
-          <p:cNvPr id="16" name="Arrow: Up-Down 15"/>
-          <p:cNvSpPr/>
-          <p:nvPr/>
-        </p:nvSpPr>
-        <p:spPr bwMode="gray">
-          <a:xfrm>
-            <a:off x="5657231" y="4400550"/>
-            <a:ext cx="222219" cy="845820"/>
-          </a:xfrm>
-          <a:prstGeom prst="upDownArrow">
-            <a:avLst/>
-          </a:prstGeom>
-          <a:solidFill>
-            <a:schemeClr val="accent1"/>
-          </a:solidFill>
-          <a:ln w="6350" algn="ctr">
-            <a:noFill/>
-            <a:miter lim="800000"/>
-            <a:headEnd/>
-            <a:tailEnd/>
-          </a:ln>
-        </p:spPr>
-        <p:txBody>
-          <a:bodyPr lIns="90000" tIns="72000" rIns="90000" bIns="72000" rtlCol="0" anchor="ctr"/>
-          <a:lstStyle/>
-          <a:p>
-            <a:pPr marR="0" algn="ctr" defTabSz="914400" eaLnBrk="1" fontAlgn="base" latinLnBrk="0" hangingPunct="1">
-              <a:lnSpc>
-                <a:spcPct val="100000"/>
-              </a:lnSpc>
-              <a:spcBef>
-                <a:spcPct val="50000"/>
-              </a:spcBef>
-              <a:spcAft>
-                <a:spcPct val="0"/>
-              </a:spcAft>
-              <a:buClr>
-                <a:srgbClr val="F0AB00"/>
-              </a:buClr>
-              <a:buSzPct val="80000"/>
-              <a:tabLst/>
-            </a:pPr>
-            <a:endParaRPr kumimoji="0" lang="en-US" sz="1800" b="0" i="0" u="none" strike="noStrike" kern="0" cap="none" spc="0" normalizeH="0" baseline="0" noProof="0" dirty="0" err="1">
-              <a:ln>
-                <a:noFill/>
-              </a:ln>
-              <a:effectLst/>
-              <a:uLnTx/>
-              <a:uFillTx/>
-              <a:ea typeface="Arial Unicode MS" pitchFamily="34" charset="-128"/>
-              <a:cs typeface="Arial Unicode MS" pitchFamily="34" charset="-128"/>
-            </a:endParaRPr>
-          </a:p>
-        </p:txBody>
-      </p:sp>
-      <p:sp>
-        <p:nvSpPr>
-          <p:cNvPr id="17" name="Cloud 16"/>
-          <p:cNvSpPr/>
-          <p:nvPr/>
-        </p:nvSpPr>
-        <p:spPr bwMode="gray">
-          <a:xfrm>
-            <a:off x="4077319" y="1126276"/>
-            <a:ext cx="3382042" cy="914400"/>
-          </a:xfrm>
-          <a:prstGeom prst="cloud">
-            <a:avLst/>
-          </a:prstGeom>
-          <a:solidFill>
-            <a:schemeClr val="accent1"/>
-          </a:solidFill>
-          <a:ln w="6350" algn="ctr">
-            <a:noFill/>
-            <a:miter lim="800000"/>
-            <a:headEnd/>
-            <a:tailEnd/>
-          </a:ln>
-        </p:spPr>
-        <p:txBody>
-          <a:bodyPr lIns="90000" tIns="72000" rIns="90000" bIns="72000" rtlCol="0" anchor="ctr"/>
-          <a:lstStyle/>
-          <a:p>
-            <a:pPr marR="0" algn="ctr" defTabSz="914400" eaLnBrk="1" fontAlgn="base" latinLnBrk="0" hangingPunct="1">
-              <a:lnSpc>
-                <a:spcPct val="100000"/>
-              </a:lnSpc>
-              <a:spcBef>
-                <a:spcPct val="50000"/>
-              </a:spcBef>
-              <a:spcAft>
-                <a:spcPct val="0"/>
-              </a:spcAft>
-              <a:buClr>
-                <a:srgbClr val="F0AB00"/>
-              </a:buClr>
-              <a:buSzPct val="80000"/>
-              <a:tabLst/>
-            </a:pPr>
-            <a:endParaRPr kumimoji="0" lang="en-US" sz="1800" b="0" i="0" u="none" strike="noStrike" kern="0" cap="none" spc="0" normalizeH="0" baseline="0" noProof="0" dirty="0" err="1">
-              <a:ln>
-                <a:noFill/>
-              </a:ln>
-              <a:effectLst/>
-              <a:uLnTx/>
-              <a:uFillTx/>
-              <a:ea typeface="Arial Unicode MS" pitchFamily="34" charset="-128"/>
-              <a:cs typeface="Arial Unicode MS" pitchFamily="34" charset="-128"/>
-            </a:endParaRPr>
-          </a:p>
-        </p:txBody>
-      </p:sp>
-      <p:sp>
-        <p:nvSpPr>
-          <p:cNvPr id="18" name="Arrow: Up-Down 17"/>
-          <p:cNvSpPr/>
-          <p:nvPr/>
-        </p:nvSpPr>
-        <p:spPr bwMode="gray">
-          <a:xfrm>
-            <a:off x="5657231" y="2071898"/>
-            <a:ext cx="222219" cy="845820"/>
-          </a:xfrm>
-          <a:prstGeom prst="upDownArrow">
-            <a:avLst/>
-          </a:prstGeom>
-          <a:solidFill>
-            <a:schemeClr val="accent1"/>
-          </a:solidFill>
-          <a:ln w="6350" algn="ctr">
-            <a:noFill/>
-            <a:miter lim="800000"/>
-            <a:headEnd/>
-            <a:tailEnd/>
-          </a:ln>
-        </p:spPr>
-        <p:txBody>
-          <a:bodyPr lIns="90000" tIns="72000" rIns="90000" bIns="72000" rtlCol="0" anchor="ctr"/>
-          <a:lstStyle/>
-          <a:p>
-            <a:pPr marR="0" algn="ctr" defTabSz="914400" eaLnBrk="1" fontAlgn="base" latinLnBrk="0" hangingPunct="1">
-              <a:lnSpc>
-                <a:spcPct val="100000"/>
-              </a:lnSpc>
-              <a:spcBef>
-                <a:spcPct val="50000"/>
-              </a:spcBef>
-              <a:spcAft>
-                <a:spcPct val="0"/>
-              </a:spcAft>
-              <a:buClr>
-                <a:srgbClr val="F0AB00"/>
-              </a:buClr>
-              <a:buSzPct val="80000"/>
-              <a:tabLst/>
-            </a:pPr>
-            <a:endParaRPr kumimoji="0" lang="en-US" sz="1800" b="0" i="0" u="none" strike="noStrike" kern="0" cap="none" spc="0" normalizeH="0" baseline="0" noProof="0" dirty="0" err="1">
-              <a:ln>
-                <a:noFill/>
-              </a:ln>
-              <a:effectLst/>
-              <a:uLnTx/>
-              <a:uFillTx/>
-              <a:ea typeface="Arial Unicode MS" pitchFamily="34" charset="-128"/>
-              <a:cs typeface="Arial Unicode MS" pitchFamily="34" charset="-128"/>
-            </a:endParaRPr>
-          </a:p>
-        </p:txBody>
-      </p:sp>
-    </p:spTree>
-    <p:extLst>
-      <p:ext uri="{BB962C8B-B14F-4D97-AF65-F5344CB8AC3E}">
-        <p14:creationId xmlns:p14="http://schemas.microsoft.com/office/powerpoint/2010/main" val="4085581448"/>
       </p:ext>
     </p:extLst>
   </p:cSld>

--- a/kubernetes/03_labels_and_deployments.pptx
+++ b/kubernetes/03_labels_and_deployments.pptx
@@ -805,6 +805,9 @@
               <a:rPr lang="en-US" dirty="0"/>
               <a:t>Pod names are not reliable because they are usually generated. To identify a set of same pods, a label helps.</a:t>
             </a:r>
+          </a:p>
+          <a:p>
+            <a:endParaRPr lang="en-US" dirty="0"/>
           </a:p>
         </p:txBody>
       </p:sp>
@@ -11989,354 +11992,6 @@
   <p:clrMapOvr>
     <a:masterClrMapping/>
   </p:clrMapOvr>
-  <p:timing>
-    <p:tnLst>
-      <p:par>
-        <p:cTn id="1" dur="indefinite" restart="never" nodeType="tmRoot">
-          <p:childTnLst>
-            <p:seq concurrent="1" nextAc="seek">
-              <p:cTn id="2" dur="indefinite" nodeType="mainSeq">
-                <p:childTnLst>
-                  <p:par>
-                    <p:cTn id="3" fill="hold">
-                      <p:stCondLst>
-                        <p:cond delay="indefinite"/>
-                      </p:stCondLst>
-                      <p:childTnLst>
-                        <p:par>
-                          <p:cTn id="4" fill="hold">
-                            <p:stCondLst>
-                              <p:cond delay="0"/>
-                            </p:stCondLst>
-                            <p:childTnLst>
-                              <p:par>
-                                <p:cTn id="5" presetID="1" presetClass="entr" presetSubtype="0" fill="hold" grpId="0" nodeType="clickEffect">
-                                  <p:stCondLst>
-                                    <p:cond delay="0"/>
-                                  </p:stCondLst>
-                                  <p:childTnLst>
-                                    <p:set>
-                                      <p:cBhvr>
-                                        <p:cTn id="6" dur="1" fill="hold">
-                                          <p:stCondLst>
-                                            <p:cond delay="0"/>
-                                          </p:stCondLst>
-                                        </p:cTn>
-                                        <p:tgtEl>
-                                          <p:spTgt spid="12"/>
-                                        </p:tgtEl>
-                                        <p:attrNameLst>
-                                          <p:attrName>style.visibility</p:attrName>
-                                        </p:attrNameLst>
-                                      </p:cBhvr>
-                                      <p:to>
-                                        <p:strVal val="visible"/>
-                                      </p:to>
-                                    </p:set>
-                                  </p:childTnLst>
-                                </p:cTn>
-                              </p:par>
-                            </p:childTnLst>
-                          </p:cTn>
-                        </p:par>
-                        <p:par>
-                          <p:cTn id="7" fill="hold">
-                            <p:stCondLst>
-                              <p:cond delay="0"/>
-                            </p:stCondLst>
-                            <p:childTnLst>
-                              <p:par>
-                                <p:cTn id="8" presetID="42" presetClass="exit" presetSubtype="0" fill="hold" nodeType="afterEffect">
-                                  <p:stCondLst>
-                                    <p:cond delay="0"/>
-                                  </p:stCondLst>
-                                  <p:childTnLst>
-                                    <p:animEffect transition="out" filter="fade">
-                                      <p:cBhvr>
-                                        <p:cTn id="9" dur="1000"/>
-                                        <p:tgtEl>
-                                          <p:spTgt spid="15"/>
-                                        </p:tgtEl>
-                                      </p:cBhvr>
-                                    </p:animEffect>
-                                    <p:anim calcmode="lin" valueType="num">
-                                      <p:cBhvr>
-                                        <p:cTn id="10" dur="1000"/>
-                                        <p:tgtEl>
-                                          <p:spTgt spid="15"/>
-                                        </p:tgtEl>
-                                        <p:attrNameLst>
-                                          <p:attrName>ppt_x</p:attrName>
-                                        </p:attrNameLst>
-                                      </p:cBhvr>
-                                      <p:tavLst>
-                                        <p:tav tm="0">
-                                          <p:val>
-                                            <p:strVal val="ppt_x"/>
-                                          </p:val>
-                                        </p:tav>
-                                        <p:tav tm="100000">
-                                          <p:val>
-                                            <p:strVal val="ppt_x"/>
-                                          </p:val>
-                                        </p:tav>
-                                      </p:tavLst>
-                                    </p:anim>
-                                    <p:anim calcmode="lin" valueType="num">
-                                      <p:cBhvr>
-                                        <p:cTn id="11" dur="1000"/>
-                                        <p:tgtEl>
-                                          <p:spTgt spid="15"/>
-                                        </p:tgtEl>
-                                        <p:attrNameLst>
-                                          <p:attrName>ppt_y</p:attrName>
-                                        </p:attrNameLst>
-                                      </p:cBhvr>
-                                      <p:tavLst>
-                                        <p:tav tm="0">
-                                          <p:val>
-                                            <p:strVal val="ppt_y"/>
-                                          </p:val>
-                                        </p:tav>
-                                        <p:tav tm="100000">
-                                          <p:val>
-                                            <p:strVal val="ppt_y+.1"/>
-                                          </p:val>
-                                        </p:tav>
-                                      </p:tavLst>
-                                    </p:anim>
-                                    <p:set>
-                                      <p:cBhvr>
-                                        <p:cTn id="12" dur="1" fill="hold">
-                                          <p:stCondLst>
-                                            <p:cond delay="999"/>
-                                          </p:stCondLst>
-                                        </p:cTn>
-                                        <p:tgtEl>
-                                          <p:spTgt spid="15"/>
-                                        </p:tgtEl>
-                                        <p:attrNameLst>
-                                          <p:attrName>style.visibility</p:attrName>
-                                        </p:attrNameLst>
-                                      </p:cBhvr>
-                                      <p:to>
-                                        <p:strVal val="hidden"/>
-                                      </p:to>
-                                    </p:set>
-                                  </p:childTnLst>
-                                </p:cTn>
-                              </p:par>
-                            </p:childTnLst>
-                          </p:cTn>
-                        </p:par>
-                        <p:par>
-                          <p:cTn id="13" fill="hold">
-                            <p:stCondLst>
-                              <p:cond delay="1000"/>
-                            </p:stCondLst>
-                            <p:childTnLst>
-                              <p:par>
-                                <p:cTn id="14" presetID="42" presetClass="exit" presetSubtype="0" fill="hold" nodeType="afterEffect">
-                                  <p:stCondLst>
-                                    <p:cond delay="0"/>
-                                  </p:stCondLst>
-                                  <p:childTnLst>
-                                    <p:animEffect transition="out" filter="fade">
-                                      <p:cBhvr>
-                                        <p:cTn id="15" dur="1000"/>
-                                        <p:tgtEl>
-                                          <p:spTgt spid="13"/>
-                                        </p:tgtEl>
-                                      </p:cBhvr>
-                                    </p:animEffect>
-                                    <p:anim calcmode="lin" valueType="num">
-                                      <p:cBhvr>
-                                        <p:cTn id="16" dur="1000"/>
-                                        <p:tgtEl>
-                                          <p:spTgt spid="13"/>
-                                        </p:tgtEl>
-                                        <p:attrNameLst>
-                                          <p:attrName>ppt_x</p:attrName>
-                                        </p:attrNameLst>
-                                      </p:cBhvr>
-                                      <p:tavLst>
-                                        <p:tav tm="0">
-                                          <p:val>
-                                            <p:strVal val="ppt_x"/>
-                                          </p:val>
-                                        </p:tav>
-                                        <p:tav tm="100000">
-                                          <p:val>
-                                            <p:strVal val="ppt_x"/>
-                                          </p:val>
-                                        </p:tav>
-                                      </p:tavLst>
-                                    </p:anim>
-                                    <p:anim calcmode="lin" valueType="num">
-                                      <p:cBhvr>
-                                        <p:cTn id="17" dur="1000"/>
-                                        <p:tgtEl>
-                                          <p:spTgt spid="13"/>
-                                        </p:tgtEl>
-                                        <p:attrNameLst>
-                                          <p:attrName>ppt_y</p:attrName>
-                                        </p:attrNameLst>
-                                      </p:cBhvr>
-                                      <p:tavLst>
-                                        <p:tav tm="0">
-                                          <p:val>
-                                            <p:strVal val="ppt_y"/>
-                                          </p:val>
-                                        </p:tav>
-                                        <p:tav tm="100000">
-                                          <p:val>
-                                            <p:strVal val="ppt_y+.1"/>
-                                          </p:val>
-                                        </p:tav>
-                                      </p:tavLst>
-                                    </p:anim>
-                                    <p:set>
-                                      <p:cBhvr>
-                                        <p:cTn id="18" dur="1" fill="hold">
-                                          <p:stCondLst>
-                                            <p:cond delay="999"/>
-                                          </p:stCondLst>
-                                        </p:cTn>
-                                        <p:tgtEl>
-                                          <p:spTgt spid="13"/>
-                                        </p:tgtEl>
-                                        <p:attrNameLst>
-                                          <p:attrName>style.visibility</p:attrName>
-                                        </p:attrNameLst>
-                                      </p:cBhvr>
-                                      <p:to>
-                                        <p:strVal val="hidden"/>
-                                      </p:to>
-                                    </p:set>
-                                  </p:childTnLst>
-                                </p:cTn>
-                              </p:par>
-                            </p:childTnLst>
-                          </p:cTn>
-                        </p:par>
-                        <p:par>
-                          <p:cTn id="19" fill="hold">
-                            <p:stCondLst>
-                              <p:cond delay="2000"/>
-                            </p:stCondLst>
-                            <p:childTnLst>
-                              <p:par>
-                                <p:cTn id="20" presetID="42" presetClass="exit" presetSubtype="0" fill="hold" nodeType="afterEffect">
-                                  <p:stCondLst>
-                                    <p:cond delay="0"/>
-                                  </p:stCondLst>
-                                  <p:childTnLst>
-                                    <p:animEffect transition="out" filter="fade">
-                                      <p:cBhvr>
-                                        <p:cTn id="21" dur="1000"/>
-                                        <p:tgtEl>
-                                          <p:spTgt spid="14"/>
-                                        </p:tgtEl>
-                                      </p:cBhvr>
-                                    </p:animEffect>
-                                    <p:anim calcmode="lin" valueType="num">
-                                      <p:cBhvr>
-                                        <p:cTn id="22" dur="1000"/>
-                                        <p:tgtEl>
-                                          <p:spTgt spid="14"/>
-                                        </p:tgtEl>
-                                        <p:attrNameLst>
-                                          <p:attrName>ppt_x</p:attrName>
-                                        </p:attrNameLst>
-                                      </p:cBhvr>
-                                      <p:tavLst>
-                                        <p:tav tm="0">
-                                          <p:val>
-                                            <p:strVal val="ppt_x"/>
-                                          </p:val>
-                                        </p:tav>
-                                        <p:tav tm="100000">
-                                          <p:val>
-                                            <p:strVal val="ppt_x"/>
-                                          </p:val>
-                                        </p:tav>
-                                      </p:tavLst>
-                                    </p:anim>
-                                    <p:anim calcmode="lin" valueType="num">
-                                      <p:cBhvr>
-                                        <p:cTn id="23" dur="1000"/>
-                                        <p:tgtEl>
-                                          <p:spTgt spid="14"/>
-                                        </p:tgtEl>
-                                        <p:attrNameLst>
-                                          <p:attrName>ppt_y</p:attrName>
-                                        </p:attrNameLst>
-                                      </p:cBhvr>
-                                      <p:tavLst>
-                                        <p:tav tm="0">
-                                          <p:val>
-                                            <p:strVal val="ppt_y"/>
-                                          </p:val>
-                                        </p:tav>
-                                        <p:tav tm="100000">
-                                          <p:val>
-                                            <p:strVal val="ppt_y+.1"/>
-                                          </p:val>
-                                        </p:tav>
-                                      </p:tavLst>
-                                    </p:anim>
-                                    <p:set>
-                                      <p:cBhvr>
-                                        <p:cTn id="24" dur="1" fill="hold">
-                                          <p:stCondLst>
-                                            <p:cond delay="999"/>
-                                          </p:stCondLst>
-                                        </p:cTn>
-                                        <p:tgtEl>
-                                          <p:spTgt spid="14"/>
-                                        </p:tgtEl>
-                                        <p:attrNameLst>
-                                          <p:attrName>style.visibility</p:attrName>
-                                        </p:attrNameLst>
-                                      </p:cBhvr>
-                                      <p:to>
-                                        <p:strVal val="hidden"/>
-                                      </p:to>
-                                    </p:set>
-                                  </p:childTnLst>
-                                </p:cTn>
-                              </p:par>
-                            </p:childTnLst>
-                          </p:cTn>
-                        </p:par>
-                      </p:childTnLst>
-                    </p:cTn>
-                  </p:par>
-                </p:childTnLst>
-              </p:cTn>
-              <p:prevCondLst>
-                <p:cond evt="onPrev" delay="0">
-                  <p:tgtEl>
-                    <p:sldTgt/>
-                  </p:tgtEl>
-                </p:cond>
-              </p:prevCondLst>
-              <p:nextCondLst>
-                <p:cond evt="onNext" delay="0">
-                  <p:tgtEl>
-                    <p:sldTgt/>
-                  </p:tgtEl>
-                </p:cond>
-              </p:nextCondLst>
-            </p:seq>
-          </p:childTnLst>
-        </p:cTn>
-      </p:par>
-    </p:tnLst>
-    <p:bldLst>
-      <p:bldP spid="12" grpId="0" animBg="1"/>
-    </p:bldLst>
-  </p:timing>
 </p:sld>
 </file>
 

--- a/kubernetes/03_labels_and_deployments.pptx
+++ b/kubernetes/03_labels_and_deployments.pptx
@@ -611,6 +611,334 @@
 </p:notes>
 </file>
 
+<file path=ppt/notesSlides/notesSlide10.xml><?xml version="1.0" encoding="utf-8"?>
+<p:notes xmlns:a="http://schemas.openxmlformats.org/drawingml/2006/main" xmlns:r="http://schemas.openxmlformats.org/officeDocument/2006/relationships" xmlns:p="http://schemas.openxmlformats.org/presentationml/2006/main">
+  <p:cSld>
+    <p:spTree>
+      <p:nvGrpSpPr>
+        <p:cNvPr id="1" name=""/>
+        <p:cNvGrpSpPr/>
+        <p:nvPr/>
+      </p:nvGrpSpPr>
+      <p:grpSpPr>
+        <a:xfrm>
+          <a:off x="0" y="0"/>
+          <a:ext cx="0" cy="0"/>
+          <a:chOff x="0" y="0"/>
+          <a:chExt cx="0" cy="0"/>
+        </a:xfrm>
+      </p:grpSpPr>
+      <p:sp>
+        <p:nvSpPr>
+          <p:cNvPr id="2" name="Slide Image Placeholder 1"/>
+          <p:cNvSpPr>
+            <a:spLocks noGrp="1" noRot="1" noChangeAspect="1"/>
+          </p:cNvSpPr>
+          <p:nvPr>
+            <p:ph type="sldImg"/>
+          </p:nvPr>
+        </p:nvSpPr>
+        <p:spPr/>
+      </p:sp>
+      <p:sp>
+        <p:nvSpPr>
+          <p:cNvPr id="3" name="Notes Placeholder 2"/>
+          <p:cNvSpPr>
+            <a:spLocks noGrp="1"/>
+          </p:cNvSpPr>
+          <p:nvPr>
+            <p:ph type="body" idx="1"/>
+          </p:nvPr>
+        </p:nvSpPr>
+        <p:spPr/>
+        <p:txBody>
+          <a:bodyPr/>
+          <a:lstStyle/>
+          <a:p>
+            <a:pPr marL="0" indent="0">
+              <a:buFontTx/>
+              <a:buNone/>
+            </a:pPr>
+            <a:r>
+              <a:rPr lang="en-US" dirty="0"/>
+              <a:t>Explain deployments in a demo</a:t>
+            </a:r>
+          </a:p>
+          <a:p>
+            <a:pPr marL="285750" indent="-285750">
+              <a:buFontTx/>
+              <a:buChar char="-"/>
+            </a:pPr>
+            <a:r>
+              <a:rPr lang="en-US" dirty="0"/>
+              <a:t>Use the “</a:t>
+            </a:r>
+            <a:r>
+              <a:rPr lang="en-US" dirty="0" err="1"/>
+              <a:t>kubectl</a:t>
+            </a:r>
+            <a:r>
+              <a:rPr lang="en-US" dirty="0"/>
+              <a:t> run” command to create a deployment</a:t>
+            </a:r>
+          </a:p>
+          <a:p>
+            <a:pPr marL="285750" indent="-285750">
+              <a:buFontTx/>
+              <a:buChar char="-"/>
+            </a:pPr>
+            <a:r>
+              <a:rPr lang="en-US" dirty="0"/>
+              <a:t>Show the replica set with labels</a:t>
+            </a:r>
+          </a:p>
+          <a:p>
+            <a:pPr marL="285750" indent="-285750">
+              <a:buFontTx/>
+              <a:buChar char="-"/>
+            </a:pPr>
+            <a:r>
+              <a:rPr lang="en-US" dirty="0"/>
+              <a:t>Point out that the replica set is a “hidden” component used to manage pods &amp; generations. A user should not interact directly with a replica set</a:t>
+            </a:r>
+          </a:p>
+          <a:p>
+            <a:pPr marL="285750" indent="-285750">
+              <a:buFontTx/>
+              <a:buChar char="-"/>
+            </a:pPr>
+            <a:r>
+              <a:rPr lang="en-US" dirty="0"/>
+              <a:t>Scale up (</a:t>
+            </a:r>
+            <a:r>
+              <a:rPr lang="en-US" dirty="0" err="1"/>
+              <a:t>kubectl</a:t>
+            </a:r>
+            <a:r>
+              <a:rPr lang="en-US" dirty="0"/>
+              <a:t> scale </a:t>
+            </a:r>
+            <a:r>
+              <a:rPr lang="en-US" dirty="0" err="1"/>
+              <a:t>deployment|replicaset</a:t>
+            </a:r>
+            <a:r>
+              <a:rPr lang="en-US" dirty="0"/>
+              <a:t> &lt;name&gt; --replicas=5)</a:t>
+            </a:r>
+          </a:p>
+          <a:p>
+            <a:pPr marL="465750" lvl="1" indent="-285750">
+              <a:buFontTx/>
+              <a:buChar char="-"/>
+            </a:pPr>
+            <a:r>
+              <a:rPr lang="en-US" dirty="0"/>
+              <a:t>Scale up the replica set &amp; show pods -&gt; replica set is managed by deployment and thus overruled. </a:t>
+            </a:r>
+          </a:p>
+          <a:p>
+            <a:pPr marL="465750" lvl="1" indent="-285750">
+              <a:buFontTx/>
+              <a:buChar char="-"/>
+            </a:pPr>
+            <a:r>
+              <a:rPr lang="en-US" dirty="0"/>
+              <a:t>Scale up the deployment</a:t>
+            </a:r>
+          </a:p>
+          <a:p>
+            <a:pPr marL="285750" indent="-285750">
+              <a:buFontTx/>
+              <a:buChar char="-"/>
+            </a:pPr>
+            <a:r>
+              <a:rPr lang="en-US" dirty="0"/>
+              <a:t>Show the pods with labels</a:t>
+            </a:r>
+          </a:p>
+          <a:p>
+            <a:pPr marL="285750" indent="-285750">
+              <a:buFontTx/>
+              <a:buChar char="-"/>
+            </a:pPr>
+            <a:r>
+              <a:rPr lang="en-US" dirty="0"/>
+              <a:t>Delete a pod &amp; in parallel “watch </a:t>
+            </a:r>
+            <a:r>
+              <a:rPr lang="en-US" dirty="0" err="1"/>
+              <a:t>kubectl</a:t>
+            </a:r>
+            <a:r>
+              <a:rPr lang="en-US" dirty="0"/>
+              <a:t> get pods” to monitor the creation/deletion of pods</a:t>
+            </a:r>
+          </a:p>
+          <a:p>
+            <a:pPr marL="285750" indent="-285750">
+              <a:buFontTx/>
+              <a:buChar char="-"/>
+            </a:pPr>
+            <a:endParaRPr lang="en-US" dirty="0"/>
+          </a:p>
+          <a:p>
+            <a:pPr marL="0" indent="0">
+              <a:buFontTx/>
+              <a:buNone/>
+            </a:pPr>
+            <a:r>
+              <a:rPr lang="en-US" dirty="0"/>
+              <a:t>Don’t forget to mention that a deployment can be created also from </a:t>
+            </a:r>
+            <a:r>
+              <a:rPr lang="en-US" dirty="0" err="1"/>
+              <a:t>yaml</a:t>
+            </a:r>
+            <a:r>
+              <a:rPr lang="en-US" dirty="0"/>
+              <a:t> file (with way more options to customize -&gt; like the labels).</a:t>
+            </a:r>
+          </a:p>
+          <a:p>
+            <a:pPr marL="285750" indent="-285750">
+              <a:buFontTx/>
+              <a:buChar char="-"/>
+            </a:pPr>
+            <a:endParaRPr lang="en-US" dirty="0"/>
+          </a:p>
+        </p:txBody>
+      </p:sp>
+      <p:sp>
+        <p:nvSpPr>
+          <p:cNvPr id="4" name="Slide Number Placeholder 3"/>
+          <p:cNvSpPr>
+            <a:spLocks noGrp="1"/>
+          </p:cNvSpPr>
+          <p:nvPr>
+            <p:ph type="sldNum" sz="quarter" idx="10"/>
+          </p:nvPr>
+        </p:nvSpPr>
+        <p:spPr/>
+        <p:txBody>
+          <a:bodyPr/>
+          <a:lstStyle/>
+          <a:p>
+            <a:fld id="{7D8C2C35-2B8A-446E-BEC0-FD36716C29AC}" type="slidenum">
+              <a:rPr lang="de-DE" smtClean="0"/>
+              <a:pPr/>
+              <a:t>10</a:t>
+            </a:fld>
+            <a:endParaRPr lang="de-DE" dirty="0"/>
+          </a:p>
+        </p:txBody>
+      </p:sp>
+    </p:spTree>
+    <p:extLst>
+      <p:ext uri="{BB962C8B-B14F-4D97-AF65-F5344CB8AC3E}">
+        <p14:creationId xmlns:p14="http://schemas.microsoft.com/office/powerpoint/2010/main" val="3805946316"/>
+      </p:ext>
+    </p:extLst>
+  </p:cSld>
+  <p:clrMapOvr>
+    <a:masterClrMapping/>
+  </p:clrMapOvr>
+</p:notes>
+</file>
+
+<file path=ppt/notesSlides/notesSlide11.xml><?xml version="1.0" encoding="utf-8"?>
+<p:notes xmlns:a="http://schemas.openxmlformats.org/drawingml/2006/main" xmlns:r="http://schemas.openxmlformats.org/officeDocument/2006/relationships" xmlns:p="http://schemas.openxmlformats.org/presentationml/2006/main">
+  <p:cSld>
+    <p:spTree>
+      <p:nvGrpSpPr>
+        <p:cNvPr id="1" name=""/>
+        <p:cNvGrpSpPr/>
+        <p:nvPr/>
+      </p:nvGrpSpPr>
+      <p:grpSpPr>
+        <a:xfrm>
+          <a:off x="0" y="0"/>
+          <a:ext cx="0" cy="0"/>
+          <a:chOff x="0" y="0"/>
+          <a:chExt cx="0" cy="0"/>
+        </a:xfrm>
+      </p:grpSpPr>
+      <p:sp>
+        <p:nvSpPr>
+          <p:cNvPr id="4" name="Slide Number Placeholder 3"/>
+          <p:cNvSpPr>
+            <a:spLocks noGrp="1"/>
+          </p:cNvSpPr>
+          <p:nvPr>
+            <p:ph type="sldNum" sz="quarter" idx="10"/>
+          </p:nvPr>
+        </p:nvSpPr>
+        <p:spPr/>
+        <p:txBody>
+          <a:bodyPr/>
+          <a:lstStyle/>
+          <a:p>
+            <a:fld id="{7D8C2C35-2B8A-446E-BEC0-FD36716C29AC}" type="slidenum">
+              <a:rPr lang="de-DE" smtClean="0"/>
+              <a:pPr/>
+              <a:t>12</a:t>
+            </a:fld>
+            <a:endParaRPr lang="de-DE" dirty="0"/>
+          </a:p>
+        </p:txBody>
+      </p:sp>
+      <p:sp>
+        <p:nvSpPr>
+          <p:cNvPr id="6" name="Slide Image Placeholder 5"/>
+          <p:cNvSpPr>
+            <a:spLocks noGrp="1" noRot="1" noChangeAspect="1"/>
+          </p:cNvSpPr>
+          <p:nvPr>
+            <p:ph type="sldImg"/>
+          </p:nvPr>
+        </p:nvSpPr>
+        <p:spPr>
+          <a:xfrm>
+            <a:off x="547688" y="612775"/>
+            <a:ext cx="5762625" cy="3241675"/>
+          </a:xfrm>
+        </p:spPr>
+      </p:sp>
+      <p:sp>
+        <p:nvSpPr>
+          <p:cNvPr id="7" name="Notes Placeholder 6"/>
+          <p:cNvSpPr>
+            <a:spLocks noGrp="1"/>
+          </p:cNvSpPr>
+          <p:nvPr>
+            <p:ph type="body" idx="1"/>
+          </p:nvPr>
+        </p:nvSpPr>
+        <p:spPr/>
+        <p:txBody>
+          <a:bodyPr>
+            <a:normAutofit/>
+          </a:bodyPr>
+          <a:lstStyle/>
+          <a:p>
+            <a:endParaRPr lang="en-US"/>
+          </a:p>
+        </p:txBody>
+      </p:sp>
+    </p:spTree>
+    <p:extLst>
+      <p:ext uri="{BB962C8B-B14F-4D97-AF65-F5344CB8AC3E}">
+        <p14:creationId xmlns:p14="http://schemas.microsoft.com/office/powerpoint/2010/main" val="2544264309"/>
+      </p:ext>
+    </p:extLst>
+  </p:cSld>
+  <p:clrMapOvr>
+    <a:masterClrMapping/>
+  </p:clrMapOvr>
+</p:notes>
+</file>
+
 <file path=ppt/notesSlides/notesSlide2.xml><?xml version="1.0" encoding="utf-8"?>
 <p:notes xmlns:a="http://schemas.openxmlformats.org/drawingml/2006/main" xmlns:r="http://schemas.openxmlformats.org/officeDocument/2006/relationships" xmlns:p="http://schemas.openxmlformats.org/presentationml/2006/main">
   <p:cSld>
@@ -1260,143 +1588,10 @@
         </p:nvSpPr>
         <p:spPr/>
         <p:txBody>
-          <a:bodyPr>
-            <a:normAutofit lnSpcReduction="10000"/>
-          </a:bodyPr>
+          <a:bodyPr/>
           <a:lstStyle/>
           <a:p>
-            <a:r>
-              <a:rPr lang="en-US" dirty="0"/>
-              <a:t>How labels &amp; selectors work here:</a:t>
-            </a:r>
-          </a:p>
-          <a:p>
-            <a:pPr marL="285750" indent="-285750">
-              <a:buFontTx/>
-              <a:buChar char="-"/>
-            </a:pPr>
-            <a:r>
-              <a:rPr lang="en-US" dirty="0"/>
-              <a:t>Names of pods can change</a:t>
-            </a:r>
-          </a:p>
-          <a:p>
-            <a:pPr marL="285750" indent="-285750">
-              <a:buFontTx/>
-              <a:buChar char="-"/>
-            </a:pPr>
-            <a:r>
-              <a:rPr lang="en-US" dirty="0"/>
-              <a:t>Labels stay</a:t>
-            </a:r>
-            <a:r>
-              <a:rPr lang="en-US" baseline="0" dirty="0"/>
-              <a:t> the same</a:t>
-            </a:r>
-          </a:p>
-          <a:p>
-            <a:pPr marL="285750" indent="-285750">
-              <a:buFontTx/>
-              <a:buChar char="-"/>
-            </a:pPr>
-            <a:r>
-              <a:rPr lang="en-US" baseline="0" dirty="0"/>
-              <a:t>Only with labels pods related to </a:t>
-            </a:r>
-            <a:r>
-              <a:rPr lang="en-US" baseline="0" dirty="0" err="1"/>
-              <a:t>rs</a:t>
-            </a:r>
-            <a:r>
-              <a:rPr lang="en-US" baseline="0" dirty="0"/>
-              <a:t>/deployment can be determined reliably</a:t>
-            </a:r>
-          </a:p>
-          <a:p>
-            <a:pPr marL="285750" indent="-285750">
-              <a:buFontTx/>
-              <a:buChar char="-"/>
-            </a:pPr>
             <a:endParaRPr lang="en-US" dirty="0"/>
-          </a:p>
-          <a:p>
-            <a:r>
-              <a:rPr lang="en-US" dirty="0"/>
-              <a:t>Why deployments?</a:t>
-            </a:r>
-          </a:p>
-          <a:p>
-            <a:r>
-              <a:rPr lang="en-US" dirty="0"/>
-              <a:t>You don’t want to know and manage individual pods. You would like to specify a template and instantiate it as often as you wish. Also you want to manage the group of pods e.g. in terms of docker image used.</a:t>
-            </a:r>
-          </a:p>
-          <a:p>
-            <a:endParaRPr lang="en-US" dirty="0"/>
-          </a:p>
-          <a:p>
-            <a:r>
-              <a:rPr lang="en-US" dirty="0"/>
-              <a:t>The deployment gives you these management capabilities. In it’s resource description (</a:t>
-            </a:r>
-            <a:r>
-              <a:rPr lang="en-US" dirty="0" err="1"/>
-              <a:t>yaml</a:t>
-            </a:r>
-            <a:r>
-              <a:rPr lang="en-US" dirty="0"/>
-              <a:t> file) you specify a pod template, how pods should be labeled and of course a corresponding selector to identify your pods.</a:t>
-            </a:r>
-          </a:p>
-          <a:p>
-            <a:r>
-              <a:rPr lang="en-US" dirty="0"/>
-              <a:t>On cluster level the deployment creates &amp; manages a replica set which then manages the pods. </a:t>
-            </a:r>
-          </a:p>
-          <a:p>
-            <a:r>
-              <a:rPr lang="en-US" dirty="0"/>
-              <a:t>If you update the number of replicas, this will be sent to the </a:t>
-            </a:r>
-            <a:r>
-              <a:rPr lang="en-US" dirty="0" err="1"/>
-              <a:t>replicaSet</a:t>
-            </a:r>
-            <a:r>
-              <a:rPr lang="en-US" dirty="0"/>
-              <a:t> and the desired state is enforced via the </a:t>
-            </a:r>
-            <a:r>
-              <a:rPr lang="en-US" dirty="0" err="1"/>
-              <a:t>replicaSet</a:t>
-            </a:r>
-            <a:r>
-              <a:rPr lang="en-US" dirty="0"/>
-              <a:t>. </a:t>
-            </a:r>
-          </a:p>
-          <a:p>
-            <a:r>
-              <a:rPr lang="en-US" dirty="0"/>
-              <a:t>Upon update of the image, a new </a:t>
-            </a:r>
-            <a:r>
-              <a:rPr lang="en-US" dirty="0" err="1"/>
-              <a:t>replicaSet</a:t>
-            </a:r>
-            <a:r>
-              <a:rPr lang="en-US" dirty="0"/>
-              <a:t> will be created and the old one will be set to replica=0. This way you can roll-back to your old </a:t>
-            </a:r>
-            <a:r>
-              <a:rPr lang="en-US" dirty="0" err="1"/>
-              <a:t>replicaSet</a:t>
-            </a:r>
-            <a:r>
-              <a:rPr lang="en-US" dirty="0"/>
-              <a:t> (by scaling it up again). </a:t>
-            </a:r>
           </a:p>
         </p:txBody>
       </p:sp>
@@ -1418,7 +1613,7 @@
             <a:fld id="{7D8C2C35-2B8A-446E-BEC0-FD36716C29AC}" type="slidenum">
               <a:rPr lang="de-DE" smtClean="0"/>
               <a:pPr/>
-              <a:t>8</a:t>
+              <a:t>6</a:t>
             </a:fld>
             <a:endParaRPr lang="de-DE" dirty="0"/>
           </a:p>
@@ -1427,7 +1622,7 @@
     </p:spTree>
     <p:extLst>
       <p:ext uri="{BB962C8B-B14F-4D97-AF65-F5344CB8AC3E}">
-        <p14:creationId xmlns:p14="http://schemas.microsoft.com/office/powerpoint/2010/main" val="2647646029"/>
+        <p14:creationId xmlns:p14="http://schemas.microsoft.com/office/powerpoint/2010/main" val="3699306422"/>
       </p:ext>
     </p:extLst>
   </p:cSld>
@@ -1456,6 +1651,37 @@
       </p:grpSpPr>
       <p:sp>
         <p:nvSpPr>
+          <p:cNvPr id="2" name="Slide Image Placeholder 1"/>
+          <p:cNvSpPr>
+            <a:spLocks noGrp="1" noRot="1" noChangeAspect="1"/>
+          </p:cNvSpPr>
+          <p:nvPr>
+            <p:ph type="sldImg"/>
+          </p:nvPr>
+        </p:nvSpPr>
+        <p:spPr/>
+      </p:sp>
+      <p:sp>
+        <p:nvSpPr>
+          <p:cNvPr id="3" name="Notes Placeholder 2"/>
+          <p:cNvSpPr>
+            <a:spLocks noGrp="1"/>
+          </p:cNvSpPr>
+          <p:nvPr>
+            <p:ph type="body" idx="1"/>
+          </p:nvPr>
+        </p:nvSpPr>
+        <p:spPr/>
+        <p:txBody>
+          <a:bodyPr/>
+          <a:lstStyle/>
+          <a:p>
+            <a:endParaRPr lang="en-US" dirty="0"/>
+          </a:p>
+        </p:txBody>
+      </p:sp>
+      <p:sp>
+        <p:nvSpPr>
           <p:cNvPr id="4" name="Slide Number Placeholder 3"/>
           <p:cNvSpPr>
             <a:spLocks noGrp="1"/>
@@ -1472,57 +1698,16 @@
             <a:fld id="{7D8C2C35-2B8A-446E-BEC0-FD36716C29AC}" type="slidenum">
               <a:rPr lang="de-DE" smtClean="0"/>
               <a:pPr/>
-              <a:t>9</a:t>
+              <a:t>7</a:t>
             </a:fld>
             <a:endParaRPr lang="de-DE" dirty="0"/>
-          </a:p>
-        </p:txBody>
-      </p:sp>
-      <p:sp>
-        <p:nvSpPr>
-          <p:cNvPr id="9" name="Slide Image Placeholder 8"/>
-          <p:cNvSpPr>
-            <a:spLocks noGrp="1" noRot="1" noChangeAspect="1"/>
-          </p:cNvSpPr>
-          <p:nvPr>
-            <p:ph type="sldImg"/>
-          </p:nvPr>
-        </p:nvSpPr>
-        <p:spPr>
-          <a:xfrm>
-            <a:off x="547688" y="612775"/>
-            <a:ext cx="5762625" cy="3241675"/>
-          </a:xfrm>
-        </p:spPr>
-      </p:sp>
-      <p:sp>
-        <p:nvSpPr>
-          <p:cNvPr id="10" name="Notes Placeholder 9"/>
-          <p:cNvSpPr>
-            <a:spLocks noGrp="1"/>
-          </p:cNvSpPr>
-          <p:nvPr>
-            <p:ph type="body" idx="1"/>
-          </p:nvPr>
-        </p:nvSpPr>
-        <p:spPr/>
-        <p:txBody>
-          <a:bodyPr>
-            <a:normAutofit/>
-          </a:bodyPr>
-          <a:lstStyle/>
-          <a:p>
-            <a:r>
-              <a:rPr lang="en-US" dirty="0"/>
-              <a:t>Labels with red arrows pointing to have to match</a:t>
-            </a:r>
           </a:p>
         </p:txBody>
       </p:sp>
     </p:spTree>
     <p:extLst>
       <p:ext uri="{BB962C8B-B14F-4D97-AF65-F5344CB8AC3E}">
-        <p14:creationId xmlns:p14="http://schemas.microsoft.com/office/powerpoint/2010/main" val="3094605481"/>
+        <p14:creationId xmlns:p14="http://schemas.microsoft.com/office/powerpoint/2010/main" val="301230060"/>
       </p:ext>
     </p:extLst>
   </p:cSld>
@@ -1573,16 +1758,14 @@
         </p:nvSpPr>
         <p:spPr/>
         <p:txBody>
-          <a:bodyPr/>
+          <a:bodyPr>
+            <a:normAutofit lnSpcReduction="10000"/>
+          </a:bodyPr>
           <a:lstStyle/>
           <a:p>
-            <a:pPr marL="0" indent="0">
-              <a:buFontTx/>
-              <a:buNone/>
-            </a:pPr>
-            <a:r>
-              <a:rPr lang="en-US" dirty="0"/>
-              <a:t>Explain deployments in a demo</a:t>
+            <a:r>
+              <a:rPr lang="en-US" dirty="0"/>
+              <a:t>How labels &amp; selectors work here:</a:t>
             </a:r>
           </a:p>
           <a:p>
@@ -1592,15 +1775,7 @@
             </a:pPr>
             <a:r>
               <a:rPr lang="en-US" dirty="0"/>
-              <a:t>Use the “</a:t>
-            </a:r>
-            <a:r>
-              <a:rPr lang="en-US" dirty="0" err="1"/>
-              <a:t>kubectl</a:t>
-            </a:r>
-            <a:r>
-              <a:rPr lang="en-US" dirty="0"/>
-              <a:t> run” command to create a deployment</a:t>
+              <a:t>Names of pods can change</a:t>
             </a:r>
           </a:p>
           <a:p>
@@ -1610,7 +1785,11 @@
             </a:pPr>
             <a:r>
               <a:rPr lang="en-US" dirty="0"/>
-              <a:t>Show the replica set with labels</a:t>
+              <a:t>Labels stay</a:t>
+            </a:r>
+            <a:r>
+              <a:rPr lang="en-US" baseline="0" dirty="0"/>
+              <a:t> the same</a:t>
             </a:r>
           </a:p>
           <a:p>
@@ -1619,82 +1798,16 @@
               <a:buChar char="-"/>
             </a:pPr>
             <a:r>
-              <a:rPr lang="en-US" dirty="0"/>
-              <a:t>Point out that the replica set is a “hidden” component used to manage pods &amp; generations. A user should not interact directly with a replica set</a:t>
-            </a:r>
-          </a:p>
-          <a:p>
-            <a:pPr marL="285750" indent="-285750">
-              <a:buFontTx/>
-              <a:buChar char="-"/>
-            </a:pPr>
-            <a:r>
-              <a:rPr lang="en-US" dirty="0"/>
-              <a:t>Scale up (</a:t>
-            </a:r>
-            <a:r>
-              <a:rPr lang="en-US" dirty="0" err="1"/>
-              <a:t>kubectl</a:t>
-            </a:r>
-            <a:r>
-              <a:rPr lang="en-US" dirty="0"/>
-              <a:t> scale </a:t>
-            </a:r>
-            <a:r>
-              <a:rPr lang="en-US" dirty="0" err="1"/>
-              <a:t>deployment|replicaset</a:t>
-            </a:r>
-            <a:r>
-              <a:rPr lang="en-US" dirty="0"/>
-              <a:t> &lt;name&gt; --replicas=5)</a:t>
-            </a:r>
-          </a:p>
-          <a:p>
-            <a:pPr marL="465750" lvl="1" indent="-285750">
-              <a:buFontTx/>
-              <a:buChar char="-"/>
-            </a:pPr>
-            <a:r>
-              <a:rPr lang="en-US" dirty="0"/>
-              <a:t>Scale up the replica set &amp; show pods -&gt; replica set is managed by deployment and thus overruled. </a:t>
-            </a:r>
-          </a:p>
-          <a:p>
-            <a:pPr marL="465750" lvl="1" indent="-285750">
-              <a:buFontTx/>
-              <a:buChar char="-"/>
-            </a:pPr>
-            <a:r>
-              <a:rPr lang="en-US" dirty="0"/>
-              <a:t>Scale up the deployment</a:t>
-            </a:r>
-          </a:p>
-          <a:p>
-            <a:pPr marL="285750" indent="-285750">
-              <a:buFontTx/>
-              <a:buChar char="-"/>
-            </a:pPr>
-            <a:r>
-              <a:rPr lang="en-US" dirty="0"/>
-              <a:t>Show the pods with labels</a:t>
-            </a:r>
-          </a:p>
-          <a:p>
-            <a:pPr marL="285750" indent="-285750">
-              <a:buFontTx/>
-              <a:buChar char="-"/>
-            </a:pPr>
-            <a:r>
-              <a:rPr lang="en-US" dirty="0"/>
-              <a:t>Delete a pod &amp; in parallel “watch </a:t>
-            </a:r>
-            <a:r>
-              <a:rPr lang="en-US" dirty="0" err="1"/>
-              <a:t>kubectl</a:t>
-            </a:r>
-            <a:r>
-              <a:rPr lang="en-US" dirty="0"/>
-              <a:t> get pods” to monitor the creation/deletion of pods</a:t>
+              <a:rPr lang="en-US" baseline="0" dirty="0"/>
+              <a:t>Only with labels pods related to </a:t>
+            </a:r>
+            <a:r>
+              <a:rPr lang="en-US" baseline="0" dirty="0" err="1"/>
+              <a:t>rs</a:t>
+            </a:r>
+            <a:r>
+              <a:rPr lang="en-US" baseline="0" dirty="0"/>
+              <a:t>/deployment can be determined reliably</a:t>
             </a:r>
           </a:p>
           <a:p>
@@ -1705,13 +1818,24 @@
             <a:endParaRPr lang="en-US" dirty="0"/>
           </a:p>
           <a:p>
-            <a:pPr marL="0" indent="0">
-              <a:buFontTx/>
-              <a:buNone/>
-            </a:pPr>
-            <a:r>
-              <a:rPr lang="en-US" dirty="0"/>
-              <a:t>Don’t forget to mention that a deployment can be created also from </a:t>
+            <a:r>
+              <a:rPr lang="en-US" dirty="0"/>
+              <a:t>Why deployments?</a:t>
+            </a:r>
+          </a:p>
+          <a:p>
+            <a:r>
+              <a:rPr lang="en-US" dirty="0"/>
+              <a:t>You don’t want to know and manage individual pods. You would like to specify a template and instantiate it as often as you wish. Also you want to manage the group of pods e.g. in terms of docker image used.</a:t>
+            </a:r>
+          </a:p>
+          <a:p>
+            <a:endParaRPr lang="en-US" dirty="0"/>
+          </a:p>
+          <a:p>
+            <a:r>
+              <a:rPr lang="en-US" dirty="0"/>
+              <a:t>The deployment gives you these management capabilities. In it’s resource description (</a:t>
             </a:r>
             <a:r>
               <a:rPr lang="en-US" dirty="0" err="1"/>
@@ -1719,15 +1843,58 @@
             </a:r>
             <a:r>
               <a:rPr lang="en-US" dirty="0"/>
-              <a:t> file (with way more options to customize -&gt; like the labels).</a:t>
-            </a:r>
-          </a:p>
-          <a:p>
-            <a:pPr marL="285750" indent="-285750">
-              <a:buFontTx/>
-              <a:buChar char="-"/>
-            </a:pPr>
-            <a:endParaRPr lang="en-US" dirty="0"/>
+              <a:t> file) you specify a pod template, how pods should be labeled and of course a corresponding selector to identify your pods.</a:t>
+            </a:r>
+          </a:p>
+          <a:p>
+            <a:r>
+              <a:rPr lang="en-US" dirty="0"/>
+              <a:t>On cluster level the deployment creates &amp; manages a replica set which then manages the pods. </a:t>
+            </a:r>
+          </a:p>
+          <a:p>
+            <a:r>
+              <a:rPr lang="en-US" dirty="0"/>
+              <a:t>If you update the number of replicas, this will be sent to the </a:t>
+            </a:r>
+            <a:r>
+              <a:rPr lang="en-US" dirty="0" err="1"/>
+              <a:t>replicaSet</a:t>
+            </a:r>
+            <a:r>
+              <a:rPr lang="en-US" dirty="0"/>
+              <a:t> and the desired state is enforced via the </a:t>
+            </a:r>
+            <a:r>
+              <a:rPr lang="en-US" dirty="0" err="1"/>
+              <a:t>replicaSet</a:t>
+            </a:r>
+            <a:r>
+              <a:rPr lang="en-US" dirty="0"/>
+              <a:t>. </a:t>
+            </a:r>
+          </a:p>
+          <a:p>
+            <a:r>
+              <a:rPr lang="en-US" dirty="0"/>
+              <a:t>Upon update of the image, a new </a:t>
+            </a:r>
+            <a:r>
+              <a:rPr lang="en-US" dirty="0" err="1"/>
+              <a:t>replicaSet</a:t>
+            </a:r>
+            <a:r>
+              <a:rPr lang="en-US" dirty="0"/>
+              <a:t> will be created and the old one will be set to replica=0. This way you can roll-back to your old </a:t>
+            </a:r>
+            <a:r>
+              <a:rPr lang="en-US" dirty="0" err="1"/>
+              <a:t>replicaSet</a:t>
+            </a:r>
+            <a:r>
+              <a:rPr lang="en-US" dirty="0"/>
+              <a:t> (by scaling it up again). </a:t>
+            </a:r>
           </a:p>
         </p:txBody>
       </p:sp>
@@ -1749,7 +1916,7 @@
             <a:fld id="{7D8C2C35-2B8A-446E-BEC0-FD36716C29AC}" type="slidenum">
               <a:rPr lang="de-DE" smtClean="0"/>
               <a:pPr/>
-              <a:t>10</a:t>
+              <a:t>8</a:t>
             </a:fld>
             <a:endParaRPr lang="de-DE" dirty="0"/>
           </a:p>
@@ -1758,7 +1925,7 @@
     </p:spTree>
     <p:extLst>
       <p:ext uri="{BB962C8B-B14F-4D97-AF65-F5344CB8AC3E}">
-        <p14:creationId xmlns:p14="http://schemas.microsoft.com/office/powerpoint/2010/main" val="3805946316"/>
+        <p14:creationId xmlns:p14="http://schemas.microsoft.com/office/powerpoint/2010/main" val="2647646029"/>
       </p:ext>
     </p:extLst>
   </p:cSld>
@@ -1803,7 +1970,7 @@
             <a:fld id="{7D8C2C35-2B8A-446E-BEC0-FD36716C29AC}" type="slidenum">
               <a:rPr lang="de-DE" smtClean="0"/>
               <a:pPr/>
-              <a:t>12</a:t>
+              <a:t>9</a:t>
             </a:fld>
             <a:endParaRPr lang="de-DE" dirty="0"/>
           </a:p>
@@ -1811,7 +1978,7 @@
       </p:sp>
       <p:sp>
         <p:nvSpPr>
-          <p:cNvPr id="6" name="Slide Image Placeholder 5"/>
+          <p:cNvPr id="9" name="Slide Image Placeholder 8"/>
           <p:cNvSpPr>
             <a:spLocks noGrp="1" noRot="1" noChangeAspect="1"/>
           </p:cNvSpPr>
@@ -1828,7 +1995,7 @@
       </p:sp>
       <p:sp>
         <p:nvSpPr>
-          <p:cNvPr id="7" name="Notes Placeholder 6"/>
+          <p:cNvPr id="10" name="Notes Placeholder 9"/>
           <p:cNvSpPr>
             <a:spLocks noGrp="1"/>
           </p:cNvSpPr>
@@ -1843,14 +2010,17 @@
           </a:bodyPr>
           <a:lstStyle/>
           <a:p>
-            <a:endParaRPr lang="en-US"/>
+            <a:r>
+              <a:rPr lang="en-US" dirty="0"/>
+              <a:t>Labels with red arrows pointing to have to match</a:t>
+            </a:r>
           </a:p>
         </p:txBody>
       </p:sp>
     </p:spTree>
     <p:extLst>
       <p:ext uri="{BB962C8B-B14F-4D97-AF65-F5344CB8AC3E}">
-        <p14:creationId xmlns:p14="http://schemas.microsoft.com/office/powerpoint/2010/main" val="2544264309"/>
+        <p14:creationId xmlns:p14="http://schemas.microsoft.com/office/powerpoint/2010/main" val="3094605481"/>
       </p:ext>
     </p:extLst>
   </p:cSld>
@@ -4075,14 +4245,6 @@
 <file path=ppt/slideLayouts/slideLayout15.xml><?xml version="1.0" encoding="utf-8"?>
 <p:sldLayout xmlns:a="http://schemas.openxmlformats.org/drawingml/2006/main" xmlns:r="http://schemas.openxmlformats.org/officeDocument/2006/relationships" xmlns:p="http://schemas.openxmlformats.org/presentationml/2006/main" preserve="1" userDrawn="1">
   <p:cSld name="Quote">
-    <p:bg>
-      <p:bgPr>
-        <a:solidFill>
-          <a:schemeClr val="bg1"/>
-        </a:solidFill>
-        <a:effectLst/>
-      </p:bgPr>
-    </p:bg>
     <p:spTree>
       <p:nvGrpSpPr>
         <p:cNvPr id="1" name=""/>
@@ -9044,7 +9206,7 @@
       </p:ext>
     </p:extLst>
   </p:cSld>
-  <p:clrMap bg1="dk1" tx1="lt1" bg2="dk2" tx2="lt2" accent1="accent1" accent2="accent2" accent3="accent3" accent4="accent4" accent5="accent5" accent6="accent6" hlink="hlink" folHlink="folHlink"/>
+  <p:clrMap bg1="lt1" tx1="dk1" bg2="lt2" tx2="dk2" accent1="accent1" accent2="accent2" accent3="accent3" accent4="accent4" accent5="accent5" accent6="accent6" hlink="hlink" folHlink="folHlink"/>
   <p:sldLayoutIdLst>
     <p:sldLayoutId id="2147483772" r:id="rId1"/>
     <p:sldLayoutId id="2147483776" r:id="rId2"/>
@@ -9404,25 +9566,6 @@
       </p:sp>
       <p:pic>
         <p:nvPicPr>
-          <p:cNvPr id="3" name="Picture Placeholder 2"/>
-          <p:cNvPicPr>
-            <a:picLocks noGrp="1" noChangeAspect="1"/>
-          </p:cNvPicPr>
-          <p:nvPr>
-            <p:ph type="pic" sz="quarter" idx="12"/>
-          </p:nvPr>
-        </p:nvPicPr>
-        <p:blipFill>
-          <a:blip r:embed="rId3"/>
-          <a:srcRect t="3112" b="3112"/>
-          <a:stretch>
-            <a:fillRect/>
-          </a:stretch>
-        </p:blipFill>
-        <p:spPr/>
-      </p:pic>
-      <p:pic>
-        <p:nvPicPr>
           <p:cNvPr id="4" name="Picture 3" descr="cid:image003.png@01D31CC6.A08B1C50">
             <a:extLst>
               <a:ext uri="{FF2B5EF4-FFF2-40B4-BE49-F238E27FC236}">
@@ -9436,7 +9579,7 @@
           <p:nvPr/>
         </p:nvPicPr>
         <p:blipFill>
-          <a:blip r:embed="rId4">
+          <a:blip r:embed="rId3">
             <a:extLst>
               <a:ext uri="{28A0092B-C50C-407E-A947-70E740481C1C}">
                 <a14:useLocalDpi xmlns:a14="http://schemas.microsoft.com/office/drawing/2010/main" val="0"/>
@@ -9479,6 +9622,36 @@
               </a14:hiddenLine>
             </a:ext>
           </a:extLst>
+        </p:spPr>
+      </p:pic>
+      <p:pic>
+        <p:nvPicPr>
+          <p:cNvPr id="7" name="Illustration" descr="Example of an illustration" title="Illustration for title slide">
+            <a:extLst>
+              <a:ext uri="{FF2B5EF4-FFF2-40B4-BE49-F238E27FC236}">
+                <a16:creationId xmlns:a16="http://schemas.microsoft.com/office/drawing/2014/main" id="{D24C773A-B80D-4ACD-8E88-83D16CDAEBC9}"/>
+              </a:ext>
+            </a:extLst>
+          </p:cNvPr>
+          <p:cNvPicPr>
+            <a:picLocks noGrp="1" noChangeAspect="1"/>
+          </p:cNvPicPr>
+          <p:nvPr>
+            <p:ph type="pic" sz="quarter" idx="12"/>
+          </p:nvPr>
+        </p:nvPicPr>
+        <p:blipFill>
+          <a:blip r:embed="rId4"/>
+          <a:srcRect t="3112" b="3112"/>
+          <a:stretch>
+            <a:fillRect/>
+          </a:stretch>
+        </p:blipFill>
+        <p:spPr bwMode="gray">
+          <a:xfrm>
+            <a:off x="1" y="0"/>
+            <a:ext cx="12195174" cy="3430006"/>
+          </a:xfrm>
         </p:spPr>
       </p:pic>
     </p:spTree>
@@ -9535,10 +9708,10 @@
       </p:sp>
       <p:pic>
         <p:nvPicPr>
-          <p:cNvPr id="4" name="Picture 3">
+          <p:cNvPr id="5" name="Picture 4">
             <a:extLst>
               <a:ext uri="{FF2B5EF4-FFF2-40B4-BE49-F238E27FC236}">
-                <a16:creationId xmlns:a16="http://schemas.microsoft.com/office/drawing/2014/main" id="{667C7630-D1BA-44ED-BD0C-E0F24DE56B91}"/>
+                <a16:creationId xmlns:a16="http://schemas.microsoft.com/office/drawing/2014/main" id="{5B3BEF34-58E3-4509-95B9-E61C9AF3161E}"/>
               </a:ext>
             </a:extLst>
           </p:cNvPr>
@@ -9555,8 +9728,8 @@
         </p:blipFill>
         <p:spPr>
           <a:xfrm>
-            <a:off x="3849419" y="1181180"/>
-            <a:ext cx="4495640" cy="4495640"/>
+            <a:off x="3645157" y="976918"/>
+            <a:ext cx="4904163" cy="4904163"/>
           </a:xfrm>
           <a:prstGeom prst="rect">
             <a:avLst/>
@@ -10395,6 +10568,88 @@
           </a:p>
         </p:txBody>
       </p:sp>
+      <p:sp>
+        <p:nvSpPr>
+          <p:cNvPr id="19" name="Speech Bubble: Rectangle 18">
+            <a:extLst>
+              <a:ext uri="{FF2B5EF4-FFF2-40B4-BE49-F238E27FC236}">
+                <a16:creationId xmlns:a16="http://schemas.microsoft.com/office/drawing/2014/main" id="{AAA8C7F8-E5A3-49DE-AE4F-902A3DF77D4D}"/>
+              </a:ext>
+            </a:extLst>
+          </p:cNvPr>
+          <p:cNvSpPr/>
+          <p:nvPr/>
+        </p:nvSpPr>
+        <p:spPr bwMode="gray">
+          <a:xfrm>
+            <a:off x="504001" y="1453214"/>
+            <a:ext cx="2535294" cy="915844"/>
+          </a:xfrm>
+          <a:prstGeom prst="wedgeRectCallout">
+            <a:avLst>
+              <a:gd name="adj1" fmla="val 52573"/>
+              <a:gd name="adj2" fmla="val 127785"/>
+            </a:avLst>
+          </a:prstGeom>
+          <a:ln>
+            <a:headEnd/>
+            <a:tailEnd/>
+          </a:ln>
+        </p:spPr>
+        <p:style>
+          <a:lnRef idx="2">
+            <a:schemeClr val="accent5"/>
+          </a:lnRef>
+          <a:fillRef idx="1">
+            <a:schemeClr val="lt1"/>
+          </a:fillRef>
+          <a:effectRef idx="0">
+            <a:schemeClr val="accent5"/>
+          </a:effectRef>
+          <a:fontRef idx="minor">
+            <a:schemeClr val="dk1"/>
+          </a:fontRef>
+        </p:style>
+        <p:txBody>
+          <a:bodyPr lIns="90000" tIns="72000" rIns="90000" bIns="72000" rtlCol="0" anchor="ctr"/>
+          <a:lstStyle/>
+          <a:p>
+            <a:pPr marR="0" algn="ctr" defTabSz="914400" eaLnBrk="1" fontAlgn="base" latinLnBrk="0" hangingPunct="1">
+              <a:lnSpc>
+                <a:spcPct val="100000"/>
+              </a:lnSpc>
+              <a:spcBef>
+                <a:spcPct val="50000"/>
+              </a:spcBef>
+              <a:spcAft>
+                <a:spcPct val="0"/>
+              </a:spcAft>
+              <a:buClr>
+                <a:srgbClr val="F0AB00"/>
+              </a:buClr>
+              <a:buSzPct val="80000"/>
+              <a:tabLst/>
+            </a:pPr>
+            <a:r>
+              <a:rPr lang="en-US" sz="1800" kern="0" dirty="0">
+                <a:ea typeface="Arial Unicode MS" pitchFamily="34" charset="-128"/>
+                <a:cs typeface="Arial Unicode MS" pitchFamily="34" charset="-128"/>
+              </a:rPr>
+              <a:t>Create a deployment to manage multiple instances</a:t>
+            </a:r>
+            <a:endParaRPr kumimoji="0" lang="en-US" sz="1800" b="0" i="0" u="none" strike="noStrike" kern="0" cap="none" spc="0" normalizeH="0" baseline="0" noProof="0" dirty="0" err="1">
+              <a:ln>
+                <a:noFill/>
+              </a:ln>
+              <a:effectLst/>
+              <a:uLnTx/>
+              <a:uFillTx/>
+              <a:ea typeface="Arial Unicode MS" pitchFamily="34" charset="-128"/>
+              <a:cs typeface="Arial Unicode MS" pitchFamily="34" charset="-128"/>
+            </a:endParaRPr>
+          </a:p>
+        </p:txBody>
+      </p:sp>
     </p:spTree>
     <p:extLst>
       <p:ext uri="{BB962C8B-B14F-4D97-AF65-F5344CB8AC3E}">
@@ -11217,6 +11472,9 @@
           <a:prstGeom prst="rect">
             <a:avLst/>
           </a:prstGeom>
+          <a:solidFill>
+            <a:schemeClr val="tx2"/>
+          </a:solidFill>
           <a:ln>
             <a:headEnd/>
             <a:tailEnd/>
@@ -11260,6 +11518,9 @@
             </a:pPr>
             <a:r>
               <a:rPr lang="de-DE" sz="1600" b="1" kern="0" noProof="0" dirty="0" err="1">
+                <a:solidFill>
+                  <a:sysClr val="windowText" lastClr="000000"/>
+                </a:solidFill>
                 <a:ea typeface="Arial Unicode MS" pitchFamily="34" charset="-128"/>
                 <a:cs typeface="Arial Unicode MS" pitchFamily="34" charset="-128"/>
               </a:rPr>
@@ -11267,6 +11528,9 @@
             </a:r>
             <a:r>
               <a:rPr lang="de-DE" sz="1600" b="1" kern="0" noProof="0" dirty="0">
+                <a:solidFill>
+                  <a:sysClr val="windowText" lastClr="000000"/>
+                </a:solidFill>
                 <a:ea typeface="Arial Unicode MS" pitchFamily="34" charset="-128"/>
                 <a:cs typeface="Arial Unicode MS" pitchFamily="34" charset="-128"/>
               </a:rPr>
@@ -11276,6 +11540,9 @@
               <a:ln>
                 <a:noFill/>
               </a:ln>
+              <a:solidFill>
+                <a:sysClr val="windowText" lastClr="000000"/>
+              </a:solidFill>
               <a:effectLst/>
               <a:uLnTx/>
               <a:uFillTx/>
@@ -11375,6 +11642,9 @@
           <a:prstGeom prst="rect">
             <a:avLst/>
           </a:prstGeom>
+          <a:solidFill>
+            <a:schemeClr val="tx2"/>
+          </a:solidFill>
           <a:ln>
             <a:headEnd/>
             <a:tailEnd/>
@@ -11418,6 +11688,9 @@
             </a:pPr>
             <a:r>
               <a:rPr lang="de-DE" sz="1600" b="1" kern="0" noProof="0" dirty="0" err="1">
+                <a:solidFill>
+                  <a:sysClr val="windowText" lastClr="000000"/>
+                </a:solidFill>
                 <a:ea typeface="Arial Unicode MS" pitchFamily="34" charset="-128"/>
                 <a:cs typeface="Arial Unicode MS" pitchFamily="34" charset="-128"/>
               </a:rPr>
@@ -11425,6 +11698,9 @@
             </a:r>
             <a:r>
               <a:rPr lang="de-DE" sz="1600" b="1" kern="0" noProof="0" dirty="0">
+                <a:solidFill>
+                  <a:sysClr val="windowText" lastClr="000000"/>
+                </a:solidFill>
                 <a:ea typeface="Arial Unicode MS" pitchFamily="34" charset="-128"/>
                 <a:cs typeface="Arial Unicode MS" pitchFamily="34" charset="-128"/>
               </a:rPr>
@@ -11434,6 +11710,9 @@
               <a:ln>
                 <a:noFill/>
               </a:ln>
+              <a:solidFill>
+                <a:sysClr val="windowText" lastClr="000000"/>
+              </a:solidFill>
               <a:effectLst/>
               <a:uLnTx/>
               <a:uFillTx/>
@@ -11609,6 +11888,9 @@
           <a:prstGeom prst="rect">
             <a:avLst/>
           </a:prstGeom>
+          <a:solidFill>
+            <a:schemeClr val="tx2"/>
+          </a:solidFill>
           <a:ln>
             <a:headEnd/>
             <a:tailEnd/>
@@ -11652,6 +11934,9 @@
             </a:pPr>
             <a:r>
               <a:rPr lang="de-DE" sz="1600" b="1" kern="0" dirty="0" err="1">
+                <a:solidFill>
+                  <a:sysClr val="windowText" lastClr="000000"/>
+                </a:solidFill>
                 <a:ea typeface="Arial Unicode MS" pitchFamily="34" charset="-128"/>
                 <a:cs typeface="Arial Unicode MS" pitchFamily="34" charset="-128"/>
               </a:rPr>
@@ -11659,6 +11944,9 @@
             </a:r>
             <a:r>
               <a:rPr lang="de-DE" sz="1600" b="1" kern="0" noProof="0" dirty="0">
+                <a:solidFill>
+                  <a:sysClr val="windowText" lastClr="000000"/>
+                </a:solidFill>
                 <a:ea typeface="Arial Unicode MS" pitchFamily="34" charset="-128"/>
                 <a:cs typeface="Arial Unicode MS" pitchFamily="34" charset="-128"/>
               </a:rPr>
@@ -11668,6 +11956,9 @@
               <a:ln>
                 <a:noFill/>
               </a:ln>
+              <a:solidFill>
+                <a:sysClr val="windowText" lastClr="000000"/>
+              </a:solidFill>
               <a:effectLst/>
               <a:uLnTx/>
               <a:uFillTx/>
@@ -12443,10 +12734,10 @@
       </p:sp>
       <p:pic>
         <p:nvPicPr>
-          <p:cNvPr id="4" name="Picture 3">
+          <p:cNvPr id="5" name="Picture 4">
             <a:extLst>
               <a:ext uri="{FF2B5EF4-FFF2-40B4-BE49-F238E27FC236}">
-                <a16:creationId xmlns:a16="http://schemas.microsoft.com/office/drawing/2014/main" id="{667C7630-D1BA-44ED-BD0C-E0F24DE56B91}"/>
+                <a16:creationId xmlns:a16="http://schemas.microsoft.com/office/drawing/2014/main" id="{18579055-10A1-480D-BCD2-CB0396843399}"/>
               </a:ext>
             </a:extLst>
           </p:cNvPr>
@@ -12463,8 +12754,8 @@
         </p:blipFill>
         <p:spPr>
           <a:xfrm>
-            <a:off x="3849419" y="1181180"/>
-            <a:ext cx="4495640" cy="4495640"/>
+            <a:off x="3645157" y="976918"/>
+            <a:ext cx="4904163" cy="4904163"/>
           </a:xfrm>
           <a:prstGeom prst="rect">
             <a:avLst/>
@@ -12544,7 +12835,7 @@
           <p:nvPr/>
         </p:nvPicPr>
         <p:blipFill>
-          <a:blip r:embed="rId2">
+          <a:blip r:embed="rId3">
             <a:extLst>
               <a:ext uri="{28A0092B-C50C-407E-A947-70E740481C1C}">
                 <a14:useLocalDpi xmlns:a14="http://schemas.microsoft.com/office/drawing/2010/main" val="0"/>
@@ -12591,7 +12882,7 @@
           <p:nvPr/>
         </p:nvPicPr>
         <p:blipFill>
-          <a:blip r:embed="rId2">
+          <a:blip r:embed="rId3">
             <a:extLst>
               <a:ext uri="{28A0092B-C50C-407E-A947-70E740481C1C}">
                 <a14:useLocalDpi xmlns:a14="http://schemas.microsoft.com/office/drawing/2010/main" val="0"/>
@@ -12638,7 +12929,7 @@
           <p:nvPr/>
         </p:nvPicPr>
         <p:blipFill>
-          <a:blip r:embed="rId2">
+          <a:blip r:embed="rId3">
             <a:extLst>
               <a:ext uri="{28A0092B-C50C-407E-A947-70E740481C1C}">
                 <a14:useLocalDpi xmlns:a14="http://schemas.microsoft.com/office/drawing/2010/main" val="0"/>
@@ -12750,53 +13041,6 @@
       </p:sp>
       <p:pic>
         <p:nvPicPr>
-          <p:cNvPr id="1030" name="Picture 6" descr="Related image">
-            <a:extLst>
-              <a:ext uri="{FF2B5EF4-FFF2-40B4-BE49-F238E27FC236}">
-                <a16:creationId xmlns:a16="http://schemas.microsoft.com/office/drawing/2014/main" id="{762912E1-B568-437B-B0EB-D0D416999E23}"/>
-              </a:ext>
-            </a:extLst>
-          </p:cNvPr>
-          <p:cNvPicPr>
-            <a:picLocks noChangeAspect="1" noChangeArrowheads="1"/>
-          </p:cNvPicPr>
-          <p:nvPr/>
-        </p:nvPicPr>
-        <p:blipFill>
-          <a:blip r:embed="rId3">
-            <a:extLst>
-              <a:ext uri="{28A0092B-C50C-407E-A947-70E740481C1C}">
-                <a14:useLocalDpi xmlns:a14="http://schemas.microsoft.com/office/drawing/2010/main" val="0"/>
-              </a:ext>
-            </a:extLst>
-          </a:blip>
-          <a:srcRect/>
-          <a:stretch>
-            <a:fillRect/>
-          </a:stretch>
-        </p:blipFill>
-        <p:spPr bwMode="auto">
-          <a:xfrm rot="10800000">
-            <a:off x="4881849" y="3047691"/>
-            <a:ext cx="1365951" cy="1451323"/>
-          </a:xfrm>
-          <a:prstGeom prst="rect">
-            <a:avLst/>
-          </a:prstGeom>
-          <a:noFill/>
-          <a:extLst>
-            <a:ext uri="{909E8E84-426E-40DD-AFC4-6F175D3DCCD1}">
-              <a14:hiddenFill xmlns:a14="http://schemas.microsoft.com/office/drawing/2010/main">
-                <a:solidFill>
-                  <a:srgbClr val="FFFFFF"/>
-                </a:solidFill>
-              </a14:hiddenFill>
-            </a:ext>
-          </a:extLst>
-        </p:spPr>
-      </p:pic>
-      <p:pic>
-        <p:nvPicPr>
           <p:cNvPr id="1032" name="Picture 8" descr="Related image">
             <a:extLst>
               <a:ext uri="{FF2B5EF4-FFF2-40B4-BE49-F238E27FC236}">
@@ -12824,22 +13068,38 @@
         </p:blipFill>
         <p:spPr bwMode="auto">
           <a:xfrm>
-            <a:off x="4240850" y="845498"/>
+            <a:off x="4240850" y="759773"/>
             <a:ext cx="2647950" cy="2143125"/>
           </a:xfrm>
           <a:prstGeom prst="rect">
             <a:avLst/>
           </a:prstGeom>
-          <a:noFill/>
-          <a:extLst>
-            <a:ext uri="{909E8E84-426E-40DD-AFC4-6F175D3DCCD1}">
-              <a14:hiddenFill xmlns:a14="http://schemas.microsoft.com/office/drawing/2010/main">
-                <a:solidFill>
-                  <a:srgbClr val="FFFFFF"/>
-                </a:solidFill>
-              </a14:hiddenFill>
-            </a:ext>
-          </a:extLst>
+          <a:gradFill>
+            <a:gsLst>
+              <a:gs pos="0">
+                <a:schemeClr val="accent3">
+                  <a:lumMod val="20000"/>
+                  <a:lumOff val="80000"/>
+                </a:schemeClr>
+              </a:gs>
+              <a:gs pos="50000">
+                <a:schemeClr val="accent3">
+                  <a:lumMod val="20000"/>
+                  <a:lumOff val="80000"/>
+                </a:schemeClr>
+              </a:gs>
+              <a:gs pos="100000">
+                <a:schemeClr val="bg1"/>
+              </a:gs>
+            </a:gsLst>
+            <a:lin ang="5400000" scaled="1"/>
+          </a:gradFill>
+          <a:ln>
+            <a:solidFill>
+              <a:schemeClr val="tx1"/>
+            </a:solidFill>
+          </a:ln>
+          <a:extLst/>
         </p:spPr>
       </p:pic>
       <p:sp>
@@ -13137,145 +13397,6 @@
       </p:sp>
       <p:sp>
         <p:nvSpPr>
-          <p:cNvPr id="23" name="Rectangle 22">
-            <a:extLst>
-              <a:ext uri="{FF2B5EF4-FFF2-40B4-BE49-F238E27FC236}">
-                <a16:creationId xmlns:a16="http://schemas.microsoft.com/office/drawing/2014/main" id="{94DCD3A2-04F9-4ED8-8D59-B92D55221180}"/>
-              </a:ext>
-            </a:extLst>
-          </p:cNvPr>
-          <p:cNvSpPr/>
-          <p:nvPr/>
-        </p:nvSpPr>
-        <p:spPr bwMode="gray">
-          <a:xfrm>
-            <a:off x="609933" y="4667123"/>
-            <a:ext cx="2723817" cy="985220"/>
-          </a:xfrm>
-          <a:prstGeom prst="rect">
-            <a:avLst/>
-          </a:prstGeom>
-          <a:ln>
-            <a:headEnd/>
-            <a:tailEnd/>
-          </a:ln>
-        </p:spPr>
-        <p:style>
-          <a:lnRef idx="2">
-            <a:schemeClr val="accent2"/>
-          </a:lnRef>
-          <a:fillRef idx="1">
-            <a:schemeClr val="lt1"/>
-          </a:fillRef>
-          <a:effectRef idx="0">
-            <a:schemeClr val="accent2"/>
-          </a:effectRef>
-          <a:fontRef idx="minor">
-            <a:schemeClr val="dk1"/>
-          </a:fontRef>
-        </p:style>
-        <p:txBody>
-          <a:bodyPr lIns="90000" tIns="72000" rIns="90000" bIns="72000" rtlCol="0" anchor="ctr"/>
-          <a:lstStyle/>
-          <a:p>
-            <a:pPr marR="0" algn="ctr" defTabSz="914400" eaLnBrk="1" fontAlgn="base" latinLnBrk="0" hangingPunct="1">
-              <a:lnSpc>
-                <a:spcPct val="100000"/>
-              </a:lnSpc>
-              <a:spcBef>
-                <a:spcPct val="50000"/>
-              </a:spcBef>
-              <a:spcAft>
-                <a:spcPct val="0"/>
-              </a:spcAft>
-              <a:buClr>
-                <a:srgbClr val="F0AB00"/>
-              </a:buClr>
-              <a:buSzPct val="80000"/>
-              <a:tabLst/>
-            </a:pPr>
-            <a:r>
-              <a:rPr lang="de-DE" sz="1800" kern="0" dirty="0" err="1">
-                <a:ea typeface="Arial Unicode MS" pitchFamily="34" charset="-128"/>
-                <a:cs typeface="Arial Unicode MS" pitchFamily="34" charset="-128"/>
-              </a:rPr>
-              <a:t>species</a:t>
-            </a:r>
-            <a:r>
-              <a:rPr lang="de-DE" sz="1800" kern="0" dirty="0">
-                <a:ea typeface="Arial Unicode MS" pitchFamily="34" charset="-128"/>
-                <a:cs typeface="Arial Unicode MS" pitchFamily="34" charset="-128"/>
-              </a:rPr>
-              <a:t>=</a:t>
-            </a:r>
-            <a:r>
-              <a:rPr lang="de-DE" sz="1800" kern="0" dirty="0" err="1">
-                <a:ea typeface="Arial Unicode MS" pitchFamily="34" charset="-128"/>
-                <a:cs typeface="Arial Unicode MS" pitchFamily="34" charset="-128"/>
-              </a:rPr>
-              <a:t>koopa</a:t>
-            </a:r>
-            <a:r>
-              <a:rPr lang="de-DE" sz="1800" kern="0" dirty="0">
-                <a:ea typeface="Arial Unicode MS" pitchFamily="34" charset="-128"/>
-                <a:cs typeface="Arial Unicode MS" pitchFamily="34" charset="-128"/>
-              </a:rPr>
-              <a:t> </a:t>
-            </a:r>
-            <a:r>
-              <a:rPr kumimoji="0" lang="de-DE" sz="1800" b="0" i="0" u="none" strike="noStrike" kern="0" cap="none" spc="0" normalizeH="0" baseline="0" noProof="0" dirty="0" err="1">
-                <a:ln>
-                  <a:noFill/>
-                </a:ln>
-                <a:effectLst/>
-                <a:uLnTx/>
-                <a:uFillTx/>
-                <a:ea typeface="Arial Unicode MS" pitchFamily="34" charset="-128"/>
-                <a:cs typeface="Arial Unicode MS" pitchFamily="34" charset="-128"/>
-              </a:rPr>
-              <a:t>generation</a:t>
-            </a:r>
-            <a:r>
-              <a:rPr kumimoji="0" lang="de-DE" sz="1800" b="0" i="0" u="none" strike="noStrike" kern="0" cap="none" spc="0" normalizeH="0" baseline="0" noProof="0" dirty="0">
-                <a:ln>
-                  <a:noFill/>
-                </a:ln>
-                <a:effectLst/>
-                <a:uLnTx/>
-                <a:uFillTx/>
-                <a:ea typeface="Arial Unicode MS" pitchFamily="34" charset="-128"/>
-                <a:cs typeface="Arial Unicode MS" pitchFamily="34" charset="-128"/>
-              </a:rPr>
-              <a:t>=</a:t>
-            </a:r>
-            <a:r>
-              <a:rPr kumimoji="0" lang="de-DE" sz="1800" b="0" i="0" u="none" strike="noStrike" kern="0" cap="none" spc="0" normalizeH="0" baseline="0" noProof="0" dirty="0" err="1">
-                <a:ln>
-                  <a:noFill/>
-                </a:ln>
-                <a:effectLst/>
-                <a:uLnTx/>
-                <a:uFillTx/>
-                <a:ea typeface="Arial Unicode MS" pitchFamily="34" charset="-128"/>
-                <a:cs typeface="Arial Unicode MS" pitchFamily="34" charset="-128"/>
-              </a:rPr>
-              <a:t>green-shell</a:t>
-            </a:r>
-            <a:endParaRPr kumimoji="0" lang="de-DE" sz="1800" b="0" i="0" u="none" strike="noStrike" kern="0" cap="none" spc="0" normalizeH="0" baseline="0" noProof="0" dirty="0">
-              <a:ln>
-                <a:noFill/>
-              </a:ln>
-              <a:effectLst/>
-              <a:uLnTx/>
-              <a:uFillTx/>
-              <a:ea typeface="Arial Unicode MS" pitchFamily="34" charset="-128"/>
-              <a:cs typeface="Arial Unicode MS" pitchFamily="34" charset="-128"/>
-            </a:endParaRPr>
-          </a:p>
-        </p:txBody>
-      </p:sp>
-      <p:sp>
-        <p:nvSpPr>
           <p:cNvPr id="24" name="Flowchart: Document 23">
             <a:extLst>
               <a:ext uri="{FF2B5EF4-FFF2-40B4-BE49-F238E27FC236}">
@@ -13339,6 +13460,242 @@
           </a:p>
         </p:txBody>
       </p:sp>
+      <p:cxnSp>
+        <p:nvCxnSpPr>
+          <p:cNvPr id="14" name="Connector: Elbow 13">
+            <a:extLst>
+              <a:ext uri="{FF2B5EF4-FFF2-40B4-BE49-F238E27FC236}">
+                <a16:creationId xmlns:a16="http://schemas.microsoft.com/office/drawing/2014/main" id="{948568E3-E30A-40FC-B829-9E1555E4FA76}"/>
+              </a:ext>
+            </a:extLst>
+          </p:cNvPr>
+          <p:cNvCxnSpPr>
+            <a:cxnSpLocks/>
+            <a:stCxn id="1032" idx="2"/>
+          </p:cNvCxnSpPr>
+          <p:nvPr/>
+        </p:nvCxnSpPr>
+        <p:spPr>
+          <a:xfrm rot="5400000">
+            <a:off x="5492429" y="2975294"/>
+            <a:ext cx="144793" cy="1"/>
+          </a:xfrm>
+          <a:prstGeom prst="bentConnector3">
+            <a:avLst>
+              <a:gd name="adj1" fmla="val 50000"/>
+            </a:avLst>
+          </a:prstGeom>
+          <a:ln w="57150">
+            <a:solidFill>
+              <a:schemeClr val="bg2">
+                <a:lumMod val="75000"/>
+              </a:schemeClr>
+            </a:solidFill>
+            <a:headEnd type="none" w="med" len="med"/>
+            <a:tailEnd type="none" w="med" len="med"/>
+          </a:ln>
+        </p:spPr>
+        <p:style>
+          <a:lnRef idx="1">
+            <a:schemeClr val="accent1"/>
+          </a:lnRef>
+          <a:fillRef idx="0">
+            <a:schemeClr val="accent1"/>
+          </a:fillRef>
+          <a:effectRef idx="0">
+            <a:schemeClr val="accent1"/>
+          </a:effectRef>
+          <a:fontRef idx="minor">
+            <a:schemeClr val="tx1"/>
+          </a:fontRef>
+        </p:style>
+      </p:cxnSp>
+      <p:sp>
+        <p:nvSpPr>
+          <p:cNvPr id="23" name="Rectangle 22">
+            <a:extLst>
+              <a:ext uri="{FF2B5EF4-FFF2-40B4-BE49-F238E27FC236}">
+                <a16:creationId xmlns:a16="http://schemas.microsoft.com/office/drawing/2014/main" id="{94DCD3A2-04F9-4ED8-8D59-B92D55221180}"/>
+              </a:ext>
+            </a:extLst>
+          </p:cNvPr>
+          <p:cNvSpPr/>
+          <p:nvPr/>
+        </p:nvSpPr>
+        <p:spPr bwMode="gray">
+          <a:xfrm>
+            <a:off x="488390" y="4862644"/>
+            <a:ext cx="2723817" cy="985220"/>
+          </a:xfrm>
+          <a:prstGeom prst="rect">
+            <a:avLst/>
+          </a:prstGeom>
+          <a:ln>
+            <a:headEnd/>
+            <a:tailEnd/>
+          </a:ln>
+        </p:spPr>
+        <p:style>
+          <a:lnRef idx="2">
+            <a:schemeClr val="accent2"/>
+          </a:lnRef>
+          <a:fillRef idx="1">
+            <a:schemeClr val="lt1"/>
+          </a:fillRef>
+          <a:effectRef idx="0">
+            <a:schemeClr val="accent2"/>
+          </a:effectRef>
+          <a:fontRef idx="minor">
+            <a:schemeClr val="dk1"/>
+          </a:fontRef>
+        </p:style>
+        <p:txBody>
+          <a:bodyPr lIns="90000" tIns="72000" rIns="90000" bIns="72000" rtlCol="0" anchor="ctr"/>
+          <a:lstStyle/>
+          <a:p>
+            <a:pPr marR="0" algn="ctr" defTabSz="914400" eaLnBrk="1" fontAlgn="base" latinLnBrk="0" hangingPunct="1">
+              <a:lnSpc>
+                <a:spcPct val="100000"/>
+              </a:lnSpc>
+              <a:spcBef>
+                <a:spcPct val="50000"/>
+              </a:spcBef>
+              <a:spcAft>
+                <a:spcPct val="0"/>
+              </a:spcAft>
+              <a:buClr>
+                <a:srgbClr val="F0AB00"/>
+              </a:buClr>
+              <a:buSzPct val="80000"/>
+              <a:tabLst/>
+            </a:pPr>
+            <a:r>
+              <a:rPr lang="de-DE" sz="1800" kern="0" dirty="0" err="1">
+                <a:ea typeface="Arial Unicode MS" pitchFamily="34" charset="-128"/>
+                <a:cs typeface="Arial Unicode MS" pitchFamily="34" charset="-128"/>
+              </a:rPr>
+              <a:t>species</a:t>
+            </a:r>
+            <a:r>
+              <a:rPr lang="de-DE" sz="1800" kern="0" dirty="0">
+                <a:ea typeface="Arial Unicode MS" pitchFamily="34" charset="-128"/>
+                <a:cs typeface="Arial Unicode MS" pitchFamily="34" charset="-128"/>
+              </a:rPr>
+              <a:t>=</a:t>
+            </a:r>
+            <a:r>
+              <a:rPr lang="de-DE" sz="1800" kern="0" dirty="0" err="1">
+                <a:ea typeface="Arial Unicode MS" pitchFamily="34" charset="-128"/>
+                <a:cs typeface="Arial Unicode MS" pitchFamily="34" charset="-128"/>
+              </a:rPr>
+              <a:t>koopa</a:t>
+            </a:r>
+            <a:r>
+              <a:rPr lang="de-DE" sz="1800" kern="0" dirty="0">
+                <a:ea typeface="Arial Unicode MS" pitchFamily="34" charset="-128"/>
+                <a:cs typeface="Arial Unicode MS" pitchFamily="34" charset="-128"/>
+              </a:rPr>
+              <a:t> </a:t>
+            </a:r>
+            <a:r>
+              <a:rPr kumimoji="0" lang="de-DE" sz="1800" b="0" i="0" u="none" strike="noStrike" kern="0" cap="none" spc="0" normalizeH="0" baseline="0" noProof="0" dirty="0" err="1">
+                <a:ln>
+                  <a:noFill/>
+                </a:ln>
+                <a:effectLst/>
+                <a:uLnTx/>
+                <a:uFillTx/>
+                <a:ea typeface="Arial Unicode MS" pitchFamily="34" charset="-128"/>
+                <a:cs typeface="Arial Unicode MS" pitchFamily="34" charset="-128"/>
+              </a:rPr>
+              <a:t>generation</a:t>
+            </a:r>
+            <a:r>
+              <a:rPr kumimoji="0" lang="de-DE" sz="1800" b="0" i="0" u="none" strike="noStrike" kern="0" cap="none" spc="0" normalizeH="0" baseline="0" noProof="0" dirty="0">
+                <a:ln>
+                  <a:noFill/>
+                </a:ln>
+                <a:effectLst/>
+                <a:uLnTx/>
+                <a:uFillTx/>
+                <a:ea typeface="Arial Unicode MS" pitchFamily="34" charset="-128"/>
+                <a:cs typeface="Arial Unicode MS" pitchFamily="34" charset="-128"/>
+              </a:rPr>
+              <a:t>=</a:t>
+            </a:r>
+            <a:r>
+              <a:rPr kumimoji="0" lang="de-DE" sz="1800" b="0" i="0" u="none" strike="noStrike" kern="0" cap="none" spc="0" normalizeH="0" baseline="0" noProof="0" dirty="0" err="1">
+                <a:ln>
+                  <a:noFill/>
+                </a:ln>
+                <a:effectLst/>
+                <a:uLnTx/>
+                <a:uFillTx/>
+                <a:ea typeface="Arial Unicode MS" pitchFamily="34" charset="-128"/>
+                <a:cs typeface="Arial Unicode MS" pitchFamily="34" charset="-128"/>
+              </a:rPr>
+              <a:t>green-shell</a:t>
+            </a:r>
+            <a:endParaRPr kumimoji="0" lang="de-DE" sz="1800" b="0" i="0" u="none" strike="noStrike" kern="0" cap="none" spc="0" normalizeH="0" baseline="0" noProof="0" dirty="0">
+              <a:ln>
+                <a:noFill/>
+              </a:ln>
+              <a:effectLst/>
+              <a:uLnTx/>
+              <a:uFillTx/>
+              <a:ea typeface="Arial Unicode MS" pitchFamily="34" charset="-128"/>
+              <a:cs typeface="Arial Unicode MS" pitchFamily="34" charset="-128"/>
+            </a:endParaRPr>
+          </a:p>
+        </p:txBody>
+      </p:sp>
+      <p:pic>
+        <p:nvPicPr>
+          <p:cNvPr id="2" name="Group 24">
+            <a:extLst>
+              <a:ext uri="{FF2B5EF4-FFF2-40B4-BE49-F238E27FC236}">
+                <a16:creationId xmlns:a16="http://schemas.microsoft.com/office/drawing/2014/main" id="{4A27418C-429B-46C2-B944-E9D1AEFE0D0B}"/>
+              </a:ext>
+            </a:extLst>
+          </p:cNvPr>
+          <p:cNvPicPr>
+            <a:picLocks noChangeArrowheads="1"/>
+          </p:cNvPicPr>
+          <p:nvPr/>
+        </p:nvPicPr>
+        <p:blipFill>
+          <a:blip r:embed="rId5">
+            <a:extLst>
+              <a:ext uri="{28A0092B-C50C-407E-A947-70E740481C1C}">
+                <a14:useLocalDpi xmlns:a14="http://schemas.microsoft.com/office/drawing/2010/main" val="0"/>
+              </a:ext>
+            </a:extLst>
+          </a:blip>
+          <a:srcRect/>
+          <a:stretch>
+            <a:fillRect/>
+          </a:stretch>
+        </p:blipFill>
+        <p:spPr bwMode="auto">
+          <a:xfrm>
+            <a:off x="4962785" y="3045796"/>
+            <a:ext cx="1204079" cy="1458012"/>
+          </a:xfrm>
+          <a:prstGeom prst="rect">
+            <a:avLst/>
+          </a:prstGeom>
+          <a:noFill/>
+          <a:extLst>
+            <a:ext uri="{909E8E84-426E-40DD-AFC4-6F175D3DCCD1}">
+              <a14:hiddenFill xmlns:a14="http://schemas.microsoft.com/office/drawing/2010/main">
+                <a:solidFill>
+                  <a:srgbClr val="FFFFFF"/>
+                </a:solidFill>
+              </a14:hiddenFill>
+            </a:ext>
+          </a:extLst>
+        </p:spPr>
+      </p:pic>
     </p:spTree>
     <p:extLst>
       <p:ext uri="{BB962C8B-B14F-4D97-AF65-F5344CB8AC3E}">
@@ -13495,21 +13852,39 @@
                                   </p:childTnLst>
                                 </p:cTn>
                               </p:par>
+                            </p:childTnLst>
+                          </p:cTn>
+                        </p:par>
+                      </p:childTnLst>
+                    </p:cTn>
+                  </p:par>
+                  <p:par>
+                    <p:cTn id="15" fill="hold">
+                      <p:stCondLst>
+                        <p:cond delay="indefinite"/>
+                      </p:stCondLst>
+                      <p:childTnLst>
+                        <p:par>
+                          <p:cTn id="16" fill="hold">
+                            <p:stCondLst>
+                              <p:cond delay="0"/>
+                            </p:stCondLst>
+                            <p:childTnLst>
                               <p:par>
-                                <p:cTn id="15" presetID="1" presetClass="entr" presetSubtype="0" fill="hold" nodeType="withEffect">
+                                <p:cTn id="17" presetID="1" presetClass="entr" presetSubtype="0" fill="hold" grpId="0" nodeType="clickEffect">
                                   <p:stCondLst>
                                     <p:cond delay="0"/>
                                   </p:stCondLst>
                                   <p:childTnLst>
                                     <p:set>
                                       <p:cBhvr>
-                                        <p:cTn id="16" dur="1" fill="hold">
+                                        <p:cTn id="18" dur="1" fill="hold">
                                           <p:stCondLst>
                                             <p:cond delay="0"/>
                                           </p:stCondLst>
                                         </p:cTn>
                                         <p:tgtEl>
-                                          <p:spTgt spid="1030"/>
+                                          <p:spTgt spid="23"/>
                                         </p:tgtEl>
                                         <p:attrNameLst>
                                           <p:attrName>style.visibility</p:attrName>
@@ -13522,26 +13897,8 @@
                                   </p:childTnLst>
                                 </p:cTn>
                               </p:par>
-                            </p:childTnLst>
-                          </p:cTn>
-                        </p:par>
-                      </p:childTnLst>
-                    </p:cTn>
-                  </p:par>
-                  <p:par>
-                    <p:cTn id="17" fill="hold">
-                      <p:stCondLst>
-                        <p:cond delay="indefinite"/>
-                      </p:stCondLst>
-                      <p:childTnLst>
-                        <p:par>
-                          <p:cTn id="18" fill="hold">
-                            <p:stCondLst>
-                              <p:cond delay="0"/>
-                            </p:stCondLst>
-                            <p:childTnLst>
                               <p:par>
-                                <p:cTn id="19" presetID="1" presetClass="entr" presetSubtype="0" fill="hold" grpId="0" nodeType="clickEffect">
+                                <p:cTn id="19" presetID="1" presetClass="entr" presetSubtype="0" fill="hold" nodeType="withEffect">
                                   <p:stCondLst>
                                     <p:cond delay="0"/>
                                   </p:stCondLst>
@@ -13554,7 +13911,7 @@
                                           </p:stCondLst>
                                         </p:cTn>
                                         <p:tgtEl>
-                                          <p:spTgt spid="23"/>
+                                          <p:spTgt spid="6"/>
                                         </p:tgtEl>
                                         <p:attrNameLst>
                                           <p:attrName>style.visibility</p:attrName>
@@ -13581,7 +13938,7 @@
                                           </p:stCondLst>
                                         </p:cTn>
                                         <p:tgtEl>
-                                          <p:spTgt spid="6"/>
+                                          <p:spTgt spid="1026"/>
                                         </p:tgtEl>
                                         <p:attrNameLst>
                                           <p:attrName>style.visibility</p:attrName>
@@ -13608,33 +13965,6 @@
                                           </p:stCondLst>
                                         </p:cTn>
                                         <p:tgtEl>
-                                          <p:spTgt spid="1026"/>
-                                        </p:tgtEl>
-                                        <p:attrNameLst>
-                                          <p:attrName>style.visibility</p:attrName>
-                                        </p:attrNameLst>
-                                      </p:cBhvr>
-                                      <p:to>
-                                        <p:strVal val="visible"/>
-                                      </p:to>
-                                    </p:set>
-                                  </p:childTnLst>
-                                </p:cTn>
-                              </p:par>
-                              <p:par>
-                                <p:cTn id="25" presetID="1" presetClass="entr" presetSubtype="0" fill="hold" nodeType="withEffect">
-                                  <p:stCondLst>
-                                    <p:cond delay="0"/>
-                                  </p:stCondLst>
-                                  <p:childTnLst>
-                                    <p:set>
-                                      <p:cBhvr>
-                                        <p:cTn id="26" dur="1" fill="hold">
-                                          <p:stCondLst>
-                                            <p:cond delay="0"/>
-                                          </p:stCondLst>
-                                        </p:cTn>
-                                        <p:tgtEl>
                                           <p:spTgt spid="7"/>
                                         </p:tgtEl>
                                         <p:attrNameLst>
@@ -13649,14 +13979,14 @@
                                 </p:cTn>
                               </p:par>
                               <p:par>
-                                <p:cTn id="27" presetID="1" presetClass="entr" presetSubtype="0" fill="hold" grpId="0" nodeType="withEffect">
+                                <p:cTn id="25" presetID="1" presetClass="entr" presetSubtype="0" fill="hold" grpId="0" nodeType="withEffect">
                                   <p:stCondLst>
                                     <p:cond delay="0"/>
                                   </p:stCondLst>
                                   <p:childTnLst>
                                     <p:set>
                                       <p:cBhvr>
-                                        <p:cTn id="28" dur="1" fill="hold">
+                                        <p:cTn id="26" dur="1" fill="hold">
                                           <p:stCondLst>
                                             <p:cond delay="0"/>
                                           </p:stCondLst>
@@ -13707,8 +14037,8 @@
       <p:bldP spid="21" grpId="0" animBg="1"/>
       <p:bldP spid="22" grpId="0" animBg="1"/>
       <p:bldP spid="20" grpId="0" animBg="1"/>
+      <p:bldP spid="24" grpId="0" animBg="1"/>
       <p:bldP spid="23" grpId="0" animBg="1"/>
-      <p:bldP spid="24" grpId="0" animBg="1"/>
     </p:bldLst>
   </p:timing>
 </p:sld>
@@ -13779,7 +14109,7 @@
           <p:nvPr/>
         </p:nvPicPr>
         <p:blipFill>
-          <a:blip r:embed="rId2">
+          <a:blip r:embed="rId3">
             <a:extLst>
               <a:ext uri="{28A0092B-C50C-407E-A947-70E740481C1C}">
                 <a14:useLocalDpi xmlns:a14="http://schemas.microsoft.com/office/drawing/2010/main" val="0"/>
@@ -13826,7 +14156,7 @@
           <p:nvPr/>
         </p:nvPicPr>
         <p:blipFill>
-          <a:blip r:embed="rId2">
+          <a:blip r:embed="rId3">
             <a:extLst>
               <a:ext uri="{28A0092B-C50C-407E-A947-70E740481C1C}">
                 <a14:useLocalDpi xmlns:a14="http://schemas.microsoft.com/office/drawing/2010/main" val="0"/>
@@ -13873,7 +14203,7 @@
           <p:nvPr/>
         </p:nvPicPr>
         <p:blipFill>
-          <a:blip r:embed="rId2">
+          <a:blip r:embed="rId3">
             <a:extLst>
               <a:ext uri="{28A0092B-C50C-407E-A947-70E740481C1C}">
                 <a14:useLocalDpi xmlns:a14="http://schemas.microsoft.com/office/drawing/2010/main" val="0"/>
@@ -13903,69 +14233,6 @@
               </a14:hiddenFill>
             </a:ext>
           </a:extLst>
-        </p:spPr>
-      </p:pic>
-      <p:pic>
-        <p:nvPicPr>
-          <p:cNvPr id="1030" name="Picture 6" descr="Related image">
-            <a:extLst>
-              <a:ext uri="{FF2B5EF4-FFF2-40B4-BE49-F238E27FC236}">
-                <a16:creationId xmlns:a16="http://schemas.microsoft.com/office/drawing/2014/main" id="{762912E1-B568-437B-B0EB-D0D416999E23}"/>
-              </a:ext>
-            </a:extLst>
-          </p:cNvPr>
-          <p:cNvPicPr>
-            <a:picLocks noChangeAspect="1" noChangeArrowheads="1"/>
-          </p:cNvPicPr>
-          <p:nvPr/>
-        </p:nvPicPr>
-        <p:blipFill>
-          <a:blip r:embed="rId3">
-            <a:extLst>
-              <a:ext uri="{28A0092B-C50C-407E-A947-70E740481C1C}">
-                <a14:useLocalDpi xmlns:a14="http://schemas.microsoft.com/office/drawing/2010/main" val="0"/>
-              </a:ext>
-            </a:extLst>
-          </a:blip>
-          <a:srcRect/>
-          <a:stretch>
-            <a:fillRect/>
-          </a:stretch>
-        </p:blipFill>
-        <p:spPr bwMode="auto">
-          <a:xfrm rot="10800000">
-            <a:off x="2067563" y="3047691"/>
-            <a:ext cx="1365951" cy="1451323"/>
-          </a:xfrm>
-          <a:prstGeom prst="rect">
-            <a:avLst/>
-          </a:prstGeom>
-          <a:gradFill>
-            <a:gsLst>
-              <a:gs pos="0">
-                <a:schemeClr val="accent4"/>
-              </a:gs>
-              <a:gs pos="74000">
-                <a:schemeClr val="accent1">
-                  <a:lumMod val="45000"/>
-                  <a:lumOff val="55000"/>
-                </a:schemeClr>
-              </a:gs>
-              <a:gs pos="83000">
-                <a:schemeClr val="accent1">
-                  <a:lumMod val="45000"/>
-                  <a:lumOff val="55000"/>
-                </a:schemeClr>
-              </a:gs>
-              <a:gs pos="100000">
-                <a:schemeClr val="accent1">
-                  <a:lumMod val="30000"/>
-                  <a:lumOff val="70000"/>
-                </a:schemeClr>
-              </a:gs>
-            </a:gsLst>
-            <a:lin ang="4800000" scaled="0"/>
-          </a:gradFill>
         </p:spPr>
       </p:pic>
       <p:pic>
@@ -14003,16 +14270,32 @@
           <a:prstGeom prst="rect">
             <a:avLst/>
           </a:prstGeom>
-          <a:noFill/>
-          <a:extLst>
-            <a:ext uri="{909E8E84-426E-40DD-AFC4-6F175D3DCCD1}">
-              <a14:hiddenFill xmlns:a14="http://schemas.microsoft.com/office/drawing/2010/main">
-                <a:solidFill>
-                  <a:srgbClr val="FFFFFF"/>
-                </a:solidFill>
-              </a14:hiddenFill>
-            </a:ext>
-          </a:extLst>
+          <a:gradFill>
+            <a:gsLst>
+              <a:gs pos="0">
+                <a:schemeClr val="accent3">
+                  <a:lumMod val="20000"/>
+                  <a:lumOff val="80000"/>
+                </a:schemeClr>
+              </a:gs>
+              <a:gs pos="50000">
+                <a:schemeClr val="accent3">
+                  <a:lumMod val="20000"/>
+                  <a:lumOff val="80000"/>
+                </a:schemeClr>
+              </a:gs>
+              <a:gs pos="100000">
+                <a:schemeClr val="bg1"/>
+              </a:gs>
+            </a:gsLst>
+            <a:lin ang="5400000" scaled="1"/>
+          </a:gradFill>
+          <a:ln>
+            <a:solidFill>
+              <a:schemeClr val="tx1"/>
+            </a:solidFill>
+          </a:ln>
+          <a:extLst/>
         </p:spPr>
       </p:pic>
       <p:pic>
@@ -14140,69 +14423,6 @@
           </a:p>
         </p:txBody>
       </p:sp>
-      <p:pic>
-        <p:nvPicPr>
-          <p:cNvPr id="28" name="Picture 6" descr="Related image">
-            <a:extLst>
-              <a:ext uri="{FF2B5EF4-FFF2-40B4-BE49-F238E27FC236}">
-                <a16:creationId xmlns:a16="http://schemas.microsoft.com/office/drawing/2014/main" id="{2CEEA07E-6C06-458E-917A-3934914A9974}"/>
-              </a:ext>
-            </a:extLst>
-          </p:cNvPr>
-          <p:cNvPicPr>
-            <a:picLocks noChangeAspect="1" noChangeArrowheads="1"/>
-          </p:cNvPicPr>
-          <p:nvPr/>
-        </p:nvPicPr>
-        <p:blipFill>
-          <a:blip r:embed="rId3">
-            <a:extLst>
-              <a:ext uri="{28A0092B-C50C-407E-A947-70E740481C1C}">
-                <a14:useLocalDpi xmlns:a14="http://schemas.microsoft.com/office/drawing/2010/main" val="0"/>
-              </a:ext>
-            </a:extLst>
-          </a:blip>
-          <a:srcRect/>
-          <a:stretch>
-            <a:fillRect/>
-          </a:stretch>
-        </p:blipFill>
-        <p:spPr bwMode="auto">
-          <a:xfrm rot="10800000">
-            <a:off x="7178957" y="3047691"/>
-            <a:ext cx="1365951" cy="1451323"/>
-          </a:xfrm>
-          <a:prstGeom prst="rect">
-            <a:avLst/>
-          </a:prstGeom>
-          <a:gradFill>
-            <a:gsLst>
-              <a:gs pos="0">
-                <a:schemeClr val="accent5"/>
-              </a:gs>
-              <a:gs pos="74000">
-                <a:schemeClr val="accent1">
-                  <a:lumMod val="45000"/>
-                  <a:lumOff val="55000"/>
-                </a:schemeClr>
-              </a:gs>
-              <a:gs pos="83000">
-                <a:schemeClr val="accent1">
-                  <a:lumMod val="45000"/>
-                  <a:lumOff val="55000"/>
-                </a:schemeClr>
-              </a:gs>
-              <a:gs pos="100000">
-                <a:schemeClr val="accent1">
-                  <a:lumMod val="30000"/>
-                  <a:lumOff val="70000"/>
-                </a:schemeClr>
-              </a:gs>
-            </a:gsLst>
-            <a:lin ang="4800000" scaled="0"/>
-          </a:gradFill>
-        </p:spPr>
-      </p:pic>
       <p:pic>
         <p:nvPicPr>
           <p:cNvPr id="29" name="Picture 10" descr="Image result for nintendo koopa troopa">
@@ -14624,6 +14844,203 @@
           </a:p>
         </p:txBody>
       </p:sp>
+      <p:cxnSp>
+        <p:nvCxnSpPr>
+          <p:cNvPr id="4" name="Connector: Elbow 3">
+            <a:extLst>
+              <a:ext uri="{FF2B5EF4-FFF2-40B4-BE49-F238E27FC236}">
+                <a16:creationId xmlns:a16="http://schemas.microsoft.com/office/drawing/2014/main" id="{72ED5063-2E4E-4757-BB7B-1351A10DA280}"/>
+              </a:ext>
+            </a:extLst>
+          </p:cNvPr>
+          <p:cNvCxnSpPr>
+            <a:cxnSpLocks/>
+          </p:cNvCxnSpPr>
+          <p:nvPr/>
+        </p:nvCxnSpPr>
+        <p:spPr>
+          <a:xfrm rot="5400000">
+            <a:off x="3886834" y="2391727"/>
+            <a:ext cx="838172" cy="1998375"/>
+          </a:xfrm>
+          <a:prstGeom prst="bentConnector2">
+            <a:avLst/>
+          </a:prstGeom>
+          <a:ln w="57150">
+            <a:solidFill>
+              <a:schemeClr val="bg2">
+                <a:lumMod val="75000"/>
+              </a:schemeClr>
+            </a:solidFill>
+            <a:headEnd type="none" w="med" len="med"/>
+            <a:tailEnd type="none" w="med" len="med"/>
+          </a:ln>
+        </p:spPr>
+        <p:style>
+          <a:lnRef idx="1">
+            <a:schemeClr val="accent1"/>
+          </a:lnRef>
+          <a:fillRef idx="0">
+            <a:schemeClr val="accent1"/>
+          </a:fillRef>
+          <a:effectRef idx="0">
+            <a:schemeClr val="accent1"/>
+          </a:effectRef>
+          <a:fontRef idx="minor">
+            <a:schemeClr val="tx1"/>
+          </a:fontRef>
+        </p:style>
+      </p:cxnSp>
+      <p:cxnSp>
+        <p:nvCxnSpPr>
+          <p:cNvPr id="18" name="Connector: Elbow 17">
+            <a:extLst>
+              <a:ext uri="{FF2B5EF4-FFF2-40B4-BE49-F238E27FC236}">
+                <a16:creationId xmlns:a16="http://schemas.microsoft.com/office/drawing/2014/main" id="{92FCAAA5-9423-4184-AD0F-345B06EB86A8}"/>
+              </a:ext>
+            </a:extLst>
+          </p:cNvPr>
+          <p:cNvCxnSpPr>
+            <a:cxnSpLocks/>
+            <a:stCxn id="1032" idx="2"/>
+            <a:endCxn id="20" idx="1"/>
+          </p:cNvCxnSpPr>
+          <p:nvPr/>
+        </p:nvCxnSpPr>
+        <p:spPr>
+          <a:xfrm rot="16200000" flipH="1">
+            <a:off x="5875998" y="2381887"/>
+            <a:ext cx="857984" cy="1999766"/>
+          </a:xfrm>
+          <a:prstGeom prst="bentConnector2">
+            <a:avLst/>
+          </a:prstGeom>
+          <a:ln w="57150">
+            <a:solidFill>
+              <a:schemeClr val="bg2">
+                <a:lumMod val="75000"/>
+              </a:schemeClr>
+            </a:solidFill>
+            <a:headEnd type="none" w="med" len="med"/>
+            <a:tailEnd type="none" w="med" len="med"/>
+          </a:ln>
+        </p:spPr>
+        <p:style>
+          <a:lnRef idx="1">
+            <a:schemeClr val="accent1"/>
+          </a:lnRef>
+          <a:fillRef idx="0">
+            <a:schemeClr val="accent1"/>
+          </a:fillRef>
+          <a:effectRef idx="0">
+            <a:schemeClr val="accent1"/>
+          </a:effectRef>
+          <a:fontRef idx="minor">
+            <a:schemeClr val="tx1"/>
+          </a:fontRef>
+        </p:style>
+      </p:cxnSp>
+      <p:pic>
+        <p:nvPicPr>
+          <p:cNvPr id="19" name="Group 24">
+            <a:extLst>
+              <a:ext uri="{FF2B5EF4-FFF2-40B4-BE49-F238E27FC236}">
+                <a16:creationId xmlns:a16="http://schemas.microsoft.com/office/drawing/2014/main" id="{1CE2F06B-986D-44E7-9132-0090E7873369}"/>
+              </a:ext>
+            </a:extLst>
+          </p:cNvPr>
+          <p:cNvPicPr>
+            <a:picLocks noChangeArrowheads="1"/>
+          </p:cNvPicPr>
+          <p:nvPr/>
+        </p:nvPicPr>
+        <p:blipFill>
+          <a:blip r:embed="rId6">
+            <a:extLst>
+              <a:ext uri="{28A0092B-C50C-407E-A947-70E740481C1C}">
+                <a14:useLocalDpi xmlns:a14="http://schemas.microsoft.com/office/drawing/2010/main" val="0"/>
+              </a:ext>
+            </a:extLst>
+          </a:blip>
+          <a:srcRect/>
+          <a:stretch>
+            <a:fillRect/>
+          </a:stretch>
+        </p:blipFill>
+        <p:spPr bwMode="auto">
+          <a:xfrm>
+            <a:off x="2102653" y="3061944"/>
+            <a:ext cx="1204079" cy="1458012"/>
+          </a:xfrm>
+          <a:prstGeom prst="rect">
+            <a:avLst/>
+          </a:prstGeom>
+          <a:noFill/>
+          <a:extLst>
+            <a:ext uri="{909E8E84-426E-40DD-AFC4-6F175D3DCCD1}">
+              <a14:hiddenFill xmlns:a14="http://schemas.microsoft.com/office/drawing/2010/main">
+                <a:solidFill>
+                  <a:srgbClr val="FFFFFF"/>
+                </a:solidFill>
+              </a14:hiddenFill>
+            </a:ext>
+          </a:extLst>
+        </p:spPr>
+      </p:pic>
+      <p:pic>
+        <p:nvPicPr>
+          <p:cNvPr id="20" name="Group 24">
+            <a:extLst>
+              <a:ext uri="{FF2B5EF4-FFF2-40B4-BE49-F238E27FC236}">
+                <a16:creationId xmlns:a16="http://schemas.microsoft.com/office/drawing/2014/main" id="{D9D33B36-8E29-4762-99B6-63BF44E3277D}"/>
+              </a:ext>
+            </a:extLst>
+          </p:cNvPr>
+          <p:cNvPicPr>
+            <a:picLocks noChangeArrowheads="1"/>
+          </p:cNvPicPr>
+          <p:nvPr/>
+        </p:nvPicPr>
+        <p:blipFill>
+          <a:blip r:embed="rId6">
+            <a:duotone>
+              <a:prstClr val="black"/>
+              <a:schemeClr val="accent5">
+                <a:tint val="45000"/>
+                <a:satMod val="400000"/>
+              </a:schemeClr>
+            </a:duotone>
+            <a:extLst>
+              <a:ext uri="{28A0092B-C50C-407E-A947-70E740481C1C}">
+                <a14:useLocalDpi xmlns:a14="http://schemas.microsoft.com/office/drawing/2010/main" val="0"/>
+              </a:ext>
+            </a:extLst>
+          </a:blip>
+          <a:srcRect/>
+          <a:stretch>
+            <a:fillRect/>
+          </a:stretch>
+        </p:blipFill>
+        <p:spPr bwMode="auto">
+          <a:xfrm>
+            <a:off x="7304873" y="3081756"/>
+            <a:ext cx="1204079" cy="1458012"/>
+          </a:xfrm>
+          <a:prstGeom prst="rect">
+            <a:avLst/>
+          </a:prstGeom>
+          <a:noFill/>
+          <a:extLst>
+            <a:ext uri="{909E8E84-426E-40DD-AFC4-6F175D3DCCD1}">
+              <a14:hiddenFill xmlns:a14="http://schemas.microsoft.com/office/drawing/2010/main">
+                <a:solidFill>
+                  <a:srgbClr val="FFFFFF"/>
+                </a:solidFill>
+              </a14:hiddenFill>
+            </a:ext>
+          </a:extLst>
+        </p:spPr>
+      </p:pic>
     </p:spTree>
     <p:extLst>
       <p:ext uri="{BB962C8B-B14F-4D97-AF65-F5344CB8AC3E}">
@@ -14646,6 +15063,9 @@
                     <p:cTn id="3" fill="hold">
                       <p:stCondLst>
                         <p:cond delay="indefinite"/>
+                        <p:cond evt="onBegin" delay="0">
+                          <p:tn val="2"/>
+                        </p:cond>
                       </p:stCondLst>
                       <p:childTnLst>
                         <p:par>
@@ -14655,7 +15075,7 @@
                             </p:stCondLst>
                             <p:childTnLst>
                               <p:par>
-                                <p:cTn id="5" presetID="1" presetClass="entr" presetSubtype="0" fill="hold" nodeType="clickEffect">
+                                <p:cTn id="5" presetID="1" presetClass="entr" presetSubtype="0" fill="hold" grpId="0" nodeType="withEffect">
                                   <p:stCondLst>
                                     <p:cond delay="0"/>
                                   </p:stCondLst>
@@ -14668,7 +15088,7 @@
                                           </p:stCondLst>
                                         </p:cTn>
                                         <p:tgtEl>
-                                          <p:spTgt spid="28"/>
+                                          <p:spTgt spid="31"/>
                                         </p:tgtEl>
                                         <p:attrNameLst>
                                           <p:attrName>style.visibility</p:attrName>
@@ -14682,7 +15102,7 @@
                                 </p:cTn>
                               </p:par>
                               <p:par>
-                                <p:cTn id="7" presetID="1" presetClass="entr" presetSubtype="0" fill="hold" grpId="0" nodeType="withEffect">
+                                <p:cTn id="7" presetID="1" presetClass="entr" presetSubtype="0" fill="hold" nodeType="withEffect">
                                   <p:stCondLst>
                                     <p:cond delay="0"/>
                                   </p:stCondLst>
@@ -14695,7 +15115,7 @@
                                           </p:stCondLst>
                                         </p:cTn>
                                         <p:tgtEl>
-                                          <p:spTgt spid="31"/>
+                                          <p:spTgt spid="18"/>
                                         </p:tgtEl>
                                         <p:attrNameLst>
                                           <p:attrName>style.visibility</p:attrName>
@@ -14727,7 +15147,7 @@
                             </p:stCondLst>
                             <p:childTnLst>
                               <p:par>
-                                <p:cTn id="11" presetID="1" presetClass="entr" presetSubtype="0" fill="hold" grpId="0" nodeType="clickEffect">
+                                <p:cTn id="11" presetID="1" presetClass="entr" presetSubtype="0" fill="hold" nodeType="clickEffect">
                                   <p:stCondLst>
                                     <p:cond delay="0"/>
                                   </p:stCondLst>
@@ -14735,6 +15155,51 @@
                                     <p:set>
                                       <p:cBhvr>
                                         <p:cTn id="12" dur="1" fill="hold">
+                                          <p:stCondLst>
+                                            <p:cond delay="0"/>
+                                          </p:stCondLst>
+                                        </p:cTn>
+                                        <p:tgtEl>
+                                          <p:spTgt spid="20"/>
+                                        </p:tgtEl>
+                                        <p:attrNameLst>
+                                          <p:attrName>style.visibility</p:attrName>
+                                        </p:attrNameLst>
+                                      </p:cBhvr>
+                                      <p:to>
+                                        <p:strVal val="visible"/>
+                                      </p:to>
+                                    </p:set>
+                                  </p:childTnLst>
+                                </p:cTn>
+                              </p:par>
+                            </p:childTnLst>
+                          </p:cTn>
+                        </p:par>
+                      </p:childTnLst>
+                    </p:cTn>
+                  </p:par>
+                  <p:par>
+                    <p:cTn id="13" fill="hold">
+                      <p:stCondLst>
+                        <p:cond delay="indefinite"/>
+                      </p:stCondLst>
+                      <p:childTnLst>
+                        <p:par>
+                          <p:cTn id="14" fill="hold">
+                            <p:stCondLst>
+                              <p:cond delay="0"/>
+                            </p:stCondLst>
+                            <p:childTnLst>
+                              <p:par>
+                                <p:cTn id="15" presetID="1" presetClass="entr" presetSubtype="0" fill="hold" grpId="0" nodeType="clickEffect">
+                                  <p:stCondLst>
+                                    <p:cond delay="0"/>
+                                  </p:stCondLst>
+                                  <p:childTnLst>
+                                    <p:set>
+                                      <p:cBhvr>
+                                        <p:cTn id="16" dur="1" fill="hold">
                                           <p:stCondLst>
                                             <p:cond delay="0"/>
                                           </p:stCondLst>
@@ -14757,20 +15222,20 @@
                           </p:cTn>
                         </p:par>
                         <p:par>
-                          <p:cTn id="13" fill="hold">
+                          <p:cTn id="17" fill="hold">
                             <p:stCondLst>
                               <p:cond delay="0"/>
                             </p:stCondLst>
                             <p:childTnLst>
                               <p:par>
-                                <p:cTn id="14" presetID="42" presetClass="exit" presetSubtype="0" fill="hold" nodeType="afterEffect">
+                                <p:cTn id="18" presetID="42" presetClass="exit" presetSubtype="0" fill="hold" nodeType="afterEffect">
                                   <p:stCondLst>
                                     <p:cond delay="0"/>
                                   </p:stCondLst>
                                   <p:childTnLst>
                                     <p:animEffect transition="out" filter="fade">
                                       <p:cBhvr>
-                                        <p:cTn id="15" dur="1000"/>
+                                        <p:cTn id="19" dur="1000"/>
                                         <p:tgtEl>
                                           <p:spTgt spid="7"/>
                                         </p:tgtEl>
@@ -14778,7 +15243,7 @@
                                     </p:animEffect>
                                     <p:anim calcmode="lin" valueType="num">
                                       <p:cBhvr>
-                                        <p:cTn id="16" dur="1000"/>
+                                        <p:cTn id="20" dur="1000"/>
                                         <p:tgtEl>
                                           <p:spTgt spid="7"/>
                                         </p:tgtEl>
@@ -14801,7 +15266,7 @@
                                     </p:anim>
                                     <p:anim calcmode="lin" valueType="num">
                                       <p:cBhvr>
-                                        <p:cTn id="17" dur="1000"/>
+                                        <p:cTn id="21" dur="1000"/>
                                         <p:tgtEl>
                                           <p:spTgt spid="7"/>
                                         </p:tgtEl>
@@ -14824,7 +15289,7 @@
                                     </p:anim>
                                     <p:set>
                                       <p:cBhvr>
-                                        <p:cTn id="18" dur="1" fill="hold">
+                                        <p:cTn id="22" dur="1" fill="hold">
                                           <p:stCondLst>
                                             <p:cond delay="999"/>
                                           </p:stCondLst>
@@ -14847,20 +15312,20 @@
                           </p:cTn>
                         </p:par>
                         <p:par>
-                          <p:cTn id="19" fill="hold">
+                          <p:cTn id="23" fill="hold">
                             <p:stCondLst>
                               <p:cond delay="1000"/>
                             </p:stCondLst>
                             <p:childTnLst>
                               <p:par>
-                                <p:cTn id="20" presetID="2" presetClass="entr" presetSubtype="4" fill="hold" nodeType="afterEffect">
+                                <p:cTn id="24" presetID="2" presetClass="entr" presetSubtype="4" fill="hold" nodeType="afterEffect">
                                   <p:stCondLst>
                                     <p:cond delay="0"/>
                                   </p:stCondLst>
                                   <p:childTnLst>
                                     <p:set>
                                       <p:cBhvr>
-                                        <p:cTn id="21" dur="1" fill="hold">
+                                        <p:cTn id="25" dur="1" fill="hold">
                                           <p:stCondLst>
                                             <p:cond delay="0"/>
                                           </p:stCondLst>
@@ -14878,7 +15343,7 @@
                                     </p:set>
                                     <p:anim calcmode="lin" valueType="num">
                                       <p:cBhvr additive="base">
-                                        <p:cTn id="22" dur="500" fill="hold"/>
+                                        <p:cTn id="26" dur="500" fill="hold"/>
                                         <p:tgtEl>
                                           <p:spTgt spid="1034"/>
                                         </p:tgtEl>
@@ -14901,7 +15366,7 @@
                                     </p:anim>
                                     <p:anim calcmode="lin" valueType="num">
                                       <p:cBhvr additive="base">
-                                        <p:cTn id="23" dur="500" fill="hold"/>
+                                        <p:cTn id="27" dur="500" fill="hold"/>
                                         <p:tgtEl>
                                           <p:spTgt spid="1034"/>
                                         </p:tgtEl>
@@ -14929,20 +15394,20 @@
                           </p:cTn>
                         </p:par>
                         <p:par>
-                          <p:cTn id="24" fill="hold">
+                          <p:cTn id="28" fill="hold">
                             <p:stCondLst>
                               <p:cond delay="1500"/>
                             </p:stCondLst>
                             <p:childTnLst>
                               <p:par>
-                                <p:cTn id="25" presetID="42" presetClass="exit" presetSubtype="0" fill="hold" nodeType="afterEffect">
+                                <p:cTn id="29" presetID="42" presetClass="exit" presetSubtype="0" fill="hold" nodeType="afterEffect">
                                   <p:stCondLst>
                                     <p:cond delay="0"/>
                                   </p:stCondLst>
                                   <p:childTnLst>
                                     <p:animEffect transition="out" filter="fade">
                                       <p:cBhvr>
-                                        <p:cTn id="26" dur="1000"/>
+                                        <p:cTn id="30" dur="1000"/>
                                         <p:tgtEl>
                                           <p:spTgt spid="1026"/>
                                         </p:tgtEl>
@@ -14950,7 +15415,7 @@
                                     </p:animEffect>
                                     <p:anim calcmode="lin" valueType="num">
                                       <p:cBhvr>
-                                        <p:cTn id="27" dur="1000"/>
+                                        <p:cTn id="31" dur="1000"/>
                                         <p:tgtEl>
                                           <p:spTgt spid="1026"/>
                                         </p:tgtEl>
@@ -14973,7 +15438,7 @@
                                     </p:anim>
                                     <p:anim calcmode="lin" valueType="num">
                                       <p:cBhvr>
-                                        <p:cTn id="28" dur="1000"/>
+                                        <p:cTn id="32" dur="1000"/>
                                         <p:tgtEl>
                                           <p:spTgt spid="1026"/>
                                         </p:tgtEl>
@@ -14996,7 +15461,7 @@
                                     </p:anim>
                                     <p:set>
                                       <p:cBhvr>
-                                        <p:cTn id="29" dur="1" fill="hold">
+                                        <p:cTn id="33" dur="1" fill="hold">
                                           <p:stCondLst>
                                             <p:cond delay="999"/>
                                           </p:stCondLst>
@@ -15019,20 +15484,20 @@
                           </p:cTn>
                         </p:par>
                         <p:par>
-                          <p:cTn id="30" fill="hold">
+                          <p:cTn id="34" fill="hold">
                             <p:stCondLst>
                               <p:cond delay="2500"/>
                             </p:stCondLst>
                             <p:childTnLst>
                               <p:par>
-                                <p:cTn id="31" presetID="42" presetClass="entr" presetSubtype="0" fill="hold" nodeType="afterEffect">
+                                <p:cTn id="35" presetID="42" presetClass="entr" presetSubtype="0" fill="hold" nodeType="afterEffect">
                                   <p:stCondLst>
                                     <p:cond delay="0"/>
                                   </p:stCondLst>
                                   <p:childTnLst>
                                     <p:set>
                                       <p:cBhvr>
-                                        <p:cTn id="32" dur="1" fill="hold">
+                                        <p:cTn id="36" dur="1" fill="hold">
                                           <p:stCondLst>
                                             <p:cond delay="0"/>
                                           </p:stCondLst>
@@ -15050,7 +15515,7 @@
                                     </p:set>
                                     <p:animEffect transition="in" filter="fade">
                                       <p:cBhvr>
-                                        <p:cTn id="33" dur="1000"/>
+                                        <p:cTn id="37" dur="1000"/>
                                         <p:tgtEl>
                                           <p:spTgt spid="29"/>
                                         </p:tgtEl>
@@ -15058,7 +15523,7 @@
                                     </p:animEffect>
                                     <p:anim calcmode="lin" valueType="num">
                                       <p:cBhvr>
-                                        <p:cTn id="34" dur="1000" fill="hold"/>
+                                        <p:cTn id="38" dur="1000" fill="hold"/>
                                         <p:tgtEl>
                                           <p:spTgt spid="29"/>
                                         </p:tgtEl>
@@ -15081,7 +15546,7 @@
                                     </p:anim>
                                     <p:anim calcmode="lin" valueType="num">
                                       <p:cBhvr>
-                                        <p:cTn id="35" dur="1000" fill="hold"/>
+                                        <p:cTn id="39" dur="1000" fill="hold"/>
                                         <p:tgtEl>
                                           <p:spTgt spid="29"/>
                                         </p:tgtEl>
@@ -15109,20 +15574,20 @@
                           </p:cTn>
                         </p:par>
                         <p:par>
-                          <p:cTn id="36" fill="hold">
+                          <p:cTn id="40" fill="hold">
                             <p:stCondLst>
                               <p:cond delay="3500"/>
                             </p:stCondLst>
                             <p:childTnLst>
                               <p:par>
-                                <p:cTn id="37" presetID="42" presetClass="exit" presetSubtype="0" fill="hold" nodeType="afterEffect">
+                                <p:cTn id="41" presetID="42" presetClass="exit" presetSubtype="0" fill="hold" nodeType="afterEffect">
                                   <p:stCondLst>
                                     <p:cond delay="0"/>
                                   </p:stCondLst>
                                   <p:childTnLst>
                                     <p:animEffect transition="out" filter="fade">
                                       <p:cBhvr>
-                                        <p:cTn id="38" dur="1000"/>
+                                        <p:cTn id="42" dur="1000"/>
                                         <p:tgtEl>
                                           <p:spTgt spid="6"/>
                                         </p:tgtEl>
@@ -15130,7 +15595,7 @@
                                     </p:animEffect>
                                     <p:anim calcmode="lin" valueType="num">
                                       <p:cBhvr>
-                                        <p:cTn id="39" dur="1000"/>
+                                        <p:cTn id="43" dur="1000"/>
                                         <p:tgtEl>
                                           <p:spTgt spid="6"/>
                                         </p:tgtEl>
@@ -15153,7 +15618,7 @@
                                     </p:anim>
                                     <p:anim calcmode="lin" valueType="num">
                                       <p:cBhvr>
-                                        <p:cTn id="40" dur="1000"/>
+                                        <p:cTn id="44" dur="1000"/>
                                         <p:tgtEl>
                                           <p:spTgt spid="6"/>
                                         </p:tgtEl>
@@ -15176,7 +15641,7 @@
                                     </p:anim>
                                     <p:set>
                                       <p:cBhvr>
-                                        <p:cTn id="41" dur="1" fill="hold">
+                                        <p:cTn id="45" dur="1" fill="hold">
                                           <p:stCondLst>
                                             <p:cond delay="999"/>
                                           </p:stCondLst>
@@ -15199,20 +15664,20 @@
                           </p:cTn>
                         </p:par>
                         <p:par>
-                          <p:cTn id="42" fill="hold">
+                          <p:cTn id="46" fill="hold">
                             <p:stCondLst>
                               <p:cond delay="4500"/>
                             </p:stCondLst>
                             <p:childTnLst>
                               <p:par>
-                                <p:cTn id="43" presetID="42" presetClass="entr" presetSubtype="0" fill="hold" nodeType="afterEffect">
+                                <p:cTn id="47" presetID="42" presetClass="entr" presetSubtype="0" fill="hold" nodeType="afterEffect">
                                   <p:stCondLst>
                                     <p:cond delay="0"/>
                                   </p:stCondLst>
                                   <p:childTnLst>
                                     <p:set>
                                       <p:cBhvr>
-                                        <p:cTn id="44" dur="1" fill="hold">
+                                        <p:cTn id="48" dur="1" fill="hold">
                                           <p:stCondLst>
                                             <p:cond delay="0"/>
                                           </p:stCondLst>
@@ -15230,7 +15695,7 @@
                                     </p:set>
                                     <p:animEffect transition="in" filter="fade">
                                       <p:cBhvr>
-                                        <p:cTn id="45" dur="1000"/>
+                                        <p:cTn id="49" dur="1000"/>
                                         <p:tgtEl>
                                           <p:spTgt spid="30"/>
                                         </p:tgtEl>
@@ -15238,7 +15703,7 @@
                                     </p:animEffect>
                                     <p:anim calcmode="lin" valueType="num">
                                       <p:cBhvr>
-                                        <p:cTn id="46" dur="1000" fill="hold"/>
+                                        <p:cTn id="50" dur="1000" fill="hold"/>
                                         <p:tgtEl>
                                           <p:spTgt spid="30"/>
                                         </p:tgtEl>
@@ -15261,7 +15726,7 @@
                                     </p:anim>
                                     <p:anim calcmode="lin" valueType="num">
                                       <p:cBhvr>
-                                        <p:cTn id="47" dur="1000" fill="hold"/>
+                                        <p:cTn id="51" dur="1000" fill="hold"/>
                                         <p:tgtEl>
                                           <p:spTgt spid="30"/>
                                         </p:tgtEl>
@@ -15286,14 +15751,14 @@
                                 </p:cTn>
                               </p:par>
                               <p:par>
-                                <p:cTn id="48" presetID="1" presetClass="entr" presetSubtype="0" fill="hold" grpId="0" nodeType="withEffect">
+                                <p:cTn id="52" presetID="1" presetClass="entr" presetSubtype="0" fill="hold" grpId="0" nodeType="withEffect">
                                   <p:stCondLst>
                                     <p:cond delay="0"/>
                                   </p:stCondLst>
                                   <p:childTnLst>
                                     <p:set>
                                       <p:cBhvr>
-                                        <p:cTn id="49" dur="1" fill="hold">
+                                        <p:cTn id="53" dur="1" fill="hold">
                                           <p:stCondLst>
                                             <p:cond delay="0"/>
                                           </p:stCondLst>
@@ -15408,8 +15873,8 @@
           </a:prstGeom>
           <a:solidFill>
             <a:schemeClr val="accent1">
-              <a:lumMod val="60000"/>
-              <a:lumOff val="40000"/>
+              <a:lumMod val="40000"/>
+              <a:lumOff val="60000"/>
             </a:schemeClr>
           </a:solidFill>
           <a:ln>
@@ -16529,10 +16994,10 @@
       </p:grpSpPr>
       <p:pic>
         <p:nvPicPr>
-          <p:cNvPr id="4" name="Picture 3">
+          <p:cNvPr id="8" name="Picture 7">
             <a:extLst>
               <a:ext uri="{FF2B5EF4-FFF2-40B4-BE49-F238E27FC236}">
-                <a16:creationId xmlns:a16="http://schemas.microsoft.com/office/drawing/2014/main" id="{03E1B25A-9404-4A86-A5D7-6C994D7A727F}"/>
+                <a16:creationId xmlns:a16="http://schemas.microsoft.com/office/drawing/2014/main" id="{962A931E-4934-4B92-902B-4B22DC418132}"/>
               </a:ext>
             </a:extLst>
           </p:cNvPr>
@@ -16549,12 +17014,17 @@
         </p:blipFill>
         <p:spPr>
           <a:xfrm>
-            <a:off x="7439081" y="539048"/>
-            <a:ext cx="3118638" cy="5898764"/>
+            <a:off x="7574616" y="651855"/>
+            <a:ext cx="3380968" cy="5673150"/>
           </a:xfrm>
           <a:prstGeom prst="rect">
             <a:avLst/>
           </a:prstGeom>
+          <a:ln>
+            <a:solidFill>
+              <a:schemeClr val="tx1"/>
+            </a:solidFill>
+          </a:ln>
         </p:spPr>
       </p:pic>
       <p:sp>
@@ -16691,7 +17161,7 @@
         </p:nvCxnSpPr>
         <p:spPr>
           <a:xfrm flipH="1">
-            <a:off x="9889566" y="2111548"/>
+            <a:off x="10146741" y="2111548"/>
             <a:ext cx="1059180" cy="7620"/>
           </a:xfrm>
           <a:prstGeom prst="straightConnector1">
@@ -16728,7 +17198,7 @@
         </p:nvCxnSpPr>
         <p:spPr>
           <a:xfrm flipH="1">
-            <a:off x="9889566" y="3488430"/>
+            <a:off x="10146741" y="3488430"/>
             <a:ext cx="1059180" cy="7620"/>
           </a:xfrm>
           <a:prstGeom prst="straightConnector1">
@@ -16765,7 +17235,7 @@
         </p:nvCxnSpPr>
         <p:spPr>
           <a:xfrm flipH="1">
-            <a:off x="9889566" y="4626082"/>
+            <a:off x="10146741" y="4597507"/>
             <a:ext cx="1059180" cy="7620"/>
           </a:xfrm>
           <a:prstGeom prst="straightConnector1">

--- a/kubernetes/03_labels_and_deployments.pptx
+++ b/kubernetes/03_labels_and_deployments.pptx
@@ -652,7 +652,9 @@
         </p:nvSpPr>
         <p:spPr/>
         <p:txBody>
-          <a:bodyPr/>
+          <a:bodyPr>
+            <a:normAutofit lnSpcReduction="10000"/>
+          </a:bodyPr>
           <a:lstStyle/>
           <a:p>
             <a:pPr marL="0" indent="0">
@@ -800,6 +802,436 @@
               <a:rPr lang="en-US" dirty="0"/>
               <a:t> file (with way more options to customize -&gt; like the labels).</a:t>
             </a:r>
+          </a:p>
+          <a:p>
+            <a:pPr marL="0" indent="0">
+              <a:buFontTx/>
+              <a:buNone/>
+            </a:pPr>
+            <a:endParaRPr lang="en-US" dirty="0"/>
+          </a:p>
+          <a:p>
+            <a:pPr marL="0" indent="0">
+              <a:buFontTx/>
+              <a:buNone/>
+            </a:pPr>
+            <a:r>
+              <a:rPr lang="en-US" dirty="0"/>
+              <a:t>Optional: do a demo for updating (assuming your deployment is called “</a:t>
+            </a:r>
+            <a:r>
+              <a:rPr lang="en-US" dirty="0" err="1"/>
+              <a:t>nginx</a:t>
+            </a:r>
+            <a:r>
+              <a:rPr lang="en-US" dirty="0"/>
+              <a:t>”)</a:t>
+            </a:r>
+          </a:p>
+          <a:p>
+            <a:pPr marL="285750" marR="0" lvl="0" indent="-285750" algn="l" defTabSz="1088776" rtl="0" eaLnBrk="1" fontAlgn="auto" latinLnBrk="0" hangingPunct="1">
+              <a:lnSpc>
+                <a:spcPct val="100000"/>
+              </a:lnSpc>
+              <a:spcBef>
+                <a:spcPts val="0"/>
+              </a:spcBef>
+              <a:spcAft>
+                <a:spcPts val="0"/>
+              </a:spcAft>
+              <a:buClrTx/>
+              <a:buSzTx/>
+              <a:buFontTx/>
+              <a:buChar char="-"/>
+              <a:tabLst/>
+              <a:defRPr/>
+            </a:pPr>
+            <a:r>
+              <a:rPr lang="en-US" dirty="0">
+                <a:sym typeface="Wingdings" panose="05000000000000000000" pitchFamily="2" charset="2"/>
+              </a:rPr>
+              <a:t>Run “</a:t>
+            </a:r>
+            <a:r>
+              <a:rPr lang="en-US" dirty="0" err="1">
+                <a:sym typeface="Wingdings" panose="05000000000000000000" pitchFamily="2" charset="2"/>
+              </a:rPr>
+              <a:t>kubectl</a:t>
+            </a:r>
+            <a:r>
+              <a:rPr lang="en-US" dirty="0">
+                <a:sym typeface="Wingdings" panose="05000000000000000000" pitchFamily="2" charset="2"/>
+              </a:rPr>
+              <a:t> rollout status deployment </a:t>
+            </a:r>
+            <a:r>
+              <a:rPr lang="en-US" dirty="0" err="1">
+                <a:sym typeface="Wingdings" panose="05000000000000000000" pitchFamily="2" charset="2"/>
+              </a:rPr>
+              <a:t>nginx</a:t>
+            </a:r>
+            <a:r>
+              <a:rPr lang="en-US" dirty="0">
+                <a:sym typeface="Wingdings" panose="05000000000000000000" pitchFamily="2" charset="2"/>
+              </a:rPr>
+              <a:t>” in a separate shell </a:t>
+            </a:r>
+          </a:p>
+          <a:p>
+            <a:pPr marL="285750" marR="0" lvl="0" indent="-285750" algn="l" defTabSz="1088776" rtl="0" eaLnBrk="1" fontAlgn="auto" latinLnBrk="0" hangingPunct="1">
+              <a:lnSpc>
+                <a:spcPct val="100000"/>
+              </a:lnSpc>
+              <a:spcBef>
+                <a:spcPts val="0"/>
+              </a:spcBef>
+              <a:spcAft>
+                <a:spcPts val="0"/>
+              </a:spcAft>
+              <a:buClrTx/>
+              <a:buSzTx/>
+              <a:buFontTx/>
+              <a:buChar char="-"/>
+              <a:tabLst/>
+              <a:defRPr/>
+            </a:pPr>
+            <a:r>
+              <a:rPr lang="en-US" dirty="0">
+                <a:sym typeface="Wingdings" panose="05000000000000000000" pitchFamily="2" charset="2"/>
+              </a:rPr>
+              <a:t>In parallel: </a:t>
+            </a:r>
+            <a:r>
+              <a:rPr lang="en-US" dirty="0"/>
+              <a:t>“</a:t>
+            </a:r>
+            <a:r>
+              <a:rPr lang="en-US" dirty="0" err="1"/>
+              <a:t>kubectl</a:t>
+            </a:r>
+            <a:r>
+              <a:rPr lang="en-US" dirty="0"/>
+              <a:t> set image deployment/</a:t>
+            </a:r>
+            <a:r>
+              <a:rPr lang="en-US" dirty="0" err="1"/>
+              <a:t>nginx</a:t>
+            </a:r>
+            <a:r>
+              <a:rPr lang="en-US" dirty="0"/>
+              <a:t> </a:t>
+            </a:r>
+            <a:r>
+              <a:rPr lang="en-US" dirty="0" err="1"/>
+              <a:t>nginx</a:t>
+            </a:r>
+            <a:r>
+              <a:rPr lang="en-US" dirty="0"/>
+              <a:t>=</a:t>
+            </a:r>
+            <a:r>
+              <a:rPr lang="en-US" dirty="0" err="1"/>
+              <a:t>nginx:mainline</a:t>
+            </a:r>
+            <a:r>
+              <a:rPr lang="en-US" dirty="0"/>
+              <a:t> --record” </a:t>
+            </a:r>
+            <a:r>
+              <a:rPr lang="en-US" dirty="0">
+                <a:sym typeface="Wingdings" panose="05000000000000000000" pitchFamily="2" charset="2"/>
+              </a:rPr>
+              <a:t> make sure to set an image tag that differs from your first revision</a:t>
+            </a:r>
+          </a:p>
+          <a:p>
+            <a:pPr marL="285750" indent="-285750">
+              <a:buFontTx/>
+              <a:buChar char="-"/>
+            </a:pPr>
+            <a:r>
+              <a:rPr lang="en-US" dirty="0">
+                <a:sym typeface="Wingdings" panose="05000000000000000000" pitchFamily="2" charset="2"/>
+              </a:rPr>
+              <a:t>Point out, that the “--record“ parameter will “ log” the command and write it to the deployment’s annotations</a:t>
+            </a:r>
+          </a:p>
+          <a:p>
+            <a:pPr marL="285750" marR="0" lvl="0" indent="-285750" algn="l" defTabSz="1088776" rtl="0" eaLnBrk="1" fontAlgn="auto" latinLnBrk="0" hangingPunct="1">
+              <a:lnSpc>
+                <a:spcPct val="100000"/>
+              </a:lnSpc>
+              <a:spcBef>
+                <a:spcPts val="0"/>
+              </a:spcBef>
+              <a:spcAft>
+                <a:spcPts val="0"/>
+              </a:spcAft>
+              <a:buClrTx/>
+              <a:buSzTx/>
+              <a:buFontTx/>
+              <a:buChar char="-"/>
+              <a:tabLst/>
+              <a:defRPr/>
+            </a:pPr>
+            <a:r>
+              <a:rPr lang="en-US" dirty="0">
+                <a:sym typeface="Wingdings" panose="05000000000000000000" pitchFamily="2" charset="2"/>
+              </a:rPr>
+              <a:t>“</a:t>
+            </a:r>
+            <a:r>
+              <a:rPr lang="en-US" dirty="0" err="1">
+                <a:sym typeface="Wingdings" panose="05000000000000000000" pitchFamily="2" charset="2"/>
+              </a:rPr>
+              <a:t>kubectl</a:t>
+            </a:r>
+            <a:r>
+              <a:rPr lang="en-US" dirty="0">
+                <a:sym typeface="Wingdings" panose="05000000000000000000" pitchFamily="2" charset="2"/>
+              </a:rPr>
+              <a:t> rollout history deployment </a:t>
+            </a:r>
+            <a:r>
+              <a:rPr lang="en-US" dirty="0" err="1">
+                <a:sym typeface="Wingdings" panose="05000000000000000000" pitchFamily="2" charset="2"/>
+              </a:rPr>
+              <a:t>nginx</a:t>
+            </a:r>
+            <a:r>
+              <a:rPr lang="en-US" dirty="0">
+                <a:sym typeface="Wingdings" panose="05000000000000000000" pitchFamily="2" charset="2"/>
+              </a:rPr>
+              <a:t>”  you should see 2 revisions incl. the “change-cause”</a:t>
+            </a:r>
+          </a:p>
+          <a:p>
+            <a:pPr marL="0" marR="0" lvl="0" indent="0" algn="l" defTabSz="1088776" rtl="0" eaLnBrk="1" fontAlgn="auto" latinLnBrk="0" hangingPunct="1">
+              <a:lnSpc>
+                <a:spcPct val="100000"/>
+              </a:lnSpc>
+              <a:spcBef>
+                <a:spcPts val="0"/>
+              </a:spcBef>
+              <a:spcAft>
+                <a:spcPts val="0"/>
+              </a:spcAft>
+              <a:buClrTx/>
+              <a:buSzTx/>
+              <a:buFontTx/>
+              <a:buNone/>
+              <a:tabLst/>
+              <a:defRPr/>
+            </a:pPr>
+            <a:r>
+              <a:rPr lang="en-US" dirty="0"/>
+              <a:t>Optional: do a demo for a rollback</a:t>
+            </a:r>
+            <a:endParaRPr lang="en-US" dirty="0">
+              <a:sym typeface="Wingdings" panose="05000000000000000000" pitchFamily="2" charset="2"/>
+            </a:endParaRPr>
+          </a:p>
+          <a:p>
+            <a:pPr marL="285750" marR="0" lvl="0" indent="-285750" algn="l" defTabSz="1088776" rtl="0" eaLnBrk="1" fontAlgn="auto" latinLnBrk="0" hangingPunct="1">
+              <a:lnSpc>
+                <a:spcPct val="100000"/>
+              </a:lnSpc>
+              <a:spcBef>
+                <a:spcPts val="0"/>
+              </a:spcBef>
+              <a:spcAft>
+                <a:spcPts val="0"/>
+              </a:spcAft>
+              <a:buClrTx/>
+              <a:buSzTx/>
+              <a:buFontTx/>
+              <a:buChar char="-"/>
+              <a:tabLst/>
+              <a:defRPr/>
+            </a:pPr>
+            <a:r>
+              <a:rPr lang="en-US" dirty="0"/>
+              <a:t>Re-run the “set image” command while using an invalid version tag (like “invalid” or something with a typo)</a:t>
+            </a:r>
+          </a:p>
+          <a:p>
+            <a:pPr marL="285750" marR="0" lvl="0" indent="-285750" algn="l" defTabSz="1088776" rtl="0" eaLnBrk="1" fontAlgn="auto" latinLnBrk="0" hangingPunct="1">
+              <a:lnSpc>
+                <a:spcPct val="100000"/>
+              </a:lnSpc>
+              <a:spcBef>
+                <a:spcPts val="0"/>
+              </a:spcBef>
+              <a:spcAft>
+                <a:spcPts val="0"/>
+              </a:spcAft>
+              <a:buClrTx/>
+              <a:buSzTx/>
+              <a:buFontTx/>
+              <a:buChar char="-"/>
+              <a:tabLst/>
+              <a:defRPr/>
+            </a:pPr>
+            <a:r>
+              <a:rPr lang="en-US" dirty="0"/>
+              <a:t>Check the rollout status </a:t>
+            </a:r>
+            <a:r>
+              <a:rPr lang="en-US" dirty="0">
+                <a:sym typeface="Wingdings" panose="05000000000000000000" pitchFamily="2" charset="2"/>
+              </a:rPr>
+              <a:t> there should be one pod with the new image version in an error status &amp; at least 2 pods of the previous revision up and running.</a:t>
+            </a:r>
+            <a:endParaRPr lang="en-US" dirty="0"/>
+          </a:p>
+          <a:p>
+            <a:pPr marL="285750" marR="0" lvl="0" indent="-285750" algn="l" defTabSz="1088776" rtl="0" eaLnBrk="1" fontAlgn="auto" latinLnBrk="0" hangingPunct="1">
+              <a:lnSpc>
+                <a:spcPct val="100000"/>
+              </a:lnSpc>
+              <a:spcBef>
+                <a:spcPts val="0"/>
+              </a:spcBef>
+              <a:spcAft>
+                <a:spcPts val="0"/>
+              </a:spcAft>
+              <a:buClrTx/>
+              <a:buSzTx/>
+              <a:buFontTx/>
+              <a:buChar char="-"/>
+              <a:tabLst/>
+              <a:defRPr/>
+            </a:pPr>
+            <a:r>
+              <a:rPr lang="en-US" dirty="0"/>
+              <a:t>Explain the rolling update strategy and why there is only one pod in status error </a:t>
+            </a:r>
+            <a:r>
+              <a:rPr lang="en-US" dirty="0">
+                <a:sym typeface="Wingdings" panose="05000000000000000000" pitchFamily="2" charset="2"/>
+              </a:rPr>
+              <a:t> </a:t>
+            </a:r>
+            <a:r>
+              <a:rPr lang="en-US" dirty="0" err="1">
+                <a:sym typeface="Wingdings" panose="05000000000000000000" pitchFamily="2" charset="2"/>
+              </a:rPr>
+              <a:t>maxUnavailable</a:t>
+            </a:r>
+            <a:r>
+              <a:rPr lang="en-US" dirty="0">
+                <a:sym typeface="Wingdings" panose="05000000000000000000" pitchFamily="2" charset="2"/>
+              </a:rPr>
+              <a:t> (</a:t>
+            </a:r>
+            <a:r>
+              <a:rPr lang="de-DE" sz="1400" b="0" kern="1200" dirty="0" err="1">
+                <a:solidFill>
+                  <a:schemeClr val="tx1"/>
+                </a:solidFill>
+                <a:effectLst/>
+                <a:latin typeface="+mn-lt"/>
+                <a:ea typeface="+mn-ea"/>
+                <a:cs typeface="+mn-cs"/>
+              </a:rPr>
+              <a:t>kubectl</a:t>
+            </a:r>
+            <a:r>
+              <a:rPr lang="de-DE" sz="1400" b="0" kern="1200" dirty="0">
+                <a:solidFill>
+                  <a:schemeClr val="tx1"/>
+                </a:solidFill>
+                <a:effectLst/>
+                <a:latin typeface="+mn-lt"/>
+                <a:ea typeface="+mn-ea"/>
+                <a:cs typeface="+mn-cs"/>
+              </a:rPr>
+              <a:t> </a:t>
+            </a:r>
+            <a:r>
+              <a:rPr lang="de-DE" sz="1400" b="0" kern="1200" dirty="0" err="1">
+                <a:solidFill>
+                  <a:schemeClr val="tx1"/>
+                </a:solidFill>
+                <a:effectLst/>
+                <a:latin typeface="+mn-lt"/>
+                <a:ea typeface="+mn-ea"/>
+                <a:cs typeface="+mn-cs"/>
+              </a:rPr>
+              <a:t>explain</a:t>
+            </a:r>
+            <a:r>
+              <a:rPr lang="de-DE" sz="1400" b="0" kern="1200" dirty="0">
+                <a:solidFill>
+                  <a:schemeClr val="tx1"/>
+                </a:solidFill>
+                <a:effectLst/>
+                <a:latin typeface="+mn-lt"/>
+                <a:ea typeface="+mn-ea"/>
+                <a:cs typeface="+mn-cs"/>
+              </a:rPr>
+              <a:t> </a:t>
+            </a:r>
+            <a:r>
+              <a:rPr lang="de-DE" sz="1400" b="0" kern="1200" dirty="0" err="1">
+                <a:solidFill>
+                  <a:schemeClr val="tx1"/>
+                </a:solidFill>
+                <a:effectLst/>
+                <a:latin typeface="+mn-lt"/>
+                <a:ea typeface="+mn-ea"/>
+                <a:cs typeface="+mn-cs"/>
+              </a:rPr>
+              <a:t>deployment.spec.strategy.rollingUpdate</a:t>
+            </a:r>
+            <a:r>
+              <a:rPr lang="de-DE" sz="1400" b="0" kern="1200" dirty="0">
+                <a:solidFill>
+                  <a:schemeClr val="tx1"/>
+                </a:solidFill>
+                <a:effectLst/>
+                <a:latin typeface="+mn-lt"/>
+                <a:ea typeface="+mn-ea"/>
+                <a:cs typeface="+mn-cs"/>
+              </a:rPr>
+              <a:t>)</a:t>
+            </a:r>
+          </a:p>
+          <a:p>
+            <a:pPr marL="285750" marR="0" lvl="0" indent="-285750" algn="l" defTabSz="1088776" rtl="0" eaLnBrk="1" fontAlgn="auto" latinLnBrk="0" hangingPunct="1">
+              <a:lnSpc>
+                <a:spcPct val="100000"/>
+              </a:lnSpc>
+              <a:spcBef>
+                <a:spcPts val="0"/>
+              </a:spcBef>
+              <a:spcAft>
+                <a:spcPts val="0"/>
+              </a:spcAft>
+              <a:buClrTx/>
+              <a:buSzTx/>
+              <a:buFontTx/>
+              <a:buChar char="-"/>
+              <a:tabLst/>
+              <a:defRPr/>
+            </a:pPr>
+            <a:r>
+              <a:rPr lang="en-US" dirty="0"/>
+              <a:t> Do the rollback: </a:t>
+            </a:r>
+            <a:r>
+              <a:rPr lang="en-US" dirty="0" err="1"/>
+              <a:t>kubectl</a:t>
+            </a:r>
+            <a:r>
+              <a:rPr lang="en-US" dirty="0"/>
+              <a:t> rollout undo deployment </a:t>
+            </a:r>
+            <a:r>
+              <a:rPr lang="en-US" dirty="0" err="1"/>
+              <a:t>nginx</a:t>
+            </a:r>
+            <a:endParaRPr lang="en-US" dirty="0"/>
           </a:p>
           <a:p>
             <a:pPr marL="285750" indent="-285750">

--- a/kubernetes/03_labels_and_deployments.pptx
+++ b/kubernetes/03_labels_and_deployments.pptx
@@ -1001,7 +1001,7 @@
             </a:r>
             <a:r>
               <a:rPr lang="en-US" dirty="0"/>
-              <a:t> run” command to create a deployment</a:t>
+              <a:t> create deployment &lt;name&gt; --image=&lt;image&gt;” command to create a deployment (note that “run” generators are deprecated for everything but pods)</a:t>
             </a:r>
           </a:p>
           <a:p>
@@ -19628,15 +19628,7 @@
             </a:r>
             <a:r>
               <a:rPr lang="en-US" dirty="0"/>
-              <a:t>/</a:t>
-            </a:r>
-            <a:r>
-              <a:rPr lang="en-US" dirty="0" err="1"/>
-              <a:t>json</a:t>
-            </a:r>
-            <a:r>
-              <a:rPr lang="en-US" dirty="0"/>
-              <a:t> file or by “</a:t>
+              <a:t>/json file or by “</a:t>
             </a:r>
             <a:r>
               <a:rPr lang="en-US" dirty="0" err="1"/>
@@ -19644,7 +19636,7 @@
             </a:r>
             <a:r>
               <a:rPr lang="en-US" dirty="0"/>
-              <a:t> run &lt;name&gt; --image=&lt;image&gt;</a:t>
+              <a:t> create deployment &lt;name&gt; --image=&lt;image&gt;</a:t>
             </a:r>
           </a:p>
           <a:p>
